--- a/UpdateMachine Learning I Short Project.pptx
+++ b/UpdateMachine Learning I Short Project.pptx
@@ -5,7 +5,7 @@
     <p:sldMasterId id="2147483648" r:id="rId4"/>
   </p:sldMasterIdLst>
   <p:notesMasterIdLst>
-    <p:notesMasterId r:id="rId20"/>
+    <p:notesMasterId r:id="rId23"/>
   </p:notesMasterIdLst>
   <p:sldIdLst>
     <p:sldId id="256" r:id="rId5"/>
@@ -13,16 +13,19 @@
     <p:sldId id="258" r:id="rId7"/>
     <p:sldId id="259" r:id="rId8"/>
     <p:sldId id="260" r:id="rId9"/>
-    <p:sldId id="261" r:id="rId10"/>
-    <p:sldId id="262" r:id="rId11"/>
-    <p:sldId id="263" r:id="rId12"/>
-    <p:sldId id="264" r:id="rId13"/>
-    <p:sldId id="265" r:id="rId14"/>
-    <p:sldId id="267" r:id="rId15"/>
-    <p:sldId id="266" r:id="rId16"/>
-    <p:sldId id="269" r:id="rId17"/>
-    <p:sldId id="268" r:id="rId18"/>
-    <p:sldId id="270" r:id="rId19"/>
+    <p:sldId id="271" r:id="rId10"/>
+    <p:sldId id="261" r:id="rId11"/>
+    <p:sldId id="272" r:id="rId12"/>
+    <p:sldId id="262" r:id="rId13"/>
+    <p:sldId id="273" r:id="rId14"/>
+    <p:sldId id="263" r:id="rId15"/>
+    <p:sldId id="264" r:id="rId16"/>
+    <p:sldId id="265" r:id="rId17"/>
+    <p:sldId id="267" r:id="rId18"/>
+    <p:sldId id="266" r:id="rId19"/>
+    <p:sldId id="269" r:id="rId20"/>
+    <p:sldId id="268" r:id="rId21"/>
+    <p:sldId id="270" r:id="rId22"/>
   </p:sldIdLst>
   <p:sldSz cx="12192000" cy="6858000"/>
   <p:notesSz cx="6858000" cy="9144000"/>
@@ -710,45 +713,7 @@
           <a:bodyPr/>
           <a:lstStyle/>
           <a:p>
-            <a:r>
-              <a:rPr lang="pl-PL" dirty="0"/>
-              <a:t>Plot </a:t>
-            </a:r>
-            <a:r>
-              <a:rPr lang="pl-PL" dirty="0" err="1"/>
-              <a:t>larger</a:t>
-            </a:r>
-            <a:r>
-              <a:rPr lang="pl-PL" dirty="0"/>
-              <a:t>, one </a:t>
-            </a:r>
-            <a:r>
-              <a:rPr lang="pl-PL" dirty="0" err="1"/>
-              <a:t>score</a:t>
-            </a:r>
-            <a:r>
-              <a:rPr lang="pl-PL" dirty="0"/>
-              <a:t> (R2?), </a:t>
-            </a:r>
-            <a:r>
-              <a:rPr lang="pl-PL" dirty="0" err="1"/>
-              <a:t>round</a:t>
-            </a:r>
-            <a:r>
-              <a:rPr lang="pl-PL" dirty="0"/>
-              <a:t> the </a:t>
-            </a:r>
-            <a:r>
-              <a:rPr lang="pl-PL" dirty="0" err="1"/>
-              <a:t>scores</a:t>
-            </a:r>
-            <a:endParaRPr lang="pl-PL" dirty="0"/>
-          </a:p>
-          <a:p>
-            <a:r>
-              <a:rPr lang="en-US" dirty="0"/>
-              <a:t>Scores with best alpha at 10</a:t>
-            </a:r>
+            <a:endParaRPr lang="en-US" dirty="0"/>
           </a:p>
         </p:txBody>
       </p:sp>
@@ -778,7 +743,7 @@
     </p:spTree>
     <p:extLst>
       <p:ext uri="{BB962C8B-B14F-4D97-AF65-F5344CB8AC3E}">
-        <p14:creationId xmlns:p14="http://schemas.microsoft.com/office/powerpoint/2010/main" val="1638388086"/>
+        <p14:creationId xmlns:p14="http://schemas.microsoft.com/office/powerpoint/2010/main" val="2941363658"/>
       </p:ext>
     </p:extLst>
   </p:cSld>
@@ -833,20 +798,18 @@
           <a:lstStyle/>
           <a:p>
             <a:r>
+              <a:rPr lang="pl-PL" dirty="0" err="1"/>
+              <a:t>Add</a:t>
+            </a:r>
+            <a:r>
               <a:rPr lang="pl-PL" dirty="0"/>
-              <a:t>Same as </a:t>
+              <a:t> </a:t>
             </a:r>
             <a:r>
               <a:rPr lang="pl-PL" dirty="0" err="1"/>
-              <a:t>ridge</a:t>
-            </a:r>
-            <a:endParaRPr lang="pl-PL" dirty="0"/>
-          </a:p>
-          <a:p>
-            <a:r>
-              <a:rPr lang="en-US" dirty="0"/>
-              <a:t>Scores with best alpha at 10</a:t>
-            </a:r>
+              <a:t>hurdle</a:t>
+            </a:r>
+            <a:endParaRPr lang="en-US" dirty="0"/>
           </a:p>
         </p:txBody>
       </p:sp>
@@ -876,7 +839,7 @@
     </p:spTree>
     <p:extLst>
       <p:ext uri="{BB962C8B-B14F-4D97-AF65-F5344CB8AC3E}">
-        <p14:creationId xmlns:p14="http://schemas.microsoft.com/office/powerpoint/2010/main" val="785283360"/>
+        <p14:creationId xmlns:p14="http://schemas.microsoft.com/office/powerpoint/2010/main" val="3773630437"/>
       </p:ext>
     </p:extLst>
   </p:cSld>
@@ -931,12 +894,8 @@
           <a:lstStyle/>
           <a:p>
             <a:r>
-              <a:rPr lang="pl-PL" dirty="0"/>
-              <a:t>TODO: </a:t>
-            </a:r>
-            <a:r>
               <a:rPr lang="pl-PL" dirty="0" err="1"/>
-              <a:t>Copy</a:t>
+              <a:t>Round</a:t>
             </a:r>
             <a:r>
               <a:rPr lang="pl-PL" dirty="0"/>
@@ -944,7 +903,23 @@
             </a:r>
             <a:r>
               <a:rPr lang="pl-PL" dirty="0" err="1"/>
-              <a:t>table</a:t>
+              <a:t>scores</a:t>
+            </a:r>
+            <a:r>
+              <a:rPr lang="pl-PL" dirty="0"/>
+              <a:t>, </a:t>
+            </a:r>
+            <a:r>
+              <a:rPr lang="pl-PL" dirty="0" err="1"/>
+              <a:t>remove</a:t>
+            </a:r>
+            <a:r>
+              <a:rPr lang="pl-PL" dirty="0"/>
+              <a:t> MAE (</a:t>
+            </a:r>
+            <a:r>
+              <a:rPr lang="pl-PL" dirty="0" err="1"/>
+              <a:t>or</a:t>
             </a:r>
             <a:r>
               <a:rPr lang="pl-PL" dirty="0"/>
@@ -952,33 +927,76 @@
             </a:r>
             <a:r>
               <a:rPr lang="pl-PL" dirty="0" err="1"/>
-              <a:t>contents</a:t>
+              <a:t>even</a:t>
             </a:r>
             <a:r>
               <a:rPr lang="pl-PL" dirty="0"/>
-              <a:t>, not the </a:t>
+              <a:t> RMSE? </a:t>
             </a:r>
             <a:r>
               <a:rPr lang="pl-PL" dirty="0" err="1"/>
-              <a:t>photo</a:t>
+              <a:t>dunno</a:t>
             </a:r>
             <a:r>
               <a:rPr lang="pl-PL" dirty="0"/>
-              <a:t> – to </a:t>
-            </a:r>
+              <a:t>)</a:t>
+            </a:r>
+          </a:p>
+          <a:p>
+            <a:pPr marL="0" marR="0" lvl="0" indent="0" algn="l" defTabSz="914400" rtl="0" eaLnBrk="1" fontAlgn="auto" latinLnBrk="0" hangingPunct="1">
+              <a:lnSpc>
+                <a:spcPct val="100000"/>
+              </a:lnSpc>
+              <a:spcBef>
+                <a:spcPts val="0"/>
+              </a:spcBef>
+              <a:spcAft>
+                <a:spcPts val="0"/>
+              </a:spcAft>
+              <a:buClrTx/>
+              <a:buSzTx/>
+              <a:buFontTx/>
+              <a:buNone/>
+              <a:tabLst/>
+              <a:defRPr/>
+            </a:pPr>
             <a:r>
               <a:rPr lang="pl-PL" dirty="0" err="1"/>
-              <a:t>keep</a:t>
+              <a:t>That</a:t>
             </a:r>
             <a:r>
               <a:rPr lang="pl-PL" dirty="0"/>
-              <a:t> the same </a:t>
+              <a:t> </a:t>
             </a:r>
             <a:r>
               <a:rPr lang="pl-PL" dirty="0" err="1"/>
-              <a:t>font</a:t>
-            </a:r>
-            <a:endParaRPr lang="pl-PL" dirty="0"/>
+              <a:t>slide</a:t>
+            </a:r>
+            <a:r>
+              <a:rPr lang="pl-PL" dirty="0"/>
+              <a:t> </a:t>
+            </a:r>
+            <a:r>
+              <a:rPr lang="pl-PL" dirty="0" err="1"/>
+              <a:t>is</a:t>
+            </a:r>
+            <a:r>
+              <a:rPr lang="pl-PL" dirty="0"/>
+              <a:t> </a:t>
+            </a:r>
+            <a:r>
+              <a:rPr lang="pl-PL" dirty="0" err="1"/>
+              <a:t>very</a:t>
+            </a:r>
+            <a:r>
+              <a:rPr lang="pl-PL" dirty="0"/>
+              <a:t> off </a:t>
+            </a:r>
+            <a:r>
+              <a:rPr lang="pl-PL" dirty="0" err="1"/>
+              <a:t>actually</a:t>
+            </a:r>
+            <a:endParaRPr lang="en-US" dirty="0"/>
           </a:p>
         </p:txBody>
       </p:sp>
@@ -1008,6 +1026,358 @@
     </p:spTree>
     <p:extLst>
       <p:ext uri="{BB962C8B-B14F-4D97-AF65-F5344CB8AC3E}">
+        <p14:creationId xmlns:p14="http://schemas.microsoft.com/office/powerpoint/2010/main" val="3751397567"/>
+      </p:ext>
+    </p:extLst>
+  </p:cSld>
+  <p:clrMapOvr>
+    <a:masterClrMapping/>
+  </p:clrMapOvr>
+</p:notes>
+</file>
+
+<file path=ppt/notesSlides/notesSlide13.xml><?xml version="1.0" encoding="utf-8"?>
+<p:notes xmlns:a="http://schemas.openxmlformats.org/drawingml/2006/main" xmlns:r="http://schemas.openxmlformats.org/officeDocument/2006/relationships" xmlns:p="http://schemas.openxmlformats.org/presentationml/2006/main">
+  <p:cSld>
+    <p:spTree>
+      <p:nvGrpSpPr>
+        <p:cNvPr id="1" name=""/>
+        <p:cNvGrpSpPr/>
+        <p:nvPr/>
+      </p:nvGrpSpPr>
+      <p:grpSpPr>
+        <a:xfrm>
+          <a:off x="0" y="0"/>
+          <a:ext cx="0" cy="0"/>
+          <a:chOff x="0" y="0"/>
+          <a:chExt cx="0" cy="0"/>
+        </a:xfrm>
+      </p:grpSpPr>
+      <p:sp>
+        <p:nvSpPr>
+          <p:cNvPr id="2" name="Slide Image Placeholder 1"/>
+          <p:cNvSpPr>
+            <a:spLocks noGrp="1" noRot="1" noChangeAspect="1"/>
+          </p:cNvSpPr>
+          <p:nvPr>
+            <p:ph type="sldImg"/>
+          </p:nvPr>
+        </p:nvSpPr>
+        <p:spPr/>
+      </p:sp>
+      <p:sp>
+        <p:nvSpPr>
+          <p:cNvPr id="3" name="Notes Placeholder 2"/>
+          <p:cNvSpPr>
+            <a:spLocks noGrp="1"/>
+          </p:cNvSpPr>
+          <p:nvPr>
+            <p:ph type="body" idx="1"/>
+          </p:nvPr>
+        </p:nvSpPr>
+        <p:spPr/>
+        <p:txBody>
+          <a:bodyPr/>
+          <a:lstStyle/>
+          <a:p>
+            <a:r>
+              <a:rPr lang="pl-PL" dirty="0"/>
+              <a:t>Plot </a:t>
+            </a:r>
+            <a:r>
+              <a:rPr lang="pl-PL" dirty="0" err="1"/>
+              <a:t>larger</a:t>
+            </a:r>
+            <a:r>
+              <a:rPr lang="pl-PL" dirty="0"/>
+              <a:t>, one </a:t>
+            </a:r>
+            <a:r>
+              <a:rPr lang="pl-PL" dirty="0" err="1"/>
+              <a:t>score</a:t>
+            </a:r>
+            <a:r>
+              <a:rPr lang="pl-PL" dirty="0"/>
+              <a:t> (R2?), </a:t>
+            </a:r>
+            <a:r>
+              <a:rPr lang="pl-PL" dirty="0" err="1"/>
+              <a:t>round</a:t>
+            </a:r>
+            <a:r>
+              <a:rPr lang="pl-PL" dirty="0"/>
+              <a:t> the </a:t>
+            </a:r>
+            <a:r>
+              <a:rPr lang="pl-PL" dirty="0" err="1"/>
+              <a:t>scores</a:t>
+            </a:r>
+            <a:endParaRPr lang="pl-PL" dirty="0"/>
+          </a:p>
+          <a:p>
+            <a:r>
+              <a:rPr lang="en-US" dirty="0"/>
+              <a:t>Scores with best alpha at 10</a:t>
+            </a:r>
+          </a:p>
+        </p:txBody>
+      </p:sp>
+      <p:sp>
+        <p:nvSpPr>
+          <p:cNvPr id="4" name="Slide Number Placeholder 3"/>
+          <p:cNvSpPr>
+            <a:spLocks noGrp="1"/>
+          </p:cNvSpPr>
+          <p:nvPr>
+            <p:ph type="sldNum" sz="quarter" idx="5"/>
+          </p:nvPr>
+        </p:nvSpPr>
+        <p:spPr/>
+        <p:txBody>
+          <a:bodyPr/>
+          <a:lstStyle/>
+          <a:p>
+            <a:fld id="{E1DAF758-79EF-40A8-B313-F33FB4F06C02}" type="slidenum">
+              <a:rPr lang="tr-TR" smtClean="0"/>
+              <a:t>13</a:t>
+            </a:fld>
+            <a:endParaRPr lang="tr-TR"/>
+          </a:p>
+        </p:txBody>
+      </p:sp>
+    </p:spTree>
+    <p:extLst>
+      <p:ext uri="{BB962C8B-B14F-4D97-AF65-F5344CB8AC3E}">
+        <p14:creationId xmlns:p14="http://schemas.microsoft.com/office/powerpoint/2010/main" val="1638388086"/>
+      </p:ext>
+    </p:extLst>
+  </p:cSld>
+  <p:clrMapOvr>
+    <a:masterClrMapping/>
+  </p:clrMapOvr>
+</p:notes>
+</file>
+
+<file path=ppt/notesSlides/notesSlide14.xml><?xml version="1.0" encoding="utf-8"?>
+<p:notes xmlns:a="http://schemas.openxmlformats.org/drawingml/2006/main" xmlns:r="http://schemas.openxmlformats.org/officeDocument/2006/relationships" xmlns:p="http://schemas.openxmlformats.org/presentationml/2006/main">
+  <p:cSld>
+    <p:spTree>
+      <p:nvGrpSpPr>
+        <p:cNvPr id="1" name=""/>
+        <p:cNvGrpSpPr/>
+        <p:nvPr/>
+      </p:nvGrpSpPr>
+      <p:grpSpPr>
+        <a:xfrm>
+          <a:off x="0" y="0"/>
+          <a:ext cx="0" cy="0"/>
+          <a:chOff x="0" y="0"/>
+          <a:chExt cx="0" cy="0"/>
+        </a:xfrm>
+      </p:grpSpPr>
+      <p:sp>
+        <p:nvSpPr>
+          <p:cNvPr id="2" name="Slide Image Placeholder 1"/>
+          <p:cNvSpPr>
+            <a:spLocks noGrp="1" noRot="1" noChangeAspect="1"/>
+          </p:cNvSpPr>
+          <p:nvPr>
+            <p:ph type="sldImg"/>
+          </p:nvPr>
+        </p:nvSpPr>
+        <p:spPr/>
+      </p:sp>
+      <p:sp>
+        <p:nvSpPr>
+          <p:cNvPr id="3" name="Notes Placeholder 2"/>
+          <p:cNvSpPr>
+            <a:spLocks noGrp="1"/>
+          </p:cNvSpPr>
+          <p:nvPr>
+            <p:ph type="body" idx="1"/>
+          </p:nvPr>
+        </p:nvSpPr>
+        <p:spPr/>
+        <p:txBody>
+          <a:bodyPr/>
+          <a:lstStyle/>
+          <a:p>
+            <a:r>
+              <a:rPr lang="pl-PL" dirty="0"/>
+              <a:t>Same as </a:t>
+            </a:r>
+            <a:r>
+              <a:rPr lang="pl-PL" dirty="0" err="1"/>
+              <a:t>ridge</a:t>
+            </a:r>
+            <a:endParaRPr lang="pl-PL" dirty="0"/>
+          </a:p>
+          <a:p>
+            <a:r>
+              <a:rPr lang="en-US" dirty="0"/>
+              <a:t>Scores with best alpha at 10</a:t>
+            </a:r>
+          </a:p>
+        </p:txBody>
+      </p:sp>
+      <p:sp>
+        <p:nvSpPr>
+          <p:cNvPr id="4" name="Slide Number Placeholder 3"/>
+          <p:cNvSpPr>
+            <a:spLocks noGrp="1"/>
+          </p:cNvSpPr>
+          <p:nvPr>
+            <p:ph type="sldNum" sz="quarter" idx="5"/>
+          </p:nvPr>
+        </p:nvSpPr>
+        <p:spPr/>
+        <p:txBody>
+          <a:bodyPr/>
+          <a:lstStyle/>
+          <a:p>
+            <a:fld id="{E1DAF758-79EF-40A8-B313-F33FB4F06C02}" type="slidenum">
+              <a:rPr lang="tr-TR" smtClean="0"/>
+              <a:t>14</a:t>
+            </a:fld>
+            <a:endParaRPr lang="tr-TR"/>
+          </a:p>
+        </p:txBody>
+      </p:sp>
+    </p:spTree>
+    <p:extLst>
+      <p:ext uri="{BB962C8B-B14F-4D97-AF65-F5344CB8AC3E}">
+        <p14:creationId xmlns:p14="http://schemas.microsoft.com/office/powerpoint/2010/main" val="785283360"/>
+      </p:ext>
+    </p:extLst>
+  </p:cSld>
+  <p:clrMapOvr>
+    <a:masterClrMapping/>
+  </p:clrMapOvr>
+</p:notes>
+</file>
+
+<file path=ppt/notesSlides/notesSlide15.xml><?xml version="1.0" encoding="utf-8"?>
+<p:notes xmlns:a="http://schemas.openxmlformats.org/drawingml/2006/main" xmlns:r="http://schemas.openxmlformats.org/officeDocument/2006/relationships" xmlns:p="http://schemas.openxmlformats.org/presentationml/2006/main">
+  <p:cSld>
+    <p:spTree>
+      <p:nvGrpSpPr>
+        <p:cNvPr id="1" name=""/>
+        <p:cNvGrpSpPr/>
+        <p:nvPr/>
+      </p:nvGrpSpPr>
+      <p:grpSpPr>
+        <a:xfrm>
+          <a:off x="0" y="0"/>
+          <a:ext cx="0" cy="0"/>
+          <a:chOff x="0" y="0"/>
+          <a:chExt cx="0" cy="0"/>
+        </a:xfrm>
+      </p:grpSpPr>
+      <p:sp>
+        <p:nvSpPr>
+          <p:cNvPr id="2" name="Symbol zastępczy obrazu slajdu 1"/>
+          <p:cNvSpPr>
+            <a:spLocks noGrp="1" noRot="1" noChangeAspect="1"/>
+          </p:cNvSpPr>
+          <p:nvPr>
+            <p:ph type="sldImg"/>
+          </p:nvPr>
+        </p:nvSpPr>
+        <p:spPr/>
+      </p:sp>
+      <p:sp>
+        <p:nvSpPr>
+          <p:cNvPr id="3" name="Symbol zastępczy notatek 2"/>
+          <p:cNvSpPr>
+            <a:spLocks noGrp="1"/>
+          </p:cNvSpPr>
+          <p:nvPr>
+            <p:ph type="body" idx="1"/>
+          </p:nvPr>
+        </p:nvSpPr>
+        <p:spPr/>
+        <p:txBody>
+          <a:bodyPr/>
+          <a:lstStyle/>
+          <a:p>
+            <a:r>
+              <a:rPr lang="pl-PL" dirty="0"/>
+              <a:t>TODO: </a:t>
+            </a:r>
+            <a:r>
+              <a:rPr lang="pl-PL" dirty="0" err="1"/>
+              <a:t>Copy</a:t>
+            </a:r>
+            <a:r>
+              <a:rPr lang="pl-PL" dirty="0"/>
+              <a:t> the </a:t>
+            </a:r>
+            <a:r>
+              <a:rPr lang="pl-PL" dirty="0" err="1"/>
+              <a:t>table</a:t>
+            </a:r>
+            <a:r>
+              <a:rPr lang="pl-PL" dirty="0"/>
+              <a:t> </a:t>
+            </a:r>
+            <a:r>
+              <a:rPr lang="pl-PL" dirty="0" err="1"/>
+              <a:t>contents</a:t>
+            </a:r>
+            <a:r>
+              <a:rPr lang="pl-PL" dirty="0"/>
+              <a:t>, not the </a:t>
+            </a:r>
+            <a:r>
+              <a:rPr lang="pl-PL" dirty="0" err="1"/>
+              <a:t>photo</a:t>
+            </a:r>
+            <a:r>
+              <a:rPr lang="pl-PL" dirty="0"/>
+              <a:t> – to </a:t>
+            </a:r>
+            <a:r>
+              <a:rPr lang="pl-PL" dirty="0" err="1"/>
+              <a:t>keep</a:t>
+            </a:r>
+            <a:r>
+              <a:rPr lang="pl-PL" dirty="0"/>
+              <a:t> the same </a:t>
+            </a:r>
+            <a:r>
+              <a:rPr lang="pl-PL" dirty="0" err="1"/>
+              <a:t>font</a:t>
+            </a:r>
+            <a:endParaRPr lang="pl-PL" dirty="0"/>
+          </a:p>
+        </p:txBody>
+      </p:sp>
+      <p:sp>
+        <p:nvSpPr>
+          <p:cNvPr id="4" name="Symbol zastępczy numeru slajdu 3"/>
+          <p:cNvSpPr>
+            <a:spLocks noGrp="1"/>
+          </p:cNvSpPr>
+          <p:nvPr>
+            <p:ph type="sldNum" sz="quarter" idx="5"/>
+          </p:nvPr>
+        </p:nvSpPr>
+        <p:spPr/>
+        <p:txBody>
+          <a:bodyPr/>
+          <a:lstStyle/>
+          <a:p>
+            <a:fld id="{E1DAF758-79EF-40A8-B313-F33FB4F06C02}" type="slidenum">
+              <a:rPr lang="tr-TR" smtClean="0"/>
+              <a:t>15</a:t>
+            </a:fld>
+            <a:endParaRPr lang="tr-TR"/>
+          </a:p>
+        </p:txBody>
+      </p:sp>
+    </p:spTree>
+    <p:extLst>
+      <p:ext uri="{BB962C8B-B14F-4D97-AF65-F5344CB8AC3E}">
         <p14:creationId xmlns:p14="http://schemas.microsoft.com/office/powerpoint/2010/main" val="3718672333"/>
       </p:ext>
     </p:extLst>
@@ -1018,7 +1388,7 @@
 </p:notes>
 </file>
 
-<file path=ppt/notesSlides/notesSlide13.xml><?xml version="1.0" encoding="utf-8"?>
+<file path=ppt/notesSlides/notesSlide16.xml><?xml version="1.0" encoding="utf-8"?>
 <p:notes xmlns:a="http://schemas.openxmlformats.org/drawingml/2006/main" xmlns:r="http://schemas.openxmlformats.org/officeDocument/2006/relationships" xmlns:p="http://schemas.openxmlformats.org/presentationml/2006/main">
   <p:cSld>
     <p:spTree>
@@ -1083,7 +1453,7 @@
           <a:p>
             <a:fld id="{E1DAF758-79EF-40A8-B313-F33FB4F06C02}" type="slidenum">
               <a:rPr lang="tr-TR" smtClean="0"/>
-              <a:t>15</a:t>
+              <a:t>18</a:t>
             </a:fld>
             <a:endParaRPr lang="tr-TR"/>
           </a:p>
@@ -1925,73 +2295,6 @@
           <a:bodyPr/>
           <a:lstStyle/>
           <a:p>
-            <a:r>
-              <a:rPr lang="pl-PL" dirty="0"/>
-              <a:t>I cant </a:t>
-            </a:r>
-            <a:r>
-              <a:rPr lang="pl-PL" dirty="0" err="1"/>
-              <a:t>see</a:t>
-            </a:r>
-            <a:r>
-              <a:rPr lang="pl-PL" dirty="0"/>
-              <a:t> </a:t>
-            </a:r>
-            <a:r>
-              <a:rPr lang="pl-PL" dirty="0" err="1"/>
-              <a:t>anything</a:t>
-            </a:r>
-            <a:r>
-              <a:rPr lang="pl-PL" dirty="0"/>
-              <a:t> </a:t>
-            </a:r>
-            <a:r>
-              <a:rPr lang="pl-PL" dirty="0" err="1"/>
-              <a:t>here</a:t>
-            </a:r>
-            <a:r>
-              <a:rPr lang="pl-PL" dirty="0"/>
-              <a:t>, </a:t>
-            </a:r>
-            <a:r>
-              <a:rPr lang="pl-PL" dirty="0" err="1"/>
-              <a:t>maybe</a:t>
-            </a:r>
-            <a:r>
-              <a:rPr lang="pl-PL" dirty="0"/>
-              <a:t> drop the </a:t>
-            </a:r>
-            <a:r>
-              <a:rPr lang="pl-PL" dirty="0" err="1"/>
-              <a:t>head</a:t>
-            </a:r>
-            <a:r>
-              <a:rPr lang="pl-PL" dirty="0"/>
-              <a:t> part? As </a:t>
-            </a:r>
-            <a:r>
-              <a:rPr lang="pl-PL" dirty="0" err="1"/>
-              <a:t>this</a:t>
-            </a:r>
-            <a:r>
-              <a:rPr lang="pl-PL" dirty="0"/>
-              <a:t> </a:t>
-            </a:r>
-            <a:r>
-              <a:rPr lang="pl-PL" dirty="0" err="1"/>
-              <a:t>won’t</a:t>
-            </a:r>
-            <a:r>
-              <a:rPr lang="pl-PL" dirty="0"/>
-              <a:t> be </a:t>
-            </a:r>
-            <a:r>
-              <a:rPr lang="pl-PL" dirty="0" err="1"/>
-              <a:t>visibal</a:t>
-            </a:r>
-            <a:endParaRPr lang="pl-PL" dirty="0"/>
-          </a:p>
-          <a:p>
             <a:endParaRPr lang="pl-PL" dirty="0"/>
           </a:p>
           <a:p>
@@ -2264,10 +2567,102 @@
           <a:lstStyle/>
           <a:p>
             <a:r>
-              <a:rPr lang="en-US" dirty="0">
-                <a:effectLst/>
-              </a:rPr>
-              <a:t>When showing the histogram with final grade, please mention that there are lots of 0s and not many below 5 - important for me when talking about hurdle model</a:t>
+              <a:rPr lang="pl-PL" dirty="0"/>
+              <a:t>TODO: </a:t>
+            </a:r>
+            <a:r>
+              <a:rPr lang="pl-PL" dirty="0" err="1"/>
+              <a:t>maybe</a:t>
+            </a:r>
+            <a:r>
+              <a:rPr lang="pl-PL" dirty="0"/>
+              <a:t> </a:t>
+            </a:r>
+            <a:r>
+              <a:rPr lang="pl-PL" dirty="0" err="1"/>
+              <a:t>put</a:t>
+            </a:r>
+            <a:r>
+              <a:rPr lang="pl-PL" dirty="0"/>
+              <a:t> one plot on one </a:t>
+            </a:r>
+            <a:r>
+              <a:rPr lang="pl-PL" dirty="0" err="1"/>
+              <a:t>slide</a:t>
+            </a:r>
+            <a:r>
+              <a:rPr lang="pl-PL" dirty="0"/>
+              <a:t>? </a:t>
+            </a:r>
+            <a:r>
+              <a:rPr lang="pl-PL" dirty="0" err="1"/>
+              <a:t>Now</a:t>
+            </a:r>
+            <a:r>
+              <a:rPr lang="pl-PL" dirty="0"/>
+              <a:t> </a:t>
+            </a:r>
+            <a:r>
+              <a:rPr lang="pl-PL" dirty="0" err="1"/>
+              <a:t>these</a:t>
+            </a:r>
+            <a:r>
+              <a:rPr lang="pl-PL" dirty="0"/>
+              <a:t> </a:t>
+            </a:r>
+            <a:r>
+              <a:rPr lang="pl-PL" dirty="0" err="1"/>
+              <a:t>are</a:t>
+            </a:r>
+            <a:r>
+              <a:rPr lang="pl-PL" dirty="0"/>
+              <a:t> </a:t>
+            </a:r>
+            <a:r>
+              <a:rPr lang="pl-PL" dirty="0" err="1"/>
+              <a:t>very</a:t>
+            </a:r>
+            <a:r>
+              <a:rPr lang="pl-PL" dirty="0"/>
+              <a:t> small and </a:t>
+            </a:r>
+            <a:r>
+              <a:rPr lang="pl-PL" dirty="0" err="1"/>
+              <a:t>labels</a:t>
+            </a:r>
+            <a:r>
+              <a:rPr lang="pl-PL" dirty="0"/>
+              <a:t> not </a:t>
+            </a:r>
+            <a:r>
+              <a:rPr lang="pl-PL" dirty="0" err="1"/>
+              <a:t>visible</a:t>
+            </a:r>
+            <a:r>
+              <a:rPr lang="pl-PL" dirty="0"/>
+              <a:t> </a:t>
+            </a:r>
+            <a:r>
+              <a:rPr lang="pl-PL" dirty="0" err="1"/>
+              <a:t>at</a:t>
+            </a:r>
+            <a:r>
+              <a:rPr lang="pl-PL" dirty="0"/>
+              <a:t> </a:t>
+            </a:r>
+            <a:r>
+              <a:rPr lang="pl-PL" dirty="0" err="1"/>
+              <a:t>all</a:t>
+            </a:r>
+            <a:endParaRPr lang="pl-PL" dirty="0"/>
+          </a:p>
+          <a:p>
+            <a:endParaRPr lang="pl-PL" dirty="0"/>
+          </a:p>
+          <a:p>
+            <a:r>
+              <a:rPr lang="en-US" dirty="0"/>
+              <a:t>There are lots of columns so lets create a subset of data based on heatmap.</a:t>
             </a:r>
           </a:p>
         </p:txBody>
@@ -2298,6 +2693,95 @@
     </p:spTree>
     <p:extLst>
       <p:ext uri="{BB962C8B-B14F-4D97-AF65-F5344CB8AC3E}">
+        <p14:creationId xmlns:p14="http://schemas.microsoft.com/office/powerpoint/2010/main" val="28889467"/>
+      </p:ext>
+    </p:extLst>
+  </p:cSld>
+  <p:clrMapOvr>
+    <a:masterClrMapping/>
+  </p:clrMapOvr>
+</p:notes>
+</file>
+
+<file path=ppt/notesSlides/notesSlide7.xml><?xml version="1.0" encoding="utf-8"?>
+<p:notes xmlns:a="http://schemas.openxmlformats.org/drawingml/2006/main" xmlns:r="http://schemas.openxmlformats.org/officeDocument/2006/relationships" xmlns:p="http://schemas.openxmlformats.org/presentationml/2006/main">
+  <p:cSld>
+    <p:spTree>
+      <p:nvGrpSpPr>
+        <p:cNvPr id="1" name=""/>
+        <p:cNvGrpSpPr/>
+        <p:nvPr/>
+      </p:nvGrpSpPr>
+      <p:grpSpPr>
+        <a:xfrm>
+          <a:off x="0" y="0"/>
+          <a:ext cx="0" cy="0"/>
+          <a:chOff x="0" y="0"/>
+          <a:chExt cx="0" cy="0"/>
+        </a:xfrm>
+      </p:grpSpPr>
+      <p:sp>
+        <p:nvSpPr>
+          <p:cNvPr id="2" name="Slide Image Placeholder 1"/>
+          <p:cNvSpPr>
+            <a:spLocks noGrp="1" noRot="1" noChangeAspect="1"/>
+          </p:cNvSpPr>
+          <p:nvPr>
+            <p:ph type="sldImg"/>
+          </p:nvPr>
+        </p:nvSpPr>
+        <p:spPr/>
+      </p:sp>
+      <p:sp>
+        <p:nvSpPr>
+          <p:cNvPr id="3" name="Notes Placeholder 2"/>
+          <p:cNvSpPr>
+            <a:spLocks noGrp="1"/>
+          </p:cNvSpPr>
+          <p:nvPr>
+            <p:ph type="body" idx="1"/>
+          </p:nvPr>
+        </p:nvSpPr>
+        <p:spPr/>
+        <p:txBody>
+          <a:bodyPr/>
+          <a:lstStyle/>
+          <a:p>
+            <a:r>
+              <a:rPr lang="en-US" dirty="0">
+                <a:effectLst/>
+              </a:rPr>
+              <a:t>When showing the histogram with final grade, please mention that there are lots of 0s and not many below 5 - important for me when talking about hurdle model</a:t>
+            </a:r>
+          </a:p>
+        </p:txBody>
+      </p:sp>
+      <p:sp>
+        <p:nvSpPr>
+          <p:cNvPr id="4" name="Slide Number Placeholder 3"/>
+          <p:cNvSpPr>
+            <a:spLocks noGrp="1"/>
+          </p:cNvSpPr>
+          <p:nvPr>
+            <p:ph type="sldNum" sz="quarter" idx="5"/>
+          </p:nvPr>
+        </p:nvSpPr>
+        <p:spPr/>
+        <p:txBody>
+          <a:bodyPr/>
+          <a:lstStyle/>
+          <a:p>
+            <a:fld id="{E1DAF758-79EF-40A8-B313-F33FB4F06C02}" type="slidenum">
+              <a:rPr lang="tr-TR" smtClean="0"/>
+              <a:t>7</a:t>
+            </a:fld>
+            <a:endParaRPr lang="tr-TR"/>
+          </a:p>
+        </p:txBody>
+      </p:sp>
+    </p:spTree>
+    <p:extLst>
+      <p:ext uri="{BB962C8B-B14F-4D97-AF65-F5344CB8AC3E}">
         <p14:creationId xmlns:p14="http://schemas.microsoft.com/office/powerpoint/2010/main" val="1921912465"/>
       </p:ext>
     </p:extLst>
@@ -2308,7 +2792,96 @@
 </p:notes>
 </file>
 
-<file path=ppt/notesSlides/notesSlide7.xml><?xml version="1.0" encoding="utf-8"?>
+<file path=ppt/notesSlides/notesSlide8.xml><?xml version="1.0" encoding="utf-8"?>
+<p:notes xmlns:a="http://schemas.openxmlformats.org/drawingml/2006/main" xmlns:r="http://schemas.openxmlformats.org/officeDocument/2006/relationships" xmlns:p="http://schemas.openxmlformats.org/presentationml/2006/main">
+  <p:cSld>
+    <p:spTree>
+      <p:nvGrpSpPr>
+        <p:cNvPr id="1" name=""/>
+        <p:cNvGrpSpPr/>
+        <p:nvPr/>
+      </p:nvGrpSpPr>
+      <p:grpSpPr>
+        <a:xfrm>
+          <a:off x="0" y="0"/>
+          <a:ext cx="0" cy="0"/>
+          <a:chOff x="0" y="0"/>
+          <a:chExt cx="0" cy="0"/>
+        </a:xfrm>
+      </p:grpSpPr>
+      <p:sp>
+        <p:nvSpPr>
+          <p:cNvPr id="2" name="Slide Image Placeholder 1"/>
+          <p:cNvSpPr>
+            <a:spLocks noGrp="1" noRot="1" noChangeAspect="1"/>
+          </p:cNvSpPr>
+          <p:nvPr>
+            <p:ph type="sldImg"/>
+          </p:nvPr>
+        </p:nvSpPr>
+        <p:spPr/>
+      </p:sp>
+      <p:sp>
+        <p:nvSpPr>
+          <p:cNvPr id="3" name="Notes Placeholder 2"/>
+          <p:cNvSpPr>
+            <a:spLocks noGrp="1"/>
+          </p:cNvSpPr>
+          <p:nvPr>
+            <p:ph type="body" idx="1"/>
+          </p:nvPr>
+        </p:nvSpPr>
+        <p:spPr/>
+        <p:txBody>
+          <a:bodyPr/>
+          <a:lstStyle/>
+          <a:p>
+            <a:r>
+              <a:rPr lang="en-US" dirty="0">
+                <a:effectLst/>
+              </a:rPr>
+              <a:t>When showing the histogram with final grade, please mention that there are lots of 0s and not many below 5 - important for me when talking about hurdle model</a:t>
+            </a:r>
+          </a:p>
+        </p:txBody>
+      </p:sp>
+      <p:sp>
+        <p:nvSpPr>
+          <p:cNvPr id="4" name="Slide Number Placeholder 3"/>
+          <p:cNvSpPr>
+            <a:spLocks noGrp="1"/>
+          </p:cNvSpPr>
+          <p:nvPr>
+            <p:ph type="sldNum" sz="quarter" idx="5"/>
+          </p:nvPr>
+        </p:nvSpPr>
+        <p:spPr/>
+        <p:txBody>
+          <a:bodyPr/>
+          <a:lstStyle/>
+          <a:p>
+            <a:fld id="{E1DAF758-79EF-40A8-B313-F33FB4F06C02}" type="slidenum">
+              <a:rPr lang="tr-TR" smtClean="0"/>
+              <a:t>8</a:t>
+            </a:fld>
+            <a:endParaRPr lang="tr-TR"/>
+          </a:p>
+        </p:txBody>
+      </p:sp>
+    </p:spTree>
+    <p:extLst>
+      <p:ext uri="{BB962C8B-B14F-4D97-AF65-F5344CB8AC3E}">
+        <p14:creationId xmlns:p14="http://schemas.microsoft.com/office/powerpoint/2010/main" val="4169544656"/>
+      </p:ext>
+    </p:extLst>
+  </p:cSld>
+  <p:clrMapOvr>
+    <a:masterClrMapping/>
+  </p:clrMapOvr>
+</p:notes>
+</file>
+
+<file path=ppt/notesSlides/notesSlide9.xml><?xml version="1.0" encoding="utf-8"?>
 <p:notes xmlns:a="http://schemas.openxmlformats.org/drawingml/2006/main" xmlns:r="http://schemas.openxmlformats.org/officeDocument/2006/relationships" xmlns:p="http://schemas.openxmlformats.org/presentationml/2006/main">
   <p:cSld>
     <p:spTree>
@@ -2373,7 +2946,7 @@
           <a:p>
             <a:fld id="{E1DAF758-79EF-40A8-B313-F33FB4F06C02}" type="slidenum">
               <a:rPr lang="tr-TR" smtClean="0"/>
-              <a:t>7</a:t>
+              <a:t>9</a:t>
             </a:fld>
             <a:endParaRPr lang="tr-TR"/>
           </a:p>
@@ -2383,289 +2956,6 @@
     <p:extLst>
       <p:ext uri="{BB962C8B-B14F-4D97-AF65-F5344CB8AC3E}">
         <p14:creationId xmlns:p14="http://schemas.microsoft.com/office/powerpoint/2010/main" val="2216470942"/>
-      </p:ext>
-    </p:extLst>
-  </p:cSld>
-  <p:clrMapOvr>
-    <a:masterClrMapping/>
-  </p:clrMapOvr>
-</p:notes>
-</file>
-
-<file path=ppt/notesSlides/notesSlide8.xml><?xml version="1.0" encoding="utf-8"?>
-<p:notes xmlns:a="http://schemas.openxmlformats.org/drawingml/2006/main" xmlns:r="http://schemas.openxmlformats.org/officeDocument/2006/relationships" xmlns:p="http://schemas.openxmlformats.org/presentationml/2006/main">
-  <p:cSld>
-    <p:spTree>
-      <p:nvGrpSpPr>
-        <p:cNvPr id="1" name=""/>
-        <p:cNvGrpSpPr/>
-        <p:nvPr/>
-      </p:nvGrpSpPr>
-      <p:grpSpPr>
-        <a:xfrm>
-          <a:off x="0" y="0"/>
-          <a:ext cx="0" cy="0"/>
-          <a:chOff x="0" y="0"/>
-          <a:chExt cx="0" cy="0"/>
-        </a:xfrm>
-      </p:grpSpPr>
-      <p:sp>
-        <p:nvSpPr>
-          <p:cNvPr id="2" name="Slide Image Placeholder 1"/>
-          <p:cNvSpPr>
-            <a:spLocks noGrp="1" noRot="1" noChangeAspect="1"/>
-          </p:cNvSpPr>
-          <p:nvPr>
-            <p:ph type="sldImg"/>
-          </p:nvPr>
-        </p:nvSpPr>
-        <p:spPr/>
-      </p:sp>
-      <p:sp>
-        <p:nvSpPr>
-          <p:cNvPr id="3" name="Notes Placeholder 2"/>
-          <p:cNvSpPr>
-            <a:spLocks noGrp="1"/>
-          </p:cNvSpPr>
-          <p:nvPr>
-            <p:ph type="body" idx="1"/>
-          </p:nvPr>
-        </p:nvSpPr>
-        <p:spPr/>
-        <p:txBody>
-          <a:bodyPr/>
-          <a:lstStyle/>
-          <a:p>
-            <a:r>
-              <a:rPr lang="pl-PL" dirty="0" err="1"/>
-              <a:t>Add</a:t>
-            </a:r>
-            <a:r>
-              <a:rPr lang="pl-PL" dirty="0"/>
-              <a:t> </a:t>
-            </a:r>
-            <a:r>
-              <a:rPr lang="pl-PL" dirty="0" err="1"/>
-              <a:t>hurdle</a:t>
-            </a:r>
-            <a:endParaRPr lang="en-US" dirty="0"/>
-          </a:p>
-        </p:txBody>
-      </p:sp>
-      <p:sp>
-        <p:nvSpPr>
-          <p:cNvPr id="4" name="Slide Number Placeholder 3"/>
-          <p:cNvSpPr>
-            <a:spLocks noGrp="1"/>
-          </p:cNvSpPr>
-          <p:nvPr>
-            <p:ph type="sldNum" sz="quarter" idx="5"/>
-          </p:nvPr>
-        </p:nvSpPr>
-        <p:spPr/>
-        <p:txBody>
-          <a:bodyPr/>
-          <a:lstStyle/>
-          <a:p>
-            <a:fld id="{E1DAF758-79EF-40A8-B313-F33FB4F06C02}" type="slidenum">
-              <a:rPr lang="tr-TR" smtClean="0"/>
-              <a:t>8</a:t>
-            </a:fld>
-            <a:endParaRPr lang="tr-TR"/>
-          </a:p>
-        </p:txBody>
-      </p:sp>
-    </p:spTree>
-    <p:extLst>
-      <p:ext uri="{BB962C8B-B14F-4D97-AF65-F5344CB8AC3E}">
-        <p14:creationId xmlns:p14="http://schemas.microsoft.com/office/powerpoint/2010/main" val="3773630437"/>
-      </p:ext>
-    </p:extLst>
-  </p:cSld>
-  <p:clrMapOvr>
-    <a:masterClrMapping/>
-  </p:clrMapOvr>
-</p:notes>
-</file>
-
-<file path=ppt/notesSlides/notesSlide9.xml><?xml version="1.0" encoding="utf-8"?>
-<p:notes xmlns:a="http://schemas.openxmlformats.org/drawingml/2006/main" xmlns:r="http://schemas.openxmlformats.org/officeDocument/2006/relationships" xmlns:p="http://schemas.openxmlformats.org/presentationml/2006/main">
-  <p:cSld>
-    <p:spTree>
-      <p:nvGrpSpPr>
-        <p:cNvPr id="1" name=""/>
-        <p:cNvGrpSpPr/>
-        <p:nvPr/>
-      </p:nvGrpSpPr>
-      <p:grpSpPr>
-        <a:xfrm>
-          <a:off x="0" y="0"/>
-          <a:ext cx="0" cy="0"/>
-          <a:chOff x="0" y="0"/>
-          <a:chExt cx="0" cy="0"/>
-        </a:xfrm>
-      </p:grpSpPr>
-      <p:sp>
-        <p:nvSpPr>
-          <p:cNvPr id="2" name="Symbol zastępczy obrazu slajdu 1"/>
-          <p:cNvSpPr>
-            <a:spLocks noGrp="1" noRot="1" noChangeAspect="1"/>
-          </p:cNvSpPr>
-          <p:nvPr>
-            <p:ph type="sldImg"/>
-          </p:nvPr>
-        </p:nvSpPr>
-        <p:spPr/>
-      </p:sp>
-      <p:sp>
-        <p:nvSpPr>
-          <p:cNvPr id="3" name="Symbol zastępczy notatek 2"/>
-          <p:cNvSpPr>
-            <a:spLocks noGrp="1"/>
-          </p:cNvSpPr>
-          <p:nvPr>
-            <p:ph type="body" idx="1"/>
-          </p:nvPr>
-        </p:nvSpPr>
-        <p:spPr/>
-        <p:txBody>
-          <a:bodyPr/>
-          <a:lstStyle/>
-          <a:p>
-            <a:r>
-              <a:rPr lang="pl-PL" dirty="0" err="1"/>
-              <a:t>Round</a:t>
-            </a:r>
-            <a:r>
-              <a:rPr lang="pl-PL" dirty="0"/>
-              <a:t> the </a:t>
-            </a:r>
-            <a:r>
-              <a:rPr lang="pl-PL" dirty="0" err="1"/>
-              <a:t>scores</a:t>
-            </a:r>
-            <a:r>
-              <a:rPr lang="pl-PL" dirty="0"/>
-              <a:t>, </a:t>
-            </a:r>
-            <a:r>
-              <a:rPr lang="pl-PL" dirty="0" err="1"/>
-              <a:t>remove</a:t>
-            </a:r>
-            <a:r>
-              <a:rPr lang="pl-PL" dirty="0"/>
-              <a:t> MAE (</a:t>
-            </a:r>
-            <a:r>
-              <a:rPr lang="pl-PL" dirty="0" err="1"/>
-              <a:t>or</a:t>
-            </a:r>
-            <a:r>
-              <a:rPr lang="pl-PL" dirty="0"/>
-              <a:t> </a:t>
-            </a:r>
-            <a:r>
-              <a:rPr lang="pl-PL" dirty="0" err="1"/>
-              <a:t>even</a:t>
-            </a:r>
-            <a:r>
-              <a:rPr lang="pl-PL" dirty="0"/>
-              <a:t> RMSE? </a:t>
-            </a:r>
-            <a:r>
-              <a:rPr lang="pl-PL" dirty="0" err="1"/>
-              <a:t>dunno</a:t>
-            </a:r>
-            <a:r>
-              <a:rPr lang="pl-PL" dirty="0"/>
-              <a:t>)</a:t>
-            </a:r>
-          </a:p>
-          <a:p>
-            <a:pPr marL="0" marR="0" lvl="0" indent="0" algn="l" defTabSz="914400" rtl="0" eaLnBrk="1" fontAlgn="auto" latinLnBrk="0" hangingPunct="1">
-              <a:lnSpc>
-                <a:spcPct val="100000"/>
-              </a:lnSpc>
-              <a:spcBef>
-                <a:spcPts val="0"/>
-              </a:spcBef>
-              <a:spcAft>
-                <a:spcPts val="0"/>
-              </a:spcAft>
-              <a:buClrTx/>
-              <a:buSzTx/>
-              <a:buFontTx/>
-              <a:buNone/>
-              <a:tabLst/>
-              <a:defRPr/>
-            </a:pPr>
-            <a:r>
-              <a:rPr lang="pl-PL" dirty="0" err="1"/>
-              <a:t>That</a:t>
-            </a:r>
-            <a:r>
-              <a:rPr lang="pl-PL" dirty="0"/>
-              <a:t> </a:t>
-            </a:r>
-            <a:r>
-              <a:rPr lang="pl-PL" dirty="0" err="1"/>
-              <a:t>slide</a:t>
-            </a:r>
-            <a:r>
-              <a:rPr lang="pl-PL" dirty="0"/>
-              <a:t> </a:t>
-            </a:r>
-            <a:r>
-              <a:rPr lang="pl-PL" dirty="0" err="1"/>
-              <a:t>is</a:t>
-            </a:r>
-            <a:r>
-              <a:rPr lang="pl-PL" dirty="0"/>
-              <a:t> </a:t>
-            </a:r>
-            <a:r>
-              <a:rPr lang="pl-PL" dirty="0" err="1"/>
-              <a:t>very</a:t>
-            </a:r>
-            <a:r>
-              <a:rPr lang="pl-PL" dirty="0"/>
-              <a:t> off </a:t>
-            </a:r>
-            <a:r>
-              <a:rPr lang="pl-PL" dirty="0" err="1"/>
-              <a:t>actually</a:t>
-            </a:r>
-            <a:endParaRPr lang="en-US" dirty="0"/>
-          </a:p>
-        </p:txBody>
-      </p:sp>
-      <p:sp>
-        <p:nvSpPr>
-          <p:cNvPr id="4" name="Symbol zastępczy numeru slajdu 3"/>
-          <p:cNvSpPr>
-            <a:spLocks noGrp="1"/>
-          </p:cNvSpPr>
-          <p:nvPr>
-            <p:ph type="sldNum" sz="quarter" idx="5"/>
-          </p:nvPr>
-        </p:nvSpPr>
-        <p:spPr/>
-        <p:txBody>
-          <a:bodyPr/>
-          <a:lstStyle/>
-          <a:p>
-            <a:fld id="{E1DAF758-79EF-40A8-B313-F33FB4F06C02}" type="slidenum">
-              <a:rPr lang="tr-TR" smtClean="0"/>
-              <a:t>9</a:t>
-            </a:fld>
-            <a:endParaRPr lang="tr-TR"/>
-          </a:p>
-        </p:txBody>
-      </p:sp>
-    </p:spTree>
-    <p:extLst>
-      <p:ext uri="{BB962C8B-B14F-4D97-AF65-F5344CB8AC3E}">
-        <p14:creationId xmlns:p14="http://schemas.microsoft.com/office/powerpoint/2010/main" val="3751397567"/>
       </p:ext>
     </p:extLst>
   </p:cSld>
@@ -2732,7 +3022,7 @@
           <a:noFill/>
           <a:extLst>
             <a:ext uri="{909E8E84-426E-40dd-AFC4-6F175D3DCCD1}">
-              <a14:hiddenFill xmlns:a14="http://schemas.microsoft.com/office/drawing/2010/main" xmlns="">
+              <a14:hiddenFill xmlns="" xmlns:a14="http://schemas.microsoft.com/office/drawing/2010/main">
                 <a:solidFill>
                   <a:srgbClr val="FFFFFF"/>
                 </a:solidFill>
@@ -2791,7 +3081,7 @@
             </a:ln>
             <a:extLst>
               <a:ext uri="{91240B29-F687-4f45-9708-019B960494DF}">
-                <a14:hiddenLine xmlns:a14="http://schemas.microsoft.com/office/drawing/2010/main" xmlns="" w="9525">
+                <a14:hiddenLine xmlns="" xmlns:a14="http://schemas.microsoft.com/office/drawing/2010/main" w="9525">
                   <a:solidFill>
                     <a:srgbClr val="000000"/>
                   </a:solidFill>
@@ -2881,7 +3171,7 @@
             </a:ln>
             <a:extLst>
               <a:ext uri="{91240B29-F687-4f45-9708-019B960494DF}">
-                <a14:hiddenLine xmlns:a14="http://schemas.microsoft.com/office/drawing/2010/main" xmlns="" w="9525">
+                <a14:hiddenLine xmlns="" xmlns:a14="http://schemas.microsoft.com/office/drawing/2010/main" w="9525">
                   <a:solidFill>
                     <a:srgbClr val="000000"/>
                   </a:solidFill>
@@ -2971,7 +3261,7 @@
             </a:ln>
             <a:extLst>
               <a:ext uri="{91240B29-F687-4f45-9708-019B960494DF}">
-                <a14:hiddenLine xmlns:a14="http://schemas.microsoft.com/office/drawing/2010/main" xmlns="" w="9525">
+                <a14:hiddenLine xmlns="" xmlns:a14="http://schemas.microsoft.com/office/drawing/2010/main" w="9525">
                   <a:solidFill>
                     <a:srgbClr val="000000"/>
                   </a:solidFill>
@@ -3005,7 +3295,7 @@
             </a:ln>
             <a:extLst>
               <a:ext uri="{91240B29-F687-4f45-9708-019B960494DF}">
-                <a14:hiddenLine xmlns:a14="http://schemas.microsoft.com/office/drawing/2010/main" xmlns="" w="9525">
+                <a14:hiddenLine xmlns="" xmlns:a14="http://schemas.microsoft.com/office/drawing/2010/main" w="9525">
                   <a:solidFill>
                     <a:srgbClr val="000000"/>
                   </a:solidFill>
@@ -3095,7 +3385,7 @@
             </a:ln>
             <a:extLst>
               <a:ext uri="{91240B29-F687-4f45-9708-019B960494DF}">
-                <a14:hiddenLine xmlns:a14="http://schemas.microsoft.com/office/drawing/2010/main" xmlns="" w="9525">
+                <a14:hiddenLine xmlns="" xmlns:a14="http://schemas.microsoft.com/office/drawing/2010/main" w="9525">
                   <a:solidFill>
                     <a:srgbClr val="000000"/>
                   </a:solidFill>
@@ -3157,7 +3447,7 @@
             </a:ln>
             <a:extLst>
               <a:ext uri="{91240B29-F687-4f45-9708-019B960494DF}">
-                <a14:hiddenLine xmlns:a14="http://schemas.microsoft.com/office/drawing/2010/main" xmlns="" w="9525">
+                <a14:hiddenLine xmlns="" xmlns:a14="http://schemas.microsoft.com/office/drawing/2010/main" w="9525">
                   <a:solidFill>
                     <a:srgbClr val="000000"/>
                   </a:solidFill>
@@ -3219,7 +3509,7 @@
             </a:ln>
             <a:extLst>
               <a:ext uri="{91240B29-F687-4f45-9708-019B960494DF}">
-                <a14:hiddenLine xmlns:a14="http://schemas.microsoft.com/office/drawing/2010/main" xmlns="" w="9525">
+                <a14:hiddenLine xmlns="" xmlns:a14="http://schemas.microsoft.com/office/drawing/2010/main" w="9525">
                   <a:solidFill>
                     <a:srgbClr val="000000"/>
                   </a:solidFill>
@@ -3309,7 +3599,7 @@
             </a:ln>
             <a:extLst>
               <a:ext uri="{91240B29-F687-4f45-9708-019B960494DF}">
-                <a14:hiddenLine xmlns:a14="http://schemas.microsoft.com/office/drawing/2010/main" xmlns="" w="9525">
+                <a14:hiddenLine xmlns="" xmlns:a14="http://schemas.microsoft.com/office/drawing/2010/main" w="9525">
                   <a:solidFill>
                     <a:srgbClr val="000000"/>
                   </a:solidFill>
@@ -3371,7 +3661,7 @@
             </a:ln>
             <a:extLst>
               <a:ext uri="{91240B29-F687-4f45-9708-019B960494DF}">
-                <a14:hiddenLine xmlns:a14="http://schemas.microsoft.com/office/drawing/2010/main" xmlns="" w="9525">
+                <a14:hiddenLine xmlns="" xmlns:a14="http://schemas.microsoft.com/office/drawing/2010/main" w="9525">
                   <a:solidFill>
                     <a:srgbClr val="000000"/>
                   </a:solidFill>
@@ -3433,7 +3723,7 @@
             </a:ln>
             <a:extLst>
               <a:ext uri="{91240B29-F687-4f45-9708-019B960494DF}">
-                <a14:hiddenLine xmlns:a14="http://schemas.microsoft.com/office/drawing/2010/main" xmlns="" w="9525">
+                <a14:hiddenLine xmlns="" xmlns:a14="http://schemas.microsoft.com/office/drawing/2010/main" w="9525">
                   <a:solidFill>
                     <a:srgbClr val="000000"/>
                   </a:solidFill>
@@ -3523,7 +3813,7 @@
             </a:ln>
             <a:extLst>
               <a:ext uri="{91240B29-F687-4f45-9708-019B960494DF}">
-                <a14:hiddenLine xmlns:a14="http://schemas.microsoft.com/office/drawing/2010/main" xmlns="" w="9525">
+                <a14:hiddenLine xmlns="" xmlns:a14="http://schemas.microsoft.com/office/drawing/2010/main" w="9525">
                   <a:solidFill>
                     <a:srgbClr val="000000"/>
                   </a:solidFill>
@@ -3613,7 +3903,7 @@
             </a:ln>
             <a:extLst>
               <a:ext uri="{91240B29-F687-4f45-9708-019B960494DF}">
-                <a14:hiddenLine xmlns:a14="http://schemas.microsoft.com/office/drawing/2010/main" xmlns="" w="9525">
+                <a14:hiddenLine xmlns="" xmlns:a14="http://schemas.microsoft.com/office/drawing/2010/main" w="9525">
                   <a:solidFill>
                     <a:srgbClr val="000000"/>
                   </a:solidFill>
@@ -3675,7 +3965,7 @@
             </a:ln>
             <a:extLst>
               <a:ext uri="{91240B29-F687-4f45-9708-019B960494DF}">
-                <a14:hiddenLine xmlns:a14="http://schemas.microsoft.com/office/drawing/2010/main" xmlns="" w="9525">
+                <a14:hiddenLine xmlns="" xmlns:a14="http://schemas.microsoft.com/office/drawing/2010/main" w="9525">
                   <a:solidFill>
                     <a:srgbClr val="000000"/>
                   </a:solidFill>
@@ -3785,7 +4075,7 @@
             </a:ln>
             <a:extLst>
               <a:ext uri="{91240B29-F687-4f45-9708-019B960494DF}">
-                <a14:hiddenLine xmlns:a14="http://schemas.microsoft.com/office/drawing/2010/main" xmlns="" w="9525">
+                <a14:hiddenLine xmlns="" xmlns:a14="http://schemas.microsoft.com/office/drawing/2010/main" w="9525">
                   <a:solidFill>
                     <a:srgbClr val="000000"/>
                   </a:solidFill>
@@ -3847,7 +4137,7 @@
             </a:ln>
             <a:extLst>
               <a:ext uri="{91240B29-F687-4f45-9708-019B960494DF}">
-                <a14:hiddenLine xmlns:a14="http://schemas.microsoft.com/office/drawing/2010/main" xmlns="" w="9525">
+                <a14:hiddenLine xmlns="" xmlns:a14="http://schemas.microsoft.com/office/drawing/2010/main" w="9525">
                   <a:solidFill>
                     <a:srgbClr val="000000"/>
                   </a:solidFill>
@@ -3937,7 +4227,7 @@
             </a:ln>
             <a:extLst>
               <a:ext uri="{91240B29-F687-4f45-9708-019B960494DF}">
-                <a14:hiddenLine xmlns:a14="http://schemas.microsoft.com/office/drawing/2010/main" xmlns="" w="9525">
+                <a14:hiddenLine xmlns="" xmlns:a14="http://schemas.microsoft.com/office/drawing/2010/main" w="9525">
                   <a:solidFill>
                     <a:srgbClr val="000000"/>
                   </a:solidFill>
@@ -4027,7 +4317,7 @@
             </a:ln>
             <a:extLst>
               <a:ext uri="{91240B29-F687-4f45-9708-019B960494DF}">
-                <a14:hiddenLine xmlns:a14="http://schemas.microsoft.com/office/drawing/2010/main" xmlns="" w="9525">
+                <a14:hiddenLine xmlns="" xmlns:a14="http://schemas.microsoft.com/office/drawing/2010/main" w="9525">
                   <a:solidFill>
                     <a:srgbClr val="000000"/>
                   </a:solidFill>
@@ -4089,7 +4379,7 @@
             </a:ln>
             <a:extLst>
               <a:ext uri="{91240B29-F687-4f45-9708-019B960494DF}">
-                <a14:hiddenLine xmlns:a14="http://schemas.microsoft.com/office/drawing/2010/main" xmlns="" w="9525">
+                <a14:hiddenLine xmlns="" xmlns:a14="http://schemas.microsoft.com/office/drawing/2010/main" w="9525">
                   <a:solidFill>
                     <a:srgbClr val="000000"/>
                   </a:solidFill>
@@ -4179,7 +4469,7 @@
             </a:ln>
             <a:extLst>
               <a:ext uri="{91240B29-F687-4f45-9708-019B960494DF}">
-                <a14:hiddenLine xmlns:a14="http://schemas.microsoft.com/office/drawing/2010/main" xmlns="" w="9525">
+                <a14:hiddenLine xmlns="" xmlns:a14="http://schemas.microsoft.com/office/drawing/2010/main" w="9525">
                   <a:solidFill>
                     <a:srgbClr val="000000"/>
                   </a:solidFill>
@@ -4269,7 +4559,7 @@
             </a:ln>
             <a:extLst>
               <a:ext uri="{91240B29-F687-4f45-9708-019B960494DF}">
-                <a14:hiddenLine xmlns:a14="http://schemas.microsoft.com/office/drawing/2010/main" xmlns="" w="9525">
+                <a14:hiddenLine xmlns="" xmlns:a14="http://schemas.microsoft.com/office/drawing/2010/main" w="9525">
                   <a:solidFill>
                     <a:srgbClr val="000000"/>
                   </a:solidFill>
@@ -4325,7 +4615,7 @@
             </a:ln>
             <a:extLst>
               <a:ext uri="{91240B29-F687-4f45-9708-019B960494DF}">
-                <a14:hiddenLine xmlns:a14="http://schemas.microsoft.com/office/drawing/2010/main" xmlns="" w="9525">
+                <a14:hiddenLine xmlns="" xmlns:a14="http://schemas.microsoft.com/office/drawing/2010/main" w="9525">
                   <a:solidFill>
                     <a:srgbClr val="000000"/>
                   </a:solidFill>
@@ -4415,7 +4705,7 @@
             </a:ln>
             <a:extLst>
               <a:ext uri="{91240B29-F687-4f45-9708-019B960494DF}">
-                <a14:hiddenLine xmlns:a14="http://schemas.microsoft.com/office/drawing/2010/main" xmlns="" w="9525">
+                <a14:hiddenLine xmlns="" xmlns:a14="http://schemas.microsoft.com/office/drawing/2010/main" w="9525">
                   <a:solidFill>
                     <a:srgbClr val="000000"/>
                   </a:solidFill>
@@ -4471,7 +4761,7 @@
             </a:ln>
             <a:extLst>
               <a:ext uri="{91240B29-F687-4f45-9708-019B960494DF}">
-                <a14:hiddenLine xmlns:a14="http://schemas.microsoft.com/office/drawing/2010/main" xmlns="" w="9525">
+                <a14:hiddenLine xmlns="" xmlns:a14="http://schemas.microsoft.com/office/drawing/2010/main" w="9525">
                   <a:solidFill>
                     <a:srgbClr val="000000"/>
                   </a:solidFill>
@@ -4561,7 +4851,7 @@
             </a:ln>
             <a:extLst>
               <a:ext uri="{91240B29-F687-4f45-9708-019B960494DF}">
-                <a14:hiddenLine xmlns:a14="http://schemas.microsoft.com/office/drawing/2010/main" xmlns="" w="9525">
+                <a14:hiddenLine xmlns="" xmlns:a14="http://schemas.microsoft.com/office/drawing/2010/main" w="9525">
                   <a:solidFill>
                     <a:srgbClr val="000000"/>
                   </a:solidFill>
@@ -4629,7 +4919,7 @@
             </a:ln>
             <a:extLst>
               <a:ext uri="{91240B29-F687-4f45-9708-019B960494DF}">
-                <a14:hiddenLine xmlns:a14="http://schemas.microsoft.com/office/drawing/2010/main" xmlns="" w="9525">
+                <a14:hiddenLine xmlns="" xmlns:a14="http://schemas.microsoft.com/office/drawing/2010/main" w="9525">
                   <a:solidFill>
                     <a:srgbClr val="000000"/>
                   </a:solidFill>
@@ -4719,7 +5009,7 @@
             </a:ln>
             <a:extLst>
               <a:ext uri="{91240B29-F687-4f45-9708-019B960494DF}">
-                <a14:hiddenLine xmlns:a14="http://schemas.microsoft.com/office/drawing/2010/main" xmlns="" w="9525">
+                <a14:hiddenLine xmlns="" xmlns:a14="http://schemas.microsoft.com/office/drawing/2010/main" w="9525">
                   <a:solidFill>
                     <a:srgbClr val="000000"/>
                   </a:solidFill>
@@ -4787,7 +5077,7 @@
             </a:ln>
             <a:extLst>
               <a:ext uri="{91240B29-F687-4f45-9708-019B960494DF}">
-                <a14:hiddenLine xmlns:a14="http://schemas.microsoft.com/office/drawing/2010/main" xmlns="" w="9525">
+                <a14:hiddenLine xmlns="" xmlns:a14="http://schemas.microsoft.com/office/drawing/2010/main" w="9525">
                   <a:solidFill>
                     <a:srgbClr val="000000"/>
                   </a:solidFill>
@@ -4877,7 +5167,7 @@
             </a:ln>
             <a:extLst>
               <a:ext uri="{91240B29-F687-4f45-9708-019B960494DF}">
-                <a14:hiddenLine xmlns:a14="http://schemas.microsoft.com/office/drawing/2010/main" xmlns="" w="9525">
+                <a14:hiddenLine xmlns="" xmlns:a14="http://schemas.microsoft.com/office/drawing/2010/main" w="9525">
                   <a:solidFill>
                     <a:srgbClr val="000000"/>
                   </a:solidFill>
@@ -4911,7 +5201,7 @@
             </a:ln>
             <a:extLst>
               <a:ext uri="{91240B29-F687-4f45-9708-019B960494DF}">
-                <a14:hiddenLine xmlns:a14="http://schemas.microsoft.com/office/drawing/2010/main" xmlns="" w="9525">
+                <a14:hiddenLine xmlns="" xmlns:a14="http://schemas.microsoft.com/office/drawing/2010/main" w="9525">
                   <a:solidFill>
                     <a:srgbClr val="000000"/>
                   </a:solidFill>
@@ -5001,7 +5291,7 @@
             </a:ln>
             <a:extLst>
               <a:ext uri="{91240B29-F687-4f45-9708-019B960494DF}">
-                <a14:hiddenLine xmlns:a14="http://schemas.microsoft.com/office/drawing/2010/main" xmlns="" w="9525">
+                <a14:hiddenLine xmlns="" xmlns:a14="http://schemas.microsoft.com/office/drawing/2010/main" w="9525">
                   <a:solidFill>
                     <a:srgbClr val="000000"/>
                   </a:solidFill>
@@ -5063,7 +5353,7 @@
             </a:ln>
             <a:extLst>
               <a:ext uri="{91240B29-F687-4f45-9708-019B960494DF}">
-                <a14:hiddenLine xmlns:a14="http://schemas.microsoft.com/office/drawing/2010/main" xmlns="" w="9525">
+                <a14:hiddenLine xmlns="" xmlns:a14="http://schemas.microsoft.com/office/drawing/2010/main" w="9525">
                   <a:solidFill>
                     <a:srgbClr val="000000"/>
                   </a:solidFill>
@@ -5125,7 +5415,7 @@
             </a:ln>
             <a:extLst>
               <a:ext uri="{91240B29-F687-4f45-9708-019B960494DF}">
-                <a14:hiddenLine xmlns:a14="http://schemas.microsoft.com/office/drawing/2010/main" xmlns="" w="9525">
+                <a14:hiddenLine xmlns="" xmlns:a14="http://schemas.microsoft.com/office/drawing/2010/main" w="9525">
                   <a:solidFill>
                     <a:srgbClr val="000000"/>
                   </a:solidFill>
@@ -5215,7 +5505,7 @@
             </a:ln>
             <a:extLst>
               <a:ext uri="{91240B29-F687-4f45-9708-019B960494DF}">
-                <a14:hiddenLine xmlns:a14="http://schemas.microsoft.com/office/drawing/2010/main" xmlns="" w="9525">
+                <a14:hiddenLine xmlns="" xmlns:a14="http://schemas.microsoft.com/office/drawing/2010/main" w="9525">
                   <a:solidFill>
                     <a:srgbClr val="000000"/>
                   </a:solidFill>
@@ -5283,7 +5573,7 @@
             </a:ln>
             <a:extLst>
               <a:ext uri="{91240B29-F687-4f45-9708-019B960494DF}">
-                <a14:hiddenLine xmlns:a14="http://schemas.microsoft.com/office/drawing/2010/main" xmlns="" w="9525">
+                <a14:hiddenLine xmlns="" xmlns:a14="http://schemas.microsoft.com/office/drawing/2010/main" w="9525">
                   <a:solidFill>
                     <a:srgbClr val="000000"/>
                   </a:solidFill>
@@ -5345,7 +5635,7 @@
             </a:ln>
             <a:extLst>
               <a:ext uri="{91240B29-F687-4f45-9708-019B960494DF}">
-                <a14:hiddenLine xmlns:a14="http://schemas.microsoft.com/office/drawing/2010/main" xmlns="" w="9525">
+                <a14:hiddenLine xmlns="" xmlns:a14="http://schemas.microsoft.com/office/drawing/2010/main" w="9525">
                   <a:solidFill>
                     <a:srgbClr val="000000"/>
                   </a:solidFill>
@@ -5435,7 +5725,7 @@
             </a:ln>
             <a:extLst>
               <a:ext uri="{91240B29-F687-4f45-9708-019B960494DF}">
-                <a14:hiddenLine xmlns:a14="http://schemas.microsoft.com/office/drawing/2010/main" xmlns="" w="9525">
+                <a14:hiddenLine xmlns="" xmlns:a14="http://schemas.microsoft.com/office/drawing/2010/main" w="9525">
                   <a:solidFill>
                     <a:srgbClr val="000000"/>
                   </a:solidFill>
@@ -5497,7 +5787,7 @@
             </a:ln>
             <a:extLst>
               <a:ext uri="{91240B29-F687-4f45-9708-019B960494DF}">
-                <a14:hiddenLine xmlns:a14="http://schemas.microsoft.com/office/drawing/2010/main" xmlns="" w="9525">
+                <a14:hiddenLine xmlns="" xmlns:a14="http://schemas.microsoft.com/office/drawing/2010/main" w="9525">
                   <a:solidFill>
                     <a:srgbClr val="000000"/>
                   </a:solidFill>
@@ -5587,7 +5877,7 @@
             </a:ln>
             <a:extLst>
               <a:ext uri="{91240B29-F687-4f45-9708-019B960494DF}">
-                <a14:hiddenLine xmlns:a14="http://schemas.microsoft.com/office/drawing/2010/main" xmlns="" w="9525">
+                <a14:hiddenLine xmlns="" xmlns:a14="http://schemas.microsoft.com/office/drawing/2010/main" w="9525">
                   <a:solidFill>
                     <a:srgbClr val="000000"/>
                   </a:solidFill>
@@ -5649,7 +5939,7 @@
             </a:ln>
             <a:extLst>
               <a:ext uri="{91240B29-F687-4f45-9708-019B960494DF}">
-                <a14:hiddenLine xmlns:a14="http://schemas.microsoft.com/office/drawing/2010/main" xmlns="" w="9525">
+                <a14:hiddenLine xmlns="" xmlns:a14="http://schemas.microsoft.com/office/drawing/2010/main" w="9525">
                   <a:solidFill>
                     <a:srgbClr val="000000"/>
                   </a:solidFill>
@@ -5739,7 +6029,7 @@
             </a:ln>
             <a:extLst>
               <a:ext uri="{91240B29-F687-4f45-9708-019B960494DF}">
-                <a14:hiddenLine xmlns:a14="http://schemas.microsoft.com/office/drawing/2010/main" xmlns="" w="9525">
+                <a14:hiddenLine xmlns="" xmlns:a14="http://schemas.microsoft.com/office/drawing/2010/main" w="9525">
                   <a:solidFill>
                     <a:srgbClr val="000000"/>
                   </a:solidFill>
@@ -5773,7 +6063,7 @@
             </a:ln>
             <a:extLst>
               <a:ext uri="{91240B29-F687-4f45-9708-019B960494DF}">
-                <a14:hiddenLine xmlns:a14="http://schemas.microsoft.com/office/drawing/2010/main" xmlns="" w="9525">
+                <a14:hiddenLine xmlns="" xmlns:a14="http://schemas.microsoft.com/office/drawing/2010/main" w="9525">
                   <a:solidFill>
                     <a:srgbClr val="000000"/>
                   </a:solidFill>
@@ -5838,7 +6128,7 @@
             </a:ln>
             <a:extLst>
               <a:ext uri="{91240B29-F687-4f45-9708-019B960494DF}">
-                <a14:hiddenLine xmlns:a14="http://schemas.microsoft.com/office/drawing/2010/main" xmlns="" w="9525">
+                <a14:hiddenLine xmlns="" xmlns:a14="http://schemas.microsoft.com/office/drawing/2010/main" w="9525">
                   <a:solidFill>
                     <a:srgbClr val="000000"/>
                   </a:solidFill>
@@ -5928,7 +6218,7 @@
             </a:ln>
             <a:extLst>
               <a:ext uri="{91240B29-F687-4f45-9708-019B960494DF}">
-                <a14:hiddenLine xmlns:a14="http://schemas.microsoft.com/office/drawing/2010/main" xmlns="" w="9525">
+                <a14:hiddenLine xmlns="" xmlns:a14="http://schemas.microsoft.com/office/drawing/2010/main" w="9525">
                   <a:solidFill>
                     <a:srgbClr val="000000"/>
                   </a:solidFill>
@@ -5990,7 +6280,7 @@
             </a:ln>
             <a:extLst>
               <a:ext uri="{91240B29-F687-4f45-9708-019B960494DF}">
-                <a14:hiddenLine xmlns:a14="http://schemas.microsoft.com/office/drawing/2010/main" xmlns="" w="9525">
+                <a14:hiddenLine xmlns="" xmlns:a14="http://schemas.microsoft.com/office/drawing/2010/main" w="9525">
                   <a:solidFill>
                     <a:srgbClr val="000000"/>
                   </a:solidFill>
@@ -6080,7 +6370,7 @@
             </a:ln>
             <a:extLst>
               <a:ext uri="{91240B29-F687-4f45-9708-019B960494DF}">
-                <a14:hiddenLine xmlns:a14="http://schemas.microsoft.com/office/drawing/2010/main" xmlns="" w="9525">
+                <a14:hiddenLine xmlns="" xmlns:a14="http://schemas.microsoft.com/office/drawing/2010/main" w="9525">
                   <a:solidFill>
                     <a:srgbClr val="000000"/>
                   </a:solidFill>
@@ -6170,7 +6460,7 @@
             </a:ln>
             <a:extLst>
               <a:ext uri="{91240B29-F687-4f45-9708-019B960494DF}">
-                <a14:hiddenLine xmlns:a14="http://schemas.microsoft.com/office/drawing/2010/main" xmlns="" w="9525">
+                <a14:hiddenLine xmlns="" xmlns:a14="http://schemas.microsoft.com/office/drawing/2010/main" w="9525">
                   <a:solidFill>
                     <a:srgbClr val="000000"/>
                   </a:solidFill>
@@ -6235,7 +6525,7 @@
             </a:ln>
             <a:extLst>
               <a:ext uri="{91240B29-F687-4f45-9708-019B960494DF}">
-                <a14:hiddenLine xmlns:a14="http://schemas.microsoft.com/office/drawing/2010/main" xmlns="" w="9525">
+                <a14:hiddenLine xmlns="" xmlns:a14="http://schemas.microsoft.com/office/drawing/2010/main" w="9525">
                   <a:solidFill>
                     <a:srgbClr val="000000"/>
                   </a:solidFill>
@@ -6297,7 +6587,7 @@
             </a:ln>
             <a:extLst>
               <a:ext uri="{91240B29-F687-4f45-9708-019B960494DF}">
-                <a14:hiddenLine xmlns:a14="http://schemas.microsoft.com/office/drawing/2010/main" xmlns="" w="9525">
+                <a14:hiddenLine xmlns="" xmlns:a14="http://schemas.microsoft.com/office/drawing/2010/main" w="9525">
                   <a:solidFill>
                     <a:srgbClr val="000000"/>
                   </a:solidFill>
@@ -6387,7 +6677,7 @@
             </a:ln>
             <a:extLst>
               <a:ext uri="{91240B29-F687-4f45-9708-019B960494DF}">
-                <a14:hiddenLine xmlns:a14="http://schemas.microsoft.com/office/drawing/2010/main" xmlns="" w="9525">
+                <a14:hiddenLine xmlns="" xmlns:a14="http://schemas.microsoft.com/office/drawing/2010/main" w="9525">
                   <a:solidFill>
                     <a:srgbClr val="000000"/>
                   </a:solidFill>
@@ -6477,7 +6767,7 @@
             </a:ln>
             <a:extLst>
               <a:ext uri="{91240B29-F687-4f45-9708-019B960494DF}">
-                <a14:hiddenLine xmlns:a14="http://schemas.microsoft.com/office/drawing/2010/main" xmlns="" w="9525">
+                <a14:hiddenLine xmlns="" xmlns:a14="http://schemas.microsoft.com/office/drawing/2010/main" w="9525">
                   <a:solidFill>
                     <a:srgbClr val="000000"/>
                   </a:solidFill>
@@ -6539,7 +6829,7 @@
             </a:ln>
             <a:extLst>
               <a:ext uri="{91240B29-F687-4f45-9708-019B960494DF}">
-                <a14:hiddenLine xmlns:a14="http://schemas.microsoft.com/office/drawing/2010/main" xmlns="" w="9525">
+                <a14:hiddenLine xmlns="" xmlns:a14="http://schemas.microsoft.com/office/drawing/2010/main" w="9525">
                   <a:solidFill>
                     <a:srgbClr val="000000"/>
                   </a:solidFill>
@@ -6659,7 +6949,7 @@
             </a:ln>
             <a:extLst>
               <a:ext uri="{91240B29-F687-4f45-9708-019B960494DF}">
-                <a14:hiddenLine xmlns:a14="http://schemas.microsoft.com/office/drawing/2010/main" xmlns="" w="9525">
+                <a14:hiddenLine xmlns="" xmlns:a14="http://schemas.microsoft.com/office/drawing/2010/main" w="9525">
                   <a:solidFill>
                     <a:srgbClr val="000000"/>
                   </a:solidFill>
@@ -6727,7 +7017,7 @@
             </a:ln>
             <a:extLst>
               <a:ext uri="{91240B29-F687-4f45-9708-019B960494DF}">
-                <a14:hiddenLine xmlns:a14="http://schemas.microsoft.com/office/drawing/2010/main" xmlns="" w="9525">
+                <a14:hiddenLine xmlns="" xmlns:a14="http://schemas.microsoft.com/office/drawing/2010/main" w="9525">
                   <a:solidFill>
                     <a:srgbClr val="000000"/>
                   </a:solidFill>
@@ -6817,7 +7107,7 @@
             </a:ln>
             <a:extLst>
               <a:ext uri="{91240B29-F687-4f45-9708-019B960494DF}">
-                <a14:hiddenLine xmlns:a14="http://schemas.microsoft.com/office/drawing/2010/main" xmlns="" w="9525">
+                <a14:hiddenLine xmlns="" xmlns:a14="http://schemas.microsoft.com/office/drawing/2010/main" w="9525">
                   <a:solidFill>
                     <a:srgbClr val="000000"/>
                   </a:solidFill>
@@ -11546,7 +11836,7 @@
           <a:noFill/>
           <a:extLst>
             <a:ext uri="{909E8E84-426E-40dd-AFC4-6F175D3DCCD1}">
-              <a14:hiddenFill xmlns:a14="http://schemas.microsoft.com/office/drawing/2010/main" xmlns="">
+              <a14:hiddenFill xmlns="" xmlns:a14="http://schemas.microsoft.com/office/drawing/2010/main">
                 <a:solidFill>
                   <a:srgbClr val="FFFFFF"/>
                 </a:solidFill>
@@ -11620,7 +11910,7 @@
               </a:ln>
               <a:extLst>
                 <a:ext uri="{91240B29-F687-4f45-9708-019B960494DF}">
-                  <a14:hiddenLine xmlns:a14="http://schemas.microsoft.com/office/drawing/2010/main" xmlns="" w="9525">
+                  <a14:hiddenLine xmlns="" xmlns:a14="http://schemas.microsoft.com/office/drawing/2010/main" w="9525">
                     <a:solidFill>
                       <a:srgbClr val="000000"/>
                     </a:solidFill>
@@ -11710,7 +12000,7 @@
               </a:ln>
               <a:extLst>
                 <a:ext uri="{91240B29-F687-4f45-9708-019B960494DF}">
-                  <a14:hiddenLine xmlns:a14="http://schemas.microsoft.com/office/drawing/2010/main" xmlns="" w="9525">
+                  <a14:hiddenLine xmlns="" xmlns:a14="http://schemas.microsoft.com/office/drawing/2010/main" w="9525">
                     <a:solidFill>
                       <a:srgbClr val="000000"/>
                     </a:solidFill>
@@ -11800,7 +12090,7 @@
               </a:ln>
               <a:extLst>
                 <a:ext uri="{91240B29-F687-4f45-9708-019B960494DF}">
-                  <a14:hiddenLine xmlns:a14="http://schemas.microsoft.com/office/drawing/2010/main" xmlns="" w="9525">
+                  <a14:hiddenLine xmlns="" xmlns:a14="http://schemas.microsoft.com/office/drawing/2010/main" w="9525">
                     <a:solidFill>
                       <a:srgbClr val="000000"/>
                     </a:solidFill>
@@ -11862,7 +12152,7 @@
               </a:ln>
               <a:extLst>
                 <a:ext uri="{91240B29-F687-4f45-9708-019B960494DF}">
-                  <a14:hiddenLine xmlns:a14="http://schemas.microsoft.com/office/drawing/2010/main" xmlns="" w="9525">
+                  <a14:hiddenLine xmlns="" xmlns:a14="http://schemas.microsoft.com/office/drawing/2010/main" w="9525">
                     <a:solidFill>
                       <a:srgbClr val="000000"/>
                     </a:solidFill>
@@ -11952,7 +12242,7 @@
               </a:ln>
               <a:extLst>
                 <a:ext uri="{91240B29-F687-4f45-9708-019B960494DF}">
-                  <a14:hiddenLine xmlns:a14="http://schemas.microsoft.com/office/drawing/2010/main" xmlns="" w="9525">
+                  <a14:hiddenLine xmlns="" xmlns:a14="http://schemas.microsoft.com/office/drawing/2010/main" w="9525">
                     <a:solidFill>
                       <a:srgbClr val="000000"/>
                     </a:solidFill>
@@ -12014,7 +12304,7 @@
               </a:ln>
               <a:extLst>
                 <a:ext uri="{91240B29-F687-4f45-9708-019B960494DF}">
-                  <a14:hiddenLine xmlns:a14="http://schemas.microsoft.com/office/drawing/2010/main" xmlns="" w="9525">
+                  <a14:hiddenLine xmlns="" xmlns:a14="http://schemas.microsoft.com/office/drawing/2010/main" w="9525">
                     <a:solidFill>
                       <a:srgbClr val="000000"/>
                     </a:solidFill>
@@ -12076,7 +12366,7 @@
               </a:ln>
               <a:extLst>
                 <a:ext uri="{91240B29-F687-4f45-9708-019B960494DF}">
-                  <a14:hiddenLine xmlns:a14="http://schemas.microsoft.com/office/drawing/2010/main" xmlns="" w="9525">
+                  <a14:hiddenLine xmlns="" xmlns:a14="http://schemas.microsoft.com/office/drawing/2010/main" w="9525">
                     <a:solidFill>
                       <a:srgbClr val="000000"/>
                     </a:solidFill>
@@ -12166,7 +12456,7 @@
               </a:ln>
               <a:extLst>
                 <a:ext uri="{91240B29-F687-4f45-9708-019B960494DF}">
-                  <a14:hiddenLine xmlns:a14="http://schemas.microsoft.com/office/drawing/2010/main" xmlns="" w="9525">
+                  <a14:hiddenLine xmlns="" xmlns:a14="http://schemas.microsoft.com/office/drawing/2010/main" w="9525">
                     <a:solidFill>
                       <a:srgbClr val="000000"/>
                     </a:solidFill>
@@ -12256,7 +12546,7 @@
               </a:ln>
               <a:extLst>
                 <a:ext uri="{91240B29-F687-4f45-9708-019B960494DF}">
-                  <a14:hiddenLine xmlns:a14="http://schemas.microsoft.com/office/drawing/2010/main" xmlns="" w="9525">
+                  <a14:hiddenLine xmlns="" xmlns:a14="http://schemas.microsoft.com/office/drawing/2010/main" w="9525">
                     <a:solidFill>
                       <a:srgbClr val="000000"/>
                     </a:solidFill>
@@ -12318,7 +12608,7 @@
               </a:ln>
               <a:extLst>
                 <a:ext uri="{91240B29-F687-4f45-9708-019B960494DF}">
-                  <a14:hiddenLine xmlns:a14="http://schemas.microsoft.com/office/drawing/2010/main" xmlns="" w="9525">
+                  <a14:hiddenLine xmlns="" xmlns:a14="http://schemas.microsoft.com/office/drawing/2010/main" w="9525">
                     <a:solidFill>
                       <a:srgbClr val="000000"/>
                     </a:solidFill>
@@ -12428,7 +12718,7 @@
               </a:ln>
               <a:extLst>
                 <a:ext uri="{91240B29-F687-4f45-9708-019B960494DF}">
-                  <a14:hiddenLine xmlns:a14="http://schemas.microsoft.com/office/drawing/2010/main" xmlns="" w="9525">
+                  <a14:hiddenLine xmlns="" xmlns:a14="http://schemas.microsoft.com/office/drawing/2010/main" w="9525">
                     <a:solidFill>
                       <a:srgbClr val="000000"/>
                     </a:solidFill>
@@ -12512,7 +12802,7 @@
               </a:ln>
               <a:extLst>
                 <a:ext uri="{91240B29-F687-4f45-9708-019B960494DF}">
-                  <a14:hiddenLine xmlns:a14="http://schemas.microsoft.com/office/drawing/2010/main" xmlns="" w="9525">
+                  <a14:hiddenLine xmlns="" xmlns:a14="http://schemas.microsoft.com/office/drawing/2010/main" w="9525">
                     <a:solidFill>
                       <a:srgbClr val="000000"/>
                     </a:solidFill>
@@ -12574,7 +12864,7 @@
               </a:ln>
               <a:extLst>
                 <a:ext uri="{91240B29-F687-4f45-9708-019B960494DF}">
-                  <a14:hiddenLine xmlns:a14="http://schemas.microsoft.com/office/drawing/2010/main" xmlns="" w="9525">
+                  <a14:hiddenLine xmlns="" xmlns:a14="http://schemas.microsoft.com/office/drawing/2010/main" w="9525">
                     <a:solidFill>
                       <a:srgbClr val="000000"/>
                     </a:solidFill>
@@ -12636,7 +12926,7 @@
               </a:ln>
               <a:extLst>
                 <a:ext uri="{91240B29-F687-4f45-9708-019B960494DF}">
-                  <a14:hiddenLine xmlns:a14="http://schemas.microsoft.com/office/drawing/2010/main" xmlns="" w="9525">
+                  <a14:hiddenLine xmlns="" xmlns:a14="http://schemas.microsoft.com/office/drawing/2010/main" w="9525">
                     <a:solidFill>
                       <a:srgbClr val="000000"/>
                     </a:solidFill>
@@ -12726,7 +13016,7 @@
               </a:ln>
               <a:extLst>
                 <a:ext uri="{91240B29-F687-4f45-9708-019B960494DF}">
-                  <a14:hiddenLine xmlns:a14="http://schemas.microsoft.com/office/drawing/2010/main" xmlns="" w="9525">
+                  <a14:hiddenLine xmlns="" xmlns:a14="http://schemas.microsoft.com/office/drawing/2010/main" w="9525">
                     <a:solidFill>
                       <a:srgbClr val="000000"/>
                     </a:solidFill>
@@ -12760,7 +13050,7 @@
               </a:ln>
               <a:extLst>
                 <a:ext uri="{91240B29-F687-4f45-9708-019B960494DF}">
-                  <a14:hiddenLine xmlns:a14="http://schemas.microsoft.com/office/drawing/2010/main" xmlns="" w="9525">
+                  <a14:hiddenLine xmlns="" xmlns:a14="http://schemas.microsoft.com/office/drawing/2010/main" w="9525">
                     <a:solidFill>
                       <a:srgbClr val="000000"/>
                     </a:solidFill>
@@ -12825,7 +13115,7 @@
               </a:ln>
               <a:extLst>
                 <a:ext uri="{91240B29-F687-4f45-9708-019B960494DF}">
-                  <a14:hiddenLine xmlns:a14="http://schemas.microsoft.com/office/drawing/2010/main" xmlns="" w="9525">
+                  <a14:hiddenLine xmlns="" xmlns:a14="http://schemas.microsoft.com/office/drawing/2010/main" w="9525">
                     <a:solidFill>
                       <a:srgbClr val="000000"/>
                     </a:solidFill>
@@ -12915,7 +13205,7 @@
               </a:ln>
               <a:extLst>
                 <a:ext uri="{91240B29-F687-4f45-9708-019B960494DF}">
-                  <a14:hiddenLine xmlns:a14="http://schemas.microsoft.com/office/drawing/2010/main" xmlns="" w="9525">
+                  <a14:hiddenLine xmlns="" xmlns:a14="http://schemas.microsoft.com/office/drawing/2010/main" w="9525">
                     <a:solidFill>
                       <a:srgbClr val="000000"/>
                     </a:solidFill>
@@ -12977,7 +13267,7 @@
               </a:ln>
               <a:extLst>
                 <a:ext uri="{91240B29-F687-4f45-9708-019B960494DF}">
-                  <a14:hiddenLine xmlns:a14="http://schemas.microsoft.com/office/drawing/2010/main" xmlns="" w="9525">
+                  <a14:hiddenLine xmlns="" xmlns:a14="http://schemas.microsoft.com/office/drawing/2010/main" w="9525">
                     <a:solidFill>
                       <a:srgbClr val="000000"/>
                     </a:solidFill>
@@ -13067,7 +13357,7 @@
               </a:ln>
               <a:extLst>
                 <a:ext uri="{91240B29-F687-4f45-9708-019B960494DF}">
-                  <a14:hiddenLine xmlns:a14="http://schemas.microsoft.com/office/drawing/2010/main" xmlns="" w="9525">
+                  <a14:hiddenLine xmlns="" xmlns:a14="http://schemas.microsoft.com/office/drawing/2010/main" w="9525">
                     <a:solidFill>
                       <a:srgbClr val="000000"/>
                     </a:solidFill>
@@ -13132,7 +13422,7 @@
               </a:ln>
               <a:extLst>
                 <a:ext uri="{91240B29-F687-4f45-9708-019B960494DF}">
-                  <a14:hiddenLine xmlns:a14="http://schemas.microsoft.com/office/drawing/2010/main" xmlns="" w="9525">
+                  <a14:hiddenLine xmlns="" xmlns:a14="http://schemas.microsoft.com/office/drawing/2010/main" w="9525">
                     <a:solidFill>
                       <a:srgbClr val="000000"/>
                     </a:solidFill>
@@ -13194,7 +13484,7 @@
               </a:ln>
               <a:extLst>
                 <a:ext uri="{91240B29-F687-4f45-9708-019B960494DF}">
-                  <a14:hiddenLine xmlns:a14="http://schemas.microsoft.com/office/drawing/2010/main" xmlns="" w="9525">
+                  <a14:hiddenLine xmlns="" xmlns:a14="http://schemas.microsoft.com/office/drawing/2010/main" w="9525">
                     <a:solidFill>
                       <a:srgbClr val="000000"/>
                     </a:solidFill>
@@ -13284,7 +13574,7 @@
               </a:ln>
               <a:extLst>
                 <a:ext uri="{91240B29-F687-4f45-9708-019B960494DF}">
-                  <a14:hiddenLine xmlns:a14="http://schemas.microsoft.com/office/drawing/2010/main" xmlns="" w="9525">
+                  <a14:hiddenLine xmlns="" xmlns:a14="http://schemas.microsoft.com/office/drawing/2010/main" w="9525">
                     <a:solidFill>
                       <a:srgbClr val="000000"/>
                     </a:solidFill>
@@ -13374,7 +13664,7 @@
               </a:ln>
               <a:extLst>
                 <a:ext uri="{91240B29-F687-4f45-9708-019B960494DF}">
-                  <a14:hiddenLine xmlns:a14="http://schemas.microsoft.com/office/drawing/2010/main" xmlns="" w="9525">
+                  <a14:hiddenLine xmlns="" xmlns:a14="http://schemas.microsoft.com/office/drawing/2010/main" w="9525">
                     <a:solidFill>
                       <a:srgbClr val="000000"/>
                     </a:solidFill>
@@ -13439,7 +13729,7 @@
               </a:ln>
               <a:extLst>
                 <a:ext uri="{91240B29-F687-4f45-9708-019B960494DF}">
-                  <a14:hiddenLine xmlns:a14="http://schemas.microsoft.com/office/drawing/2010/main" xmlns="" w="9525">
+                  <a14:hiddenLine xmlns="" xmlns:a14="http://schemas.microsoft.com/office/drawing/2010/main" w="9525">
                     <a:solidFill>
                       <a:srgbClr val="000000"/>
                     </a:solidFill>
@@ -13559,7 +13849,7 @@
               </a:ln>
               <a:extLst>
                 <a:ext uri="{91240B29-F687-4f45-9708-019B960494DF}">
-                  <a14:hiddenLine xmlns:a14="http://schemas.microsoft.com/office/drawing/2010/main" xmlns="" w="9525">
+                  <a14:hiddenLine xmlns="" xmlns:a14="http://schemas.microsoft.com/office/drawing/2010/main" w="9525">
                     <a:solidFill>
                       <a:srgbClr val="000000"/>
                     </a:solidFill>
@@ -13640,7 +13930,7 @@
               </a:ln>
               <a:extLst>
                 <a:ext uri="{91240B29-F687-4f45-9708-019B960494DF}">
-                  <a14:hiddenLine xmlns:a14="http://schemas.microsoft.com/office/drawing/2010/main" xmlns="" w="9525">
+                  <a14:hiddenLine xmlns="" xmlns:a14="http://schemas.microsoft.com/office/drawing/2010/main" w="9525">
                     <a:solidFill>
                       <a:srgbClr val="000000"/>
                     </a:solidFill>
@@ -13755,7 +14045,7 @@
               </a:ln>
               <a:extLst>
                 <a:ext uri="{91240B29-F687-4f45-9708-019B960494DF}">
-                  <a14:hiddenLine xmlns:a14="http://schemas.microsoft.com/office/drawing/2010/main" xmlns="" w="9525">
+                  <a14:hiddenLine xmlns="" xmlns:a14="http://schemas.microsoft.com/office/drawing/2010/main" w="9525">
                     <a:solidFill>
                       <a:srgbClr val="000000"/>
                     </a:solidFill>
@@ -13845,7 +14135,7 @@
               </a:ln>
               <a:extLst>
                 <a:ext uri="{91240B29-F687-4f45-9708-019B960494DF}">
-                  <a14:hiddenLine xmlns:a14="http://schemas.microsoft.com/office/drawing/2010/main" xmlns="" w="9525">
+                  <a14:hiddenLine xmlns="" xmlns:a14="http://schemas.microsoft.com/office/drawing/2010/main" w="9525">
                     <a:solidFill>
                       <a:srgbClr val="000000"/>
                     </a:solidFill>
@@ -13910,7 +14200,7 @@
               </a:ln>
               <a:extLst>
                 <a:ext uri="{91240B29-F687-4f45-9708-019B960494DF}">
-                  <a14:hiddenLine xmlns:a14="http://schemas.microsoft.com/office/drawing/2010/main" xmlns="" w="9525">
+                  <a14:hiddenLine xmlns="" xmlns:a14="http://schemas.microsoft.com/office/drawing/2010/main" w="9525">
                     <a:solidFill>
                       <a:srgbClr val="000000"/>
                     </a:solidFill>
@@ -14000,7 +14290,7 @@
               </a:ln>
               <a:extLst>
                 <a:ext uri="{91240B29-F687-4f45-9708-019B960494DF}">
-                  <a14:hiddenLine xmlns:a14="http://schemas.microsoft.com/office/drawing/2010/main" xmlns="" w="9525">
+                  <a14:hiddenLine xmlns="" xmlns:a14="http://schemas.microsoft.com/office/drawing/2010/main" w="9525">
                     <a:solidFill>
                       <a:srgbClr val="000000"/>
                     </a:solidFill>
@@ -14068,7 +14358,7 @@
               </a:ln>
               <a:extLst>
                 <a:ext uri="{91240B29-F687-4f45-9708-019B960494DF}">
-                  <a14:hiddenLine xmlns:a14="http://schemas.microsoft.com/office/drawing/2010/main" xmlns="" w="9525">
+                  <a14:hiddenLine xmlns="" xmlns:a14="http://schemas.microsoft.com/office/drawing/2010/main" w="9525">
                     <a:solidFill>
                       <a:srgbClr val="000000"/>
                     </a:solidFill>
@@ -14158,7 +14448,7 @@
               </a:ln>
               <a:extLst>
                 <a:ext uri="{91240B29-F687-4f45-9708-019B960494DF}">
-                  <a14:hiddenLine xmlns:a14="http://schemas.microsoft.com/office/drawing/2010/main" xmlns="" w="9525">
+                  <a14:hiddenLine xmlns="" xmlns:a14="http://schemas.microsoft.com/office/drawing/2010/main" w="9525">
                     <a:solidFill>
                       <a:srgbClr val="000000"/>
                     </a:solidFill>
@@ -14226,7 +14516,7 @@
               </a:ln>
               <a:extLst>
                 <a:ext uri="{91240B29-F687-4f45-9708-019B960494DF}">
-                  <a14:hiddenLine xmlns:a14="http://schemas.microsoft.com/office/drawing/2010/main" xmlns="" w="9525">
+                  <a14:hiddenLine xmlns="" xmlns:a14="http://schemas.microsoft.com/office/drawing/2010/main" w="9525">
                     <a:solidFill>
                       <a:srgbClr val="000000"/>
                     </a:solidFill>
@@ -14316,7 +14606,7 @@
               </a:ln>
               <a:extLst>
                 <a:ext uri="{91240B29-F687-4f45-9708-019B960494DF}">
-                  <a14:hiddenLine xmlns:a14="http://schemas.microsoft.com/office/drawing/2010/main" xmlns="" w="9525">
+                  <a14:hiddenLine xmlns="" xmlns:a14="http://schemas.microsoft.com/office/drawing/2010/main" w="9525">
                     <a:solidFill>
                       <a:srgbClr val="000000"/>
                     </a:solidFill>
@@ -14350,7 +14640,7 @@
               </a:ln>
               <a:extLst>
                 <a:ext uri="{91240B29-F687-4f45-9708-019B960494DF}">
-                  <a14:hiddenLine xmlns:a14="http://schemas.microsoft.com/office/drawing/2010/main" xmlns="" w="9525">
+                  <a14:hiddenLine xmlns="" xmlns:a14="http://schemas.microsoft.com/office/drawing/2010/main" w="9525">
                     <a:solidFill>
                       <a:srgbClr val="000000"/>
                     </a:solidFill>
@@ -15165,7 +15455,7 @@
             </a:ln>
             <a:extLst>
               <a:ext uri="{91240B29-F687-4f45-9708-019B960494DF}">
-                <a14:hiddenLine xmlns="" xmlns:a16="http://schemas.microsoft.com/office/drawing/2014/main" xmlns:p14="http://schemas.microsoft.com/office/powerpoint/2010/main" xmlns:a14="http://schemas.microsoft.com/office/drawing/2010/main" w="9525">
+                <a14:hiddenLine xmlns:a14="http://schemas.microsoft.com/office/drawing/2010/main" xmlns:p14="http://schemas.microsoft.com/office/powerpoint/2010/main" xmlns:a16="http://schemas.microsoft.com/office/drawing/2014/main" xmlns="" w="9525">
                   <a:solidFill>
                     <a:srgbClr val="000000"/>
                   </a:solidFill>
@@ -15270,7 +15560,7 @@
             </a:ln>
             <a:extLst>
               <a:ext uri="{91240B29-F687-4f45-9708-019B960494DF}">
-                <a14:hiddenLine xmlns="" xmlns:a16="http://schemas.microsoft.com/office/drawing/2014/main" xmlns:p14="http://schemas.microsoft.com/office/powerpoint/2010/main" xmlns:a14="http://schemas.microsoft.com/office/drawing/2010/main" w="9525">
+                <a14:hiddenLine xmlns:a14="http://schemas.microsoft.com/office/drawing/2010/main" xmlns:p14="http://schemas.microsoft.com/office/powerpoint/2010/main" xmlns:a16="http://schemas.microsoft.com/office/drawing/2014/main" xmlns="" w="9525">
                   <a:solidFill>
                     <a:srgbClr val="000000"/>
                   </a:solidFill>
@@ -15375,7 +15665,7 @@
             </a:ln>
             <a:extLst>
               <a:ext uri="{91240B29-F687-4f45-9708-019B960494DF}">
-                <a14:hiddenLine xmlns="" xmlns:a16="http://schemas.microsoft.com/office/drawing/2014/main" xmlns:p14="http://schemas.microsoft.com/office/powerpoint/2010/main" xmlns:a14="http://schemas.microsoft.com/office/drawing/2010/main" w="9525">
+                <a14:hiddenLine xmlns:a14="http://schemas.microsoft.com/office/drawing/2010/main" xmlns:p14="http://schemas.microsoft.com/office/powerpoint/2010/main" xmlns:a16="http://schemas.microsoft.com/office/drawing/2014/main" xmlns="" w="9525">
                   <a:solidFill>
                     <a:srgbClr val="000000"/>
                   </a:solidFill>
@@ -15424,7 +15714,7 @@
             </a:ln>
             <a:extLst>
               <a:ext uri="{91240B29-F687-4f45-9708-019B960494DF}">
-                <a14:hiddenLine xmlns="" xmlns:a16="http://schemas.microsoft.com/office/drawing/2014/main" xmlns:p14="http://schemas.microsoft.com/office/powerpoint/2010/main" xmlns:a14="http://schemas.microsoft.com/office/drawing/2010/main" w="9525">
+                <a14:hiddenLine xmlns:a14="http://schemas.microsoft.com/office/drawing/2010/main" xmlns:p14="http://schemas.microsoft.com/office/powerpoint/2010/main" xmlns:a16="http://schemas.microsoft.com/office/drawing/2014/main" xmlns="" w="9525">
                   <a:solidFill>
                     <a:srgbClr val="000000"/>
                   </a:solidFill>
@@ -15529,7 +15819,7 @@
             </a:ln>
             <a:extLst>
               <a:ext uri="{91240B29-F687-4f45-9708-019B960494DF}">
-                <a14:hiddenLine xmlns="" xmlns:a16="http://schemas.microsoft.com/office/drawing/2014/main" xmlns:p14="http://schemas.microsoft.com/office/powerpoint/2010/main" xmlns:a14="http://schemas.microsoft.com/office/drawing/2010/main" w="9525">
+                <a14:hiddenLine xmlns:a14="http://schemas.microsoft.com/office/drawing/2010/main" xmlns:p14="http://schemas.microsoft.com/office/powerpoint/2010/main" xmlns:a16="http://schemas.microsoft.com/office/drawing/2014/main" xmlns="" w="9525">
                   <a:solidFill>
                     <a:srgbClr val="000000"/>
                   </a:solidFill>
@@ -15606,7 +15896,7 @@
             </a:ln>
             <a:extLst>
               <a:ext uri="{91240B29-F687-4f45-9708-019B960494DF}">
-                <a14:hiddenLine xmlns="" xmlns:a16="http://schemas.microsoft.com/office/drawing/2014/main" xmlns:p14="http://schemas.microsoft.com/office/powerpoint/2010/main" xmlns:a14="http://schemas.microsoft.com/office/drawing/2010/main" w="9525">
+                <a14:hiddenLine xmlns:a14="http://schemas.microsoft.com/office/drawing/2010/main" xmlns:p14="http://schemas.microsoft.com/office/powerpoint/2010/main" xmlns:a16="http://schemas.microsoft.com/office/drawing/2014/main" xmlns="" w="9525">
                   <a:solidFill>
                     <a:srgbClr val="000000"/>
                   </a:solidFill>
@@ -15683,7 +15973,7 @@
             </a:ln>
             <a:extLst>
               <a:ext uri="{91240B29-F687-4f45-9708-019B960494DF}">
-                <a14:hiddenLine xmlns="" xmlns:a16="http://schemas.microsoft.com/office/drawing/2014/main" xmlns:p14="http://schemas.microsoft.com/office/powerpoint/2010/main" xmlns:a14="http://schemas.microsoft.com/office/drawing/2010/main" w="9525">
+                <a14:hiddenLine xmlns:a14="http://schemas.microsoft.com/office/drawing/2010/main" xmlns:p14="http://schemas.microsoft.com/office/powerpoint/2010/main" xmlns:a16="http://schemas.microsoft.com/office/drawing/2014/main" xmlns="" w="9525">
                   <a:solidFill>
                     <a:srgbClr val="000000"/>
                   </a:solidFill>
@@ -15788,7 +16078,7 @@
             </a:ln>
             <a:extLst>
               <a:ext uri="{91240B29-F687-4f45-9708-019B960494DF}">
-                <a14:hiddenLine xmlns="" xmlns:a16="http://schemas.microsoft.com/office/drawing/2014/main" xmlns:p14="http://schemas.microsoft.com/office/powerpoint/2010/main" xmlns:a14="http://schemas.microsoft.com/office/drawing/2010/main" w="9525">
+                <a14:hiddenLine xmlns:a14="http://schemas.microsoft.com/office/drawing/2010/main" xmlns:p14="http://schemas.microsoft.com/office/powerpoint/2010/main" xmlns:a16="http://schemas.microsoft.com/office/drawing/2014/main" xmlns="" w="9525">
                   <a:solidFill>
                     <a:srgbClr val="000000"/>
                   </a:solidFill>
@@ -15865,7 +16155,7 @@
             </a:ln>
             <a:extLst>
               <a:ext uri="{91240B29-F687-4f45-9708-019B960494DF}">
-                <a14:hiddenLine xmlns="" xmlns:a16="http://schemas.microsoft.com/office/drawing/2014/main" xmlns:p14="http://schemas.microsoft.com/office/powerpoint/2010/main" xmlns:a14="http://schemas.microsoft.com/office/drawing/2010/main" w="9525">
+                <a14:hiddenLine xmlns:a14="http://schemas.microsoft.com/office/drawing/2010/main" xmlns:p14="http://schemas.microsoft.com/office/powerpoint/2010/main" xmlns:a16="http://schemas.microsoft.com/office/drawing/2014/main" xmlns="" w="9525">
                   <a:solidFill>
                     <a:srgbClr val="000000"/>
                   </a:solidFill>
@@ -15942,7 +16232,7 @@
             </a:ln>
             <a:extLst>
               <a:ext uri="{91240B29-F687-4f45-9708-019B960494DF}">
-                <a14:hiddenLine xmlns="" xmlns:a16="http://schemas.microsoft.com/office/drawing/2014/main" xmlns:p14="http://schemas.microsoft.com/office/powerpoint/2010/main" xmlns:a14="http://schemas.microsoft.com/office/drawing/2010/main" w="9525">
+                <a14:hiddenLine xmlns:a14="http://schemas.microsoft.com/office/drawing/2010/main" xmlns:p14="http://schemas.microsoft.com/office/powerpoint/2010/main" xmlns:a16="http://schemas.microsoft.com/office/drawing/2014/main" xmlns="" w="9525">
                   <a:solidFill>
                     <a:srgbClr val="000000"/>
                   </a:solidFill>
@@ -16047,7 +16337,7 @@
             </a:ln>
             <a:extLst>
               <a:ext uri="{91240B29-F687-4f45-9708-019B960494DF}">
-                <a14:hiddenLine xmlns="" xmlns:a16="http://schemas.microsoft.com/office/drawing/2014/main" xmlns:p14="http://schemas.microsoft.com/office/powerpoint/2010/main" xmlns:a14="http://schemas.microsoft.com/office/drawing/2010/main" w="9525">
+                <a14:hiddenLine xmlns:a14="http://schemas.microsoft.com/office/drawing/2010/main" xmlns:p14="http://schemas.microsoft.com/office/powerpoint/2010/main" xmlns:a16="http://schemas.microsoft.com/office/drawing/2014/main" xmlns="" w="9525">
                   <a:solidFill>
                     <a:srgbClr val="000000"/>
                   </a:solidFill>
@@ -16152,7 +16442,7 @@
             </a:ln>
             <a:extLst>
               <a:ext uri="{91240B29-F687-4f45-9708-019B960494DF}">
-                <a14:hiddenLine xmlns="" xmlns:a16="http://schemas.microsoft.com/office/drawing/2014/main" xmlns:p14="http://schemas.microsoft.com/office/powerpoint/2010/main" xmlns:a14="http://schemas.microsoft.com/office/drawing/2010/main" w="9525">
+                <a14:hiddenLine xmlns:a14="http://schemas.microsoft.com/office/drawing/2010/main" xmlns:p14="http://schemas.microsoft.com/office/powerpoint/2010/main" xmlns:a16="http://schemas.microsoft.com/office/drawing/2014/main" xmlns="" w="9525">
                   <a:solidFill>
                     <a:srgbClr val="000000"/>
                   </a:solidFill>
@@ -16229,7 +16519,7 @@
             </a:ln>
             <a:extLst>
               <a:ext uri="{91240B29-F687-4f45-9708-019B960494DF}">
-                <a14:hiddenLine xmlns="" xmlns:a16="http://schemas.microsoft.com/office/drawing/2014/main" xmlns:p14="http://schemas.microsoft.com/office/powerpoint/2010/main" xmlns:a14="http://schemas.microsoft.com/office/drawing/2010/main" w="9525">
+                <a14:hiddenLine xmlns:a14="http://schemas.microsoft.com/office/drawing/2010/main" xmlns:p14="http://schemas.microsoft.com/office/powerpoint/2010/main" xmlns:a16="http://schemas.microsoft.com/office/drawing/2014/main" xmlns="" w="9525">
                   <a:solidFill>
                     <a:srgbClr val="000000"/>
                   </a:solidFill>
@@ -16354,7 +16644,7 @@
             </a:ln>
             <a:extLst>
               <a:ext uri="{91240B29-F687-4f45-9708-019B960494DF}">
-                <a14:hiddenLine xmlns="" xmlns:a16="http://schemas.microsoft.com/office/drawing/2014/main" xmlns:p14="http://schemas.microsoft.com/office/powerpoint/2010/main" xmlns:a14="http://schemas.microsoft.com/office/drawing/2010/main" w="9525">
+                <a14:hiddenLine xmlns:a14="http://schemas.microsoft.com/office/drawing/2010/main" xmlns:p14="http://schemas.microsoft.com/office/powerpoint/2010/main" xmlns:a16="http://schemas.microsoft.com/office/drawing/2014/main" xmlns="" w="9525">
                   <a:solidFill>
                     <a:srgbClr val="000000"/>
                   </a:solidFill>
@@ -16431,7 +16721,7 @@
             </a:ln>
             <a:extLst>
               <a:ext uri="{91240B29-F687-4f45-9708-019B960494DF}">
-                <a14:hiddenLine xmlns="" xmlns:a16="http://schemas.microsoft.com/office/drawing/2014/main" xmlns:p14="http://schemas.microsoft.com/office/powerpoint/2010/main" xmlns:a14="http://schemas.microsoft.com/office/drawing/2010/main" w="9525">
+                <a14:hiddenLine xmlns:a14="http://schemas.microsoft.com/office/drawing/2010/main" xmlns:p14="http://schemas.microsoft.com/office/powerpoint/2010/main" xmlns:a16="http://schemas.microsoft.com/office/drawing/2014/main" xmlns="" w="9525">
                   <a:solidFill>
                     <a:srgbClr val="000000"/>
                   </a:solidFill>
@@ -16536,7 +16826,7 @@
             </a:ln>
             <a:extLst>
               <a:ext uri="{91240B29-F687-4f45-9708-019B960494DF}">
-                <a14:hiddenLine xmlns="" xmlns:a16="http://schemas.microsoft.com/office/drawing/2014/main" xmlns:p14="http://schemas.microsoft.com/office/powerpoint/2010/main" xmlns:a14="http://schemas.microsoft.com/office/drawing/2010/main" w="9525">
+                <a14:hiddenLine xmlns:a14="http://schemas.microsoft.com/office/drawing/2010/main" xmlns:p14="http://schemas.microsoft.com/office/powerpoint/2010/main" xmlns:a16="http://schemas.microsoft.com/office/drawing/2014/main" xmlns="" w="9525">
                   <a:solidFill>
                     <a:srgbClr val="000000"/>
                   </a:solidFill>
@@ -16641,7 +16931,7 @@
             </a:ln>
             <a:extLst>
               <a:ext uri="{91240B29-F687-4f45-9708-019B960494DF}">
-                <a14:hiddenLine xmlns="" xmlns:a16="http://schemas.microsoft.com/office/drawing/2014/main" xmlns:p14="http://schemas.microsoft.com/office/powerpoint/2010/main" xmlns:a14="http://schemas.microsoft.com/office/drawing/2010/main" w="9525">
+                <a14:hiddenLine xmlns:a14="http://schemas.microsoft.com/office/drawing/2010/main" xmlns:p14="http://schemas.microsoft.com/office/powerpoint/2010/main" xmlns:a16="http://schemas.microsoft.com/office/drawing/2014/main" xmlns="" w="9525">
                   <a:solidFill>
                     <a:srgbClr val="000000"/>
                   </a:solidFill>
@@ -16718,7 +17008,7 @@
             </a:ln>
             <a:extLst>
               <a:ext uri="{91240B29-F687-4f45-9708-019B960494DF}">
-                <a14:hiddenLine xmlns="" xmlns:a16="http://schemas.microsoft.com/office/drawing/2014/main" xmlns:p14="http://schemas.microsoft.com/office/powerpoint/2010/main" xmlns:a14="http://schemas.microsoft.com/office/drawing/2010/main" w="9525">
+                <a14:hiddenLine xmlns:a14="http://schemas.microsoft.com/office/drawing/2010/main" xmlns:p14="http://schemas.microsoft.com/office/powerpoint/2010/main" xmlns:a16="http://schemas.microsoft.com/office/drawing/2014/main" xmlns="" w="9525">
                   <a:solidFill>
                     <a:srgbClr val="000000"/>
                   </a:solidFill>
@@ -16823,7 +17113,7 @@
             </a:ln>
             <a:extLst>
               <a:ext uri="{91240B29-F687-4f45-9708-019B960494DF}">
-                <a14:hiddenLine xmlns="" xmlns:a16="http://schemas.microsoft.com/office/drawing/2014/main" xmlns:p14="http://schemas.microsoft.com/office/powerpoint/2010/main" xmlns:a14="http://schemas.microsoft.com/office/drawing/2010/main" w="9525">
+                <a14:hiddenLine xmlns:a14="http://schemas.microsoft.com/office/drawing/2010/main" xmlns:p14="http://schemas.microsoft.com/office/powerpoint/2010/main" xmlns:a16="http://schemas.microsoft.com/office/drawing/2014/main" xmlns="" w="9525">
                   <a:solidFill>
                     <a:srgbClr val="000000"/>
                   </a:solidFill>
@@ -16928,7 +17218,7 @@
             </a:ln>
             <a:extLst>
               <a:ext uri="{91240B29-F687-4f45-9708-019B960494DF}">
-                <a14:hiddenLine xmlns="" xmlns:a16="http://schemas.microsoft.com/office/drawing/2014/main" xmlns:p14="http://schemas.microsoft.com/office/powerpoint/2010/main" xmlns:a14="http://schemas.microsoft.com/office/drawing/2010/main" w="9525">
+                <a14:hiddenLine xmlns:a14="http://schemas.microsoft.com/office/drawing/2010/main" xmlns:p14="http://schemas.microsoft.com/office/powerpoint/2010/main" xmlns:a16="http://schemas.microsoft.com/office/drawing/2014/main" xmlns="" w="9525">
                   <a:solidFill>
                     <a:srgbClr val="000000"/>
                   </a:solidFill>
@@ -16999,7 +17289,7 @@
             </a:ln>
             <a:extLst>
               <a:ext uri="{91240B29-F687-4f45-9708-019B960494DF}">
-                <a14:hiddenLine xmlns="" xmlns:a16="http://schemas.microsoft.com/office/drawing/2014/main" xmlns:p14="http://schemas.microsoft.com/office/powerpoint/2010/main" xmlns:a14="http://schemas.microsoft.com/office/drawing/2010/main" w="9525">
+                <a14:hiddenLine xmlns:a14="http://schemas.microsoft.com/office/drawing/2010/main" xmlns:p14="http://schemas.microsoft.com/office/powerpoint/2010/main" xmlns:a16="http://schemas.microsoft.com/office/drawing/2014/main" xmlns="" w="9525">
                   <a:solidFill>
                     <a:srgbClr val="000000"/>
                   </a:solidFill>
@@ -17104,7 +17394,7 @@
             </a:ln>
             <a:extLst>
               <a:ext uri="{91240B29-F687-4f45-9708-019B960494DF}">
-                <a14:hiddenLine xmlns="" xmlns:a16="http://schemas.microsoft.com/office/drawing/2014/main" xmlns:p14="http://schemas.microsoft.com/office/powerpoint/2010/main" xmlns:a14="http://schemas.microsoft.com/office/drawing/2010/main" w="9525">
+                <a14:hiddenLine xmlns:a14="http://schemas.microsoft.com/office/drawing/2010/main" xmlns:p14="http://schemas.microsoft.com/office/powerpoint/2010/main" xmlns:a16="http://schemas.microsoft.com/office/drawing/2014/main" xmlns="" w="9525">
                   <a:solidFill>
                     <a:srgbClr val="000000"/>
                   </a:solidFill>
@@ -17175,7 +17465,7 @@
             </a:ln>
             <a:extLst>
               <a:ext uri="{91240B29-F687-4f45-9708-019B960494DF}">
-                <a14:hiddenLine xmlns="" xmlns:a16="http://schemas.microsoft.com/office/drawing/2014/main" xmlns:p14="http://schemas.microsoft.com/office/powerpoint/2010/main" xmlns:a14="http://schemas.microsoft.com/office/drawing/2010/main" w="9525">
+                <a14:hiddenLine xmlns:a14="http://schemas.microsoft.com/office/drawing/2010/main" xmlns:p14="http://schemas.microsoft.com/office/powerpoint/2010/main" xmlns:a16="http://schemas.microsoft.com/office/drawing/2014/main" xmlns="" w="9525">
                   <a:solidFill>
                     <a:srgbClr val="000000"/>
                   </a:solidFill>
@@ -17280,7 +17570,7 @@
             </a:ln>
             <a:extLst>
               <a:ext uri="{91240B29-F687-4f45-9708-019B960494DF}">
-                <a14:hiddenLine xmlns="" xmlns:a16="http://schemas.microsoft.com/office/drawing/2014/main" xmlns:p14="http://schemas.microsoft.com/office/powerpoint/2010/main" xmlns:a14="http://schemas.microsoft.com/office/drawing/2010/main" w="9525">
+                <a14:hiddenLine xmlns:a14="http://schemas.microsoft.com/office/drawing/2010/main" xmlns:p14="http://schemas.microsoft.com/office/powerpoint/2010/main" xmlns:a16="http://schemas.microsoft.com/office/drawing/2014/main" xmlns="" w="9525">
                   <a:solidFill>
                     <a:srgbClr val="000000"/>
                   </a:solidFill>
@@ -17363,7 +17653,7 @@
             </a:ln>
             <a:extLst>
               <a:ext uri="{91240B29-F687-4f45-9708-019B960494DF}">
-                <a14:hiddenLine xmlns="" xmlns:a16="http://schemas.microsoft.com/office/drawing/2014/main" xmlns:p14="http://schemas.microsoft.com/office/powerpoint/2010/main" xmlns:a14="http://schemas.microsoft.com/office/drawing/2010/main" w="9525">
+                <a14:hiddenLine xmlns:a14="http://schemas.microsoft.com/office/drawing/2010/main" xmlns:p14="http://schemas.microsoft.com/office/powerpoint/2010/main" xmlns:a16="http://schemas.microsoft.com/office/drawing/2014/main" xmlns="" w="9525">
                   <a:solidFill>
                     <a:srgbClr val="000000"/>
                   </a:solidFill>
@@ -17468,7 +17758,7 @@
             </a:ln>
             <a:extLst>
               <a:ext uri="{91240B29-F687-4f45-9708-019B960494DF}">
-                <a14:hiddenLine xmlns="" xmlns:a16="http://schemas.microsoft.com/office/drawing/2014/main" xmlns:p14="http://schemas.microsoft.com/office/powerpoint/2010/main" xmlns:a14="http://schemas.microsoft.com/office/drawing/2010/main" w="9525">
+                <a14:hiddenLine xmlns:a14="http://schemas.microsoft.com/office/drawing/2010/main" xmlns:p14="http://schemas.microsoft.com/office/powerpoint/2010/main" xmlns:a16="http://schemas.microsoft.com/office/drawing/2014/main" xmlns="" w="9525">
                   <a:solidFill>
                     <a:srgbClr val="000000"/>
                   </a:solidFill>
@@ -17551,7 +17841,7 @@
             </a:ln>
             <a:extLst>
               <a:ext uri="{91240B29-F687-4f45-9708-019B960494DF}">
-                <a14:hiddenLine xmlns="" xmlns:a16="http://schemas.microsoft.com/office/drawing/2014/main" xmlns:p14="http://schemas.microsoft.com/office/powerpoint/2010/main" xmlns:a14="http://schemas.microsoft.com/office/drawing/2010/main" w="9525">
+                <a14:hiddenLine xmlns:a14="http://schemas.microsoft.com/office/drawing/2010/main" xmlns:p14="http://schemas.microsoft.com/office/powerpoint/2010/main" xmlns:a16="http://schemas.microsoft.com/office/drawing/2014/main" xmlns="" w="9525">
                   <a:solidFill>
                     <a:srgbClr val="000000"/>
                   </a:solidFill>
@@ -17656,7 +17946,7 @@
             </a:ln>
             <a:extLst>
               <a:ext uri="{91240B29-F687-4f45-9708-019B960494DF}">
-                <a14:hiddenLine xmlns="" xmlns:a16="http://schemas.microsoft.com/office/drawing/2014/main" xmlns:p14="http://schemas.microsoft.com/office/powerpoint/2010/main" xmlns:a14="http://schemas.microsoft.com/office/drawing/2010/main" w="9525">
+                <a14:hiddenLine xmlns:a14="http://schemas.microsoft.com/office/drawing/2010/main" xmlns:p14="http://schemas.microsoft.com/office/powerpoint/2010/main" xmlns:a16="http://schemas.microsoft.com/office/drawing/2014/main" xmlns="" w="9525">
                   <a:solidFill>
                     <a:srgbClr val="000000"/>
                   </a:solidFill>
@@ -17705,7 +17995,7 @@
             </a:ln>
             <a:extLst>
               <a:ext uri="{91240B29-F687-4f45-9708-019B960494DF}">
-                <a14:hiddenLine xmlns="" xmlns:a16="http://schemas.microsoft.com/office/drawing/2014/main" xmlns:p14="http://schemas.microsoft.com/office/powerpoint/2010/main" xmlns:a14="http://schemas.microsoft.com/office/drawing/2010/main" w="9525">
+                <a14:hiddenLine xmlns:a14="http://schemas.microsoft.com/office/drawing/2010/main" xmlns:p14="http://schemas.microsoft.com/office/powerpoint/2010/main" xmlns:a16="http://schemas.microsoft.com/office/drawing/2014/main" xmlns="" w="9525">
                   <a:solidFill>
                     <a:srgbClr val="000000"/>
                   </a:solidFill>
@@ -17810,7 +18100,7 @@
             </a:ln>
             <a:extLst>
               <a:ext uri="{91240B29-F687-4f45-9708-019B960494DF}">
-                <a14:hiddenLine xmlns="" xmlns:a16="http://schemas.microsoft.com/office/drawing/2014/main" xmlns:p14="http://schemas.microsoft.com/office/powerpoint/2010/main" xmlns:a14="http://schemas.microsoft.com/office/drawing/2010/main" w="9525">
+                <a14:hiddenLine xmlns:a14="http://schemas.microsoft.com/office/drawing/2010/main" xmlns:p14="http://schemas.microsoft.com/office/powerpoint/2010/main" xmlns:a16="http://schemas.microsoft.com/office/drawing/2014/main" xmlns="" w="9525">
                   <a:solidFill>
                     <a:srgbClr val="000000"/>
                   </a:solidFill>
@@ -17887,7 +18177,7 @@
             </a:ln>
             <a:extLst>
               <a:ext uri="{91240B29-F687-4f45-9708-019B960494DF}">
-                <a14:hiddenLine xmlns="" xmlns:a16="http://schemas.microsoft.com/office/drawing/2014/main" xmlns:p14="http://schemas.microsoft.com/office/powerpoint/2010/main" xmlns:a14="http://schemas.microsoft.com/office/drawing/2010/main" w="9525">
+                <a14:hiddenLine xmlns:a14="http://schemas.microsoft.com/office/drawing/2010/main" xmlns:p14="http://schemas.microsoft.com/office/powerpoint/2010/main" xmlns:a16="http://schemas.microsoft.com/office/drawing/2014/main" xmlns="" w="9525">
                   <a:solidFill>
                     <a:srgbClr val="000000"/>
                   </a:solidFill>
@@ -17964,7 +18254,7 @@
             </a:ln>
             <a:extLst>
               <a:ext uri="{91240B29-F687-4f45-9708-019B960494DF}">
-                <a14:hiddenLine xmlns="" xmlns:a16="http://schemas.microsoft.com/office/drawing/2014/main" xmlns:p14="http://schemas.microsoft.com/office/powerpoint/2010/main" xmlns:a14="http://schemas.microsoft.com/office/drawing/2010/main" w="9525">
+                <a14:hiddenLine xmlns:a14="http://schemas.microsoft.com/office/drawing/2010/main" xmlns:p14="http://schemas.microsoft.com/office/powerpoint/2010/main" xmlns:a16="http://schemas.microsoft.com/office/drawing/2014/main" xmlns="" w="9525">
                   <a:solidFill>
                     <a:srgbClr val="000000"/>
                   </a:solidFill>
@@ -18069,7 +18359,7 @@
             </a:ln>
             <a:extLst>
               <a:ext uri="{91240B29-F687-4f45-9708-019B960494DF}">
-                <a14:hiddenLine xmlns="" xmlns:a16="http://schemas.microsoft.com/office/drawing/2014/main" xmlns:p14="http://schemas.microsoft.com/office/powerpoint/2010/main" xmlns:a14="http://schemas.microsoft.com/office/drawing/2010/main" w="9525">
+                <a14:hiddenLine xmlns:a14="http://schemas.microsoft.com/office/drawing/2010/main" xmlns:p14="http://schemas.microsoft.com/office/powerpoint/2010/main" xmlns:a16="http://schemas.microsoft.com/office/drawing/2014/main" xmlns="" w="9525">
                   <a:solidFill>
                     <a:srgbClr val="000000"/>
                   </a:solidFill>
@@ -18152,7 +18442,7 @@
             </a:ln>
             <a:extLst>
               <a:ext uri="{91240B29-F687-4f45-9708-019B960494DF}">
-                <a14:hiddenLine xmlns="" xmlns:a16="http://schemas.microsoft.com/office/drawing/2014/main" xmlns:p14="http://schemas.microsoft.com/office/powerpoint/2010/main" xmlns:a14="http://schemas.microsoft.com/office/drawing/2010/main" w="9525">
+                <a14:hiddenLine xmlns:a14="http://schemas.microsoft.com/office/drawing/2010/main" xmlns:p14="http://schemas.microsoft.com/office/powerpoint/2010/main" xmlns:a16="http://schemas.microsoft.com/office/drawing/2014/main" xmlns="" w="9525">
                   <a:solidFill>
                     <a:srgbClr val="000000"/>
                   </a:solidFill>
@@ -18229,7 +18519,7 @@
             </a:ln>
             <a:extLst>
               <a:ext uri="{91240B29-F687-4f45-9708-019B960494DF}">
-                <a14:hiddenLine xmlns="" xmlns:a16="http://schemas.microsoft.com/office/drawing/2014/main" xmlns:p14="http://schemas.microsoft.com/office/powerpoint/2010/main" xmlns:a14="http://schemas.microsoft.com/office/drawing/2010/main" w="9525">
+                <a14:hiddenLine xmlns:a14="http://schemas.microsoft.com/office/drawing/2010/main" xmlns:p14="http://schemas.microsoft.com/office/powerpoint/2010/main" xmlns:a16="http://schemas.microsoft.com/office/drawing/2014/main" xmlns="" w="9525">
                   <a:solidFill>
                     <a:srgbClr val="000000"/>
                   </a:solidFill>
@@ -18334,7 +18624,7 @@
             </a:ln>
             <a:extLst>
               <a:ext uri="{91240B29-F687-4f45-9708-019B960494DF}">
-                <a14:hiddenLine xmlns="" xmlns:a16="http://schemas.microsoft.com/office/drawing/2014/main" xmlns:p14="http://schemas.microsoft.com/office/powerpoint/2010/main" xmlns:a14="http://schemas.microsoft.com/office/drawing/2010/main" w="9525">
+                <a14:hiddenLine xmlns:a14="http://schemas.microsoft.com/office/drawing/2010/main" xmlns:p14="http://schemas.microsoft.com/office/powerpoint/2010/main" xmlns:a16="http://schemas.microsoft.com/office/drawing/2014/main" xmlns="" w="9525">
                   <a:solidFill>
                     <a:srgbClr val="000000"/>
                   </a:solidFill>
@@ -18411,7 +18701,7 @@
             </a:ln>
             <a:extLst>
               <a:ext uri="{91240B29-F687-4f45-9708-019B960494DF}">
-                <a14:hiddenLine xmlns="" xmlns:a16="http://schemas.microsoft.com/office/drawing/2014/main" xmlns:p14="http://schemas.microsoft.com/office/powerpoint/2010/main" xmlns:a14="http://schemas.microsoft.com/office/drawing/2010/main" w="9525">
+                <a14:hiddenLine xmlns:a14="http://schemas.microsoft.com/office/drawing/2010/main" xmlns:p14="http://schemas.microsoft.com/office/powerpoint/2010/main" xmlns:a16="http://schemas.microsoft.com/office/drawing/2014/main" xmlns="" w="9525">
                   <a:solidFill>
                     <a:srgbClr val="000000"/>
                   </a:solidFill>
@@ -18516,7 +18806,7 @@
             </a:ln>
             <a:extLst>
               <a:ext uri="{91240B29-F687-4f45-9708-019B960494DF}">
-                <a14:hiddenLine xmlns="" xmlns:a16="http://schemas.microsoft.com/office/drawing/2014/main" xmlns:p14="http://schemas.microsoft.com/office/powerpoint/2010/main" xmlns:a14="http://schemas.microsoft.com/office/drawing/2010/main" w="9525">
+                <a14:hiddenLine xmlns:a14="http://schemas.microsoft.com/office/drawing/2010/main" xmlns:p14="http://schemas.microsoft.com/office/powerpoint/2010/main" xmlns:a16="http://schemas.microsoft.com/office/drawing/2014/main" xmlns="" w="9525">
                   <a:solidFill>
                     <a:srgbClr val="000000"/>
                   </a:solidFill>
@@ -18593,7 +18883,7 @@
             </a:ln>
             <a:extLst>
               <a:ext uri="{91240B29-F687-4f45-9708-019B960494DF}">
-                <a14:hiddenLine xmlns="" xmlns:a16="http://schemas.microsoft.com/office/drawing/2014/main" xmlns:p14="http://schemas.microsoft.com/office/powerpoint/2010/main" xmlns:a14="http://schemas.microsoft.com/office/drawing/2010/main" w="9525">
+                <a14:hiddenLine xmlns:a14="http://schemas.microsoft.com/office/drawing/2010/main" xmlns:p14="http://schemas.microsoft.com/office/powerpoint/2010/main" xmlns:a16="http://schemas.microsoft.com/office/drawing/2014/main" xmlns="" w="9525">
                   <a:solidFill>
                     <a:srgbClr val="000000"/>
                   </a:solidFill>
@@ -18698,7 +18988,7 @@
             </a:ln>
             <a:extLst>
               <a:ext uri="{91240B29-F687-4f45-9708-019B960494DF}">
-                <a14:hiddenLine xmlns="" xmlns:a16="http://schemas.microsoft.com/office/drawing/2014/main" xmlns:p14="http://schemas.microsoft.com/office/powerpoint/2010/main" xmlns:a14="http://schemas.microsoft.com/office/drawing/2010/main" w="9525">
+                <a14:hiddenLine xmlns:a14="http://schemas.microsoft.com/office/drawing/2010/main" xmlns:p14="http://schemas.microsoft.com/office/powerpoint/2010/main" xmlns:a16="http://schemas.microsoft.com/office/drawing/2014/main" xmlns="" w="9525">
                   <a:solidFill>
                     <a:srgbClr val="000000"/>
                   </a:solidFill>
@@ -18747,7 +19037,7 @@
             </a:ln>
             <a:extLst>
               <a:ext uri="{91240B29-F687-4f45-9708-019B960494DF}">
-                <a14:hiddenLine xmlns="" xmlns:a16="http://schemas.microsoft.com/office/drawing/2014/main" xmlns:p14="http://schemas.microsoft.com/office/powerpoint/2010/main" xmlns:a14="http://schemas.microsoft.com/office/drawing/2010/main" w="9525">
+                <a14:hiddenLine xmlns:a14="http://schemas.microsoft.com/office/drawing/2010/main" xmlns:p14="http://schemas.microsoft.com/office/powerpoint/2010/main" xmlns:a16="http://schemas.microsoft.com/office/drawing/2014/main" xmlns="" w="9525">
                   <a:solidFill>
                     <a:srgbClr val="000000"/>
                   </a:solidFill>
@@ -18827,7 +19117,7 @@
             </a:ln>
             <a:extLst>
               <a:ext uri="{91240B29-F687-4f45-9708-019B960494DF}">
-                <a14:hiddenLine xmlns="" xmlns:a16="http://schemas.microsoft.com/office/drawing/2014/main" xmlns:p14="http://schemas.microsoft.com/office/powerpoint/2010/main" xmlns:a14="http://schemas.microsoft.com/office/drawing/2010/main" w="9525">
+                <a14:hiddenLine xmlns:a14="http://schemas.microsoft.com/office/drawing/2010/main" xmlns:p14="http://schemas.microsoft.com/office/powerpoint/2010/main" xmlns:a16="http://schemas.microsoft.com/office/drawing/2014/main" xmlns="" w="9525">
                   <a:solidFill>
                     <a:srgbClr val="000000"/>
                   </a:solidFill>
@@ -18932,7 +19222,7 @@
             </a:ln>
             <a:extLst>
               <a:ext uri="{91240B29-F687-4f45-9708-019B960494DF}">
-                <a14:hiddenLine xmlns="" xmlns:a16="http://schemas.microsoft.com/office/drawing/2014/main" xmlns:p14="http://schemas.microsoft.com/office/powerpoint/2010/main" xmlns:a14="http://schemas.microsoft.com/office/drawing/2010/main" w="9525">
+                <a14:hiddenLine xmlns:a14="http://schemas.microsoft.com/office/drawing/2010/main" xmlns:p14="http://schemas.microsoft.com/office/powerpoint/2010/main" xmlns:a16="http://schemas.microsoft.com/office/drawing/2014/main" xmlns="" w="9525">
                   <a:solidFill>
                     <a:srgbClr val="000000"/>
                   </a:solidFill>
@@ -19009,7 +19299,7 @@
             </a:ln>
             <a:extLst>
               <a:ext uri="{91240B29-F687-4f45-9708-019B960494DF}">
-                <a14:hiddenLine xmlns="" xmlns:a16="http://schemas.microsoft.com/office/drawing/2014/main" xmlns:p14="http://schemas.microsoft.com/office/powerpoint/2010/main" xmlns:a14="http://schemas.microsoft.com/office/drawing/2010/main" w="9525">
+                <a14:hiddenLine xmlns:a14="http://schemas.microsoft.com/office/drawing/2010/main" xmlns:p14="http://schemas.microsoft.com/office/powerpoint/2010/main" xmlns:a16="http://schemas.microsoft.com/office/drawing/2014/main" xmlns="" w="9525">
                   <a:solidFill>
                     <a:srgbClr val="000000"/>
                   </a:solidFill>
@@ -19114,7 +19404,7 @@
             </a:ln>
             <a:extLst>
               <a:ext uri="{91240B29-F687-4f45-9708-019B960494DF}">
-                <a14:hiddenLine xmlns="" xmlns:a16="http://schemas.microsoft.com/office/drawing/2014/main" xmlns:p14="http://schemas.microsoft.com/office/powerpoint/2010/main" xmlns:a14="http://schemas.microsoft.com/office/drawing/2010/main" w="9525">
+                <a14:hiddenLine xmlns:a14="http://schemas.microsoft.com/office/drawing/2010/main" xmlns:p14="http://schemas.microsoft.com/office/powerpoint/2010/main" xmlns:a16="http://schemas.microsoft.com/office/drawing/2014/main" xmlns="" w="9525">
                   <a:solidFill>
                     <a:srgbClr val="000000"/>
                   </a:solidFill>
@@ -19219,7 +19509,7 @@
             </a:ln>
             <a:extLst>
               <a:ext uri="{91240B29-F687-4f45-9708-019B960494DF}">
-                <a14:hiddenLine xmlns="" xmlns:a16="http://schemas.microsoft.com/office/drawing/2014/main" xmlns:p14="http://schemas.microsoft.com/office/powerpoint/2010/main" xmlns:a14="http://schemas.microsoft.com/office/drawing/2010/main" w="9525">
+                <a14:hiddenLine xmlns:a14="http://schemas.microsoft.com/office/drawing/2010/main" xmlns:p14="http://schemas.microsoft.com/office/powerpoint/2010/main" xmlns:a16="http://schemas.microsoft.com/office/drawing/2014/main" xmlns="" w="9525">
                   <a:solidFill>
                     <a:srgbClr val="000000"/>
                   </a:solidFill>
@@ -19299,7 +19589,7 @@
             </a:ln>
             <a:extLst>
               <a:ext uri="{91240B29-F687-4f45-9708-019B960494DF}">
-                <a14:hiddenLine xmlns="" xmlns:a16="http://schemas.microsoft.com/office/drawing/2014/main" xmlns:p14="http://schemas.microsoft.com/office/powerpoint/2010/main" xmlns:a14="http://schemas.microsoft.com/office/drawing/2010/main" w="9525">
+                <a14:hiddenLine xmlns:a14="http://schemas.microsoft.com/office/drawing/2010/main" xmlns:p14="http://schemas.microsoft.com/office/powerpoint/2010/main" xmlns:a16="http://schemas.microsoft.com/office/drawing/2014/main" xmlns="" w="9525">
                   <a:solidFill>
                     <a:srgbClr val="000000"/>
                   </a:solidFill>
@@ -19376,7 +19666,7 @@
             </a:ln>
             <a:extLst>
               <a:ext uri="{91240B29-F687-4f45-9708-019B960494DF}">
-                <a14:hiddenLine xmlns="" xmlns:a16="http://schemas.microsoft.com/office/drawing/2014/main" xmlns:p14="http://schemas.microsoft.com/office/powerpoint/2010/main" xmlns:a14="http://schemas.microsoft.com/office/drawing/2010/main" w="9525">
+                <a14:hiddenLine xmlns:a14="http://schemas.microsoft.com/office/drawing/2010/main" xmlns:p14="http://schemas.microsoft.com/office/powerpoint/2010/main" xmlns:a16="http://schemas.microsoft.com/office/drawing/2014/main" xmlns="" w="9525">
                   <a:solidFill>
                     <a:srgbClr val="000000"/>
                   </a:solidFill>
@@ -19481,7 +19771,7 @@
             </a:ln>
             <a:extLst>
               <a:ext uri="{91240B29-F687-4f45-9708-019B960494DF}">
-                <a14:hiddenLine xmlns="" xmlns:a16="http://schemas.microsoft.com/office/drawing/2014/main" xmlns:p14="http://schemas.microsoft.com/office/powerpoint/2010/main" xmlns:a14="http://schemas.microsoft.com/office/drawing/2010/main" w="9525">
+                <a14:hiddenLine xmlns:a14="http://schemas.microsoft.com/office/drawing/2010/main" xmlns:p14="http://schemas.microsoft.com/office/powerpoint/2010/main" xmlns:a16="http://schemas.microsoft.com/office/drawing/2014/main" xmlns="" w="9525">
                   <a:solidFill>
                     <a:srgbClr val="000000"/>
                   </a:solidFill>
@@ -19586,7 +19876,7 @@
             </a:ln>
             <a:extLst>
               <a:ext uri="{91240B29-F687-4f45-9708-019B960494DF}">
-                <a14:hiddenLine xmlns="" xmlns:a16="http://schemas.microsoft.com/office/drawing/2014/main" xmlns:p14="http://schemas.microsoft.com/office/powerpoint/2010/main" xmlns:a14="http://schemas.microsoft.com/office/drawing/2010/main" w="9525">
+                <a14:hiddenLine xmlns:a14="http://schemas.microsoft.com/office/drawing/2010/main" xmlns:p14="http://schemas.microsoft.com/office/powerpoint/2010/main" xmlns:a16="http://schemas.microsoft.com/office/drawing/2014/main" xmlns="" w="9525">
                   <a:solidFill>
                     <a:srgbClr val="000000"/>
                   </a:solidFill>
@@ -19663,7 +19953,7 @@
             </a:ln>
             <a:extLst>
               <a:ext uri="{91240B29-F687-4f45-9708-019B960494DF}">
-                <a14:hiddenLine xmlns="" xmlns:a16="http://schemas.microsoft.com/office/drawing/2014/main" xmlns:p14="http://schemas.microsoft.com/office/powerpoint/2010/main" xmlns:a14="http://schemas.microsoft.com/office/drawing/2010/main" w="9525">
+                <a14:hiddenLine xmlns:a14="http://schemas.microsoft.com/office/drawing/2010/main" xmlns:p14="http://schemas.microsoft.com/office/powerpoint/2010/main" xmlns:a16="http://schemas.microsoft.com/office/drawing/2014/main" xmlns="" w="9525">
                   <a:solidFill>
                     <a:srgbClr val="000000"/>
                   </a:solidFill>
@@ -19798,7 +20088,7 @@
             </a:ln>
             <a:extLst>
               <a:ext uri="{91240B29-F687-4f45-9708-019B960494DF}">
-                <a14:hiddenLine xmlns="" xmlns:a16="http://schemas.microsoft.com/office/drawing/2014/main" xmlns:p14="http://schemas.microsoft.com/office/powerpoint/2010/main" xmlns:a14="http://schemas.microsoft.com/office/drawing/2010/main" w="9525">
+                <a14:hiddenLine xmlns:a14="http://schemas.microsoft.com/office/drawing/2010/main" xmlns:p14="http://schemas.microsoft.com/office/powerpoint/2010/main" xmlns:a16="http://schemas.microsoft.com/office/drawing/2014/main" xmlns="" w="9525">
                   <a:solidFill>
                     <a:srgbClr val="000000"/>
                   </a:solidFill>
@@ -19881,7 +20171,7 @@
             </a:ln>
             <a:extLst>
               <a:ext uri="{91240B29-F687-4f45-9708-019B960494DF}">
-                <a14:hiddenLine xmlns="" xmlns:a16="http://schemas.microsoft.com/office/drawing/2014/main" xmlns:p14="http://schemas.microsoft.com/office/powerpoint/2010/main" xmlns:a14="http://schemas.microsoft.com/office/drawing/2010/main" w="9525">
+                <a14:hiddenLine xmlns:a14="http://schemas.microsoft.com/office/drawing/2010/main" xmlns:p14="http://schemas.microsoft.com/office/powerpoint/2010/main" xmlns:a16="http://schemas.microsoft.com/office/drawing/2014/main" xmlns="" w="9525">
                   <a:solidFill>
                     <a:srgbClr val="000000"/>
                   </a:solidFill>
@@ -19986,7 +20276,7 @@
             </a:ln>
             <a:extLst>
               <a:ext uri="{91240B29-F687-4f45-9708-019B960494DF}">
-                <a14:hiddenLine xmlns="" xmlns:a16="http://schemas.microsoft.com/office/drawing/2014/main" xmlns:p14="http://schemas.microsoft.com/office/powerpoint/2010/main" xmlns:a14="http://schemas.microsoft.com/office/drawing/2010/main" w="9525">
+                <a14:hiddenLine xmlns:a14="http://schemas.microsoft.com/office/drawing/2010/main" xmlns:p14="http://schemas.microsoft.com/office/powerpoint/2010/main" xmlns:a16="http://schemas.microsoft.com/office/drawing/2014/main" xmlns="" w="9525">
                   <a:solidFill>
                     <a:srgbClr val="000000"/>
                   </a:solidFill>
@@ -20013,6 +20303,565 @@
 </file>
 
 <file path=ppt/slides/slide10.xml><?xml version="1.0" encoding="utf-8"?>
+<p:sld xmlns:a="http://schemas.openxmlformats.org/drawingml/2006/main" xmlns:r="http://schemas.openxmlformats.org/officeDocument/2006/relationships" xmlns:p="http://schemas.openxmlformats.org/presentationml/2006/main">
+  <p:cSld>
+    <p:bg>
+      <p:bgPr>
+        <a:blipFill dpi="0" rotWithShape="1">
+          <a:blip r:embed="rId3">
+            <a:alphaModFix amt="70000"/>
+            <a:duotone>
+              <a:schemeClr val="bg2">
+                <a:shade val="48000"/>
+                <a:hueMod val="106000"/>
+                <a:satMod val="140000"/>
+                <a:lumMod val="42000"/>
+              </a:schemeClr>
+              <a:schemeClr val="bg2">
+                <a:tint val="98000"/>
+                <a:hueMod val="92000"/>
+                <a:satMod val="220000"/>
+                <a:lumMod val="90000"/>
+              </a:schemeClr>
+            </a:duotone>
+            <a:lum/>
+          </a:blip>
+          <a:srcRect/>
+          <a:stretch>
+            <a:fillRect/>
+          </a:stretch>
+        </a:blipFill>
+        <a:effectLst/>
+      </p:bgPr>
+    </p:bg>
+    <p:spTree>
+      <p:nvGrpSpPr>
+        <p:cNvPr id="1" name=""/>
+        <p:cNvGrpSpPr/>
+        <p:nvPr/>
+      </p:nvGrpSpPr>
+      <p:grpSpPr>
+        <a:xfrm>
+          <a:off x="0" y="0"/>
+          <a:ext cx="0" cy="0"/>
+          <a:chOff x="0" y="0"/>
+          <a:chExt cx="0" cy="0"/>
+        </a:xfrm>
+      </p:grpSpPr>
+      <p:sp>
+        <p:nvSpPr>
+          <p:cNvPr id="3" name="Text Placeholder 2">
+            <a:extLst>
+              <a:ext uri="{FF2B5EF4-FFF2-40B4-BE49-F238E27FC236}">
+                <a16:creationId xmlns:a16="http://schemas.microsoft.com/office/drawing/2014/main" id="{D4E46FCD-CF44-4051-BD5B-0BE5F7B9FBD3}"/>
+              </a:ext>
+            </a:extLst>
+          </p:cNvPr>
+          <p:cNvSpPr>
+            <a:spLocks noGrp="1"/>
+          </p:cNvSpPr>
+          <p:nvPr>
+            <p:ph type="body" idx="1"/>
+          </p:nvPr>
+        </p:nvSpPr>
+        <p:spPr/>
+        <p:txBody>
+          <a:bodyPr/>
+          <a:lstStyle/>
+          <a:p>
+            <a:endParaRPr lang="en-US" dirty="0"/>
+          </a:p>
+        </p:txBody>
+      </p:sp>
+      <p:sp>
+        <p:nvSpPr>
+          <p:cNvPr id="5" name="Text Placeholder 4">
+            <a:extLst>
+              <a:ext uri="{FF2B5EF4-FFF2-40B4-BE49-F238E27FC236}">
+                <a16:creationId xmlns:a16="http://schemas.microsoft.com/office/drawing/2014/main" id="{79921E57-5FE5-4A1A-92B0-2ADAC4FC8C84}"/>
+              </a:ext>
+            </a:extLst>
+          </p:cNvPr>
+          <p:cNvSpPr>
+            <a:spLocks noGrp="1"/>
+          </p:cNvSpPr>
+          <p:nvPr>
+            <p:ph type="body" sz="quarter" idx="3"/>
+          </p:nvPr>
+        </p:nvSpPr>
+        <p:spPr/>
+        <p:txBody>
+          <a:bodyPr/>
+          <a:lstStyle/>
+          <a:p>
+            <a:endParaRPr lang="en-US"/>
+          </a:p>
+        </p:txBody>
+      </p:sp>
+      <p:sp>
+        <p:nvSpPr>
+          <p:cNvPr id="11" name="Title 1">
+            <a:extLst>
+              <a:ext uri="{FF2B5EF4-FFF2-40B4-BE49-F238E27FC236}">
+                <a16:creationId xmlns:a16="http://schemas.microsoft.com/office/drawing/2014/main" id="{82E65DF7-4C69-46C6-8D20-A1BAFD4C5D30}"/>
+              </a:ext>
+            </a:extLst>
+          </p:cNvPr>
+          <p:cNvSpPr>
+            <a:spLocks noGrp="1"/>
+          </p:cNvSpPr>
+          <p:nvPr>
+            <p:ph type="title"/>
+          </p:nvPr>
+        </p:nvSpPr>
+        <p:spPr>
+          <a:xfrm>
+            <a:off x="1141411" y="619126"/>
+            <a:ext cx="9906000" cy="1477961"/>
+          </a:xfrm>
+        </p:spPr>
+        <p:txBody>
+          <a:bodyPr/>
+          <a:lstStyle/>
+          <a:p>
+            <a:r>
+              <a:rPr lang="en-US" dirty="0"/>
+              <a:t>plots</a:t>
+            </a:r>
+          </a:p>
+        </p:txBody>
+      </p:sp>
+      <p:pic>
+        <p:nvPicPr>
+          <p:cNvPr id="12" name="Content Placeholder 11" descr="A close up of a logo&#10;&#10;Description automatically generated">
+            <a:extLst>
+              <a:ext uri="{FF2B5EF4-FFF2-40B4-BE49-F238E27FC236}">
+                <a16:creationId xmlns:a16="http://schemas.microsoft.com/office/drawing/2014/main" id="{F937AAEB-EFA6-44F9-8BA9-98A42EDB7C93}"/>
+              </a:ext>
+            </a:extLst>
+          </p:cNvPr>
+          <p:cNvPicPr>
+            <a:picLocks noGrp="1" noChangeAspect="1"/>
+          </p:cNvPicPr>
+          <p:nvPr>
+            <p:ph sz="quarter" idx="4"/>
+          </p:nvPr>
+        </p:nvPicPr>
+        <p:blipFill>
+          <a:blip r:embed="rId4"/>
+          <a:stretch>
+            <a:fillRect/>
+          </a:stretch>
+        </p:blipFill>
+        <p:spPr>
+          <a:xfrm>
+            <a:off x="2496598" y="1525939"/>
+            <a:ext cx="7046406" cy="4985029"/>
+          </a:xfrm>
+        </p:spPr>
+      </p:pic>
+      <p:sp>
+        <p:nvSpPr>
+          <p:cNvPr id="7" name="Content Placeholder 6">
+            <a:extLst>
+              <a:ext uri="{FF2B5EF4-FFF2-40B4-BE49-F238E27FC236}">
+                <a16:creationId xmlns:a16="http://schemas.microsoft.com/office/drawing/2014/main" id="{96B625EC-1276-4F98-AC33-EB71429E86FC}"/>
+              </a:ext>
+            </a:extLst>
+          </p:cNvPr>
+          <p:cNvSpPr>
+            <a:spLocks noGrp="1"/>
+          </p:cNvSpPr>
+          <p:nvPr>
+            <p:ph sz="half" idx="2"/>
+          </p:nvPr>
+        </p:nvSpPr>
+        <p:spPr/>
+        <p:txBody>
+          <a:bodyPr/>
+          <a:lstStyle/>
+          <a:p>
+            <a:endParaRPr lang="en-US"/>
+          </a:p>
+        </p:txBody>
+      </p:sp>
+    </p:spTree>
+    <p:extLst>
+      <p:ext uri="{BB962C8B-B14F-4D97-AF65-F5344CB8AC3E}">
+        <p14:creationId xmlns:p14="http://schemas.microsoft.com/office/powerpoint/2010/main" val="386136278"/>
+      </p:ext>
+    </p:extLst>
+  </p:cSld>
+  <p:clrMapOvr>
+    <a:masterClrMapping/>
+  </p:clrMapOvr>
+</p:sld>
+</file>
+
+<file path=ppt/slides/slide11.xml><?xml version="1.0" encoding="utf-8"?>
+<p:sld xmlns:a="http://schemas.openxmlformats.org/drawingml/2006/main" xmlns:r="http://schemas.openxmlformats.org/officeDocument/2006/relationships" xmlns:p="http://schemas.openxmlformats.org/presentationml/2006/main">
+  <p:cSld>
+    <p:spTree>
+      <p:nvGrpSpPr>
+        <p:cNvPr id="1" name=""/>
+        <p:cNvGrpSpPr/>
+        <p:nvPr/>
+      </p:nvGrpSpPr>
+      <p:grpSpPr>
+        <a:xfrm>
+          <a:off x="0" y="0"/>
+          <a:ext cx="0" cy="0"/>
+          <a:chOff x="0" y="0"/>
+          <a:chExt cx="0" cy="0"/>
+        </a:xfrm>
+      </p:grpSpPr>
+      <p:sp>
+        <p:nvSpPr>
+          <p:cNvPr id="2" name="Title 1">
+            <a:extLst>
+              <a:ext uri="{FF2B5EF4-FFF2-40B4-BE49-F238E27FC236}">
+                <a16:creationId xmlns:a16="http://schemas.microsoft.com/office/drawing/2014/main" id="{434A1C9A-2C9E-4449-AEF0-EB80FD538BC0}"/>
+              </a:ext>
+            </a:extLst>
+          </p:cNvPr>
+          <p:cNvSpPr>
+            <a:spLocks noGrp="1"/>
+          </p:cNvSpPr>
+          <p:nvPr>
+            <p:ph type="title"/>
+          </p:nvPr>
+        </p:nvSpPr>
+        <p:spPr/>
+        <p:txBody>
+          <a:bodyPr/>
+          <a:lstStyle/>
+          <a:p>
+            <a:r>
+              <a:rPr lang="en-US" dirty="0"/>
+              <a:t>Methods</a:t>
+            </a:r>
+          </a:p>
+        </p:txBody>
+      </p:sp>
+      <p:sp>
+        <p:nvSpPr>
+          <p:cNvPr id="3" name="Text Placeholder 2">
+            <a:extLst>
+              <a:ext uri="{FF2B5EF4-FFF2-40B4-BE49-F238E27FC236}">
+                <a16:creationId xmlns:a16="http://schemas.microsoft.com/office/drawing/2014/main" id="{28865700-9D2B-4BD3-A297-B0E2FD6EED4F}"/>
+              </a:ext>
+            </a:extLst>
+          </p:cNvPr>
+          <p:cNvSpPr>
+            <a:spLocks noGrp="1"/>
+          </p:cNvSpPr>
+          <p:nvPr>
+            <p:ph type="body" idx="1"/>
+          </p:nvPr>
+        </p:nvSpPr>
+        <p:spPr>
+          <a:xfrm>
+            <a:off x="4011619" y="207170"/>
+            <a:ext cx="4649783" cy="823912"/>
+          </a:xfrm>
+        </p:spPr>
+        <p:txBody>
+          <a:bodyPr/>
+          <a:lstStyle/>
+          <a:p>
+            <a:endParaRPr lang="en-US"/>
+          </a:p>
+        </p:txBody>
+      </p:sp>
+      <p:sp>
+        <p:nvSpPr>
+          <p:cNvPr id="4" name="Content Placeholder 3">
+            <a:extLst>
+              <a:ext uri="{FF2B5EF4-FFF2-40B4-BE49-F238E27FC236}">
+                <a16:creationId xmlns:a16="http://schemas.microsoft.com/office/drawing/2014/main" id="{37E63847-0331-4801-A481-2900CAC97EE9}"/>
+              </a:ext>
+            </a:extLst>
+          </p:cNvPr>
+          <p:cNvSpPr>
+            <a:spLocks noGrp="1"/>
+          </p:cNvSpPr>
+          <p:nvPr>
+            <p:ph sz="half" idx="2"/>
+          </p:nvPr>
+        </p:nvSpPr>
+        <p:spPr>
+          <a:xfrm>
+            <a:off x="938210" y="2097087"/>
+            <a:ext cx="9906000" cy="3694111"/>
+          </a:xfrm>
+        </p:spPr>
+        <p:txBody>
+          <a:bodyPr/>
+          <a:lstStyle/>
+          <a:p>
+            <a:r>
+              <a:rPr lang="en-US" dirty="0"/>
+              <a:t>Linear model</a:t>
+            </a:r>
+          </a:p>
+          <a:p>
+            <a:r>
+              <a:rPr lang="en-US" dirty="0"/>
+              <a:t>SVM</a:t>
+            </a:r>
+          </a:p>
+          <a:p>
+            <a:r>
+              <a:rPr lang="en-US" dirty="0"/>
+              <a:t>KNN</a:t>
+            </a:r>
+          </a:p>
+          <a:p>
+            <a:r>
+              <a:rPr lang="en-US" dirty="0"/>
+              <a:t>Ridge and Lasso</a:t>
+            </a:r>
+          </a:p>
+          <a:p>
+            <a:r>
+              <a:rPr lang="en-US" dirty="0"/>
+              <a:t>Hurdle</a:t>
+            </a:r>
+          </a:p>
+          <a:p>
+            <a:endParaRPr lang="en-US" dirty="0"/>
+          </a:p>
+        </p:txBody>
+      </p:sp>
+    </p:spTree>
+    <p:extLst>
+      <p:ext uri="{BB962C8B-B14F-4D97-AF65-F5344CB8AC3E}">
+        <p14:creationId xmlns:p14="http://schemas.microsoft.com/office/powerpoint/2010/main" val="1839034123"/>
+      </p:ext>
+    </p:extLst>
+  </p:cSld>
+  <p:clrMapOvr>
+    <a:masterClrMapping/>
+  </p:clrMapOvr>
+</p:sld>
+</file>
+
+<file path=ppt/slides/slide12.xml><?xml version="1.0" encoding="utf-8"?>
+<p:sld xmlns:a="http://schemas.openxmlformats.org/drawingml/2006/main" xmlns:r="http://schemas.openxmlformats.org/officeDocument/2006/relationships" xmlns:p="http://schemas.openxmlformats.org/presentationml/2006/main">
+  <p:cSld>
+    <p:spTree>
+      <p:nvGrpSpPr>
+        <p:cNvPr id="1" name=""/>
+        <p:cNvGrpSpPr/>
+        <p:nvPr/>
+      </p:nvGrpSpPr>
+      <p:grpSpPr>
+        <a:xfrm>
+          <a:off x="0" y="0"/>
+          <a:ext cx="0" cy="0"/>
+          <a:chOff x="0" y="0"/>
+          <a:chExt cx="0" cy="0"/>
+        </a:xfrm>
+      </p:grpSpPr>
+      <p:sp>
+        <p:nvSpPr>
+          <p:cNvPr id="2" name="Title 1">
+            <a:extLst>
+              <a:ext uri="{FF2B5EF4-FFF2-40B4-BE49-F238E27FC236}">
+                <a16:creationId xmlns:a16="http://schemas.microsoft.com/office/drawing/2014/main" id="{88D8F4C2-CC4E-4546-BBB1-7CDE4C0D5B37}"/>
+              </a:ext>
+            </a:extLst>
+          </p:cNvPr>
+          <p:cNvSpPr>
+            <a:spLocks noGrp="1"/>
+          </p:cNvSpPr>
+          <p:nvPr>
+            <p:ph type="title"/>
+          </p:nvPr>
+        </p:nvSpPr>
+        <p:spPr/>
+        <p:txBody>
+          <a:bodyPr/>
+          <a:lstStyle/>
+          <a:p>
+            <a:r>
+              <a:rPr lang="en-US" dirty="0"/>
+              <a:t>Linear Model</a:t>
+            </a:r>
+          </a:p>
+        </p:txBody>
+      </p:sp>
+      <p:sp>
+        <p:nvSpPr>
+          <p:cNvPr id="3" name="Text Placeholder 2">
+            <a:extLst>
+              <a:ext uri="{FF2B5EF4-FFF2-40B4-BE49-F238E27FC236}">
+                <a16:creationId xmlns:a16="http://schemas.microsoft.com/office/drawing/2014/main" id="{AE43A582-B260-4FEA-A272-8519EB18C369}"/>
+              </a:ext>
+            </a:extLst>
+          </p:cNvPr>
+          <p:cNvSpPr>
+            <a:spLocks noGrp="1"/>
+          </p:cNvSpPr>
+          <p:nvPr>
+            <p:ph type="body" idx="1"/>
+          </p:nvPr>
+        </p:nvSpPr>
+        <p:spPr>
+          <a:xfrm>
+            <a:off x="1141408" y="2251530"/>
+            <a:ext cx="4649783" cy="823912"/>
+          </a:xfrm>
+        </p:spPr>
+        <p:txBody>
+          <a:bodyPr/>
+          <a:lstStyle/>
+          <a:p>
+            <a:r>
+              <a:rPr lang="en-US" dirty="0"/>
+              <a:t>With all features from Mutual </a:t>
+            </a:r>
+            <a:r>
+              <a:rPr lang="en-US" dirty="0" err="1"/>
+              <a:t>ınfo</a:t>
+            </a:r>
+            <a:endParaRPr lang="en-US" dirty="0"/>
+          </a:p>
+        </p:txBody>
+      </p:sp>
+      <p:sp>
+        <p:nvSpPr>
+          <p:cNvPr id="5" name="Text Placeholder 4">
+            <a:extLst>
+              <a:ext uri="{FF2B5EF4-FFF2-40B4-BE49-F238E27FC236}">
+                <a16:creationId xmlns:a16="http://schemas.microsoft.com/office/drawing/2014/main" id="{5400970B-5BCE-40B7-8A74-105318B39304}"/>
+              </a:ext>
+            </a:extLst>
+          </p:cNvPr>
+          <p:cNvSpPr>
+            <a:spLocks noGrp="1"/>
+          </p:cNvSpPr>
+          <p:nvPr>
+            <p:ph type="body" sz="quarter" idx="3"/>
+          </p:nvPr>
+        </p:nvSpPr>
+        <p:spPr>
+          <a:xfrm>
+            <a:off x="6172199" y="2123003"/>
+            <a:ext cx="4646602" cy="823912"/>
+          </a:xfrm>
+        </p:spPr>
+        <p:txBody>
+          <a:bodyPr/>
+          <a:lstStyle/>
+          <a:p>
+            <a:r>
+              <a:rPr lang="en-US" dirty="0"/>
+              <a:t>With one variable at the time</a:t>
+            </a:r>
+          </a:p>
+        </p:txBody>
+      </p:sp>
+      <p:sp>
+        <p:nvSpPr>
+          <p:cNvPr id="6" name="Content Placeholder 5">
+            <a:extLst>
+              <a:ext uri="{FF2B5EF4-FFF2-40B4-BE49-F238E27FC236}">
+                <a16:creationId xmlns:a16="http://schemas.microsoft.com/office/drawing/2014/main" id="{1827382A-0520-46A5-8F9D-058D8A6F4B2B}"/>
+              </a:ext>
+            </a:extLst>
+          </p:cNvPr>
+          <p:cNvSpPr>
+            <a:spLocks noGrp="1"/>
+          </p:cNvSpPr>
+          <p:nvPr>
+            <p:ph sz="quarter" idx="4"/>
+          </p:nvPr>
+        </p:nvSpPr>
+        <p:spPr>
+          <a:xfrm>
+            <a:off x="6172199" y="3098795"/>
+            <a:ext cx="4875210" cy="1662120"/>
+          </a:xfrm>
+        </p:spPr>
+        <p:txBody>
+          <a:bodyPr>
+            <a:normAutofit/>
+          </a:bodyPr>
+          <a:lstStyle/>
+          <a:p>
+            <a:r>
+              <a:rPr lang="pt-BR" dirty="0"/>
+              <a:t>R2 train: 0.24</a:t>
+            </a:r>
+          </a:p>
+          <a:p>
+            <a:r>
+              <a:rPr lang="pt-BR" dirty="0"/>
+              <a:t>R2 test:  0.06</a:t>
+            </a:r>
+          </a:p>
+          <a:p>
+            <a:endParaRPr lang="en-US" dirty="0"/>
+          </a:p>
+        </p:txBody>
+      </p:sp>
+      <p:sp>
+        <p:nvSpPr>
+          <p:cNvPr id="12" name="Content Placeholder 11">
+            <a:extLst>
+              <a:ext uri="{FF2B5EF4-FFF2-40B4-BE49-F238E27FC236}">
+                <a16:creationId xmlns:a16="http://schemas.microsoft.com/office/drawing/2014/main" id="{C690229F-2021-4D13-983E-F25E9FF32B91}"/>
+              </a:ext>
+            </a:extLst>
+          </p:cNvPr>
+          <p:cNvSpPr>
+            <a:spLocks noGrp="1"/>
+          </p:cNvSpPr>
+          <p:nvPr>
+            <p:ph sz="half" idx="2"/>
+          </p:nvPr>
+        </p:nvSpPr>
+        <p:spPr/>
+        <p:txBody>
+          <a:bodyPr>
+            <a:normAutofit/>
+          </a:bodyPr>
+          <a:lstStyle/>
+          <a:p>
+            <a:r>
+              <a:rPr lang="en-US" dirty="0"/>
+              <a:t>R2 train: 0.24</a:t>
+            </a:r>
+          </a:p>
+          <a:p>
+            <a:r>
+              <a:rPr lang="en-US" dirty="0"/>
+              <a:t> R2 test:  0.06</a:t>
+            </a:r>
+          </a:p>
+          <a:p>
+            <a:pPr marL="0" indent="0">
+              <a:buNone/>
+            </a:pPr>
+            <a:endParaRPr lang="en-US" dirty="0"/>
+          </a:p>
+        </p:txBody>
+      </p:sp>
+    </p:spTree>
+    <p:extLst>
+      <p:ext uri="{BB962C8B-B14F-4D97-AF65-F5344CB8AC3E}">
+        <p14:creationId xmlns:p14="http://schemas.microsoft.com/office/powerpoint/2010/main" val="294678220"/>
+      </p:ext>
+    </p:extLst>
+  </p:cSld>
+  <p:clrMapOvr>
+    <a:masterClrMapping/>
+  </p:clrMapOvr>
+</p:sld>
+</file>
+
+<file path=ppt/slides/slide13.xml><?xml version="1.0" encoding="utf-8"?>
 <p:sld xmlns:a="http://schemas.openxmlformats.org/drawingml/2006/main" xmlns:r="http://schemas.openxmlformats.org/officeDocument/2006/relationships" xmlns:p="http://schemas.openxmlformats.org/presentationml/2006/main">
   <p:cSld>
     <p:bg>
@@ -20071,64 +20920,53 @@
         </p:nvSpPr>
         <p:spPr>
           <a:xfrm>
-            <a:off x="8036041" y="618518"/>
-            <a:ext cx="3281003" cy="1478570"/>
+            <a:off x="1141413" y="618518"/>
+            <a:ext cx="9905998" cy="1478570"/>
           </a:xfrm>
         </p:spPr>
         <p:txBody>
-          <a:bodyPr vert="horz" lIns="91440" tIns="45720" rIns="91440" bIns="45720" rtlCol="0" anchor="b">
+          <a:bodyPr vert="horz" lIns="91440" tIns="45720" rIns="91440" bIns="45720" rtlCol="0">
             <a:normAutofit/>
           </a:bodyPr>
           <a:lstStyle/>
           <a:p>
             <a:r>
-              <a:rPr lang="en-US" sz="2800" dirty="0" err="1"/>
-              <a:t>Fıghting</a:t>
-            </a:r>
-            <a:r>
-              <a:rPr lang="en-US" sz="2800" dirty="0"/>
-              <a:t> with overfitting -Ridge</a:t>
+              <a:rPr lang="en-US"/>
+              <a:t>Fıghting with overfitting -Ridge</a:t>
             </a:r>
           </a:p>
         </p:txBody>
       </p:sp>
-      <p:sp>
-        <p:nvSpPr>
-          <p:cNvPr id="15" name="Round Diagonal Corner Rectangle 11">
+      <p:pic>
+        <p:nvPicPr>
+          <p:cNvPr id="9" name="Content Placeholder 8">
             <a:extLst>
               <a:ext uri="{FF2B5EF4-FFF2-40B4-BE49-F238E27FC236}">
-                <a16:creationId xmlns:a16="http://schemas.microsoft.com/office/drawing/2014/main" id="{E4B7B3E3-827A-48BE-AD67-A57C45AA6949}"/>
-              </a:ext>
-              <a:ext uri="{C183D7F6-B498-43B3-948B-1728B52AA6E4}">
-                <adec:decorative xmlns:adec="http://schemas.microsoft.com/office/drawing/2017/decorative" val="1"/>
+                <a16:creationId xmlns:a16="http://schemas.microsoft.com/office/drawing/2014/main" id="{EC52E22F-9406-40CD-BD71-39B56D4D0670}"/>
               </a:ext>
             </a:extLst>
           </p:cNvPr>
-          <p:cNvSpPr>
-            <a:spLocks noGrp="1" noRot="1" noChangeAspect="1" noMove="1" noResize="1" noEditPoints="1" noAdjustHandles="1" noChangeArrowheads="1" noChangeShapeType="1" noTextEdit="1"/>
-          </p:cNvSpPr>
-          <p:nvPr>
-            <p:extLst>
-              <p:ext uri="{386F3935-93C4-4BCD-93E2-E3B085C9AB24}">
-                <p16:designElem xmlns:p16="http://schemas.microsoft.com/office/powerpoint/2015/main" val="1"/>
-              </p:ext>
-            </p:extLst>
-          </p:nvPr>
-        </p:nvSpPr>
+          <p:cNvPicPr>
+            <a:picLocks noChangeAspect="1"/>
+          </p:cNvPicPr>
+          <p:nvPr/>
+        </p:nvPicPr>
+        <p:blipFill rotWithShape="1">
+          <a:blip r:embed="rId4"/>
+          <a:srcRect r="-2" b="2914"/>
+          <a:stretch/>
+        </p:blipFill>
         <p:spPr>
           <a:xfrm>
-            <a:off x="798949" y="808057"/>
-            <a:ext cx="6752461" cy="5234394"/>
+            <a:off x="149891" y="1962236"/>
+            <a:ext cx="8531601" cy="3872220"/>
           </a:xfrm>
           <a:prstGeom prst="round2DiagRect">
             <a:avLst>
-              <a:gd name="adj1" fmla="val 7418"/>
+              <a:gd name="adj1" fmla="val 5608"/>
               <a:gd name="adj2" fmla="val 0"/>
             </a:avLst>
           </a:prstGeom>
-          <a:solidFill>
-            <a:srgbClr val="FFFFFF"/>
-          </a:solidFill>
           <a:ln w="19050" cap="sq">
             <a:solidFill>
               <a:schemeClr val="tx2">
@@ -20147,83 +20985,28 @@
             </a:outerShdw>
           </a:effectLst>
         </p:spPr>
-        <p:style>
-          <a:lnRef idx="2">
-            <a:schemeClr val="accent1">
-              <a:shade val="50000"/>
-            </a:schemeClr>
-          </a:lnRef>
-          <a:fillRef idx="1">
-            <a:schemeClr val="accent1"/>
-          </a:fillRef>
-          <a:effectRef idx="0">
-            <a:schemeClr val="accent1"/>
-          </a:effectRef>
-          <a:fontRef idx="minor">
-            <a:schemeClr val="lt1"/>
-          </a:fontRef>
-        </p:style>
-        <p:txBody>
-          <a:bodyPr rtlCol="0" anchor="ctr"/>
-          <a:lstStyle/>
-          <a:p>
-            <a:pPr algn="ctr"/>
-            <a:endParaRPr lang="en-US"/>
-          </a:p>
-        </p:txBody>
-      </p:sp>
-      <p:pic>
-        <p:nvPicPr>
-          <p:cNvPr id="9" name="Content Placeholder 8">
+      </p:pic>
+      <p:sp>
+        <p:nvSpPr>
+          <p:cNvPr id="19" name="Content Placeholder 18">
             <a:extLst>
               <a:ext uri="{FF2B5EF4-FFF2-40B4-BE49-F238E27FC236}">
-                <a16:creationId xmlns:a16="http://schemas.microsoft.com/office/drawing/2014/main" id="{EC52E22F-9406-40CD-BD71-39B56D4D0670}"/>
+                <a16:creationId xmlns:a16="http://schemas.microsoft.com/office/drawing/2014/main" id="{3DA3D83D-136C-4DD1-9F36-1AE5652F0446}"/>
               </a:ext>
             </a:extLst>
           </p:cNvPr>
-          <p:cNvPicPr>
-            <a:picLocks noGrp="1" noChangeAspect="1"/>
-          </p:cNvPicPr>
+          <p:cNvSpPr>
+            <a:spLocks noGrp="1"/>
+          </p:cNvSpPr>
           <p:nvPr>
             <p:ph idx="1"/>
           </p:nvPr>
-        </p:nvPicPr>
-        <p:blipFill>
-          <a:blip r:embed="rId4"/>
-          <a:stretch>
-            <a:fillRect/>
-          </a:stretch>
-        </p:blipFill>
-        <p:spPr>
-          <a:xfrm>
-            <a:off x="1118988" y="1997500"/>
-            <a:ext cx="6112382" cy="2857539"/>
-          </a:xfrm>
-          <a:prstGeom prst="rect">
-            <a:avLst/>
-          </a:prstGeom>
-        </p:spPr>
-      </p:pic>
-      <p:sp>
-        <p:nvSpPr>
-          <p:cNvPr id="11" name="TextBox 10">
-            <a:extLst>
-              <a:ext uri="{FF2B5EF4-FFF2-40B4-BE49-F238E27FC236}">
-                <a16:creationId xmlns:a16="http://schemas.microsoft.com/office/drawing/2014/main" id="{B03E7CFF-1198-4F5D-9775-4F9FA7BA45DB}"/>
-              </a:ext>
-            </a:extLst>
-          </p:cNvPr>
-          <p:cNvSpPr txBox="1"/>
-          <p:nvPr/>
         </p:nvSpPr>
         <p:spPr>
           <a:xfrm>
-            <a:off x="8036041" y="2249487"/>
-            <a:ext cx="3281004" cy="3541714"/>
+            <a:off x="8692069" y="1962236"/>
+            <a:ext cx="4710683" cy="3541714"/>
           </a:xfrm>
-          <a:prstGeom prst="rect">
-            <a:avLst/>
-          </a:prstGeom>
         </p:spPr>
         <p:txBody>
           <a:bodyPr vert="horz" lIns="91440" tIns="45720" rIns="91440" bIns="45720" rtlCol="0">
@@ -20231,105 +21014,27 @@
           </a:bodyPr>
           <a:lstStyle/>
           <a:p>
-            <a:pPr marL="285750" indent="-228600" defTabSz="914400">
-              <a:lnSpc>
-                <a:spcPct val="110000"/>
-              </a:lnSpc>
+            <a:pPr marL="0" indent="0">
               <a:spcAft>
                 <a:spcPts val="600"/>
               </a:spcAft>
-              <a:buSzPct val="125000"/>
-              <a:buFont typeface="Arial" panose="020B0604020202020204" pitchFamily="34" charset="0"/>
-              <a:buChar char="•"/>
+              <a:buNone/>
             </a:pPr>
             <a:r>
-              <a:rPr lang="en-US" sz="1500"/>
-              <a:t>R2 train: 0.18488831363742242 </a:t>
+              <a:rPr lang="en-US" cap="all" dirty="0"/>
+              <a:t>R2 train: 0.184</a:t>
             </a:r>
           </a:p>
           <a:p>
-            <a:pPr marL="285750" indent="-228600" defTabSz="914400">
-              <a:lnSpc>
-                <a:spcPct val="110000"/>
-              </a:lnSpc>
+            <a:pPr marL="0" indent="0">
               <a:spcAft>
                 <a:spcPts val="600"/>
               </a:spcAft>
-              <a:buSzPct val="125000"/>
-              <a:buFont typeface="Arial" panose="020B0604020202020204" pitchFamily="34" charset="0"/>
-              <a:buChar char="•"/>
+              <a:buNone/>
             </a:pPr>
             <a:r>
-              <a:rPr lang="en-US" sz="1500"/>
-              <a:t>R2 test: 0.19556222030084514 </a:t>
-            </a:r>
-          </a:p>
-          <a:p>
-            <a:pPr marL="285750" indent="-228600" defTabSz="914400">
-              <a:lnSpc>
-                <a:spcPct val="110000"/>
-              </a:lnSpc>
-              <a:spcAft>
-                <a:spcPts val="600"/>
-              </a:spcAft>
-              <a:buSzPct val="125000"/>
-              <a:buFont typeface="Arial" panose="020B0604020202020204" pitchFamily="34" charset="0"/>
-              <a:buChar char="•"/>
-            </a:pPr>
-            <a:r>
-              <a:rPr lang="en-US" sz="1500"/>
-              <a:t>RMSE train: 17.909625548675272</a:t>
-            </a:r>
-          </a:p>
-          <a:p>
-            <a:pPr marL="285750" indent="-228600" defTabSz="914400">
-              <a:lnSpc>
-                <a:spcPct val="110000"/>
-              </a:lnSpc>
-              <a:spcAft>
-                <a:spcPts val="600"/>
-              </a:spcAft>
-              <a:buSzPct val="125000"/>
-              <a:buFont typeface="Arial" panose="020B0604020202020204" pitchFamily="34" charset="0"/>
-              <a:buChar char="•"/>
-            </a:pPr>
-            <a:r>
-              <a:rPr lang="en-US" sz="1500"/>
-              <a:t>RMSE test: 13.467791355495258 </a:t>
-            </a:r>
-          </a:p>
-          <a:p>
-            <a:pPr marL="285750" indent="-228600" defTabSz="914400">
-              <a:lnSpc>
-                <a:spcPct val="110000"/>
-              </a:lnSpc>
-              <a:spcAft>
-                <a:spcPts val="600"/>
-              </a:spcAft>
-              <a:buSzPct val="125000"/>
-              <a:buFont typeface="Arial" panose="020B0604020202020204" pitchFamily="34" charset="0"/>
-              <a:buChar char="•"/>
-            </a:pPr>
-            <a:r>
-              <a:rPr lang="en-US" sz="1500"/>
-              <a:t>MAE train: 3.259580203075185 </a:t>
-            </a:r>
-          </a:p>
-          <a:p>
-            <a:pPr marL="285750" indent="-228600" defTabSz="914400">
-              <a:lnSpc>
-                <a:spcPct val="110000"/>
-              </a:lnSpc>
-              <a:spcAft>
-                <a:spcPts val="600"/>
-              </a:spcAft>
-              <a:buSzPct val="125000"/>
-              <a:buFont typeface="Arial" panose="020B0604020202020204" pitchFamily="34" charset="0"/>
-              <a:buChar char="•"/>
-            </a:pPr>
-            <a:r>
-              <a:rPr lang="en-US" sz="1500"/>
-              <a:t>MAE test: 2.710594372447218</a:t>
+              <a:rPr lang="en-US" cap="all" dirty="0"/>
+              <a:t>R2 test: 0.195</a:t>
             </a:r>
           </a:p>
         </p:txBody>
@@ -20347,7 +21052,7 @@
 </p:sld>
 </file>
 
-<file path=ppt/slides/slide11.xml><?xml version="1.0" encoding="utf-8"?>
+<file path=ppt/slides/slide14.xml><?xml version="1.0" encoding="utf-8"?>
 <p:sld xmlns:a="http://schemas.openxmlformats.org/drawingml/2006/main" xmlns:r="http://schemas.openxmlformats.org/officeDocument/2006/relationships" xmlns:p="http://schemas.openxmlformats.org/presentationml/2006/main">
   <p:cSld>
     <p:bg>
@@ -20406,12 +21111,12 @@
         </p:nvSpPr>
         <p:spPr>
           <a:xfrm>
-            <a:off x="6569957" y="618518"/>
-            <a:ext cx="4747088" cy="1478570"/>
+            <a:off x="1141413" y="618518"/>
+            <a:ext cx="9905998" cy="1478570"/>
           </a:xfrm>
         </p:spPr>
         <p:txBody>
-          <a:bodyPr vert="horz" lIns="91440" tIns="45720" rIns="91440" bIns="45720" rtlCol="0" anchor="ctr">
+          <a:bodyPr vert="horz" lIns="91440" tIns="45720" rIns="91440" bIns="45720" rtlCol="0">
             <a:normAutofit/>
           </a:bodyPr>
           <a:lstStyle/>
@@ -20420,86 +21125,6 @@
               <a:rPr lang="en-US"/>
               <a:t>Fıghting with overfitting -Lasso</a:t>
             </a:r>
-          </a:p>
-        </p:txBody>
-      </p:sp>
-      <p:sp>
-        <p:nvSpPr>
-          <p:cNvPr id="20" name="Round Diagonal Corner Rectangle 9">
-            <a:extLst>
-              <a:ext uri="{FF2B5EF4-FFF2-40B4-BE49-F238E27FC236}">
-                <a16:creationId xmlns:a16="http://schemas.microsoft.com/office/drawing/2014/main" id="{14436AD2-BD0F-4545-B2E9-06007B35B8A7}"/>
-              </a:ext>
-              <a:ext uri="{C183D7F6-B498-43B3-948B-1728B52AA6E4}">
-                <adec:decorative xmlns:adec="http://schemas.microsoft.com/office/drawing/2017/decorative" val="1"/>
-              </a:ext>
-            </a:extLst>
-          </p:cNvPr>
-          <p:cNvSpPr>
-            <a:spLocks noGrp="1" noRot="1" noChangeAspect="1" noMove="1" noResize="1" noEditPoints="1" noAdjustHandles="1" noChangeArrowheads="1" noChangeShapeType="1" noTextEdit="1"/>
-          </p:cNvSpPr>
-          <p:nvPr>
-            <p:extLst>
-              <p:ext uri="{386F3935-93C4-4BCD-93E2-E3B085C9AB24}">
-                <p16:designElem xmlns:p16="http://schemas.microsoft.com/office/powerpoint/2015/main" val="1"/>
-              </p:ext>
-            </p:extLst>
-          </p:nvPr>
-        </p:nvSpPr>
-        <p:spPr>
-          <a:xfrm>
-            <a:off x="798950" y="808057"/>
-            <a:ext cx="5286376" cy="5234394"/>
-          </a:xfrm>
-          <a:prstGeom prst="round2DiagRect">
-            <a:avLst>
-              <a:gd name="adj1" fmla="val 7418"/>
-              <a:gd name="adj2" fmla="val 0"/>
-            </a:avLst>
-          </a:prstGeom>
-          <a:solidFill>
-            <a:srgbClr val="FFFFFF"/>
-          </a:solidFill>
-          <a:ln w="19050" cap="sq">
-            <a:solidFill>
-              <a:schemeClr val="tx2">
-                <a:lumMod val="60000"/>
-                <a:lumOff val="40000"/>
-                <a:alpha val="60000"/>
-              </a:schemeClr>
-            </a:solidFill>
-            <a:miter lim="800000"/>
-          </a:ln>
-          <a:effectLst>
-            <a:outerShdw blurRad="88900" dist="38100" dir="5400000" algn="t" rotWithShape="0">
-              <a:prstClr val="black">
-                <a:alpha val="40000"/>
-              </a:prstClr>
-            </a:outerShdw>
-          </a:effectLst>
-        </p:spPr>
-        <p:style>
-          <a:lnRef idx="2">
-            <a:schemeClr val="accent1">
-              <a:shade val="50000"/>
-            </a:schemeClr>
-          </a:lnRef>
-          <a:fillRef idx="1">
-            <a:schemeClr val="accent1"/>
-          </a:fillRef>
-          <a:effectRef idx="0">
-            <a:schemeClr val="accent1"/>
-          </a:effectRef>
-          <a:fontRef idx="minor">
-            <a:schemeClr val="lt1"/>
-          </a:fontRef>
-        </p:style>
-        <p:txBody>
-          <a:bodyPr rtlCol="0" anchor="ctr"/>
-          <a:lstStyle/>
-          <a:p>
-            <a:pPr algn="ctr"/>
-            <a:endParaRPr lang="en-US"/>
           </a:p>
         </p:txBody>
       </p:sp>
@@ -20525,12 +21150,32 @@
         </p:blipFill>
         <p:spPr>
           <a:xfrm>
-            <a:off x="1118988" y="2347464"/>
-            <a:ext cx="4635583" cy="2167135"/>
+            <a:off x="171927" y="2284373"/>
+            <a:ext cx="8640228" cy="4039307"/>
           </a:xfrm>
-          <a:prstGeom prst="rect">
-            <a:avLst/>
+          <a:prstGeom prst="round2DiagRect">
+            <a:avLst>
+              <a:gd name="adj1" fmla="val 5608"/>
+              <a:gd name="adj2" fmla="val 0"/>
+            </a:avLst>
           </a:prstGeom>
+          <a:ln w="19050" cap="sq">
+            <a:solidFill>
+              <a:schemeClr val="tx2">
+                <a:lumMod val="60000"/>
+                <a:lumOff val="40000"/>
+                <a:alpha val="60000"/>
+              </a:schemeClr>
+            </a:solidFill>
+            <a:miter lim="800000"/>
+          </a:ln>
+          <a:effectLst>
+            <a:outerShdw blurRad="88900" dist="38100" dir="5400000" algn="t" rotWithShape="0">
+              <a:prstClr val="black">
+                <a:alpha val="40000"/>
+              </a:prstClr>
+            </a:outerShdw>
+          </a:effectLst>
         </p:spPr>
       </p:pic>
       <p:sp>
@@ -20551,13 +21196,13 @@
         </p:nvSpPr>
         <p:spPr>
           <a:xfrm>
-            <a:off x="6569957" y="2249487"/>
-            <a:ext cx="4747087" cy="3541714"/>
+            <a:off x="8925691" y="2097088"/>
+            <a:ext cx="4710683" cy="3541714"/>
           </a:xfrm>
         </p:spPr>
         <p:txBody>
           <a:bodyPr vert="horz" lIns="91440" tIns="45720" rIns="91440" bIns="45720" rtlCol="0">
-            <a:normAutofit fontScale="92500"/>
+            <a:normAutofit/>
           </a:bodyPr>
           <a:lstStyle/>
           <a:p>
@@ -20576,7 +21221,7 @@
             </a:r>
             <a:r>
               <a:rPr lang="tr-TR" dirty="0"/>
-              <a:t>: 0.18259747623034983</a:t>
+              <a:t>: 0.182</a:t>
             </a:r>
             <a:endParaRPr lang="en-US" dirty="0"/>
           </a:p>
@@ -20588,73 +21233,9 @@
             </a:pPr>
             <a:r>
               <a:rPr lang="tr-TR" dirty="0"/>
-              <a:t>R2 test: 0.10054442356484294</a:t>
+              <a:t>R2 test: 0.100</a:t>
             </a:r>
             <a:endParaRPr lang="en-US" dirty="0"/>
-          </a:p>
-          <a:p>
-            <a:pPr marL="285750">
-              <a:spcAft>
-                <a:spcPts val="600"/>
-              </a:spcAft>
-            </a:pPr>
-            <a:r>
-              <a:rPr lang="tr-TR" dirty="0"/>
-              <a:t>RMSE </a:t>
-            </a:r>
-            <a:r>
-              <a:rPr lang="tr-TR" dirty="0" err="1"/>
-              <a:t>train</a:t>
-            </a:r>
-            <a:r>
-              <a:rPr lang="tr-TR" dirty="0"/>
-              <a:t>: 17.959959804507935 </a:t>
-            </a:r>
-            <a:endParaRPr lang="en-US" dirty="0"/>
-          </a:p>
-          <a:p>
-            <a:pPr marL="285750">
-              <a:spcAft>
-                <a:spcPts val="600"/>
-              </a:spcAft>
-            </a:pPr>
-            <a:r>
-              <a:rPr lang="tr-TR" dirty="0"/>
-              <a:t>RMSE test: 15.058566793687524</a:t>
-            </a:r>
-            <a:endParaRPr lang="en-US" dirty="0"/>
-          </a:p>
-          <a:p>
-            <a:pPr marL="285750">
-              <a:spcAft>
-                <a:spcPts val="600"/>
-              </a:spcAft>
-            </a:pPr>
-            <a:r>
-              <a:rPr lang="tr-TR" dirty="0"/>
-              <a:t>MAE </a:t>
-            </a:r>
-            <a:r>
-              <a:rPr lang="tr-TR" dirty="0" err="1"/>
-              <a:t>train</a:t>
-            </a:r>
-            <a:r>
-              <a:rPr lang="tr-TR" dirty="0"/>
-              <a:t>: 3.27516333080704 </a:t>
-            </a:r>
-            <a:endParaRPr lang="en-US" dirty="0"/>
-          </a:p>
-          <a:p>
-            <a:pPr marL="285750">
-              <a:spcAft>
-                <a:spcPts val="600"/>
-              </a:spcAft>
-            </a:pPr>
-            <a:r>
-              <a:rPr lang="tr-TR" dirty="0"/>
-              <a:t>MAE test: 2.8607161991464856</a:t>
-            </a:r>
-            <a:endParaRPr lang="en-US" sz="2200" dirty="0"/>
           </a:p>
         </p:txBody>
       </p:sp>
@@ -20671,7 +21252,7 @@
 </p:sld>
 </file>
 
-<file path=ppt/slides/slide12.xml><?xml version="1.0" encoding="utf-8"?>
+<file path=ppt/slides/slide15.xml><?xml version="1.0" encoding="utf-8"?>
 <p:sld xmlns:a="http://schemas.openxmlformats.org/drawingml/2006/main" xmlns:r="http://schemas.openxmlformats.org/officeDocument/2006/relationships" xmlns:p="http://schemas.openxmlformats.org/presentationml/2006/main">
   <p:cSld>
     <p:bg>
@@ -20789,6 +21370,9 @@
             <a:endParaRPr lang="en-US" dirty="0"/>
           </a:p>
           <a:p>
+            <a:endParaRPr lang="en-US" dirty="0"/>
+          </a:p>
+          <a:p>
             <a:r>
               <a:rPr lang="en-US" dirty="0"/>
               <a:t>Mutual Info</a:t>
@@ -20820,8 +21404,8 @@
         </p:blipFill>
         <p:spPr>
           <a:xfrm>
-            <a:off x="7619998" y="780235"/>
-            <a:ext cx="3425199" cy="2337870"/>
+            <a:off x="5548827" y="571325"/>
+            <a:ext cx="4135000" cy="2822345"/>
           </a:xfrm>
           <a:custGeom>
             <a:avLst/>
@@ -20895,8 +21479,8 @@
         </p:blipFill>
         <p:spPr>
           <a:xfrm>
-            <a:off x="7619998" y="3282697"/>
-            <a:ext cx="3425199" cy="2337870"/>
+            <a:off x="5548827" y="3464330"/>
+            <a:ext cx="4135000" cy="2822345"/>
           </a:xfrm>
           <a:custGeom>
             <a:avLst/>
@@ -20959,7 +21543,7 @@
 </p:sld>
 </file>
 
-<file path=ppt/slides/slide13.xml><?xml version="1.0" encoding="utf-8"?>
+<file path=ppt/slides/slide16.xml><?xml version="1.0" encoding="utf-8"?>
 <p:sld xmlns:a="http://schemas.openxmlformats.org/drawingml/2006/main" xmlns:r="http://schemas.openxmlformats.org/officeDocument/2006/relationships" xmlns:p="http://schemas.openxmlformats.org/presentationml/2006/main">
   <p:cSld>
     <p:bg>
@@ -21190,7 +21774,7 @@
 </p:sld>
 </file>
 
-<file path=ppt/slides/slide14.xml><?xml version="1.0" encoding="utf-8"?>
+<file path=ppt/slides/slide17.xml><?xml version="1.0" encoding="utf-8"?>
 <p:sld xmlns:a="http://schemas.openxmlformats.org/drawingml/2006/main" xmlns:r="http://schemas.openxmlformats.org/officeDocument/2006/relationships" xmlns:p="http://schemas.openxmlformats.org/presentationml/2006/main">
   <p:cSld>
     <p:spTree>
@@ -21273,7 +21857,7 @@
 </p:sld>
 </file>
 
-<file path=ppt/slides/slide15.xml><?xml version="1.0" encoding="utf-8"?>
+<file path=ppt/slides/slide18.xml><?xml version="1.0" encoding="utf-8"?>
 <p:sld xmlns:a="http://schemas.openxmlformats.org/drawingml/2006/main" xmlns:r="http://schemas.openxmlformats.org/officeDocument/2006/relationships" xmlns:p="http://schemas.openxmlformats.org/presentationml/2006/main">
   <p:cSld>
     <p:spTree>
@@ -21579,7 +22163,7 @@
             </a:ln>
             <a:extLst>
               <a:ext uri="{91240B29-F687-4f45-9708-019B960494DF}">
-                <a14:hiddenLine xmlns="" xmlns:a16="http://schemas.microsoft.com/office/drawing/2014/main" xmlns:p14="http://schemas.microsoft.com/office/powerpoint/2010/main" xmlns:a14="http://schemas.microsoft.com/office/drawing/2010/main" w="9525">
+                <a14:hiddenLine xmlns:a14="http://schemas.microsoft.com/office/drawing/2010/main" xmlns:p14="http://schemas.microsoft.com/office/powerpoint/2010/main" xmlns:a16="http://schemas.microsoft.com/office/drawing/2014/main" xmlns="" w="9525">
                   <a:solidFill>
                     <a:srgbClr val="000000"/>
                   </a:solidFill>
@@ -21684,7 +22268,7 @@
             </a:ln>
             <a:extLst>
               <a:ext uri="{91240B29-F687-4f45-9708-019B960494DF}">
-                <a14:hiddenLine xmlns="" xmlns:a16="http://schemas.microsoft.com/office/drawing/2014/main" xmlns:p14="http://schemas.microsoft.com/office/powerpoint/2010/main" xmlns:a14="http://schemas.microsoft.com/office/drawing/2010/main" w="9525">
+                <a14:hiddenLine xmlns:a14="http://schemas.microsoft.com/office/drawing/2010/main" xmlns:p14="http://schemas.microsoft.com/office/powerpoint/2010/main" xmlns:a16="http://schemas.microsoft.com/office/drawing/2014/main" xmlns="" w="9525">
                   <a:solidFill>
                     <a:srgbClr val="000000"/>
                   </a:solidFill>
@@ -21789,7 +22373,7 @@
             </a:ln>
             <a:extLst>
               <a:ext uri="{91240B29-F687-4f45-9708-019B960494DF}">
-                <a14:hiddenLine xmlns="" xmlns:a16="http://schemas.microsoft.com/office/drawing/2014/main" xmlns:p14="http://schemas.microsoft.com/office/powerpoint/2010/main" xmlns:a14="http://schemas.microsoft.com/office/drawing/2010/main" w="9525">
+                <a14:hiddenLine xmlns:a14="http://schemas.microsoft.com/office/drawing/2010/main" xmlns:p14="http://schemas.microsoft.com/office/powerpoint/2010/main" xmlns:a16="http://schemas.microsoft.com/office/drawing/2014/main" xmlns="" w="9525">
                   <a:solidFill>
                     <a:srgbClr val="000000"/>
                   </a:solidFill>
@@ -21866,7 +22450,7 @@
             </a:ln>
             <a:extLst>
               <a:ext uri="{91240B29-F687-4f45-9708-019B960494DF}">
-                <a14:hiddenLine xmlns="" xmlns:a16="http://schemas.microsoft.com/office/drawing/2014/main" xmlns:p14="http://schemas.microsoft.com/office/powerpoint/2010/main" xmlns:a14="http://schemas.microsoft.com/office/drawing/2010/main" w="9525">
+                <a14:hiddenLine xmlns:a14="http://schemas.microsoft.com/office/drawing/2010/main" xmlns:p14="http://schemas.microsoft.com/office/powerpoint/2010/main" xmlns:a16="http://schemas.microsoft.com/office/drawing/2014/main" xmlns="" w="9525">
                   <a:solidFill>
                     <a:srgbClr val="000000"/>
                   </a:solidFill>
@@ -21971,7 +22555,7 @@
             </a:ln>
             <a:extLst>
               <a:ext uri="{91240B29-F687-4f45-9708-019B960494DF}">
-                <a14:hiddenLine xmlns="" xmlns:a16="http://schemas.microsoft.com/office/drawing/2014/main" xmlns:p14="http://schemas.microsoft.com/office/powerpoint/2010/main" xmlns:a14="http://schemas.microsoft.com/office/drawing/2010/main" w="9525">
+                <a14:hiddenLine xmlns:a14="http://schemas.microsoft.com/office/drawing/2010/main" xmlns:p14="http://schemas.microsoft.com/office/powerpoint/2010/main" xmlns:a16="http://schemas.microsoft.com/office/drawing/2014/main" xmlns="" w="9525">
                   <a:solidFill>
                     <a:srgbClr val="000000"/>
                   </a:solidFill>
@@ -22048,7 +22632,7 @@
             </a:ln>
             <a:extLst>
               <a:ext uri="{91240B29-F687-4f45-9708-019B960494DF}">
-                <a14:hiddenLine xmlns="" xmlns:a16="http://schemas.microsoft.com/office/drawing/2014/main" xmlns:p14="http://schemas.microsoft.com/office/powerpoint/2010/main" xmlns:a14="http://schemas.microsoft.com/office/drawing/2010/main" w="9525">
+                <a14:hiddenLine xmlns:a14="http://schemas.microsoft.com/office/drawing/2010/main" xmlns:p14="http://schemas.microsoft.com/office/powerpoint/2010/main" xmlns:a16="http://schemas.microsoft.com/office/drawing/2014/main" xmlns="" w="9525">
                   <a:solidFill>
                     <a:srgbClr val="000000"/>
                   </a:solidFill>
@@ -22125,7 +22709,7 @@
             </a:ln>
             <a:extLst>
               <a:ext uri="{91240B29-F687-4f45-9708-019B960494DF}">
-                <a14:hiddenLine xmlns="" xmlns:a16="http://schemas.microsoft.com/office/drawing/2014/main" xmlns:p14="http://schemas.microsoft.com/office/powerpoint/2010/main" xmlns:a14="http://schemas.microsoft.com/office/drawing/2010/main" w="9525">
+                <a14:hiddenLine xmlns:a14="http://schemas.microsoft.com/office/drawing/2010/main" xmlns:p14="http://schemas.microsoft.com/office/powerpoint/2010/main" xmlns:a16="http://schemas.microsoft.com/office/drawing/2014/main" xmlns="" w="9525">
                   <a:solidFill>
                     <a:srgbClr val="000000"/>
                   </a:solidFill>
@@ -22230,7 +22814,7 @@
             </a:ln>
             <a:extLst>
               <a:ext uri="{91240B29-F687-4f45-9708-019B960494DF}">
-                <a14:hiddenLine xmlns="" xmlns:a16="http://schemas.microsoft.com/office/drawing/2014/main" xmlns:p14="http://schemas.microsoft.com/office/powerpoint/2010/main" xmlns:a14="http://schemas.microsoft.com/office/drawing/2010/main" w="9525">
+                <a14:hiddenLine xmlns:a14="http://schemas.microsoft.com/office/drawing/2010/main" xmlns:p14="http://schemas.microsoft.com/office/powerpoint/2010/main" xmlns:a16="http://schemas.microsoft.com/office/drawing/2014/main" xmlns="" w="9525">
                   <a:solidFill>
                     <a:srgbClr val="000000"/>
                   </a:solidFill>
@@ -22335,7 +22919,7 @@
             </a:ln>
             <a:extLst>
               <a:ext uri="{91240B29-F687-4f45-9708-019B960494DF}">
-                <a14:hiddenLine xmlns="" xmlns:a16="http://schemas.microsoft.com/office/drawing/2014/main" xmlns:p14="http://schemas.microsoft.com/office/powerpoint/2010/main" xmlns:a14="http://schemas.microsoft.com/office/drawing/2010/main" w="9525">
+                <a14:hiddenLine xmlns:a14="http://schemas.microsoft.com/office/drawing/2010/main" xmlns:p14="http://schemas.microsoft.com/office/powerpoint/2010/main" xmlns:a16="http://schemas.microsoft.com/office/drawing/2014/main" xmlns="" w="9525">
                   <a:solidFill>
                     <a:srgbClr val="000000"/>
                   </a:solidFill>
@@ -22412,7 +22996,7 @@
             </a:ln>
             <a:extLst>
               <a:ext uri="{91240B29-F687-4f45-9708-019B960494DF}">
-                <a14:hiddenLine xmlns="" xmlns:a16="http://schemas.microsoft.com/office/drawing/2014/main" xmlns:p14="http://schemas.microsoft.com/office/powerpoint/2010/main" xmlns:a14="http://schemas.microsoft.com/office/drawing/2010/main" w="9525">
+                <a14:hiddenLine xmlns:a14="http://schemas.microsoft.com/office/drawing/2010/main" xmlns:p14="http://schemas.microsoft.com/office/powerpoint/2010/main" xmlns:a16="http://schemas.microsoft.com/office/drawing/2014/main" xmlns="" w="9525">
                   <a:solidFill>
                     <a:srgbClr val="000000"/>
                   </a:solidFill>
@@ -22537,7 +23121,7 @@
             </a:ln>
             <a:extLst>
               <a:ext uri="{91240B29-F687-4f45-9708-019B960494DF}">
-                <a14:hiddenLine xmlns="" xmlns:a16="http://schemas.microsoft.com/office/drawing/2014/main" xmlns:p14="http://schemas.microsoft.com/office/powerpoint/2010/main" xmlns:a14="http://schemas.microsoft.com/office/drawing/2010/main" w="9525">
+                <a14:hiddenLine xmlns:a14="http://schemas.microsoft.com/office/drawing/2010/main" xmlns:p14="http://schemas.microsoft.com/office/powerpoint/2010/main" xmlns:a16="http://schemas.microsoft.com/office/drawing/2014/main" xmlns="" w="9525">
                   <a:solidFill>
                     <a:srgbClr val="000000"/>
                   </a:solidFill>
@@ -22651,7 +23235,7 @@
             </a:ln>
             <a:extLst>
               <a:ext uri="{91240B29-F687-4f45-9708-019B960494DF}">
-                <a14:hiddenLine xmlns="" xmlns:a16="http://schemas.microsoft.com/office/drawing/2014/main" xmlns:p14="http://schemas.microsoft.com/office/powerpoint/2010/main" xmlns:a14="http://schemas.microsoft.com/office/drawing/2010/main" w="9525">
+                <a14:hiddenLine xmlns:a14="http://schemas.microsoft.com/office/drawing/2010/main" xmlns:p14="http://schemas.microsoft.com/office/powerpoint/2010/main" xmlns:a16="http://schemas.microsoft.com/office/drawing/2014/main" xmlns="" w="9525">
                   <a:solidFill>
                     <a:srgbClr val="000000"/>
                   </a:solidFill>
@@ -22728,7 +23312,7 @@
             </a:ln>
             <a:extLst>
               <a:ext uri="{91240B29-F687-4f45-9708-019B960494DF}">
-                <a14:hiddenLine xmlns="" xmlns:a16="http://schemas.microsoft.com/office/drawing/2014/main" xmlns:p14="http://schemas.microsoft.com/office/powerpoint/2010/main" xmlns:a14="http://schemas.microsoft.com/office/drawing/2010/main" w="9525">
+                <a14:hiddenLine xmlns:a14="http://schemas.microsoft.com/office/drawing/2010/main" xmlns:p14="http://schemas.microsoft.com/office/powerpoint/2010/main" xmlns:a16="http://schemas.microsoft.com/office/drawing/2014/main" xmlns="" w="9525">
                   <a:solidFill>
                     <a:srgbClr val="000000"/>
                   </a:solidFill>
@@ -22805,7 +23389,7 @@
             </a:ln>
             <a:extLst>
               <a:ext uri="{91240B29-F687-4f45-9708-019B960494DF}">
-                <a14:hiddenLine xmlns="" xmlns:a16="http://schemas.microsoft.com/office/drawing/2014/main" xmlns:p14="http://schemas.microsoft.com/office/powerpoint/2010/main" xmlns:a14="http://schemas.microsoft.com/office/drawing/2010/main" w="9525">
+                <a14:hiddenLine xmlns:a14="http://schemas.microsoft.com/office/drawing/2010/main" xmlns:p14="http://schemas.microsoft.com/office/powerpoint/2010/main" xmlns:a16="http://schemas.microsoft.com/office/drawing/2014/main" xmlns="" w="9525">
                   <a:solidFill>
                     <a:srgbClr val="000000"/>
                   </a:solidFill>
@@ -22910,7 +23494,7 @@
             </a:ln>
             <a:extLst>
               <a:ext uri="{91240B29-F687-4f45-9708-019B960494DF}">
-                <a14:hiddenLine xmlns="" xmlns:a16="http://schemas.microsoft.com/office/drawing/2014/main" xmlns:p14="http://schemas.microsoft.com/office/powerpoint/2010/main" xmlns:a14="http://schemas.microsoft.com/office/drawing/2010/main" w="9525">
+                <a14:hiddenLine xmlns:a14="http://schemas.microsoft.com/office/drawing/2010/main" xmlns:p14="http://schemas.microsoft.com/office/powerpoint/2010/main" xmlns:a16="http://schemas.microsoft.com/office/drawing/2014/main" xmlns="" w="9525">
                   <a:solidFill>
                     <a:srgbClr val="000000"/>
                   </a:solidFill>
@@ -22959,7 +23543,7 @@
             </a:ln>
             <a:extLst>
               <a:ext uri="{91240B29-F687-4f45-9708-019B960494DF}">
-                <a14:hiddenLine xmlns="" xmlns:a16="http://schemas.microsoft.com/office/drawing/2014/main" xmlns:p14="http://schemas.microsoft.com/office/powerpoint/2010/main" xmlns:a14="http://schemas.microsoft.com/office/drawing/2010/main" w="9525">
+                <a14:hiddenLine xmlns:a14="http://schemas.microsoft.com/office/drawing/2010/main" xmlns:p14="http://schemas.microsoft.com/office/powerpoint/2010/main" xmlns:a16="http://schemas.microsoft.com/office/drawing/2014/main" xmlns="" w="9525">
                   <a:solidFill>
                     <a:srgbClr val="000000"/>
                   </a:solidFill>
@@ -23039,7 +23623,7 @@
             </a:ln>
             <a:extLst>
               <a:ext uri="{91240B29-F687-4f45-9708-019B960494DF}">
-                <a14:hiddenLine xmlns="" xmlns:a16="http://schemas.microsoft.com/office/drawing/2014/main" xmlns:p14="http://schemas.microsoft.com/office/powerpoint/2010/main" xmlns:a14="http://schemas.microsoft.com/office/drawing/2010/main" w="9525">
+                <a14:hiddenLine xmlns:a14="http://schemas.microsoft.com/office/drawing/2010/main" xmlns:p14="http://schemas.microsoft.com/office/powerpoint/2010/main" xmlns:a16="http://schemas.microsoft.com/office/drawing/2014/main" xmlns="" w="9525">
                   <a:solidFill>
                     <a:srgbClr val="000000"/>
                   </a:solidFill>
@@ -23144,7 +23728,7 @@
             </a:ln>
             <a:extLst>
               <a:ext uri="{91240B29-F687-4f45-9708-019B960494DF}">
-                <a14:hiddenLine xmlns="" xmlns:a16="http://schemas.microsoft.com/office/drawing/2014/main" xmlns:p14="http://schemas.microsoft.com/office/powerpoint/2010/main" xmlns:a14="http://schemas.microsoft.com/office/drawing/2010/main" w="9525">
+                <a14:hiddenLine xmlns:a14="http://schemas.microsoft.com/office/drawing/2010/main" xmlns:p14="http://schemas.microsoft.com/office/powerpoint/2010/main" xmlns:a16="http://schemas.microsoft.com/office/drawing/2014/main" xmlns="" w="9525">
                   <a:solidFill>
                     <a:srgbClr val="000000"/>
                   </a:solidFill>
@@ -23221,7 +23805,7 @@
             </a:ln>
             <a:extLst>
               <a:ext uri="{91240B29-F687-4f45-9708-019B960494DF}">
-                <a14:hiddenLine xmlns="" xmlns:a16="http://schemas.microsoft.com/office/drawing/2014/main" xmlns:p14="http://schemas.microsoft.com/office/powerpoint/2010/main" xmlns:a14="http://schemas.microsoft.com/office/drawing/2010/main" w="9525">
+                <a14:hiddenLine xmlns:a14="http://schemas.microsoft.com/office/drawing/2010/main" xmlns:p14="http://schemas.microsoft.com/office/powerpoint/2010/main" xmlns:a16="http://schemas.microsoft.com/office/drawing/2014/main" xmlns="" w="9525">
                   <a:solidFill>
                     <a:srgbClr val="000000"/>
                   </a:solidFill>
@@ -23326,7 +23910,7 @@
             </a:ln>
             <a:extLst>
               <a:ext uri="{91240B29-F687-4f45-9708-019B960494DF}">
-                <a14:hiddenLine xmlns="" xmlns:a16="http://schemas.microsoft.com/office/drawing/2014/main" xmlns:p14="http://schemas.microsoft.com/office/powerpoint/2010/main" xmlns:a14="http://schemas.microsoft.com/office/drawing/2010/main" w="9525">
+                <a14:hiddenLine xmlns:a14="http://schemas.microsoft.com/office/drawing/2010/main" xmlns:p14="http://schemas.microsoft.com/office/powerpoint/2010/main" xmlns:a16="http://schemas.microsoft.com/office/drawing/2014/main" xmlns="" w="9525">
                   <a:solidFill>
                     <a:srgbClr val="000000"/>
                   </a:solidFill>
@@ -23406,7 +23990,7 @@
             </a:ln>
             <a:extLst>
               <a:ext uri="{91240B29-F687-4f45-9708-019B960494DF}">
-                <a14:hiddenLine xmlns="" xmlns:a16="http://schemas.microsoft.com/office/drawing/2014/main" xmlns:p14="http://schemas.microsoft.com/office/powerpoint/2010/main" xmlns:a14="http://schemas.microsoft.com/office/drawing/2010/main" w="9525">
+                <a14:hiddenLine xmlns:a14="http://schemas.microsoft.com/office/drawing/2010/main" xmlns:p14="http://schemas.microsoft.com/office/powerpoint/2010/main" xmlns:a16="http://schemas.microsoft.com/office/drawing/2014/main" xmlns="" w="9525">
                   <a:solidFill>
                     <a:srgbClr val="000000"/>
                   </a:solidFill>
@@ -23483,7 +24067,7 @@
             </a:ln>
             <a:extLst>
               <a:ext uri="{91240B29-F687-4f45-9708-019B960494DF}">
-                <a14:hiddenLine xmlns="" xmlns:a16="http://schemas.microsoft.com/office/drawing/2014/main" xmlns:p14="http://schemas.microsoft.com/office/powerpoint/2010/main" xmlns:a14="http://schemas.microsoft.com/office/drawing/2010/main" w="9525">
+                <a14:hiddenLine xmlns:a14="http://schemas.microsoft.com/office/drawing/2010/main" xmlns:p14="http://schemas.microsoft.com/office/powerpoint/2010/main" xmlns:a16="http://schemas.microsoft.com/office/drawing/2014/main" xmlns="" w="9525">
                   <a:solidFill>
                     <a:srgbClr val="000000"/>
                   </a:solidFill>
@@ -23588,7 +24172,7 @@
             </a:ln>
             <a:extLst>
               <a:ext uri="{91240B29-F687-4f45-9708-019B960494DF}">
-                <a14:hiddenLine xmlns="" xmlns:a16="http://schemas.microsoft.com/office/drawing/2014/main" xmlns:p14="http://schemas.microsoft.com/office/powerpoint/2010/main" xmlns:a14="http://schemas.microsoft.com/office/drawing/2010/main" w="9525">
+                <a14:hiddenLine xmlns:a14="http://schemas.microsoft.com/office/drawing/2010/main" xmlns:p14="http://schemas.microsoft.com/office/powerpoint/2010/main" xmlns:a16="http://schemas.microsoft.com/office/drawing/2014/main" xmlns="" w="9525">
                   <a:solidFill>
                     <a:srgbClr val="000000"/>
                   </a:solidFill>
@@ -23693,7 +24277,7 @@
             </a:ln>
             <a:extLst>
               <a:ext uri="{91240B29-F687-4f45-9708-019B960494DF}">
-                <a14:hiddenLine xmlns="" xmlns:a16="http://schemas.microsoft.com/office/drawing/2014/main" xmlns:p14="http://schemas.microsoft.com/office/powerpoint/2010/main" xmlns:a14="http://schemas.microsoft.com/office/drawing/2010/main" w="9525">
+                <a14:hiddenLine xmlns:a14="http://schemas.microsoft.com/office/drawing/2010/main" xmlns:p14="http://schemas.microsoft.com/office/powerpoint/2010/main" xmlns:a16="http://schemas.microsoft.com/office/drawing/2014/main" xmlns="" w="9525">
                   <a:solidFill>
                     <a:srgbClr val="000000"/>
                   </a:solidFill>
@@ -23773,7 +24357,7 @@
             </a:ln>
             <a:extLst>
               <a:ext uri="{91240B29-F687-4f45-9708-019B960494DF}">
-                <a14:hiddenLine xmlns="" xmlns:a16="http://schemas.microsoft.com/office/drawing/2014/main" xmlns:p14="http://schemas.microsoft.com/office/powerpoint/2010/main" xmlns:a14="http://schemas.microsoft.com/office/drawing/2010/main" w="9525">
+                <a14:hiddenLine xmlns:a14="http://schemas.microsoft.com/office/drawing/2010/main" xmlns:p14="http://schemas.microsoft.com/office/powerpoint/2010/main" xmlns:a16="http://schemas.microsoft.com/office/drawing/2014/main" xmlns="" w="9525">
                   <a:solidFill>
                     <a:srgbClr val="000000"/>
                   </a:solidFill>
@@ -23908,7 +24492,7 @@
             </a:ln>
             <a:extLst>
               <a:ext uri="{91240B29-F687-4f45-9708-019B960494DF}">
-                <a14:hiddenLine xmlns="" xmlns:a16="http://schemas.microsoft.com/office/drawing/2014/main" xmlns:p14="http://schemas.microsoft.com/office/powerpoint/2010/main" xmlns:a14="http://schemas.microsoft.com/office/drawing/2010/main" w="9525">
+                <a14:hiddenLine xmlns:a14="http://schemas.microsoft.com/office/drawing/2010/main" xmlns:p14="http://schemas.microsoft.com/office/powerpoint/2010/main" xmlns:a16="http://schemas.microsoft.com/office/drawing/2014/main" xmlns="" w="9525">
                   <a:solidFill>
                     <a:srgbClr val="000000"/>
                   </a:solidFill>
@@ -24213,7 +24797,7 @@
             </a:ln>
             <a:extLst>
               <a:ext uri="{91240B29-F687-4f45-9708-019B960494DF}">
-                <a14:hiddenLine xmlns="" xmlns:a16="http://schemas.microsoft.com/office/drawing/2014/main" xmlns:p14="http://schemas.microsoft.com/office/powerpoint/2010/main" xmlns:a14="http://schemas.microsoft.com/office/drawing/2010/main" w="9525">
+                <a14:hiddenLine xmlns:a14="http://schemas.microsoft.com/office/drawing/2010/main" xmlns:p14="http://schemas.microsoft.com/office/powerpoint/2010/main" xmlns:a16="http://schemas.microsoft.com/office/drawing/2014/main" xmlns="" w="9525">
                   <a:solidFill>
                     <a:srgbClr val="000000"/>
                   </a:solidFill>
@@ -24343,7 +24927,7 @@
             </a:ln>
             <a:extLst>
               <a:ext uri="{91240B29-F687-4f45-9708-019B960494DF}">
-                <a14:hiddenLine xmlns="" xmlns:a16="http://schemas.microsoft.com/office/drawing/2014/main" xmlns:p14="http://schemas.microsoft.com/office/powerpoint/2010/main" xmlns:a14="http://schemas.microsoft.com/office/drawing/2010/main" w="9525">
+                <a14:hiddenLine xmlns:a14="http://schemas.microsoft.com/office/drawing/2010/main" xmlns:p14="http://schemas.microsoft.com/office/powerpoint/2010/main" xmlns:a16="http://schemas.microsoft.com/office/drawing/2014/main" xmlns="" w="9525">
                   <a:solidFill>
                     <a:srgbClr val="000000"/>
                   </a:solidFill>
@@ -24448,7 +25032,7 @@
             </a:ln>
             <a:extLst>
               <a:ext uri="{91240B29-F687-4f45-9708-019B960494DF}">
-                <a14:hiddenLine xmlns="" xmlns:a16="http://schemas.microsoft.com/office/drawing/2014/main" xmlns:p14="http://schemas.microsoft.com/office/powerpoint/2010/main" xmlns:a14="http://schemas.microsoft.com/office/drawing/2010/main" w="9525">
+                <a14:hiddenLine xmlns:a14="http://schemas.microsoft.com/office/drawing/2010/main" xmlns:p14="http://schemas.microsoft.com/office/powerpoint/2010/main" xmlns:a16="http://schemas.microsoft.com/office/drawing/2014/main" xmlns="" w="9525">
                   <a:solidFill>
                     <a:srgbClr val="000000"/>
                   </a:solidFill>
@@ -24528,7 +25112,7 @@
             </a:ln>
             <a:extLst>
               <a:ext uri="{91240B29-F687-4f45-9708-019B960494DF}">
-                <a14:hiddenLine xmlns="" xmlns:a16="http://schemas.microsoft.com/office/drawing/2014/main" xmlns:p14="http://schemas.microsoft.com/office/powerpoint/2010/main" xmlns:a14="http://schemas.microsoft.com/office/drawing/2010/main" w="9525">
+                <a14:hiddenLine xmlns:a14="http://schemas.microsoft.com/office/drawing/2010/main" xmlns:p14="http://schemas.microsoft.com/office/powerpoint/2010/main" xmlns:a16="http://schemas.microsoft.com/office/drawing/2014/main" xmlns="" w="9525">
                   <a:solidFill>
                     <a:srgbClr val="000000"/>
                   </a:solidFill>
@@ -24633,7 +25217,7 @@
             </a:ln>
             <a:extLst>
               <a:ext uri="{91240B29-F687-4f45-9708-019B960494DF}">
-                <a14:hiddenLine xmlns="" xmlns:a16="http://schemas.microsoft.com/office/drawing/2014/main" xmlns:p14="http://schemas.microsoft.com/office/powerpoint/2010/main" xmlns:a14="http://schemas.microsoft.com/office/drawing/2010/main" w="9525">
+                <a14:hiddenLine xmlns:a14="http://schemas.microsoft.com/office/drawing/2010/main" xmlns:p14="http://schemas.microsoft.com/office/powerpoint/2010/main" xmlns:a16="http://schemas.microsoft.com/office/drawing/2014/main" xmlns="" w="9525">
                   <a:solidFill>
                     <a:srgbClr val="000000"/>
                   </a:solidFill>
@@ -24716,7 +25300,7 @@
             </a:ln>
             <a:extLst>
               <a:ext uri="{91240B29-F687-4f45-9708-019B960494DF}">
-                <a14:hiddenLine xmlns="" xmlns:a16="http://schemas.microsoft.com/office/drawing/2014/main" xmlns:p14="http://schemas.microsoft.com/office/powerpoint/2010/main" xmlns:a14="http://schemas.microsoft.com/office/drawing/2010/main" w="9525">
+                <a14:hiddenLine xmlns:a14="http://schemas.microsoft.com/office/drawing/2010/main" xmlns:p14="http://schemas.microsoft.com/office/powerpoint/2010/main" xmlns:a16="http://schemas.microsoft.com/office/drawing/2014/main" xmlns="" w="9525">
                   <a:solidFill>
                     <a:srgbClr val="000000"/>
                   </a:solidFill>
@@ -24821,7 +25405,7 @@
             </a:ln>
             <a:extLst>
               <a:ext uri="{91240B29-F687-4f45-9708-019B960494DF}">
-                <a14:hiddenLine xmlns="" xmlns:a16="http://schemas.microsoft.com/office/drawing/2014/main" xmlns:p14="http://schemas.microsoft.com/office/powerpoint/2010/main" xmlns:a14="http://schemas.microsoft.com/office/drawing/2010/main" w="9525">
+                <a14:hiddenLine xmlns:a14="http://schemas.microsoft.com/office/drawing/2010/main" xmlns:p14="http://schemas.microsoft.com/office/powerpoint/2010/main" xmlns:a16="http://schemas.microsoft.com/office/drawing/2014/main" xmlns="" w="9525">
                   <a:solidFill>
                     <a:srgbClr val="000000"/>
                   </a:solidFill>
@@ -24904,7 +25488,7 @@
             </a:ln>
             <a:extLst>
               <a:ext uri="{91240B29-F687-4f45-9708-019B960494DF}">
-                <a14:hiddenLine xmlns="" xmlns:a16="http://schemas.microsoft.com/office/drawing/2014/main" xmlns:p14="http://schemas.microsoft.com/office/powerpoint/2010/main" xmlns:a14="http://schemas.microsoft.com/office/drawing/2010/main" w="9525">
+                <a14:hiddenLine xmlns:a14="http://schemas.microsoft.com/office/drawing/2010/main" xmlns:p14="http://schemas.microsoft.com/office/powerpoint/2010/main" xmlns:a16="http://schemas.microsoft.com/office/drawing/2014/main" xmlns="" w="9525">
                   <a:solidFill>
                     <a:srgbClr val="000000"/>
                   </a:solidFill>
@@ -25009,7 +25593,7 @@
             </a:ln>
             <a:extLst>
               <a:ext uri="{91240B29-F687-4f45-9708-019B960494DF}">
-                <a14:hiddenLine xmlns="" xmlns:a16="http://schemas.microsoft.com/office/drawing/2014/main" xmlns:p14="http://schemas.microsoft.com/office/powerpoint/2010/main" xmlns:a14="http://schemas.microsoft.com/office/drawing/2010/main" w="9525">
+                <a14:hiddenLine xmlns:a14="http://schemas.microsoft.com/office/drawing/2010/main" xmlns:p14="http://schemas.microsoft.com/office/powerpoint/2010/main" xmlns:a16="http://schemas.microsoft.com/office/drawing/2014/main" xmlns="" w="9525">
                   <a:solidFill>
                     <a:srgbClr val="000000"/>
                   </a:solidFill>
@@ -25058,7 +25642,7 @@
             </a:ln>
             <a:extLst>
               <a:ext uri="{91240B29-F687-4f45-9708-019B960494DF}">
-                <a14:hiddenLine xmlns="" xmlns:a16="http://schemas.microsoft.com/office/drawing/2014/main" xmlns:p14="http://schemas.microsoft.com/office/powerpoint/2010/main" xmlns:a14="http://schemas.microsoft.com/office/drawing/2010/main" w="9525">
+                <a14:hiddenLine xmlns:a14="http://schemas.microsoft.com/office/drawing/2010/main" xmlns:p14="http://schemas.microsoft.com/office/powerpoint/2010/main" xmlns:a16="http://schemas.microsoft.com/office/drawing/2014/main" xmlns="" w="9525">
                   <a:solidFill>
                     <a:srgbClr val="000000"/>
                   </a:solidFill>
@@ -25126,8 +25710,12 @@
           <a:p>
             <a:pPr fontAlgn="base"/>
             <a:r>
+              <a:rPr lang="en-US" b="1" dirty="0" err="1"/>
+              <a:t>MAth</a:t>
+            </a:r>
+            <a:r>
               <a:rPr lang="pl-PL" b="1" dirty="0"/>
-              <a:t>METHEMATICS FINAL GRADE</a:t>
+              <a:t> FINAL GRADE</a:t>
             </a:r>
             <a:endParaRPr lang="tr-TR" dirty="0"/>
           </a:p>
@@ -25195,60 +25783,56 @@
         </p:spPr>
         <p:txBody>
           <a:bodyPr>
-            <a:normAutofit fontScale="55000" lnSpcReduction="20000"/>
+            <a:normAutofit fontScale="25000" lnSpcReduction="20000"/>
           </a:bodyPr>
           <a:lstStyle/>
           <a:p>
             <a:r>
-              <a:rPr lang="en-US" dirty="0" err="1"/>
-              <a:t>Fedu</a:t>
-            </a:r>
-            <a:endParaRPr lang="en-US" dirty="0"/>
+              <a:rPr lang="en-US" sz="9600" dirty="0"/>
+              <a:t>Father Education</a:t>
+            </a:r>
           </a:p>
           <a:p>
             <a:r>
-              <a:rPr lang="en-US" dirty="0"/>
+              <a:rPr lang="en-US" sz="9600" dirty="0"/>
               <a:t>Failures</a:t>
             </a:r>
           </a:p>
           <a:p>
             <a:r>
-              <a:rPr lang="en-US" dirty="0" err="1"/>
+              <a:rPr lang="en-US" sz="9600" dirty="0" err="1"/>
               <a:t>Traveltime</a:t>
             </a:r>
-            <a:endParaRPr lang="en-US" dirty="0"/>
+            <a:endParaRPr lang="en-US" sz="9600" dirty="0"/>
           </a:p>
           <a:p>
             <a:r>
-              <a:rPr lang="en-US" dirty="0" err="1"/>
+              <a:rPr lang="en-US" sz="9600" dirty="0" err="1"/>
               <a:t>Studytime</a:t>
             </a:r>
-            <a:endParaRPr lang="en-US" dirty="0"/>
+            <a:endParaRPr lang="en-US" sz="9600" dirty="0"/>
           </a:p>
           <a:p>
             <a:r>
-              <a:rPr lang="en-US" dirty="0" err="1"/>
-              <a:t>Dalc</a:t>
-            </a:r>
-            <a:endParaRPr lang="en-US" dirty="0"/>
+              <a:rPr lang="en-US" sz="9600" dirty="0"/>
+              <a:t>Weekday Alcohol consumption</a:t>
+            </a:r>
           </a:p>
           <a:p>
             <a:r>
-              <a:rPr lang="en-US" dirty="0" err="1"/>
-              <a:t>Walc</a:t>
-            </a:r>
-            <a:endParaRPr lang="en-US" dirty="0"/>
+              <a:rPr lang="en-US" sz="9600" dirty="0"/>
+              <a:t>Weekend Alcohol consumption</a:t>
+            </a:r>
           </a:p>
           <a:p>
             <a:r>
-              <a:rPr lang="en-US" dirty="0" err="1"/>
-              <a:t>Pstatus</a:t>
-            </a:r>
-            <a:endParaRPr lang="en-US" dirty="0"/>
+              <a:rPr lang="en-US" sz="9600" dirty="0"/>
+              <a:t>Parent Status</a:t>
+            </a:r>
           </a:p>
           <a:p>
             <a:r>
-              <a:rPr lang="en-US" dirty="0"/>
+              <a:rPr lang="en-US" sz="9600" dirty="0"/>
               <a:t>Romantic</a:t>
             </a:r>
           </a:p>
@@ -25306,64 +25890,61 @@
         </p:spPr>
         <p:txBody>
           <a:bodyPr>
-            <a:normAutofit fontScale="55000" lnSpcReduction="20000"/>
+            <a:normAutofit fontScale="25000" lnSpcReduction="20000"/>
           </a:bodyPr>
           <a:lstStyle/>
           <a:p>
             <a:r>
-              <a:rPr lang="en-US" dirty="0"/>
+              <a:rPr lang="en-US" sz="9600" dirty="0"/>
               <a:t>Absences</a:t>
             </a:r>
           </a:p>
           <a:p>
             <a:r>
-              <a:rPr lang="en-US" dirty="0"/>
+              <a:rPr lang="en-US" sz="9600" dirty="0"/>
               <a:t>Final Grade</a:t>
             </a:r>
           </a:p>
           <a:p>
             <a:r>
-              <a:rPr lang="en-US" dirty="0"/>
+              <a:rPr lang="en-US" sz="9600" dirty="0"/>
               <a:t>Go out</a:t>
             </a:r>
           </a:p>
           <a:p>
             <a:r>
-              <a:rPr lang="en-US" dirty="0" err="1"/>
-              <a:t>Famrel</a:t>
-            </a:r>
-            <a:endParaRPr lang="en-US" dirty="0"/>
+              <a:rPr lang="en-US" sz="9600" dirty="0"/>
+              <a:t>Family relation</a:t>
+            </a:r>
           </a:p>
           <a:p>
             <a:r>
-              <a:rPr lang="en-US" dirty="0" err="1"/>
+              <a:rPr lang="en-US" sz="9600" dirty="0" err="1"/>
               <a:t>Guardion</a:t>
             </a:r>
-            <a:endParaRPr lang="en-US" dirty="0"/>
+            <a:endParaRPr lang="en-US" sz="9600" dirty="0"/>
           </a:p>
           <a:p>
             <a:r>
-              <a:rPr lang="en-US" dirty="0" err="1"/>
-              <a:t>Mjob</a:t>
-            </a:r>
-            <a:endParaRPr lang="en-US" dirty="0"/>
+              <a:rPr lang="en-US" sz="9600" dirty="0"/>
+              <a:t>Mother Job</a:t>
+            </a:r>
           </a:p>
           <a:p>
             <a:r>
-              <a:rPr lang="en-US" dirty="0" err="1"/>
-              <a:t>Fjob</a:t>
-            </a:r>
-            <a:endParaRPr lang="en-US" dirty="0"/>
+              <a:rPr lang="en-US" sz="9600" dirty="0"/>
+              <a:t>Father Job</a:t>
+            </a:r>
           </a:p>
           <a:p>
             <a:r>
-              <a:rPr lang="en-US" dirty="0"/>
+              <a:rPr lang="en-US" sz="9600" dirty="0"/>
               <a:t>Sex</a:t>
             </a:r>
           </a:p>
           <a:p>
             <a:r>
-              <a:rPr lang="en-US" dirty="0"/>
+              <a:rPr lang="en-US" sz="9600" dirty="0"/>
               <a:t>Age</a:t>
             </a:r>
           </a:p>
@@ -25481,7 +26062,7 @@
           <a:noFill/>
           <a:extLst>
             <a:ext uri="{909E8E84-426E-40dd-AFC4-6F175D3DCCD1}">
-              <a14:hiddenFill xmlns="" xmlns:a16="http://schemas.microsoft.com/office/drawing/2014/main" xmlns:p14="http://schemas.microsoft.com/office/powerpoint/2010/main" xmlns:a14="http://schemas.microsoft.com/office/drawing/2010/main">
+              <a14:hiddenFill xmlns:a14="http://schemas.microsoft.com/office/drawing/2010/main" xmlns:p14="http://schemas.microsoft.com/office/powerpoint/2010/main" xmlns:a16="http://schemas.microsoft.com/office/drawing/2014/main" xmlns="">
                 <a:solidFill>
                   <a:srgbClr val="FFFFFF"/>
                 </a:solidFill>
@@ -25602,7 +26183,7 @@
               </a:ln>
               <a:extLst>
                 <a:ext uri="{91240B29-F687-4f45-9708-019B960494DF}">
-                  <a14:hiddenLine xmlns="" xmlns:a16="http://schemas.microsoft.com/office/drawing/2014/main" xmlns:p14="http://schemas.microsoft.com/office/powerpoint/2010/main" xmlns:a14="http://schemas.microsoft.com/office/drawing/2010/main" w="9525">
+                  <a14:hiddenLine xmlns:a14="http://schemas.microsoft.com/office/drawing/2010/main" xmlns:p14="http://schemas.microsoft.com/office/powerpoint/2010/main" xmlns:a16="http://schemas.microsoft.com/office/drawing/2014/main" xmlns="" w="9525">
                     <a:solidFill>
                       <a:srgbClr val="000000"/>
                     </a:solidFill>
@@ -25707,7 +26288,7 @@
               </a:ln>
               <a:extLst>
                 <a:ext uri="{91240B29-F687-4f45-9708-019B960494DF}">
-                  <a14:hiddenLine xmlns="" xmlns:a16="http://schemas.microsoft.com/office/drawing/2014/main" xmlns:p14="http://schemas.microsoft.com/office/powerpoint/2010/main" xmlns:a14="http://schemas.microsoft.com/office/drawing/2010/main" w="9525">
+                  <a14:hiddenLine xmlns:a14="http://schemas.microsoft.com/office/drawing/2010/main" xmlns:p14="http://schemas.microsoft.com/office/powerpoint/2010/main" xmlns:a16="http://schemas.microsoft.com/office/drawing/2014/main" xmlns="" w="9525">
                     <a:solidFill>
                       <a:srgbClr val="000000"/>
                     </a:solidFill>
@@ -25812,7 +26393,7 @@
               </a:ln>
               <a:extLst>
                 <a:ext uri="{91240B29-F687-4f45-9708-019B960494DF}">
-                  <a14:hiddenLine xmlns="" xmlns:a16="http://schemas.microsoft.com/office/drawing/2014/main" xmlns:p14="http://schemas.microsoft.com/office/powerpoint/2010/main" xmlns:a14="http://schemas.microsoft.com/office/drawing/2010/main" w="9525">
+                  <a14:hiddenLine xmlns:a14="http://schemas.microsoft.com/office/drawing/2010/main" xmlns:p14="http://schemas.microsoft.com/office/powerpoint/2010/main" xmlns:a16="http://schemas.microsoft.com/office/drawing/2014/main" xmlns="" w="9525">
                     <a:solidFill>
                       <a:srgbClr val="000000"/>
                     </a:solidFill>
@@ -25889,7 +26470,7 @@
               </a:ln>
               <a:extLst>
                 <a:ext uri="{91240B29-F687-4f45-9708-019B960494DF}">
-                  <a14:hiddenLine xmlns="" xmlns:a16="http://schemas.microsoft.com/office/drawing/2014/main" xmlns:p14="http://schemas.microsoft.com/office/powerpoint/2010/main" xmlns:a14="http://schemas.microsoft.com/office/drawing/2010/main" w="9525">
+                  <a14:hiddenLine xmlns:a14="http://schemas.microsoft.com/office/drawing/2010/main" xmlns:p14="http://schemas.microsoft.com/office/powerpoint/2010/main" xmlns:a16="http://schemas.microsoft.com/office/drawing/2014/main" xmlns="" w="9525">
                     <a:solidFill>
                       <a:srgbClr val="000000"/>
                     </a:solidFill>
@@ -25994,7 +26575,7 @@
               </a:ln>
               <a:extLst>
                 <a:ext uri="{91240B29-F687-4f45-9708-019B960494DF}">
-                  <a14:hiddenLine xmlns="" xmlns:a16="http://schemas.microsoft.com/office/drawing/2014/main" xmlns:p14="http://schemas.microsoft.com/office/powerpoint/2010/main" xmlns:a14="http://schemas.microsoft.com/office/drawing/2010/main" w="9525">
+                  <a14:hiddenLine xmlns:a14="http://schemas.microsoft.com/office/drawing/2010/main" xmlns:p14="http://schemas.microsoft.com/office/powerpoint/2010/main" xmlns:a16="http://schemas.microsoft.com/office/drawing/2014/main" xmlns="" w="9525">
                     <a:solidFill>
                       <a:srgbClr val="000000"/>
                     </a:solidFill>
@@ -26071,7 +26652,7 @@
               </a:ln>
               <a:extLst>
                 <a:ext uri="{91240B29-F687-4f45-9708-019B960494DF}">
-                  <a14:hiddenLine xmlns="" xmlns:a16="http://schemas.microsoft.com/office/drawing/2014/main" xmlns:p14="http://schemas.microsoft.com/office/powerpoint/2010/main" xmlns:a14="http://schemas.microsoft.com/office/drawing/2010/main" w="9525">
+                  <a14:hiddenLine xmlns:a14="http://schemas.microsoft.com/office/drawing/2010/main" xmlns:p14="http://schemas.microsoft.com/office/powerpoint/2010/main" xmlns:a16="http://schemas.microsoft.com/office/drawing/2014/main" xmlns="" w="9525">
                     <a:solidFill>
                       <a:srgbClr val="000000"/>
                     </a:solidFill>
@@ -26148,7 +26729,7 @@
               </a:ln>
               <a:extLst>
                 <a:ext uri="{91240B29-F687-4f45-9708-019B960494DF}">
-                  <a14:hiddenLine xmlns="" xmlns:a16="http://schemas.microsoft.com/office/drawing/2014/main" xmlns:p14="http://schemas.microsoft.com/office/powerpoint/2010/main" xmlns:a14="http://schemas.microsoft.com/office/drawing/2010/main" w="9525">
+                  <a14:hiddenLine xmlns:a14="http://schemas.microsoft.com/office/drawing/2010/main" xmlns:p14="http://schemas.microsoft.com/office/powerpoint/2010/main" xmlns:a16="http://schemas.microsoft.com/office/drawing/2014/main" xmlns="" w="9525">
                     <a:solidFill>
                       <a:srgbClr val="000000"/>
                     </a:solidFill>
@@ -26253,7 +26834,7 @@
               </a:ln>
               <a:extLst>
                 <a:ext uri="{91240B29-F687-4f45-9708-019B960494DF}">
-                  <a14:hiddenLine xmlns="" xmlns:a16="http://schemas.microsoft.com/office/drawing/2014/main" xmlns:p14="http://schemas.microsoft.com/office/powerpoint/2010/main" xmlns:a14="http://schemas.microsoft.com/office/drawing/2010/main" w="9525">
+                  <a14:hiddenLine xmlns:a14="http://schemas.microsoft.com/office/drawing/2010/main" xmlns:p14="http://schemas.microsoft.com/office/powerpoint/2010/main" xmlns:a16="http://schemas.microsoft.com/office/drawing/2014/main" xmlns="" w="9525">
                     <a:solidFill>
                       <a:srgbClr val="000000"/>
                     </a:solidFill>
@@ -26358,7 +26939,7 @@
               </a:ln>
               <a:extLst>
                 <a:ext uri="{91240B29-F687-4f45-9708-019B960494DF}">
-                  <a14:hiddenLine xmlns="" xmlns:a16="http://schemas.microsoft.com/office/drawing/2014/main" xmlns:p14="http://schemas.microsoft.com/office/powerpoint/2010/main" xmlns:a14="http://schemas.microsoft.com/office/drawing/2010/main" w="9525">
+                  <a14:hiddenLine xmlns:a14="http://schemas.microsoft.com/office/drawing/2010/main" xmlns:p14="http://schemas.microsoft.com/office/powerpoint/2010/main" xmlns:a16="http://schemas.microsoft.com/office/drawing/2014/main" xmlns="" w="9525">
                     <a:solidFill>
                       <a:srgbClr val="000000"/>
                     </a:solidFill>
@@ -26435,7 +27016,7 @@
               </a:ln>
               <a:extLst>
                 <a:ext uri="{91240B29-F687-4f45-9708-019B960494DF}">
-                  <a14:hiddenLine xmlns="" xmlns:a16="http://schemas.microsoft.com/office/drawing/2014/main" xmlns:p14="http://schemas.microsoft.com/office/powerpoint/2010/main" xmlns:a14="http://schemas.microsoft.com/office/drawing/2010/main" w="9525">
+                  <a14:hiddenLine xmlns:a14="http://schemas.microsoft.com/office/drawing/2010/main" xmlns:p14="http://schemas.microsoft.com/office/powerpoint/2010/main" xmlns:a16="http://schemas.microsoft.com/office/drawing/2014/main" xmlns="" w="9525">
                     <a:solidFill>
                       <a:srgbClr val="000000"/>
                     </a:solidFill>
@@ -26560,7 +27141,7 @@
               </a:ln>
               <a:extLst>
                 <a:ext uri="{91240B29-F687-4f45-9708-019B960494DF}">
-                  <a14:hiddenLine xmlns="" xmlns:a16="http://schemas.microsoft.com/office/drawing/2014/main" xmlns:p14="http://schemas.microsoft.com/office/powerpoint/2010/main" xmlns:a14="http://schemas.microsoft.com/office/drawing/2010/main" w="9525">
+                  <a14:hiddenLine xmlns:a14="http://schemas.microsoft.com/office/drawing/2010/main" xmlns:p14="http://schemas.microsoft.com/office/powerpoint/2010/main" xmlns:a16="http://schemas.microsoft.com/office/drawing/2014/main" xmlns="" w="9525">
                     <a:solidFill>
                       <a:srgbClr val="000000"/>
                     </a:solidFill>
@@ -26674,7 +27255,7 @@
               </a:ln>
               <a:extLst>
                 <a:ext uri="{91240B29-F687-4f45-9708-019B960494DF}">
-                  <a14:hiddenLine xmlns="" xmlns:a16="http://schemas.microsoft.com/office/drawing/2014/main" xmlns:p14="http://schemas.microsoft.com/office/powerpoint/2010/main" xmlns:a14="http://schemas.microsoft.com/office/drawing/2010/main" w="9525">
+                  <a14:hiddenLine xmlns:a14="http://schemas.microsoft.com/office/drawing/2010/main" xmlns:p14="http://schemas.microsoft.com/office/powerpoint/2010/main" xmlns:a16="http://schemas.microsoft.com/office/drawing/2014/main" xmlns="" w="9525">
                     <a:solidFill>
                       <a:srgbClr val="000000"/>
                     </a:solidFill>
@@ -26751,7 +27332,7 @@
               </a:ln>
               <a:extLst>
                 <a:ext uri="{91240B29-F687-4f45-9708-019B960494DF}">
-                  <a14:hiddenLine xmlns="" xmlns:a16="http://schemas.microsoft.com/office/drawing/2014/main" xmlns:p14="http://schemas.microsoft.com/office/powerpoint/2010/main" xmlns:a14="http://schemas.microsoft.com/office/drawing/2010/main" w="9525">
+                  <a14:hiddenLine xmlns:a14="http://schemas.microsoft.com/office/drawing/2010/main" xmlns:p14="http://schemas.microsoft.com/office/powerpoint/2010/main" xmlns:a16="http://schemas.microsoft.com/office/drawing/2014/main" xmlns="" w="9525">
                     <a:solidFill>
                       <a:srgbClr val="000000"/>
                     </a:solidFill>
@@ -26828,7 +27409,7 @@
               </a:ln>
               <a:extLst>
                 <a:ext uri="{91240B29-F687-4f45-9708-019B960494DF}">
-                  <a14:hiddenLine xmlns="" xmlns:a16="http://schemas.microsoft.com/office/drawing/2014/main" xmlns:p14="http://schemas.microsoft.com/office/powerpoint/2010/main" xmlns:a14="http://schemas.microsoft.com/office/drawing/2010/main" w="9525">
+                  <a14:hiddenLine xmlns:a14="http://schemas.microsoft.com/office/drawing/2010/main" xmlns:p14="http://schemas.microsoft.com/office/powerpoint/2010/main" xmlns:a16="http://schemas.microsoft.com/office/drawing/2014/main" xmlns="" w="9525">
                     <a:solidFill>
                       <a:srgbClr val="000000"/>
                     </a:solidFill>
@@ -26933,7 +27514,7 @@
               </a:ln>
               <a:extLst>
                 <a:ext uri="{91240B29-F687-4f45-9708-019B960494DF}">
-                  <a14:hiddenLine xmlns="" xmlns:a16="http://schemas.microsoft.com/office/drawing/2014/main" xmlns:p14="http://schemas.microsoft.com/office/powerpoint/2010/main" xmlns:a14="http://schemas.microsoft.com/office/drawing/2010/main" w="9525">
+                  <a14:hiddenLine xmlns:a14="http://schemas.microsoft.com/office/drawing/2010/main" xmlns:p14="http://schemas.microsoft.com/office/powerpoint/2010/main" xmlns:a16="http://schemas.microsoft.com/office/drawing/2014/main" xmlns="" w="9525">
                     <a:solidFill>
                       <a:srgbClr val="000000"/>
                     </a:solidFill>
@@ -26982,7 +27563,7 @@
               </a:ln>
               <a:extLst>
                 <a:ext uri="{91240B29-F687-4f45-9708-019B960494DF}">
-                  <a14:hiddenLine xmlns="" xmlns:a16="http://schemas.microsoft.com/office/drawing/2014/main" xmlns:p14="http://schemas.microsoft.com/office/powerpoint/2010/main" xmlns:a14="http://schemas.microsoft.com/office/drawing/2010/main" w="9525">
+                  <a14:hiddenLine xmlns:a14="http://schemas.microsoft.com/office/drawing/2010/main" xmlns:p14="http://schemas.microsoft.com/office/powerpoint/2010/main" xmlns:a16="http://schemas.microsoft.com/office/drawing/2014/main" xmlns="" w="9525">
                     <a:solidFill>
                       <a:srgbClr val="000000"/>
                     </a:solidFill>
@@ -27062,7 +27643,7 @@
               </a:ln>
               <a:extLst>
                 <a:ext uri="{91240B29-F687-4f45-9708-019B960494DF}">
-                  <a14:hiddenLine xmlns="" xmlns:a16="http://schemas.microsoft.com/office/drawing/2014/main" xmlns:p14="http://schemas.microsoft.com/office/powerpoint/2010/main" xmlns:a14="http://schemas.microsoft.com/office/drawing/2010/main" w="9525">
+                  <a14:hiddenLine xmlns:a14="http://schemas.microsoft.com/office/drawing/2010/main" xmlns:p14="http://schemas.microsoft.com/office/powerpoint/2010/main" xmlns:a16="http://schemas.microsoft.com/office/drawing/2014/main" xmlns="" w="9525">
                     <a:solidFill>
                       <a:srgbClr val="000000"/>
                     </a:solidFill>
@@ -27167,7 +27748,7 @@
               </a:ln>
               <a:extLst>
                 <a:ext uri="{91240B29-F687-4f45-9708-019B960494DF}">
-                  <a14:hiddenLine xmlns="" xmlns:a16="http://schemas.microsoft.com/office/drawing/2014/main" xmlns:p14="http://schemas.microsoft.com/office/powerpoint/2010/main" xmlns:a14="http://schemas.microsoft.com/office/drawing/2010/main" w="9525">
+                  <a14:hiddenLine xmlns:a14="http://schemas.microsoft.com/office/drawing/2010/main" xmlns:p14="http://schemas.microsoft.com/office/powerpoint/2010/main" xmlns:a16="http://schemas.microsoft.com/office/drawing/2014/main" xmlns="" w="9525">
                     <a:solidFill>
                       <a:srgbClr val="000000"/>
                     </a:solidFill>
@@ -27244,7 +27825,7 @@
               </a:ln>
               <a:extLst>
                 <a:ext uri="{91240B29-F687-4f45-9708-019B960494DF}">
-                  <a14:hiddenLine xmlns="" xmlns:a16="http://schemas.microsoft.com/office/drawing/2014/main" xmlns:p14="http://schemas.microsoft.com/office/powerpoint/2010/main" xmlns:a14="http://schemas.microsoft.com/office/drawing/2010/main" w="9525">
+                  <a14:hiddenLine xmlns:a14="http://schemas.microsoft.com/office/drawing/2010/main" xmlns:p14="http://schemas.microsoft.com/office/powerpoint/2010/main" xmlns:a16="http://schemas.microsoft.com/office/drawing/2014/main" xmlns="" w="9525">
                     <a:solidFill>
                       <a:srgbClr val="000000"/>
                     </a:solidFill>
@@ -27349,7 +27930,7 @@
               </a:ln>
               <a:extLst>
                 <a:ext uri="{91240B29-F687-4f45-9708-019B960494DF}">
-                  <a14:hiddenLine xmlns="" xmlns:a16="http://schemas.microsoft.com/office/drawing/2014/main" xmlns:p14="http://schemas.microsoft.com/office/powerpoint/2010/main" xmlns:a14="http://schemas.microsoft.com/office/drawing/2010/main" w="9525">
+                  <a14:hiddenLine xmlns:a14="http://schemas.microsoft.com/office/drawing/2010/main" xmlns:p14="http://schemas.microsoft.com/office/powerpoint/2010/main" xmlns:a16="http://schemas.microsoft.com/office/drawing/2014/main" xmlns="" w="9525">
                     <a:solidFill>
                       <a:srgbClr val="000000"/>
                     </a:solidFill>
@@ -27429,7 +28010,7 @@
               </a:ln>
               <a:extLst>
                 <a:ext uri="{91240B29-F687-4f45-9708-019B960494DF}">
-                  <a14:hiddenLine xmlns="" xmlns:a16="http://schemas.microsoft.com/office/drawing/2014/main" xmlns:p14="http://schemas.microsoft.com/office/powerpoint/2010/main" xmlns:a14="http://schemas.microsoft.com/office/drawing/2010/main" w="9525">
+                  <a14:hiddenLine xmlns:a14="http://schemas.microsoft.com/office/drawing/2010/main" xmlns:p14="http://schemas.microsoft.com/office/powerpoint/2010/main" xmlns:a16="http://schemas.microsoft.com/office/drawing/2014/main" xmlns="" w="9525">
                     <a:solidFill>
                       <a:srgbClr val="000000"/>
                     </a:solidFill>
@@ -27506,7 +28087,7 @@
               </a:ln>
               <a:extLst>
                 <a:ext uri="{91240B29-F687-4f45-9708-019B960494DF}">
-                  <a14:hiddenLine xmlns="" xmlns:a16="http://schemas.microsoft.com/office/drawing/2014/main" xmlns:p14="http://schemas.microsoft.com/office/powerpoint/2010/main" xmlns:a14="http://schemas.microsoft.com/office/drawing/2010/main" w="9525">
+                  <a14:hiddenLine xmlns:a14="http://schemas.microsoft.com/office/drawing/2010/main" xmlns:p14="http://schemas.microsoft.com/office/powerpoint/2010/main" xmlns:a16="http://schemas.microsoft.com/office/drawing/2014/main" xmlns="" w="9525">
                     <a:solidFill>
                       <a:srgbClr val="000000"/>
                     </a:solidFill>
@@ -27611,7 +28192,7 @@
               </a:ln>
               <a:extLst>
                 <a:ext uri="{91240B29-F687-4f45-9708-019B960494DF}">
-                  <a14:hiddenLine xmlns="" xmlns:a16="http://schemas.microsoft.com/office/drawing/2014/main" xmlns:p14="http://schemas.microsoft.com/office/powerpoint/2010/main" xmlns:a14="http://schemas.microsoft.com/office/drawing/2010/main" w="9525">
+                  <a14:hiddenLine xmlns:a14="http://schemas.microsoft.com/office/drawing/2010/main" xmlns:p14="http://schemas.microsoft.com/office/powerpoint/2010/main" xmlns:a16="http://schemas.microsoft.com/office/drawing/2014/main" xmlns="" w="9525">
                     <a:solidFill>
                       <a:srgbClr val="000000"/>
                     </a:solidFill>
@@ -27716,7 +28297,7 @@
               </a:ln>
               <a:extLst>
                 <a:ext uri="{91240B29-F687-4f45-9708-019B960494DF}">
-                  <a14:hiddenLine xmlns="" xmlns:a16="http://schemas.microsoft.com/office/drawing/2014/main" xmlns:p14="http://schemas.microsoft.com/office/powerpoint/2010/main" xmlns:a14="http://schemas.microsoft.com/office/drawing/2010/main" w="9525">
+                  <a14:hiddenLine xmlns:a14="http://schemas.microsoft.com/office/drawing/2010/main" xmlns:p14="http://schemas.microsoft.com/office/powerpoint/2010/main" xmlns:a16="http://schemas.microsoft.com/office/drawing/2014/main" xmlns="" w="9525">
                     <a:solidFill>
                       <a:srgbClr val="000000"/>
                     </a:solidFill>
@@ -27796,7 +28377,7 @@
               </a:ln>
               <a:extLst>
                 <a:ext uri="{91240B29-F687-4f45-9708-019B960494DF}">
-                  <a14:hiddenLine xmlns="" xmlns:a16="http://schemas.microsoft.com/office/drawing/2014/main" xmlns:p14="http://schemas.microsoft.com/office/powerpoint/2010/main" xmlns:a14="http://schemas.microsoft.com/office/drawing/2010/main" w="9525">
+                  <a14:hiddenLine xmlns:a14="http://schemas.microsoft.com/office/drawing/2010/main" xmlns:p14="http://schemas.microsoft.com/office/powerpoint/2010/main" xmlns:a16="http://schemas.microsoft.com/office/drawing/2014/main" xmlns="" w="9525">
                     <a:solidFill>
                       <a:srgbClr val="000000"/>
                     </a:solidFill>
@@ -27931,7 +28512,7 @@
               </a:ln>
               <a:extLst>
                 <a:ext uri="{91240B29-F687-4f45-9708-019B960494DF}">
-                  <a14:hiddenLine xmlns="" xmlns:a16="http://schemas.microsoft.com/office/drawing/2014/main" xmlns:p14="http://schemas.microsoft.com/office/powerpoint/2010/main" xmlns:a14="http://schemas.microsoft.com/office/drawing/2010/main" w="9525">
+                  <a14:hiddenLine xmlns:a14="http://schemas.microsoft.com/office/drawing/2010/main" xmlns:p14="http://schemas.microsoft.com/office/powerpoint/2010/main" xmlns:a16="http://schemas.microsoft.com/office/drawing/2014/main" xmlns="" w="9525">
                     <a:solidFill>
                       <a:srgbClr val="000000"/>
                     </a:solidFill>
@@ -28042,7 +28623,7 @@
               </a:ln>
               <a:extLst>
                 <a:ext uri="{91240B29-F687-4f45-9708-019B960494DF}">
-                  <a14:hiddenLine xmlns="" xmlns:a16="http://schemas.microsoft.com/office/drawing/2014/main" xmlns:p14="http://schemas.microsoft.com/office/powerpoint/2010/main" xmlns:a14="http://schemas.microsoft.com/office/drawing/2010/main" w="9525">
+                  <a14:hiddenLine xmlns:a14="http://schemas.microsoft.com/office/drawing/2010/main" xmlns:p14="http://schemas.microsoft.com/office/powerpoint/2010/main" xmlns:a16="http://schemas.microsoft.com/office/drawing/2014/main" xmlns="" w="9525">
                     <a:solidFill>
                       <a:srgbClr val="000000"/>
                     </a:solidFill>
@@ -28172,7 +28753,7 @@
               </a:ln>
               <a:extLst>
                 <a:ext uri="{91240B29-F687-4f45-9708-019B960494DF}">
-                  <a14:hiddenLine xmlns="" xmlns:a16="http://schemas.microsoft.com/office/drawing/2014/main" xmlns:p14="http://schemas.microsoft.com/office/powerpoint/2010/main" xmlns:a14="http://schemas.microsoft.com/office/drawing/2010/main" w="9525">
+                  <a14:hiddenLine xmlns:a14="http://schemas.microsoft.com/office/drawing/2010/main" xmlns:p14="http://schemas.microsoft.com/office/powerpoint/2010/main" xmlns:a16="http://schemas.microsoft.com/office/drawing/2014/main" xmlns="" w="9525">
                     <a:solidFill>
                       <a:srgbClr val="000000"/>
                     </a:solidFill>
@@ -28277,7 +28858,7 @@
               </a:ln>
               <a:extLst>
                 <a:ext uri="{91240B29-F687-4f45-9708-019B960494DF}">
-                  <a14:hiddenLine xmlns="" xmlns:a16="http://schemas.microsoft.com/office/drawing/2014/main" xmlns:p14="http://schemas.microsoft.com/office/powerpoint/2010/main" xmlns:a14="http://schemas.microsoft.com/office/drawing/2010/main" w="9525">
+                  <a14:hiddenLine xmlns:a14="http://schemas.microsoft.com/office/drawing/2010/main" xmlns:p14="http://schemas.microsoft.com/office/powerpoint/2010/main" xmlns:a16="http://schemas.microsoft.com/office/drawing/2014/main" xmlns="" w="9525">
                     <a:solidFill>
                       <a:srgbClr val="000000"/>
                     </a:solidFill>
@@ -28357,7 +28938,7 @@
               </a:ln>
               <a:extLst>
                 <a:ext uri="{91240B29-F687-4f45-9708-019B960494DF}">
-                  <a14:hiddenLine xmlns="" xmlns:a16="http://schemas.microsoft.com/office/drawing/2014/main" xmlns:p14="http://schemas.microsoft.com/office/powerpoint/2010/main" xmlns:a14="http://schemas.microsoft.com/office/drawing/2010/main" w="9525">
+                  <a14:hiddenLine xmlns:a14="http://schemas.microsoft.com/office/drawing/2010/main" xmlns:p14="http://schemas.microsoft.com/office/powerpoint/2010/main" xmlns:a16="http://schemas.microsoft.com/office/drawing/2014/main" xmlns="" w="9525">
                     <a:solidFill>
                       <a:srgbClr val="000000"/>
                     </a:solidFill>
@@ -28462,7 +29043,7 @@
               </a:ln>
               <a:extLst>
                 <a:ext uri="{91240B29-F687-4f45-9708-019B960494DF}">
-                  <a14:hiddenLine xmlns="" xmlns:a16="http://schemas.microsoft.com/office/drawing/2014/main" xmlns:p14="http://schemas.microsoft.com/office/powerpoint/2010/main" xmlns:a14="http://schemas.microsoft.com/office/drawing/2010/main" w="9525">
+                  <a14:hiddenLine xmlns:a14="http://schemas.microsoft.com/office/drawing/2010/main" xmlns:p14="http://schemas.microsoft.com/office/powerpoint/2010/main" xmlns:a16="http://schemas.microsoft.com/office/drawing/2014/main" xmlns="" w="9525">
                     <a:solidFill>
                       <a:srgbClr val="000000"/>
                     </a:solidFill>
@@ -28545,7 +29126,7 @@
               </a:ln>
               <a:extLst>
                 <a:ext uri="{91240B29-F687-4f45-9708-019B960494DF}">
-                  <a14:hiddenLine xmlns="" xmlns:a16="http://schemas.microsoft.com/office/drawing/2014/main" xmlns:p14="http://schemas.microsoft.com/office/powerpoint/2010/main" xmlns:a14="http://schemas.microsoft.com/office/drawing/2010/main" w="9525">
+                  <a14:hiddenLine xmlns:a14="http://schemas.microsoft.com/office/drawing/2010/main" xmlns:p14="http://schemas.microsoft.com/office/powerpoint/2010/main" xmlns:a16="http://schemas.microsoft.com/office/drawing/2014/main" xmlns="" w="9525">
                     <a:solidFill>
                       <a:srgbClr val="000000"/>
                     </a:solidFill>
@@ -28650,7 +29231,7 @@
               </a:ln>
               <a:extLst>
                 <a:ext uri="{91240B29-F687-4f45-9708-019B960494DF}">
-                  <a14:hiddenLine xmlns="" xmlns:a16="http://schemas.microsoft.com/office/drawing/2014/main" xmlns:p14="http://schemas.microsoft.com/office/powerpoint/2010/main" xmlns:a14="http://schemas.microsoft.com/office/drawing/2010/main" w="9525">
+                  <a14:hiddenLine xmlns:a14="http://schemas.microsoft.com/office/drawing/2010/main" xmlns:p14="http://schemas.microsoft.com/office/powerpoint/2010/main" xmlns:a16="http://schemas.microsoft.com/office/drawing/2014/main" xmlns="" w="9525">
                     <a:solidFill>
                       <a:srgbClr val="000000"/>
                     </a:solidFill>
@@ -28733,7 +29314,7 @@
               </a:ln>
               <a:extLst>
                 <a:ext uri="{91240B29-F687-4f45-9708-019B960494DF}">
-                  <a14:hiddenLine xmlns="" xmlns:a16="http://schemas.microsoft.com/office/drawing/2014/main" xmlns:p14="http://schemas.microsoft.com/office/powerpoint/2010/main" xmlns:a14="http://schemas.microsoft.com/office/drawing/2010/main" w="9525">
+                  <a14:hiddenLine xmlns:a14="http://schemas.microsoft.com/office/drawing/2010/main" xmlns:p14="http://schemas.microsoft.com/office/powerpoint/2010/main" xmlns:a16="http://schemas.microsoft.com/office/drawing/2014/main" xmlns="" w="9525">
                     <a:solidFill>
                       <a:srgbClr val="000000"/>
                     </a:solidFill>
@@ -28838,7 +29419,7 @@
               </a:ln>
               <a:extLst>
                 <a:ext uri="{91240B29-F687-4f45-9708-019B960494DF}">
-                  <a14:hiddenLine xmlns="" xmlns:a16="http://schemas.microsoft.com/office/drawing/2014/main" xmlns:p14="http://schemas.microsoft.com/office/powerpoint/2010/main" xmlns:a14="http://schemas.microsoft.com/office/drawing/2010/main" w="9525">
+                  <a14:hiddenLine xmlns:a14="http://schemas.microsoft.com/office/drawing/2010/main" xmlns:p14="http://schemas.microsoft.com/office/powerpoint/2010/main" xmlns:a16="http://schemas.microsoft.com/office/drawing/2014/main" xmlns="" w="9525">
                     <a:solidFill>
                       <a:srgbClr val="000000"/>
                     </a:solidFill>
@@ -28887,7 +29468,7 @@
               </a:ln>
               <a:extLst>
                 <a:ext uri="{91240B29-F687-4f45-9708-019B960494DF}">
-                  <a14:hiddenLine xmlns="" xmlns:a16="http://schemas.microsoft.com/office/drawing/2014/main" xmlns:p14="http://schemas.microsoft.com/office/powerpoint/2010/main" xmlns:a14="http://schemas.microsoft.com/office/drawing/2010/main" w="9525">
+                  <a14:hiddenLine xmlns:a14="http://schemas.microsoft.com/office/drawing/2010/main" xmlns:p14="http://schemas.microsoft.com/office/powerpoint/2010/main" xmlns:a16="http://schemas.microsoft.com/office/drawing/2014/main" xmlns="" w="9525">
                     <a:solidFill>
                       <a:srgbClr val="000000"/>
                     </a:solidFill>
@@ -28937,58 +29518,6 @@
           </a:p>
         </p:txBody>
       </p:sp>
-      <p:pic>
-        <p:nvPicPr>
-          <p:cNvPr id="10" name="Content Placeholder 9" descr="A screenshot of a computer&#10;&#10;Description automatically generated">
-            <a:extLst>
-              <a:ext uri="{FF2B5EF4-FFF2-40B4-BE49-F238E27FC236}">
-                <a16:creationId xmlns:a16="http://schemas.microsoft.com/office/drawing/2014/main" id="{9D6ABA87-578B-4EEB-83B4-D13690D65774}"/>
-              </a:ext>
-            </a:extLst>
-          </p:cNvPr>
-          <p:cNvPicPr>
-            <a:picLocks noGrp="1" noChangeAspect="1"/>
-          </p:cNvPicPr>
-          <p:nvPr>
-            <p:ph sz="half" idx="2"/>
-          </p:nvPr>
-        </p:nvPicPr>
-        <p:blipFill>
-          <a:blip r:embed="rId5"/>
-          <a:stretch>
-            <a:fillRect/>
-          </a:stretch>
-        </p:blipFill>
-        <p:spPr>
-          <a:xfrm>
-            <a:off x="7079701" y="263525"/>
-            <a:ext cx="2958937" cy="6329278"/>
-          </a:xfrm>
-          <a:prstGeom prst="round2DiagRect">
-            <a:avLst>
-              <a:gd name="adj1" fmla="val 5608"/>
-              <a:gd name="adj2" fmla="val 0"/>
-            </a:avLst>
-          </a:prstGeom>
-          <a:ln w="19050" cap="sq">
-            <a:solidFill>
-              <a:schemeClr val="tx2">
-                <a:lumMod val="60000"/>
-                <a:lumOff val="40000"/>
-                <a:alpha val="60000"/>
-              </a:schemeClr>
-            </a:solidFill>
-            <a:miter lim="800000"/>
-          </a:ln>
-          <a:effectLst>
-            <a:outerShdw blurRad="88900" dist="38100" dir="5400000" algn="t" rotWithShape="0">
-              <a:prstClr val="black">
-                <a:alpha val="40000"/>
-              </a:prstClr>
-            </a:outerShdw>
-          </a:effectLst>
-        </p:spPr>
-      </p:pic>
       <p:sp>
         <p:nvSpPr>
           <p:cNvPr id="3" name="Text Placeholder 2">
@@ -29025,6 +29554,31 @@
               <a:buChar char="•"/>
             </a:pPr>
             <a:endParaRPr lang="en-US" dirty="0"/>
+          </a:p>
+        </p:txBody>
+      </p:sp>
+      <p:sp>
+        <p:nvSpPr>
+          <p:cNvPr id="5" name="Content Placeholder 4">
+            <a:extLst>
+              <a:ext uri="{FF2B5EF4-FFF2-40B4-BE49-F238E27FC236}">
+                <a16:creationId xmlns:a16="http://schemas.microsoft.com/office/drawing/2014/main" id="{21C9AC4D-3752-4F84-9F96-E5CC861AF3DD}"/>
+              </a:ext>
+            </a:extLst>
+          </p:cNvPr>
+          <p:cNvSpPr>
+            <a:spLocks noGrp="1"/>
+          </p:cNvSpPr>
+          <p:nvPr>
+            <p:ph sz="half" idx="2"/>
+          </p:nvPr>
+        </p:nvSpPr>
+        <p:spPr/>
+        <p:txBody>
+          <a:bodyPr/>
+          <a:lstStyle/>
+          <a:p>
+            <a:endParaRPr lang="en-US"/>
           </a:p>
         </p:txBody>
       </p:sp>
@@ -29139,8 +29693,8 @@
         </p:blipFill>
         <p:spPr>
           <a:xfrm>
-            <a:off x="457200" y="2097087"/>
-            <a:ext cx="5089862" cy="3772708"/>
+            <a:off x="2786504" y="2091454"/>
+            <a:ext cx="6009377" cy="4454271"/>
           </a:xfrm>
         </p:spPr>
       </p:pic>
@@ -29169,35 +29723,6 @@
           </a:p>
         </p:txBody>
       </p:sp>
-      <p:pic>
-        <p:nvPicPr>
-          <p:cNvPr id="9" name="Content Placeholder 7" descr="A screen shot of a computer&#10;&#10;Description automatically generated">
-            <a:extLst>
-              <a:ext uri="{FF2B5EF4-FFF2-40B4-BE49-F238E27FC236}">
-                <a16:creationId xmlns:a16="http://schemas.microsoft.com/office/drawing/2014/main" id="{F2CFD6C8-2A8E-471B-A6AF-14695D319F6B}"/>
-              </a:ext>
-            </a:extLst>
-          </p:cNvPr>
-          <p:cNvPicPr>
-            <a:picLocks noGrp="1" noChangeAspect="1"/>
-          </p:cNvPicPr>
-          <p:nvPr>
-            <p:ph sz="quarter" idx="4"/>
-          </p:nvPr>
-        </p:nvPicPr>
-        <p:blipFill>
-          <a:blip r:embed="rId5"/>
-          <a:stretch>
-            <a:fillRect/>
-          </a:stretch>
-        </p:blipFill>
-        <p:spPr>
-          <a:xfrm>
-            <a:off x="5583576" y="2091454"/>
-            <a:ext cx="5654338" cy="3783974"/>
-          </a:xfrm>
-        </p:spPr>
-      </p:pic>
       <p:sp>
         <p:nvSpPr>
           <p:cNvPr id="10" name="TextBox 9">
@@ -29263,6 +29788,31 @@
               <a:rPr lang="en-US" dirty="0"/>
               <a:t>plots</a:t>
             </a:r>
+          </a:p>
+        </p:txBody>
+      </p:sp>
+      <p:sp>
+        <p:nvSpPr>
+          <p:cNvPr id="4" name="Content Placeholder 3">
+            <a:extLst>
+              <a:ext uri="{FF2B5EF4-FFF2-40B4-BE49-F238E27FC236}">
+                <a16:creationId xmlns:a16="http://schemas.microsoft.com/office/drawing/2014/main" id="{A2111F68-2AF1-4F5D-8B9E-5D48A394ED62}"/>
+              </a:ext>
+            </a:extLst>
+          </p:cNvPr>
+          <p:cNvSpPr>
+            <a:spLocks noGrp="1"/>
+          </p:cNvSpPr>
+          <p:nvPr>
+            <p:ph sz="quarter" idx="4"/>
+          </p:nvPr>
+        </p:nvSpPr>
+        <p:spPr/>
+        <p:txBody>
+          <a:bodyPr/>
+          <a:lstStyle/>
+          <a:p>
+            <a:endParaRPr lang="en-US"/>
           </a:p>
         </p:txBody>
       </p:sp>
@@ -29408,21 +29958,69 @@
           </a:p>
         </p:txBody>
       </p:sp>
+      <p:sp>
+        <p:nvSpPr>
+          <p:cNvPr id="4" name="Content Placeholder 3">
+            <a:extLst>
+              <a:ext uri="{FF2B5EF4-FFF2-40B4-BE49-F238E27FC236}">
+                <a16:creationId xmlns:a16="http://schemas.microsoft.com/office/drawing/2014/main" id="{A2111F68-2AF1-4F5D-8B9E-5D48A394ED62}"/>
+              </a:ext>
+            </a:extLst>
+          </p:cNvPr>
+          <p:cNvSpPr>
+            <a:spLocks noGrp="1"/>
+          </p:cNvSpPr>
+          <p:nvPr>
+            <p:ph sz="quarter" idx="4"/>
+          </p:nvPr>
+        </p:nvSpPr>
+        <p:spPr/>
+        <p:txBody>
+          <a:bodyPr/>
+          <a:lstStyle/>
+          <a:p>
+            <a:endParaRPr lang="en-US"/>
+          </a:p>
+        </p:txBody>
+      </p:sp>
+      <p:sp>
+        <p:nvSpPr>
+          <p:cNvPr id="6" name="Content Placeholder 5">
+            <a:extLst>
+              <a:ext uri="{FF2B5EF4-FFF2-40B4-BE49-F238E27FC236}">
+                <a16:creationId xmlns:a16="http://schemas.microsoft.com/office/drawing/2014/main" id="{B7EF69E9-31F1-4810-A050-2DD90B672647}"/>
+              </a:ext>
+            </a:extLst>
+          </p:cNvPr>
+          <p:cNvSpPr>
+            <a:spLocks noGrp="1"/>
+          </p:cNvSpPr>
+          <p:nvPr>
+            <p:ph sz="half" idx="2"/>
+          </p:nvPr>
+        </p:nvSpPr>
+        <p:spPr/>
+        <p:txBody>
+          <a:bodyPr/>
+          <a:lstStyle/>
+          <a:p>
+            <a:endParaRPr lang="en-US"/>
+          </a:p>
+        </p:txBody>
+      </p:sp>
       <p:pic>
         <p:nvPicPr>
-          <p:cNvPr id="13" name="Content Placeholder 12" descr="A picture containing drawing&#10;&#10;Description automatically generated">
+          <p:cNvPr id="12" name="Content Placeholder 7" descr="A screen shot of a computer&#10;&#10;Description automatically generated">
             <a:extLst>
               <a:ext uri="{FF2B5EF4-FFF2-40B4-BE49-F238E27FC236}">
-                <a16:creationId xmlns:a16="http://schemas.microsoft.com/office/drawing/2014/main" id="{F66CA1F1-B3AB-4306-BFFD-D06C0905B774}"/>
+                <a16:creationId xmlns:a16="http://schemas.microsoft.com/office/drawing/2014/main" id="{B98B2757-37FC-41A6-BAE8-07C4EEC75CB4}"/>
               </a:ext>
             </a:extLst>
           </p:cNvPr>
           <p:cNvPicPr>
-            <a:picLocks noGrp="1" noChangeAspect="1"/>
+            <a:picLocks noChangeAspect="1"/>
           </p:cNvPicPr>
-          <p:nvPr>
-            <p:ph sz="half" idx="2"/>
-          </p:nvPr>
+          <p:nvPr/>
         </p:nvPicPr>
         <p:blipFill>
           <a:blip r:embed="rId4"/>
@@ -29432,44 +30030,18 @@
         </p:blipFill>
         <p:spPr>
           <a:xfrm>
-            <a:off x="326186" y="2097087"/>
-            <a:ext cx="5192864" cy="3694111"/>
+            <a:off x="2054080" y="1715778"/>
+            <a:ext cx="7167038" cy="4796299"/>
           </a:xfrm>
-        </p:spPr>
-      </p:pic>
-      <p:pic>
-        <p:nvPicPr>
-          <p:cNvPr id="15" name="Content Placeholder 14" descr="A picture containing drawing&#10;&#10;Description automatically generated">
-            <a:extLst>
-              <a:ext uri="{FF2B5EF4-FFF2-40B4-BE49-F238E27FC236}">
-                <a16:creationId xmlns:a16="http://schemas.microsoft.com/office/drawing/2014/main" id="{0761D3AE-DCD7-48F9-9236-3D3F49F1B8B0}"/>
-              </a:ext>
-            </a:extLst>
-          </p:cNvPr>
-          <p:cNvPicPr>
-            <a:picLocks noGrp="1" noChangeAspect="1"/>
-          </p:cNvPicPr>
-          <p:nvPr>
-            <p:ph sz="quarter" idx="4"/>
-          </p:nvPr>
-        </p:nvPicPr>
-        <p:blipFill>
-          <a:blip r:embed="rId5"/>
-          <a:stretch>
-            <a:fillRect/>
-          </a:stretch>
-        </p:blipFill>
-        <p:spPr>
-          <a:xfrm>
-            <a:off x="6019802" y="2097087"/>
-            <a:ext cx="5192864" cy="3694111"/>
-          </a:xfrm>
+          <a:prstGeom prst="rect">
+            <a:avLst/>
+          </a:prstGeom>
         </p:spPr>
       </p:pic>
     </p:spTree>
     <p:extLst>
       <p:ext uri="{BB962C8B-B14F-4D97-AF65-F5344CB8AC3E}">
-        <p14:creationId xmlns:p14="http://schemas.microsoft.com/office/powerpoint/2010/main" val="1098099396"/>
+        <p14:creationId xmlns:p14="http://schemas.microsoft.com/office/powerpoint/2010/main" val="2035782094"/>
       </p:ext>
     </p:extLst>
   </p:cSld>
@@ -29610,6 +30182,398 @@
       </p:sp>
       <p:pic>
         <p:nvPicPr>
+          <p:cNvPr id="13" name="Content Placeholder 12" descr="A picture containing drawing&#10;&#10;Description automatically generated">
+            <a:extLst>
+              <a:ext uri="{FF2B5EF4-FFF2-40B4-BE49-F238E27FC236}">
+                <a16:creationId xmlns:a16="http://schemas.microsoft.com/office/drawing/2014/main" id="{F66CA1F1-B3AB-4306-BFFD-D06C0905B774}"/>
+              </a:ext>
+            </a:extLst>
+          </p:cNvPr>
+          <p:cNvPicPr>
+            <a:picLocks noGrp="1" noChangeAspect="1"/>
+          </p:cNvPicPr>
+          <p:nvPr>
+            <p:ph sz="half" idx="2"/>
+          </p:nvPr>
+        </p:nvPicPr>
+        <p:blipFill>
+          <a:blip r:embed="rId4"/>
+          <a:stretch>
+            <a:fillRect/>
+          </a:stretch>
+        </p:blipFill>
+        <p:spPr>
+          <a:xfrm>
+            <a:off x="2245131" y="1487533"/>
+            <a:ext cx="7549340" cy="5370467"/>
+          </a:xfrm>
+        </p:spPr>
+      </p:pic>
+      <p:sp>
+        <p:nvSpPr>
+          <p:cNvPr id="4" name="Content Placeholder 3">
+            <a:extLst>
+              <a:ext uri="{FF2B5EF4-FFF2-40B4-BE49-F238E27FC236}">
+                <a16:creationId xmlns:a16="http://schemas.microsoft.com/office/drawing/2014/main" id="{F82436EF-470E-4A59-89D0-5F12E3948FF1}"/>
+              </a:ext>
+            </a:extLst>
+          </p:cNvPr>
+          <p:cNvSpPr>
+            <a:spLocks noGrp="1"/>
+          </p:cNvSpPr>
+          <p:nvPr>
+            <p:ph sz="quarter" idx="4"/>
+          </p:nvPr>
+        </p:nvSpPr>
+        <p:spPr/>
+        <p:txBody>
+          <a:bodyPr/>
+          <a:lstStyle/>
+          <a:p>
+            <a:endParaRPr lang="en-US" dirty="0"/>
+          </a:p>
+        </p:txBody>
+      </p:sp>
+    </p:spTree>
+    <p:extLst>
+      <p:ext uri="{BB962C8B-B14F-4D97-AF65-F5344CB8AC3E}">
+        <p14:creationId xmlns:p14="http://schemas.microsoft.com/office/powerpoint/2010/main" val="1098099396"/>
+      </p:ext>
+    </p:extLst>
+  </p:cSld>
+  <p:clrMapOvr>
+    <a:masterClrMapping/>
+  </p:clrMapOvr>
+</p:sld>
+</file>
+
+<file path=ppt/slides/slide8.xml><?xml version="1.0" encoding="utf-8"?>
+<p:sld xmlns:a="http://schemas.openxmlformats.org/drawingml/2006/main" xmlns:r="http://schemas.openxmlformats.org/officeDocument/2006/relationships" xmlns:p="http://schemas.openxmlformats.org/presentationml/2006/main">
+  <p:cSld>
+    <p:bg>
+      <p:bgPr>
+        <a:blipFill dpi="0" rotWithShape="1">
+          <a:blip r:embed="rId3">
+            <a:alphaModFix amt="70000"/>
+            <a:duotone>
+              <a:schemeClr val="bg2">
+                <a:shade val="48000"/>
+                <a:hueMod val="106000"/>
+                <a:satMod val="140000"/>
+                <a:lumMod val="42000"/>
+              </a:schemeClr>
+              <a:schemeClr val="bg2">
+                <a:tint val="98000"/>
+                <a:hueMod val="92000"/>
+                <a:satMod val="220000"/>
+                <a:lumMod val="90000"/>
+              </a:schemeClr>
+            </a:duotone>
+            <a:lum/>
+          </a:blip>
+          <a:srcRect/>
+          <a:stretch>
+            <a:fillRect/>
+          </a:stretch>
+        </a:blipFill>
+        <a:effectLst/>
+      </p:bgPr>
+    </p:bg>
+    <p:spTree>
+      <p:nvGrpSpPr>
+        <p:cNvPr id="1" name=""/>
+        <p:cNvGrpSpPr/>
+        <p:nvPr/>
+      </p:nvGrpSpPr>
+      <p:grpSpPr>
+        <a:xfrm>
+          <a:off x="0" y="0"/>
+          <a:ext cx="0" cy="0"/>
+          <a:chOff x="0" y="0"/>
+          <a:chExt cx="0" cy="0"/>
+        </a:xfrm>
+      </p:grpSpPr>
+      <p:sp>
+        <p:nvSpPr>
+          <p:cNvPr id="3" name="Text Placeholder 2">
+            <a:extLst>
+              <a:ext uri="{FF2B5EF4-FFF2-40B4-BE49-F238E27FC236}">
+                <a16:creationId xmlns:a16="http://schemas.microsoft.com/office/drawing/2014/main" id="{D4E46FCD-CF44-4051-BD5B-0BE5F7B9FBD3}"/>
+              </a:ext>
+            </a:extLst>
+          </p:cNvPr>
+          <p:cNvSpPr>
+            <a:spLocks noGrp="1"/>
+          </p:cNvSpPr>
+          <p:nvPr>
+            <p:ph type="body" idx="1"/>
+          </p:nvPr>
+        </p:nvSpPr>
+        <p:spPr/>
+        <p:txBody>
+          <a:bodyPr/>
+          <a:lstStyle/>
+          <a:p>
+            <a:endParaRPr lang="en-US" dirty="0"/>
+          </a:p>
+        </p:txBody>
+      </p:sp>
+      <p:sp>
+        <p:nvSpPr>
+          <p:cNvPr id="5" name="Text Placeholder 4">
+            <a:extLst>
+              <a:ext uri="{FF2B5EF4-FFF2-40B4-BE49-F238E27FC236}">
+                <a16:creationId xmlns:a16="http://schemas.microsoft.com/office/drawing/2014/main" id="{79921E57-5FE5-4A1A-92B0-2ADAC4FC8C84}"/>
+              </a:ext>
+            </a:extLst>
+          </p:cNvPr>
+          <p:cNvSpPr>
+            <a:spLocks noGrp="1"/>
+          </p:cNvSpPr>
+          <p:nvPr>
+            <p:ph type="body" sz="quarter" idx="3"/>
+          </p:nvPr>
+        </p:nvSpPr>
+        <p:spPr/>
+        <p:txBody>
+          <a:bodyPr/>
+          <a:lstStyle/>
+          <a:p>
+            <a:endParaRPr lang="en-US"/>
+          </a:p>
+        </p:txBody>
+      </p:sp>
+      <p:sp>
+        <p:nvSpPr>
+          <p:cNvPr id="11" name="Title 1">
+            <a:extLst>
+              <a:ext uri="{FF2B5EF4-FFF2-40B4-BE49-F238E27FC236}">
+                <a16:creationId xmlns:a16="http://schemas.microsoft.com/office/drawing/2014/main" id="{82E65DF7-4C69-46C6-8D20-A1BAFD4C5D30}"/>
+              </a:ext>
+            </a:extLst>
+          </p:cNvPr>
+          <p:cNvSpPr>
+            <a:spLocks noGrp="1"/>
+          </p:cNvSpPr>
+          <p:nvPr>
+            <p:ph type="title"/>
+          </p:nvPr>
+        </p:nvSpPr>
+        <p:spPr>
+          <a:xfrm>
+            <a:off x="1141411" y="619126"/>
+            <a:ext cx="9906000" cy="1477961"/>
+          </a:xfrm>
+        </p:spPr>
+        <p:txBody>
+          <a:bodyPr/>
+          <a:lstStyle/>
+          <a:p>
+            <a:r>
+              <a:rPr lang="en-US" dirty="0"/>
+              <a:t>plots</a:t>
+            </a:r>
+          </a:p>
+        </p:txBody>
+      </p:sp>
+      <p:pic>
+        <p:nvPicPr>
+          <p:cNvPr id="15" name="Content Placeholder 14" descr="A picture containing drawing&#10;&#10;Description automatically generated">
+            <a:extLst>
+              <a:ext uri="{FF2B5EF4-FFF2-40B4-BE49-F238E27FC236}">
+                <a16:creationId xmlns:a16="http://schemas.microsoft.com/office/drawing/2014/main" id="{0761D3AE-DCD7-48F9-9236-3D3F49F1B8B0}"/>
+              </a:ext>
+            </a:extLst>
+          </p:cNvPr>
+          <p:cNvPicPr>
+            <a:picLocks noGrp="1" noChangeAspect="1"/>
+          </p:cNvPicPr>
+          <p:nvPr>
+            <p:ph sz="quarter" idx="4"/>
+          </p:nvPr>
+        </p:nvPicPr>
+        <p:blipFill>
+          <a:blip r:embed="rId4"/>
+          <a:stretch>
+            <a:fillRect/>
+          </a:stretch>
+        </p:blipFill>
+        <p:spPr>
+          <a:xfrm>
+            <a:off x="2636149" y="1424734"/>
+            <a:ext cx="6767304" cy="4814140"/>
+          </a:xfrm>
+        </p:spPr>
+      </p:pic>
+      <p:sp>
+        <p:nvSpPr>
+          <p:cNvPr id="7" name="Content Placeholder 6">
+            <a:extLst>
+              <a:ext uri="{FF2B5EF4-FFF2-40B4-BE49-F238E27FC236}">
+                <a16:creationId xmlns:a16="http://schemas.microsoft.com/office/drawing/2014/main" id="{6C07398E-65E6-4652-A8CF-3FC5088FF724}"/>
+              </a:ext>
+            </a:extLst>
+          </p:cNvPr>
+          <p:cNvSpPr>
+            <a:spLocks noGrp="1"/>
+          </p:cNvSpPr>
+          <p:nvPr>
+            <p:ph sz="half" idx="2"/>
+          </p:nvPr>
+        </p:nvSpPr>
+        <p:spPr/>
+        <p:txBody>
+          <a:bodyPr/>
+          <a:lstStyle/>
+          <a:p>
+            <a:endParaRPr lang="en-US"/>
+          </a:p>
+        </p:txBody>
+      </p:sp>
+    </p:spTree>
+    <p:extLst>
+      <p:ext uri="{BB962C8B-B14F-4D97-AF65-F5344CB8AC3E}">
+        <p14:creationId xmlns:p14="http://schemas.microsoft.com/office/powerpoint/2010/main" val="3085567030"/>
+      </p:ext>
+    </p:extLst>
+  </p:cSld>
+  <p:clrMapOvr>
+    <a:masterClrMapping/>
+  </p:clrMapOvr>
+</p:sld>
+</file>
+
+<file path=ppt/slides/slide9.xml><?xml version="1.0" encoding="utf-8"?>
+<p:sld xmlns:a="http://schemas.openxmlformats.org/drawingml/2006/main" xmlns:r="http://schemas.openxmlformats.org/officeDocument/2006/relationships" xmlns:p="http://schemas.openxmlformats.org/presentationml/2006/main">
+  <p:cSld>
+    <p:bg>
+      <p:bgPr>
+        <a:blipFill dpi="0" rotWithShape="1">
+          <a:blip r:embed="rId3">
+            <a:alphaModFix amt="70000"/>
+            <a:duotone>
+              <a:schemeClr val="bg2">
+                <a:shade val="48000"/>
+                <a:hueMod val="106000"/>
+                <a:satMod val="140000"/>
+                <a:lumMod val="42000"/>
+              </a:schemeClr>
+              <a:schemeClr val="bg2">
+                <a:tint val="98000"/>
+                <a:hueMod val="92000"/>
+                <a:satMod val="220000"/>
+                <a:lumMod val="90000"/>
+              </a:schemeClr>
+            </a:duotone>
+            <a:lum/>
+          </a:blip>
+          <a:srcRect/>
+          <a:stretch>
+            <a:fillRect/>
+          </a:stretch>
+        </a:blipFill>
+        <a:effectLst/>
+      </p:bgPr>
+    </p:bg>
+    <p:spTree>
+      <p:nvGrpSpPr>
+        <p:cNvPr id="1" name=""/>
+        <p:cNvGrpSpPr/>
+        <p:nvPr/>
+      </p:nvGrpSpPr>
+      <p:grpSpPr>
+        <a:xfrm>
+          <a:off x="0" y="0"/>
+          <a:ext cx="0" cy="0"/>
+          <a:chOff x="0" y="0"/>
+          <a:chExt cx="0" cy="0"/>
+        </a:xfrm>
+      </p:grpSpPr>
+      <p:sp>
+        <p:nvSpPr>
+          <p:cNvPr id="3" name="Text Placeholder 2">
+            <a:extLst>
+              <a:ext uri="{FF2B5EF4-FFF2-40B4-BE49-F238E27FC236}">
+                <a16:creationId xmlns:a16="http://schemas.microsoft.com/office/drawing/2014/main" id="{D4E46FCD-CF44-4051-BD5B-0BE5F7B9FBD3}"/>
+              </a:ext>
+            </a:extLst>
+          </p:cNvPr>
+          <p:cNvSpPr>
+            <a:spLocks noGrp="1"/>
+          </p:cNvSpPr>
+          <p:nvPr>
+            <p:ph type="body" idx="1"/>
+          </p:nvPr>
+        </p:nvSpPr>
+        <p:spPr/>
+        <p:txBody>
+          <a:bodyPr/>
+          <a:lstStyle/>
+          <a:p>
+            <a:endParaRPr lang="en-US" dirty="0"/>
+          </a:p>
+        </p:txBody>
+      </p:sp>
+      <p:sp>
+        <p:nvSpPr>
+          <p:cNvPr id="5" name="Text Placeholder 4">
+            <a:extLst>
+              <a:ext uri="{FF2B5EF4-FFF2-40B4-BE49-F238E27FC236}">
+                <a16:creationId xmlns:a16="http://schemas.microsoft.com/office/drawing/2014/main" id="{79921E57-5FE5-4A1A-92B0-2ADAC4FC8C84}"/>
+              </a:ext>
+            </a:extLst>
+          </p:cNvPr>
+          <p:cNvSpPr>
+            <a:spLocks noGrp="1"/>
+          </p:cNvSpPr>
+          <p:nvPr>
+            <p:ph type="body" sz="quarter" idx="3"/>
+          </p:nvPr>
+        </p:nvSpPr>
+        <p:spPr/>
+        <p:txBody>
+          <a:bodyPr/>
+          <a:lstStyle/>
+          <a:p>
+            <a:endParaRPr lang="en-US"/>
+          </a:p>
+        </p:txBody>
+      </p:sp>
+      <p:sp>
+        <p:nvSpPr>
+          <p:cNvPr id="11" name="Title 1">
+            <a:extLst>
+              <a:ext uri="{FF2B5EF4-FFF2-40B4-BE49-F238E27FC236}">
+                <a16:creationId xmlns:a16="http://schemas.microsoft.com/office/drawing/2014/main" id="{82E65DF7-4C69-46C6-8D20-A1BAFD4C5D30}"/>
+              </a:ext>
+            </a:extLst>
+          </p:cNvPr>
+          <p:cNvSpPr>
+            <a:spLocks noGrp="1"/>
+          </p:cNvSpPr>
+          <p:nvPr>
+            <p:ph type="title"/>
+          </p:nvPr>
+        </p:nvSpPr>
+        <p:spPr>
+          <a:xfrm>
+            <a:off x="1141411" y="619126"/>
+            <a:ext cx="9906000" cy="1477961"/>
+          </a:xfrm>
+        </p:spPr>
+        <p:txBody>
+          <a:bodyPr/>
+          <a:lstStyle/>
+          <a:p>
+            <a:r>
+              <a:rPr lang="en-US" dirty="0"/>
+              <a:t>plots</a:t>
+            </a:r>
+          </a:p>
+        </p:txBody>
+      </p:sp>
+      <p:pic>
+        <p:nvPicPr>
           <p:cNvPr id="9" name="Content Placeholder 8" descr="A picture containing pencil&#10;&#10;Description automatically generated">
             <a:extLst>
               <a:ext uri="{FF2B5EF4-FFF2-40B4-BE49-F238E27FC236}">
@@ -29632,335 +30596,17 @@
         </p:blipFill>
         <p:spPr>
           <a:xfrm>
-            <a:off x="495169" y="2249485"/>
-            <a:ext cx="5006262" cy="3541715"/>
+            <a:off x="2225596" y="1633528"/>
+            <a:ext cx="7174634" cy="5075745"/>
           </a:xfrm>
         </p:spPr>
       </p:pic>
-      <p:pic>
-        <p:nvPicPr>
-          <p:cNvPr id="12" name="Content Placeholder 11" descr="A close up of a logo&#10;&#10;Description automatically generated">
-            <a:extLst>
-              <a:ext uri="{FF2B5EF4-FFF2-40B4-BE49-F238E27FC236}">
-                <a16:creationId xmlns:a16="http://schemas.microsoft.com/office/drawing/2014/main" id="{F937AAEB-EFA6-44F9-8BA9-98A42EDB7C93}"/>
-              </a:ext>
-            </a:extLst>
-          </p:cNvPr>
-          <p:cNvPicPr>
-            <a:picLocks noGrp="1" noChangeAspect="1"/>
-          </p:cNvPicPr>
-          <p:nvPr>
-            <p:ph sz="quarter" idx="4"/>
-          </p:nvPr>
-        </p:nvPicPr>
-        <p:blipFill>
-          <a:blip r:embed="rId5"/>
-          <a:stretch>
-            <a:fillRect/>
-          </a:stretch>
-        </p:blipFill>
-        <p:spPr>
-          <a:xfrm>
-            <a:off x="6688983" y="2249485"/>
-            <a:ext cx="5006262" cy="3541715"/>
-          </a:xfrm>
-        </p:spPr>
-      </p:pic>
-    </p:spTree>
-    <p:extLst>
-      <p:ext uri="{BB962C8B-B14F-4D97-AF65-F5344CB8AC3E}">
-        <p14:creationId xmlns:p14="http://schemas.microsoft.com/office/powerpoint/2010/main" val="2165355751"/>
-      </p:ext>
-    </p:extLst>
-  </p:cSld>
-  <p:clrMapOvr>
-    <a:masterClrMapping/>
-  </p:clrMapOvr>
-</p:sld>
-</file>
-
-<file path=ppt/slides/slide8.xml><?xml version="1.0" encoding="utf-8"?>
-<p:sld xmlns:a="http://schemas.openxmlformats.org/drawingml/2006/main" xmlns:r="http://schemas.openxmlformats.org/officeDocument/2006/relationships" xmlns:p="http://schemas.openxmlformats.org/presentationml/2006/main">
-  <p:cSld>
-    <p:spTree>
-      <p:nvGrpSpPr>
-        <p:cNvPr id="1" name=""/>
-        <p:cNvGrpSpPr/>
-        <p:nvPr/>
-      </p:nvGrpSpPr>
-      <p:grpSpPr>
-        <a:xfrm>
-          <a:off x="0" y="0"/>
-          <a:ext cx="0" cy="0"/>
-          <a:chOff x="0" y="0"/>
-          <a:chExt cx="0" cy="0"/>
-        </a:xfrm>
-      </p:grpSpPr>
-      <p:sp>
-        <p:nvSpPr>
-          <p:cNvPr id="2" name="Title 1">
-            <a:extLst>
-              <a:ext uri="{FF2B5EF4-FFF2-40B4-BE49-F238E27FC236}">
-                <a16:creationId xmlns:a16="http://schemas.microsoft.com/office/drawing/2014/main" id="{434A1C9A-2C9E-4449-AEF0-EB80FD538BC0}"/>
-              </a:ext>
-            </a:extLst>
-          </p:cNvPr>
-          <p:cNvSpPr>
-            <a:spLocks noGrp="1"/>
-          </p:cNvSpPr>
-          <p:nvPr>
-            <p:ph type="title"/>
-          </p:nvPr>
-        </p:nvSpPr>
-        <p:spPr/>
-        <p:txBody>
-          <a:bodyPr/>
-          <a:lstStyle/>
-          <a:p>
-            <a:r>
-              <a:rPr lang="en-US" dirty="0"/>
-              <a:t>Methods</a:t>
-            </a:r>
-          </a:p>
-        </p:txBody>
-      </p:sp>
-      <p:sp>
-        <p:nvSpPr>
-          <p:cNvPr id="3" name="Text Placeholder 2">
-            <a:extLst>
-              <a:ext uri="{FF2B5EF4-FFF2-40B4-BE49-F238E27FC236}">
-                <a16:creationId xmlns:a16="http://schemas.microsoft.com/office/drawing/2014/main" id="{28865700-9D2B-4BD3-A297-B0E2FD6EED4F}"/>
-              </a:ext>
-            </a:extLst>
-          </p:cNvPr>
-          <p:cNvSpPr>
-            <a:spLocks noGrp="1"/>
-          </p:cNvSpPr>
-          <p:nvPr>
-            <p:ph type="body" idx="1"/>
-          </p:nvPr>
-        </p:nvSpPr>
-        <p:spPr>
-          <a:xfrm>
-            <a:off x="4011619" y="207170"/>
-            <a:ext cx="4649783" cy="823912"/>
-          </a:xfrm>
-        </p:spPr>
-        <p:txBody>
-          <a:bodyPr/>
-          <a:lstStyle/>
-          <a:p>
-            <a:endParaRPr lang="en-US"/>
-          </a:p>
-        </p:txBody>
-      </p:sp>
       <p:sp>
         <p:nvSpPr>
           <p:cNvPr id="4" name="Content Placeholder 3">
             <a:extLst>
               <a:ext uri="{FF2B5EF4-FFF2-40B4-BE49-F238E27FC236}">
-                <a16:creationId xmlns:a16="http://schemas.microsoft.com/office/drawing/2014/main" id="{37E63847-0331-4801-A481-2900CAC97EE9}"/>
-              </a:ext>
-            </a:extLst>
-          </p:cNvPr>
-          <p:cNvSpPr>
-            <a:spLocks noGrp="1"/>
-          </p:cNvSpPr>
-          <p:nvPr>
-            <p:ph sz="half" idx="2"/>
-          </p:nvPr>
-        </p:nvSpPr>
-        <p:spPr>
-          <a:xfrm>
-            <a:off x="938210" y="2097087"/>
-            <a:ext cx="9906000" cy="3694111"/>
-          </a:xfrm>
-        </p:spPr>
-        <p:txBody>
-          <a:bodyPr/>
-          <a:lstStyle/>
-          <a:p>
-            <a:r>
-              <a:rPr lang="en-US" dirty="0"/>
-              <a:t>Linear model</a:t>
-            </a:r>
-          </a:p>
-          <a:p>
-            <a:r>
-              <a:rPr lang="en-US" dirty="0"/>
-              <a:t>SVM</a:t>
-            </a:r>
-          </a:p>
-          <a:p>
-            <a:r>
-              <a:rPr lang="en-US" dirty="0"/>
-              <a:t>KNN</a:t>
-            </a:r>
-          </a:p>
-          <a:p>
-            <a:r>
-              <a:rPr lang="en-US" dirty="0"/>
-              <a:t>Ridge and Lasso</a:t>
-            </a:r>
-          </a:p>
-          <a:p>
-            <a:r>
-              <a:rPr lang="en-US" dirty="0" err="1"/>
-              <a:t>Wıll</a:t>
-            </a:r>
-            <a:r>
-              <a:rPr lang="en-US" dirty="0"/>
-              <a:t> talk here about why we use ridge how we tried to avoid overfit </a:t>
-            </a:r>
-            <a:r>
-              <a:rPr lang="en-US" dirty="0" err="1"/>
-              <a:t>bla</a:t>
-            </a:r>
-            <a:r>
-              <a:rPr lang="en-US" dirty="0"/>
-              <a:t> </a:t>
-            </a:r>
-            <a:r>
-              <a:rPr lang="en-US" dirty="0" err="1"/>
-              <a:t>blabla</a:t>
-            </a:r>
-            <a:endParaRPr lang="en-US" dirty="0"/>
-          </a:p>
-          <a:p>
-            <a:endParaRPr lang="en-US" dirty="0"/>
-          </a:p>
-        </p:txBody>
-      </p:sp>
-    </p:spTree>
-    <p:extLst>
-      <p:ext uri="{BB962C8B-B14F-4D97-AF65-F5344CB8AC3E}">
-        <p14:creationId xmlns:p14="http://schemas.microsoft.com/office/powerpoint/2010/main" val="1839034123"/>
-      </p:ext>
-    </p:extLst>
-  </p:cSld>
-  <p:clrMapOvr>
-    <a:masterClrMapping/>
-  </p:clrMapOvr>
-</p:sld>
-</file>
-
-<file path=ppt/slides/slide9.xml><?xml version="1.0" encoding="utf-8"?>
-<p:sld xmlns:a="http://schemas.openxmlformats.org/drawingml/2006/main" xmlns:r="http://schemas.openxmlformats.org/officeDocument/2006/relationships" xmlns:p="http://schemas.openxmlformats.org/presentationml/2006/main">
-  <p:cSld>
-    <p:spTree>
-      <p:nvGrpSpPr>
-        <p:cNvPr id="1" name=""/>
-        <p:cNvGrpSpPr/>
-        <p:nvPr/>
-      </p:nvGrpSpPr>
-      <p:grpSpPr>
-        <a:xfrm>
-          <a:off x="0" y="0"/>
-          <a:ext cx="0" cy="0"/>
-          <a:chOff x="0" y="0"/>
-          <a:chExt cx="0" cy="0"/>
-        </a:xfrm>
-      </p:grpSpPr>
-      <p:sp>
-        <p:nvSpPr>
-          <p:cNvPr id="2" name="Title 1">
-            <a:extLst>
-              <a:ext uri="{FF2B5EF4-FFF2-40B4-BE49-F238E27FC236}">
-                <a16:creationId xmlns:a16="http://schemas.microsoft.com/office/drawing/2014/main" id="{88D8F4C2-CC4E-4546-BBB1-7CDE4C0D5B37}"/>
-              </a:ext>
-            </a:extLst>
-          </p:cNvPr>
-          <p:cNvSpPr>
-            <a:spLocks noGrp="1"/>
-          </p:cNvSpPr>
-          <p:nvPr>
-            <p:ph type="title"/>
-          </p:nvPr>
-        </p:nvSpPr>
-        <p:spPr/>
-        <p:txBody>
-          <a:bodyPr/>
-          <a:lstStyle/>
-          <a:p>
-            <a:r>
-              <a:rPr lang="en-US" dirty="0"/>
-              <a:t>Linear Model</a:t>
-            </a:r>
-          </a:p>
-        </p:txBody>
-      </p:sp>
-      <p:sp>
-        <p:nvSpPr>
-          <p:cNvPr id="3" name="Text Placeholder 2">
-            <a:extLst>
-              <a:ext uri="{FF2B5EF4-FFF2-40B4-BE49-F238E27FC236}">
-                <a16:creationId xmlns:a16="http://schemas.microsoft.com/office/drawing/2014/main" id="{AE43A582-B260-4FEA-A272-8519EB18C369}"/>
-              </a:ext>
-            </a:extLst>
-          </p:cNvPr>
-          <p:cNvSpPr>
-            <a:spLocks noGrp="1"/>
-          </p:cNvSpPr>
-          <p:nvPr>
-            <p:ph type="body" idx="1"/>
-          </p:nvPr>
-        </p:nvSpPr>
-        <p:spPr/>
-        <p:txBody>
-          <a:bodyPr/>
-          <a:lstStyle/>
-          <a:p>
-            <a:r>
-              <a:rPr lang="en-US" dirty="0"/>
-              <a:t>With all features from Mutual </a:t>
-            </a:r>
-            <a:r>
-              <a:rPr lang="en-US" dirty="0" err="1"/>
-              <a:t>ınfo</a:t>
-            </a:r>
-            <a:endParaRPr lang="en-US" dirty="0"/>
-          </a:p>
-        </p:txBody>
-      </p:sp>
-      <p:sp>
-        <p:nvSpPr>
-          <p:cNvPr id="5" name="Text Placeholder 4">
-            <a:extLst>
-              <a:ext uri="{FF2B5EF4-FFF2-40B4-BE49-F238E27FC236}">
-                <a16:creationId xmlns:a16="http://schemas.microsoft.com/office/drawing/2014/main" id="{5400970B-5BCE-40B7-8A74-105318B39304}"/>
-              </a:ext>
-            </a:extLst>
-          </p:cNvPr>
-          <p:cNvSpPr>
-            <a:spLocks noGrp="1"/>
-          </p:cNvSpPr>
-          <p:nvPr>
-            <p:ph type="body" sz="quarter" idx="3"/>
-          </p:nvPr>
-        </p:nvSpPr>
-        <p:spPr>
-          <a:xfrm>
-            <a:off x="6400807" y="2067830"/>
-            <a:ext cx="4646602" cy="823912"/>
-          </a:xfrm>
-        </p:spPr>
-        <p:txBody>
-          <a:bodyPr/>
-          <a:lstStyle/>
-          <a:p>
-            <a:r>
-              <a:rPr lang="en-US" dirty="0"/>
-              <a:t>With one variable at the time</a:t>
-            </a:r>
-          </a:p>
-        </p:txBody>
-      </p:sp>
-      <p:sp>
-        <p:nvSpPr>
-          <p:cNvPr id="6" name="Content Placeholder 5">
-            <a:extLst>
-              <a:ext uri="{FF2B5EF4-FFF2-40B4-BE49-F238E27FC236}">
-                <a16:creationId xmlns:a16="http://schemas.microsoft.com/office/drawing/2014/main" id="{1827382A-0520-46A5-8F9D-058D8A6F4B2B}"/>
+                <a16:creationId xmlns:a16="http://schemas.microsoft.com/office/drawing/2014/main" id="{2EB17D0F-0969-45CE-A7D3-50C1E3915BFE}"/>
               </a:ext>
             </a:extLst>
           </p:cNvPr>
@@ -29971,110 +30617,19 @@
             <p:ph sz="quarter" idx="4"/>
           </p:nvPr>
         </p:nvSpPr>
-        <p:spPr>
-          <a:xfrm>
-            <a:off x="6172199" y="3098794"/>
-            <a:ext cx="4875210" cy="2717801"/>
-          </a:xfrm>
-        </p:spPr>
+        <p:spPr/>
         <p:txBody>
-          <a:bodyPr>
-            <a:normAutofit fontScale="70000" lnSpcReduction="20000"/>
-          </a:bodyPr>
+          <a:bodyPr/>
           <a:lstStyle/>
-          <a:p>
-            <a:r>
-              <a:rPr lang="pt-BR" dirty="0"/>
-              <a:t>R2 train: 0.24458652935703795 R2 test:  0.0660277149203996</a:t>
-            </a:r>
-          </a:p>
           <a:p>
             <a:endParaRPr lang="en-US" dirty="0"/>
           </a:p>
         </p:txBody>
       </p:sp>
-      <p:sp>
-        <p:nvSpPr>
-          <p:cNvPr id="12" name="Content Placeholder 11">
-            <a:extLst>
-              <a:ext uri="{FF2B5EF4-FFF2-40B4-BE49-F238E27FC236}">
-                <a16:creationId xmlns:a16="http://schemas.microsoft.com/office/drawing/2014/main" id="{C690229F-2021-4D13-983E-F25E9FF32B91}"/>
-              </a:ext>
-            </a:extLst>
-          </p:cNvPr>
-          <p:cNvSpPr>
-            <a:spLocks noGrp="1"/>
-          </p:cNvSpPr>
-          <p:nvPr>
-            <p:ph sz="half" idx="2"/>
-          </p:nvPr>
-        </p:nvSpPr>
-        <p:spPr/>
-        <p:txBody>
-          <a:bodyPr>
-            <a:normAutofit fontScale="70000" lnSpcReduction="20000"/>
-          </a:bodyPr>
-          <a:lstStyle/>
-          <a:p>
-            <a:r>
-              <a:rPr lang="en-US" dirty="0"/>
-              <a:t>R2 train: 0.24458652935703795 R2 test:  0.0660277149203996</a:t>
-            </a:r>
-          </a:p>
-          <a:p>
-            <a:endParaRPr lang="en-US" dirty="0"/>
-          </a:p>
-          <a:p>
-            <a:r>
-              <a:rPr lang="en-US" dirty="0"/>
-              <a:t>RMSE train: 16.59793696985791 RMSE test:  15.636440983628768</a:t>
-            </a:r>
-          </a:p>
-          <a:p>
-            <a:endParaRPr lang="en-US" dirty="0"/>
-          </a:p>
-          <a:p>
-            <a:r>
-              <a:rPr lang="en-US" dirty="0"/>
-              <a:t>MAE train: 3.177234569559947 MAE test:  3.056795196376448</a:t>
-            </a:r>
-          </a:p>
-        </p:txBody>
-      </p:sp>
-      <p:pic>
-        <p:nvPicPr>
-          <p:cNvPr id="13" name="Picture 12">
-            <a:extLst>
-              <a:ext uri="{FF2B5EF4-FFF2-40B4-BE49-F238E27FC236}">
-                <a16:creationId xmlns:a16="http://schemas.microsoft.com/office/drawing/2014/main" id="{4F377FE9-1AFD-4B93-95B0-D8A29CFA550C}"/>
-              </a:ext>
-            </a:extLst>
-          </p:cNvPr>
-          <p:cNvPicPr>
-            <a:picLocks noChangeAspect="1"/>
-          </p:cNvPicPr>
-          <p:nvPr/>
-        </p:nvPicPr>
-        <p:blipFill>
-          <a:blip r:embed="rId3"/>
-          <a:stretch>
-            <a:fillRect/>
-          </a:stretch>
-        </p:blipFill>
-        <p:spPr>
-          <a:xfrm>
-            <a:off x="7479736" y="3705224"/>
-            <a:ext cx="1704975" cy="2533650"/>
-          </a:xfrm>
-          <a:prstGeom prst="rect">
-            <a:avLst/>
-          </a:prstGeom>
-        </p:spPr>
-      </p:pic>
     </p:spTree>
     <p:extLst>
       <p:ext uri="{BB962C8B-B14F-4D97-AF65-F5344CB8AC3E}">
-        <p14:creationId xmlns:p14="http://schemas.microsoft.com/office/powerpoint/2010/main" val="294678220"/>
+        <p14:creationId xmlns:p14="http://schemas.microsoft.com/office/powerpoint/2010/main" val="2165355751"/>
       </p:ext>
     </p:extLst>
   </p:cSld>
@@ -30631,12 +31186,6 @@
 </file>
 
 <file path=customXml/item1.xml><?xml version="1.0" encoding="utf-8"?>
-<p:properties xmlns:p="http://schemas.microsoft.com/office/2006/metadata/properties" xmlns:xsi="http://www.w3.org/2001/XMLSchema-instance" xmlns:pc="http://schemas.microsoft.com/office/infopath/2007/PartnerControls">
-  <documentManagement/>
-</p:properties>
-</file>
-
-<file path=customXml/item2.xml><?xml version="1.0" encoding="utf-8"?>
 <ct:contentTypeSchema xmlns:ct="http://schemas.microsoft.com/office/2006/metadata/contentType" xmlns:ma="http://schemas.microsoft.com/office/2006/metadata/properties/metaAttributes" ct:_="" ma:_="" ma:contentTypeName="Belge" ma:contentTypeID="0x0101005C4A4B657320F049AA1D633651D5A527" ma:contentTypeVersion="10" ma:contentTypeDescription="Yeni belge oluşturun." ma:contentTypeScope="" ma:versionID="54de096795585f3fc417ea0d3572c9ae">
   <xsd:schema xmlns:xsd="http://www.w3.org/2001/XMLSchema" xmlns:xs="http://www.w3.org/2001/XMLSchema" xmlns:p="http://schemas.microsoft.com/office/2006/metadata/properties" xmlns:ns3="89b73cb6-9abe-4d87-a058-9d49bc0905c0" xmlns:ns4="ad4db333-1744-4fed-9c78-0ba4714da101" targetNamespace="http://schemas.microsoft.com/office/2006/metadata/properties" ma:root="true" ma:fieldsID="01b833e0e81877041e3895ee56010d14" ns3:_="" ns4:_="">
     <xsd:import namespace="89b73cb6-9abe-4d87-a058-9d49bc0905c0"/>
@@ -30839,6 +31388,12 @@
 </ct:contentTypeSchema>
 </file>
 
+<file path=customXml/item2.xml><?xml version="1.0" encoding="utf-8"?>
+<p:properties xmlns:p="http://schemas.microsoft.com/office/2006/metadata/properties" xmlns:xsi="http://www.w3.org/2001/XMLSchema-instance" xmlns:pc="http://schemas.microsoft.com/office/infopath/2007/PartnerControls">
+  <documentManagement/>
+</p:properties>
+</file>
+
 <file path=customXml/item3.xml><?xml version="1.0" encoding="utf-8"?>
 <?mso-contentType ?>
 <FormTemplates xmlns="http://schemas.microsoft.com/sharepoint/v3/contenttype/forms">
@@ -30849,23 +31404,6 @@
 </file>
 
 <file path=customXml/itemProps1.xml><?xml version="1.0" encoding="utf-8"?>
-<ds:datastoreItem xmlns:ds="http://schemas.openxmlformats.org/officeDocument/2006/customXml" ds:itemID="{C062E8CA-CB35-4447-BB0E-5BB91D8200C9}">
-  <ds:schemaRefs>
-    <ds:schemaRef ds:uri="89b73cb6-9abe-4d87-a058-9d49bc0905c0"/>
-    <ds:schemaRef ds:uri="http://purl.org/dc/terms/"/>
-    <ds:schemaRef ds:uri="http://purl.org/dc/dcmitype/"/>
-    <ds:schemaRef ds:uri="http://purl.org/dc/elements/1.1/"/>
-    <ds:schemaRef ds:uri="http://schemas.microsoft.com/office/2006/documentManagement/types"/>
-    <ds:schemaRef ds:uri="ad4db333-1744-4fed-9c78-0ba4714da101"/>
-    <ds:schemaRef ds:uri="http://www.w3.org/XML/1998/namespace"/>
-    <ds:schemaRef ds:uri="http://schemas.openxmlformats.org/package/2006/metadata/core-properties"/>
-    <ds:schemaRef ds:uri="http://schemas.microsoft.com/office/infopath/2007/PartnerControls"/>
-    <ds:schemaRef ds:uri="http://schemas.microsoft.com/office/2006/metadata/properties"/>
-  </ds:schemaRefs>
-</ds:datastoreItem>
-</file>
-
-<file path=customXml/itemProps2.xml><?xml version="1.0" encoding="utf-8"?>
 <ds:datastoreItem xmlns:ds="http://schemas.openxmlformats.org/officeDocument/2006/customXml" ds:itemID="{E03F3BD2-A353-4363-A8F0-A07D2AB1C10E}">
   <ds:schemaRefs>
     <ds:schemaRef ds:uri="http://schemas.microsoft.com/office/2006/metadata/contentType"/>
@@ -30884,6 +31422,23 @@
 </ds:datastoreItem>
 </file>
 
+<file path=customXml/itemProps2.xml><?xml version="1.0" encoding="utf-8"?>
+<ds:datastoreItem xmlns:ds="http://schemas.openxmlformats.org/officeDocument/2006/customXml" ds:itemID="{C062E8CA-CB35-4447-BB0E-5BB91D8200C9}">
+  <ds:schemaRefs>
+    <ds:schemaRef ds:uri="89b73cb6-9abe-4d87-a058-9d49bc0905c0"/>
+    <ds:schemaRef ds:uri="http://purl.org/dc/terms/"/>
+    <ds:schemaRef ds:uri="http://purl.org/dc/dcmitype/"/>
+    <ds:schemaRef ds:uri="http://purl.org/dc/elements/1.1/"/>
+    <ds:schemaRef ds:uri="http://schemas.microsoft.com/office/2006/documentManagement/types"/>
+    <ds:schemaRef ds:uri="ad4db333-1744-4fed-9c78-0ba4714da101"/>
+    <ds:schemaRef ds:uri="http://www.w3.org/XML/1998/namespace"/>
+    <ds:schemaRef ds:uri="http://schemas.openxmlformats.org/package/2006/metadata/core-properties"/>
+    <ds:schemaRef ds:uri="http://schemas.microsoft.com/office/infopath/2007/PartnerControls"/>
+    <ds:schemaRef ds:uri="http://schemas.microsoft.com/office/2006/metadata/properties"/>
+  </ds:schemaRefs>
+</ds:datastoreItem>
+</file>
+
 <file path=customXml/itemProps3.xml><?xml version="1.0" encoding="utf-8"?>
 <ds:datastoreItem xmlns:ds="http://schemas.openxmlformats.org/officeDocument/2006/customXml" ds:itemID="{C476031E-55DD-49DE-8AE4-90A67FB3FE5B}">
   <ds:schemaRefs>

--- a/UpdateMachine Learning I Short Project.pptx
+++ b/UpdateMachine Learning I Short Project.pptx
@@ -5,7 +5,7 @@
     <p:sldMasterId id="2147483648" r:id="rId4"/>
   </p:sldMasterIdLst>
   <p:notesMasterIdLst>
-    <p:notesMasterId r:id="rId23"/>
+    <p:notesMasterId r:id="rId24"/>
   </p:notesMasterIdLst>
   <p:sldIdLst>
     <p:sldId id="256" r:id="rId5"/>
@@ -21,11 +21,12 @@
     <p:sldId id="263" r:id="rId15"/>
     <p:sldId id="264" r:id="rId16"/>
     <p:sldId id="265" r:id="rId17"/>
-    <p:sldId id="267" r:id="rId18"/>
-    <p:sldId id="266" r:id="rId19"/>
-    <p:sldId id="269" r:id="rId20"/>
-    <p:sldId id="268" r:id="rId21"/>
-    <p:sldId id="270" r:id="rId22"/>
+    <p:sldId id="274" r:id="rId18"/>
+    <p:sldId id="267" r:id="rId19"/>
+    <p:sldId id="266" r:id="rId20"/>
+    <p:sldId id="269" r:id="rId21"/>
+    <p:sldId id="268" r:id="rId22"/>
+    <p:sldId id="270" r:id="rId23"/>
   </p:sldIdLst>
   <p:sldSz cx="12192000" cy="6858000"/>
   <p:notesSz cx="6858000" cy="9144000"/>
@@ -1204,11 +1205,35 @@
           <a:p>
             <a:r>
               <a:rPr lang="pl-PL" dirty="0"/>
-              <a:t>Same as </a:t>
+              <a:t>Plot </a:t>
             </a:r>
             <a:r>
               <a:rPr lang="pl-PL" dirty="0" err="1"/>
-              <a:t>ridge</a:t>
+              <a:t>larger</a:t>
+            </a:r>
+            <a:r>
+              <a:rPr lang="pl-PL" dirty="0"/>
+              <a:t>, one </a:t>
+            </a:r>
+            <a:r>
+              <a:rPr lang="pl-PL" dirty="0" err="1"/>
+              <a:t>score</a:t>
+            </a:r>
+            <a:r>
+              <a:rPr lang="pl-PL" dirty="0"/>
+              <a:t> (R2?), </a:t>
+            </a:r>
+            <a:r>
+              <a:rPr lang="pl-PL" dirty="0" err="1"/>
+              <a:t>round</a:t>
+            </a:r>
+            <a:r>
+              <a:rPr lang="pl-PL" dirty="0"/>
+              <a:t> the </a:t>
+            </a:r>
+            <a:r>
+              <a:rPr lang="pl-PL" dirty="0" err="1"/>
+              <a:t>scores</a:t>
             </a:r>
             <a:endParaRPr lang="pl-PL" dirty="0"/>
           </a:p>
@@ -1246,6 +1271,104 @@
     </p:spTree>
     <p:extLst>
       <p:ext uri="{BB962C8B-B14F-4D97-AF65-F5344CB8AC3E}">
+        <p14:creationId xmlns:p14="http://schemas.microsoft.com/office/powerpoint/2010/main" val="1658899915"/>
+      </p:ext>
+    </p:extLst>
+  </p:cSld>
+  <p:clrMapOvr>
+    <a:masterClrMapping/>
+  </p:clrMapOvr>
+</p:notes>
+</file>
+
+<file path=ppt/notesSlides/notesSlide15.xml><?xml version="1.0" encoding="utf-8"?>
+<p:notes xmlns:a="http://schemas.openxmlformats.org/drawingml/2006/main" xmlns:r="http://schemas.openxmlformats.org/officeDocument/2006/relationships" xmlns:p="http://schemas.openxmlformats.org/presentationml/2006/main">
+  <p:cSld>
+    <p:spTree>
+      <p:nvGrpSpPr>
+        <p:cNvPr id="1" name=""/>
+        <p:cNvGrpSpPr/>
+        <p:nvPr/>
+      </p:nvGrpSpPr>
+      <p:grpSpPr>
+        <a:xfrm>
+          <a:off x="0" y="0"/>
+          <a:ext cx="0" cy="0"/>
+          <a:chOff x="0" y="0"/>
+          <a:chExt cx="0" cy="0"/>
+        </a:xfrm>
+      </p:grpSpPr>
+      <p:sp>
+        <p:nvSpPr>
+          <p:cNvPr id="2" name="Slide Image Placeholder 1"/>
+          <p:cNvSpPr>
+            <a:spLocks noGrp="1" noRot="1" noChangeAspect="1"/>
+          </p:cNvSpPr>
+          <p:nvPr>
+            <p:ph type="sldImg"/>
+          </p:nvPr>
+        </p:nvSpPr>
+        <p:spPr/>
+      </p:sp>
+      <p:sp>
+        <p:nvSpPr>
+          <p:cNvPr id="3" name="Notes Placeholder 2"/>
+          <p:cNvSpPr>
+            <a:spLocks noGrp="1"/>
+          </p:cNvSpPr>
+          <p:nvPr>
+            <p:ph type="body" idx="1"/>
+          </p:nvPr>
+        </p:nvSpPr>
+        <p:spPr/>
+        <p:txBody>
+          <a:bodyPr/>
+          <a:lstStyle/>
+          <a:p>
+            <a:r>
+              <a:rPr lang="pl-PL" dirty="0"/>
+              <a:t>Same as </a:t>
+            </a:r>
+            <a:r>
+              <a:rPr lang="pl-PL" dirty="0" err="1"/>
+              <a:t>ridge</a:t>
+            </a:r>
+            <a:endParaRPr lang="pl-PL" dirty="0"/>
+          </a:p>
+          <a:p>
+            <a:r>
+              <a:rPr lang="en-US" dirty="0"/>
+              <a:t>Scores with best alpha at 10</a:t>
+            </a:r>
+          </a:p>
+        </p:txBody>
+      </p:sp>
+      <p:sp>
+        <p:nvSpPr>
+          <p:cNvPr id="4" name="Slide Number Placeholder 3"/>
+          <p:cNvSpPr>
+            <a:spLocks noGrp="1"/>
+          </p:cNvSpPr>
+          <p:nvPr>
+            <p:ph type="sldNum" sz="quarter" idx="5"/>
+          </p:nvPr>
+        </p:nvSpPr>
+        <p:spPr/>
+        <p:txBody>
+          <a:bodyPr/>
+          <a:lstStyle/>
+          <a:p>
+            <a:fld id="{E1DAF758-79EF-40A8-B313-F33FB4F06C02}" type="slidenum">
+              <a:rPr lang="tr-TR" smtClean="0"/>
+              <a:t>15</a:t>
+            </a:fld>
+            <a:endParaRPr lang="tr-TR"/>
+          </a:p>
+        </p:txBody>
+      </p:sp>
+    </p:spTree>
+    <p:extLst>
+      <p:ext uri="{BB962C8B-B14F-4D97-AF65-F5344CB8AC3E}">
         <p14:creationId xmlns:p14="http://schemas.microsoft.com/office/powerpoint/2010/main" val="785283360"/>
       </p:ext>
     </p:extLst>
@@ -1256,7 +1379,7 @@
 </p:notes>
 </file>
 
-<file path=ppt/notesSlides/notesSlide15.xml><?xml version="1.0" encoding="utf-8"?>
+<file path=ppt/notesSlides/notesSlide16.xml><?xml version="1.0" encoding="utf-8"?>
 <p:notes xmlns:a="http://schemas.openxmlformats.org/drawingml/2006/main" xmlns:r="http://schemas.openxmlformats.org/officeDocument/2006/relationships" xmlns:p="http://schemas.openxmlformats.org/presentationml/2006/main">
   <p:cSld>
     <p:spTree>
@@ -1369,7 +1492,7 @@
           <a:p>
             <a:fld id="{E1DAF758-79EF-40A8-B313-F33FB4F06C02}" type="slidenum">
               <a:rPr lang="tr-TR" smtClean="0"/>
-              <a:t>15</a:t>
+              <a:t>16</a:t>
             </a:fld>
             <a:endParaRPr lang="tr-TR"/>
           </a:p>
@@ -1388,7 +1511,7 @@
 </p:notes>
 </file>
 
-<file path=ppt/notesSlides/notesSlide16.xml><?xml version="1.0" encoding="utf-8"?>
+<file path=ppt/notesSlides/notesSlide17.xml><?xml version="1.0" encoding="utf-8"?>
 <p:notes xmlns:a="http://schemas.openxmlformats.org/drawingml/2006/main" xmlns:r="http://schemas.openxmlformats.org/officeDocument/2006/relationships" xmlns:p="http://schemas.openxmlformats.org/presentationml/2006/main">
   <p:cSld>
     <p:spTree>
@@ -1453,7 +1576,7 @@
           <a:p>
             <a:fld id="{E1DAF758-79EF-40A8-B313-F33FB4F06C02}" type="slidenum">
               <a:rPr lang="tr-TR" smtClean="0"/>
-              <a:t>18</a:t>
+              <a:t>19</a:t>
             </a:fld>
             <a:endParaRPr lang="tr-TR"/>
           </a:p>
@@ -3022,7 +3145,7 @@
           <a:noFill/>
           <a:extLst>
             <a:ext uri="{909E8E84-426E-40dd-AFC4-6F175D3DCCD1}">
-              <a14:hiddenFill xmlns="" xmlns:a14="http://schemas.microsoft.com/office/drawing/2010/main">
+              <a14:hiddenFill xmlns:a14="http://schemas.microsoft.com/office/drawing/2010/main" xmlns="">
                 <a:solidFill>
                   <a:srgbClr val="FFFFFF"/>
                 </a:solidFill>
@@ -3081,7 +3204,7 @@
             </a:ln>
             <a:extLst>
               <a:ext uri="{91240B29-F687-4f45-9708-019B960494DF}">
-                <a14:hiddenLine xmlns="" xmlns:a14="http://schemas.microsoft.com/office/drawing/2010/main" w="9525">
+                <a14:hiddenLine xmlns:a14="http://schemas.microsoft.com/office/drawing/2010/main" xmlns="" w="9525">
                   <a:solidFill>
                     <a:srgbClr val="000000"/>
                   </a:solidFill>
@@ -3171,7 +3294,7 @@
             </a:ln>
             <a:extLst>
               <a:ext uri="{91240B29-F687-4f45-9708-019B960494DF}">
-                <a14:hiddenLine xmlns="" xmlns:a14="http://schemas.microsoft.com/office/drawing/2010/main" w="9525">
+                <a14:hiddenLine xmlns:a14="http://schemas.microsoft.com/office/drawing/2010/main" xmlns="" w="9525">
                   <a:solidFill>
                     <a:srgbClr val="000000"/>
                   </a:solidFill>
@@ -3261,7 +3384,7 @@
             </a:ln>
             <a:extLst>
               <a:ext uri="{91240B29-F687-4f45-9708-019B960494DF}">
-                <a14:hiddenLine xmlns="" xmlns:a14="http://schemas.microsoft.com/office/drawing/2010/main" w="9525">
+                <a14:hiddenLine xmlns:a14="http://schemas.microsoft.com/office/drawing/2010/main" xmlns="" w="9525">
                   <a:solidFill>
                     <a:srgbClr val="000000"/>
                   </a:solidFill>
@@ -3295,7 +3418,7 @@
             </a:ln>
             <a:extLst>
               <a:ext uri="{91240B29-F687-4f45-9708-019B960494DF}">
-                <a14:hiddenLine xmlns="" xmlns:a14="http://schemas.microsoft.com/office/drawing/2010/main" w="9525">
+                <a14:hiddenLine xmlns:a14="http://schemas.microsoft.com/office/drawing/2010/main" xmlns="" w="9525">
                   <a:solidFill>
                     <a:srgbClr val="000000"/>
                   </a:solidFill>
@@ -3385,7 +3508,7 @@
             </a:ln>
             <a:extLst>
               <a:ext uri="{91240B29-F687-4f45-9708-019B960494DF}">
-                <a14:hiddenLine xmlns="" xmlns:a14="http://schemas.microsoft.com/office/drawing/2010/main" w="9525">
+                <a14:hiddenLine xmlns:a14="http://schemas.microsoft.com/office/drawing/2010/main" xmlns="" w="9525">
                   <a:solidFill>
                     <a:srgbClr val="000000"/>
                   </a:solidFill>
@@ -3447,7 +3570,7 @@
             </a:ln>
             <a:extLst>
               <a:ext uri="{91240B29-F687-4f45-9708-019B960494DF}">
-                <a14:hiddenLine xmlns="" xmlns:a14="http://schemas.microsoft.com/office/drawing/2010/main" w="9525">
+                <a14:hiddenLine xmlns:a14="http://schemas.microsoft.com/office/drawing/2010/main" xmlns="" w="9525">
                   <a:solidFill>
                     <a:srgbClr val="000000"/>
                   </a:solidFill>
@@ -3509,7 +3632,7 @@
             </a:ln>
             <a:extLst>
               <a:ext uri="{91240B29-F687-4f45-9708-019B960494DF}">
-                <a14:hiddenLine xmlns="" xmlns:a14="http://schemas.microsoft.com/office/drawing/2010/main" w="9525">
+                <a14:hiddenLine xmlns:a14="http://schemas.microsoft.com/office/drawing/2010/main" xmlns="" w="9525">
                   <a:solidFill>
                     <a:srgbClr val="000000"/>
                   </a:solidFill>
@@ -3599,7 +3722,7 @@
             </a:ln>
             <a:extLst>
               <a:ext uri="{91240B29-F687-4f45-9708-019B960494DF}">
-                <a14:hiddenLine xmlns="" xmlns:a14="http://schemas.microsoft.com/office/drawing/2010/main" w="9525">
+                <a14:hiddenLine xmlns:a14="http://schemas.microsoft.com/office/drawing/2010/main" xmlns="" w="9525">
                   <a:solidFill>
                     <a:srgbClr val="000000"/>
                   </a:solidFill>
@@ -3661,7 +3784,7 @@
             </a:ln>
             <a:extLst>
               <a:ext uri="{91240B29-F687-4f45-9708-019B960494DF}">
-                <a14:hiddenLine xmlns="" xmlns:a14="http://schemas.microsoft.com/office/drawing/2010/main" w="9525">
+                <a14:hiddenLine xmlns:a14="http://schemas.microsoft.com/office/drawing/2010/main" xmlns="" w="9525">
                   <a:solidFill>
                     <a:srgbClr val="000000"/>
                   </a:solidFill>
@@ -3723,7 +3846,7 @@
             </a:ln>
             <a:extLst>
               <a:ext uri="{91240B29-F687-4f45-9708-019B960494DF}">
-                <a14:hiddenLine xmlns="" xmlns:a14="http://schemas.microsoft.com/office/drawing/2010/main" w="9525">
+                <a14:hiddenLine xmlns:a14="http://schemas.microsoft.com/office/drawing/2010/main" xmlns="" w="9525">
                   <a:solidFill>
                     <a:srgbClr val="000000"/>
                   </a:solidFill>
@@ -3813,7 +3936,7 @@
             </a:ln>
             <a:extLst>
               <a:ext uri="{91240B29-F687-4f45-9708-019B960494DF}">
-                <a14:hiddenLine xmlns="" xmlns:a14="http://schemas.microsoft.com/office/drawing/2010/main" w="9525">
+                <a14:hiddenLine xmlns:a14="http://schemas.microsoft.com/office/drawing/2010/main" xmlns="" w="9525">
                   <a:solidFill>
                     <a:srgbClr val="000000"/>
                   </a:solidFill>
@@ -3903,7 +4026,7 @@
             </a:ln>
             <a:extLst>
               <a:ext uri="{91240B29-F687-4f45-9708-019B960494DF}">
-                <a14:hiddenLine xmlns="" xmlns:a14="http://schemas.microsoft.com/office/drawing/2010/main" w="9525">
+                <a14:hiddenLine xmlns:a14="http://schemas.microsoft.com/office/drawing/2010/main" xmlns="" w="9525">
                   <a:solidFill>
                     <a:srgbClr val="000000"/>
                   </a:solidFill>
@@ -3965,7 +4088,7 @@
             </a:ln>
             <a:extLst>
               <a:ext uri="{91240B29-F687-4f45-9708-019B960494DF}">
-                <a14:hiddenLine xmlns="" xmlns:a14="http://schemas.microsoft.com/office/drawing/2010/main" w="9525">
+                <a14:hiddenLine xmlns:a14="http://schemas.microsoft.com/office/drawing/2010/main" xmlns="" w="9525">
                   <a:solidFill>
                     <a:srgbClr val="000000"/>
                   </a:solidFill>
@@ -4075,7 +4198,7 @@
             </a:ln>
             <a:extLst>
               <a:ext uri="{91240B29-F687-4f45-9708-019B960494DF}">
-                <a14:hiddenLine xmlns="" xmlns:a14="http://schemas.microsoft.com/office/drawing/2010/main" w="9525">
+                <a14:hiddenLine xmlns:a14="http://schemas.microsoft.com/office/drawing/2010/main" xmlns="" w="9525">
                   <a:solidFill>
                     <a:srgbClr val="000000"/>
                   </a:solidFill>
@@ -4137,7 +4260,7 @@
             </a:ln>
             <a:extLst>
               <a:ext uri="{91240B29-F687-4f45-9708-019B960494DF}">
-                <a14:hiddenLine xmlns="" xmlns:a14="http://schemas.microsoft.com/office/drawing/2010/main" w="9525">
+                <a14:hiddenLine xmlns:a14="http://schemas.microsoft.com/office/drawing/2010/main" xmlns="" w="9525">
                   <a:solidFill>
                     <a:srgbClr val="000000"/>
                   </a:solidFill>
@@ -4227,7 +4350,7 @@
             </a:ln>
             <a:extLst>
               <a:ext uri="{91240B29-F687-4f45-9708-019B960494DF}">
-                <a14:hiddenLine xmlns="" xmlns:a14="http://schemas.microsoft.com/office/drawing/2010/main" w="9525">
+                <a14:hiddenLine xmlns:a14="http://schemas.microsoft.com/office/drawing/2010/main" xmlns="" w="9525">
                   <a:solidFill>
                     <a:srgbClr val="000000"/>
                   </a:solidFill>
@@ -4317,7 +4440,7 @@
             </a:ln>
             <a:extLst>
               <a:ext uri="{91240B29-F687-4f45-9708-019B960494DF}">
-                <a14:hiddenLine xmlns="" xmlns:a14="http://schemas.microsoft.com/office/drawing/2010/main" w="9525">
+                <a14:hiddenLine xmlns:a14="http://schemas.microsoft.com/office/drawing/2010/main" xmlns="" w="9525">
                   <a:solidFill>
                     <a:srgbClr val="000000"/>
                   </a:solidFill>
@@ -4379,7 +4502,7 @@
             </a:ln>
             <a:extLst>
               <a:ext uri="{91240B29-F687-4f45-9708-019B960494DF}">
-                <a14:hiddenLine xmlns="" xmlns:a14="http://schemas.microsoft.com/office/drawing/2010/main" w="9525">
+                <a14:hiddenLine xmlns:a14="http://schemas.microsoft.com/office/drawing/2010/main" xmlns="" w="9525">
                   <a:solidFill>
                     <a:srgbClr val="000000"/>
                   </a:solidFill>
@@ -4469,7 +4592,7 @@
             </a:ln>
             <a:extLst>
               <a:ext uri="{91240B29-F687-4f45-9708-019B960494DF}">
-                <a14:hiddenLine xmlns="" xmlns:a14="http://schemas.microsoft.com/office/drawing/2010/main" w="9525">
+                <a14:hiddenLine xmlns:a14="http://schemas.microsoft.com/office/drawing/2010/main" xmlns="" w="9525">
                   <a:solidFill>
                     <a:srgbClr val="000000"/>
                   </a:solidFill>
@@ -4559,7 +4682,7 @@
             </a:ln>
             <a:extLst>
               <a:ext uri="{91240B29-F687-4f45-9708-019B960494DF}">
-                <a14:hiddenLine xmlns="" xmlns:a14="http://schemas.microsoft.com/office/drawing/2010/main" w="9525">
+                <a14:hiddenLine xmlns:a14="http://schemas.microsoft.com/office/drawing/2010/main" xmlns="" w="9525">
                   <a:solidFill>
                     <a:srgbClr val="000000"/>
                   </a:solidFill>
@@ -4615,7 +4738,7 @@
             </a:ln>
             <a:extLst>
               <a:ext uri="{91240B29-F687-4f45-9708-019B960494DF}">
-                <a14:hiddenLine xmlns="" xmlns:a14="http://schemas.microsoft.com/office/drawing/2010/main" w="9525">
+                <a14:hiddenLine xmlns:a14="http://schemas.microsoft.com/office/drawing/2010/main" xmlns="" w="9525">
                   <a:solidFill>
                     <a:srgbClr val="000000"/>
                   </a:solidFill>
@@ -4705,7 +4828,7 @@
             </a:ln>
             <a:extLst>
               <a:ext uri="{91240B29-F687-4f45-9708-019B960494DF}">
-                <a14:hiddenLine xmlns="" xmlns:a14="http://schemas.microsoft.com/office/drawing/2010/main" w="9525">
+                <a14:hiddenLine xmlns:a14="http://schemas.microsoft.com/office/drawing/2010/main" xmlns="" w="9525">
                   <a:solidFill>
                     <a:srgbClr val="000000"/>
                   </a:solidFill>
@@ -4761,7 +4884,7 @@
             </a:ln>
             <a:extLst>
               <a:ext uri="{91240B29-F687-4f45-9708-019B960494DF}">
-                <a14:hiddenLine xmlns="" xmlns:a14="http://schemas.microsoft.com/office/drawing/2010/main" w="9525">
+                <a14:hiddenLine xmlns:a14="http://schemas.microsoft.com/office/drawing/2010/main" xmlns="" w="9525">
                   <a:solidFill>
                     <a:srgbClr val="000000"/>
                   </a:solidFill>
@@ -4851,7 +4974,7 @@
             </a:ln>
             <a:extLst>
               <a:ext uri="{91240B29-F687-4f45-9708-019B960494DF}">
-                <a14:hiddenLine xmlns="" xmlns:a14="http://schemas.microsoft.com/office/drawing/2010/main" w="9525">
+                <a14:hiddenLine xmlns:a14="http://schemas.microsoft.com/office/drawing/2010/main" xmlns="" w="9525">
                   <a:solidFill>
                     <a:srgbClr val="000000"/>
                   </a:solidFill>
@@ -4919,7 +5042,7 @@
             </a:ln>
             <a:extLst>
               <a:ext uri="{91240B29-F687-4f45-9708-019B960494DF}">
-                <a14:hiddenLine xmlns="" xmlns:a14="http://schemas.microsoft.com/office/drawing/2010/main" w="9525">
+                <a14:hiddenLine xmlns:a14="http://schemas.microsoft.com/office/drawing/2010/main" xmlns="" w="9525">
                   <a:solidFill>
                     <a:srgbClr val="000000"/>
                   </a:solidFill>
@@ -5009,7 +5132,7 @@
             </a:ln>
             <a:extLst>
               <a:ext uri="{91240B29-F687-4f45-9708-019B960494DF}">
-                <a14:hiddenLine xmlns="" xmlns:a14="http://schemas.microsoft.com/office/drawing/2010/main" w="9525">
+                <a14:hiddenLine xmlns:a14="http://schemas.microsoft.com/office/drawing/2010/main" xmlns="" w="9525">
                   <a:solidFill>
                     <a:srgbClr val="000000"/>
                   </a:solidFill>
@@ -5077,7 +5200,7 @@
             </a:ln>
             <a:extLst>
               <a:ext uri="{91240B29-F687-4f45-9708-019B960494DF}">
-                <a14:hiddenLine xmlns="" xmlns:a14="http://schemas.microsoft.com/office/drawing/2010/main" w="9525">
+                <a14:hiddenLine xmlns:a14="http://schemas.microsoft.com/office/drawing/2010/main" xmlns="" w="9525">
                   <a:solidFill>
                     <a:srgbClr val="000000"/>
                   </a:solidFill>
@@ -5167,7 +5290,7 @@
             </a:ln>
             <a:extLst>
               <a:ext uri="{91240B29-F687-4f45-9708-019B960494DF}">
-                <a14:hiddenLine xmlns="" xmlns:a14="http://schemas.microsoft.com/office/drawing/2010/main" w="9525">
+                <a14:hiddenLine xmlns:a14="http://schemas.microsoft.com/office/drawing/2010/main" xmlns="" w="9525">
                   <a:solidFill>
                     <a:srgbClr val="000000"/>
                   </a:solidFill>
@@ -5201,7 +5324,7 @@
             </a:ln>
             <a:extLst>
               <a:ext uri="{91240B29-F687-4f45-9708-019B960494DF}">
-                <a14:hiddenLine xmlns="" xmlns:a14="http://schemas.microsoft.com/office/drawing/2010/main" w="9525">
+                <a14:hiddenLine xmlns:a14="http://schemas.microsoft.com/office/drawing/2010/main" xmlns="" w="9525">
                   <a:solidFill>
                     <a:srgbClr val="000000"/>
                   </a:solidFill>
@@ -5291,7 +5414,7 @@
             </a:ln>
             <a:extLst>
               <a:ext uri="{91240B29-F687-4f45-9708-019B960494DF}">
-                <a14:hiddenLine xmlns="" xmlns:a14="http://schemas.microsoft.com/office/drawing/2010/main" w="9525">
+                <a14:hiddenLine xmlns:a14="http://schemas.microsoft.com/office/drawing/2010/main" xmlns="" w="9525">
                   <a:solidFill>
                     <a:srgbClr val="000000"/>
                   </a:solidFill>
@@ -5353,7 +5476,7 @@
             </a:ln>
             <a:extLst>
               <a:ext uri="{91240B29-F687-4f45-9708-019B960494DF}">
-                <a14:hiddenLine xmlns="" xmlns:a14="http://schemas.microsoft.com/office/drawing/2010/main" w="9525">
+                <a14:hiddenLine xmlns:a14="http://schemas.microsoft.com/office/drawing/2010/main" xmlns="" w="9525">
                   <a:solidFill>
                     <a:srgbClr val="000000"/>
                   </a:solidFill>
@@ -5415,7 +5538,7 @@
             </a:ln>
             <a:extLst>
               <a:ext uri="{91240B29-F687-4f45-9708-019B960494DF}">
-                <a14:hiddenLine xmlns="" xmlns:a14="http://schemas.microsoft.com/office/drawing/2010/main" w="9525">
+                <a14:hiddenLine xmlns:a14="http://schemas.microsoft.com/office/drawing/2010/main" xmlns="" w="9525">
                   <a:solidFill>
                     <a:srgbClr val="000000"/>
                   </a:solidFill>
@@ -5505,7 +5628,7 @@
             </a:ln>
             <a:extLst>
               <a:ext uri="{91240B29-F687-4f45-9708-019B960494DF}">
-                <a14:hiddenLine xmlns="" xmlns:a14="http://schemas.microsoft.com/office/drawing/2010/main" w="9525">
+                <a14:hiddenLine xmlns:a14="http://schemas.microsoft.com/office/drawing/2010/main" xmlns="" w="9525">
                   <a:solidFill>
                     <a:srgbClr val="000000"/>
                   </a:solidFill>
@@ -5573,7 +5696,7 @@
             </a:ln>
             <a:extLst>
               <a:ext uri="{91240B29-F687-4f45-9708-019B960494DF}">
-                <a14:hiddenLine xmlns="" xmlns:a14="http://schemas.microsoft.com/office/drawing/2010/main" w="9525">
+                <a14:hiddenLine xmlns:a14="http://schemas.microsoft.com/office/drawing/2010/main" xmlns="" w="9525">
                   <a:solidFill>
                     <a:srgbClr val="000000"/>
                   </a:solidFill>
@@ -5635,7 +5758,7 @@
             </a:ln>
             <a:extLst>
               <a:ext uri="{91240B29-F687-4f45-9708-019B960494DF}">
-                <a14:hiddenLine xmlns="" xmlns:a14="http://schemas.microsoft.com/office/drawing/2010/main" w="9525">
+                <a14:hiddenLine xmlns:a14="http://schemas.microsoft.com/office/drawing/2010/main" xmlns="" w="9525">
                   <a:solidFill>
                     <a:srgbClr val="000000"/>
                   </a:solidFill>
@@ -5725,7 +5848,7 @@
             </a:ln>
             <a:extLst>
               <a:ext uri="{91240B29-F687-4f45-9708-019B960494DF}">
-                <a14:hiddenLine xmlns="" xmlns:a14="http://schemas.microsoft.com/office/drawing/2010/main" w="9525">
+                <a14:hiddenLine xmlns:a14="http://schemas.microsoft.com/office/drawing/2010/main" xmlns="" w="9525">
                   <a:solidFill>
                     <a:srgbClr val="000000"/>
                   </a:solidFill>
@@ -5787,7 +5910,7 @@
             </a:ln>
             <a:extLst>
               <a:ext uri="{91240B29-F687-4f45-9708-019B960494DF}">
-                <a14:hiddenLine xmlns="" xmlns:a14="http://schemas.microsoft.com/office/drawing/2010/main" w="9525">
+                <a14:hiddenLine xmlns:a14="http://schemas.microsoft.com/office/drawing/2010/main" xmlns="" w="9525">
                   <a:solidFill>
                     <a:srgbClr val="000000"/>
                   </a:solidFill>
@@ -5877,7 +6000,7 @@
             </a:ln>
             <a:extLst>
               <a:ext uri="{91240B29-F687-4f45-9708-019B960494DF}">
-                <a14:hiddenLine xmlns="" xmlns:a14="http://schemas.microsoft.com/office/drawing/2010/main" w="9525">
+                <a14:hiddenLine xmlns:a14="http://schemas.microsoft.com/office/drawing/2010/main" xmlns="" w="9525">
                   <a:solidFill>
                     <a:srgbClr val="000000"/>
                   </a:solidFill>
@@ -5939,7 +6062,7 @@
             </a:ln>
             <a:extLst>
               <a:ext uri="{91240B29-F687-4f45-9708-019B960494DF}">
-                <a14:hiddenLine xmlns="" xmlns:a14="http://schemas.microsoft.com/office/drawing/2010/main" w="9525">
+                <a14:hiddenLine xmlns:a14="http://schemas.microsoft.com/office/drawing/2010/main" xmlns="" w="9525">
                   <a:solidFill>
                     <a:srgbClr val="000000"/>
                   </a:solidFill>
@@ -6029,7 +6152,7 @@
             </a:ln>
             <a:extLst>
               <a:ext uri="{91240B29-F687-4f45-9708-019B960494DF}">
-                <a14:hiddenLine xmlns="" xmlns:a14="http://schemas.microsoft.com/office/drawing/2010/main" w="9525">
+                <a14:hiddenLine xmlns:a14="http://schemas.microsoft.com/office/drawing/2010/main" xmlns="" w="9525">
                   <a:solidFill>
                     <a:srgbClr val="000000"/>
                   </a:solidFill>
@@ -6063,7 +6186,7 @@
             </a:ln>
             <a:extLst>
               <a:ext uri="{91240B29-F687-4f45-9708-019B960494DF}">
-                <a14:hiddenLine xmlns="" xmlns:a14="http://schemas.microsoft.com/office/drawing/2010/main" w="9525">
+                <a14:hiddenLine xmlns:a14="http://schemas.microsoft.com/office/drawing/2010/main" xmlns="" w="9525">
                   <a:solidFill>
                     <a:srgbClr val="000000"/>
                   </a:solidFill>
@@ -6128,7 +6251,7 @@
             </a:ln>
             <a:extLst>
               <a:ext uri="{91240B29-F687-4f45-9708-019B960494DF}">
-                <a14:hiddenLine xmlns="" xmlns:a14="http://schemas.microsoft.com/office/drawing/2010/main" w="9525">
+                <a14:hiddenLine xmlns:a14="http://schemas.microsoft.com/office/drawing/2010/main" xmlns="" w="9525">
                   <a:solidFill>
                     <a:srgbClr val="000000"/>
                   </a:solidFill>
@@ -6218,7 +6341,7 @@
             </a:ln>
             <a:extLst>
               <a:ext uri="{91240B29-F687-4f45-9708-019B960494DF}">
-                <a14:hiddenLine xmlns="" xmlns:a14="http://schemas.microsoft.com/office/drawing/2010/main" w="9525">
+                <a14:hiddenLine xmlns:a14="http://schemas.microsoft.com/office/drawing/2010/main" xmlns="" w="9525">
                   <a:solidFill>
                     <a:srgbClr val="000000"/>
                   </a:solidFill>
@@ -6280,7 +6403,7 @@
             </a:ln>
             <a:extLst>
               <a:ext uri="{91240B29-F687-4f45-9708-019B960494DF}">
-                <a14:hiddenLine xmlns="" xmlns:a14="http://schemas.microsoft.com/office/drawing/2010/main" w="9525">
+                <a14:hiddenLine xmlns:a14="http://schemas.microsoft.com/office/drawing/2010/main" xmlns="" w="9525">
                   <a:solidFill>
                     <a:srgbClr val="000000"/>
                   </a:solidFill>
@@ -6370,7 +6493,7 @@
             </a:ln>
             <a:extLst>
               <a:ext uri="{91240B29-F687-4f45-9708-019B960494DF}">
-                <a14:hiddenLine xmlns="" xmlns:a14="http://schemas.microsoft.com/office/drawing/2010/main" w="9525">
+                <a14:hiddenLine xmlns:a14="http://schemas.microsoft.com/office/drawing/2010/main" xmlns="" w="9525">
                   <a:solidFill>
                     <a:srgbClr val="000000"/>
                   </a:solidFill>
@@ -6460,7 +6583,7 @@
             </a:ln>
             <a:extLst>
               <a:ext uri="{91240B29-F687-4f45-9708-019B960494DF}">
-                <a14:hiddenLine xmlns="" xmlns:a14="http://schemas.microsoft.com/office/drawing/2010/main" w="9525">
+                <a14:hiddenLine xmlns:a14="http://schemas.microsoft.com/office/drawing/2010/main" xmlns="" w="9525">
                   <a:solidFill>
                     <a:srgbClr val="000000"/>
                   </a:solidFill>
@@ -6525,7 +6648,7 @@
             </a:ln>
             <a:extLst>
               <a:ext uri="{91240B29-F687-4f45-9708-019B960494DF}">
-                <a14:hiddenLine xmlns="" xmlns:a14="http://schemas.microsoft.com/office/drawing/2010/main" w="9525">
+                <a14:hiddenLine xmlns:a14="http://schemas.microsoft.com/office/drawing/2010/main" xmlns="" w="9525">
                   <a:solidFill>
                     <a:srgbClr val="000000"/>
                   </a:solidFill>
@@ -6587,7 +6710,7 @@
             </a:ln>
             <a:extLst>
               <a:ext uri="{91240B29-F687-4f45-9708-019B960494DF}">
-                <a14:hiddenLine xmlns="" xmlns:a14="http://schemas.microsoft.com/office/drawing/2010/main" w="9525">
+                <a14:hiddenLine xmlns:a14="http://schemas.microsoft.com/office/drawing/2010/main" xmlns="" w="9525">
                   <a:solidFill>
                     <a:srgbClr val="000000"/>
                   </a:solidFill>
@@ -6677,7 +6800,7 @@
             </a:ln>
             <a:extLst>
               <a:ext uri="{91240B29-F687-4f45-9708-019B960494DF}">
-                <a14:hiddenLine xmlns="" xmlns:a14="http://schemas.microsoft.com/office/drawing/2010/main" w="9525">
+                <a14:hiddenLine xmlns:a14="http://schemas.microsoft.com/office/drawing/2010/main" xmlns="" w="9525">
                   <a:solidFill>
                     <a:srgbClr val="000000"/>
                   </a:solidFill>
@@ -6767,7 +6890,7 @@
             </a:ln>
             <a:extLst>
               <a:ext uri="{91240B29-F687-4f45-9708-019B960494DF}">
-                <a14:hiddenLine xmlns="" xmlns:a14="http://schemas.microsoft.com/office/drawing/2010/main" w="9525">
+                <a14:hiddenLine xmlns:a14="http://schemas.microsoft.com/office/drawing/2010/main" xmlns="" w="9525">
                   <a:solidFill>
                     <a:srgbClr val="000000"/>
                   </a:solidFill>
@@ -6829,7 +6952,7 @@
             </a:ln>
             <a:extLst>
               <a:ext uri="{91240B29-F687-4f45-9708-019B960494DF}">
-                <a14:hiddenLine xmlns="" xmlns:a14="http://schemas.microsoft.com/office/drawing/2010/main" w="9525">
+                <a14:hiddenLine xmlns:a14="http://schemas.microsoft.com/office/drawing/2010/main" xmlns="" w="9525">
                   <a:solidFill>
                     <a:srgbClr val="000000"/>
                   </a:solidFill>
@@ -6949,7 +7072,7 @@
             </a:ln>
             <a:extLst>
               <a:ext uri="{91240B29-F687-4f45-9708-019B960494DF}">
-                <a14:hiddenLine xmlns="" xmlns:a14="http://schemas.microsoft.com/office/drawing/2010/main" w="9525">
+                <a14:hiddenLine xmlns:a14="http://schemas.microsoft.com/office/drawing/2010/main" xmlns="" w="9525">
                   <a:solidFill>
                     <a:srgbClr val="000000"/>
                   </a:solidFill>
@@ -7017,7 +7140,7 @@
             </a:ln>
             <a:extLst>
               <a:ext uri="{91240B29-F687-4f45-9708-019B960494DF}">
-                <a14:hiddenLine xmlns="" xmlns:a14="http://schemas.microsoft.com/office/drawing/2010/main" w="9525">
+                <a14:hiddenLine xmlns:a14="http://schemas.microsoft.com/office/drawing/2010/main" xmlns="" w="9525">
                   <a:solidFill>
                     <a:srgbClr val="000000"/>
                   </a:solidFill>
@@ -7107,7 +7230,7 @@
             </a:ln>
             <a:extLst>
               <a:ext uri="{91240B29-F687-4f45-9708-019B960494DF}">
-                <a14:hiddenLine xmlns="" xmlns:a14="http://schemas.microsoft.com/office/drawing/2010/main" w="9525">
+                <a14:hiddenLine xmlns:a14="http://schemas.microsoft.com/office/drawing/2010/main" xmlns="" w="9525">
                   <a:solidFill>
                     <a:srgbClr val="000000"/>
                   </a:solidFill>
@@ -11836,7 +11959,7 @@
           <a:noFill/>
           <a:extLst>
             <a:ext uri="{909E8E84-426E-40dd-AFC4-6F175D3DCCD1}">
-              <a14:hiddenFill xmlns="" xmlns:a14="http://schemas.microsoft.com/office/drawing/2010/main">
+              <a14:hiddenFill xmlns:a14="http://schemas.microsoft.com/office/drawing/2010/main" xmlns="">
                 <a:solidFill>
                   <a:srgbClr val="FFFFFF"/>
                 </a:solidFill>
@@ -11910,7 +12033,7 @@
               </a:ln>
               <a:extLst>
                 <a:ext uri="{91240B29-F687-4f45-9708-019B960494DF}">
-                  <a14:hiddenLine xmlns="" xmlns:a14="http://schemas.microsoft.com/office/drawing/2010/main" w="9525">
+                  <a14:hiddenLine xmlns:a14="http://schemas.microsoft.com/office/drawing/2010/main" xmlns="" w="9525">
                     <a:solidFill>
                       <a:srgbClr val="000000"/>
                     </a:solidFill>
@@ -12000,7 +12123,7 @@
               </a:ln>
               <a:extLst>
                 <a:ext uri="{91240B29-F687-4f45-9708-019B960494DF}">
-                  <a14:hiddenLine xmlns="" xmlns:a14="http://schemas.microsoft.com/office/drawing/2010/main" w="9525">
+                  <a14:hiddenLine xmlns:a14="http://schemas.microsoft.com/office/drawing/2010/main" xmlns="" w="9525">
                     <a:solidFill>
                       <a:srgbClr val="000000"/>
                     </a:solidFill>
@@ -12090,7 +12213,7 @@
               </a:ln>
               <a:extLst>
                 <a:ext uri="{91240B29-F687-4f45-9708-019B960494DF}">
-                  <a14:hiddenLine xmlns="" xmlns:a14="http://schemas.microsoft.com/office/drawing/2010/main" w="9525">
+                  <a14:hiddenLine xmlns:a14="http://schemas.microsoft.com/office/drawing/2010/main" xmlns="" w="9525">
                     <a:solidFill>
                       <a:srgbClr val="000000"/>
                     </a:solidFill>
@@ -12152,7 +12275,7 @@
               </a:ln>
               <a:extLst>
                 <a:ext uri="{91240B29-F687-4f45-9708-019B960494DF}">
-                  <a14:hiddenLine xmlns="" xmlns:a14="http://schemas.microsoft.com/office/drawing/2010/main" w="9525">
+                  <a14:hiddenLine xmlns:a14="http://schemas.microsoft.com/office/drawing/2010/main" xmlns="" w="9525">
                     <a:solidFill>
                       <a:srgbClr val="000000"/>
                     </a:solidFill>
@@ -12242,7 +12365,7 @@
               </a:ln>
               <a:extLst>
                 <a:ext uri="{91240B29-F687-4f45-9708-019B960494DF}">
-                  <a14:hiddenLine xmlns="" xmlns:a14="http://schemas.microsoft.com/office/drawing/2010/main" w="9525">
+                  <a14:hiddenLine xmlns:a14="http://schemas.microsoft.com/office/drawing/2010/main" xmlns="" w="9525">
                     <a:solidFill>
                       <a:srgbClr val="000000"/>
                     </a:solidFill>
@@ -12304,7 +12427,7 @@
               </a:ln>
               <a:extLst>
                 <a:ext uri="{91240B29-F687-4f45-9708-019B960494DF}">
-                  <a14:hiddenLine xmlns="" xmlns:a14="http://schemas.microsoft.com/office/drawing/2010/main" w="9525">
+                  <a14:hiddenLine xmlns:a14="http://schemas.microsoft.com/office/drawing/2010/main" xmlns="" w="9525">
                     <a:solidFill>
                       <a:srgbClr val="000000"/>
                     </a:solidFill>
@@ -12366,7 +12489,7 @@
               </a:ln>
               <a:extLst>
                 <a:ext uri="{91240B29-F687-4f45-9708-019B960494DF}">
-                  <a14:hiddenLine xmlns="" xmlns:a14="http://schemas.microsoft.com/office/drawing/2010/main" w="9525">
+                  <a14:hiddenLine xmlns:a14="http://schemas.microsoft.com/office/drawing/2010/main" xmlns="" w="9525">
                     <a:solidFill>
                       <a:srgbClr val="000000"/>
                     </a:solidFill>
@@ -12456,7 +12579,7 @@
               </a:ln>
               <a:extLst>
                 <a:ext uri="{91240B29-F687-4f45-9708-019B960494DF}">
-                  <a14:hiddenLine xmlns="" xmlns:a14="http://schemas.microsoft.com/office/drawing/2010/main" w="9525">
+                  <a14:hiddenLine xmlns:a14="http://schemas.microsoft.com/office/drawing/2010/main" xmlns="" w="9525">
                     <a:solidFill>
                       <a:srgbClr val="000000"/>
                     </a:solidFill>
@@ -12546,7 +12669,7 @@
               </a:ln>
               <a:extLst>
                 <a:ext uri="{91240B29-F687-4f45-9708-019B960494DF}">
-                  <a14:hiddenLine xmlns="" xmlns:a14="http://schemas.microsoft.com/office/drawing/2010/main" w="9525">
+                  <a14:hiddenLine xmlns:a14="http://schemas.microsoft.com/office/drawing/2010/main" xmlns="" w="9525">
                     <a:solidFill>
                       <a:srgbClr val="000000"/>
                     </a:solidFill>
@@ -12608,7 +12731,7 @@
               </a:ln>
               <a:extLst>
                 <a:ext uri="{91240B29-F687-4f45-9708-019B960494DF}">
-                  <a14:hiddenLine xmlns="" xmlns:a14="http://schemas.microsoft.com/office/drawing/2010/main" w="9525">
+                  <a14:hiddenLine xmlns:a14="http://schemas.microsoft.com/office/drawing/2010/main" xmlns="" w="9525">
                     <a:solidFill>
                       <a:srgbClr val="000000"/>
                     </a:solidFill>
@@ -12718,7 +12841,7 @@
               </a:ln>
               <a:extLst>
                 <a:ext uri="{91240B29-F687-4f45-9708-019B960494DF}">
-                  <a14:hiddenLine xmlns="" xmlns:a14="http://schemas.microsoft.com/office/drawing/2010/main" w="9525">
+                  <a14:hiddenLine xmlns:a14="http://schemas.microsoft.com/office/drawing/2010/main" xmlns="" w="9525">
                     <a:solidFill>
                       <a:srgbClr val="000000"/>
                     </a:solidFill>
@@ -12802,7 +12925,7 @@
               </a:ln>
               <a:extLst>
                 <a:ext uri="{91240B29-F687-4f45-9708-019B960494DF}">
-                  <a14:hiddenLine xmlns="" xmlns:a14="http://schemas.microsoft.com/office/drawing/2010/main" w="9525">
+                  <a14:hiddenLine xmlns:a14="http://schemas.microsoft.com/office/drawing/2010/main" xmlns="" w="9525">
                     <a:solidFill>
                       <a:srgbClr val="000000"/>
                     </a:solidFill>
@@ -12864,7 +12987,7 @@
               </a:ln>
               <a:extLst>
                 <a:ext uri="{91240B29-F687-4f45-9708-019B960494DF}">
-                  <a14:hiddenLine xmlns="" xmlns:a14="http://schemas.microsoft.com/office/drawing/2010/main" w="9525">
+                  <a14:hiddenLine xmlns:a14="http://schemas.microsoft.com/office/drawing/2010/main" xmlns="" w="9525">
                     <a:solidFill>
                       <a:srgbClr val="000000"/>
                     </a:solidFill>
@@ -12926,7 +13049,7 @@
               </a:ln>
               <a:extLst>
                 <a:ext uri="{91240B29-F687-4f45-9708-019B960494DF}">
-                  <a14:hiddenLine xmlns="" xmlns:a14="http://schemas.microsoft.com/office/drawing/2010/main" w="9525">
+                  <a14:hiddenLine xmlns:a14="http://schemas.microsoft.com/office/drawing/2010/main" xmlns="" w="9525">
                     <a:solidFill>
                       <a:srgbClr val="000000"/>
                     </a:solidFill>
@@ -13016,7 +13139,7 @@
               </a:ln>
               <a:extLst>
                 <a:ext uri="{91240B29-F687-4f45-9708-019B960494DF}">
-                  <a14:hiddenLine xmlns="" xmlns:a14="http://schemas.microsoft.com/office/drawing/2010/main" w="9525">
+                  <a14:hiddenLine xmlns:a14="http://schemas.microsoft.com/office/drawing/2010/main" xmlns="" w="9525">
                     <a:solidFill>
                       <a:srgbClr val="000000"/>
                     </a:solidFill>
@@ -13050,7 +13173,7 @@
               </a:ln>
               <a:extLst>
                 <a:ext uri="{91240B29-F687-4f45-9708-019B960494DF}">
-                  <a14:hiddenLine xmlns="" xmlns:a14="http://schemas.microsoft.com/office/drawing/2010/main" w="9525">
+                  <a14:hiddenLine xmlns:a14="http://schemas.microsoft.com/office/drawing/2010/main" xmlns="" w="9525">
                     <a:solidFill>
                       <a:srgbClr val="000000"/>
                     </a:solidFill>
@@ -13115,7 +13238,7 @@
               </a:ln>
               <a:extLst>
                 <a:ext uri="{91240B29-F687-4f45-9708-019B960494DF}">
-                  <a14:hiddenLine xmlns="" xmlns:a14="http://schemas.microsoft.com/office/drawing/2010/main" w="9525">
+                  <a14:hiddenLine xmlns:a14="http://schemas.microsoft.com/office/drawing/2010/main" xmlns="" w="9525">
                     <a:solidFill>
                       <a:srgbClr val="000000"/>
                     </a:solidFill>
@@ -13205,7 +13328,7 @@
               </a:ln>
               <a:extLst>
                 <a:ext uri="{91240B29-F687-4f45-9708-019B960494DF}">
-                  <a14:hiddenLine xmlns="" xmlns:a14="http://schemas.microsoft.com/office/drawing/2010/main" w="9525">
+                  <a14:hiddenLine xmlns:a14="http://schemas.microsoft.com/office/drawing/2010/main" xmlns="" w="9525">
                     <a:solidFill>
                       <a:srgbClr val="000000"/>
                     </a:solidFill>
@@ -13267,7 +13390,7 @@
               </a:ln>
               <a:extLst>
                 <a:ext uri="{91240B29-F687-4f45-9708-019B960494DF}">
-                  <a14:hiddenLine xmlns="" xmlns:a14="http://schemas.microsoft.com/office/drawing/2010/main" w="9525">
+                  <a14:hiddenLine xmlns:a14="http://schemas.microsoft.com/office/drawing/2010/main" xmlns="" w="9525">
                     <a:solidFill>
                       <a:srgbClr val="000000"/>
                     </a:solidFill>
@@ -13357,7 +13480,7 @@
               </a:ln>
               <a:extLst>
                 <a:ext uri="{91240B29-F687-4f45-9708-019B960494DF}">
-                  <a14:hiddenLine xmlns="" xmlns:a14="http://schemas.microsoft.com/office/drawing/2010/main" w="9525">
+                  <a14:hiddenLine xmlns:a14="http://schemas.microsoft.com/office/drawing/2010/main" xmlns="" w="9525">
                     <a:solidFill>
                       <a:srgbClr val="000000"/>
                     </a:solidFill>
@@ -13422,7 +13545,7 @@
               </a:ln>
               <a:extLst>
                 <a:ext uri="{91240B29-F687-4f45-9708-019B960494DF}">
-                  <a14:hiddenLine xmlns="" xmlns:a14="http://schemas.microsoft.com/office/drawing/2010/main" w="9525">
+                  <a14:hiddenLine xmlns:a14="http://schemas.microsoft.com/office/drawing/2010/main" xmlns="" w="9525">
                     <a:solidFill>
                       <a:srgbClr val="000000"/>
                     </a:solidFill>
@@ -13484,7 +13607,7 @@
               </a:ln>
               <a:extLst>
                 <a:ext uri="{91240B29-F687-4f45-9708-019B960494DF}">
-                  <a14:hiddenLine xmlns="" xmlns:a14="http://schemas.microsoft.com/office/drawing/2010/main" w="9525">
+                  <a14:hiddenLine xmlns:a14="http://schemas.microsoft.com/office/drawing/2010/main" xmlns="" w="9525">
                     <a:solidFill>
                       <a:srgbClr val="000000"/>
                     </a:solidFill>
@@ -13574,7 +13697,7 @@
               </a:ln>
               <a:extLst>
                 <a:ext uri="{91240B29-F687-4f45-9708-019B960494DF}">
-                  <a14:hiddenLine xmlns="" xmlns:a14="http://schemas.microsoft.com/office/drawing/2010/main" w="9525">
+                  <a14:hiddenLine xmlns:a14="http://schemas.microsoft.com/office/drawing/2010/main" xmlns="" w="9525">
                     <a:solidFill>
                       <a:srgbClr val="000000"/>
                     </a:solidFill>
@@ -13664,7 +13787,7 @@
               </a:ln>
               <a:extLst>
                 <a:ext uri="{91240B29-F687-4f45-9708-019B960494DF}">
-                  <a14:hiddenLine xmlns="" xmlns:a14="http://schemas.microsoft.com/office/drawing/2010/main" w="9525">
+                  <a14:hiddenLine xmlns:a14="http://schemas.microsoft.com/office/drawing/2010/main" xmlns="" w="9525">
                     <a:solidFill>
                       <a:srgbClr val="000000"/>
                     </a:solidFill>
@@ -13729,7 +13852,7 @@
               </a:ln>
               <a:extLst>
                 <a:ext uri="{91240B29-F687-4f45-9708-019B960494DF}">
-                  <a14:hiddenLine xmlns="" xmlns:a14="http://schemas.microsoft.com/office/drawing/2010/main" w="9525">
+                  <a14:hiddenLine xmlns:a14="http://schemas.microsoft.com/office/drawing/2010/main" xmlns="" w="9525">
                     <a:solidFill>
                       <a:srgbClr val="000000"/>
                     </a:solidFill>
@@ -13849,7 +13972,7 @@
               </a:ln>
               <a:extLst>
                 <a:ext uri="{91240B29-F687-4f45-9708-019B960494DF}">
-                  <a14:hiddenLine xmlns="" xmlns:a14="http://schemas.microsoft.com/office/drawing/2010/main" w="9525">
+                  <a14:hiddenLine xmlns:a14="http://schemas.microsoft.com/office/drawing/2010/main" xmlns="" w="9525">
                     <a:solidFill>
                       <a:srgbClr val="000000"/>
                     </a:solidFill>
@@ -13930,7 +14053,7 @@
               </a:ln>
               <a:extLst>
                 <a:ext uri="{91240B29-F687-4f45-9708-019B960494DF}">
-                  <a14:hiddenLine xmlns="" xmlns:a14="http://schemas.microsoft.com/office/drawing/2010/main" w="9525">
+                  <a14:hiddenLine xmlns:a14="http://schemas.microsoft.com/office/drawing/2010/main" xmlns="" w="9525">
                     <a:solidFill>
                       <a:srgbClr val="000000"/>
                     </a:solidFill>
@@ -14045,7 +14168,7 @@
               </a:ln>
               <a:extLst>
                 <a:ext uri="{91240B29-F687-4f45-9708-019B960494DF}">
-                  <a14:hiddenLine xmlns="" xmlns:a14="http://schemas.microsoft.com/office/drawing/2010/main" w="9525">
+                  <a14:hiddenLine xmlns:a14="http://schemas.microsoft.com/office/drawing/2010/main" xmlns="" w="9525">
                     <a:solidFill>
                       <a:srgbClr val="000000"/>
                     </a:solidFill>
@@ -14135,7 +14258,7 @@
               </a:ln>
               <a:extLst>
                 <a:ext uri="{91240B29-F687-4f45-9708-019B960494DF}">
-                  <a14:hiddenLine xmlns="" xmlns:a14="http://schemas.microsoft.com/office/drawing/2010/main" w="9525">
+                  <a14:hiddenLine xmlns:a14="http://schemas.microsoft.com/office/drawing/2010/main" xmlns="" w="9525">
                     <a:solidFill>
                       <a:srgbClr val="000000"/>
                     </a:solidFill>
@@ -14200,7 +14323,7 @@
               </a:ln>
               <a:extLst>
                 <a:ext uri="{91240B29-F687-4f45-9708-019B960494DF}">
-                  <a14:hiddenLine xmlns="" xmlns:a14="http://schemas.microsoft.com/office/drawing/2010/main" w="9525">
+                  <a14:hiddenLine xmlns:a14="http://schemas.microsoft.com/office/drawing/2010/main" xmlns="" w="9525">
                     <a:solidFill>
                       <a:srgbClr val="000000"/>
                     </a:solidFill>
@@ -14290,7 +14413,7 @@
               </a:ln>
               <a:extLst>
                 <a:ext uri="{91240B29-F687-4f45-9708-019B960494DF}">
-                  <a14:hiddenLine xmlns="" xmlns:a14="http://schemas.microsoft.com/office/drawing/2010/main" w="9525">
+                  <a14:hiddenLine xmlns:a14="http://schemas.microsoft.com/office/drawing/2010/main" xmlns="" w="9525">
                     <a:solidFill>
                       <a:srgbClr val="000000"/>
                     </a:solidFill>
@@ -14358,7 +14481,7 @@
               </a:ln>
               <a:extLst>
                 <a:ext uri="{91240B29-F687-4f45-9708-019B960494DF}">
-                  <a14:hiddenLine xmlns="" xmlns:a14="http://schemas.microsoft.com/office/drawing/2010/main" w="9525">
+                  <a14:hiddenLine xmlns:a14="http://schemas.microsoft.com/office/drawing/2010/main" xmlns="" w="9525">
                     <a:solidFill>
                       <a:srgbClr val="000000"/>
                     </a:solidFill>
@@ -14448,7 +14571,7 @@
               </a:ln>
               <a:extLst>
                 <a:ext uri="{91240B29-F687-4f45-9708-019B960494DF}">
-                  <a14:hiddenLine xmlns="" xmlns:a14="http://schemas.microsoft.com/office/drawing/2010/main" w="9525">
+                  <a14:hiddenLine xmlns:a14="http://schemas.microsoft.com/office/drawing/2010/main" xmlns="" w="9525">
                     <a:solidFill>
                       <a:srgbClr val="000000"/>
                     </a:solidFill>
@@ -14516,7 +14639,7 @@
               </a:ln>
               <a:extLst>
                 <a:ext uri="{91240B29-F687-4f45-9708-019B960494DF}">
-                  <a14:hiddenLine xmlns="" xmlns:a14="http://schemas.microsoft.com/office/drawing/2010/main" w="9525">
+                  <a14:hiddenLine xmlns:a14="http://schemas.microsoft.com/office/drawing/2010/main" xmlns="" w="9525">
                     <a:solidFill>
                       <a:srgbClr val="000000"/>
                     </a:solidFill>
@@ -14606,7 +14729,7 @@
               </a:ln>
               <a:extLst>
                 <a:ext uri="{91240B29-F687-4f45-9708-019B960494DF}">
-                  <a14:hiddenLine xmlns="" xmlns:a14="http://schemas.microsoft.com/office/drawing/2010/main" w="9525">
+                  <a14:hiddenLine xmlns:a14="http://schemas.microsoft.com/office/drawing/2010/main" xmlns="" w="9525">
                     <a:solidFill>
                       <a:srgbClr val="000000"/>
                     </a:solidFill>
@@ -14640,7 +14763,7 @@
               </a:ln>
               <a:extLst>
                 <a:ext uri="{91240B29-F687-4f45-9708-019B960494DF}">
-                  <a14:hiddenLine xmlns="" xmlns:a14="http://schemas.microsoft.com/office/drawing/2010/main" w="9525">
+                  <a14:hiddenLine xmlns:a14="http://schemas.microsoft.com/office/drawing/2010/main" xmlns="" w="9525">
                     <a:solidFill>
                       <a:srgbClr val="000000"/>
                     </a:solidFill>
@@ -15455,7 +15578,7 @@
             </a:ln>
             <a:extLst>
               <a:ext uri="{91240B29-F687-4f45-9708-019B960494DF}">
-                <a14:hiddenLine xmlns:a14="http://schemas.microsoft.com/office/drawing/2010/main" xmlns:p14="http://schemas.microsoft.com/office/powerpoint/2010/main" xmlns:a16="http://schemas.microsoft.com/office/drawing/2014/main" xmlns="" w="9525">
+                <a14:hiddenLine xmlns="" xmlns:a16="http://schemas.microsoft.com/office/drawing/2014/main" xmlns:p14="http://schemas.microsoft.com/office/powerpoint/2010/main" xmlns:a14="http://schemas.microsoft.com/office/drawing/2010/main" w="9525">
                   <a:solidFill>
                     <a:srgbClr val="000000"/>
                   </a:solidFill>
@@ -15560,7 +15683,7 @@
             </a:ln>
             <a:extLst>
               <a:ext uri="{91240B29-F687-4f45-9708-019B960494DF}">
-                <a14:hiddenLine xmlns:a14="http://schemas.microsoft.com/office/drawing/2010/main" xmlns:p14="http://schemas.microsoft.com/office/powerpoint/2010/main" xmlns:a16="http://schemas.microsoft.com/office/drawing/2014/main" xmlns="" w="9525">
+                <a14:hiddenLine xmlns="" xmlns:a16="http://schemas.microsoft.com/office/drawing/2014/main" xmlns:p14="http://schemas.microsoft.com/office/powerpoint/2010/main" xmlns:a14="http://schemas.microsoft.com/office/drawing/2010/main" w="9525">
                   <a:solidFill>
                     <a:srgbClr val="000000"/>
                   </a:solidFill>
@@ -15665,7 +15788,7 @@
             </a:ln>
             <a:extLst>
               <a:ext uri="{91240B29-F687-4f45-9708-019B960494DF}">
-                <a14:hiddenLine xmlns:a14="http://schemas.microsoft.com/office/drawing/2010/main" xmlns:p14="http://schemas.microsoft.com/office/powerpoint/2010/main" xmlns:a16="http://schemas.microsoft.com/office/drawing/2014/main" xmlns="" w="9525">
+                <a14:hiddenLine xmlns="" xmlns:a16="http://schemas.microsoft.com/office/drawing/2014/main" xmlns:p14="http://schemas.microsoft.com/office/powerpoint/2010/main" xmlns:a14="http://schemas.microsoft.com/office/drawing/2010/main" w="9525">
                   <a:solidFill>
                     <a:srgbClr val="000000"/>
                   </a:solidFill>
@@ -15714,7 +15837,7 @@
             </a:ln>
             <a:extLst>
               <a:ext uri="{91240B29-F687-4f45-9708-019B960494DF}">
-                <a14:hiddenLine xmlns:a14="http://schemas.microsoft.com/office/drawing/2010/main" xmlns:p14="http://schemas.microsoft.com/office/powerpoint/2010/main" xmlns:a16="http://schemas.microsoft.com/office/drawing/2014/main" xmlns="" w="9525">
+                <a14:hiddenLine xmlns="" xmlns:a16="http://schemas.microsoft.com/office/drawing/2014/main" xmlns:p14="http://schemas.microsoft.com/office/powerpoint/2010/main" xmlns:a14="http://schemas.microsoft.com/office/drawing/2010/main" w="9525">
                   <a:solidFill>
                     <a:srgbClr val="000000"/>
                   </a:solidFill>
@@ -15819,7 +15942,7 @@
             </a:ln>
             <a:extLst>
               <a:ext uri="{91240B29-F687-4f45-9708-019B960494DF}">
-                <a14:hiddenLine xmlns:a14="http://schemas.microsoft.com/office/drawing/2010/main" xmlns:p14="http://schemas.microsoft.com/office/powerpoint/2010/main" xmlns:a16="http://schemas.microsoft.com/office/drawing/2014/main" xmlns="" w="9525">
+                <a14:hiddenLine xmlns="" xmlns:a16="http://schemas.microsoft.com/office/drawing/2014/main" xmlns:p14="http://schemas.microsoft.com/office/powerpoint/2010/main" xmlns:a14="http://schemas.microsoft.com/office/drawing/2010/main" w="9525">
                   <a:solidFill>
                     <a:srgbClr val="000000"/>
                   </a:solidFill>
@@ -15896,7 +16019,7 @@
             </a:ln>
             <a:extLst>
               <a:ext uri="{91240B29-F687-4f45-9708-019B960494DF}">
-                <a14:hiddenLine xmlns:a14="http://schemas.microsoft.com/office/drawing/2010/main" xmlns:p14="http://schemas.microsoft.com/office/powerpoint/2010/main" xmlns:a16="http://schemas.microsoft.com/office/drawing/2014/main" xmlns="" w="9525">
+                <a14:hiddenLine xmlns="" xmlns:a16="http://schemas.microsoft.com/office/drawing/2014/main" xmlns:p14="http://schemas.microsoft.com/office/powerpoint/2010/main" xmlns:a14="http://schemas.microsoft.com/office/drawing/2010/main" w="9525">
                   <a:solidFill>
                     <a:srgbClr val="000000"/>
                   </a:solidFill>
@@ -15973,7 +16096,7 @@
             </a:ln>
             <a:extLst>
               <a:ext uri="{91240B29-F687-4f45-9708-019B960494DF}">
-                <a14:hiddenLine xmlns:a14="http://schemas.microsoft.com/office/drawing/2010/main" xmlns:p14="http://schemas.microsoft.com/office/powerpoint/2010/main" xmlns:a16="http://schemas.microsoft.com/office/drawing/2014/main" xmlns="" w="9525">
+                <a14:hiddenLine xmlns="" xmlns:a16="http://schemas.microsoft.com/office/drawing/2014/main" xmlns:p14="http://schemas.microsoft.com/office/powerpoint/2010/main" xmlns:a14="http://schemas.microsoft.com/office/drawing/2010/main" w="9525">
                   <a:solidFill>
                     <a:srgbClr val="000000"/>
                   </a:solidFill>
@@ -16078,7 +16201,7 @@
             </a:ln>
             <a:extLst>
               <a:ext uri="{91240B29-F687-4f45-9708-019B960494DF}">
-                <a14:hiddenLine xmlns:a14="http://schemas.microsoft.com/office/drawing/2010/main" xmlns:p14="http://schemas.microsoft.com/office/powerpoint/2010/main" xmlns:a16="http://schemas.microsoft.com/office/drawing/2014/main" xmlns="" w="9525">
+                <a14:hiddenLine xmlns="" xmlns:a16="http://schemas.microsoft.com/office/drawing/2014/main" xmlns:p14="http://schemas.microsoft.com/office/powerpoint/2010/main" xmlns:a14="http://schemas.microsoft.com/office/drawing/2010/main" w="9525">
                   <a:solidFill>
                     <a:srgbClr val="000000"/>
                   </a:solidFill>
@@ -16155,7 +16278,7 @@
             </a:ln>
             <a:extLst>
               <a:ext uri="{91240B29-F687-4f45-9708-019B960494DF}">
-                <a14:hiddenLine xmlns:a14="http://schemas.microsoft.com/office/drawing/2010/main" xmlns:p14="http://schemas.microsoft.com/office/powerpoint/2010/main" xmlns:a16="http://schemas.microsoft.com/office/drawing/2014/main" xmlns="" w="9525">
+                <a14:hiddenLine xmlns="" xmlns:a16="http://schemas.microsoft.com/office/drawing/2014/main" xmlns:p14="http://schemas.microsoft.com/office/powerpoint/2010/main" xmlns:a14="http://schemas.microsoft.com/office/drawing/2010/main" w="9525">
                   <a:solidFill>
                     <a:srgbClr val="000000"/>
                   </a:solidFill>
@@ -16232,7 +16355,7 @@
             </a:ln>
             <a:extLst>
               <a:ext uri="{91240B29-F687-4f45-9708-019B960494DF}">
-                <a14:hiddenLine xmlns:a14="http://schemas.microsoft.com/office/drawing/2010/main" xmlns:p14="http://schemas.microsoft.com/office/powerpoint/2010/main" xmlns:a16="http://schemas.microsoft.com/office/drawing/2014/main" xmlns="" w="9525">
+                <a14:hiddenLine xmlns="" xmlns:a16="http://schemas.microsoft.com/office/drawing/2014/main" xmlns:p14="http://schemas.microsoft.com/office/powerpoint/2010/main" xmlns:a14="http://schemas.microsoft.com/office/drawing/2010/main" w="9525">
                   <a:solidFill>
                     <a:srgbClr val="000000"/>
                   </a:solidFill>
@@ -16337,7 +16460,7 @@
             </a:ln>
             <a:extLst>
               <a:ext uri="{91240B29-F687-4f45-9708-019B960494DF}">
-                <a14:hiddenLine xmlns:a14="http://schemas.microsoft.com/office/drawing/2010/main" xmlns:p14="http://schemas.microsoft.com/office/powerpoint/2010/main" xmlns:a16="http://schemas.microsoft.com/office/drawing/2014/main" xmlns="" w="9525">
+                <a14:hiddenLine xmlns="" xmlns:a16="http://schemas.microsoft.com/office/drawing/2014/main" xmlns:p14="http://schemas.microsoft.com/office/powerpoint/2010/main" xmlns:a14="http://schemas.microsoft.com/office/drawing/2010/main" w="9525">
                   <a:solidFill>
                     <a:srgbClr val="000000"/>
                   </a:solidFill>
@@ -16442,7 +16565,7 @@
             </a:ln>
             <a:extLst>
               <a:ext uri="{91240B29-F687-4f45-9708-019B960494DF}">
-                <a14:hiddenLine xmlns:a14="http://schemas.microsoft.com/office/drawing/2010/main" xmlns:p14="http://schemas.microsoft.com/office/powerpoint/2010/main" xmlns:a16="http://schemas.microsoft.com/office/drawing/2014/main" xmlns="" w="9525">
+                <a14:hiddenLine xmlns="" xmlns:a16="http://schemas.microsoft.com/office/drawing/2014/main" xmlns:p14="http://schemas.microsoft.com/office/powerpoint/2010/main" xmlns:a14="http://schemas.microsoft.com/office/drawing/2010/main" w="9525">
                   <a:solidFill>
                     <a:srgbClr val="000000"/>
                   </a:solidFill>
@@ -16519,7 +16642,7 @@
             </a:ln>
             <a:extLst>
               <a:ext uri="{91240B29-F687-4f45-9708-019B960494DF}">
-                <a14:hiddenLine xmlns:a14="http://schemas.microsoft.com/office/drawing/2010/main" xmlns:p14="http://schemas.microsoft.com/office/powerpoint/2010/main" xmlns:a16="http://schemas.microsoft.com/office/drawing/2014/main" xmlns="" w="9525">
+                <a14:hiddenLine xmlns="" xmlns:a16="http://schemas.microsoft.com/office/drawing/2014/main" xmlns:p14="http://schemas.microsoft.com/office/powerpoint/2010/main" xmlns:a14="http://schemas.microsoft.com/office/drawing/2010/main" w="9525">
                   <a:solidFill>
                     <a:srgbClr val="000000"/>
                   </a:solidFill>
@@ -16644,7 +16767,7 @@
             </a:ln>
             <a:extLst>
               <a:ext uri="{91240B29-F687-4f45-9708-019B960494DF}">
-                <a14:hiddenLine xmlns:a14="http://schemas.microsoft.com/office/drawing/2010/main" xmlns:p14="http://schemas.microsoft.com/office/powerpoint/2010/main" xmlns:a16="http://schemas.microsoft.com/office/drawing/2014/main" xmlns="" w="9525">
+                <a14:hiddenLine xmlns="" xmlns:a16="http://schemas.microsoft.com/office/drawing/2014/main" xmlns:p14="http://schemas.microsoft.com/office/powerpoint/2010/main" xmlns:a14="http://schemas.microsoft.com/office/drawing/2010/main" w="9525">
                   <a:solidFill>
                     <a:srgbClr val="000000"/>
                   </a:solidFill>
@@ -16721,7 +16844,7 @@
             </a:ln>
             <a:extLst>
               <a:ext uri="{91240B29-F687-4f45-9708-019B960494DF}">
-                <a14:hiddenLine xmlns:a14="http://schemas.microsoft.com/office/drawing/2010/main" xmlns:p14="http://schemas.microsoft.com/office/powerpoint/2010/main" xmlns:a16="http://schemas.microsoft.com/office/drawing/2014/main" xmlns="" w="9525">
+                <a14:hiddenLine xmlns="" xmlns:a16="http://schemas.microsoft.com/office/drawing/2014/main" xmlns:p14="http://schemas.microsoft.com/office/powerpoint/2010/main" xmlns:a14="http://schemas.microsoft.com/office/drawing/2010/main" w="9525">
                   <a:solidFill>
                     <a:srgbClr val="000000"/>
                   </a:solidFill>
@@ -16826,7 +16949,7 @@
             </a:ln>
             <a:extLst>
               <a:ext uri="{91240B29-F687-4f45-9708-019B960494DF}">
-                <a14:hiddenLine xmlns:a14="http://schemas.microsoft.com/office/drawing/2010/main" xmlns:p14="http://schemas.microsoft.com/office/powerpoint/2010/main" xmlns:a16="http://schemas.microsoft.com/office/drawing/2014/main" xmlns="" w="9525">
+                <a14:hiddenLine xmlns="" xmlns:a16="http://schemas.microsoft.com/office/drawing/2014/main" xmlns:p14="http://schemas.microsoft.com/office/powerpoint/2010/main" xmlns:a14="http://schemas.microsoft.com/office/drawing/2010/main" w="9525">
                   <a:solidFill>
                     <a:srgbClr val="000000"/>
                   </a:solidFill>
@@ -16931,7 +17054,7 @@
             </a:ln>
             <a:extLst>
               <a:ext uri="{91240B29-F687-4f45-9708-019B960494DF}">
-                <a14:hiddenLine xmlns:a14="http://schemas.microsoft.com/office/drawing/2010/main" xmlns:p14="http://schemas.microsoft.com/office/powerpoint/2010/main" xmlns:a16="http://schemas.microsoft.com/office/drawing/2014/main" xmlns="" w="9525">
+                <a14:hiddenLine xmlns="" xmlns:a16="http://schemas.microsoft.com/office/drawing/2014/main" xmlns:p14="http://schemas.microsoft.com/office/powerpoint/2010/main" xmlns:a14="http://schemas.microsoft.com/office/drawing/2010/main" w="9525">
                   <a:solidFill>
                     <a:srgbClr val="000000"/>
                   </a:solidFill>
@@ -17008,7 +17131,7 @@
             </a:ln>
             <a:extLst>
               <a:ext uri="{91240B29-F687-4f45-9708-019B960494DF}">
-                <a14:hiddenLine xmlns:a14="http://schemas.microsoft.com/office/drawing/2010/main" xmlns:p14="http://schemas.microsoft.com/office/powerpoint/2010/main" xmlns:a16="http://schemas.microsoft.com/office/drawing/2014/main" xmlns="" w="9525">
+                <a14:hiddenLine xmlns="" xmlns:a16="http://schemas.microsoft.com/office/drawing/2014/main" xmlns:p14="http://schemas.microsoft.com/office/powerpoint/2010/main" xmlns:a14="http://schemas.microsoft.com/office/drawing/2010/main" w="9525">
                   <a:solidFill>
                     <a:srgbClr val="000000"/>
                   </a:solidFill>
@@ -17113,7 +17236,7 @@
             </a:ln>
             <a:extLst>
               <a:ext uri="{91240B29-F687-4f45-9708-019B960494DF}">
-                <a14:hiddenLine xmlns:a14="http://schemas.microsoft.com/office/drawing/2010/main" xmlns:p14="http://schemas.microsoft.com/office/powerpoint/2010/main" xmlns:a16="http://schemas.microsoft.com/office/drawing/2014/main" xmlns="" w="9525">
+                <a14:hiddenLine xmlns="" xmlns:a16="http://schemas.microsoft.com/office/drawing/2014/main" xmlns:p14="http://schemas.microsoft.com/office/powerpoint/2010/main" xmlns:a14="http://schemas.microsoft.com/office/drawing/2010/main" w="9525">
                   <a:solidFill>
                     <a:srgbClr val="000000"/>
                   </a:solidFill>
@@ -17218,7 +17341,7 @@
             </a:ln>
             <a:extLst>
               <a:ext uri="{91240B29-F687-4f45-9708-019B960494DF}">
-                <a14:hiddenLine xmlns:a14="http://schemas.microsoft.com/office/drawing/2010/main" xmlns:p14="http://schemas.microsoft.com/office/powerpoint/2010/main" xmlns:a16="http://schemas.microsoft.com/office/drawing/2014/main" xmlns="" w="9525">
+                <a14:hiddenLine xmlns="" xmlns:a16="http://schemas.microsoft.com/office/drawing/2014/main" xmlns:p14="http://schemas.microsoft.com/office/powerpoint/2010/main" xmlns:a14="http://schemas.microsoft.com/office/drawing/2010/main" w="9525">
                   <a:solidFill>
                     <a:srgbClr val="000000"/>
                   </a:solidFill>
@@ -17289,7 +17412,7 @@
             </a:ln>
             <a:extLst>
               <a:ext uri="{91240B29-F687-4f45-9708-019B960494DF}">
-                <a14:hiddenLine xmlns:a14="http://schemas.microsoft.com/office/drawing/2010/main" xmlns:p14="http://schemas.microsoft.com/office/powerpoint/2010/main" xmlns:a16="http://schemas.microsoft.com/office/drawing/2014/main" xmlns="" w="9525">
+                <a14:hiddenLine xmlns="" xmlns:a16="http://schemas.microsoft.com/office/drawing/2014/main" xmlns:p14="http://schemas.microsoft.com/office/powerpoint/2010/main" xmlns:a14="http://schemas.microsoft.com/office/drawing/2010/main" w="9525">
                   <a:solidFill>
                     <a:srgbClr val="000000"/>
                   </a:solidFill>
@@ -17394,7 +17517,7 @@
             </a:ln>
             <a:extLst>
               <a:ext uri="{91240B29-F687-4f45-9708-019B960494DF}">
-                <a14:hiddenLine xmlns:a14="http://schemas.microsoft.com/office/drawing/2010/main" xmlns:p14="http://schemas.microsoft.com/office/powerpoint/2010/main" xmlns:a16="http://schemas.microsoft.com/office/drawing/2014/main" xmlns="" w="9525">
+                <a14:hiddenLine xmlns="" xmlns:a16="http://schemas.microsoft.com/office/drawing/2014/main" xmlns:p14="http://schemas.microsoft.com/office/powerpoint/2010/main" xmlns:a14="http://schemas.microsoft.com/office/drawing/2010/main" w="9525">
                   <a:solidFill>
                     <a:srgbClr val="000000"/>
                   </a:solidFill>
@@ -17465,7 +17588,7 @@
             </a:ln>
             <a:extLst>
               <a:ext uri="{91240B29-F687-4f45-9708-019B960494DF}">
-                <a14:hiddenLine xmlns:a14="http://schemas.microsoft.com/office/drawing/2010/main" xmlns:p14="http://schemas.microsoft.com/office/powerpoint/2010/main" xmlns:a16="http://schemas.microsoft.com/office/drawing/2014/main" xmlns="" w="9525">
+                <a14:hiddenLine xmlns="" xmlns:a16="http://schemas.microsoft.com/office/drawing/2014/main" xmlns:p14="http://schemas.microsoft.com/office/powerpoint/2010/main" xmlns:a14="http://schemas.microsoft.com/office/drawing/2010/main" w="9525">
                   <a:solidFill>
                     <a:srgbClr val="000000"/>
                   </a:solidFill>
@@ -17570,7 +17693,7 @@
             </a:ln>
             <a:extLst>
               <a:ext uri="{91240B29-F687-4f45-9708-019B960494DF}">
-                <a14:hiddenLine xmlns:a14="http://schemas.microsoft.com/office/drawing/2010/main" xmlns:p14="http://schemas.microsoft.com/office/powerpoint/2010/main" xmlns:a16="http://schemas.microsoft.com/office/drawing/2014/main" xmlns="" w="9525">
+                <a14:hiddenLine xmlns="" xmlns:a16="http://schemas.microsoft.com/office/drawing/2014/main" xmlns:p14="http://schemas.microsoft.com/office/powerpoint/2010/main" xmlns:a14="http://schemas.microsoft.com/office/drawing/2010/main" w="9525">
                   <a:solidFill>
                     <a:srgbClr val="000000"/>
                   </a:solidFill>
@@ -17653,7 +17776,7 @@
             </a:ln>
             <a:extLst>
               <a:ext uri="{91240B29-F687-4f45-9708-019B960494DF}">
-                <a14:hiddenLine xmlns:a14="http://schemas.microsoft.com/office/drawing/2010/main" xmlns:p14="http://schemas.microsoft.com/office/powerpoint/2010/main" xmlns:a16="http://schemas.microsoft.com/office/drawing/2014/main" xmlns="" w="9525">
+                <a14:hiddenLine xmlns="" xmlns:a16="http://schemas.microsoft.com/office/drawing/2014/main" xmlns:p14="http://schemas.microsoft.com/office/powerpoint/2010/main" xmlns:a14="http://schemas.microsoft.com/office/drawing/2010/main" w="9525">
                   <a:solidFill>
                     <a:srgbClr val="000000"/>
                   </a:solidFill>
@@ -17758,7 +17881,7 @@
             </a:ln>
             <a:extLst>
               <a:ext uri="{91240B29-F687-4f45-9708-019B960494DF}">
-                <a14:hiddenLine xmlns:a14="http://schemas.microsoft.com/office/drawing/2010/main" xmlns:p14="http://schemas.microsoft.com/office/powerpoint/2010/main" xmlns:a16="http://schemas.microsoft.com/office/drawing/2014/main" xmlns="" w="9525">
+                <a14:hiddenLine xmlns="" xmlns:a16="http://schemas.microsoft.com/office/drawing/2014/main" xmlns:p14="http://schemas.microsoft.com/office/powerpoint/2010/main" xmlns:a14="http://schemas.microsoft.com/office/drawing/2010/main" w="9525">
                   <a:solidFill>
                     <a:srgbClr val="000000"/>
                   </a:solidFill>
@@ -17841,7 +17964,7 @@
             </a:ln>
             <a:extLst>
               <a:ext uri="{91240B29-F687-4f45-9708-019B960494DF}">
-                <a14:hiddenLine xmlns:a14="http://schemas.microsoft.com/office/drawing/2010/main" xmlns:p14="http://schemas.microsoft.com/office/powerpoint/2010/main" xmlns:a16="http://schemas.microsoft.com/office/drawing/2014/main" xmlns="" w="9525">
+                <a14:hiddenLine xmlns="" xmlns:a16="http://schemas.microsoft.com/office/drawing/2014/main" xmlns:p14="http://schemas.microsoft.com/office/powerpoint/2010/main" xmlns:a14="http://schemas.microsoft.com/office/drawing/2010/main" w="9525">
                   <a:solidFill>
                     <a:srgbClr val="000000"/>
                   </a:solidFill>
@@ -17946,7 +18069,7 @@
             </a:ln>
             <a:extLst>
               <a:ext uri="{91240B29-F687-4f45-9708-019B960494DF}">
-                <a14:hiddenLine xmlns:a14="http://schemas.microsoft.com/office/drawing/2010/main" xmlns:p14="http://schemas.microsoft.com/office/powerpoint/2010/main" xmlns:a16="http://schemas.microsoft.com/office/drawing/2014/main" xmlns="" w="9525">
+                <a14:hiddenLine xmlns="" xmlns:a16="http://schemas.microsoft.com/office/drawing/2014/main" xmlns:p14="http://schemas.microsoft.com/office/powerpoint/2010/main" xmlns:a14="http://schemas.microsoft.com/office/drawing/2010/main" w="9525">
                   <a:solidFill>
                     <a:srgbClr val="000000"/>
                   </a:solidFill>
@@ -17995,7 +18118,7 @@
             </a:ln>
             <a:extLst>
               <a:ext uri="{91240B29-F687-4f45-9708-019B960494DF}">
-                <a14:hiddenLine xmlns:a14="http://schemas.microsoft.com/office/drawing/2010/main" xmlns:p14="http://schemas.microsoft.com/office/powerpoint/2010/main" xmlns:a16="http://schemas.microsoft.com/office/drawing/2014/main" xmlns="" w="9525">
+                <a14:hiddenLine xmlns="" xmlns:a16="http://schemas.microsoft.com/office/drawing/2014/main" xmlns:p14="http://schemas.microsoft.com/office/powerpoint/2010/main" xmlns:a14="http://schemas.microsoft.com/office/drawing/2010/main" w="9525">
                   <a:solidFill>
                     <a:srgbClr val="000000"/>
                   </a:solidFill>
@@ -18100,7 +18223,7 @@
             </a:ln>
             <a:extLst>
               <a:ext uri="{91240B29-F687-4f45-9708-019B960494DF}">
-                <a14:hiddenLine xmlns:a14="http://schemas.microsoft.com/office/drawing/2010/main" xmlns:p14="http://schemas.microsoft.com/office/powerpoint/2010/main" xmlns:a16="http://schemas.microsoft.com/office/drawing/2014/main" xmlns="" w="9525">
+                <a14:hiddenLine xmlns="" xmlns:a16="http://schemas.microsoft.com/office/drawing/2014/main" xmlns:p14="http://schemas.microsoft.com/office/powerpoint/2010/main" xmlns:a14="http://schemas.microsoft.com/office/drawing/2010/main" w="9525">
                   <a:solidFill>
                     <a:srgbClr val="000000"/>
                   </a:solidFill>
@@ -18177,7 +18300,7 @@
             </a:ln>
             <a:extLst>
               <a:ext uri="{91240B29-F687-4f45-9708-019B960494DF}">
-                <a14:hiddenLine xmlns:a14="http://schemas.microsoft.com/office/drawing/2010/main" xmlns:p14="http://schemas.microsoft.com/office/powerpoint/2010/main" xmlns:a16="http://schemas.microsoft.com/office/drawing/2014/main" xmlns="" w="9525">
+                <a14:hiddenLine xmlns="" xmlns:a16="http://schemas.microsoft.com/office/drawing/2014/main" xmlns:p14="http://schemas.microsoft.com/office/powerpoint/2010/main" xmlns:a14="http://schemas.microsoft.com/office/drawing/2010/main" w="9525">
                   <a:solidFill>
                     <a:srgbClr val="000000"/>
                   </a:solidFill>
@@ -18254,7 +18377,7 @@
             </a:ln>
             <a:extLst>
               <a:ext uri="{91240B29-F687-4f45-9708-019B960494DF}">
-                <a14:hiddenLine xmlns:a14="http://schemas.microsoft.com/office/drawing/2010/main" xmlns:p14="http://schemas.microsoft.com/office/powerpoint/2010/main" xmlns:a16="http://schemas.microsoft.com/office/drawing/2014/main" xmlns="" w="9525">
+                <a14:hiddenLine xmlns="" xmlns:a16="http://schemas.microsoft.com/office/drawing/2014/main" xmlns:p14="http://schemas.microsoft.com/office/powerpoint/2010/main" xmlns:a14="http://schemas.microsoft.com/office/drawing/2010/main" w="9525">
                   <a:solidFill>
                     <a:srgbClr val="000000"/>
                   </a:solidFill>
@@ -18359,7 +18482,7 @@
             </a:ln>
             <a:extLst>
               <a:ext uri="{91240B29-F687-4f45-9708-019B960494DF}">
-                <a14:hiddenLine xmlns:a14="http://schemas.microsoft.com/office/drawing/2010/main" xmlns:p14="http://schemas.microsoft.com/office/powerpoint/2010/main" xmlns:a16="http://schemas.microsoft.com/office/drawing/2014/main" xmlns="" w="9525">
+                <a14:hiddenLine xmlns="" xmlns:a16="http://schemas.microsoft.com/office/drawing/2014/main" xmlns:p14="http://schemas.microsoft.com/office/powerpoint/2010/main" xmlns:a14="http://schemas.microsoft.com/office/drawing/2010/main" w="9525">
                   <a:solidFill>
                     <a:srgbClr val="000000"/>
                   </a:solidFill>
@@ -18442,7 +18565,7 @@
             </a:ln>
             <a:extLst>
               <a:ext uri="{91240B29-F687-4f45-9708-019B960494DF}">
-                <a14:hiddenLine xmlns:a14="http://schemas.microsoft.com/office/drawing/2010/main" xmlns:p14="http://schemas.microsoft.com/office/powerpoint/2010/main" xmlns:a16="http://schemas.microsoft.com/office/drawing/2014/main" xmlns="" w="9525">
+                <a14:hiddenLine xmlns="" xmlns:a16="http://schemas.microsoft.com/office/drawing/2014/main" xmlns:p14="http://schemas.microsoft.com/office/powerpoint/2010/main" xmlns:a14="http://schemas.microsoft.com/office/drawing/2010/main" w="9525">
                   <a:solidFill>
                     <a:srgbClr val="000000"/>
                   </a:solidFill>
@@ -18519,7 +18642,7 @@
             </a:ln>
             <a:extLst>
               <a:ext uri="{91240B29-F687-4f45-9708-019B960494DF}">
-                <a14:hiddenLine xmlns:a14="http://schemas.microsoft.com/office/drawing/2010/main" xmlns:p14="http://schemas.microsoft.com/office/powerpoint/2010/main" xmlns:a16="http://schemas.microsoft.com/office/drawing/2014/main" xmlns="" w="9525">
+                <a14:hiddenLine xmlns="" xmlns:a16="http://schemas.microsoft.com/office/drawing/2014/main" xmlns:p14="http://schemas.microsoft.com/office/powerpoint/2010/main" xmlns:a14="http://schemas.microsoft.com/office/drawing/2010/main" w="9525">
                   <a:solidFill>
                     <a:srgbClr val="000000"/>
                   </a:solidFill>
@@ -18624,7 +18747,7 @@
             </a:ln>
             <a:extLst>
               <a:ext uri="{91240B29-F687-4f45-9708-019B960494DF}">
-                <a14:hiddenLine xmlns:a14="http://schemas.microsoft.com/office/drawing/2010/main" xmlns:p14="http://schemas.microsoft.com/office/powerpoint/2010/main" xmlns:a16="http://schemas.microsoft.com/office/drawing/2014/main" xmlns="" w="9525">
+                <a14:hiddenLine xmlns="" xmlns:a16="http://schemas.microsoft.com/office/drawing/2014/main" xmlns:p14="http://schemas.microsoft.com/office/powerpoint/2010/main" xmlns:a14="http://schemas.microsoft.com/office/drawing/2010/main" w="9525">
                   <a:solidFill>
                     <a:srgbClr val="000000"/>
                   </a:solidFill>
@@ -18701,7 +18824,7 @@
             </a:ln>
             <a:extLst>
               <a:ext uri="{91240B29-F687-4f45-9708-019B960494DF}">
-                <a14:hiddenLine xmlns:a14="http://schemas.microsoft.com/office/drawing/2010/main" xmlns:p14="http://schemas.microsoft.com/office/powerpoint/2010/main" xmlns:a16="http://schemas.microsoft.com/office/drawing/2014/main" xmlns="" w="9525">
+                <a14:hiddenLine xmlns="" xmlns:a16="http://schemas.microsoft.com/office/drawing/2014/main" xmlns:p14="http://schemas.microsoft.com/office/powerpoint/2010/main" xmlns:a14="http://schemas.microsoft.com/office/drawing/2010/main" w="9525">
                   <a:solidFill>
                     <a:srgbClr val="000000"/>
                   </a:solidFill>
@@ -18806,7 +18929,7 @@
             </a:ln>
             <a:extLst>
               <a:ext uri="{91240B29-F687-4f45-9708-019B960494DF}">
-                <a14:hiddenLine xmlns:a14="http://schemas.microsoft.com/office/drawing/2010/main" xmlns:p14="http://schemas.microsoft.com/office/powerpoint/2010/main" xmlns:a16="http://schemas.microsoft.com/office/drawing/2014/main" xmlns="" w="9525">
+                <a14:hiddenLine xmlns="" xmlns:a16="http://schemas.microsoft.com/office/drawing/2014/main" xmlns:p14="http://schemas.microsoft.com/office/powerpoint/2010/main" xmlns:a14="http://schemas.microsoft.com/office/drawing/2010/main" w="9525">
                   <a:solidFill>
                     <a:srgbClr val="000000"/>
                   </a:solidFill>
@@ -18883,7 +19006,7 @@
             </a:ln>
             <a:extLst>
               <a:ext uri="{91240B29-F687-4f45-9708-019B960494DF}">
-                <a14:hiddenLine xmlns:a14="http://schemas.microsoft.com/office/drawing/2010/main" xmlns:p14="http://schemas.microsoft.com/office/powerpoint/2010/main" xmlns:a16="http://schemas.microsoft.com/office/drawing/2014/main" xmlns="" w="9525">
+                <a14:hiddenLine xmlns="" xmlns:a16="http://schemas.microsoft.com/office/drawing/2014/main" xmlns:p14="http://schemas.microsoft.com/office/powerpoint/2010/main" xmlns:a14="http://schemas.microsoft.com/office/drawing/2010/main" w="9525">
                   <a:solidFill>
                     <a:srgbClr val="000000"/>
                   </a:solidFill>
@@ -18988,7 +19111,7 @@
             </a:ln>
             <a:extLst>
               <a:ext uri="{91240B29-F687-4f45-9708-019B960494DF}">
-                <a14:hiddenLine xmlns:a14="http://schemas.microsoft.com/office/drawing/2010/main" xmlns:p14="http://schemas.microsoft.com/office/powerpoint/2010/main" xmlns:a16="http://schemas.microsoft.com/office/drawing/2014/main" xmlns="" w="9525">
+                <a14:hiddenLine xmlns="" xmlns:a16="http://schemas.microsoft.com/office/drawing/2014/main" xmlns:p14="http://schemas.microsoft.com/office/powerpoint/2010/main" xmlns:a14="http://schemas.microsoft.com/office/drawing/2010/main" w="9525">
                   <a:solidFill>
                     <a:srgbClr val="000000"/>
                   </a:solidFill>
@@ -19037,7 +19160,7 @@
             </a:ln>
             <a:extLst>
               <a:ext uri="{91240B29-F687-4f45-9708-019B960494DF}">
-                <a14:hiddenLine xmlns:a14="http://schemas.microsoft.com/office/drawing/2010/main" xmlns:p14="http://schemas.microsoft.com/office/powerpoint/2010/main" xmlns:a16="http://schemas.microsoft.com/office/drawing/2014/main" xmlns="" w="9525">
+                <a14:hiddenLine xmlns="" xmlns:a16="http://schemas.microsoft.com/office/drawing/2014/main" xmlns:p14="http://schemas.microsoft.com/office/powerpoint/2010/main" xmlns:a14="http://schemas.microsoft.com/office/drawing/2010/main" w="9525">
                   <a:solidFill>
                     <a:srgbClr val="000000"/>
                   </a:solidFill>
@@ -19117,7 +19240,7 @@
             </a:ln>
             <a:extLst>
               <a:ext uri="{91240B29-F687-4f45-9708-019B960494DF}">
-                <a14:hiddenLine xmlns:a14="http://schemas.microsoft.com/office/drawing/2010/main" xmlns:p14="http://schemas.microsoft.com/office/powerpoint/2010/main" xmlns:a16="http://schemas.microsoft.com/office/drawing/2014/main" xmlns="" w="9525">
+                <a14:hiddenLine xmlns="" xmlns:a16="http://schemas.microsoft.com/office/drawing/2014/main" xmlns:p14="http://schemas.microsoft.com/office/powerpoint/2010/main" xmlns:a14="http://schemas.microsoft.com/office/drawing/2010/main" w="9525">
                   <a:solidFill>
                     <a:srgbClr val="000000"/>
                   </a:solidFill>
@@ -19222,7 +19345,7 @@
             </a:ln>
             <a:extLst>
               <a:ext uri="{91240B29-F687-4f45-9708-019B960494DF}">
-                <a14:hiddenLine xmlns:a14="http://schemas.microsoft.com/office/drawing/2010/main" xmlns:p14="http://schemas.microsoft.com/office/powerpoint/2010/main" xmlns:a16="http://schemas.microsoft.com/office/drawing/2014/main" xmlns="" w="9525">
+                <a14:hiddenLine xmlns="" xmlns:a16="http://schemas.microsoft.com/office/drawing/2014/main" xmlns:p14="http://schemas.microsoft.com/office/powerpoint/2010/main" xmlns:a14="http://schemas.microsoft.com/office/drawing/2010/main" w="9525">
                   <a:solidFill>
                     <a:srgbClr val="000000"/>
                   </a:solidFill>
@@ -19299,7 +19422,7 @@
             </a:ln>
             <a:extLst>
               <a:ext uri="{91240B29-F687-4f45-9708-019B960494DF}">
-                <a14:hiddenLine xmlns:a14="http://schemas.microsoft.com/office/drawing/2010/main" xmlns:p14="http://schemas.microsoft.com/office/powerpoint/2010/main" xmlns:a16="http://schemas.microsoft.com/office/drawing/2014/main" xmlns="" w="9525">
+                <a14:hiddenLine xmlns="" xmlns:a16="http://schemas.microsoft.com/office/drawing/2014/main" xmlns:p14="http://schemas.microsoft.com/office/powerpoint/2010/main" xmlns:a14="http://schemas.microsoft.com/office/drawing/2010/main" w="9525">
                   <a:solidFill>
                     <a:srgbClr val="000000"/>
                   </a:solidFill>
@@ -19404,7 +19527,7 @@
             </a:ln>
             <a:extLst>
               <a:ext uri="{91240B29-F687-4f45-9708-019B960494DF}">
-                <a14:hiddenLine xmlns:a14="http://schemas.microsoft.com/office/drawing/2010/main" xmlns:p14="http://schemas.microsoft.com/office/powerpoint/2010/main" xmlns:a16="http://schemas.microsoft.com/office/drawing/2014/main" xmlns="" w="9525">
+                <a14:hiddenLine xmlns="" xmlns:a16="http://schemas.microsoft.com/office/drawing/2014/main" xmlns:p14="http://schemas.microsoft.com/office/powerpoint/2010/main" xmlns:a14="http://schemas.microsoft.com/office/drawing/2010/main" w="9525">
                   <a:solidFill>
                     <a:srgbClr val="000000"/>
                   </a:solidFill>
@@ -19509,7 +19632,7 @@
             </a:ln>
             <a:extLst>
               <a:ext uri="{91240B29-F687-4f45-9708-019B960494DF}">
-                <a14:hiddenLine xmlns:a14="http://schemas.microsoft.com/office/drawing/2010/main" xmlns:p14="http://schemas.microsoft.com/office/powerpoint/2010/main" xmlns:a16="http://schemas.microsoft.com/office/drawing/2014/main" xmlns="" w="9525">
+                <a14:hiddenLine xmlns="" xmlns:a16="http://schemas.microsoft.com/office/drawing/2014/main" xmlns:p14="http://schemas.microsoft.com/office/powerpoint/2010/main" xmlns:a14="http://schemas.microsoft.com/office/drawing/2010/main" w="9525">
                   <a:solidFill>
                     <a:srgbClr val="000000"/>
                   </a:solidFill>
@@ -19589,7 +19712,7 @@
             </a:ln>
             <a:extLst>
               <a:ext uri="{91240B29-F687-4f45-9708-019B960494DF}">
-                <a14:hiddenLine xmlns:a14="http://schemas.microsoft.com/office/drawing/2010/main" xmlns:p14="http://schemas.microsoft.com/office/powerpoint/2010/main" xmlns:a16="http://schemas.microsoft.com/office/drawing/2014/main" xmlns="" w="9525">
+                <a14:hiddenLine xmlns="" xmlns:a16="http://schemas.microsoft.com/office/drawing/2014/main" xmlns:p14="http://schemas.microsoft.com/office/powerpoint/2010/main" xmlns:a14="http://schemas.microsoft.com/office/drawing/2010/main" w="9525">
                   <a:solidFill>
                     <a:srgbClr val="000000"/>
                   </a:solidFill>
@@ -19666,7 +19789,7 @@
             </a:ln>
             <a:extLst>
               <a:ext uri="{91240B29-F687-4f45-9708-019B960494DF}">
-                <a14:hiddenLine xmlns:a14="http://schemas.microsoft.com/office/drawing/2010/main" xmlns:p14="http://schemas.microsoft.com/office/powerpoint/2010/main" xmlns:a16="http://schemas.microsoft.com/office/drawing/2014/main" xmlns="" w="9525">
+                <a14:hiddenLine xmlns="" xmlns:a16="http://schemas.microsoft.com/office/drawing/2014/main" xmlns:p14="http://schemas.microsoft.com/office/powerpoint/2010/main" xmlns:a14="http://schemas.microsoft.com/office/drawing/2010/main" w="9525">
                   <a:solidFill>
                     <a:srgbClr val="000000"/>
                   </a:solidFill>
@@ -19771,7 +19894,7 @@
             </a:ln>
             <a:extLst>
               <a:ext uri="{91240B29-F687-4f45-9708-019B960494DF}">
-                <a14:hiddenLine xmlns:a14="http://schemas.microsoft.com/office/drawing/2010/main" xmlns:p14="http://schemas.microsoft.com/office/powerpoint/2010/main" xmlns:a16="http://schemas.microsoft.com/office/drawing/2014/main" xmlns="" w="9525">
+                <a14:hiddenLine xmlns="" xmlns:a16="http://schemas.microsoft.com/office/drawing/2014/main" xmlns:p14="http://schemas.microsoft.com/office/powerpoint/2010/main" xmlns:a14="http://schemas.microsoft.com/office/drawing/2010/main" w="9525">
                   <a:solidFill>
                     <a:srgbClr val="000000"/>
                   </a:solidFill>
@@ -19876,7 +19999,7 @@
             </a:ln>
             <a:extLst>
               <a:ext uri="{91240B29-F687-4f45-9708-019B960494DF}">
-                <a14:hiddenLine xmlns:a14="http://schemas.microsoft.com/office/drawing/2010/main" xmlns:p14="http://schemas.microsoft.com/office/powerpoint/2010/main" xmlns:a16="http://schemas.microsoft.com/office/drawing/2014/main" xmlns="" w="9525">
+                <a14:hiddenLine xmlns="" xmlns:a16="http://schemas.microsoft.com/office/drawing/2014/main" xmlns:p14="http://schemas.microsoft.com/office/powerpoint/2010/main" xmlns:a14="http://schemas.microsoft.com/office/drawing/2010/main" w="9525">
                   <a:solidFill>
                     <a:srgbClr val="000000"/>
                   </a:solidFill>
@@ -19953,7 +20076,7 @@
             </a:ln>
             <a:extLst>
               <a:ext uri="{91240B29-F687-4f45-9708-019B960494DF}">
-                <a14:hiddenLine xmlns:a14="http://schemas.microsoft.com/office/drawing/2010/main" xmlns:p14="http://schemas.microsoft.com/office/powerpoint/2010/main" xmlns:a16="http://schemas.microsoft.com/office/drawing/2014/main" xmlns="" w="9525">
+                <a14:hiddenLine xmlns="" xmlns:a16="http://schemas.microsoft.com/office/drawing/2014/main" xmlns:p14="http://schemas.microsoft.com/office/powerpoint/2010/main" xmlns:a14="http://schemas.microsoft.com/office/drawing/2010/main" w="9525">
                   <a:solidFill>
                     <a:srgbClr val="000000"/>
                   </a:solidFill>
@@ -20088,7 +20211,7 @@
             </a:ln>
             <a:extLst>
               <a:ext uri="{91240B29-F687-4f45-9708-019B960494DF}">
-                <a14:hiddenLine xmlns:a14="http://schemas.microsoft.com/office/drawing/2010/main" xmlns:p14="http://schemas.microsoft.com/office/powerpoint/2010/main" xmlns:a16="http://schemas.microsoft.com/office/drawing/2014/main" xmlns="" w="9525">
+                <a14:hiddenLine xmlns="" xmlns:a16="http://schemas.microsoft.com/office/drawing/2014/main" xmlns:p14="http://schemas.microsoft.com/office/powerpoint/2010/main" xmlns:a14="http://schemas.microsoft.com/office/drawing/2010/main" w="9525">
                   <a:solidFill>
                     <a:srgbClr val="000000"/>
                   </a:solidFill>
@@ -20171,7 +20294,7 @@
             </a:ln>
             <a:extLst>
               <a:ext uri="{91240B29-F687-4f45-9708-019B960494DF}">
-                <a14:hiddenLine xmlns:a14="http://schemas.microsoft.com/office/drawing/2010/main" xmlns:p14="http://schemas.microsoft.com/office/powerpoint/2010/main" xmlns:a16="http://schemas.microsoft.com/office/drawing/2014/main" xmlns="" w="9525">
+                <a14:hiddenLine xmlns="" xmlns:a16="http://schemas.microsoft.com/office/drawing/2014/main" xmlns:p14="http://schemas.microsoft.com/office/powerpoint/2010/main" xmlns:a14="http://schemas.microsoft.com/office/drawing/2010/main" w="9525">
                   <a:solidFill>
                     <a:srgbClr val="000000"/>
                   </a:solidFill>
@@ -20276,7 +20399,7 @@
             </a:ln>
             <a:extLst>
               <a:ext uri="{91240B29-F687-4f45-9708-019B960494DF}">
-                <a14:hiddenLine xmlns:a14="http://schemas.microsoft.com/office/drawing/2010/main" xmlns:p14="http://schemas.microsoft.com/office/powerpoint/2010/main" xmlns:a16="http://schemas.microsoft.com/office/drawing/2014/main" xmlns="" w="9525">
+                <a14:hiddenLine xmlns="" xmlns:a16="http://schemas.microsoft.com/office/drawing/2014/main" xmlns:p14="http://schemas.microsoft.com/office/powerpoint/2010/main" xmlns:a14="http://schemas.microsoft.com/office/drawing/2010/main" w="9525">
                   <a:solidFill>
                     <a:srgbClr val="000000"/>
                   </a:solidFill>
@@ -20719,90 +20842,9 @@
           <a:p>
             <a:r>
               <a:rPr lang="en-US" dirty="0"/>
-              <a:t>With all features from Mutual </a:t>
-            </a:r>
-            <a:r>
-              <a:rPr lang="en-US" dirty="0" err="1"/>
-              <a:t>ınfo</a:t>
-            </a:r>
-            <a:endParaRPr lang="en-US" dirty="0"/>
-          </a:p>
-        </p:txBody>
-      </p:sp>
-      <p:sp>
-        <p:nvSpPr>
-          <p:cNvPr id="5" name="Text Placeholder 4">
-            <a:extLst>
-              <a:ext uri="{FF2B5EF4-FFF2-40B4-BE49-F238E27FC236}">
-                <a16:creationId xmlns:a16="http://schemas.microsoft.com/office/drawing/2014/main" id="{5400970B-5BCE-40B7-8A74-105318B39304}"/>
-              </a:ext>
-            </a:extLst>
-          </p:cNvPr>
-          <p:cNvSpPr>
-            <a:spLocks noGrp="1"/>
-          </p:cNvSpPr>
-          <p:nvPr>
-            <p:ph type="body" sz="quarter" idx="3"/>
-          </p:nvPr>
-        </p:nvSpPr>
-        <p:spPr>
-          <a:xfrm>
-            <a:off x="6172199" y="2123003"/>
-            <a:ext cx="4646602" cy="823912"/>
-          </a:xfrm>
-        </p:spPr>
-        <p:txBody>
-          <a:bodyPr/>
-          <a:lstStyle/>
-          <a:p>
-            <a:r>
-              <a:rPr lang="en-US" dirty="0"/>
-              <a:t>With one variable at the time</a:t>
-            </a:r>
-          </a:p>
-        </p:txBody>
-      </p:sp>
-      <p:sp>
-        <p:nvSpPr>
-          <p:cNvPr id="6" name="Content Placeholder 5">
-            <a:extLst>
-              <a:ext uri="{FF2B5EF4-FFF2-40B4-BE49-F238E27FC236}">
-                <a16:creationId xmlns:a16="http://schemas.microsoft.com/office/drawing/2014/main" id="{1827382A-0520-46A5-8F9D-058D8A6F4B2B}"/>
-              </a:ext>
-            </a:extLst>
-          </p:cNvPr>
-          <p:cNvSpPr>
-            <a:spLocks noGrp="1"/>
-          </p:cNvSpPr>
-          <p:nvPr>
-            <p:ph sz="quarter" idx="4"/>
-          </p:nvPr>
-        </p:nvSpPr>
-        <p:spPr>
-          <a:xfrm>
-            <a:off x="6172199" y="3098795"/>
-            <a:ext cx="4875210" cy="1662120"/>
-          </a:xfrm>
-        </p:spPr>
-        <p:txBody>
-          <a:bodyPr>
-            <a:normAutofit/>
-          </a:bodyPr>
-          <a:lstStyle/>
-          <a:p>
-            <a:r>
-              <a:rPr lang="pt-BR" dirty="0"/>
-              <a:t>R2 train: 0.24</a:t>
-            </a:r>
-          </a:p>
-          <a:p>
-            <a:r>
-              <a:rPr lang="pt-BR" dirty="0"/>
-              <a:t>R2 test:  0.06</a:t>
-            </a:r>
-          </a:p>
-          <a:p>
-            <a:endParaRPr lang="en-US" dirty="0"/>
+              <a:t>With all features</a:t>
+            </a:r>
+            <a:endParaRPr lang="pl-PL" dirty="0"/>
           </a:p>
         </p:txBody>
       </p:sp>
@@ -20839,12 +20881,64 @@
               <a:rPr lang="en-US" dirty="0"/>
               <a:t> R2 test:  0.06</a:t>
             </a:r>
+            <a:endParaRPr lang="pl-PL" dirty="0"/>
           </a:p>
           <a:p>
-            <a:pPr marL="0" indent="0">
-              <a:buNone/>
-            </a:pPr>
+            <a:r>
+              <a:rPr lang="pl-PL" dirty="0" err="1"/>
+              <a:t>Overfitting</a:t>
+            </a:r>
             <a:endParaRPr lang="en-US" dirty="0"/>
+          </a:p>
+        </p:txBody>
+      </p:sp>
+      <p:sp>
+        <p:nvSpPr>
+          <p:cNvPr id="7" name="Symbol zastępczy tekstu 6">
+            <a:extLst>
+              <a:ext uri="{FF2B5EF4-FFF2-40B4-BE49-F238E27FC236}">
+                <a16:creationId xmlns:a16="http://schemas.microsoft.com/office/drawing/2014/main" id="{8DBEA493-D771-4ADD-A4BF-5ECA3D25AAE5}"/>
+              </a:ext>
+            </a:extLst>
+          </p:cNvPr>
+          <p:cNvSpPr>
+            <a:spLocks noGrp="1"/>
+          </p:cNvSpPr>
+          <p:nvPr>
+            <p:ph type="body" sz="quarter" idx="3"/>
+          </p:nvPr>
+        </p:nvSpPr>
+        <p:spPr/>
+        <p:txBody>
+          <a:bodyPr/>
+          <a:lstStyle/>
+          <a:p>
+            <a:endParaRPr lang="pl-PL"/>
+          </a:p>
+        </p:txBody>
+      </p:sp>
+      <p:sp>
+        <p:nvSpPr>
+          <p:cNvPr id="9" name="Symbol zastępczy zawartości 8">
+            <a:extLst>
+              <a:ext uri="{FF2B5EF4-FFF2-40B4-BE49-F238E27FC236}">
+                <a16:creationId xmlns:a16="http://schemas.microsoft.com/office/drawing/2014/main" id="{A779A32F-939D-472A-9466-D28A39415188}"/>
+              </a:ext>
+            </a:extLst>
+          </p:cNvPr>
+          <p:cNvSpPr>
+            <a:spLocks noGrp="1"/>
+          </p:cNvSpPr>
+          <p:nvPr>
+            <p:ph sz="quarter" idx="4"/>
+          </p:nvPr>
+        </p:nvSpPr>
+        <p:spPr/>
+        <p:txBody>
+          <a:bodyPr/>
+          <a:lstStyle/>
+          <a:p>
+            <a:endParaRPr lang="pl-PL"/>
           </a:p>
         </p:txBody>
       </p:sp>
@@ -20862,6 +20956,284 @@
 </file>
 
 <file path=ppt/slides/slide13.xml><?xml version="1.0" encoding="utf-8"?>
+<p:sld xmlns:a="http://schemas.openxmlformats.org/drawingml/2006/main" xmlns:r="http://schemas.openxmlformats.org/officeDocument/2006/relationships" xmlns:p="http://schemas.openxmlformats.org/presentationml/2006/main">
+  <p:cSld>
+    <p:bg>
+      <p:bgPr>
+        <a:blipFill>
+          <a:blip r:embed="rId3">
+            <a:duotone>
+              <a:schemeClr val="bg2">
+                <a:shade val="48000"/>
+                <a:hueMod val="106000"/>
+                <a:satMod val="140000"/>
+                <a:lumMod val="42000"/>
+              </a:schemeClr>
+              <a:schemeClr val="bg2">
+                <a:tint val="98000"/>
+                <a:hueMod val="92000"/>
+                <a:satMod val="220000"/>
+                <a:lumMod val="90000"/>
+              </a:schemeClr>
+            </a:duotone>
+          </a:blip>
+          <a:stretch/>
+        </a:blipFill>
+        <a:effectLst/>
+      </p:bgPr>
+    </p:bg>
+    <p:spTree>
+      <p:nvGrpSpPr>
+        <p:cNvPr id="1" name=""/>
+        <p:cNvGrpSpPr/>
+        <p:nvPr/>
+      </p:nvGrpSpPr>
+      <p:grpSpPr>
+        <a:xfrm>
+          <a:off x="0" y="0"/>
+          <a:ext cx="0" cy="0"/>
+          <a:chOff x="0" y="0"/>
+          <a:chExt cx="0" cy="0"/>
+        </a:xfrm>
+      </p:grpSpPr>
+      <p:sp>
+        <p:nvSpPr>
+          <p:cNvPr id="7" name="Title 6">
+            <a:extLst>
+              <a:ext uri="{FF2B5EF4-FFF2-40B4-BE49-F238E27FC236}">
+                <a16:creationId xmlns:a16="http://schemas.microsoft.com/office/drawing/2014/main" id="{2F93D3C0-41FE-49A0-BF0E-E1AB12D58287}"/>
+              </a:ext>
+            </a:extLst>
+          </p:cNvPr>
+          <p:cNvSpPr>
+            <a:spLocks noGrp="1"/>
+          </p:cNvSpPr>
+          <p:nvPr>
+            <p:ph type="title"/>
+          </p:nvPr>
+        </p:nvSpPr>
+        <p:spPr>
+          <a:xfrm>
+            <a:off x="8036041" y="618518"/>
+            <a:ext cx="3281003" cy="1478570"/>
+          </a:xfrm>
+        </p:spPr>
+        <p:txBody>
+          <a:bodyPr vert="horz" lIns="91440" tIns="45720" rIns="91440" bIns="45720" rtlCol="0" anchor="b">
+            <a:normAutofit/>
+          </a:bodyPr>
+          <a:lstStyle/>
+          <a:p>
+            <a:r>
+              <a:rPr lang="en-US" sz="2800"/>
+              <a:t>Fıghting with overfitting –</a:t>
+            </a:r>
+            <a:r>
+              <a:rPr lang="pl-PL" sz="2800"/>
+              <a:t> rfe</a:t>
+            </a:r>
+            <a:endParaRPr lang="en-US" sz="2800"/>
+          </a:p>
+        </p:txBody>
+      </p:sp>
+      <p:sp>
+        <p:nvSpPr>
+          <p:cNvPr id="75" name="Round Diagonal Corner Rectangle 11">
+            <a:extLst>
+              <a:ext uri="{FF2B5EF4-FFF2-40B4-BE49-F238E27FC236}">
+                <a16:creationId xmlns:a16="http://schemas.microsoft.com/office/drawing/2014/main" id="{E4B7B3E3-827A-48BE-AD67-A57C45AA6949}"/>
+              </a:ext>
+              <a:ext uri="{C183D7F6-B498-43B3-948B-1728B52AA6E4}">
+                <adec:decorative xmlns:adec="http://schemas.microsoft.com/office/drawing/2017/decorative" val="1"/>
+              </a:ext>
+            </a:extLst>
+          </p:cNvPr>
+          <p:cNvSpPr>
+            <a:spLocks noGrp="1" noRot="1" noChangeAspect="1" noMove="1" noResize="1" noEditPoints="1" noAdjustHandles="1" noChangeArrowheads="1" noChangeShapeType="1" noTextEdit="1"/>
+          </p:cNvSpPr>
+          <p:nvPr>
+            <p:extLst>
+              <p:ext uri="{386F3935-93C4-4BCD-93E2-E3B085C9AB24}">
+                <p16:designElem xmlns:p16="http://schemas.microsoft.com/office/powerpoint/2015/main" val="1"/>
+              </p:ext>
+            </p:extLst>
+          </p:nvPr>
+        </p:nvSpPr>
+        <p:spPr>
+          <a:xfrm>
+            <a:off x="798949" y="808057"/>
+            <a:ext cx="6752461" cy="5234394"/>
+          </a:xfrm>
+          <a:prstGeom prst="round2DiagRect">
+            <a:avLst>
+              <a:gd name="adj1" fmla="val 7418"/>
+              <a:gd name="adj2" fmla="val 0"/>
+            </a:avLst>
+          </a:prstGeom>
+          <a:solidFill>
+            <a:srgbClr val="FFFFFF"/>
+          </a:solidFill>
+          <a:ln w="19050" cap="sq">
+            <a:solidFill>
+              <a:schemeClr val="tx2">
+                <a:lumMod val="60000"/>
+                <a:lumOff val="40000"/>
+                <a:alpha val="60000"/>
+              </a:schemeClr>
+            </a:solidFill>
+            <a:miter lim="800000"/>
+          </a:ln>
+          <a:effectLst>
+            <a:outerShdw blurRad="88900" dist="38100" dir="5400000" algn="t" rotWithShape="0">
+              <a:prstClr val="black">
+                <a:alpha val="40000"/>
+              </a:prstClr>
+            </a:outerShdw>
+          </a:effectLst>
+        </p:spPr>
+        <p:style>
+          <a:lnRef idx="2">
+            <a:schemeClr val="accent1">
+              <a:shade val="50000"/>
+            </a:schemeClr>
+          </a:lnRef>
+          <a:fillRef idx="1">
+            <a:schemeClr val="accent1"/>
+          </a:fillRef>
+          <a:effectRef idx="0">
+            <a:schemeClr val="accent1"/>
+          </a:effectRef>
+          <a:fontRef idx="minor">
+            <a:schemeClr val="lt1"/>
+          </a:fontRef>
+        </p:style>
+        <p:txBody>
+          <a:bodyPr rtlCol="0" anchor="ctr"/>
+          <a:lstStyle/>
+          <a:p>
+            <a:pPr algn="ctr"/>
+            <a:endParaRPr lang="en-US"/>
+          </a:p>
+        </p:txBody>
+      </p:sp>
+      <p:pic>
+        <p:nvPicPr>
+          <p:cNvPr id="1030" name="Picture 6">
+            <a:extLst>
+              <a:ext uri="{FF2B5EF4-FFF2-40B4-BE49-F238E27FC236}">
+                <a16:creationId xmlns:a16="http://schemas.microsoft.com/office/drawing/2014/main" id="{41212627-2C17-4F59-98A7-C3525395E6A1}"/>
+              </a:ext>
+            </a:extLst>
+          </p:cNvPr>
+          <p:cNvPicPr>
+            <a:picLocks noChangeAspect="1" noChangeArrowheads="1"/>
+          </p:cNvPicPr>
+          <p:nvPr/>
+        </p:nvPicPr>
+        <p:blipFill>
+          <a:blip r:embed="rId4">
+            <a:extLst>
+              <a:ext uri="{28A0092B-C50C-407E-A947-70E740481C1C}">
+                <a14:useLocalDpi xmlns:a14="http://schemas.microsoft.com/office/drawing/2010/main" val="0"/>
+              </a:ext>
+            </a:extLst>
+          </a:blip>
+          <a:stretch>
+            <a:fillRect/>
+          </a:stretch>
+        </p:blipFill>
+        <p:spPr bwMode="auto">
+          <a:xfrm>
+            <a:off x="1118988" y="2043343"/>
+            <a:ext cx="6303887" cy="2852508"/>
+          </a:xfrm>
+          <a:prstGeom prst="rect">
+            <a:avLst/>
+          </a:prstGeom>
+          <a:noFill/>
+          <a:extLst>
+            <a:ext uri="{909E8E84-426E-40DD-AFC4-6F175D3DCCD1}">
+              <a14:hiddenFill xmlns:a14="http://schemas.microsoft.com/office/drawing/2010/main">
+                <a:solidFill>
+                  <a:srgbClr val="FFFFFF"/>
+                </a:solidFill>
+              </a14:hiddenFill>
+            </a:ext>
+          </a:extLst>
+        </p:spPr>
+      </p:pic>
+      <p:sp>
+        <p:nvSpPr>
+          <p:cNvPr id="19" name="Content Placeholder 18">
+            <a:extLst>
+              <a:ext uri="{FF2B5EF4-FFF2-40B4-BE49-F238E27FC236}">
+                <a16:creationId xmlns:a16="http://schemas.microsoft.com/office/drawing/2014/main" id="{3DA3D83D-136C-4DD1-9F36-1AE5652F0446}"/>
+              </a:ext>
+            </a:extLst>
+          </p:cNvPr>
+          <p:cNvSpPr>
+            <a:spLocks noGrp="1"/>
+          </p:cNvSpPr>
+          <p:nvPr>
+            <p:ph idx="1"/>
+          </p:nvPr>
+        </p:nvSpPr>
+        <p:spPr>
+          <a:xfrm>
+            <a:off x="8036041" y="2249487"/>
+            <a:ext cx="3281004" cy="3541714"/>
+          </a:xfrm>
+        </p:spPr>
+        <p:txBody>
+          <a:bodyPr vert="horz" lIns="91440" tIns="45720" rIns="91440" bIns="45720" rtlCol="0">
+            <a:normAutofit/>
+          </a:bodyPr>
+          <a:lstStyle/>
+          <a:p>
+            <a:pPr marL="0" indent="0">
+              <a:spcAft>
+                <a:spcPts val="600"/>
+              </a:spcAft>
+              <a:buNone/>
+            </a:pPr>
+            <a:r>
+              <a:rPr lang="en-US" sz="1800" cap="all"/>
+              <a:t>R2 train: </a:t>
+            </a:r>
+            <a:r>
+              <a:rPr lang="pl-PL" sz="1800" cap="all"/>
+              <a:t>0.1886</a:t>
+            </a:r>
+            <a:endParaRPr lang="en-US" sz="1800" cap="all"/>
+          </a:p>
+          <a:p>
+            <a:pPr marL="0" indent="0">
+              <a:spcAft>
+                <a:spcPts val="600"/>
+              </a:spcAft>
+              <a:buNone/>
+            </a:pPr>
+            <a:r>
+              <a:rPr lang="en-US" sz="1800" cap="all"/>
+              <a:t>R2 test: 0.1868</a:t>
+            </a:r>
+          </a:p>
+        </p:txBody>
+      </p:sp>
+    </p:spTree>
+    <p:extLst>
+      <p:ext uri="{BB962C8B-B14F-4D97-AF65-F5344CB8AC3E}">
+        <p14:creationId xmlns:p14="http://schemas.microsoft.com/office/powerpoint/2010/main" val="3880014680"/>
+      </p:ext>
+    </p:extLst>
+  </p:cSld>
+  <p:clrMapOvr>
+    <a:masterClrMapping/>
+  </p:clrMapOvr>
+</p:sld>
+</file>
+
+<file path=ppt/slides/slide14.xml><?xml version="1.0" encoding="utf-8"?>
 <p:sld xmlns:a="http://schemas.openxmlformats.org/drawingml/2006/main" xmlns:r="http://schemas.openxmlformats.org/officeDocument/2006/relationships" xmlns:p="http://schemas.openxmlformats.org/presentationml/2006/main">
   <p:cSld>
     <p:bg>
@@ -21042,7 +21414,7 @@
     </p:spTree>
     <p:extLst>
       <p:ext uri="{BB962C8B-B14F-4D97-AF65-F5344CB8AC3E}">
-        <p14:creationId xmlns:p14="http://schemas.microsoft.com/office/powerpoint/2010/main" val="3880014680"/>
+        <p14:creationId xmlns:p14="http://schemas.microsoft.com/office/powerpoint/2010/main" val="4222277930"/>
       </p:ext>
     </p:extLst>
   </p:cSld>
@@ -21052,7 +21424,7 @@
 </p:sld>
 </file>
 
-<file path=ppt/slides/slide14.xml><?xml version="1.0" encoding="utf-8"?>
+<file path=ppt/slides/slide15.xml><?xml version="1.0" encoding="utf-8"?>
 <p:sld xmlns:a="http://schemas.openxmlformats.org/drawingml/2006/main" xmlns:r="http://schemas.openxmlformats.org/officeDocument/2006/relationships" xmlns:p="http://schemas.openxmlformats.org/presentationml/2006/main">
   <p:cSld>
     <p:bg>
@@ -21252,7 +21624,7 @@
 </p:sld>
 </file>
 
-<file path=ppt/slides/slide15.xml><?xml version="1.0" encoding="utf-8"?>
+<file path=ppt/slides/slide16.xml><?xml version="1.0" encoding="utf-8"?>
 <p:sld xmlns:a="http://schemas.openxmlformats.org/drawingml/2006/main" xmlns:r="http://schemas.openxmlformats.org/officeDocument/2006/relationships" xmlns:p="http://schemas.openxmlformats.org/presentationml/2006/main">
   <p:cSld>
     <p:bg>
@@ -21543,7 +21915,7 @@
 </p:sld>
 </file>
 
-<file path=ppt/slides/slide16.xml><?xml version="1.0" encoding="utf-8"?>
+<file path=ppt/slides/slide17.xml><?xml version="1.0" encoding="utf-8"?>
 <p:sld xmlns:a="http://schemas.openxmlformats.org/drawingml/2006/main" xmlns:r="http://schemas.openxmlformats.org/officeDocument/2006/relationships" xmlns:p="http://schemas.openxmlformats.org/presentationml/2006/main">
   <p:cSld>
     <p:bg>
@@ -21757,7 +22129,18 @@
           </a:bodyPr>
           <a:lstStyle/>
           <a:p>
-            <a:endParaRPr lang="en-US" sz="1800"/>
+            <a:r>
+              <a:rPr lang="pt-BR" sz="3200" dirty="0"/>
+              <a:t>R2 train: 0.2270 </a:t>
+            </a:r>
+            <a:endParaRPr lang="pl-PL" sz="3200" dirty="0"/>
+          </a:p>
+          <a:p>
+            <a:r>
+              <a:rPr lang="pt-BR" sz="3200" dirty="0"/>
+              <a:t>R2 test:  0.1984</a:t>
+            </a:r>
+            <a:endParaRPr lang="en-US" sz="3200" dirty="0"/>
           </a:p>
         </p:txBody>
       </p:sp>
@@ -21774,7 +22157,7 @@
 </p:sld>
 </file>
 
-<file path=ppt/slides/slide17.xml><?xml version="1.0" encoding="utf-8"?>
+<file path=ppt/slides/slide18.xml><?xml version="1.0" encoding="utf-8"?>
 <p:sld xmlns:a="http://schemas.openxmlformats.org/drawingml/2006/main" xmlns:r="http://schemas.openxmlformats.org/officeDocument/2006/relationships" xmlns:p="http://schemas.openxmlformats.org/presentationml/2006/main">
   <p:cSld>
     <p:spTree>
@@ -21857,7 +22240,7 @@
 </p:sld>
 </file>
 
-<file path=ppt/slides/slide18.xml><?xml version="1.0" encoding="utf-8"?>
+<file path=ppt/slides/slide19.xml><?xml version="1.0" encoding="utf-8"?>
 <p:sld xmlns:a="http://schemas.openxmlformats.org/drawingml/2006/main" xmlns:r="http://schemas.openxmlformats.org/officeDocument/2006/relationships" xmlns:p="http://schemas.openxmlformats.org/presentationml/2006/main">
   <p:cSld>
     <p:spTree>
@@ -22163,7 +22546,7 @@
             </a:ln>
             <a:extLst>
               <a:ext uri="{91240B29-F687-4f45-9708-019B960494DF}">
-                <a14:hiddenLine xmlns:a14="http://schemas.microsoft.com/office/drawing/2010/main" xmlns:p14="http://schemas.microsoft.com/office/powerpoint/2010/main" xmlns:a16="http://schemas.microsoft.com/office/drawing/2014/main" xmlns="" w="9525">
+                <a14:hiddenLine xmlns="" xmlns:a16="http://schemas.microsoft.com/office/drawing/2014/main" xmlns:p14="http://schemas.microsoft.com/office/powerpoint/2010/main" xmlns:a14="http://schemas.microsoft.com/office/drawing/2010/main" w="9525">
                   <a:solidFill>
                     <a:srgbClr val="000000"/>
                   </a:solidFill>
@@ -22268,7 +22651,7 @@
             </a:ln>
             <a:extLst>
               <a:ext uri="{91240B29-F687-4f45-9708-019B960494DF}">
-                <a14:hiddenLine xmlns:a14="http://schemas.microsoft.com/office/drawing/2010/main" xmlns:p14="http://schemas.microsoft.com/office/powerpoint/2010/main" xmlns:a16="http://schemas.microsoft.com/office/drawing/2014/main" xmlns="" w="9525">
+                <a14:hiddenLine xmlns="" xmlns:a16="http://schemas.microsoft.com/office/drawing/2014/main" xmlns:p14="http://schemas.microsoft.com/office/powerpoint/2010/main" xmlns:a14="http://schemas.microsoft.com/office/drawing/2010/main" w="9525">
                   <a:solidFill>
                     <a:srgbClr val="000000"/>
                   </a:solidFill>
@@ -22373,7 +22756,7 @@
             </a:ln>
             <a:extLst>
               <a:ext uri="{91240B29-F687-4f45-9708-019B960494DF}">
-                <a14:hiddenLine xmlns:a14="http://schemas.microsoft.com/office/drawing/2010/main" xmlns:p14="http://schemas.microsoft.com/office/powerpoint/2010/main" xmlns:a16="http://schemas.microsoft.com/office/drawing/2014/main" xmlns="" w="9525">
+                <a14:hiddenLine xmlns="" xmlns:a16="http://schemas.microsoft.com/office/drawing/2014/main" xmlns:p14="http://schemas.microsoft.com/office/powerpoint/2010/main" xmlns:a14="http://schemas.microsoft.com/office/drawing/2010/main" w="9525">
                   <a:solidFill>
                     <a:srgbClr val="000000"/>
                   </a:solidFill>
@@ -22450,7 +22833,7 @@
             </a:ln>
             <a:extLst>
               <a:ext uri="{91240B29-F687-4f45-9708-019B960494DF}">
-                <a14:hiddenLine xmlns:a14="http://schemas.microsoft.com/office/drawing/2010/main" xmlns:p14="http://schemas.microsoft.com/office/powerpoint/2010/main" xmlns:a16="http://schemas.microsoft.com/office/drawing/2014/main" xmlns="" w="9525">
+                <a14:hiddenLine xmlns="" xmlns:a16="http://schemas.microsoft.com/office/drawing/2014/main" xmlns:p14="http://schemas.microsoft.com/office/powerpoint/2010/main" xmlns:a14="http://schemas.microsoft.com/office/drawing/2010/main" w="9525">
                   <a:solidFill>
                     <a:srgbClr val="000000"/>
                   </a:solidFill>
@@ -22555,7 +22938,7 @@
             </a:ln>
             <a:extLst>
               <a:ext uri="{91240B29-F687-4f45-9708-019B960494DF}">
-                <a14:hiddenLine xmlns:a14="http://schemas.microsoft.com/office/drawing/2010/main" xmlns:p14="http://schemas.microsoft.com/office/powerpoint/2010/main" xmlns:a16="http://schemas.microsoft.com/office/drawing/2014/main" xmlns="" w="9525">
+                <a14:hiddenLine xmlns="" xmlns:a16="http://schemas.microsoft.com/office/drawing/2014/main" xmlns:p14="http://schemas.microsoft.com/office/powerpoint/2010/main" xmlns:a14="http://schemas.microsoft.com/office/drawing/2010/main" w="9525">
                   <a:solidFill>
                     <a:srgbClr val="000000"/>
                   </a:solidFill>
@@ -22632,7 +23015,7 @@
             </a:ln>
             <a:extLst>
               <a:ext uri="{91240B29-F687-4f45-9708-019B960494DF}">
-                <a14:hiddenLine xmlns:a14="http://schemas.microsoft.com/office/drawing/2010/main" xmlns:p14="http://schemas.microsoft.com/office/powerpoint/2010/main" xmlns:a16="http://schemas.microsoft.com/office/drawing/2014/main" xmlns="" w="9525">
+                <a14:hiddenLine xmlns="" xmlns:a16="http://schemas.microsoft.com/office/drawing/2014/main" xmlns:p14="http://schemas.microsoft.com/office/powerpoint/2010/main" xmlns:a14="http://schemas.microsoft.com/office/drawing/2010/main" w="9525">
                   <a:solidFill>
                     <a:srgbClr val="000000"/>
                   </a:solidFill>
@@ -22709,7 +23092,7 @@
             </a:ln>
             <a:extLst>
               <a:ext uri="{91240B29-F687-4f45-9708-019B960494DF}">
-                <a14:hiddenLine xmlns:a14="http://schemas.microsoft.com/office/drawing/2010/main" xmlns:p14="http://schemas.microsoft.com/office/powerpoint/2010/main" xmlns:a16="http://schemas.microsoft.com/office/drawing/2014/main" xmlns="" w="9525">
+                <a14:hiddenLine xmlns="" xmlns:a16="http://schemas.microsoft.com/office/drawing/2014/main" xmlns:p14="http://schemas.microsoft.com/office/powerpoint/2010/main" xmlns:a14="http://schemas.microsoft.com/office/drawing/2010/main" w="9525">
                   <a:solidFill>
                     <a:srgbClr val="000000"/>
                   </a:solidFill>
@@ -22814,7 +23197,7 @@
             </a:ln>
             <a:extLst>
               <a:ext uri="{91240B29-F687-4f45-9708-019B960494DF}">
-                <a14:hiddenLine xmlns:a14="http://schemas.microsoft.com/office/drawing/2010/main" xmlns:p14="http://schemas.microsoft.com/office/powerpoint/2010/main" xmlns:a16="http://schemas.microsoft.com/office/drawing/2014/main" xmlns="" w="9525">
+                <a14:hiddenLine xmlns="" xmlns:a16="http://schemas.microsoft.com/office/drawing/2014/main" xmlns:p14="http://schemas.microsoft.com/office/powerpoint/2010/main" xmlns:a14="http://schemas.microsoft.com/office/drawing/2010/main" w="9525">
                   <a:solidFill>
                     <a:srgbClr val="000000"/>
                   </a:solidFill>
@@ -22919,7 +23302,7 @@
             </a:ln>
             <a:extLst>
               <a:ext uri="{91240B29-F687-4f45-9708-019B960494DF}">
-                <a14:hiddenLine xmlns:a14="http://schemas.microsoft.com/office/drawing/2010/main" xmlns:p14="http://schemas.microsoft.com/office/powerpoint/2010/main" xmlns:a16="http://schemas.microsoft.com/office/drawing/2014/main" xmlns="" w="9525">
+                <a14:hiddenLine xmlns="" xmlns:a16="http://schemas.microsoft.com/office/drawing/2014/main" xmlns:p14="http://schemas.microsoft.com/office/powerpoint/2010/main" xmlns:a14="http://schemas.microsoft.com/office/drawing/2010/main" w="9525">
                   <a:solidFill>
                     <a:srgbClr val="000000"/>
                   </a:solidFill>
@@ -22996,7 +23379,7 @@
             </a:ln>
             <a:extLst>
               <a:ext uri="{91240B29-F687-4f45-9708-019B960494DF}">
-                <a14:hiddenLine xmlns:a14="http://schemas.microsoft.com/office/drawing/2010/main" xmlns:p14="http://schemas.microsoft.com/office/powerpoint/2010/main" xmlns:a16="http://schemas.microsoft.com/office/drawing/2014/main" xmlns="" w="9525">
+                <a14:hiddenLine xmlns="" xmlns:a16="http://schemas.microsoft.com/office/drawing/2014/main" xmlns:p14="http://schemas.microsoft.com/office/powerpoint/2010/main" xmlns:a14="http://schemas.microsoft.com/office/drawing/2010/main" w="9525">
                   <a:solidFill>
                     <a:srgbClr val="000000"/>
                   </a:solidFill>
@@ -23121,7 +23504,7 @@
             </a:ln>
             <a:extLst>
               <a:ext uri="{91240B29-F687-4f45-9708-019B960494DF}">
-                <a14:hiddenLine xmlns:a14="http://schemas.microsoft.com/office/drawing/2010/main" xmlns:p14="http://schemas.microsoft.com/office/powerpoint/2010/main" xmlns:a16="http://schemas.microsoft.com/office/drawing/2014/main" xmlns="" w="9525">
+                <a14:hiddenLine xmlns="" xmlns:a16="http://schemas.microsoft.com/office/drawing/2014/main" xmlns:p14="http://schemas.microsoft.com/office/powerpoint/2010/main" xmlns:a14="http://schemas.microsoft.com/office/drawing/2010/main" w="9525">
                   <a:solidFill>
                     <a:srgbClr val="000000"/>
                   </a:solidFill>
@@ -23235,7 +23618,7 @@
             </a:ln>
             <a:extLst>
               <a:ext uri="{91240B29-F687-4f45-9708-019B960494DF}">
-                <a14:hiddenLine xmlns:a14="http://schemas.microsoft.com/office/drawing/2010/main" xmlns:p14="http://schemas.microsoft.com/office/powerpoint/2010/main" xmlns:a16="http://schemas.microsoft.com/office/drawing/2014/main" xmlns="" w="9525">
+                <a14:hiddenLine xmlns="" xmlns:a16="http://schemas.microsoft.com/office/drawing/2014/main" xmlns:p14="http://schemas.microsoft.com/office/powerpoint/2010/main" xmlns:a14="http://schemas.microsoft.com/office/drawing/2010/main" w="9525">
                   <a:solidFill>
                     <a:srgbClr val="000000"/>
                   </a:solidFill>
@@ -23312,7 +23695,7 @@
             </a:ln>
             <a:extLst>
               <a:ext uri="{91240B29-F687-4f45-9708-019B960494DF}">
-                <a14:hiddenLine xmlns:a14="http://schemas.microsoft.com/office/drawing/2010/main" xmlns:p14="http://schemas.microsoft.com/office/powerpoint/2010/main" xmlns:a16="http://schemas.microsoft.com/office/drawing/2014/main" xmlns="" w="9525">
+                <a14:hiddenLine xmlns="" xmlns:a16="http://schemas.microsoft.com/office/drawing/2014/main" xmlns:p14="http://schemas.microsoft.com/office/powerpoint/2010/main" xmlns:a14="http://schemas.microsoft.com/office/drawing/2010/main" w="9525">
                   <a:solidFill>
                     <a:srgbClr val="000000"/>
                   </a:solidFill>
@@ -23389,7 +23772,7 @@
             </a:ln>
             <a:extLst>
               <a:ext uri="{91240B29-F687-4f45-9708-019B960494DF}">
-                <a14:hiddenLine xmlns:a14="http://schemas.microsoft.com/office/drawing/2010/main" xmlns:p14="http://schemas.microsoft.com/office/powerpoint/2010/main" xmlns:a16="http://schemas.microsoft.com/office/drawing/2014/main" xmlns="" w="9525">
+                <a14:hiddenLine xmlns="" xmlns:a16="http://schemas.microsoft.com/office/drawing/2014/main" xmlns:p14="http://schemas.microsoft.com/office/powerpoint/2010/main" xmlns:a14="http://schemas.microsoft.com/office/drawing/2010/main" w="9525">
                   <a:solidFill>
                     <a:srgbClr val="000000"/>
                   </a:solidFill>
@@ -23494,7 +23877,7 @@
             </a:ln>
             <a:extLst>
               <a:ext uri="{91240B29-F687-4f45-9708-019B960494DF}">
-                <a14:hiddenLine xmlns:a14="http://schemas.microsoft.com/office/drawing/2010/main" xmlns:p14="http://schemas.microsoft.com/office/powerpoint/2010/main" xmlns:a16="http://schemas.microsoft.com/office/drawing/2014/main" xmlns="" w="9525">
+                <a14:hiddenLine xmlns="" xmlns:a16="http://schemas.microsoft.com/office/drawing/2014/main" xmlns:p14="http://schemas.microsoft.com/office/powerpoint/2010/main" xmlns:a14="http://schemas.microsoft.com/office/drawing/2010/main" w="9525">
                   <a:solidFill>
                     <a:srgbClr val="000000"/>
                   </a:solidFill>
@@ -23543,7 +23926,7 @@
             </a:ln>
             <a:extLst>
               <a:ext uri="{91240B29-F687-4f45-9708-019B960494DF}">
-                <a14:hiddenLine xmlns:a14="http://schemas.microsoft.com/office/drawing/2010/main" xmlns:p14="http://schemas.microsoft.com/office/powerpoint/2010/main" xmlns:a16="http://schemas.microsoft.com/office/drawing/2014/main" xmlns="" w="9525">
+                <a14:hiddenLine xmlns="" xmlns:a16="http://schemas.microsoft.com/office/drawing/2014/main" xmlns:p14="http://schemas.microsoft.com/office/powerpoint/2010/main" xmlns:a14="http://schemas.microsoft.com/office/drawing/2010/main" w="9525">
                   <a:solidFill>
                     <a:srgbClr val="000000"/>
                   </a:solidFill>
@@ -23623,7 +24006,7 @@
             </a:ln>
             <a:extLst>
               <a:ext uri="{91240B29-F687-4f45-9708-019B960494DF}">
-                <a14:hiddenLine xmlns:a14="http://schemas.microsoft.com/office/drawing/2010/main" xmlns:p14="http://schemas.microsoft.com/office/powerpoint/2010/main" xmlns:a16="http://schemas.microsoft.com/office/drawing/2014/main" xmlns="" w="9525">
+                <a14:hiddenLine xmlns="" xmlns:a16="http://schemas.microsoft.com/office/drawing/2014/main" xmlns:p14="http://schemas.microsoft.com/office/powerpoint/2010/main" xmlns:a14="http://schemas.microsoft.com/office/drawing/2010/main" w="9525">
                   <a:solidFill>
                     <a:srgbClr val="000000"/>
                   </a:solidFill>
@@ -23728,7 +24111,7 @@
             </a:ln>
             <a:extLst>
               <a:ext uri="{91240B29-F687-4f45-9708-019B960494DF}">
-                <a14:hiddenLine xmlns:a14="http://schemas.microsoft.com/office/drawing/2010/main" xmlns:p14="http://schemas.microsoft.com/office/powerpoint/2010/main" xmlns:a16="http://schemas.microsoft.com/office/drawing/2014/main" xmlns="" w="9525">
+                <a14:hiddenLine xmlns="" xmlns:a16="http://schemas.microsoft.com/office/drawing/2014/main" xmlns:p14="http://schemas.microsoft.com/office/powerpoint/2010/main" xmlns:a14="http://schemas.microsoft.com/office/drawing/2010/main" w="9525">
                   <a:solidFill>
                     <a:srgbClr val="000000"/>
                   </a:solidFill>
@@ -23805,7 +24188,7 @@
             </a:ln>
             <a:extLst>
               <a:ext uri="{91240B29-F687-4f45-9708-019B960494DF}">
-                <a14:hiddenLine xmlns:a14="http://schemas.microsoft.com/office/drawing/2010/main" xmlns:p14="http://schemas.microsoft.com/office/powerpoint/2010/main" xmlns:a16="http://schemas.microsoft.com/office/drawing/2014/main" xmlns="" w="9525">
+                <a14:hiddenLine xmlns="" xmlns:a16="http://schemas.microsoft.com/office/drawing/2014/main" xmlns:p14="http://schemas.microsoft.com/office/powerpoint/2010/main" xmlns:a14="http://schemas.microsoft.com/office/drawing/2010/main" w="9525">
                   <a:solidFill>
                     <a:srgbClr val="000000"/>
                   </a:solidFill>
@@ -23910,7 +24293,7 @@
             </a:ln>
             <a:extLst>
               <a:ext uri="{91240B29-F687-4f45-9708-019B960494DF}">
-                <a14:hiddenLine xmlns:a14="http://schemas.microsoft.com/office/drawing/2010/main" xmlns:p14="http://schemas.microsoft.com/office/powerpoint/2010/main" xmlns:a16="http://schemas.microsoft.com/office/drawing/2014/main" xmlns="" w="9525">
+                <a14:hiddenLine xmlns="" xmlns:a16="http://schemas.microsoft.com/office/drawing/2014/main" xmlns:p14="http://schemas.microsoft.com/office/powerpoint/2010/main" xmlns:a14="http://schemas.microsoft.com/office/drawing/2010/main" w="9525">
                   <a:solidFill>
                     <a:srgbClr val="000000"/>
                   </a:solidFill>
@@ -23990,7 +24373,7 @@
             </a:ln>
             <a:extLst>
               <a:ext uri="{91240B29-F687-4f45-9708-019B960494DF}">
-                <a14:hiddenLine xmlns:a14="http://schemas.microsoft.com/office/drawing/2010/main" xmlns:p14="http://schemas.microsoft.com/office/powerpoint/2010/main" xmlns:a16="http://schemas.microsoft.com/office/drawing/2014/main" xmlns="" w="9525">
+                <a14:hiddenLine xmlns="" xmlns:a16="http://schemas.microsoft.com/office/drawing/2014/main" xmlns:p14="http://schemas.microsoft.com/office/powerpoint/2010/main" xmlns:a14="http://schemas.microsoft.com/office/drawing/2010/main" w="9525">
                   <a:solidFill>
                     <a:srgbClr val="000000"/>
                   </a:solidFill>
@@ -24067,7 +24450,7 @@
             </a:ln>
             <a:extLst>
               <a:ext uri="{91240B29-F687-4f45-9708-019B960494DF}">
-                <a14:hiddenLine xmlns:a14="http://schemas.microsoft.com/office/drawing/2010/main" xmlns:p14="http://schemas.microsoft.com/office/powerpoint/2010/main" xmlns:a16="http://schemas.microsoft.com/office/drawing/2014/main" xmlns="" w="9525">
+                <a14:hiddenLine xmlns="" xmlns:a16="http://schemas.microsoft.com/office/drawing/2014/main" xmlns:p14="http://schemas.microsoft.com/office/powerpoint/2010/main" xmlns:a14="http://schemas.microsoft.com/office/drawing/2010/main" w="9525">
                   <a:solidFill>
                     <a:srgbClr val="000000"/>
                   </a:solidFill>
@@ -24172,7 +24555,7 @@
             </a:ln>
             <a:extLst>
               <a:ext uri="{91240B29-F687-4f45-9708-019B960494DF}">
-                <a14:hiddenLine xmlns:a14="http://schemas.microsoft.com/office/drawing/2010/main" xmlns:p14="http://schemas.microsoft.com/office/powerpoint/2010/main" xmlns:a16="http://schemas.microsoft.com/office/drawing/2014/main" xmlns="" w="9525">
+                <a14:hiddenLine xmlns="" xmlns:a16="http://schemas.microsoft.com/office/drawing/2014/main" xmlns:p14="http://schemas.microsoft.com/office/powerpoint/2010/main" xmlns:a14="http://schemas.microsoft.com/office/drawing/2010/main" w="9525">
                   <a:solidFill>
                     <a:srgbClr val="000000"/>
                   </a:solidFill>
@@ -24277,7 +24660,7 @@
             </a:ln>
             <a:extLst>
               <a:ext uri="{91240B29-F687-4f45-9708-019B960494DF}">
-                <a14:hiddenLine xmlns:a14="http://schemas.microsoft.com/office/drawing/2010/main" xmlns:p14="http://schemas.microsoft.com/office/powerpoint/2010/main" xmlns:a16="http://schemas.microsoft.com/office/drawing/2014/main" xmlns="" w="9525">
+                <a14:hiddenLine xmlns="" xmlns:a16="http://schemas.microsoft.com/office/drawing/2014/main" xmlns:p14="http://schemas.microsoft.com/office/powerpoint/2010/main" xmlns:a14="http://schemas.microsoft.com/office/drawing/2010/main" w="9525">
                   <a:solidFill>
                     <a:srgbClr val="000000"/>
                   </a:solidFill>
@@ -24357,7 +24740,7 @@
             </a:ln>
             <a:extLst>
               <a:ext uri="{91240B29-F687-4f45-9708-019B960494DF}">
-                <a14:hiddenLine xmlns:a14="http://schemas.microsoft.com/office/drawing/2010/main" xmlns:p14="http://schemas.microsoft.com/office/powerpoint/2010/main" xmlns:a16="http://schemas.microsoft.com/office/drawing/2014/main" xmlns="" w="9525">
+                <a14:hiddenLine xmlns="" xmlns:a16="http://schemas.microsoft.com/office/drawing/2014/main" xmlns:p14="http://schemas.microsoft.com/office/powerpoint/2010/main" xmlns:a14="http://schemas.microsoft.com/office/drawing/2010/main" w="9525">
                   <a:solidFill>
                     <a:srgbClr val="000000"/>
                   </a:solidFill>
@@ -24492,7 +24875,7 @@
             </a:ln>
             <a:extLst>
               <a:ext uri="{91240B29-F687-4f45-9708-019B960494DF}">
-                <a14:hiddenLine xmlns:a14="http://schemas.microsoft.com/office/drawing/2010/main" xmlns:p14="http://schemas.microsoft.com/office/powerpoint/2010/main" xmlns:a16="http://schemas.microsoft.com/office/drawing/2014/main" xmlns="" w="9525">
+                <a14:hiddenLine xmlns="" xmlns:a16="http://schemas.microsoft.com/office/drawing/2014/main" xmlns:p14="http://schemas.microsoft.com/office/powerpoint/2010/main" xmlns:a14="http://schemas.microsoft.com/office/drawing/2010/main" w="9525">
                   <a:solidFill>
                     <a:srgbClr val="000000"/>
                   </a:solidFill>
@@ -24797,7 +25180,7 @@
             </a:ln>
             <a:extLst>
               <a:ext uri="{91240B29-F687-4f45-9708-019B960494DF}">
-                <a14:hiddenLine xmlns:a14="http://schemas.microsoft.com/office/drawing/2010/main" xmlns:p14="http://schemas.microsoft.com/office/powerpoint/2010/main" xmlns:a16="http://schemas.microsoft.com/office/drawing/2014/main" xmlns="" w="9525">
+                <a14:hiddenLine xmlns="" xmlns:a16="http://schemas.microsoft.com/office/drawing/2014/main" xmlns:p14="http://schemas.microsoft.com/office/powerpoint/2010/main" xmlns:a14="http://schemas.microsoft.com/office/drawing/2010/main" w="9525">
                   <a:solidFill>
                     <a:srgbClr val="000000"/>
                   </a:solidFill>
@@ -24927,7 +25310,7 @@
             </a:ln>
             <a:extLst>
               <a:ext uri="{91240B29-F687-4f45-9708-019B960494DF}">
-                <a14:hiddenLine xmlns:a14="http://schemas.microsoft.com/office/drawing/2010/main" xmlns:p14="http://schemas.microsoft.com/office/powerpoint/2010/main" xmlns:a16="http://schemas.microsoft.com/office/drawing/2014/main" xmlns="" w="9525">
+                <a14:hiddenLine xmlns="" xmlns:a16="http://schemas.microsoft.com/office/drawing/2014/main" xmlns:p14="http://schemas.microsoft.com/office/powerpoint/2010/main" xmlns:a14="http://schemas.microsoft.com/office/drawing/2010/main" w="9525">
                   <a:solidFill>
                     <a:srgbClr val="000000"/>
                   </a:solidFill>
@@ -25032,7 +25415,7 @@
             </a:ln>
             <a:extLst>
               <a:ext uri="{91240B29-F687-4f45-9708-019B960494DF}">
-                <a14:hiddenLine xmlns:a14="http://schemas.microsoft.com/office/drawing/2010/main" xmlns:p14="http://schemas.microsoft.com/office/powerpoint/2010/main" xmlns:a16="http://schemas.microsoft.com/office/drawing/2014/main" xmlns="" w="9525">
+                <a14:hiddenLine xmlns="" xmlns:a16="http://schemas.microsoft.com/office/drawing/2014/main" xmlns:p14="http://schemas.microsoft.com/office/powerpoint/2010/main" xmlns:a14="http://schemas.microsoft.com/office/drawing/2010/main" w="9525">
                   <a:solidFill>
                     <a:srgbClr val="000000"/>
                   </a:solidFill>
@@ -25112,7 +25495,7 @@
             </a:ln>
             <a:extLst>
               <a:ext uri="{91240B29-F687-4f45-9708-019B960494DF}">
-                <a14:hiddenLine xmlns:a14="http://schemas.microsoft.com/office/drawing/2010/main" xmlns:p14="http://schemas.microsoft.com/office/powerpoint/2010/main" xmlns:a16="http://schemas.microsoft.com/office/drawing/2014/main" xmlns="" w="9525">
+                <a14:hiddenLine xmlns="" xmlns:a16="http://schemas.microsoft.com/office/drawing/2014/main" xmlns:p14="http://schemas.microsoft.com/office/powerpoint/2010/main" xmlns:a14="http://schemas.microsoft.com/office/drawing/2010/main" w="9525">
                   <a:solidFill>
                     <a:srgbClr val="000000"/>
                   </a:solidFill>
@@ -25217,7 +25600,7 @@
             </a:ln>
             <a:extLst>
               <a:ext uri="{91240B29-F687-4f45-9708-019B960494DF}">
-                <a14:hiddenLine xmlns:a14="http://schemas.microsoft.com/office/drawing/2010/main" xmlns:p14="http://schemas.microsoft.com/office/powerpoint/2010/main" xmlns:a16="http://schemas.microsoft.com/office/drawing/2014/main" xmlns="" w="9525">
+                <a14:hiddenLine xmlns="" xmlns:a16="http://schemas.microsoft.com/office/drawing/2014/main" xmlns:p14="http://schemas.microsoft.com/office/powerpoint/2010/main" xmlns:a14="http://schemas.microsoft.com/office/drawing/2010/main" w="9525">
                   <a:solidFill>
                     <a:srgbClr val="000000"/>
                   </a:solidFill>
@@ -25300,7 +25683,7 @@
             </a:ln>
             <a:extLst>
               <a:ext uri="{91240B29-F687-4f45-9708-019B960494DF}">
-                <a14:hiddenLine xmlns:a14="http://schemas.microsoft.com/office/drawing/2010/main" xmlns:p14="http://schemas.microsoft.com/office/powerpoint/2010/main" xmlns:a16="http://schemas.microsoft.com/office/drawing/2014/main" xmlns="" w="9525">
+                <a14:hiddenLine xmlns="" xmlns:a16="http://schemas.microsoft.com/office/drawing/2014/main" xmlns:p14="http://schemas.microsoft.com/office/powerpoint/2010/main" xmlns:a14="http://schemas.microsoft.com/office/drawing/2010/main" w="9525">
                   <a:solidFill>
                     <a:srgbClr val="000000"/>
                   </a:solidFill>
@@ -25405,7 +25788,7 @@
             </a:ln>
             <a:extLst>
               <a:ext uri="{91240B29-F687-4f45-9708-019B960494DF}">
-                <a14:hiddenLine xmlns:a14="http://schemas.microsoft.com/office/drawing/2010/main" xmlns:p14="http://schemas.microsoft.com/office/powerpoint/2010/main" xmlns:a16="http://schemas.microsoft.com/office/drawing/2014/main" xmlns="" w="9525">
+                <a14:hiddenLine xmlns="" xmlns:a16="http://schemas.microsoft.com/office/drawing/2014/main" xmlns:p14="http://schemas.microsoft.com/office/powerpoint/2010/main" xmlns:a14="http://schemas.microsoft.com/office/drawing/2010/main" w="9525">
                   <a:solidFill>
                     <a:srgbClr val="000000"/>
                   </a:solidFill>
@@ -25488,7 +25871,7 @@
             </a:ln>
             <a:extLst>
               <a:ext uri="{91240B29-F687-4f45-9708-019B960494DF}">
-                <a14:hiddenLine xmlns:a14="http://schemas.microsoft.com/office/drawing/2010/main" xmlns:p14="http://schemas.microsoft.com/office/powerpoint/2010/main" xmlns:a16="http://schemas.microsoft.com/office/drawing/2014/main" xmlns="" w="9525">
+                <a14:hiddenLine xmlns="" xmlns:a16="http://schemas.microsoft.com/office/drawing/2014/main" xmlns:p14="http://schemas.microsoft.com/office/powerpoint/2010/main" xmlns:a14="http://schemas.microsoft.com/office/drawing/2010/main" w="9525">
                   <a:solidFill>
                     <a:srgbClr val="000000"/>
                   </a:solidFill>
@@ -25593,7 +25976,7 @@
             </a:ln>
             <a:extLst>
               <a:ext uri="{91240B29-F687-4f45-9708-019B960494DF}">
-                <a14:hiddenLine xmlns:a14="http://schemas.microsoft.com/office/drawing/2010/main" xmlns:p14="http://schemas.microsoft.com/office/powerpoint/2010/main" xmlns:a16="http://schemas.microsoft.com/office/drawing/2014/main" xmlns="" w="9525">
+                <a14:hiddenLine xmlns="" xmlns:a16="http://schemas.microsoft.com/office/drawing/2014/main" xmlns:p14="http://schemas.microsoft.com/office/powerpoint/2010/main" xmlns:a14="http://schemas.microsoft.com/office/drawing/2010/main" w="9525">
                   <a:solidFill>
                     <a:srgbClr val="000000"/>
                   </a:solidFill>
@@ -25642,7 +26025,7 @@
             </a:ln>
             <a:extLst>
               <a:ext uri="{91240B29-F687-4f45-9708-019B960494DF}">
-                <a14:hiddenLine xmlns:a14="http://schemas.microsoft.com/office/drawing/2010/main" xmlns:p14="http://schemas.microsoft.com/office/powerpoint/2010/main" xmlns:a16="http://schemas.microsoft.com/office/drawing/2014/main" xmlns="" w="9525">
+                <a14:hiddenLine xmlns="" xmlns:a16="http://schemas.microsoft.com/office/drawing/2014/main" xmlns:p14="http://schemas.microsoft.com/office/powerpoint/2010/main" xmlns:a14="http://schemas.microsoft.com/office/drawing/2010/main" w="9525">
                   <a:solidFill>
                     <a:srgbClr val="000000"/>
                   </a:solidFill>
@@ -26062,7 +26445,7 @@
           <a:noFill/>
           <a:extLst>
             <a:ext uri="{909E8E84-426E-40dd-AFC4-6F175D3DCCD1}">
-              <a14:hiddenFill xmlns:a14="http://schemas.microsoft.com/office/drawing/2010/main" xmlns:p14="http://schemas.microsoft.com/office/powerpoint/2010/main" xmlns:a16="http://schemas.microsoft.com/office/drawing/2014/main" xmlns="">
+              <a14:hiddenFill xmlns="" xmlns:a16="http://schemas.microsoft.com/office/drawing/2014/main" xmlns:p14="http://schemas.microsoft.com/office/powerpoint/2010/main" xmlns:a14="http://schemas.microsoft.com/office/drawing/2010/main">
                 <a:solidFill>
                   <a:srgbClr val="FFFFFF"/>
                 </a:solidFill>
@@ -26183,7 +26566,7 @@
               </a:ln>
               <a:extLst>
                 <a:ext uri="{91240B29-F687-4f45-9708-019B960494DF}">
-                  <a14:hiddenLine xmlns:a14="http://schemas.microsoft.com/office/drawing/2010/main" xmlns:p14="http://schemas.microsoft.com/office/powerpoint/2010/main" xmlns:a16="http://schemas.microsoft.com/office/drawing/2014/main" xmlns="" w="9525">
+                  <a14:hiddenLine xmlns="" xmlns:a16="http://schemas.microsoft.com/office/drawing/2014/main" xmlns:p14="http://schemas.microsoft.com/office/powerpoint/2010/main" xmlns:a14="http://schemas.microsoft.com/office/drawing/2010/main" w="9525">
                     <a:solidFill>
                       <a:srgbClr val="000000"/>
                     </a:solidFill>
@@ -26288,7 +26671,7 @@
               </a:ln>
               <a:extLst>
                 <a:ext uri="{91240B29-F687-4f45-9708-019B960494DF}">
-                  <a14:hiddenLine xmlns:a14="http://schemas.microsoft.com/office/drawing/2010/main" xmlns:p14="http://schemas.microsoft.com/office/powerpoint/2010/main" xmlns:a16="http://schemas.microsoft.com/office/drawing/2014/main" xmlns="" w="9525">
+                  <a14:hiddenLine xmlns="" xmlns:a16="http://schemas.microsoft.com/office/drawing/2014/main" xmlns:p14="http://schemas.microsoft.com/office/powerpoint/2010/main" xmlns:a14="http://schemas.microsoft.com/office/drawing/2010/main" w="9525">
                     <a:solidFill>
                       <a:srgbClr val="000000"/>
                     </a:solidFill>
@@ -26393,7 +26776,7 @@
               </a:ln>
               <a:extLst>
                 <a:ext uri="{91240B29-F687-4f45-9708-019B960494DF}">
-                  <a14:hiddenLine xmlns:a14="http://schemas.microsoft.com/office/drawing/2010/main" xmlns:p14="http://schemas.microsoft.com/office/powerpoint/2010/main" xmlns:a16="http://schemas.microsoft.com/office/drawing/2014/main" xmlns="" w="9525">
+                  <a14:hiddenLine xmlns="" xmlns:a16="http://schemas.microsoft.com/office/drawing/2014/main" xmlns:p14="http://schemas.microsoft.com/office/powerpoint/2010/main" xmlns:a14="http://schemas.microsoft.com/office/drawing/2010/main" w="9525">
                     <a:solidFill>
                       <a:srgbClr val="000000"/>
                     </a:solidFill>
@@ -26470,7 +26853,7 @@
               </a:ln>
               <a:extLst>
                 <a:ext uri="{91240B29-F687-4f45-9708-019B960494DF}">
-                  <a14:hiddenLine xmlns:a14="http://schemas.microsoft.com/office/drawing/2010/main" xmlns:p14="http://schemas.microsoft.com/office/powerpoint/2010/main" xmlns:a16="http://schemas.microsoft.com/office/drawing/2014/main" xmlns="" w="9525">
+                  <a14:hiddenLine xmlns="" xmlns:a16="http://schemas.microsoft.com/office/drawing/2014/main" xmlns:p14="http://schemas.microsoft.com/office/powerpoint/2010/main" xmlns:a14="http://schemas.microsoft.com/office/drawing/2010/main" w="9525">
                     <a:solidFill>
                       <a:srgbClr val="000000"/>
                     </a:solidFill>
@@ -26575,7 +26958,7 @@
               </a:ln>
               <a:extLst>
                 <a:ext uri="{91240B29-F687-4f45-9708-019B960494DF}">
-                  <a14:hiddenLine xmlns:a14="http://schemas.microsoft.com/office/drawing/2010/main" xmlns:p14="http://schemas.microsoft.com/office/powerpoint/2010/main" xmlns:a16="http://schemas.microsoft.com/office/drawing/2014/main" xmlns="" w="9525">
+                  <a14:hiddenLine xmlns="" xmlns:a16="http://schemas.microsoft.com/office/drawing/2014/main" xmlns:p14="http://schemas.microsoft.com/office/powerpoint/2010/main" xmlns:a14="http://schemas.microsoft.com/office/drawing/2010/main" w="9525">
                     <a:solidFill>
                       <a:srgbClr val="000000"/>
                     </a:solidFill>
@@ -26652,7 +27035,7 @@
               </a:ln>
               <a:extLst>
                 <a:ext uri="{91240B29-F687-4f45-9708-019B960494DF}">
-                  <a14:hiddenLine xmlns:a14="http://schemas.microsoft.com/office/drawing/2010/main" xmlns:p14="http://schemas.microsoft.com/office/powerpoint/2010/main" xmlns:a16="http://schemas.microsoft.com/office/drawing/2014/main" xmlns="" w="9525">
+                  <a14:hiddenLine xmlns="" xmlns:a16="http://schemas.microsoft.com/office/drawing/2014/main" xmlns:p14="http://schemas.microsoft.com/office/powerpoint/2010/main" xmlns:a14="http://schemas.microsoft.com/office/drawing/2010/main" w="9525">
                     <a:solidFill>
                       <a:srgbClr val="000000"/>
                     </a:solidFill>
@@ -26729,7 +27112,7 @@
               </a:ln>
               <a:extLst>
                 <a:ext uri="{91240B29-F687-4f45-9708-019B960494DF}">
-                  <a14:hiddenLine xmlns:a14="http://schemas.microsoft.com/office/drawing/2010/main" xmlns:p14="http://schemas.microsoft.com/office/powerpoint/2010/main" xmlns:a16="http://schemas.microsoft.com/office/drawing/2014/main" xmlns="" w="9525">
+                  <a14:hiddenLine xmlns="" xmlns:a16="http://schemas.microsoft.com/office/drawing/2014/main" xmlns:p14="http://schemas.microsoft.com/office/powerpoint/2010/main" xmlns:a14="http://schemas.microsoft.com/office/drawing/2010/main" w="9525">
                     <a:solidFill>
                       <a:srgbClr val="000000"/>
                     </a:solidFill>
@@ -26834,7 +27217,7 @@
               </a:ln>
               <a:extLst>
                 <a:ext uri="{91240B29-F687-4f45-9708-019B960494DF}">
-                  <a14:hiddenLine xmlns:a14="http://schemas.microsoft.com/office/drawing/2010/main" xmlns:p14="http://schemas.microsoft.com/office/powerpoint/2010/main" xmlns:a16="http://schemas.microsoft.com/office/drawing/2014/main" xmlns="" w="9525">
+                  <a14:hiddenLine xmlns="" xmlns:a16="http://schemas.microsoft.com/office/drawing/2014/main" xmlns:p14="http://schemas.microsoft.com/office/powerpoint/2010/main" xmlns:a14="http://schemas.microsoft.com/office/drawing/2010/main" w="9525">
                     <a:solidFill>
                       <a:srgbClr val="000000"/>
                     </a:solidFill>
@@ -26939,7 +27322,7 @@
               </a:ln>
               <a:extLst>
                 <a:ext uri="{91240B29-F687-4f45-9708-019B960494DF}">
-                  <a14:hiddenLine xmlns:a14="http://schemas.microsoft.com/office/drawing/2010/main" xmlns:p14="http://schemas.microsoft.com/office/powerpoint/2010/main" xmlns:a16="http://schemas.microsoft.com/office/drawing/2014/main" xmlns="" w="9525">
+                  <a14:hiddenLine xmlns="" xmlns:a16="http://schemas.microsoft.com/office/drawing/2014/main" xmlns:p14="http://schemas.microsoft.com/office/powerpoint/2010/main" xmlns:a14="http://schemas.microsoft.com/office/drawing/2010/main" w="9525">
                     <a:solidFill>
                       <a:srgbClr val="000000"/>
                     </a:solidFill>
@@ -27016,7 +27399,7 @@
               </a:ln>
               <a:extLst>
                 <a:ext uri="{91240B29-F687-4f45-9708-019B960494DF}">
-                  <a14:hiddenLine xmlns:a14="http://schemas.microsoft.com/office/drawing/2010/main" xmlns:p14="http://schemas.microsoft.com/office/powerpoint/2010/main" xmlns:a16="http://schemas.microsoft.com/office/drawing/2014/main" xmlns="" w="9525">
+                  <a14:hiddenLine xmlns="" xmlns:a16="http://schemas.microsoft.com/office/drawing/2014/main" xmlns:p14="http://schemas.microsoft.com/office/powerpoint/2010/main" xmlns:a14="http://schemas.microsoft.com/office/drawing/2010/main" w="9525">
                     <a:solidFill>
                       <a:srgbClr val="000000"/>
                     </a:solidFill>
@@ -27141,7 +27524,7 @@
               </a:ln>
               <a:extLst>
                 <a:ext uri="{91240B29-F687-4f45-9708-019B960494DF}">
-                  <a14:hiddenLine xmlns:a14="http://schemas.microsoft.com/office/drawing/2010/main" xmlns:p14="http://schemas.microsoft.com/office/powerpoint/2010/main" xmlns:a16="http://schemas.microsoft.com/office/drawing/2014/main" xmlns="" w="9525">
+                  <a14:hiddenLine xmlns="" xmlns:a16="http://schemas.microsoft.com/office/drawing/2014/main" xmlns:p14="http://schemas.microsoft.com/office/powerpoint/2010/main" xmlns:a14="http://schemas.microsoft.com/office/drawing/2010/main" w="9525">
                     <a:solidFill>
                       <a:srgbClr val="000000"/>
                     </a:solidFill>
@@ -27255,7 +27638,7 @@
               </a:ln>
               <a:extLst>
                 <a:ext uri="{91240B29-F687-4f45-9708-019B960494DF}">
-                  <a14:hiddenLine xmlns:a14="http://schemas.microsoft.com/office/drawing/2010/main" xmlns:p14="http://schemas.microsoft.com/office/powerpoint/2010/main" xmlns:a16="http://schemas.microsoft.com/office/drawing/2014/main" xmlns="" w="9525">
+                  <a14:hiddenLine xmlns="" xmlns:a16="http://schemas.microsoft.com/office/drawing/2014/main" xmlns:p14="http://schemas.microsoft.com/office/powerpoint/2010/main" xmlns:a14="http://schemas.microsoft.com/office/drawing/2010/main" w="9525">
                     <a:solidFill>
                       <a:srgbClr val="000000"/>
                     </a:solidFill>
@@ -27332,7 +27715,7 @@
               </a:ln>
               <a:extLst>
                 <a:ext uri="{91240B29-F687-4f45-9708-019B960494DF}">
-                  <a14:hiddenLine xmlns:a14="http://schemas.microsoft.com/office/drawing/2010/main" xmlns:p14="http://schemas.microsoft.com/office/powerpoint/2010/main" xmlns:a16="http://schemas.microsoft.com/office/drawing/2014/main" xmlns="" w="9525">
+                  <a14:hiddenLine xmlns="" xmlns:a16="http://schemas.microsoft.com/office/drawing/2014/main" xmlns:p14="http://schemas.microsoft.com/office/powerpoint/2010/main" xmlns:a14="http://schemas.microsoft.com/office/drawing/2010/main" w="9525">
                     <a:solidFill>
                       <a:srgbClr val="000000"/>
                     </a:solidFill>
@@ -27409,7 +27792,7 @@
               </a:ln>
               <a:extLst>
                 <a:ext uri="{91240B29-F687-4f45-9708-019B960494DF}">
-                  <a14:hiddenLine xmlns:a14="http://schemas.microsoft.com/office/drawing/2010/main" xmlns:p14="http://schemas.microsoft.com/office/powerpoint/2010/main" xmlns:a16="http://schemas.microsoft.com/office/drawing/2014/main" xmlns="" w="9525">
+                  <a14:hiddenLine xmlns="" xmlns:a16="http://schemas.microsoft.com/office/drawing/2014/main" xmlns:p14="http://schemas.microsoft.com/office/powerpoint/2010/main" xmlns:a14="http://schemas.microsoft.com/office/drawing/2010/main" w="9525">
                     <a:solidFill>
                       <a:srgbClr val="000000"/>
                     </a:solidFill>
@@ -27514,7 +27897,7 @@
               </a:ln>
               <a:extLst>
                 <a:ext uri="{91240B29-F687-4f45-9708-019B960494DF}">
-                  <a14:hiddenLine xmlns:a14="http://schemas.microsoft.com/office/drawing/2010/main" xmlns:p14="http://schemas.microsoft.com/office/powerpoint/2010/main" xmlns:a16="http://schemas.microsoft.com/office/drawing/2014/main" xmlns="" w="9525">
+                  <a14:hiddenLine xmlns="" xmlns:a16="http://schemas.microsoft.com/office/drawing/2014/main" xmlns:p14="http://schemas.microsoft.com/office/powerpoint/2010/main" xmlns:a14="http://schemas.microsoft.com/office/drawing/2010/main" w="9525">
                     <a:solidFill>
                       <a:srgbClr val="000000"/>
                     </a:solidFill>
@@ -27563,7 +27946,7 @@
               </a:ln>
               <a:extLst>
                 <a:ext uri="{91240B29-F687-4f45-9708-019B960494DF}">
-                  <a14:hiddenLine xmlns:a14="http://schemas.microsoft.com/office/drawing/2010/main" xmlns:p14="http://schemas.microsoft.com/office/powerpoint/2010/main" xmlns:a16="http://schemas.microsoft.com/office/drawing/2014/main" xmlns="" w="9525">
+                  <a14:hiddenLine xmlns="" xmlns:a16="http://schemas.microsoft.com/office/drawing/2014/main" xmlns:p14="http://schemas.microsoft.com/office/powerpoint/2010/main" xmlns:a14="http://schemas.microsoft.com/office/drawing/2010/main" w="9525">
                     <a:solidFill>
                       <a:srgbClr val="000000"/>
                     </a:solidFill>
@@ -27643,7 +28026,7 @@
               </a:ln>
               <a:extLst>
                 <a:ext uri="{91240B29-F687-4f45-9708-019B960494DF}">
-                  <a14:hiddenLine xmlns:a14="http://schemas.microsoft.com/office/drawing/2010/main" xmlns:p14="http://schemas.microsoft.com/office/powerpoint/2010/main" xmlns:a16="http://schemas.microsoft.com/office/drawing/2014/main" xmlns="" w="9525">
+                  <a14:hiddenLine xmlns="" xmlns:a16="http://schemas.microsoft.com/office/drawing/2014/main" xmlns:p14="http://schemas.microsoft.com/office/powerpoint/2010/main" xmlns:a14="http://schemas.microsoft.com/office/drawing/2010/main" w="9525">
                     <a:solidFill>
                       <a:srgbClr val="000000"/>
                     </a:solidFill>
@@ -27748,7 +28131,7 @@
               </a:ln>
               <a:extLst>
                 <a:ext uri="{91240B29-F687-4f45-9708-019B960494DF}">
-                  <a14:hiddenLine xmlns:a14="http://schemas.microsoft.com/office/drawing/2010/main" xmlns:p14="http://schemas.microsoft.com/office/powerpoint/2010/main" xmlns:a16="http://schemas.microsoft.com/office/drawing/2014/main" xmlns="" w="9525">
+                  <a14:hiddenLine xmlns="" xmlns:a16="http://schemas.microsoft.com/office/drawing/2014/main" xmlns:p14="http://schemas.microsoft.com/office/powerpoint/2010/main" xmlns:a14="http://schemas.microsoft.com/office/drawing/2010/main" w="9525">
                     <a:solidFill>
                       <a:srgbClr val="000000"/>
                     </a:solidFill>
@@ -27825,7 +28208,7 @@
               </a:ln>
               <a:extLst>
                 <a:ext uri="{91240B29-F687-4f45-9708-019B960494DF}">
-                  <a14:hiddenLine xmlns:a14="http://schemas.microsoft.com/office/drawing/2010/main" xmlns:p14="http://schemas.microsoft.com/office/powerpoint/2010/main" xmlns:a16="http://schemas.microsoft.com/office/drawing/2014/main" xmlns="" w="9525">
+                  <a14:hiddenLine xmlns="" xmlns:a16="http://schemas.microsoft.com/office/drawing/2014/main" xmlns:p14="http://schemas.microsoft.com/office/powerpoint/2010/main" xmlns:a14="http://schemas.microsoft.com/office/drawing/2010/main" w="9525">
                     <a:solidFill>
                       <a:srgbClr val="000000"/>
                     </a:solidFill>
@@ -27930,7 +28313,7 @@
               </a:ln>
               <a:extLst>
                 <a:ext uri="{91240B29-F687-4f45-9708-019B960494DF}">
-                  <a14:hiddenLine xmlns:a14="http://schemas.microsoft.com/office/drawing/2010/main" xmlns:p14="http://schemas.microsoft.com/office/powerpoint/2010/main" xmlns:a16="http://schemas.microsoft.com/office/drawing/2014/main" xmlns="" w="9525">
+                  <a14:hiddenLine xmlns="" xmlns:a16="http://schemas.microsoft.com/office/drawing/2014/main" xmlns:p14="http://schemas.microsoft.com/office/powerpoint/2010/main" xmlns:a14="http://schemas.microsoft.com/office/drawing/2010/main" w="9525">
                     <a:solidFill>
                       <a:srgbClr val="000000"/>
                     </a:solidFill>
@@ -28010,7 +28393,7 @@
               </a:ln>
               <a:extLst>
                 <a:ext uri="{91240B29-F687-4f45-9708-019B960494DF}">
-                  <a14:hiddenLine xmlns:a14="http://schemas.microsoft.com/office/drawing/2010/main" xmlns:p14="http://schemas.microsoft.com/office/powerpoint/2010/main" xmlns:a16="http://schemas.microsoft.com/office/drawing/2014/main" xmlns="" w="9525">
+                  <a14:hiddenLine xmlns="" xmlns:a16="http://schemas.microsoft.com/office/drawing/2014/main" xmlns:p14="http://schemas.microsoft.com/office/powerpoint/2010/main" xmlns:a14="http://schemas.microsoft.com/office/drawing/2010/main" w="9525">
                     <a:solidFill>
                       <a:srgbClr val="000000"/>
                     </a:solidFill>
@@ -28087,7 +28470,7 @@
               </a:ln>
               <a:extLst>
                 <a:ext uri="{91240B29-F687-4f45-9708-019B960494DF}">
-                  <a14:hiddenLine xmlns:a14="http://schemas.microsoft.com/office/drawing/2010/main" xmlns:p14="http://schemas.microsoft.com/office/powerpoint/2010/main" xmlns:a16="http://schemas.microsoft.com/office/drawing/2014/main" xmlns="" w="9525">
+                  <a14:hiddenLine xmlns="" xmlns:a16="http://schemas.microsoft.com/office/drawing/2014/main" xmlns:p14="http://schemas.microsoft.com/office/powerpoint/2010/main" xmlns:a14="http://schemas.microsoft.com/office/drawing/2010/main" w="9525">
                     <a:solidFill>
                       <a:srgbClr val="000000"/>
                     </a:solidFill>
@@ -28192,7 +28575,7 @@
               </a:ln>
               <a:extLst>
                 <a:ext uri="{91240B29-F687-4f45-9708-019B960494DF}">
-                  <a14:hiddenLine xmlns:a14="http://schemas.microsoft.com/office/drawing/2010/main" xmlns:p14="http://schemas.microsoft.com/office/powerpoint/2010/main" xmlns:a16="http://schemas.microsoft.com/office/drawing/2014/main" xmlns="" w="9525">
+                  <a14:hiddenLine xmlns="" xmlns:a16="http://schemas.microsoft.com/office/drawing/2014/main" xmlns:p14="http://schemas.microsoft.com/office/powerpoint/2010/main" xmlns:a14="http://schemas.microsoft.com/office/drawing/2010/main" w="9525">
                     <a:solidFill>
                       <a:srgbClr val="000000"/>
                     </a:solidFill>
@@ -28297,7 +28680,7 @@
               </a:ln>
               <a:extLst>
                 <a:ext uri="{91240B29-F687-4f45-9708-019B960494DF}">
-                  <a14:hiddenLine xmlns:a14="http://schemas.microsoft.com/office/drawing/2010/main" xmlns:p14="http://schemas.microsoft.com/office/powerpoint/2010/main" xmlns:a16="http://schemas.microsoft.com/office/drawing/2014/main" xmlns="" w="9525">
+                  <a14:hiddenLine xmlns="" xmlns:a16="http://schemas.microsoft.com/office/drawing/2014/main" xmlns:p14="http://schemas.microsoft.com/office/powerpoint/2010/main" xmlns:a14="http://schemas.microsoft.com/office/drawing/2010/main" w="9525">
                     <a:solidFill>
                       <a:srgbClr val="000000"/>
                     </a:solidFill>
@@ -28377,7 +28760,7 @@
               </a:ln>
               <a:extLst>
                 <a:ext uri="{91240B29-F687-4f45-9708-019B960494DF}">
-                  <a14:hiddenLine xmlns:a14="http://schemas.microsoft.com/office/drawing/2010/main" xmlns:p14="http://schemas.microsoft.com/office/powerpoint/2010/main" xmlns:a16="http://schemas.microsoft.com/office/drawing/2014/main" xmlns="" w="9525">
+                  <a14:hiddenLine xmlns="" xmlns:a16="http://schemas.microsoft.com/office/drawing/2014/main" xmlns:p14="http://schemas.microsoft.com/office/powerpoint/2010/main" xmlns:a14="http://schemas.microsoft.com/office/drawing/2010/main" w="9525">
                     <a:solidFill>
                       <a:srgbClr val="000000"/>
                     </a:solidFill>
@@ -28512,7 +28895,7 @@
               </a:ln>
               <a:extLst>
                 <a:ext uri="{91240B29-F687-4f45-9708-019B960494DF}">
-                  <a14:hiddenLine xmlns:a14="http://schemas.microsoft.com/office/drawing/2010/main" xmlns:p14="http://schemas.microsoft.com/office/powerpoint/2010/main" xmlns:a16="http://schemas.microsoft.com/office/drawing/2014/main" xmlns="" w="9525">
+                  <a14:hiddenLine xmlns="" xmlns:a16="http://schemas.microsoft.com/office/drawing/2014/main" xmlns:p14="http://schemas.microsoft.com/office/powerpoint/2010/main" xmlns:a14="http://schemas.microsoft.com/office/drawing/2010/main" w="9525">
                     <a:solidFill>
                       <a:srgbClr val="000000"/>
                     </a:solidFill>
@@ -28623,7 +29006,7 @@
               </a:ln>
               <a:extLst>
                 <a:ext uri="{91240B29-F687-4f45-9708-019B960494DF}">
-                  <a14:hiddenLine xmlns:a14="http://schemas.microsoft.com/office/drawing/2010/main" xmlns:p14="http://schemas.microsoft.com/office/powerpoint/2010/main" xmlns:a16="http://schemas.microsoft.com/office/drawing/2014/main" xmlns="" w="9525">
+                  <a14:hiddenLine xmlns="" xmlns:a16="http://schemas.microsoft.com/office/drawing/2014/main" xmlns:p14="http://schemas.microsoft.com/office/powerpoint/2010/main" xmlns:a14="http://schemas.microsoft.com/office/drawing/2010/main" w="9525">
                     <a:solidFill>
                       <a:srgbClr val="000000"/>
                     </a:solidFill>
@@ -28753,7 +29136,7 @@
               </a:ln>
               <a:extLst>
                 <a:ext uri="{91240B29-F687-4f45-9708-019B960494DF}">
-                  <a14:hiddenLine xmlns:a14="http://schemas.microsoft.com/office/drawing/2010/main" xmlns:p14="http://schemas.microsoft.com/office/powerpoint/2010/main" xmlns:a16="http://schemas.microsoft.com/office/drawing/2014/main" xmlns="" w="9525">
+                  <a14:hiddenLine xmlns="" xmlns:a16="http://schemas.microsoft.com/office/drawing/2014/main" xmlns:p14="http://schemas.microsoft.com/office/powerpoint/2010/main" xmlns:a14="http://schemas.microsoft.com/office/drawing/2010/main" w="9525">
                     <a:solidFill>
                       <a:srgbClr val="000000"/>
                     </a:solidFill>
@@ -28858,7 +29241,7 @@
               </a:ln>
               <a:extLst>
                 <a:ext uri="{91240B29-F687-4f45-9708-019B960494DF}">
-                  <a14:hiddenLine xmlns:a14="http://schemas.microsoft.com/office/drawing/2010/main" xmlns:p14="http://schemas.microsoft.com/office/powerpoint/2010/main" xmlns:a16="http://schemas.microsoft.com/office/drawing/2014/main" xmlns="" w="9525">
+                  <a14:hiddenLine xmlns="" xmlns:a16="http://schemas.microsoft.com/office/drawing/2014/main" xmlns:p14="http://schemas.microsoft.com/office/powerpoint/2010/main" xmlns:a14="http://schemas.microsoft.com/office/drawing/2010/main" w="9525">
                     <a:solidFill>
                       <a:srgbClr val="000000"/>
                     </a:solidFill>
@@ -28938,7 +29321,7 @@
               </a:ln>
               <a:extLst>
                 <a:ext uri="{91240B29-F687-4f45-9708-019B960494DF}">
-                  <a14:hiddenLine xmlns:a14="http://schemas.microsoft.com/office/drawing/2010/main" xmlns:p14="http://schemas.microsoft.com/office/powerpoint/2010/main" xmlns:a16="http://schemas.microsoft.com/office/drawing/2014/main" xmlns="" w="9525">
+                  <a14:hiddenLine xmlns="" xmlns:a16="http://schemas.microsoft.com/office/drawing/2014/main" xmlns:p14="http://schemas.microsoft.com/office/powerpoint/2010/main" xmlns:a14="http://schemas.microsoft.com/office/drawing/2010/main" w="9525">
                     <a:solidFill>
                       <a:srgbClr val="000000"/>
                     </a:solidFill>
@@ -29043,7 +29426,7 @@
               </a:ln>
               <a:extLst>
                 <a:ext uri="{91240B29-F687-4f45-9708-019B960494DF}">
-                  <a14:hiddenLine xmlns:a14="http://schemas.microsoft.com/office/drawing/2010/main" xmlns:p14="http://schemas.microsoft.com/office/powerpoint/2010/main" xmlns:a16="http://schemas.microsoft.com/office/drawing/2014/main" xmlns="" w="9525">
+                  <a14:hiddenLine xmlns="" xmlns:a16="http://schemas.microsoft.com/office/drawing/2014/main" xmlns:p14="http://schemas.microsoft.com/office/powerpoint/2010/main" xmlns:a14="http://schemas.microsoft.com/office/drawing/2010/main" w="9525">
                     <a:solidFill>
                       <a:srgbClr val="000000"/>
                     </a:solidFill>
@@ -29126,7 +29509,7 @@
               </a:ln>
               <a:extLst>
                 <a:ext uri="{91240B29-F687-4f45-9708-019B960494DF}">
-                  <a14:hiddenLine xmlns:a14="http://schemas.microsoft.com/office/drawing/2010/main" xmlns:p14="http://schemas.microsoft.com/office/powerpoint/2010/main" xmlns:a16="http://schemas.microsoft.com/office/drawing/2014/main" xmlns="" w="9525">
+                  <a14:hiddenLine xmlns="" xmlns:a16="http://schemas.microsoft.com/office/drawing/2014/main" xmlns:p14="http://schemas.microsoft.com/office/powerpoint/2010/main" xmlns:a14="http://schemas.microsoft.com/office/drawing/2010/main" w="9525">
                     <a:solidFill>
                       <a:srgbClr val="000000"/>
                     </a:solidFill>
@@ -29231,7 +29614,7 @@
               </a:ln>
               <a:extLst>
                 <a:ext uri="{91240B29-F687-4f45-9708-019B960494DF}">
-                  <a14:hiddenLine xmlns:a14="http://schemas.microsoft.com/office/drawing/2010/main" xmlns:p14="http://schemas.microsoft.com/office/powerpoint/2010/main" xmlns:a16="http://schemas.microsoft.com/office/drawing/2014/main" xmlns="" w="9525">
+                  <a14:hiddenLine xmlns="" xmlns:a16="http://schemas.microsoft.com/office/drawing/2014/main" xmlns:p14="http://schemas.microsoft.com/office/powerpoint/2010/main" xmlns:a14="http://schemas.microsoft.com/office/drawing/2010/main" w="9525">
                     <a:solidFill>
                       <a:srgbClr val="000000"/>
                     </a:solidFill>
@@ -29314,7 +29697,7 @@
               </a:ln>
               <a:extLst>
                 <a:ext uri="{91240B29-F687-4f45-9708-019B960494DF}">
-                  <a14:hiddenLine xmlns:a14="http://schemas.microsoft.com/office/drawing/2010/main" xmlns:p14="http://schemas.microsoft.com/office/powerpoint/2010/main" xmlns:a16="http://schemas.microsoft.com/office/drawing/2014/main" xmlns="" w="9525">
+                  <a14:hiddenLine xmlns="" xmlns:a16="http://schemas.microsoft.com/office/drawing/2014/main" xmlns:p14="http://schemas.microsoft.com/office/powerpoint/2010/main" xmlns:a14="http://schemas.microsoft.com/office/drawing/2010/main" w="9525">
                     <a:solidFill>
                       <a:srgbClr val="000000"/>
                     </a:solidFill>
@@ -29419,7 +29802,7 @@
               </a:ln>
               <a:extLst>
                 <a:ext uri="{91240B29-F687-4f45-9708-019B960494DF}">
-                  <a14:hiddenLine xmlns:a14="http://schemas.microsoft.com/office/drawing/2010/main" xmlns:p14="http://schemas.microsoft.com/office/powerpoint/2010/main" xmlns:a16="http://schemas.microsoft.com/office/drawing/2014/main" xmlns="" w="9525">
+                  <a14:hiddenLine xmlns="" xmlns:a16="http://schemas.microsoft.com/office/drawing/2014/main" xmlns:p14="http://schemas.microsoft.com/office/powerpoint/2010/main" xmlns:a14="http://schemas.microsoft.com/office/drawing/2010/main" w="9525">
                     <a:solidFill>
                       <a:srgbClr val="000000"/>
                     </a:solidFill>
@@ -29468,7 +29851,7 @@
               </a:ln>
               <a:extLst>
                 <a:ext uri="{91240B29-F687-4f45-9708-019B960494DF}">
-                  <a14:hiddenLine xmlns:a14="http://schemas.microsoft.com/office/drawing/2010/main" xmlns:p14="http://schemas.microsoft.com/office/powerpoint/2010/main" xmlns:a16="http://schemas.microsoft.com/office/drawing/2014/main" xmlns="" w="9525">
+                  <a14:hiddenLine xmlns="" xmlns:a16="http://schemas.microsoft.com/office/drawing/2014/main" xmlns:p14="http://schemas.microsoft.com/office/powerpoint/2010/main" xmlns:a14="http://schemas.microsoft.com/office/drawing/2010/main" w="9525">
                     <a:solidFill>
                       <a:srgbClr val="000000"/>
                     </a:solidFill>
@@ -31186,6 +31569,21 @@
 </file>
 
 <file path=customXml/item1.xml><?xml version="1.0" encoding="utf-8"?>
+<?mso-contentType ?>
+<FormTemplates xmlns="http://schemas.microsoft.com/sharepoint/v3/contenttype/forms">
+  <Display>DocumentLibraryForm</Display>
+  <Edit>DocumentLibraryForm</Edit>
+  <New>DocumentLibraryForm</New>
+</FormTemplates>
+</file>
+
+<file path=customXml/item2.xml><?xml version="1.0" encoding="utf-8"?>
+<p:properties xmlns:p="http://schemas.microsoft.com/office/2006/metadata/properties" xmlns:xsi="http://www.w3.org/2001/XMLSchema-instance" xmlns:pc="http://schemas.microsoft.com/office/infopath/2007/PartnerControls">
+  <documentManagement/>
+</p:properties>
+</file>
+
+<file path=customXml/item3.xml><?xml version="1.0" encoding="utf-8"?>
 <ct:contentTypeSchema xmlns:ct="http://schemas.microsoft.com/office/2006/metadata/contentType" xmlns:ma="http://schemas.microsoft.com/office/2006/metadata/properties/metaAttributes" ct:_="" ma:_="" ma:contentTypeName="Belge" ma:contentTypeID="0x0101005C4A4B657320F049AA1D633651D5A527" ma:contentTypeVersion="10" ma:contentTypeDescription="Yeni belge oluşturun." ma:contentTypeScope="" ma:versionID="54de096795585f3fc417ea0d3572c9ae">
   <xsd:schema xmlns:xsd="http://www.w3.org/2001/XMLSchema" xmlns:xs="http://www.w3.org/2001/XMLSchema" xmlns:p="http://schemas.microsoft.com/office/2006/metadata/properties" xmlns:ns3="89b73cb6-9abe-4d87-a058-9d49bc0905c0" xmlns:ns4="ad4db333-1744-4fed-9c78-0ba4714da101" targetNamespace="http://schemas.microsoft.com/office/2006/metadata/properties" ma:root="true" ma:fieldsID="01b833e0e81877041e3895ee56010d14" ns3:_="" ns4:_="">
     <xsd:import namespace="89b73cb6-9abe-4d87-a058-9d49bc0905c0"/>
@@ -31388,36 +31786,10 @@
 </ct:contentTypeSchema>
 </file>
 
-<file path=customXml/item2.xml><?xml version="1.0" encoding="utf-8"?>
-<p:properties xmlns:p="http://schemas.microsoft.com/office/2006/metadata/properties" xmlns:xsi="http://www.w3.org/2001/XMLSchema-instance" xmlns:pc="http://schemas.microsoft.com/office/infopath/2007/PartnerControls">
-  <documentManagement/>
-</p:properties>
-</file>
-
-<file path=customXml/item3.xml><?xml version="1.0" encoding="utf-8"?>
-<?mso-contentType ?>
-<FormTemplates xmlns="http://schemas.microsoft.com/sharepoint/v3/contenttype/forms">
-  <Display>DocumentLibraryForm</Display>
-  <Edit>DocumentLibraryForm</Edit>
-  <New>DocumentLibraryForm</New>
-</FormTemplates>
-</file>
-
 <file path=customXml/itemProps1.xml><?xml version="1.0" encoding="utf-8"?>
-<ds:datastoreItem xmlns:ds="http://schemas.openxmlformats.org/officeDocument/2006/customXml" ds:itemID="{E03F3BD2-A353-4363-A8F0-A07D2AB1C10E}">
+<ds:datastoreItem xmlns:ds="http://schemas.openxmlformats.org/officeDocument/2006/customXml" ds:itemID="{C476031E-55DD-49DE-8AE4-90A67FB3FE5B}">
   <ds:schemaRefs>
-    <ds:schemaRef ds:uri="http://schemas.microsoft.com/office/2006/metadata/contentType"/>
-    <ds:schemaRef ds:uri="http://schemas.microsoft.com/office/2006/metadata/properties/metaAttributes"/>
-    <ds:schemaRef ds:uri="http://www.w3.org/2001/XMLSchema"/>
-    <ds:schemaRef ds:uri="http://schemas.microsoft.com/office/2006/metadata/properties"/>
-    <ds:schemaRef ds:uri="89b73cb6-9abe-4d87-a058-9d49bc0905c0"/>
-    <ds:schemaRef ds:uri="ad4db333-1744-4fed-9c78-0ba4714da101"/>
-    <ds:schemaRef ds:uri="http://schemas.microsoft.com/office/2006/documentManagement/types"/>
-    <ds:schemaRef ds:uri="http://schemas.microsoft.com/office/infopath/2007/PartnerControls"/>
-    <ds:schemaRef ds:uri="http://schemas.openxmlformats.org/package/2006/metadata/core-properties"/>
-    <ds:schemaRef ds:uri="http://purl.org/dc/elements/1.1/"/>
-    <ds:schemaRef ds:uri="http://purl.org/dc/terms/"/>
-    <ds:schemaRef ds:uri="http://schemas.microsoft.com/internal/obd"/>
+    <ds:schemaRef ds:uri="http://schemas.microsoft.com/sharepoint/v3/contenttype/forms"/>
   </ds:schemaRefs>
 </ds:datastoreItem>
 </file>
@@ -31440,9 +31812,20 @@
 </file>
 
 <file path=customXml/itemProps3.xml><?xml version="1.0" encoding="utf-8"?>
-<ds:datastoreItem xmlns:ds="http://schemas.openxmlformats.org/officeDocument/2006/customXml" ds:itemID="{C476031E-55DD-49DE-8AE4-90A67FB3FE5B}">
+<ds:datastoreItem xmlns:ds="http://schemas.openxmlformats.org/officeDocument/2006/customXml" ds:itemID="{E03F3BD2-A353-4363-A8F0-A07D2AB1C10E}">
   <ds:schemaRefs>
-    <ds:schemaRef ds:uri="http://schemas.microsoft.com/sharepoint/v3/contenttype/forms"/>
+    <ds:schemaRef ds:uri="http://schemas.microsoft.com/office/2006/metadata/contentType"/>
+    <ds:schemaRef ds:uri="http://schemas.microsoft.com/office/2006/metadata/properties/metaAttributes"/>
+    <ds:schemaRef ds:uri="http://www.w3.org/2001/XMLSchema"/>
+    <ds:schemaRef ds:uri="http://schemas.microsoft.com/office/2006/metadata/properties"/>
+    <ds:schemaRef ds:uri="89b73cb6-9abe-4d87-a058-9d49bc0905c0"/>
+    <ds:schemaRef ds:uri="ad4db333-1744-4fed-9c78-0ba4714da101"/>
+    <ds:schemaRef ds:uri="http://schemas.microsoft.com/office/2006/documentManagement/types"/>
+    <ds:schemaRef ds:uri="http://schemas.microsoft.com/office/infopath/2007/PartnerControls"/>
+    <ds:schemaRef ds:uri="http://schemas.openxmlformats.org/package/2006/metadata/core-properties"/>
+    <ds:schemaRef ds:uri="http://purl.org/dc/elements/1.1/"/>
+    <ds:schemaRef ds:uri="http://purl.org/dc/terms/"/>
+    <ds:schemaRef ds:uri="http://schemas.microsoft.com/internal/obd"/>
   </ds:schemaRefs>
 </ds:datastoreItem>
 </file>
--- a/UpdateMachine Learning I Short Project.pptx
+++ b/UpdateMachine Learning I Short Project.pptx
@@ -5,28 +5,26 @@
     <p:sldMasterId id="2147483648" r:id="rId4"/>
   </p:sldMasterIdLst>
   <p:notesMasterIdLst>
-    <p:notesMasterId r:id="rId24"/>
+    <p:notesMasterId r:id="rId22"/>
   </p:notesMasterIdLst>
   <p:sldIdLst>
     <p:sldId id="256" r:id="rId5"/>
     <p:sldId id="257" r:id="rId6"/>
     <p:sldId id="258" r:id="rId7"/>
-    <p:sldId id="259" r:id="rId8"/>
-    <p:sldId id="260" r:id="rId9"/>
-    <p:sldId id="271" r:id="rId10"/>
-    <p:sldId id="261" r:id="rId11"/>
-    <p:sldId id="272" r:id="rId12"/>
-    <p:sldId id="262" r:id="rId13"/>
-    <p:sldId id="273" r:id="rId14"/>
-    <p:sldId id="263" r:id="rId15"/>
-    <p:sldId id="264" r:id="rId16"/>
-    <p:sldId id="265" r:id="rId17"/>
-    <p:sldId id="274" r:id="rId18"/>
-    <p:sldId id="267" r:id="rId19"/>
-    <p:sldId id="266" r:id="rId20"/>
-    <p:sldId id="269" r:id="rId21"/>
-    <p:sldId id="268" r:id="rId22"/>
-    <p:sldId id="270" r:id="rId23"/>
+    <p:sldId id="260" r:id="rId8"/>
+    <p:sldId id="271" r:id="rId9"/>
+    <p:sldId id="261" r:id="rId10"/>
+    <p:sldId id="272" r:id="rId11"/>
+    <p:sldId id="262" r:id="rId12"/>
+    <p:sldId id="273" r:id="rId13"/>
+    <p:sldId id="263" r:id="rId14"/>
+    <p:sldId id="264" r:id="rId15"/>
+    <p:sldId id="265" r:id="rId16"/>
+    <p:sldId id="274" r:id="rId17"/>
+    <p:sldId id="267" r:id="rId18"/>
+    <p:sldId id="266" r:id="rId19"/>
+    <p:sldId id="269" r:id="rId20"/>
+    <p:sldId id="270" r:id="rId21"/>
   </p:sldIdLst>
   <p:sldSz cx="12192000" cy="6858000"/>
   <p:notesSz cx="6858000" cy="9144000"/>
@@ -714,6 +712,18 @@
           <a:bodyPr/>
           <a:lstStyle/>
           <a:p>
+            <a:r>
+              <a:rPr lang="pl-PL" dirty="0" err="1"/>
+              <a:t>Add</a:t>
+            </a:r>
+            <a:r>
+              <a:rPr lang="pl-PL" dirty="0"/>
+              <a:t> </a:t>
+            </a:r>
+            <a:r>
+              <a:rPr lang="pl-PL" dirty="0" err="1"/>
+              <a:t>hurdle</a:t>
+            </a:r>
             <a:endParaRPr lang="en-US" dirty="0"/>
           </a:p>
         </p:txBody>
@@ -744,7 +754,7 @@
     </p:spTree>
     <p:extLst>
       <p:ext uri="{BB962C8B-B14F-4D97-AF65-F5344CB8AC3E}">
-        <p14:creationId xmlns:p14="http://schemas.microsoft.com/office/powerpoint/2010/main" val="2941363658"/>
+        <p14:creationId xmlns:p14="http://schemas.microsoft.com/office/powerpoint/2010/main" val="3773630437"/>
       </p:ext>
     </p:extLst>
   </p:cSld>
@@ -755,6 +765,193 @@
 </file>
 
 <file path=ppt/notesSlides/notesSlide11.xml><?xml version="1.0" encoding="utf-8"?>
+<p:notes xmlns:a="http://schemas.openxmlformats.org/drawingml/2006/main" xmlns:r="http://schemas.openxmlformats.org/officeDocument/2006/relationships" xmlns:p="http://schemas.openxmlformats.org/presentationml/2006/main">
+  <p:cSld>
+    <p:spTree>
+      <p:nvGrpSpPr>
+        <p:cNvPr id="1" name=""/>
+        <p:cNvGrpSpPr/>
+        <p:nvPr/>
+      </p:nvGrpSpPr>
+      <p:grpSpPr>
+        <a:xfrm>
+          <a:off x="0" y="0"/>
+          <a:ext cx="0" cy="0"/>
+          <a:chOff x="0" y="0"/>
+          <a:chExt cx="0" cy="0"/>
+        </a:xfrm>
+      </p:grpSpPr>
+      <p:sp>
+        <p:nvSpPr>
+          <p:cNvPr id="2" name="Symbol zastępczy obrazu slajdu 1"/>
+          <p:cNvSpPr>
+            <a:spLocks noGrp="1" noRot="1" noChangeAspect="1"/>
+          </p:cNvSpPr>
+          <p:nvPr>
+            <p:ph type="sldImg"/>
+          </p:nvPr>
+        </p:nvSpPr>
+        <p:spPr/>
+      </p:sp>
+      <p:sp>
+        <p:nvSpPr>
+          <p:cNvPr id="3" name="Symbol zastępczy notatek 2"/>
+          <p:cNvSpPr>
+            <a:spLocks noGrp="1"/>
+          </p:cNvSpPr>
+          <p:nvPr>
+            <p:ph type="body" idx="1"/>
+          </p:nvPr>
+        </p:nvSpPr>
+        <p:spPr/>
+        <p:txBody>
+          <a:bodyPr/>
+          <a:lstStyle/>
+          <a:p>
+            <a:r>
+              <a:rPr lang="pl-PL" dirty="0" err="1"/>
+              <a:t>Round</a:t>
+            </a:r>
+            <a:r>
+              <a:rPr lang="pl-PL" dirty="0"/>
+              <a:t> the </a:t>
+            </a:r>
+            <a:r>
+              <a:rPr lang="pl-PL" dirty="0" err="1"/>
+              <a:t>scores</a:t>
+            </a:r>
+            <a:r>
+              <a:rPr lang="pl-PL" dirty="0"/>
+              <a:t>, </a:t>
+            </a:r>
+            <a:r>
+              <a:rPr lang="pl-PL" dirty="0" err="1"/>
+              <a:t>remove</a:t>
+            </a:r>
+            <a:r>
+              <a:rPr lang="pl-PL" dirty="0"/>
+              <a:t> MAE (</a:t>
+            </a:r>
+            <a:r>
+              <a:rPr lang="pl-PL" dirty="0" err="1"/>
+              <a:t>or</a:t>
+            </a:r>
+            <a:r>
+              <a:rPr lang="pl-PL" dirty="0"/>
+              <a:t> </a:t>
+            </a:r>
+            <a:r>
+              <a:rPr lang="pl-PL" dirty="0" err="1"/>
+              <a:t>even</a:t>
+            </a:r>
+            <a:r>
+              <a:rPr lang="pl-PL" dirty="0"/>
+              <a:t> RMSE? </a:t>
+            </a:r>
+            <a:r>
+              <a:rPr lang="pl-PL" dirty="0" err="1"/>
+              <a:t>dunno</a:t>
+            </a:r>
+            <a:r>
+              <a:rPr lang="pl-PL" dirty="0"/>
+              <a:t>)</a:t>
+            </a:r>
+          </a:p>
+          <a:p>
+            <a:pPr marL="0" marR="0" lvl="0" indent="0" algn="l" defTabSz="914400" rtl="0" eaLnBrk="1" fontAlgn="auto" latinLnBrk="0" hangingPunct="1">
+              <a:lnSpc>
+                <a:spcPct val="100000"/>
+              </a:lnSpc>
+              <a:spcBef>
+                <a:spcPts val="0"/>
+              </a:spcBef>
+              <a:spcAft>
+                <a:spcPts val="0"/>
+              </a:spcAft>
+              <a:buClrTx/>
+              <a:buSzTx/>
+              <a:buFontTx/>
+              <a:buNone/>
+              <a:tabLst/>
+              <a:defRPr/>
+            </a:pPr>
+            <a:r>
+              <a:rPr lang="pl-PL" dirty="0" err="1"/>
+              <a:t>That</a:t>
+            </a:r>
+            <a:r>
+              <a:rPr lang="pl-PL" dirty="0"/>
+              <a:t> </a:t>
+            </a:r>
+            <a:r>
+              <a:rPr lang="pl-PL" dirty="0" err="1"/>
+              <a:t>slide</a:t>
+            </a:r>
+            <a:r>
+              <a:rPr lang="pl-PL" dirty="0"/>
+              <a:t> </a:t>
+            </a:r>
+            <a:r>
+              <a:rPr lang="pl-PL" dirty="0" err="1"/>
+              <a:t>is</a:t>
+            </a:r>
+            <a:r>
+              <a:rPr lang="pl-PL" dirty="0"/>
+              <a:t> </a:t>
+            </a:r>
+            <a:r>
+              <a:rPr lang="pl-PL" dirty="0" err="1"/>
+              <a:t>very</a:t>
+            </a:r>
+            <a:r>
+              <a:rPr lang="pl-PL" dirty="0"/>
+              <a:t> off </a:t>
+            </a:r>
+            <a:r>
+              <a:rPr lang="pl-PL" dirty="0" err="1"/>
+              <a:t>actually</a:t>
+            </a:r>
+            <a:endParaRPr lang="en-US" dirty="0"/>
+          </a:p>
+        </p:txBody>
+      </p:sp>
+      <p:sp>
+        <p:nvSpPr>
+          <p:cNvPr id="4" name="Symbol zastępczy numeru slajdu 3"/>
+          <p:cNvSpPr>
+            <a:spLocks noGrp="1"/>
+          </p:cNvSpPr>
+          <p:nvPr>
+            <p:ph type="sldNum" sz="quarter" idx="5"/>
+          </p:nvPr>
+        </p:nvSpPr>
+        <p:spPr/>
+        <p:txBody>
+          <a:bodyPr/>
+          <a:lstStyle/>
+          <a:p>
+            <a:fld id="{E1DAF758-79EF-40A8-B313-F33FB4F06C02}" type="slidenum">
+              <a:rPr lang="tr-TR" smtClean="0"/>
+              <a:t>11</a:t>
+            </a:fld>
+            <a:endParaRPr lang="tr-TR"/>
+          </a:p>
+        </p:txBody>
+      </p:sp>
+    </p:spTree>
+    <p:extLst>
+      <p:ext uri="{BB962C8B-B14F-4D97-AF65-F5344CB8AC3E}">
+        <p14:creationId xmlns:p14="http://schemas.microsoft.com/office/powerpoint/2010/main" val="3751397567"/>
+      </p:ext>
+    </p:extLst>
+  </p:cSld>
+  <p:clrMapOvr>
+    <a:masterClrMapping/>
+  </p:clrMapOvr>
+</p:notes>
+</file>
+
+<file path=ppt/notesSlides/notesSlide12.xml><?xml version="1.0" encoding="utf-8"?>
 <p:notes xmlns:a="http://schemas.openxmlformats.org/drawingml/2006/main" xmlns:r="http://schemas.openxmlformats.org/officeDocument/2006/relationships" xmlns:p="http://schemas.openxmlformats.org/presentationml/2006/main">
   <p:cSld>
     <p:spTree>
@@ -799,18 +996,44 @@
           <a:lstStyle/>
           <a:p>
             <a:r>
+              <a:rPr lang="pl-PL" dirty="0"/>
+              <a:t>Plot </a:t>
+            </a:r>
+            <a:r>
               <a:rPr lang="pl-PL" dirty="0" err="1"/>
-              <a:t>Add</a:t>
+              <a:t>larger</a:t>
             </a:r>
             <a:r>
               <a:rPr lang="pl-PL" dirty="0"/>
-              <a:t> </a:t>
+              <a:t>, one </a:t>
             </a:r>
             <a:r>
               <a:rPr lang="pl-PL" dirty="0" err="1"/>
-              <a:t>hurdle</a:t>
-            </a:r>
-            <a:endParaRPr lang="en-US" dirty="0"/>
+              <a:t>score</a:t>
+            </a:r>
+            <a:r>
+              <a:rPr lang="pl-PL" dirty="0"/>
+              <a:t> (R2?), </a:t>
+            </a:r>
+            <a:r>
+              <a:rPr lang="pl-PL" dirty="0" err="1"/>
+              <a:t>round</a:t>
+            </a:r>
+            <a:r>
+              <a:rPr lang="pl-PL" dirty="0"/>
+              <a:t> the </a:t>
+            </a:r>
+            <a:r>
+              <a:rPr lang="pl-PL" dirty="0" err="1"/>
+              <a:t>scores</a:t>
+            </a:r>
+            <a:endParaRPr lang="pl-PL" dirty="0"/>
+          </a:p>
+          <a:p>
+            <a:r>
+              <a:rPr lang="en-US" dirty="0"/>
+              <a:t>Scores with best alpha at 10</a:t>
+            </a:r>
           </a:p>
         </p:txBody>
       </p:sp>
@@ -831,7 +1054,7 @@
           <a:p>
             <a:fld id="{E1DAF758-79EF-40A8-B313-F33FB4F06C02}" type="slidenum">
               <a:rPr lang="tr-TR" smtClean="0"/>
-              <a:t>11</a:t>
+              <a:t>12</a:t>
             </a:fld>
             <a:endParaRPr lang="tr-TR"/>
           </a:p>
@@ -840,194 +1063,7 @@
     </p:spTree>
     <p:extLst>
       <p:ext uri="{BB962C8B-B14F-4D97-AF65-F5344CB8AC3E}">
-        <p14:creationId xmlns:p14="http://schemas.microsoft.com/office/powerpoint/2010/main" val="3773630437"/>
-      </p:ext>
-    </p:extLst>
-  </p:cSld>
-  <p:clrMapOvr>
-    <a:masterClrMapping/>
-  </p:clrMapOvr>
-</p:notes>
-</file>
-
-<file path=ppt/notesSlides/notesSlide12.xml><?xml version="1.0" encoding="utf-8"?>
-<p:notes xmlns:a="http://schemas.openxmlformats.org/drawingml/2006/main" xmlns:r="http://schemas.openxmlformats.org/officeDocument/2006/relationships" xmlns:p="http://schemas.openxmlformats.org/presentationml/2006/main">
-  <p:cSld>
-    <p:spTree>
-      <p:nvGrpSpPr>
-        <p:cNvPr id="1" name=""/>
-        <p:cNvGrpSpPr/>
-        <p:nvPr/>
-      </p:nvGrpSpPr>
-      <p:grpSpPr>
-        <a:xfrm>
-          <a:off x="0" y="0"/>
-          <a:ext cx="0" cy="0"/>
-          <a:chOff x="0" y="0"/>
-          <a:chExt cx="0" cy="0"/>
-        </a:xfrm>
-      </p:grpSpPr>
-      <p:sp>
-        <p:nvSpPr>
-          <p:cNvPr id="2" name="Symbol zastępczy obrazu slajdu 1"/>
-          <p:cNvSpPr>
-            <a:spLocks noGrp="1" noRot="1" noChangeAspect="1"/>
-          </p:cNvSpPr>
-          <p:nvPr>
-            <p:ph type="sldImg"/>
-          </p:nvPr>
-        </p:nvSpPr>
-        <p:spPr/>
-      </p:sp>
-      <p:sp>
-        <p:nvSpPr>
-          <p:cNvPr id="3" name="Symbol zastępczy notatek 2"/>
-          <p:cNvSpPr>
-            <a:spLocks noGrp="1"/>
-          </p:cNvSpPr>
-          <p:nvPr>
-            <p:ph type="body" idx="1"/>
-          </p:nvPr>
-        </p:nvSpPr>
-        <p:spPr/>
-        <p:txBody>
-          <a:bodyPr/>
-          <a:lstStyle/>
-          <a:p>
-            <a:r>
-              <a:rPr lang="pl-PL" dirty="0" err="1"/>
-              <a:t>Round</a:t>
-            </a:r>
-            <a:r>
-              <a:rPr lang="pl-PL" dirty="0"/>
-              <a:t> the </a:t>
-            </a:r>
-            <a:r>
-              <a:rPr lang="pl-PL" dirty="0" err="1"/>
-              <a:t>scores</a:t>
-            </a:r>
-            <a:r>
-              <a:rPr lang="pl-PL" dirty="0"/>
-              <a:t>, </a:t>
-            </a:r>
-            <a:r>
-              <a:rPr lang="pl-PL" dirty="0" err="1"/>
-              <a:t>remove</a:t>
-            </a:r>
-            <a:r>
-              <a:rPr lang="pl-PL" dirty="0"/>
-              <a:t> MAE (</a:t>
-            </a:r>
-            <a:r>
-              <a:rPr lang="pl-PL" dirty="0" err="1"/>
-              <a:t>or</a:t>
-            </a:r>
-            <a:r>
-              <a:rPr lang="pl-PL" dirty="0"/>
-              <a:t> </a:t>
-            </a:r>
-            <a:r>
-              <a:rPr lang="pl-PL" dirty="0" err="1"/>
-              <a:t>even</a:t>
-            </a:r>
-            <a:r>
-              <a:rPr lang="pl-PL" dirty="0"/>
-              <a:t> RMSE? </a:t>
-            </a:r>
-            <a:r>
-              <a:rPr lang="pl-PL" dirty="0" err="1"/>
-              <a:t>dunno</a:t>
-            </a:r>
-            <a:r>
-              <a:rPr lang="pl-PL" dirty="0"/>
-              <a:t>)</a:t>
-            </a:r>
-          </a:p>
-          <a:p>
-            <a:pPr marL="0" marR="0" lvl="0" indent="0" algn="l" defTabSz="914400" rtl="0" eaLnBrk="1" fontAlgn="auto" latinLnBrk="0" hangingPunct="1">
-              <a:lnSpc>
-                <a:spcPct val="100000"/>
-              </a:lnSpc>
-              <a:spcBef>
-                <a:spcPts val="0"/>
-              </a:spcBef>
-              <a:spcAft>
-                <a:spcPts val="0"/>
-              </a:spcAft>
-              <a:buClrTx/>
-              <a:buSzTx/>
-              <a:buFontTx/>
-              <a:buNone/>
-              <a:tabLst/>
-              <a:defRPr/>
-            </a:pPr>
-            <a:r>
-              <a:rPr lang="pl-PL" dirty="0" err="1"/>
-              <a:t>That</a:t>
-            </a:r>
-            <a:r>
-              <a:rPr lang="pl-PL" dirty="0"/>
-              <a:t> </a:t>
-            </a:r>
-            <a:r>
-              <a:rPr lang="pl-PL" dirty="0" err="1"/>
-              <a:t>slide</a:t>
-            </a:r>
-            <a:r>
-              <a:rPr lang="pl-PL" dirty="0"/>
-              <a:t> </a:t>
-            </a:r>
-            <a:r>
-              <a:rPr lang="pl-PL" dirty="0" err="1"/>
-              <a:t>is</a:t>
-            </a:r>
-            <a:r>
-              <a:rPr lang="pl-PL" dirty="0"/>
-              <a:t> </a:t>
-            </a:r>
-            <a:r>
-              <a:rPr lang="pl-PL" dirty="0" err="1"/>
-              <a:t>very</a:t>
-            </a:r>
-            <a:r>
-              <a:rPr lang="pl-PL" dirty="0"/>
-              <a:t> off </a:t>
-            </a:r>
-            <a:r>
-              <a:rPr lang="pl-PL" dirty="0" err="1"/>
-              <a:t>actually</a:t>
-            </a:r>
-            <a:endParaRPr lang="en-US" dirty="0"/>
-          </a:p>
-        </p:txBody>
-      </p:sp>
-      <p:sp>
-        <p:nvSpPr>
-          <p:cNvPr id="4" name="Symbol zastępczy numeru slajdu 3"/>
-          <p:cNvSpPr>
-            <a:spLocks noGrp="1"/>
-          </p:cNvSpPr>
-          <p:nvPr>
-            <p:ph type="sldNum" sz="quarter" idx="5"/>
-          </p:nvPr>
-        </p:nvSpPr>
-        <p:spPr/>
-        <p:txBody>
-          <a:bodyPr/>
-          <a:lstStyle/>
-          <a:p>
-            <a:fld id="{E1DAF758-79EF-40A8-B313-F33FB4F06C02}" type="slidenum">
-              <a:rPr lang="tr-TR" smtClean="0"/>
-              <a:t>12</a:t>
-            </a:fld>
-            <a:endParaRPr lang="tr-TR"/>
-          </a:p>
-        </p:txBody>
-      </p:sp>
-    </p:spTree>
-    <p:extLst>
-      <p:ext uri="{BB962C8B-B14F-4D97-AF65-F5344CB8AC3E}">
-        <p14:creationId xmlns:p14="http://schemas.microsoft.com/office/powerpoint/2010/main" val="3751397567"/>
+        <p14:creationId xmlns:p14="http://schemas.microsoft.com/office/powerpoint/2010/main" val="1638388086"/>
       </p:ext>
     </p:extLst>
   </p:cSld>
@@ -1149,7 +1185,7 @@
     </p:spTree>
     <p:extLst>
       <p:ext uri="{BB962C8B-B14F-4D97-AF65-F5344CB8AC3E}">
-        <p14:creationId xmlns:p14="http://schemas.microsoft.com/office/powerpoint/2010/main" val="1638388086"/>
+        <p14:creationId xmlns:p14="http://schemas.microsoft.com/office/powerpoint/2010/main" val="1658899915"/>
       </p:ext>
     </p:extLst>
   </p:cSld>
@@ -1205,35 +1241,11 @@
           <a:p>
             <a:r>
               <a:rPr lang="pl-PL" dirty="0"/>
-              <a:t>Plot </a:t>
+              <a:t>Same as </a:t>
             </a:r>
             <a:r>
               <a:rPr lang="pl-PL" dirty="0" err="1"/>
-              <a:t>larger</a:t>
-            </a:r>
-            <a:r>
-              <a:rPr lang="pl-PL" dirty="0"/>
-              <a:t>, one </a:t>
-            </a:r>
-            <a:r>
-              <a:rPr lang="pl-PL" dirty="0" err="1"/>
-              <a:t>score</a:t>
-            </a:r>
-            <a:r>
-              <a:rPr lang="pl-PL" dirty="0"/>
-              <a:t> (R2?), </a:t>
-            </a:r>
-            <a:r>
-              <a:rPr lang="pl-PL" dirty="0" err="1"/>
-              <a:t>round</a:t>
-            </a:r>
-            <a:r>
-              <a:rPr lang="pl-PL" dirty="0"/>
-              <a:t> the </a:t>
-            </a:r>
-            <a:r>
-              <a:rPr lang="pl-PL" dirty="0" err="1"/>
-              <a:t>scores</a:t>
+              <a:t>ridge</a:t>
             </a:r>
             <a:endParaRPr lang="pl-PL" dirty="0"/>
           </a:p>
@@ -1271,7 +1283,7 @@
     </p:spTree>
     <p:extLst>
       <p:ext uri="{BB962C8B-B14F-4D97-AF65-F5344CB8AC3E}">
-        <p14:creationId xmlns:p14="http://schemas.microsoft.com/office/powerpoint/2010/main" val="1658899915"/>
+        <p14:creationId xmlns:p14="http://schemas.microsoft.com/office/powerpoint/2010/main" val="785283360"/>
       </p:ext>
     </p:extLst>
   </p:cSld>
@@ -1300,7 +1312,7 @@
       </p:grpSpPr>
       <p:sp>
         <p:nvSpPr>
-          <p:cNvPr id="2" name="Slide Image Placeholder 1"/>
+          <p:cNvPr id="2" name="Symbol zastępczy obrazu slajdu 1"/>
           <p:cNvSpPr>
             <a:spLocks noGrp="1" noRot="1" noChangeAspect="1"/>
           </p:cNvSpPr>
@@ -1312,7 +1324,7 @@
       </p:sp>
       <p:sp>
         <p:nvSpPr>
-          <p:cNvPr id="3" name="Notes Placeholder 2"/>
+          <p:cNvPr id="3" name="Symbol zastępczy notatek 2"/>
           <p:cNvSpPr>
             <a:spLocks noGrp="1"/>
           </p:cNvSpPr>
@@ -1327,25 +1339,59 @@
           <a:p>
             <a:r>
               <a:rPr lang="pl-PL" dirty="0"/>
-              <a:t>Same as </a:t>
+              <a:t>TODO: </a:t>
             </a:r>
             <a:r>
               <a:rPr lang="pl-PL" dirty="0" err="1"/>
-              <a:t>ridge</a:t>
+              <a:t>Copy</a:t>
+            </a:r>
+            <a:r>
+              <a:rPr lang="pl-PL" dirty="0"/>
+              <a:t> the </a:t>
+            </a:r>
+            <a:r>
+              <a:rPr lang="pl-PL" dirty="0" err="1"/>
+              <a:t>table</a:t>
+            </a:r>
+            <a:r>
+              <a:rPr lang="pl-PL" dirty="0"/>
+              <a:t> </a:t>
+            </a:r>
+            <a:r>
+              <a:rPr lang="pl-PL" dirty="0" err="1"/>
+              <a:t>contents</a:t>
+            </a:r>
+            <a:r>
+              <a:rPr lang="pl-PL" dirty="0"/>
+              <a:t>, not the </a:t>
+            </a:r>
+            <a:r>
+              <a:rPr lang="pl-PL" dirty="0" err="1"/>
+              <a:t>photo</a:t>
+            </a:r>
+            <a:r>
+              <a:rPr lang="pl-PL" dirty="0"/>
+              <a:t> – to </a:t>
+            </a:r>
+            <a:r>
+              <a:rPr lang="pl-PL" dirty="0" err="1"/>
+              <a:t>keep</a:t>
+            </a:r>
+            <a:r>
+              <a:rPr lang="pl-PL" dirty="0"/>
+              <a:t> the same </a:t>
+            </a:r>
+            <a:r>
+              <a:rPr lang="pl-PL" dirty="0" err="1"/>
+              <a:t>font</a:t>
             </a:r>
             <a:endParaRPr lang="pl-PL" dirty="0"/>
-          </a:p>
-          <a:p>
-            <a:r>
-              <a:rPr lang="en-US" dirty="0"/>
-              <a:t>Scores with best alpha at 10</a:t>
-            </a:r>
           </a:p>
         </p:txBody>
       </p:sp>
       <p:sp>
         <p:nvSpPr>
-          <p:cNvPr id="4" name="Slide Number Placeholder 3"/>
+          <p:cNvPr id="4" name="Symbol zastępczy numeru slajdu 3"/>
           <p:cNvSpPr>
             <a:spLocks noGrp="1"/>
           </p:cNvSpPr>
@@ -1369,7 +1415,7 @@
     </p:spTree>
     <p:extLst>
       <p:ext uri="{BB962C8B-B14F-4D97-AF65-F5344CB8AC3E}">
-        <p14:creationId xmlns:p14="http://schemas.microsoft.com/office/powerpoint/2010/main" val="785283360"/>
+        <p14:creationId xmlns:p14="http://schemas.microsoft.com/office/powerpoint/2010/main" val="3718672333"/>
       </p:ext>
     </p:extLst>
   </p:cSld>
@@ -1423,55 +1469,7 @@
           <a:bodyPr/>
           <a:lstStyle/>
           <a:p>
-            <a:r>
-              <a:rPr lang="pl-PL" dirty="0"/>
-              <a:t>TODO: </a:t>
-            </a:r>
-            <a:r>
-              <a:rPr lang="pl-PL" dirty="0" err="1"/>
-              <a:t>Copy</a:t>
-            </a:r>
-            <a:r>
-              <a:rPr lang="pl-PL" dirty="0"/>
-              <a:t> the </a:t>
-            </a:r>
-            <a:r>
-              <a:rPr lang="pl-PL" dirty="0" err="1"/>
-              <a:t>table</a:t>
-            </a:r>
-            <a:r>
-              <a:rPr lang="pl-PL" dirty="0"/>
-              <a:t> </a:t>
-            </a:r>
-            <a:r>
-              <a:rPr lang="pl-PL" dirty="0" err="1"/>
-              <a:t>contents</a:t>
-            </a:r>
-            <a:r>
-              <a:rPr lang="pl-PL" dirty="0"/>
-              <a:t>, not the </a:t>
-            </a:r>
-            <a:r>
-              <a:rPr lang="pl-PL" dirty="0" err="1"/>
-              <a:t>photo</a:t>
-            </a:r>
-            <a:r>
-              <a:rPr lang="pl-PL" dirty="0"/>
-              <a:t> – to </a:t>
-            </a:r>
-            <a:r>
-              <a:rPr lang="pl-PL" dirty="0" err="1"/>
-              <a:t>keep</a:t>
-            </a:r>
-            <a:r>
-              <a:rPr lang="pl-PL" dirty="0"/>
-              <a:t> the same </a:t>
-            </a:r>
-            <a:r>
-              <a:rPr lang="pl-PL" dirty="0" err="1"/>
-              <a:t>font</a:t>
-            </a:r>
-            <a:endParaRPr lang="pl-PL" dirty="0"/>
+            <a:endParaRPr lang="pl-PL"/>
           </a:p>
         </p:txBody>
       </p:sp>
@@ -1492,91 +1490,7 @@
           <a:p>
             <a:fld id="{E1DAF758-79EF-40A8-B313-F33FB4F06C02}" type="slidenum">
               <a:rPr lang="tr-TR" smtClean="0"/>
-              <a:t>16</a:t>
-            </a:fld>
-            <a:endParaRPr lang="tr-TR"/>
-          </a:p>
-        </p:txBody>
-      </p:sp>
-    </p:spTree>
-    <p:extLst>
-      <p:ext uri="{BB962C8B-B14F-4D97-AF65-F5344CB8AC3E}">
-        <p14:creationId xmlns:p14="http://schemas.microsoft.com/office/powerpoint/2010/main" val="3718672333"/>
-      </p:ext>
-    </p:extLst>
-  </p:cSld>
-  <p:clrMapOvr>
-    <a:masterClrMapping/>
-  </p:clrMapOvr>
-</p:notes>
-</file>
-
-<file path=ppt/notesSlides/notesSlide17.xml><?xml version="1.0" encoding="utf-8"?>
-<p:notes xmlns:a="http://schemas.openxmlformats.org/drawingml/2006/main" xmlns:r="http://schemas.openxmlformats.org/officeDocument/2006/relationships" xmlns:p="http://schemas.openxmlformats.org/presentationml/2006/main">
-  <p:cSld>
-    <p:spTree>
-      <p:nvGrpSpPr>
-        <p:cNvPr id="1" name=""/>
-        <p:cNvGrpSpPr/>
-        <p:nvPr/>
-      </p:nvGrpSpPr>
-      <p:grpSpPr>
-        <a:xfrm>
-          <a:off x="0" y="0"/>
-          <a:ext cx="0" cy="0"/>
-          <a:chOff x="0" y="0"/>
-          <a:chExt cx="0" cy="0"/>
-        </a:xfrm>
-      </p:grpSpPr>
-      <p:sp>
-        <p:nvSpPr>
-          <p:cNvPr id="2" name="Symbol zastępczy obrazu slajdu 1"/>
-          <p:cNvSpPr>
-            <a:spLocks noGrp="1" noRot="1" noChangeAspect="1"/>
-          </p:cNvSpPr>
-          <p:nvPr>
-            <p:ph type="sldImg"/>
-          </p:nvPr>
-        </p:nvSpPr>
-        <p:spPr/>
-      </p:sp>
-      <p:sp>
-        <p:nvSpPr>
-          <p:cNvPr id="3" name="Symbol zastępczy notatek 2"/>
-          <p:cNvSpPr>
-            <a:spLocks noGrp="1"/>
-          </p:cNvSpPr>
-          <p:nvPr>
-            <p:ph type="body" idx="1"/>
-          </p:nvPr>
-        </p:nvSpPr>
-        <p:spPr/>
-        <p:txBody>
-          <a:bodyPr/>
-          <a:lstStyle/>
-          <a:p>
-            <a:endParaRPr lang="pl-PL"/>
-          </a:p>
-        </p:txBody>
-      </p:sp>
-      <p:sp>
-        <p:nvSpPr>
-          <p:cNvPr id="4" name="Symbol zastępczy numeru slajdu 3"/>
-          <p:cNvSpPr>
-            <a:spLocks noGrp="1"/>
-          </p:cNvSpPr>
-          <p:nvPr>
-            <p:ph type="sldNum" sz="quarter" idx="5"/>
-          </p:nvPr>
-        </p:nvSpPr>
-        <p:spPr/>
-        <p:txBody>
-          <a:bodyPr/>
-          <a:lstStyle/>
-          <a:p>
-            <a:fld id="{E1DAF758-79EF-40A8-B313-F33FB4F06C02}" type="slidenum">
-              <a:rPr lang="tr-TR" smtClean="0"/>
-              <a:t>19</a:t>
+              <a:t>17</a:t>
             </a:fld>
             <a:endParaRPr lang="tr-TR"/>
           </a:p>
@@ -2418,12 +2332,103 @@
           <a:bodyPr/>
           <a:lstStyle/>
           <a:p>
+            <a:r>
+              <a:rPr lang="pl-PL" dirty="0"/>
+              <a:t>TODO: </a:t>
+            </a:r>
+            <a:r>
+              <a:rPr lang="pl-PL" dirty="0" err="1"/>
+              <a:t>maybe</a:t>
+            </a:r>
+            <a:r>
+              <a:rPr lang="pl-PL" dirty="0"/>
+              <a:t> </a:t>
+            </a:r>
+            <a:r>
+              <a:rPr lang="pl-PL" dirty="0" err="1"/>
+              <a:t>put</a:t>
+            </a:r>
+            <a:r>
+              <a:rPr lang="pl-PL" dirty="0"/>
+              <a:t> one plot on one </a:t>
+            </a:r>
+            <a:r>
+              <a:rPr lang="pl-PL" dirty="0" err="1"/>
+              <a:t>slide</a:t>
+            </a:r>
+            <a:r>
+              <a:rPr lang="pl-PL" dirty="0"/>
+              <a:t>? </a:t>
+            </a:r>
+            <a:r>
+              <a:rPr lang="pl-PL" dirty="0" err="1"/>
+              <a:t>Now</a:t>
+            </a:r>
+            <a:r>
+              <a:rPr lang="pl-PL" dirty="0"/>
+              <a:t> </a:t>
+            </a:r>
+            <a:r>
+              <a:rPr lang="pl-PL" dirty="0" err="1"/>
+              <a:t>these</a:t>
+            </a:r>
+            <a:r>
+              <a:rPr lang="pl-PL" dirty="0"/>
+              <a:t> </a:t>
+            </a:r>
+            <a:r>
+              <a:rPr lang="pl-PL" dirty="0" err="1"/>
+              <a:t>are</a:t>
+            </a:r>
+            <a:r>
+              <a:rPr lang="pl-PL" dirty="0"/>
+              <a:t> </a:t>
+            </a:r>
+            <a:r>
+              <a:rPr lang="pl-PL" dirty="0" err="1"/>
+              <a:t>very</a:t>
+            </a:r>
+            <a:r>
+              <a:rPr lang="pl-PL" dirty="0"/>
+              <a:t> small and </a:t>
+            </a:r>
+            <a:r>
+              <a:rPr lang="pl-PL" dirty="0" err="1"/>
+              <a:t>labels</a:t>
+            </a:r>
+            <a:r>
+              <a:rPr lang="pl-PL" dirty="0"/>
+              <a:t> not </a:t>
+            </a:r>
+            <a:r>
+              <a:rPr lang="pl-PL" dirty="0" err="1"/>
+              <a:t>visible</a:t>
+            </a:r>
+            <a:r>
+              <a:rPr lang="pl-PL" dirty="0"/>
+              <a:t> </a:t>
+            </a:r>
+            <a:r>
+              <a:rPr lang="pl-PL" dirty="0" err="1"/>
+              <a:t>at</a:t>
+            </a:r>
+            <a:r>
+              <a:rPr lang="pl-PL" dirty="0"/>
+              <a:t> </a:t>
+            </a:r>
+            <a:r>
+              <a:rPr lang="pl-PL" dirty="0" err="1"/>
+              <a:t>all</a:t>
+            </a:r>
             <a:endParaRPr lang="pl-PL" dirty="0"/>
           </a:p>
           <a:p>
+            <a:endParaRPr lang="pl-PL" dirty="0"/>
+          </a:p>
+          <a:p>
             <a:r>
               <a:rPr lang="en-US" dirty="0"/>
-              <a:t>Mention no NAs</a:t>
+              <a:t>There are lots of columns so lets create a subset of data based on heatmap.</a:t>
             </a:r>
           </a:p>
         </p:txBody>
@@ -2454,7 +2459,7 @@
     </p:spTree>
     <p:extLst>
       <p:ext uri="{BB962C8B-B14F-4D97-AF65-F5344CB8AC3E}">
-        <p14:creationId xmlns:p14="http://schemas.microsoft.com/office/powerpoint/2010/main" val="158138141"/>
+        <p14:creationId xmlns:p14="http://schemas.microsoft.com/office/powerpoint/2010/main" val="1916545088"/>
       </p:ext>
     </p:extLst>
   </p:cSld>
@@ -2635,7 +2640,7 @@
     </p:spTree>
     <p:extLst>
       <p:ext uri="{BB962C8B-B14F-4D97-AF65-F5344CB8AC3E}">
-        <p14:creationId xmlns:p14="http://schemas.microsoft.com/office/powerpoint/2010/main" val="1916545088"/>
+        <p14:creationId xmlns:p14="http://schemas.microsoft.com/office/powerpoint/2010/main" val="28889467"/>
       </p:ext>
     </p:extLst>
   </p:cSld>
@@ -2690,102 +2695,10 @@
           <a:lstStyle/>
           <a:p>
             <a:r>
-              <a:rPr lang="pl-PL" dirty="0"/>
-              <a:t>TODO: </a:t>
-            </a:r>
-            <a:r>
-              <a:rPr lang="pl-PL" dirty="0" err="1"/>
-              <a:t>maybe</a:t>
-            </a:r>
-            <a:r>
-              <a:rPr lang="pl-PL" dirty="0"/>
-              <a:t> </a:t>
-            </a:r>
-            <a:r>
-              <a:rPr lang="pl-PL" dirty="0" err="1"/>
-              <a:t>put</a:t>
-            </a:r>
-            <a:r>
-              <a:rPr lang="pl-PL" dirty="0"/>
-              <a:t> one plot on one </a:t>
-            </a:r>
-            <a:r>
-              <a:rPr lang="pl-PL" dirty="0" err="1"/>
-              <a:t>slide</a:t>
-            </a:r>
-            <a:r>
-              <a:rPr lang="pl-PL" dirty="0"/>
-              <a:t>? </a:t>
-            </a:r>
-            <a:r>
-              <a:rPr lang="pl-PL" dirty="0" err="1"/>
-              <a:t>Now</a:t>
-            </a:r>
-            <a:r>
-              <a:rPr lang="pl-PL" dirty="0"/>
-              <a:t> </a:t>
-            </a:r>
-            <a:r>
-              <a:rPr lang="pl-PL" dirty="0" err="1"/>
-              <a:t>these</a:t>
-            </a:r>
-            <a:r>
-              <a:rPr lang="pl-PL" dirty="0"/>
-              <a:t> </a:t>
-            </a:r>
-            <a:r>
-              <a:rPr lang="pl-PL" dirty="0" err="1"/>
-              <a:t>are</a:t>
-            </a:r>
-            <a:r>
-              <a:rPr lang="pl-PL" dirty="0"/>
-              <a:t> </a:t>
-            </a:r>
-            <a:r>
-              <a:rPr lang="pl-PL" dirty="0" err="1"/>
-              <a:t>very</a:t>
-            </a:r>
-            <a:r>
-              <a:rPr lang="pl-PL" dirty="0"/>
-              <a:t> small and </a:t>
-            </a:r>
-            <a:r>
-              <a:rPr lang="pl-PL" dirty="0" err="1"/>
-              <a:t>labels</a:t>
-            </a:r>
-            <a:r>
-              <a:rPr lang="pl-PL" dirty="0"/>
-              <a:t> not </a:t>
-            </a:r>
-            <a:r>
-              <a:rPr lang="pl-PL" dirty="0" err="1"/>
-              <a:t>visible</a:t>
-            </a:r>
-            <a:r>
-              <a:rPr lang="pl-PL" dirty="0"/>
-              <a:t> </a:t>
-            </a:r>
-            <a:r>
-              <a:rPr lang="pl-PL" dirty="0" err="1"/>
-              <a:t>at</a:t>
-            </a:r>
-            <a:r>
-              <a:rPr lang="pl-PL" dirty="0"/>
-              <a:t> </a:t>
-            </a:r>
-            <a:r>
-              <a:rPr lang="pl-PL" dirty="0" err="1"/>
-              <a:t>all</a:t>
-            </a:r>
-            <a:endParaRPr lang="pl-PL" dirty="0"/>
-          </a:p>
-          <a:p>
-            <a:endParaRPr lang="pl-PL" dirty="0"/>
-          </a:p>
-          <a:p>
-            <a:r>
-              <a:rPr lang="en-US" dirty="0"/>
-              <a:t>There are lots of columns so lets create a subset of data based on heatmap.</a:t>
+              <a:rPr lang="en-US" dirty="0">
+                <a:effectLst/>
+              </a:rPr>
+              <a:t>When showing the histogram with final grade, please mention that there are lots of 0s and not many below 5 - important for me when talking about hurdle model</a:t>
             </a:r>
           </a:p>
         </p:txBody>
@@ -2816,7 +2729,7 @@
     </p:spTree>
     <p:extLst>
       <p:ext uri="{BB962C8B-B14F-4D97-AF65-F5344CB8AC3E}">
-        <p14:creationId xmlns:p14="http://schemas.microsoft.com/office/powerpoint/2010/main" val="28889467"/>
+        <p14:creationId xmlns:p14="http://schemas.microsoft.com/office/powerpoint/2010/main" val="1921912465"/>
       </p:ext>
     </p:extLst>
   </p:cSld>
@@ -2905,7 +2818,7 @@
     </p:spTree>
     <p:extLst>
       <p:ext uri="{BB962C8B-B14F-4D97-AF65-F5344CB8AC3E}">
-        <p14:creationId xmlns:p14="http://schemas.microsoft.com/office/powerpoint/2010/main" val="1921912465"/>
+        <p14:creationId xmlns:p14="http://schemas.microsoft.com/office/powerpoint/2010/main" val="4169544656"/>
       </p:ext>
     </p:extLst>
   </p:cSld>
@@ -2959,12 +2872,7 @@
           <a:bodyPr/>
           <a:lstStyle/>
           <a:p>
-            <a:r>
-              <a:rPr lang="en-US" dirty="0">
-                <a:effectLst/>
-              </a:rPr>
-              <a:t>When showing the histogram with final grade, please mention that there are lots of 0s and not many below 5 - important for me when talking about hurdle model</a:t>
-            </a:r>
+            <a:endParaRPr lang="en-US" dirty="0"/>
           </a:p>
         </p:txBody>
       </p:sp>
@@ -2994,7 +2902,7 @@
     </p:spTree>
     <p:extLst>
       <p:ext uri="{BB962C8B-B14F-4D97-AF65-F5344CB8AC3E}">
-        <p14:creationId xmlns:p14="http://schemas.microsoft.com/office/powerpoint/2010/main" val="4169544656"/>
+        <p14:creationId xmlns:p14="http://schemas.microsoft.com/office/powerpoint/2010/main" val="2216470942"/>
       </p:ext>
     </p:extLst>
   </p:cSld>
@@ -3078,7 +2986,7 @@
     </p:spTree>
     <p:extLst>
       <p:ext uri="{BB962C8B-B14F-4D97-AF65-F5344CB8AC3E}">
-        <p14:creationId xmlns:p14="http://schemas.microsoft.com/office/powerpoint/2010/main" val="2216470942"/>
+        <p14:creationId xmlns:p14="http://schemas.microsoft.com/office/powerpoint/2010/main" val="2941363658"/>
       </p:ext>
     </p:extLst>
   </p:cSld>
@@ -3145,7 +3053,7 @@
           <a:noFill/>
           <a:extLst>
             <a:ext uri="{909E8E84-426E-40dd-AFC4-6F175D3DCCD1}">
-              <a14:hiddenFill xmlns:a14="http://schemas.microsoft.com/office/drawing/2010/main" xmlns="">
+              <a14:hiddenFill xmlns="" xmlns:a14="http://schemas.microsoft.com/office/drawing/2010/main">
                 <a:solidFill>
                   <a:srgbClr val="FFFFFF"/>
                 </a:solidFill>
@@ -3204,7 +3112,7 @@
             </a:ln>
             <a:extLst>
               <a:ext uri="{91240B29-F687-4f45-9708-019B960494DF}">
-                <a14:hiddenLine xmlns:a14="http://schemas.microsoft.com/office/drawing/2010/main" xmlns="" w="9525">
+                <a14:hiddenLine xmlns="" xmlns:a14="http://schemas.microsoft.com/office/drawing/2010/main" w="9525">
                   <a:solidFill>
                     <a:srgbClr val="000000"/>
                   </a:solidFill>
@@ -3294,7 +3202,7 @@
             </a:ln>
             <a:extLst>
               <a:ext uri="{91240B29-F687-4f45-9708-019B960494DF}">
-                <a14:hiddenLine xmlns:a14="http://schemas.microsoft.com/office/drawing/2010/main" xmlns="" w="9525">
+                <a14:hiddenLine xmlns="" xmlns:a14="http://schemas.microsoft.com/office/drawing/2010/main" w="9525">
                   <a:solidFill>
                     <a:srgbClr val="000000"/>
                   </a:solidFill>
@@ -3384,7 +3292,7 @@
             </a:ln>
             <a:extLst>
               <a:ext uri="{91240B29-F687-4f45-9708-019B960494DF}">
-                <a14:hiddenLine xmlns:a14="http://schemas.microsoft.com/office/drawing/2010/main" xmlns="" w="9525">
+                <a14:hiddenLine xmlns="" xmlns:a14="http://schemas.microsoft.com/office/drawing/2010/main" w="9525">
                   <a:solidFill>
                     <a:srgbClr val="000000"/>
                   </a:solidFill>
@@ -3418,7 +3326,7 @@
             </a:ln>
             <a:extLst>
               <a:ext uri="{91240B29-F687-4f45-9708-019B960494DF}">
-                <a14:hiddenLine xmlns:a14="http://schemas.microsoft.com/office/drawing/2010/main" xmlns="" w="9525">
+                <a14:hiddenLine xmlns="" xmlns:a14="http://schemas.microsoft.com/office/drawing/2010/main" w="9525">
                   <a:solidFill>
                     <a:srgbClr val="000000"/>
                   </a:solidFill>
@@ -3508,7 +3416,7 @@
             </a:ln>
             <a:extLst>
               <a:ext uri="{91240B29-F687-4f45-9708-019B960494DF}">
-                <a14:hiddenLine xmlns:a14="http://schemas.microsoft.com/office/drawing/2010/main" xmlns="" w="9525">
+                <a14:hiddenLine xmlns="" xmlns:a14="http://schemas.microsoft.com/office/drawing/2010/main" w="9525">
                   <a:solidFill>
                     <a:srgbClr val="000000"/>
                   </a:solidFill>
@@ -3570,7 +3478,7 @@
             </a:ln>
             <a:extLst>
               <a:ext uri="{91240B29-F687-4f45-9708-019B960494DF}">
-                <a14:hiddenLine xmlns:a14="http://schemas.microsoft.com/office/drawing/2010/main" xmlns="" w="9525">
+                <a14:hiddenLine xmlns="" xmlns:a14="http://schemas.microsoft.com/office/drawing/2010/main" w="9525">
                   <a:solidFill>
                     <a:srgbClr val="000000"/>
                   </a:solidFill>
@@ -3632,7 +3540,7 @@
             </a:ln>
             <a:extLst>
               <a:ext uri="{91240B29-F687-4f45-9708-019B960494DF}">
-                <a14:hiddenLine xmlns:a14="http://schemas.microsoft.com/office/drawing/2010/main" xmlns="" w="9525">
+                <a14:hiddenLine xmlns="" xmlns:a14="http://schemas.microsoft.com/office/drawing/2010/main" w="9525">
                   <a:solidFill>
                     <a:srgbClr val="000000"/>
                   </a:solidFill>
@@ -3722,7 +3630,7 @@
             </a:ln>
             <a:extLst>
               <a:ext uri="{91240B29-F687-4f45-9708-019B960494DF}">
-                <a14:hiddenLine xmlns:a14="http://schemas.microsoft.com/office/drawing/2010/main" xmlns="" w="9525">
+                <a14:hiddenLine xmlns="" xmlns:a14="http://schemas.microsoft.com/office/drawing/2010/main" w="9525">
                   <a:solidFill>
                     <a:srgbClr val="000000"/>
                   </a:solidFill>
@@ -3784,7 +3692,7 @@
             </a:ln>
             <a:extLst>
               <a:ext uri="{91240B29-F687-4f45-9708-019B960494DF}">
-                <a14:hiddenLine xmlns:a14="http://schemas.microsoft.com/office/drawing/2010/main" xmlns="" w="9525">
+                <a14:hiddenLine xmlns="" xmlns:a14="http://schemas.microsoft.com/office/drawing/2010/main" w="9525">
                   <a:solidFill>
                     <a:srgbClr val="000000"/>
                   </a:solidFill>
@@ -3846,7 +3754,7 @@
             </a:ln>
             <a:extLst>
               <a:ext uri="{91240B29-F687-4f45-9708-019B960494DF}">
-                <a14:hiddenLine xmlns:a14="http://schemas.microsoft.com/office/drawing/2010/main" xmlns="" w="9525">
+                <a14:hiddenLine xmlns="" xmlns:a14="http://schemas.microsoft.com/office/drawing/2010/main" w="9525">
                   <a:solidFill>
                     <a:srgbClr val="000000"/>
                   </a:solidFill>
@@ -3936,7 +3844,7 @@
             </a:ln>
             <a:extLst>
               <a:ext uri="{91240B29-F687-4f45-9708-019B960494DF}">
-                <a14:hiddenLine xmlns:a14="http://schemas.microsoft.com/office/drawing/2010/main" xmlns="" w="9525">
+                <a14:hiddenLine xmlns="" xmlns:a14="http://schemas.microsoft.com/office/drawing/2010/main" w="9525">
                   <a:solidFill>
                     <a:srgbClr val="000000"/>
                   </a:solidFill>
@@ -4026,7 +3934,7 @@
             </a:ln>
             <a:extLst>
               <a:ext uri="{91240B29-F687-4f45-9708-019B960494DF}">
-                <a14:hiddenLine xmlns:a14="http://schemas.microsoft.com/office/drawing/2010/main" xmlns="" w="9525">
+                <a14:hiddenLine xmlns="" xmlns:a14="http://schemas.microsoft.com/office/drawing/2010/main" w="9525">
                   <a:solidFill>
                     <a:srgbClr val="000000"/>
                   </a:solidFill>
@@ -4088,7 +3996,7 @@
             </a:ln>
             <a:extLst>
               <a:ext uri="{91240B29-F687-4f45-9708-019B960494DF}">
-                <a14:hiddenLine xmlns:a14="http://schemas.microsoft.com/office/drawing/2010/main" xmlns="" w="9525">
+                <a14:hiddenLine xmlns="" xmlns:a14="http://schemas.microsoft.com/office/drawing/2010/main" w="9525">
                   <a:solidFill>
                     <a:srgbClr val="000000"/>
                   </a:solidFill>
@@ -4198,7 +4106,7 @@
             </a:ln>
             <a:extLst>
               <a:ext uri="{91240B29-F687-4f45-9708-019B960494DF}">
-                <a14:hiddenLine xmlns:a14="http://schemas.microsoft.com/office/drawing/2010/main" xmlns="" w="9525">
+                <a14:hiddenLine xmlns="" xmlns:a14="http://schemas.microsoft.com/office/drawing/2010/main" w="9525">
                   <a:solidFill>
                     <a:srgbClr val="000000"/>
                   </a:solidFill>
@@ -4260,7 +4168,7 @@
             </a:ln>
             <a:extLst>
               <a:ext uri="{91240B29-F687-4f45-9708-019B960494DF}">
-                <a14:hiddenLine xmlns:a14="http://schemas.microsoft.com/office/drawing/2010/main" xmlns="" w="9525">
+                <a14:hiddenLine xmlns="" xmlns:a14="http://schemas.microsoft.com/office/drawing/2010/main" w="9525">
                   <a:solidFill>
                     <a:srgbClr val="000000"/>
                   </a:solidFill>
@@ -4350,7 +4258,7 @@
             </a:ln>
             <a:extLst>
               <a:ext uri="{91240B29-F687-4f45-9708-019B960494DF}">
-                <a14:hiddenLine xmlns:a14="http://schemas.microsoft.com/office/drawing/2010/main" xmlns="" w="9525">
+                <a14:hiddenLine xmlns="" xmlns:a14="http://schemas.microsoft.com/office/drawing/2010/main" w="9525">
                   <a:solidFill>
                     <a:srgbClr val="000000"/>
                   </a:solidFill>
@@ -4440,7 +4348,7 @@
             </a:ln>
             <a:extLst>
               <a:ext uri="{91240B29-F687-4f45-9708-019B960494DF}">
-                <a14:hiddenLine xmlns:a14="http://schemas.microsoft.com/office/drawing/2010/main" xmlns="" w="9525">
+                <a14:hiddenLine xmlns="" xmlns:a14="http://schemas.microsoft.com/office/drawing/2010/main" w="9525">
                   <a:solidFill>
                     <a:srgbClr val="000000"/>
                   </a:solidFill>
@@ -4502,7 +4410,7 @@
             </a:ln>
             <a:extLst>
               <a:ext uri="{91240B29-F687-4f45-9708-019B960494DF}">
-                <a14:hiddenLine xmlns:a14="http://schemas.microsoft.com/office/drawing/2010/main" xmlns="" w="9525">
+                <a14:hiddenLine xmlns="" xmlns:a14="http://schemas.microsoft.com/office/drawing/2010/main" w="9525">
                   <a:solidFill>
                     <a:srgbClr val="000000"/>
                   </a:solidFill>
@@ -4592,7 +4500,7 @@
             </a:ln>
             <a:extLst>
               <a:ext uri="{91240B29-F687-4f45-9708-019B960494DF}">
-                <a14:hiddenLine xmlns:a14="http://schemas.microsoft.com/office/drawing/2010/main" xmlns="" w="9525">
+                <a14:hiddenLine xmlns="" xmlns:a14="http://schemas.microsoft.com/office/drawing/2010/main" w="9525">
                   <a:solidFill>
                     <a:srgbClr val="000000"/>
                   </a:solidFill>
@@ -4682,7 +4590,7 @@
             </a:ln>
             <a:extLst>
               <a:ext uri="{91240B29-F687-4f45-9708-019B960494DF}">
-                <a14:hiddenLine xmlns:a14="http://schemas.microsoft.com/office/drawing/2010/main" xmlns="" w="9525">
+                <a14:hiddenLine xmlns="" xmlns:a14="http://schemas.microsoft.com/office/drawing/2010/main" w="9525">
                   <a:solidFill>
                     <a:srgbClr val="000000"/>
                   </a:solidFill>
@@ -4738,7 +4646,7 @@
             </a:ln>
             <a:extLst>
               <a:ext uri="{91240B29-F687-4f45-9708-019B960494DF}">
-                <a14:hiddenLine xmlns:a14="http://schemas.microsoft.com/office/drawing/2010/main" xmlns="" w="9525">
+                <a14:hiddenLine xmlns="" xmlns:a14="http://schemas.microsoft.com/office/drawing/2010/main" w="9525">
                   <a:solidFill>
                     <a:srgbClr val="000000"/>
                   </a:solidFill>
@@ -4828,7 +4736,7 @@
             </a:ln>
             <a:extLst>
               <a:ext uri="{91240B29-F687-4f45-9708-019B960494DF}">
-                <a14:hiddenLine xmlns:a14="http://schemas.microsoft.com/office/drawing/2010/main" xmlns="" w="9525">
+                <a14:hiddenLine xmlns="" xmlns:a14="http://schemas.microsoft.com/office/drawing/2010/main" w="9525">
                   <a:solidFill>
                     <a:srgbClr val="000000"/>
                   </a:solidFill>
@@ -4884,7 +4792,7 @@
             </a:ln>
             <a:extLst>
               <a:ext uri="{91240B29-F687-4f45-9708-019B960494DF}">
-                <a14:hiddenLine xmlns:a14="http://schemas.microsoft.com/office/drawing/2010/main" xmlns="" w="9525">
+                <a14:hiddenLine xmlns="" xmlns:a14="http://schemas.microsoft.com/office/drawing/2010/main" w="9525">
                   <a:solidFill>
                     <a:srgbClr val="000000"/>
                   </a:solidFill>
@@ -4974,7 +4882,7 @@
             </a:ln>
             <a:extLst>
               <a:ext uri="{91240B29-F687-4f45-9708-019B960494DF}">
-                <a14:hiddenLine xmlns:a14="http://schemas.microsoft.com/office/drawing/2010/main" xmlns="" w="9525">
+                <a14:hiddenLine xmlns="" xmlns:a14="http://schemas.microsoft.com/office/drawing/2010/main" w="9525">
                   <a:solidFill>
                     <a:srgbClr val="000000"/>
                   </a:solidFill>
@@ -5042,7 +4950,7 @@
             </a:ln>
             <a:extLst>
               <a:ext uri="{91240B29-F687-4f45-9708-019B960494DF}">
-                <a14:hiddenLine xmlns:a14="http://schemas.microsoft.com/office/drawing/2010/main" xmlns="" w="9525">
+                <a14:hiddenLine xmlns="" xmlns:a14="http://schemas.microsoft.com/office/drawing/2010/main" w="9525">
                   <a:solidFill>
                     <a:srgbClr val="000000"/>
                   </a:solidFill>
@@ -5132,7 +5040,7 @@
             </a:ln>
             <a:extLst>
               <a:ext uri="{91240B29-F687-4f45-9708-019B960494DF}">
-                <a14:hiddenLine xmlns:a14="http://schemas.microsoft.com/office/drawing/2010/main" xmlns="" w="9525">
+                <a14:hiddenLine xmlns="" xmlns:a14="http://schemas.microsoft.com/office/drawing/2010/main" w="9525">
                   <a:solidFill>
                     <a:srgbClr val="000000"/>
                   </a:solidFill>
@@ -5200,7 +5108,7 @@
             </a:ln>
             <a:extLst>
               <a:ext uri="{91240B29-F687-4f45-9708-019B960494DF}">
-                <a14:hiddenLine xmlns:a14="http://schemas.microsoft.com/office/drawing/2010/main" xmlns="" w="9525">
+                <a14:hiddenLine xmlns="" xmlns:a14="http://schemas.microsoft.com/office/drawing/2010/main" w="9525">
                   <a:solidFill>
                     <a:srgbClr val="000000"/>
                   </a:solidFill>
@@ -5290,7 +5198,7 @@
             </a:ln>
             <a:extLst>
               <a:ext uri="{91240B29-F687-4f45-9708-019B960494DF}">
-                <a14:hiddenLine xmlns:a14="http://schemas.microsoft.com/office/drawing/2010/main" xmlns="" w="9525">
+                <a14:hiddenLine xmlns="" xmlns:a14="http://schemas.microsoft.com/office/drawing/2010/main" w="9525">
                   <a:solidFill>
                     <a:srgbClr val="000000"/>
                   </a:solidFill>
@@ -5324,7 +5232,7 @@
             </a:ln>
             <a:extLst>
               <a:ext uri="{91240B29-F687-4f45-9708-019B960494DF}">
-                <a14:hiddenLine xmlns:a14="http://schemas.microsoft.com/office/drawing/2010/main" xmlns="" w="9525">
+                <a14:hiddenLine xmlns="" xmlns:a14="http://schemas.microsoft.com/office/drawing/2010/main" w="9525">
                   <a:solidFill>
                     <a:srgbClr val="000000"/>
                   </a:solidFill>
@@ -5414,7 +5322,7 @@
             </a:ln>
             <a:extLst>
               <a:ext uri="{91240B29-F687-4f45-9708-019B960494DF}">
-                <a14:hiddenLine xmlns:a14="http://schemas.microsoft.com/office/drawing/2010/main" xmlns="" w="9525">
+                <a14:hiddenLine xmlns="" xmlns:a14="http://schemas.microsoft.com/office/drawing/2010/main" w="9525">
                   <a:solidFill>
                     <a:srgbClr val="000000"/>
                   </a:solidFill>
@@ -5476,7 +5384,7 @@
             </a:ln>
             <a:extLst>
               <a:ext uri="{91240B29-F687-4f45-9708-019B960494DF}">
-                <a14:hiddenLine xmlns:a14="http://schemas.microsoft.com/office/drawing/2010/main" xmlns="" w="9525">
+                <a14:hiddenLine xmlns="" xmlns:a14="http://schemas.microsoft.com/office/drawing/2010/main" w="9525">
                   <a:solidFill>
                     <a:srgbClr val="000000"/>
                   </a:solidFill>
@@ -5538,7 +5446,7 @@
             </a:ln>
             <a:extLst>
               <a:ext uri="{91240B29-F687-4f45-9708-019B960494DF}">
-                <a14:hiddenLine xmlns:a14="http://schemas.microsoft.com/office/drawing/2010/main" xmlns="" w="9525">
+                <a14:hiddenLine xmlns="" xmlns:a14="http://schemas.microsoft.com/office/drawing/2010/main" w="9525">
                   <a:solidFill>
                     <a:srgbClr val="000000"/>
                   </a:solidFill>
@@ -5628,7 +5536,7 @@
             </a:ln>
             <a:extLst>
               <a:ext uri="{91240B29-F687-4f45-9708-019B960494DF}">
-                <a14:hiddenLine xmlns:a14="http://schemas.microsoft.com/office/drawing/2010/main" xmlns="" w="9525">
+                <a14:hiddenLine xmlns="" xmlns:a14="http://schemas.microsoft.com/office/drawing/2010/main" w="9525">
                   <a:solidFill>
                     <a:srgbClr val="000000"/>
                   </a:solidFill>
@@ -5696,7 +5604,7 @@
             </a:ln>
             <a:extLst>
               <a:ext uri="{91240B29-F687-4f45-9708-019B960494DF}">
-                <a14:hiddenLine xmlns:a14="http://schemas.microsoft.com/office/drawing/2010/main" xmlns="" w="9525">
+                <a14:hiddenLine xmlns="" xmlns:a14="http://schemas.microsoft.com/office/drawing/2010/main" w="9525">
                   <a:solidFill>
                     <a:srgbClr val="000000"/>
                   </a:solidFill>
@@ -5758,7 +5666,7 @@
             </a:ln>
             <a:extLst>
               <a:ext uri="{91240B29-F687-4f45-9708-019B960494DF}">
-                <a14:hiddenLine xmlns:a14="http://schemas.microsoft.com/office/drawing/2010/main" xmlns="" w="9525">
+                <a14:hiddenLine xmlns="" xmlns:a14="http://schemas.microsoft.com/office/drawing/2010/main" w="9525">
                   <a:solidFill>
                     <a:srgbClr val="000000"/>
                   </a:solidFill>
@@ -5848,7 +5756,7 @@
             </a:ln>
             <a:extLst>
               <a:ext uri="{91240B29-F687-4f45-9708-019B960494DF}">
-                <a14:hiddenLine xmlns:a14="http://schemas.microsoft.com/office/drawing/2010/main" xmlns="" w="9525">
+                <a14:hiddenLine xmlns="" xmlns:a14="http://schemas.microsoft.com/office/drawing/2010/main" w="9525">
                   <a:solidFill>
                     <a:srgbClr val="000000"/>
                   </a:solidFill>
@@ -5910,7 +5818,7 @@
             </a:ln>
             <a:extLst>
               <a:ext uri="{91240B29-F687-4f45-9708-019B960494DF}">
-                <a14:hiddenLine xmlns:a14="http://schemas.microsoft.com/office/drawing/2010/main" xmlns="" w="9525">
+                <a14:hiddenLine xmlns="" xmlns:a14="http://schemas.microsoft.com/office/drawing/2010/main" w="9525">
                   <a:solidFill>
                     <a:srgbClr val="000000"/>
                   </a:solidFill>
@@ -6000,7 +5908,7 @@
             </a:ln>
             <a:extLst>
               <a:ext uri="{91240B29-F687-4f45-9708-019B960494DF}">
-                <a14:hiddenLine xmlns:a14="http://schemas.microsoft.com/office/drawing/2010/main" xmlns="" w="9525">
+                <a14:hiddenLine xmlns="" xmlns:a14="http://schemas.microsoft.com/office/drawing/2010/main" w="9525">
                   <a:solidFill>
                     <a:srgbClr val="000000"/>
                   </a:solidFill>
@@ -6062,7 +5970,7 @@
             </a:ln>
             <a:extLst>
               <a:ext uri="{91240B29-F687-4f45-9708-019B960494DF}">
-                <a14:hiddenLine xmlns:a14="http://schemas.microsoft.com/office/drawing/2010/main" xmlns="" w="9525">
+                <a14:hiddenLine xmlns="" xmlns:a14="http://schemas.microsoft.com/office/drawing/2010/main" w="9525">
                   <a:solidFill>
                     <a:srgbClr val="000000"/>
                   </a:solidFill>
@@ -6152,7 +6060,7 @@
             </a:ln>
             <a:extLst>
               <a:ext uri="{91240B29-F687-4f45-9708-019B960494DF}">
-                <a14:hiddenLine xmlns:a14="http://schemas.microsoft.com/office/drawing/2010/main" xmlns="" w="9525">
+                <a14:hiddenLine xmlns="" xmlns:a14="http://schemas.microsoft.com/office/drawing/2010/main" w="9525">
                   <a:solidFill>
                     <a:srgbClr val="000000"/>
                   </a:solidFill>
@@ -6186,7 +6094,7 @@
             </a:ln>
             <a:extLst>
               <a:ext uri="{91240B29-F687-4f45-9708-019B960494DF}">
-                <a14:hiddenLine xmlns:a14="http://schemas.microsoft.com/office/drawing/2010/main" xmlns="" w="9525">
+                <a14:hiddenLine xmlns="" xmlns:a14="http://schemas.microsoft.com/office/drawing/2010/main" w="9525">
                   <a:solidFill>
                     <a:srgbClr val="000000"/>
                   </a:solidFill>
@@ -6251,7 +6159,7 @@
             </a:ln>
             <a:extLst>
               <a:ext uri="{91240B29-F687-4f45-9708-019B960494DF}">
-                <a14:hiddenLine xmlns:a14="http://schemas.microsoft.com/office/drawing/2010/main" xmlns="" w="9525">
+                <a14:hiddenLine xmlns="" xmlns:a14="http://schemas.microsoft.com/office/drawing/2010/main" w="9525">
                   <a:solidFill>
                     <a:srgbClr val="000000"/>
                   </a:solidFill>
@@ -6341,7 +6249,7 @@
             </a:ln>
             <a:extLst>
               <a:ext uri="{91240B29-F687-4f45-9708-019B960494DF}">
-                <a14:hiddenLine xmlns:a14="http://schemas.microsoft.com/office/drawing/2010/main" xmlns="" w="9525">
+                <a14:hiddenLine xmlns="" xmlns:a14="http://schemas.microsoft.com/office/drawing/2010/main" w="9525">
                   <a:solidFill>
                     <a:srgbClr val="000000"/>
                   </a:solidFill>
@@ -6403,7 +6311,7 @@
             </a:ln>
             <a:extLst>
               <a:ext uri="{91240B29-F687-4f45-9708-019B960494DF}">
-                <a14:hiddenLine xmlns:a14="http://schemas.microsoft.com/office/drawing/2010/main" xmlns="" w="9525">
+                <a14:hiddenLine xmlns="" xmlns:a14="http://schemas.microsoft.com/office/drawing/2010/main" w="9525">
                   <a:solidFill>
                     <a:srgbClr val="000000"/>
                   </a:solidFill>
@@ -6493,7 +6401,7 @@
             </a:ln>
             <a:extLst>
               <a:ext uri="{91240B29-F687-4f45-9708-019B960494DF}">
-                <a14:hiddenLine xmlns:a14="http://schemas.microsoft.com/office/drawing/2010/main" xmlns="" w="9525">
+                <a14:hiddenLine xmlns="" xmlns:a14="http://schemas.microsoft.com/office/drawing/2010/main" w="9525">
                   <a:solidFill>
                     <a:srgbClr val="000000"/>
                   </a:solidFill>
@@ -6583,7 +6491,7 @@
             </a:ln>
             <a:extLst>
               <a:ext uri="{91240B29-F687-4f45-9708-019B960494DF}">
-                <a14:hiddenLine xmlns:a14="http://schemas.microsoft.com/office/drawing/2010/main" xmlns="" w="9525">
+                <a14:hiddenLine xmlns="" xmlns:a14="http://schemas.microsoft.com/office/drawing/2010/main" w="9525">
                   <a:solidFill>
                     <a:srgbClr val="000000"/>
                   </a:solidFill>
@@ -6648,7 +6556,7 @@
             </a:ln>
             <a:extLst>
               <a:ext uri="{91240B29-F687-4f45-9708-019B960494DF}">
-                <a14:hiddenLine xmlns:a14="http://schemas.microsoft.com/office/drawing/2010/main" xmlns="" w="9525">
+                <a14:hiddenLine xmlns="" xmlns:a14="http://schemas.microsoft.com/office/drawing/2010/main" w="9525">
                   <a:solidFill>
                     <a:srgbClr val="000000"/>
                   </a:solidFill>
@@ -6710,7 +6618,7 @@
             </a:ln>
             <a:extLst>
               <a:ext uri="{91240B29-F687-4f45-9708-019B960494DF}">
-                <a14:hiddenLine xmlns:a14="http://schemas.microsoft.com/office/drawing/2010/main" xmlns="" w="9525">
+                <a14:hiddenLine xmlns="" xmlns:a14="http://schemas.microsoft.com/office/drawing/2010/main" w="9525">
                   <a:solidFill>
                     <a:srgbClr val="000000"/>
                   </a:solidFill>
@@ -6800,7 +6708,7 @@
             </a:ln>
             <a:extLst>
               <a:ext uri="{91240B29-F687-4f45-9708-019B960494DF}">
-                <a14:hiddenLine xmlns:a14="http://schemas.microsoft.com/office/drawing/2010/main" xmlns="" w="9525">
+                <a14:hiddenLine xmlns="" xmlns:a14="http://schemas.microsoft.com/office/drawing/2010/main" w="9525">
                   <a:solidFill>
                     <a:srgbClr val="000000"/>
                   </a:solidFill>
@@ -6890,7 +6798,7 @@
             </a:ln>
             <a:extLst>
               <a:ext uri="{91240B29-F687-4f45-9708-019B960494DF}">
-                <a14:hiddenLine xmlns:a14="http://schemas.microsoft.com/office/drawing/2010/main" xmlns="" w="9525">
+                <a14:hiddenLine xmlns="" xmlns:a14="http://schemas.microsoft.com/office/drawing/2010/main" w="9525">
                   <a:solidFill>
                     <a:srgbClr val="000000"/>
                   </a:solidFill>
@@ -6952,7 +6860,7 @@
             </a:ln>
             <a:extLst>
               <a:ext uri="{91240B29-F687-4f45-9708-019B960494DF}">
-                <a14:hiddenLine xmlns:a14="http://schemas.microsoft.com/office/drawing/2010/main" xmlns="" w="9525">
+                <a14:hiddenLine xmlns="" xmlns:a14="http://schemas.microsoft.com/office/drawing/2010/main" w="9525">
                   <a:solidFill>
                     <a:srgbClr val="000000"/>
                   </a:solidFill>
@@ -7072,7 +6980,7 @@
             </a:ln>
             <a:extLst>
               <a:ext uri="{91240B29-F687-4f45-9708-019B960494DF}">
-                <a14:hiddenLine xmlns:a14="http://schemas.microsoft.com/office/drawing/2010/main" xmlns="" w="9525">
+                <a14:hiddenLine xmlns="" xmlns:a14="http://schemas.microsoft.com/office/drawing/2010/main" w="9525">
                   <a:solidFill>
                     <a:srgbClr val="000000"/>
                   </a:solidFill>
@@ -7140,7 +7048,7 @@
             </a:ln>
             <a:extLst>
               <a:ext uri="{91240B29-F687-4f45-9708-019B960494DF}">
-                <a14:hiddenLine xmlns:a14="http://schemas.microsoft.com/office/drawing/2010/main" xmlns="" w="9525">
+                <a14:hiddenLine xmlns="" xmlns:a14="http://schemas.microsoft.com/office/drawing/2010/main" w="9525">
                   <a:solidFill>
                     <a:srgbClr val="000000"/>
                   </a:solidFill>
@@ -7230,7 +7138,7 @@
             </a:ln>
             <a:extLst>
               <a:ext uri="{91240B29-F687-4f45-9708-019B960494DF}">
-                <a14:hiddenLine xmlns:a14="http://schemas.microsoft.com/office/drawing/2010/main" xmlns="" w="9525">
+                <a14:hiddenLine xmlns="" xmlns:a14="http://schemas.microsoft.com/office/drawing/2010/main" w="9525">
                   <a:solidFill>
                     <a:srgbClr val="000000"/>
                   </a:solidFill>
@@ -11959,7 +11867,7 @@
           <a:noFill/>
           <a:extLst>
             <a:ext uri="{909E8E84-426E-40dd-AFC4-6F175D3DCCD1}">
-              <a14:hiddenFill xmlns:a14="http://schemas.microsoft.com/office/drawing/2010/main" xmlns="">
+              <a14:hiddenFill xmlns="" xmlns:a14="http://schemas.microsoft.com/office/drawing/2010/main">
                 <a:solidFill>
                   <a:srgbClr val="FFFFFF"/>
                 </a:solidFill>
@@ -12033,7 +11941,7 @@
               </a:ln>
               <a:extLst>
                 <a:ext uri="{91240B29-F687-4f45-9708-019B960494DF}">
-                  <a14:hiddenLine xmlns:a14="http://schemas.microsoft.com/office/drawing/2010/main" xmlns="" w="9525">
+                  <a14:hiddenLine xmlns="" xmlns:a14="http://schemas.microsoft.com/office/drawing/2010/main" w="9525">
                     <a:solidFill>
                       <a:srgbClr val="000000"/>
                     </a:solidFill>
@@ -12123,7 +12031,7 @@
               </a:ln>
               <a:extLst>
                 <a:ext uri="{91240B29-F687-4f45-9708-019B960494DF}">
-                  <a14:hiddenLine xmlns:a14="http://schemas.microsoft.com/office/drawing/2010/main" xmlns="" w="9525">
+                  <a14:hiddenLine xmlns="" xmlns:a14="http://schemas.microsoft.com/office/drawing/2010/main" w="9525">
                     <a:solidFill>
                       <a:srgbClr val="000000"/>
                     </a:solidFill>
@@ -12213,7 +12121,7 @@
               </a:ln>
               <a:extLst>
                 <a:ext uri="{91240B29-F687-4f45-9708-019B960494DF}">
-                  <a14:hiddenLine xmlns:a14="http://schemas.microsoft.com/office/drawing/2010/main" xmlns="" w="9525">
+                  <a14:hiddenLine xmlns="" xmlns:a14="http://schemas.microsoft.com/office/drawing/2010/main" w="9525">
                     <a:solidFill>
                       <a:srgbClr val="000000"/>
                     </a:solidFill>
@@ -12275,7 +12183,7 @@
               </a:ln>
               <a:extLst>
                 <a:ext uri="{91240B29-F687-4f45-9708-019B960494DF}">
-                  <a14:hiddenLine xmlns:a14="http://schemas.microsoft.com/office/drawing/2010/main" xmlns="" w="9525">
+                  <a14:hiddenLine xmlns="" xmlns:a14="http://schemas.microsoft.com/office/drawing/2010/main" w="9525">
                     <a:solidFill>
                       <a:srgbClr val="000000"/>
                     </a:solidFill>
@@ -12365,7 +12273,7 @@
               </a:ln>
               <a:extLst>
                 <a:ext uri="{91240B29-F687-4f45-9708-019B960494DF}">
-                  <a14:hiddenLine xmlns:a14="http://schemas.microsoft.com/office/drawing/2010/main" xmlns="" w="9525">
+                  <a14:hiddenLine xmlns="" xmlns:a14="http://schemas.microsoft.com/office/drawing/2010/main" w="9525">
                     <a:solidFill>
                       <a:srgbClr val="000000"/>
                     </a:solidFill>
@@ -12427,7 +12335,7 @@
               </a:ln>
               <a:extLst>
                 <a:ext uri="{91240B29-F687-4f45-9708-019B960494DF}">
-                  <a14:hiddenLine xmlns:a14="http://schemas.microsoft.com/office/drawing/2010/main" xmlns="" w="9525">
+                  <a14:hiddenLine xmlns="" xmlns:a14="http://schemas.microsoft.com/office/drawing/2010/main" w="9525">
                     <a:solidFill>
                       <a:srgbClr val="000000"/>
                     </a:solidFill>
@@ -12489,7 +12397,7 @@
               </a:ln>
               <a:extLst>
                 <a:ext uri="{91240B29-F687-4f45-9708-019B960494DF}">
-                  <a14:hiddenLine xmlns:a14="http://schemas.microsoft.com/office/drawing/2010/main" xmlns="" w="9525">
+                  <a14:hiddenLine xmlns="" xmlns:a14="http://schemas.microsoft.com/office/drawing/2010/main" w="9525">
                     <a:solidFill>
                       <a:srgbClr val="000000"/>
                     </a:solidFill>
@@ -12579,7 +12487,7 @@
               </a:ln>
               <a:extLst>
                 <a:ext uri="{91240B29-F687-4f45-9708-019B960494DF}">
-                  <a14:hiddenLine xmlns:a14="http://schemas.microsoft.com/office/drawing/2010/main" xmlns="" w="9525">
+                  <a14:hiddenLine xmlns="" xmlns:a14="http://schemas.microsoft.com/office/drawing/2010/main" w="9525">
                     <a:solidFill>
                       <a:srgbClr val="000000"/>
                     </a:solidFill>
@@ -12669,7 +12577,7 @@
               </a:ln>
               <a:extLst>
                 <a:ext uri="{91240B29-F687-4f45-9708-019B960494DF}">
-                  <a14:hiddenLine xmlns:a14="http://schemas.microsoft.com/office/drawing/2010/main" xmlns="" w="9525">
+                  <a14:hiddenLine xmlns="" xmlns:a14="http://schemas.microsoft.com/office/drawing/2010/main" w="9525">
                     <a:solidFill>
                       <a:srgbClr val="000000"/>
                     </a:solidFill>
@@ -12731,7 +12639,7 @@
               </a:ln>
               <a:extLst>
                 <a:ext uri="{91240B29-F687-4f45-9708-019B960494DF}">
-                  <a14:hiddenLine xmlns:a14="http://schemas.microsoft.com/office/drawing/2010/main" xmlns="" w="9525">
+                  <a14:hiddenLine xmlns="" xmlns:a14="http://schemas.microsoft.com/office/drawing/2010/main" w="9525">
                     <a:solidFill>
                       <a:srgbClr val="000000"/>
                     </a:solidFill>
@@ -12841,7 +12749,7 @@
               </a:ln>
               <a:extLst>
                 <a:ext uri="{91240B29-F687-4f45-9708-019B960494DF}">
-                  <a14:hiddenLine xmlns:a14="http://schemas.microsoft.com/office/drawing/2010/main" xmlns="" w="9525">
+                  <a14:hiddenLine xmlns="" xmlns:a14="http://schemas.microsoft.com/office/drawing/2010/main" w="9525">
                     <a:solidFill>
                       <a:srgbClr val="000000"/>
                     </a:solidFill>
@@ -12925,7 +12833,7 @@
               </a:ln>
               <a:extLst>
                 <a:ext uri="{91240B29-F687-4f45-9708-019B960494DF}">
-                  <a14:hiddenLine xmlns:a14="http://schemas.microsoft.com/office/drawing/2010/main" xmlns="" w="9525">
+                  <a14:hiddenLine xmlns="" xmlns:a14="http://schemas.microsoft.com/office/drawing/2010/main" w="9525">
                     <a:solidFill>
                       <a:srgbClr val="000000"/>
                     </a:solidFill>
@@ -12987,7 +12895,7 @@
               </a:ln>
               <a:extLst>
                 <a:ext uri="{91240B29-F687-4f45-9708-019B960494DF}">
-                  <a14:hiddenLine xmlns:a14="http://schemas.microsoft.com/office/drawing/2010/main" xmlns="" w="9525">
+                  <a14:hiddenLine xmlns="" xmlns:a14="http://schemas.microsoft.com/office/drawing/2010/main" w="9525">
                     <a:solidFill>
                       <a:srgbClr val="000000"/>
                     </a:solidFill>
@@ -13049,7 +12957,7 @@
               </a:ln>
               <a:extLst>
                 <a:ext uri="{91240B29-F687-4f45-9708-019B960494DF}">
-                  <a14:hiddenLine xmlns:a14="http://schemas.microsoft.com/office/drawing/2010/main" xmlns="" w="9525">
+                  <a14:hiddenLine xmlns="" xmlns:a14="http://schemas.microsoft.com/office/drawing/2010/main" w="9525">
                     <a:solidFill>
                       <a:srgbClr val="000000"/>
                     </a:solidFill>
@@ -13139,7 +13047,7 @@
               </a:ln>
               <a:extLst>
                 <a:ext uri="{91240B29-F687-4f45-9708-019B960494DF}">
-                  <a14:hiddenLine xmlns:a14="http://schemas.microsoft.com/office/drawing/2010/main" xmlns="" w="9525">
+                  <a14:hiddenLine xmlns="" xmlns:a14="http://schemas.microsoft.com/office/drawing/2010/main" w="9525">
                     <a:solidFill>
                       <a:srgbClr val="000000"/>
                     </a:solidFill>
@@ -13173,7 +13081,7 @@
               </a:ln>
               <a:extLst>
                 <a:ext uri="{91240B29-F687-4f45-9708-019B960494DF}">
-                  <a14:hiddenLine xmlns:a14="http://schemas.microsoft.com/office/drawing/2010/main" xmlns="" w="9525">
+                  <a14:hiddenLine xmlns="" xmlns:a14="http://schemas.microsoft.com/office/drawing/2010/main" w="9525">
                     <a:solidFill>
                       <a:srgbClr val="000000"/>
                     </a:solidFill>
@@ -13238,7 +13146,7 @@
               </a:ln>
               <a:extLst>
                 <a:ext uri="{91240B29-F687-4f45-9708-019B960494DF}">
-                  <a14:hiddenLine xmlns:a14="http://schemas.microsoft.com/office/drawing/2010/main" xmlns="" w="9525">
+                  <a14:hiddenLine xmlns="" xmlns:a14="http://schemas.microsoft.com/office/drawing/2010/main" w="9525">
                     <a:solidFill>
                       <a:srgbClr val="000000"/>
                     </a:solidFill>
@@ -13328,7 +13236,7 @@
               </a:ln>
               <a:extLst>
                 <a:ext uri="{91240B29-F687-4f45-9708-019B960494DF}">
-                  <a14:hiddenLine xmlns:a14="http://schemas.microsoft.com/office/drawing/2010/main" xmlns="" w="9525">
+                  <a14:hiddenLine xmlns="" xmlns:a14="http://schemas.microsoft.com/office/drawing/2010/main" w="9525">
                     <a:solidFill>
                       <a:srgbClr val="000000"/>
                     </a:solidFill>
@@ -13390,7 +13298,7 @@
               </a:ln>
               <a:extLst>
                 <a:ext uri="{91240B29-F687-4f45-9708-019B960494DF}">
-                  <a14:hiddenLine xmlns:a14="http://schemas.microsoft.com/office/drawing/2010/main" xmlns="" w="9525">
+                  <a14:hiddenLine xmlns="" xmlns:a14="http://schemas.microsoft.com/office/drawing/2010/main" w="9525">
                     <a:solidFill>
                       <a:srgbClr val="000000"/>
                     </a:solidFill>
@@ -13480,7 +13388,7 @@
               </a:ln>
               <a:extLst>
                 <a:ext uri="{91240B29-F687-4f45-9708-019B960494DF}">
-                  <a14:hiddenLine xmlns:a14="http://schemas.microsoft.com/office/drawing/2010/main" xmlns="" w="9525">
+                  <a14:hiddenLine xmlns="" xmlns:a14="http://schemas.microsoft.com/office/drawing/2010/main" w="9525">
                     <a:solidFill>
                       <a:srgbClr val="000000"/>
                     </a:solidFill>
@@ -13545,7 +13453,7 @@
               </a:ln>
               <a:extLst>
                 <a:ext uri="{91240B29-F687-4f45-9708-019B960494DF}">
-                  <a14:hiddenLine xmlns:a14="http://schemas.microsoft.com/office/drawing/2010/main" xmlns="" w="9525">
+                  <a14:hiddenLine xmlns="" xmlns:a14="http://schemas.microsoft.com/office/drawing/2010/main" w="9525">
                     <a:solidFill>
                       <a:srgbClr val="000000"/>
                     </a:solidFill>
@@ -13607,7 +13515,7 @@
               </a:ln>
               <a:extLst>
                 <a:ext uri="{91240B29-F687-4f45-9708-019B960494DF}">
-                  <a14:hiddenLine xmlns:a14="http://schemas.microsoft.com/office/drawing/2010/main" xmlns="" w="9525">
+                  <a14:hiddenLine xmlns="" xmlns:a14="http://schemas.microsoft.com/office/drawing/2010/main" w="9525">
                     <a:solidFill>
                       <a:srgbClr val="000000"/>
                     </a:solidFill>
@@ -13697,7 +13605,7 @@
               </a:ln>
               <a:extLst>
                 <a:ext uri="{91240B29-F687-4f45-9708-019B960494DF}">
-                  <a14:hiddenLine xmlns:a14="http://schemas.microsoft.com/office/drawing/2010/main" xmlns="" w="9525">
+                  <a14:hiddenLine xmlns="" xmlns:a14="http://schemas.microsoft.com/office/drawing/2010/main" w="9525">
                     <a:solidFill>
                       <a:srgbClr val="000000"/>
                     </a:solidFill>
@@ -13787,7 +13695,7 @@
               </a:ln>
               <a:extLst>
                 <a:ext uri="{91240B29-F687-4f45-9708-019B960494DF}">
-                  <a14:hiddenLine xmlns:a14="http://schemas.microsoft.com/office/drawing/2010/main" xmlns="" w="9525">
+                  <a14:hiddenLine xmlns="" xmlns:a14="http://schemas.microsoft.com/office/drawing/2010/main" w="9525">
                     <a:solidFill>
                       <a:srgbClr val="000000"/>
                     </a:solidFill>
@@ -13852,7 +13760,7 @@
               </a:ln>
               <a:extLst>
                 <a:ext uri="{91240B29-F687-4f45-9708-019B960494DF}">
-                  <a14:hiddenLine xmlns:a14="http://schemas.microsoft.com/office/drawing/2010/main" xmlns="" w="9525">
+                  <a14:hiddenLine xmlns="" xmlns:a14="http://schemas.microsoft.com/office/drawing/2010/main" w="9525">
                     <a:solidFill>
                       <a:srgbClr val="000000"/>
                     </a:solidFill>
@@ -13972,7 +13880,7 @@
               </a:ln>
               <a:extLst>
                 <a:ext uri="{91240B29-F687-4f45-9708-019B960494DF}">
-                  <a14:hiddenLine xmlns:a14="http://schemas.microsoft.com/office/drawing/2010/main" xmlns="" w="9525">
+                  <a14:hiddenLine xmlns="" xmlns:a14="http://schemas.microsoft.com/office/drawing/2010/main" w="9525">
                     <a:solidFill>
                       <a:srgbClr val="000000"/>
                     </a:solidFill>
@@ -14053,7 +13961,7 @@
               </a:ln>
               <a:extLst>
                 <a:ext uri="{91240B29-F687-4f45-9708-019B960494DF}">
-                  <a14:hiddenLine xmlns:a14="http://schemas.microsoft.com/office/drawing/2010/main" xmlns="" w="9525">
+                  <a14:hiddenLine xmlns="" xmlns:a14="http://schemas.microsoft.com/office/drawing/2010/main" w="9525">
                     <a:solidFill>
                       <a:srgbClr val="000000"/>
                     </a:solidFill>
@@ -14168,7 +14076,7 @@
               </a:ln>
               <a:extLst>
                 <a:ext uri="{91240B29-F687-4f45-9708-019B960494DF}">
-                  <a14:hiddenLine xmlns:a14="http://schemas.microsoft.com/office/drawing/2010/main" xmlns="" w="9525">
+                  <a14:hiddenLine xmlns="" xmlns:a14="http://schemas.microsoft.com/office/drawing/2010/main" w="9525">
                     <a:solidFill>
                       <a:srgbClr val="000000"/>
                     </a:solidFill>
@@ -14258,7 +14166,7 @@
               </a:ln>
               <a:extLst>
                 <a:ext uri="{91240B29-F687-4f45-9708-019B960494DF}">
-                  <a14:hiddenLine xmlns:a14="http://schemas.microsoft.com/office/drawing/2010/main" xmlns="" w="9525">
+                  <a14:hiddenLine xmlns="" xmlns:a14="http://schemas.microsoft.com/office/drawing/2010/main" w="9525">
                     <a:solidFill>
                       <a:srgbClr val="000000"/>
                     </a:solidFill>
@@ -14323,7 +14231,7 @@
               </a:ln>
               <a:extLst>
                 <a:ext uri="{91240B29-F687-4f45-9708-019B960494DF}">
-                  <a14:hiddenLine xmlns:a14="http://schemas.microsoft.com/office/drawing/2010/main" xmlns="" w="9525">
+                  <a14:hiddenLine xmlns="" xmlns:a14="http://schemas.microsoft.com/office/drawing/2010/main" w="9525">
                     <a:solidFill>
                       <a:srgbClr val="000000"/>
                     </a:solidFill>
@@ -14413,7 +14321,7 @@
               </a:ln>
               <a:extLst>
                 <a:ext uri="{91240B29-F687-4f45-9708-019B960494DF}">
-                  <a14:hiddenLine xmlns:a14="http://schemas.microsoft.com/office/drawing/2010/main" xmlns="" w="9525">
+                  <a14:hiddenLine xmlns="" xmlns:a14="http://schemas.microsoft.com/office/drawing/2010/main" w="9525">
                     <a:solidFill>
                       <a:srgbClr val="000000"/>
                     </a:solidFill>
@@ -14481,7 +14389,7 @@
               </a:ln>
               <a:extLst>
                 <a:ext uri="{91240B29-F687-4f45-9708-019B960494DF}">
-                  <a14:hiddenLine xmlns:a14="http://schemas.microsoft.com/office/drawing/2010/main" xmlns="" w="9525">
+                  <a14:hiddenLine xmlns="" xmlns:a14="http://schemas.microsoft.com/office/drawing/2010/main" w="9525">
                     <a:solidFill>
                       <a:srgbClr val="000000"/>
                     </a:solidFill>
@@ -14571,7 +14479,7 @@
               </a:ln>
               <a:extLst>
                 <a:ext uri="{91240B29-F687-4f45-9708-019B960494DF}">
-                  <a14:hiddenLine xmlns:a14="http://schemas.microsoft.com/office/drawing/2010/main" xmlns="" w="9525">
+                  <a14:hiddenLine xmlns="" xmlns:a14="http://schemas.microsoft.com/office/drawing/2010/main" w="9525">
                     <a:solidFill>
                       <a:srgbClr val="000000"/>
                     </a:solidFill>
@@ -14639,7 +14547,7 @@
               </a:ln>
               <a:extLst>
                 <a:ext uri="{91240B29-F687-4f45-9708-019B960494DF}">
-                  <a14:hiddenLine xmlns:a14="http://schemas.microsoft.com/office/drawing/2010/main" xmlns="" w="9525">
+                  <a14:hiddenLine xmlns="" xmlns:a14="http://schemas.microsoft.com/office/drawing/2010/main" w="9525">
                     <a:solidFill>
                       <a:srgbClr val="000000"/>
                     </a:solidFill>
@@ -14729,7 +14637,7 @@
               </a:ln>
               <a:extLst>
                 <a:ext uri="{91240B29-F687-4f45-9708-019B960494DF}">
-                  <a14:hiddenLine xmlns:a14="http://schemas.microsoft.com/office/drawing/2010/main" xmlns="" w="9525">
+                  <a14:hiddenLine xmlns="" xmlns:a14="http://schemas.microsoft.com/office/drawing/2010/main" w="9525">
                     <a:solidFill>
                       <a:srgbClr val="000000"/>
                     </a:solidFill>
@@ -14763,7 +14671,7 @@
               </a:ln>
               <a:extLst>
                 <a:ext uri="{91240B29-F687-4f45-9708-019B960494DF}">
-                  <a14:hiddenLine xmlns:a14="http://schemas.microsoft.com/office/drawing/2010/main" xmlns="" w="9525">
+                  <a14:hiddenLine xmlns="" xmlns:a14="http://schemas.microsoft.com/office/drawing/2010/main" w="9525">
                     <a:solidFill>
                       <a:srgbClr val="000000"/>
                     </a:solidFill>
@@ -15578,7 +15486,7 @@
             </a:ln>
             <a:extLst>
               <a:ext uri="{91240B29-F687-4f45-9708-019B960494DF}">
-                <a14:hiddenLine xmlns="" xmlns:a16="http://schemas.microsoft.com/office/drawing/2014/main" xmlns:p14="http://schemas.microsoft.com/office/powerpoint/2010/main" xmlns:a14="http://schemas.microsoft.com/office/drawing/2010/main" w="9525">
+                <a14:hiddenLine xmlns:a14="http://schemas.microsoft.com/office/drawing/2010/main" xmlns:p14="http://schemas.microsoft.com/office/powerpoint/2010/main" xmlns:a16="http://schemas.microsoft.com/office/drawing/2014/main" xmlns="" w="9525">
                   <a:solidFill>
                     <a:srgbClr val="000000"/>
                   </a:solidFill>
@@ -15683,7 +15591,7 @@
             </a:ln>
             <a:extLst>
               <a:ext uri="{91240B29-F687-4f45-9708-019B960494DF}">
-                <a14:hiddenLine xmlns="" xmlns:a16="http://schemas.microsoft.com/office/drawing/2014/main" xmlns:p14="http://schemas.microsoft.com/office/powerpoint/2010/main" xmlns:a14="http://schemas.microsoft.com/office/drawing/2010/main" w="9525">
+                <a14:hiddenLine xmlns:a14="http://schemas.microsoft.com/office/drawing/2010/main" xmlns:p14="http://schemas.microsoft.com/office/powerpoint/2010/main" xmlns:a16="http://schemas.microsoft.com/office/drawing/2014/main" xmlns="" w="9525">
                   <a:solidFill>
                     <a:srgbClr val="000000"/>
                   </a:solidFill>
@@ -15788,7 +15696,7 @@
             </a:ln>
             <a:extLst>
               <a:ext uri="{91240B29-F687-4f45-9708-019B960494DF}">
-                <a14:hiddenLine xmlns="" xmlns:a16="http://schemas.microsoft.com/office/drawing/2014/main" xmlns:p14="http://schemas.microsoft.com/office/powerpoint/2010/main" xmlns:a14="http://schemas.microsoft.com/office/drawing/2010/main" w="9525">
+                <a14:hiddenLine xmlns:a14="http://schemas.microsoft.com/office/drawing/2010/main" xmlns:p14="http://schemas.microsoft.com/office/powerpoint/2010/main" xmlns:a16="http://schemas.microsoft.com/office/drawing/2014/main" xmlns="" w="9525">
                   <a:solidFill>
                     <a:srgbClr val="000000"/>
                   </a:solidFill>
@@ -15837,7 +15745,7 @@
             </a:ln>
             <a:extLst>
               <a:ext uri="{91240B29-F687-4f45-9708-019B960494DF}">
-                <a14:hiddenLine xmlns="" xmlns:a16="http://schemas.microsoft.com/office/drawing/2014/main" xmlns:p14="http://schemas.microsoft.com/office/powerpoint/2010/main" xmlns:a14="http://schemas.microsoft.com/office/drawing/2010/main" w="9525">
+                <a14:hiddenLine xmlns:a14="http://schemas.microsoft.com/office/drawing/2010/main" xmlns:p14="http://schemas.microsoft.com/office/powerpoint/2010/main" xmlns:a16="http://schemas.microsoft.com/office/drawing/2014/main" xmlns="" w="9525">
                   <a:solidFill>
                     <a:srgbClr val="000000"/>
                   </a:solidFill>
@@ -15942,7 +15850,7 @@
             </a:ln>
             <a:extLst>
               <a:ext uri="{91240B29-F687-4f45-9708-019B960494DF}">
-                <a14:hiddenLine xmlns="" xmlns:a16="http://schemas.microsoft.com/office/drawing/2014/main" xmlns:p14="http://schemas.microsoft.com/office/powerpoint/2010/main" xmlns:a14="http://schemas.microsoft.com/office/drawing/2010/main" w="9525">
+                <a14:hiddenLine xmlns:a14="http://schemas.microsoft.com/office/drawing/2010/main" xmlns:p14="http://schemas.microsoft.com/office/powerpoint/2010/main" xmlns:a16="http://schemas.microsoft.com/office/drawing/2014/main" xmlns="" w="9525">
                   <a:solidFill>
                     <a:srgbClr val="000000"/>
                   </a:solidFill>
@@ -16019,7 +15927,7 @@
             </a:ln>
             <a:extLst>
               <a:ext uri="{91240B29-F687-4f45-9708-019B960494DF}">
-                <a14:hiddenLine xmlns="" xmlns:a16="http://schemas.microsoft.com/office/drawing/2014/main" xmlns:p14="http://schemas.microsoft.com/office/powerpoint/2010/main" xmlns:a14="http://schemas.microsoft.com/office/drawing/2010/main" w="9525">
+                <a14:hiddenLine xmlns:a14="http://schemas.microsoft.com/office/drawing/2010/main" xmlns:p14="http://schemas.microsoft.com/office/powerpoint/2010/main" xmlns:a16="http://schemas.microsoft.com/office/drawing/2014/main" xmlns="" w="9525">
                   <a:solidFill>
                     <a:srgbClr val="000000"/>
                   </a:solidFill>
@@ -16096,7 +16004,7 @@
             </a:ln>
             <a:extLst>
               <a:ext uri="{91240B29-F687-4f45-9708-019B960494DF}">
-                <a14:hiddenLine xmlns="" xmlns:a16="http://schemas.microsoft.com/office/drawing/2014/main" xmlns:p14="http://schemas.microsoft.com/office/powerpoint/2010/main" xmlns:a14="http://schemas.microsoft.com/office/drawing/2010/main" w="9525">
+                <a14:hiddenLine xmlns:a14="http://schemas.microsoft.com/office/drawing/2010/main" xmlns:p14="http://schemas.microsoft.com/office/powerpoint/2010/main" xmlns:a16="http://schemas.microsoft.com/office/drawing/2014/main" xmlns="" w="9525">
                   <a:solidFill>
                     <a:srgbClr val="000000"/>
                   </a:solidFill>
@@ -16201,7 +16109,7 @@
             </a:ln>
             <a:extLst>
               <a:ext uri="{91240B29-F687-4f45-9708-019B960494DF}">
-                <a14:hiddenLine xmlns="" xmlns:a16="http://schemas.microsoft.com/office/drawing/2014/main" xmlns:p14="http://schemas.microsoft.com/office/powerpoint/2010/main" xmlns:a14="http://schemas.microsoft.com/office/drawing/2010/main" w="9525">
+                <a14:hiddenLine xmlns:a14="http://schemas.microsoft.com/office/drawing/2010/main" xmlns:p14="http://schemas.microsoft.com/office/powerpoint/2010/main" xmlns:a16="http://schemas.microsoft.com/office/drawing/2014/main" xmlns="" w="9525">
                   <a:solidFill>
                     <a:srgbClr val="000000"/>
                   </a:solidFill>
@@ -16278,7 +16186,7 @@
             </a:ln>
             <a:extLst>
               <a:ext uri="{91240B29-F687-4f45-9708-019B960494DF}">
-                <a14:hiddenLine xmlns="" xmlns:a16="http://schemas.microsoft.com/office/drawing/2014/main" xmlns:p14="http://schemas.microsoft.com/office/powerpoint/2010/main" xmlns:a14="http://schemas.microsoft.com/office/drawing/2010/main" w="9525">
+                <a14:hiddenLine xmlns:a14="http://schemas.microsoft.com/office/drawing/2010/main" xmlns:p14="http://schemas.microsoft.com/office/powerpoint/2010/main" xmlns:a16="http://schemas.microsoft.com/office/drawing/2014/main" xmlns="" w="9525">
                   <a:solidFill>
                     <a:srgbClr val="000000"/>
                   </a:solidFill>
@@ -16355,7 +16263,7 @@
             </a:ln>
             <a:extLst>
               <a:ext uri="{91240B29-F687-4f45-9708-019B960494DF}">
-                <a14:hiddenLine xmlns="" xmlns:a16="http://schemas.microsoft.com/office/drawing/2014/main" xmlns:p14="http://schemas.microsoft.com/office/powerpoint/2010/main" xmlns:a14="http://schemas.microsoft.com/office/drawing/2010/main" w="9525">
+                <a14:hiddenLine xmlns:a14="http://schemas.microsoft.com/office/drawing/2010/main" xmlns:p14="http://schemas.microsoft.com/office/powerpoint/2010/main" xmlns:a16="http://schemas.microsoft.com/office/drawing/2014/main" xmlns="" w="9525">
                   <a:solidFill>
                     <a:srgbClr val="000000"/>
                   </a:solidFill>
@@ -16460,7 +16368,7 @@
             </a:ln>
             <a:extLst>
               <a:ext uri="{91240B29-F687-4f45-9708-019B960494DF}">
-                <a14:hiddenLine xmlns="" xmlns:a16="http://schemas.microsoft.com/office/drawing/2014/main" xmlns:p14="http://schemas.microsoft.com/office/powerpoint/2010/main" xmlns:a14="http://schemas.microsoft.com/office/drawing/2010/main" w="9525">
+                <a14:hiddenLine xmlns:a14="http://schemas.microsoft.com/office/drawing/2010/main" xmlns:p14="http://schemas.microsoft.com/office/powerpoint/2010/main" xmlns:a16="http://schemas.microsoft.com/office/drawing/2014/main" xmlns="" w="9525">
                   <a:solidFill>
                     <a:srgbClr val="000000"/>
                   </a:solidFill>
@@ -16565,7 +16473,7 @@
             </a:ln>
             <a:extLst>
               <a:ext uri="{91240B29-F687-4f45-9708-019B960494DF}">
-                <a14:hiddenLine xmlns="" xmlns:a16="http://schemas.microsoft.com/office/drawing/2014/main" xmlns:p14="http://schemas.microsoft.com/office/powerpoint/2010/main" xmlns:a14="http://schemas.microsoft.com/office/drawing/2010/main" w="9525">
+                <a14:hiddenLine xmlns:a14="http://schemas.microsoft.com/office/drawing/2010/main" xmlns:p14="http://schemas.microsoft.com/office/powerpoint/2010/main" xmlns:a16="http://schemas.microsoft.com/office/drawing/2014/main" xmlns="" w="9525">
                   <a:solidFill>
                     <a:srgbClr val="000000"/>
                   </a:solidFill>
@@ -16642,7 +16550,7 @@
             </a:ln>
             <a:extLst>
               <a:ext uri="{91240B29-F687-4f45-9708-019B960494DF}">
-                <a14:hiddenLine xmlns="" xmlns:a16="http://schemas.microsoft.com/office/drawing/2014/main" xmlns:p14="http://schemas.microsoft.com/office/powerpoint/2010/main" xmlns:a14="http://schemas.microsoft.com/office/drawing/2010/main" w="9525">
+                <a14:hiddenLine xmlns:a14="http://schemas.microsoft.com/office/drawing/2010/main" xmlns:p14="http://schemas.microsoft.com/office/powerpoint/2010/main" xmlns:a16="http://schemas.microsoft.com/office/drawing/2014/main" xmlns="" w="9525">
                   <a:solidFill>
                     <a:srgbClr val="000000"/>
                   </a:solidFill>
@@ -16767,7 +16675,7 @@
             </a:ln>
             <a:extLst>
               <a:ext uri="{91240B29-F687-4f45-9708-019B960494DF}">
-                <a14:hiddenLine xmlns="" xmlns:a16="http://schemas.microsoft.com/office/drawing/2014/main" xmlns:p14="http://schemas.microsoft.com/office/powerpoint/2010/main" xmlns:a14="http://schemas.microsoft.com/office/drawing/2010/main" w="9525">
+                <a14:hiddenLine xmlns:a14="http://schemas.microsoft.com/office/drawing/2010/main" xmlns:p14="http://schemas.microsoft.com/office/powerpoint/2010/main" xmlns:a16="http://schemas.microsoft.com/office/drawing/2014/main" xmlns="" w="9525">
                   <a:solidFill>
                     <a:srgbClr val="000000"/>
                   </a:solidFill>
@@ -16844,7 +16752,7 @@
             </a:ln>
             <a:extLst>
               <a:ext uri="{91240B29-F687-4f45-9708-019B960494DF}">
-                <a14:hiddenLine xmlns="" xmlns:a16="http://schemas.microsoft.com/office/drawing/2014/main" xmlns:p14="http://schemas.microsoft.com/office/powerpoint/2010/main" xmlns:a14="http://schemas.microsoft.com/office/drawing/2010/main" w="9525">
+                <a14:hiddenLine xmlns:a14="http://schemas.microsoft.com/office/drawing/2010/main" xmlns:p14="http://schemas.microsoft.com/office/powerpoint/2010/main" xmlns:a16="http://schemas.microsoft.com/office/drawing/2014/main" xmlns="" w="9525">
                   <a:solidFill>
                     <a:srgbClr val="000000"/>
                   </a:solidFill>
@@ -16949,7 +16857,7 @@
             </a:ln>
             <a:extLst>
               <a:ext uri="{91240B29-F687-4f45-9708-019B960494DF}">
-                <a14:hiddenLine xmlns="" xmlns:a16="http://schemas.microsoft.com/office/drawing/2014/main" xmlns:p14="http://schemas.microsoft.com/office/powerpoint/2010/main" xmlns:a14="http://schemas.microsoft.com/office/drawing/2010/main" w="9525">
+                <a14:hiddenLine xmlns:a14="http://schemas.microsoft.com/office/drawing/2010/main" xmlns:p14="http://schemas.microsoft.com/office/powerpoint/2010/main" xmlns:a16="http://schemas.microsoft.com/office/drawing/2014/main" xmlns="" w="9525">
                   <a:solidFill>
                     <a:srgbClr val="000000"/>
                   </a:solidFill>
@@ -17054,7 +16962,7 @@
             </a:ln>
             <a:extLst>
               <a:ext uri="{91240B29-F687-4f45-9708-019B960494DF}">
-                <a14:hiddenLine xmlns="" xmlns:a16="http://schemas.microsoft.com/office/drawing/2014/main" xmlns:p14="http://schemas.microsoft.com/office/powerpoint/2010/main" xmlns:a14="http://schemas.microsoft.com/office/drawing/2010/main" w="9525">
+                <a14:hiddenLine xmlns:a14="http://schemas.microsoft.com/office/drawing/2010/main" xmlns:p14="http://schemas.microsoft.com/office/powerpoint/2010/main" xmlns:a16="http://schemas.microsoft.com/office/drawing/2014/main" xmlns="" w="9525">
                   <a:solidFill>
                     <a:srgbClr val="000000"/>
                   </a:solidFill>
@@ -17131,7 +17039,7 @@
             </a:ln>
             <a:extLst>
               <a:ext uri="{91240B29-F687-4f45-9708-019B960494DF}">
-                <a14:hiddenLine xmlns="" xmlns:a16="http://schemas.microsoft.com/office/drawing/2014/main" xmlns:p14="http://schemas.microsoft.com/office/powerpoint/2010/main" xmlns:a14="http://schemas.microsoft.com/office/drawing/2010/main" w="9525">
+                <a14:hiddenLine xmlns:a14="http://schemas.microsoft.com/office/drawing/2010/main" xmlns:p14="http://schemas.microsoft.com/office/powerpoint/2010/main" xmlns:a16="http://schemas.microsoft.com/office/drawing/2014/main" xmlns="" w="9525">
                   <a:solidFill>
                     <a:srgbClr val="000000"/>
                   </a:solidFill>
@@ -17236,7 +17144,7 @@
             </a:ln>
             <a:extLst>
               <a:ext uri="{91240B29-F687-4f45-9708-019B960494DF}">
-                <a14:hiddenLine xmlns="" xmlns:a16="http://schemas.microsoft.com/office/drawing/2014/main" xmlns:p14="http://schemas.microsoft.com/office/powerpoint/2010/main" xmlns:a14="http://schemas.microsoft.com/office/drawing/2010/main" w="9525">
+                <a14:hiddenLine xmlns:a14="http://schemas.microsoft.com/office/drawing/2010/main" xmlns:p14="http://schemas.microsoft.com/office/powerpoint/2010/main" xmlns:a16="http://schemas.microsoft.com/office/drawing/2014/main" xmlns="" w="9525">
                   <a:solidFill>
                     <a:srgbClr val="000000"/>
                   </a:solidFill>
@@ -17341,7 +17249,7 @@
             </a:ln>
             <a:extLst>
               <a:ext uri="{91240B29-F687-4f45-9708-019B960494DF}">
-                <a14:hiddenLine xmlns="" xmlns:a16="http://schemas.microsoft.com/office/drawing/2014/main" xmlns:p14="http://schemas.microsoft.com/office/powerpoint/2010/main" xmlns:a14="http://schemas.microsoft.com/office/drawing/2010/main" w="9525">
+                <a14:hiddenLine xmlns:a14="http://schemas.microsoft.com/office/drawing/2010/main" xmlns:p14="http://schemas.microsoft.com/office/powerpoint/2010/main" xmlns:a16="http://schemas.microsoft.com/office/drawing/2014/main" xmlns="" w="9525">
                   <a:solidFill>
                     <a:srgbClr val="000000"/>
                   </a:solidFill>
@@ -17412,7 +17320,7 @@
             </a:ln>
             <a:extLst>
               <a:ext uri="{91240B29-F687-4f45-9708-019B960494DF}">
-                <a14:hiddenLine xmlns="" xmlns:a16="http://schemas.microsoft.com/office/drawing/2014/main" xmlns:p14="http://schemas.microsoft.com/office/powerpoint/2010/main" xmlns:a14="http://schemas.microsoft.com/office/drawing/2010/main" w="9525">
+                <a14:hiddenLine xmlns:a14="http://schemas.microsoft.com/office/drawing/2010/main" xmlns:p14="http://schemas.microsoft.com/office/powerpoint/2010/main" xmlns:a16="http://schemas.microsoft.com/office/drawing/2014/main" xmlns="" w="9525">
                   <a:solidFill>
                     <a:srgbClr val="000000"/>
                   </a:solidFill>
@@ -17517,7 +17425,7 @@
             </a:ln>
             <a:extLst>
               <a:ext uri="{91240B29-F687-4f45-9708-019B960494DF}">
-                <a14:hiddenLine xmlns="" xmlns:a16="http://schemas.microsoft.com/office/drawing/2014/main" xmlns:p14="http://schemas.microsoft.com/office/powerpoint/2010/main" xmlns:a14="http://schemas.microsoft.com/office/drawing/2010/main" w="9525">
+                <a14:hiddenLine xmlns:a14="http://schemas.microsoft.com/office/drawing/2010/main" xmlns:p14="http://schemas.microsoft.com/office/powerpoint/2010/main" xmlns:a16="http://schemas.microsoft.com/office/drawing/2014/main" xmlns="" w="9525">
                   <a:solidFill>
                     <a:srgbClr val="000000"/>
                   </a:solidFill>
@@ -17588,7 +17496,7 @@
             </a:ln>
             <a:extLst>
               <a:ext uri="{91240B29-F687-4f45-9708-019B960494DF}">
-                <a14:hiddenLine xmlns="" xmlns:a16="http://schemas.microsoft.com/office/drawing/2014/main" xmlns:p14="http://schemas.microsoft.com/office/powerpoint/2010/main" xmlns:a14="http://schemas.microsoft.com/office/drawing/2010/main" w="9525">
+                <a14:hiddenLine xmlns:a14="http://schemas.microsoft.com/office/drawing/2010/main" xmlns:p14="http://schemas.microsoft.com/office/powerpoint/2010/main" xmlns:a16="http://schemas.microsoft.com/office/drawing/2014/main" xmlns="" w="9525">
                   <a:solidFill>
                     <a:srgbClr val="000000"/>
                   </a:solidFill>
@@ -17693,7 +17601,7 @@
             </a:ln>
             <a:extLst>
               <a:ext uri="{91240B29-F687-4f45-9708-019B960494DF}">
-                <a14:hiddenLine xmlns="" xmlns:a16="http://schemas.microsoft.com/office/drawing/2014/main" xmlns:p14="http://schemas.microsoft.com/office/powerpoint/2010/main" xmlns:a14="http://schemas.microsoft.com/office/drawing/2010/main" w="9525">
+                <a14:hiddenLine xmlns:a14="http://schemas.microsoft.com/office/drawing/2010/main" xmlns:p14="http://schemas.microsoft.com/office/powerpoint/2010/main" xmlns:a16="http://schemas.microsoft.com/office/drawing/2014/main" xmlns="" w="9525">
                   <a:solidFill>
                     <a:srgbClr val="000000"/>
                   </a:solidFill>
@@ -17776,7 +17684,7 @@
             </a:ln>
             <a:extLst>
               <a:ext uri="{91240B29-F687-4f45-9708-019B960494DF}">
-                <a14:hiddenLine xmlns="" xmlns:a16="http://schemas.microsoft.com/office/drawing/2014/main" xmlns:p14="http://schemas.microsoft.com/office/powerpoint/2010/main" xmlns:a14="http://schemas.microsoft.com/office/drawing/2010/main" w="9525">
+                <a14:hiddenLine xmlns:a14="http://schemas.microsoft.com/office/drawing/2010/main" xmlns:p14="http://schemas.microsoft.com/office/powerpoint/2010/main" xmlns:a16="http://schemas.microsoft.com/office/drawing/2014/main" xmlns="" w="9525">
                   <a:solidFill>
                     <a:srgbClr val="000000"/>
                   </a:solidFill>
@@ -17881,7 +17789,7 @@
             </a:ln>
             <a:extLst>
               <a:ext uri="{91240B29-F687-4f45-9708-019B960494DF}">
-                <a14:hiddenLine xmlns="" xmlns:a16="http://schemas.microsoft.com/office/drawing/2014/main" xmlns:p14="http://schemas.microsoft.com/office/powerpoint/2010/main" xmlns:a14="http://schemas.microsoft.com/office/drawing/2010/main" w="9525">
+                <a14:hiddenLine xmlns:a14="http://schemas.microsoft.com/office/drawing/2010/main" xmlns:p14="http://schemas.microsoft.com/office/powerpoint/2010/main" xmlns:a16="http://schemas.microsoft.com/office/drawing/2014/main" xmlns="" w="9525">
                   <a:solidFill>
                     <a:srgbClr val="000000"/>
                   </a:solidFill>
@@ -17964,7 +17872,7 @@
             </a:ln>
             <a:extLst>
               <a:ext uri="{91240B29-F687-4f45-9708-019B960494DF}">
-                <a14:hiddenLine xmlns="" xmlns:a16="http://schemas.microsoft.com/office/drawing/2014/main" xmlns:p14="http://schemas.microsoft.com/office/powerpoint/2010/main" xmlns:a14="http://schemas.microsoft.com/office/drawing/2010/main" w="9525">
+                <a14:hiddenLine xmlns:a14="http://schemas.microsoft.com/office/drawing/2010/main" xmlns:p14="http://schemas.microsoft.com/office/powerpoint/2010/main" xmlns:a16="http://schemas.microsoft.com/office/drawing/2014/main" xmlns="" w="9525">
                   <a:solidFill>
                     <a:srgbClr val="000000"/>
                   </a:solidFill>
@@ -18069,7 +17977,7 @@
             </a:ln>
             <a:extLst>
               <a:ext uri="{91240B29-F687-4f45-9708-019B960494DF}">
-                <a14:hiddenLine xmlns="" xmlns:a16="http://schemas.microsoft.com/office/drawing/2014/main" xmlns:p14="http://schemas.microsoft.com/office/powerpoint/2010/main" xmlns:a14="http://schemas.microsoft.com/office/drawing/2010/main" w="9525">
+                <a14:hiddenLine xmlns:a14="http://schemas.microsoft.com/office/drawing/2010/main" xmlns:p14="http://schemas.microsoft.com/office/powerpoint/2010/main" xmlns:a16="http://schemas.microsoft.com/office/drawing/2014/main" xmlns="" w="9525">
                   <a:solidFill>
                     <a:srgbClr val="000000"/>
                   </a:solidFill>
@@ -18118,7 +18026,7 @@
             </a:ln>
             <a:extLst>
               <a:ext uri="{91240B29-F687-4f45-9708-019B960494DF}">
-                <a14:hiddenLine xmlns="" xmlns:a16="http://schemas.microsoft.com/office/drawing/2014/main" xmlns:p14="http://schemas.microsoft.com/office/powerpoint/2010/main" xmlns:a14="http://schemas.microsoft.com/office/drawing/2010/main" w="9525">
+                <a14:hiddenLine xmlns:a14="http://schemas.microsoft.com/office/drawing/2010/main" xmlns:p14="http://schemas.microsoft.com/office/powerpoint/2010/main" xmlns:a16="http://schemas.microsoft.com/office/drawing/2014/main" xmlns="" w="9525">
                   <a:solidFill>
                     <a:srgbClr val="000000"/>
                   </a:solidFill>
@@ -18223,7 +18131,7 @@
             </a:ln>
             <a:extLst>
               <a:ext uri="{91240B29-F687-4f45-9708-019B960494DF}">
-                <a14:hiddenLine xmlns="" xmlns:a16="http://schemas.microsoft.com/office/drawing/2014/main" xmlns:p14="http://schemas.microsoft.com/office/powerpoint/2010/main" xmlns:a14="http://schemas.microsoft.com/office/drawing/2010/main" w="9525">
+                <a14:hiddenLine xmlns:a14="http://schemas.microsoft.com/office/drawing/2010/main" xmlns:p14="http://schemas.microsoft.com/office/powerpoint/2010/main" xmlns:a16="http://schemas.microsoft.com/office/drawing/2014/main" xmlns="" w="9525">
                   <a:solidFill>
                     <a:srgbClr val="000000"/>
                   </a:solidFill>
@@ -18300,7 +18208,7 @@
             </a:ln>
             <a:extLst>
               <a:ext uri="{91240B29-F687-4f45-9708-019B960494DF}">
-                <a14:hiddenLine xmlns="" xmlns:a16="http://schemas.microsoft.com/office/drawing/2014/main" xmlns:p14="http://schemas.microsoft.com/office/powerpoint/2010/main" xmlns:a14="http://schemas.microsoft.com/office/drawing/2010/main" w="9525">
+                <a14:hiddenLine xmlns:a14="http://schemas.microsoft.com/office/drawing/2010/main" xmlns:p14="http://schemas.microsoft.com/office/powerpoint/2010/main" xmlns:a16="http://schemas.microsoft.com/office/drawing/2014/main" xmlns="" w="9525">
                   <a:solidFill>
                     <a:srgbClr val="000000"/>
                   </a:solidFill>
@@ -18377,7 +18285,7 @@
             </a:ln>
             <a:extLst>
               <a:ext uri="{91240B29-F687-4f45-9708-019B960494DF}">
-                <a14:hiddenLine xmlns="" xmlns:a16="http://schemas.microsoft.com/office/drawing/2014/main" xmlns:p14="http://schemas.microsoft.com/office/powerpoint/2010/main" xmlns:a14="http://schemas.microsoft.com/office/drawing/2010/main" w="9525">
+                <a14:hiddenLine xmlns:a14="http://schemas.microsoft.com/office/drawing/2010/main" xmlns:p14="http://schemas.microsoft.com/office/powerpoint/2010/main" xmlns:a16="http://schemas.microsoft.com/office/drawing/2014/main" xmlns="" w="9525">
                   <a:solidFill>
                     <a:srgbClr val="000000"/>
                   </a:solidFill>
@@ -18482,7 +18390,7 @@
             </a:ln>
             <a:extLst>
               <a:ext uri="{91240B29-F687-4f45-9708-019B960494DF}">
-                <a14:hiddenLine xmlns="" xmlns:a16="http://schemas.microsoft.com/office/drawing/2014/main" xmlns:p14="http://schemas.microsoft.com/office/powerpoint/2010/main" xmlns:a14="http://schemas.microsoft.com/office/drawing/2010/main" w="9525">
+                <a14:hiddenLine xmlns:a14="http://schemas.microsoft.com/office/drawing/2010/main" xmlns:p14="http://schemas.microsoft.com/office/powerpoint/2010/main" xmlns:a16="http://schemas.microsoft.com/office/drawing/2014/main" xmlns="" w="9525">
                   <a:solidFill>
                     <a:srgbClr val="000000"/>
                   </a:solidFill>
@@ -18565,7 +18473,7 @@
             </a:ln>
             <a:extLst>
               <a:ext uri="{91240B29-F687-4f45-9708-019B960494DF}">
-                <a14:hiddenLine xmlns="" xmlns:a16="http://schemas.microsoft.com/office/drawing/2014/main" xmlns:p14="http://schemas.microsoft.com/office/powerpoint/2010/main" xmlns:a14="http://schemas.microsoft.com/office/drawing/2010/main" w="9525">
+                <a14:hiddenLine xmlns:a14="http://schemas.microsoft.com/office/drawing/2010/main" xmlns:p14="http://schemas.microsoft.com/office/powerpoint/2010/main" xmlns:a16="http://schemas.microsoft.com/office/drawing/2014/main" xmlns="" w="9525">
                   <a:solidFill>
                     <a:srgbClr val="000000"/>
                   </a:solidFill>
@@ -18642,7 +18550,7 @@
             </a:ln>
             <a:extLst>
               <a:ext uri="{91240B29-F687-4f45-9708-019B960494DF}">
-                <a14:hiddenLine xmlns="" xmlns:a16="http://schemas.microsoft.com/office/drawing/2014/main" xmlns:p14="http://schemas.microsoft.com/office/powerpoint/2010/main" xmlns:a14="http://schemas.microsoft.com/office/drawing/2010/main" w="9525">
+                <a14:hiddenLine xmlns:a14="http://schemas.microsoft.com/office/drawing/2010/main" xmlns:p14="http://schemas.microsoft.com/office/powerpoint/2010/main" xmlns:a16="http://schemas.microsoft.com/office/drawing/2014/main" xmlns="" w="9525">
                   <a:solidFill>
                     <a:srgbClr val="000000"/>
                   </a:solidFill>
@@ -18747,7 +18655,7 @@
             </a:ln>
             <a:extLst>
               <a:ext uri="{91240B29-F687-4f45-9708-019B960494DF}">
-                <a14:hiddenLine xmlns="" xmlns:a16="http://schemas.microsoft.com/office/drawing/2014/main" xmlns:p14="http://schemas.microsoft.com/office/powerpoint/2010/main" xmlns:a14="http://schemas.microsoft.com/office/drawing/2010/main" w="9525">
+                <a14:hiddenLine xmlns:a14="http://schemas.microsoft.com/office/drawing/2010/main" xmlns:p14="http://schemas.microsoft.com/office/powerpoint/2010/main" xmlns:a16="http://schemas.microsoft.com/office/drawing/2014/main" xmlns="" w="9525">
                   <a:solidFill>
                     <a:srgbClr val="000000"/>
                   </a:solidFill>
@@ -18824,7 +18732,7 @@
             </a:ln>
             <a:extLst>
               <a:ext uri="{91240B29-F687-4f45-9708-019B960494DF}">
-                <a14:hiddenLine xmlns="" xmlns:a16="http://schemas.microsoft.com/office/drawing/2014/main" xmlns:p14="http://schemas.microsoft.com/office/powerpoint/2010/main" xmlns:a14="http://schemas.microsoft.com/office/drawing/2010/main" w="9525">
+                <a14:hiddenLine xmlns:a14="http://schemas.microsoft.com/office/drawing/2010/main" xmlns:p14="http://schemas.microsoft.com/office/powerpoint/2010/main" xmlns:a16="http://schemas.microsoft.com/office/drawing/2014/main" xmlns="" w="9525">
                   <a:solidFill>
                     <a:srgbClr val="000000"/>
                   </a:solidFill>
@@ -18929,7 +18837,7 @@
             </a:ln>
             <a:extLst>
               <a:ext uri="{91240B29-F687-4f45-9708-019B960494DF}">
-                <a14:hiddenLine xmlns="" xmlns:a16="http://schemas.microsoft.com/office/drawing/2014/main" xmlns:p14="http://schemas.microsoft.com/office/powerpoint/2010/main" xmlns:a14="http://schemas.microsoft.com/office/drawing/2010/main" w="9525">
+                <a14:hiddenLine xmlns:a14="http://schemas.microsoft.com/office/drawing/2010/main" xmlns:p14="http://schemas.microsoft.com/office/powerpoint/2010/main" xmlns:a16="http://schemas.microsoft.com/office/drawing/2014/main" xmlns="" w="9525">
                   <a:solidFill>
                     <a:srgbClr val="000000"/>
                   </a:solidFill>
@@ -19006,7 +18914,7 @@
             </a:ln>
             <a:extLst>
               <a:ext uri="{91240B29-F687-4f45-9708-019B960494DF}">
-                <a14:hiddenLine xmlns="" xmlns:a16="http://schemas.microsoft.com/office/drawing/2014/main" xmlns:p14="http://schemas.microsoft.com/office/powerpoint/2010/main" xmlns:a14="http://schemas.microsoft.com/office/drawing/2010/main" w="9525">
+                <a14:hiddenLine xmlns:a14="http://schemas.microsoft.com/office/drawing/2010/main" xmlns:p14="http://schemas.microsoft.com/office/powerpoint/2010/main" xmlns:a16="http://schemas.microsoft.com/office/drawing/2014/main" xmlns="" w="9525">
                   <a:solidFill>
                     <a:srgbClr val="000000"/>
                   </a:solidFill>
@@ -19111,7 +19019,7 @@
             </a:ln>
             <a:extLst>
               <a:ext uri="{91240B29-F687-4f45-9708-019B960494DF}">
-                <a14:hiddenLine xmlns="" xmlns:a16="http://schemas.microsoft.com/office/drawing/2014/main" xmlns:p14="http://schemas.microsoft.com/office/powerpoint/2010/main" xmlns:a14="http://schemas.microsoft.com/office/drawing/2010/main" w="9525">
+                <a14:hiddenLine xmlns:a14="http://schemas.microsoft.com/office/drawing/2010/main" xmlns:p14="http://schemas.microsoft.com/office/powerpoint/2010/main" xmlns:a16="http://schemas.microsoft.com/office/drawing/2014/main" xmlns="" w="9525">
                   <a:solidFill>
                     <a:srgbClr val="000000"/>
                   </a:solidFill>
@@ -19160,7 +19068,7 @@
             </a:ln>
             <a:extLst>
               <a:ext uri="{91240B29-F687-4f45-9708-019B960494DF}">
-                <a14:hiddenLine xmlns="" xmlns:a16="http://schemas.microsoft.com/office/drawing/2014/main" xmlns:p14="http://schemas.microsoft.com/office/powerpoint/2010/main" xmlns:a14="http://schemas.microsoft.com/office/drawing/2010/main" w="9525">
+                <a14:hiddenLine xmlns:a14="http://schemas.microsoft.com/office/drawing/2010/main" xmlns:p14="http://schemas.microsoft.com/office/powerpoint/2010/main" xmlns:a16="http://schemas.microsoft.com/office/drawing/2014/main" xmlns="" w="9525">
                   <a:solidFill>
                     <a:srgbClr val="000000"/>
                   </a:solidFill>
@@ -19240,7 +19148,7 @@
             </a:ln>
             <a:extLst>
               <a:ext uri="{91240B29-F687-4f45-9708-019B960494DF}">
-                <a14:hiddenLine xmlns="" xmlns:a16="http://schemas.microsoft.com/office/drawing/2014/main" xmlns:p14="http://schemas.microsoft.com/office/powerpoint/2010/main" xmlns:a14="http://schemas.microsoft.com/office/drawing/2010/main" w="9525">
+                <a14:hiddenLine xmlns:a14="http://schemas.microsoft.com/office/drawing/2010/main" xmlns:p14="http://schemas.microsoft.com/office/powerpoint/2010/main" xmlns:a16="http://schemas.microsoft.com/office/drawing/2014/main" xmlns="" w="9525">
                   <a:solidFill>
                     <a:srgbClr val="000000"/>
                   </a:solidFill>
@@ -19345,7 +19253,7 @@
             </a:ln>
             <a:extLst>
               <a:ext uri="{91240B29-F687-4f45-9708-019B960494DF}">
-                <a14:hiddenLine xmlns="" xmlns:a16="http://schemas.microsoft.com/office/drawing/2014/main" xmlns:p14="http://schemas.microsoft.com/office/powerpoint/2010/main" xmlns:a14="http://schemas.microsoft.com/office/drawing/2010/main" w="9525">
+                <a14:hiddenLine xmlns:a14="http://schemas.microsoft.com/office/drawing/2010/main" xmlns:p14="http://schemas.microsoft.com/office/powerpoint/2010/main" xmlns:a16="http://schemas.microsoft.com/office/drawing/2014/main" xmlns="" w="9525">
                   <a:solidFill>
                     <a:srgbClr val="000000"/>
                   </a:solidFill>
@@ -19422,7 +19330,7 @@
             </a:ln>
             <a:extLst>
               <a:ext uri="{91240B29-F687-4f45-9708-019B960494DF}">
-                <a14:hiddenLine xmlns="" xmlns:a16="http://schemas.microsoft.com/office/drawing/2014/main" xmlns:p14="http://schemas.microsoft.com/office/powerpoint/2010/main" xmlns:a14="http://schemas.microsoft.com/office/drawing/2010/main" w="9525">
+                <a14:hiddenLine xmlns:a14="http://schemas.microsoft.com/office/drawing/2010/main" xmlns:p14="http://schemas.microsoft.com/office/powerpoint/2010/main" xmlns:a16="http://schemas.microsoft.com/office/drawing/2014/main" xmlns="" w="9525">
                   <a:solidFill>
                     <a:srgbClr val="000000"/>
                   </a:solidFill>
@@ -19527,7 +19435,7 @@
             </a:ln>
             <a:extLst>
               <a:ext uri="{91240B29-F687-4f45-9708-019B960494DF}">
-                <a14:hiddenLine xmlns="" xmlns:a16="http://schemas.microsoft.com/office/drawing/2014/main" xmlns:p14="http://schemas.microsoft.com/office/powerpoint/2010/main" xmlns:a14="http://schemas.microsoft.com/office/drawing/2010/main" w="9525">
+                <a14:hiddenLine xmlns:a14="http://schemas.microsoft.com/office/drawing/2010/main" xmlns:p14="http://schemas.microsoft.com/office/powerpoint/2010/main" xmlns:a16="http://schemas.microsoft.com/office/drawing/2014/main" xmlns="" w="9525">
                   <a:solidFill>
                     <a:srgbClr val="000000"/>
                   </a:solidFill>
@@ -19632,7 +19540,7 @@
             </a:ln>
             <a:extLst>
               <a:ext uri="{91240B29-F687-4f45-9708-019B960494DF}">
-                <a14:hiddenLine xmlns="" xmlns:a16="http://schemas.microsoft.com/office/drawing/2014/main" xmlns:p14="http://schemas.microsoft.com/office/powerpoint/2010/main" xmlns:a14="http://schemas.microsoft.com/office/drawing/2010/main" w="9525">
+                <a14:hiddenLine xmlns:a14="http://schemas.microsoft.com/office/drawing/2010/main" xmlns:p14="http://schemas.microsoft.com/office/powerpoint/2010/main" xmlns:a16="http://schemas.microsoft.com/office/drawing/2014/main" xmlns="" w="9525">
                   <a:solidFill>
                     <a:srgbClr val="000000"/>
                   </a:solidFill>
@@ -19712,7 +19620,7 @@
             </a:ln>
             <a:extLst>
               <a:ext uri="{91240B29-F687-4f45-9708-019B960494DF}">
-                <a14:hiddenLine xmlns="" xmlns:a16="http://schemas.microsoft.com/office/drawing/2014/main" xmlns:p14="http://schemas.microsoft.com/office/powerpoint/2010/main" xmlns:a14="http://schemas.microsoft.com/office/drawing/2010/main" w="9525">
+                <a14:hiddenLine xmlns:a14="http://schemas.microsoft.com/office/drawing/2010/main" xmlns:p14="http://schemas.microsoft.com/office/powerpoint/2010/main" xmlns:a16="http://schemas.microsoft.com/office/drawing/2014/main" xmlns="" w="9525">
                   <a:solidFill>
                     <a:srgbClr val="000000"/>
                   </a:solidFill>
@@ -19789,7 +19697,7 @@
             </a:ln>
             <a:extLst>
               <a:ext uri="{91240B29-F687-4f45-9708-019B960494DF}">
-                <a14:hiddenLine xmlns="" xmlns:a16="http://schemas.microsoft.com/office/drawing/2014/main" xmlns:p14="http://schemas.microsoft.com/office/powerpoint/2010/main" xmlns:a14="http://schemas.microsoft.com/office/drawing/2010/main" w="9525">
+                <a14:hiddenLine xmlns:a14="http://schemas.microsoft.com/office/drawing/2010/main" xmlns:p14="http://schemas.microsoft.com/office/powerpoint/2010/main" xmlns:a16="http://schemas.microsoft.com/office/drawing/2014/main" xmlns="" w="9525">
                   <a:solidFill>
                     <a:srgbClr val="000000"/>
                   </a:solidFill>
@@ -19894,7 +19802,7 @@
             </a:ln>
             <a:extLst>
               <a:ext uri="{91240B29-F687-4f45-9708-019B960494DF}">
-                <a14:hiddenLine xmlns="" xmlns:a16="http://schemas.microsoft.com/office/drawing/2014/main" xmlns:p14="http://schemas.microsoft.com/office/powerpoint/2010/main" xmlns:a14="http://schemas.microsoft.com/office/drawing/2010/main" w="9525">
+                <a14:hiddenLine xmlns:a14="http://schemas.microsoft.com/office/drawing/2010/main" xmlns:p14="http://schemas.microsoft.com/office/powerpoint/2010/main" xmlns:a16="http://schemas.microsoft.com/office/drawing/2014/main" xmlns="" w="9525">
                   <a:solidFill>
                     <a:srgbClr val="000000"/>
                   </a:solidFill>
@@ -19999,7 +19907,7 @@
             </a:ln>
             <a:extLst>
               <a:ext uri="{91240B29-F687-4f45-9708-019B960494DF}">
-                <a14:hiddenLine xmlns="" xmlns:a16="http://schemas.microsoft.com/office/drawing/2014/main" xmlns:p14="http://schemas.microsoft.com/office/powerpoint/2010/main" xmlns:a14="http://schemas.microsoft.com/office/drawing/2010/main" w="9525">
+                <a14:hiddenLine xmlns:a14="http://schemas.microsoft.com/office/drawing/2010/main" xmlns:p14="http://schemas.microsoft.com/office/powerpoint/2010/main" xmlns:a16="http://schemas.microsoft.com/office/drawing/2014/main" xmlns="" w="9525">
                   <a:solidFill>
                     <a:srgbClr val="000000"/>
                   </a:solidFill>
@@ -20076,7 +19984,7 @@
             </a:ln>
             <a:extLst>
               <a:ext uri="{91240B29-F687-4f45-9708-019B960494DF}">
-                <a14:hiddenLine xmlns="" xmlns:a16="http://schemas.microsoft.com/office/drawing/2014/main" xmlns:p14="http://schemas.microsoft.com/office/powerpoint/2010/main" xmlns:a14="http://schemas.microsoft.com/office/drawing/2010/main" w="9525">
+                <a14:hiddenLine xmlns:a14="http://schemas.microsoft.com/office/drawing/2010/main" xmlns:p14="http://schemas.microsoft.com/office/powerpoint/2010/main" xmlns:a16="http://schemas.microsoft.com/office/drawing/2014/main" xmlns="" w="9525">
                   <a:solidFill>
                     <a:srgbClr val="000000"/>
                   </a:solidFill>
@@ -20211,7 +20119,7 @@
             </a:ln>
             <a:extLst>
               <a:ext uri="{91240B29-F687-4f45-9708-019B960494DF}">
-                <a14:hiddenLine xmlns="" xmlns:a16="http://schemas.microsoft.com/office/drawing/2014/main" xmlns:p14="http://schemas.microsoft.com/office/powerpoint/2010/main" xmlns:a14="http://schemas.microsoft.com/office/drawing/2010/main" w="9525">
+                <a14:hiddenLine xmlns:a14="http://schemas.microsoft.com/office/drawing/2010/main" xmlns:p14="http://schemas.microsoft.com/office/powerpoint/2010/main" xmlns:a16="http://schemas.microsoft.com/office/drawing/2014/main" xmlns="" w="9525">
                   <a:solidFill>
                     <a:srgbClr val="000000"/>
                   </a:solidFill>
@@ -20294,7 +20202,7 @@
             </a:ln>
             <a:extLst>
               <a:ext uri="{91240B29-F687-4f45-9708-019B960494DF}">
-                <a14:hiddenLine xmlns="" xmlns:a16="http://schemas.microsoft.com/office/drawing/2014/main" xmlns:p14="http://schemas.microsoft.com/office/powerpoint/2010/main" xmlns:a14="http://schemas.microsoft.com/office/drawing/2010/main" w="9525">
+                <a14:hiddenLine xmlns:a14="http://schemas.microsoft.com/office/drawing/2010/main" xmlns:p14="http://schemas.microsoft.com/office/powerpoint/2010/main" xmlns:a16="http://schemas.microsoft.com/office/drawing/2014/main" xmlns="" w="9525">
                   <a:solidFill>
                     <a:srgbClr val="000000"/>
                   </a:solidFill>
@@ -20399,7 +20307,7 @@
             </a:ln>
             <a:extLst>
               <a:ext uri="{91240B29-F687-4f45-9708-019B960494DF}">
-                <a14:hiddenLine xmlns="" xmlns:a16="http://schemas.microsoft.com/office/drawing/2014/main" xmlns:p14="http://schemas.microsoft.com/office/powerpoint/2010/main" xmlns:a14="http://schemas.microsoft.com/office/drawing/2010/main" w="9525">
+                <a14:hiddenLine xmlns:a14="http://schemas.microsoft.com/office/drawing/2010/main" xmlns:p14="http://schemas.microsoft.com/office/powerpoint/2010/main" xmlns:a16="http://schemas.microsoft.com/office/drawing/2014/main" xmlns="" w="9525">
                   <a:solidFill>
                     <a:srgbClr val="000000"/>
                   </a:solidFill>
@@ -20426,202 +20334,6 @@
 </file>
 
 <file path=ppt/slides/slide10.xml><?xml version="1.0" encoding="utf-8"?>
-<p:sld xmlns:a="http://schemas.openxmlformats.org/drawingml/2006/main" xmlns:r="http://schemas.openxmlformats.org/officeDocument/2006/relationships" xmlns:p="http://schemas.openxmlformats.org/presentationml/2006/main">
-  <p:cSld>
-    <p:bg>
-      <p:bgPr>
-        <a:blipFill dpi="0" rotWithShape="1">
-          <a:blip r:embed="rId3">
-            <a:alphaModFix amt="70000"/>
-            <a:duotone>
-              <a:schemeClr val="bg2">
-                <a:shade val="48000"/>
-                <a:hueMod val="106000"/>
-                <a:satMod val="140000"/>
-                <a:lumMod val="42000"/>
-              </a:schemeClr>
-              <a:schemeClr val="bg2">
-                <a:tint val="98000"/>
-                <a:hueMod val="92000"/>
-                <a:satMod val="220000"/>
-                <a:lumMod val="90000"/>
-              </a:schemeClr>
-            </a:duotone>
-            <a:lum/>
-          </a:blip>
-          <a:srcRect/>
-          <a:stretch>
-            <a:fillRect/>
-          </a:stretch>
-        </a:blipFill>
-        <a:effectLst/>
-      </p:bgPr>
-    </p:bg>
-    <p:spTree>
-      <p:nvGrpSpPr>
-        <p:cNvPr id="1" name=""/>
-        <p:cNvGrpSpPr/>
-        <p:nvPr/>
-      </p:nvGrpSpPr>
-      <p:grpSpPr>
-        <a:xfrm>
-          <a:off x="0" y="0"/>
-          <a:ext cx="0" cy="0"/>
-          <a:chOff x="0" y="0"/>
-          <a:chExt cx="0" cy="0"/>
-        </a:xfrm>
-      </p:grpSpPr>
-      <p:sp>
-        <p:nvSpPr>
-          <p:cNvPr id="3" name="Text Placeholder 2">
-            <a:extLst>
-              <a:ext uri="{FF2B5EF4-FFF2-40B4-BE49-F238E27FC236}">
-                <a16:creationId xmlns:a16="http://schemas.microsoft.com/office/drawing/2014/main" id="{D4E46FCD-CF44-4051-BD5B-0BE5F7B9FBD3}"/>
-              </a:ext>
-            </a:extLst>
-          </p:cNvPr>
-          <p:cNvSpPr>
-            <a:spLocks noGrp="1"/>
-          </p:cNvSpPr>
-          <p:nvPr>
-            <p:ph type="body" idx="1"/>
-          </p:nvPr>
-        </p:nvSpPr>
-        <p:spPr/>
-        <p:txBody>
-          <a:bodyPr/>
-          <a:lstStyle/>
-          <a:p>
-            <a:endParaRPr lang="en-US" dirty="0"/>
-          </a:p>
-        </p:txBody>
-      </p:sp>
-      <p:sp>
-        <p:nvSpPr>
-          <p:cNvPr id="5" name="Text Placeholder 4">
-            <a:extLst>
-              <a:ext uri="{FF2B5EF4-FFF2-40B4-BE49-F238E27FC236}">
-                <a16:creationId xmlns:a16="http://schemas.microsoft.com/office/drawing/2014/main" id="{79921E57-5FE5-4A1A-92B0-2ADAC4FC8C84}"/>
-              </a:ext>
-            </a:extLst>
-          </p:cNvPr>
-          <p:cNvSpPr>
-            <a:spLocks noGrp="1"/>
-          </p:cNvSpPr>
-          <p:nvPr>
-            <p:ph type="body" sz="quarter" idx="3"/>
-          </p:nvPr>
-        </p:nvSpPr>
-        <p:spPr/>
-        <p:txBody>
-          <a:bodyPr/>
-          <a:lstStyle/>
-          <a:p>
-            <a:endParaRPr lang="en-US"/>
-          </a:p>
-        </p:txBody>
-      </p:sp>
-      <p:sp>
-        <p:nvSpPr>
-          <p:cNvPr id="11" name="Title 1">
-            <a:extLst>
-              <a:ext uri="{FF2B5EF4-FFF2-40B4-BE49-F238E27FC236}">
-                <a16:creationId xmlns:a16="http://schemas.microsoft.com/office/drawing/2014/main" id="{82E65DF7-4C69-46C6-8D20-A1BAFD4C5D30}"/>
-              </a:ext>
-            </a:extLst>
-          </p:cNvPr>
-          <p:cNvSpPr>
-            <a:spLocks noGrp="1"/>
-          </p:cNvSpPr>
-          <p:nvPr>
-            <p:ph type="title"/>
-          </p:nvPr>
-        </p:nvSpPr>
-        <p:spPr>
-          <a:xfrm>
-            <a:off x="1141411" y="619126"/>
-            <a:ext cx="9906000" cy="1477961"/>
-          </a:xfrm>
-        </p:spPr>
-        <p:txBody>
-          <a:bodyPr/>
-          <a:lstStyle/>
-          <a:p>
-            <a:r>
-              <a:rPr lang="en-US" dirty="0"/>
-              <a:t>plots</a:t>
-            </a:r>
-          </a:p>
-        </p:txBody>
-      </p:sp>
-      <p:pic>
-        <p:nvPicPr>
-          <p:cNvPr id="12" name="Content Placeholder 11" descr="A close up of a logo&#10;&#10;Description automatically generated">
-            <a:extLst>
-              <a:ext uri="{FF2B5EF4-FFF2-40B4-BE49-F238E27FC236}">
-                <a16:creationId xmlns:a16="http://schemas.microsoft.com/office/drawing/2014/main" id="{F937AAEB-EFA6-44F9-8BA9-98A42EDB7C93}"/>
-              </a:ext>
-            </a:extLst>
-          </p:cNvPr>
-          <p:cNvPicPr>
-            <a:picLocks noGrp="1" noChangeAspect="1"/>
-          </p:cNvPicPr>
-          <p:nvPr>
-            <p:ph sz="quarter" idx="4"/>
-          </p:nvPr>
-        </p:nvPicPr>
-        <p:blipFill>
-          <a:blip r:embed="rId4"/>
-          <a:stretch>
-            <a:fillRect/>
-          </a:stretch>
-        </p:blipFill>
-        <p:spPr>
-          <a:xfrm>
-            <a:off x="2496598" y="1525939"/>
-            <a:ext cx="7046406" cy="4985029"/>
-          </a:xfrm>
-        </p:spPr>
-      </p:pic>
-      <p:sp>
-        <p:nvSpPr>
-          <p:cNvPr id="7" name="Content Placeholder 6">
-            <a:extLst>
-              <a:ext uri="{FF2B5EF4-FFF2-40B4-BE49-F238E27FC236}">
-                <a16:creationId xmlns:a16="http://schemas.microsoft.com/office/drawing/2014/main" id="{96B625EC-1276-4F98-AC33-EB71429E86FC}"/>
-              </a:ext>
-            </a:extLst>
-          </p:cNvPr>
-          <p:cNvSpPr>
-            <a:spLocks noGrp="1"/>
-          </p:cNvSpPr>
-          <p:nvPr>
-            <p:ph sz="half" idx="2"/>
-          </p:nvPr>
-        </p:nvSpPr>
-        <p:spPr/>
-        <p:txBody>
-          <a:bodyPr/>
-          <a:lstStyle/>
-          <a:p>
-            <a:endParaRPr lang="en-US"/>
-          </a:p>
-        </p:txBody>
-      </p:sp>
-    </p:spTree>
-    <p:extLst>
-      <p:ext uri="{BB962C8B-B14F-4D97-AF65-F5344CB8AC3E}">
-        <p14:creationId xmlns:p14="http://schemas.microsoft.com/office/powerpoint/2010/main" val="386136278"/>
-      </p:ext>
-    </p:extLst>
-  </p:cSld>
-  <p:clrMapOvr>
-    <a:masterClrMapping/>
-  </p:clrMapOvr>
-</p:sld>
-</file>
-
-<file path=ppt/slides/slide11.xml><?xml version="1.0" encoding="utf-8"?>
 <p:sld xmlns:a="http://schemas.openxmlformats.org/drawingml/2006/main" xmlns:r="http://schemas.openxmlformats.org/officeDocument/2006/relationships" xmlns:p="http://schemas.openxmlformats.org/presentationml/2006/main">
   <p:cSld>
     <p:spTree>
@@ -20769,7 +20481,7 @@
 </p:sld>
 </file>
 
-<file path=ppt/slides/slide12.xml><?xml version="1.0" encoding="utf-8"?>
+<file path=ppt/slides/slide11.xml><?xml version="1.0" encoding="utf-8"?>
 <p:sld xmlns:a="http://schemas.openxmlformats.org/drawingml/2006/main" xmlns:r="http://schemas.openxmlformats.org/officeDocument/2006/relationships" xmlns:p="http://schemas.openxmlformats.org/presentationml/2006/main">
   <p:cSld>
     <p:spTree>
@@ -20955,7 +20667,7 @@
 </p:sld>
 </file>
 
-<file path=ppt/slides/slide13.xml><?xml version="1.0" encoding="utf-8"?>
+<file path=ppt/slides/slide12.xml><?xml version="1.0" encoding="utf-8"?>
 <p:sld xmlns:a="http://schemas.openxmlformats.org/drawingml/2006/main" xmlns:r="http://schemas.openxmlformats.org/officeDocument/2006/relationships" xmlns:p="http://schemas.openxmlformats.org/presentationml/2006/main">
   <p:cSld>
     <p:bg>
@@ -21233,7 +20945,7 @@
 </p:sld>
 </file>
 
-<file path=ppt/slides/slide14.xml><?xml version="1.0" encoding="utf-8"?>
+<file path=ppt/slides/slide13.xml><?xml version="1.0" encoding="utf-8"?>
 <p:sld xmlns:a="http://schemas.openxmlformats.org/drawingml/2006/main" xmlns:r="http://schemas.openxmlformats.org/officeDocument/2006/relationships" xmlns:p="http://schemas.openxmlformats.org/presentationml/2006/main">
   <p:cSld>
     <p:bg>
@@ -21424,7 +21136,7 @@
 </p:sld>
 </file>
 
-<file path=ppt/slides/slide15.xml><?xml version="1.0" encoding="utf-8"?>
+<file path=ppt/slides/slide14.xml><?xml version="1.0" encoding="utf-8"?>
 <p:sld xmlns:a="http://schemas.openxmlformats.org/drawingml/2006/main" xmlns:r="http://schemas.openxmlformats.org/officeDocument/2006/relationships" xmlns:p="http://schemas.openxmlformats.org/presentationml/2006/main">
   <p:cSld>
     <p:bg>
@@ -21624,7 +21336,7 @@
 </p:sld>
 </file>
 
-<file path=ppt/slides/slide16.xml><?xml version="1.0" encoding="utf-8"?>
+<file path=ppt/slides/slide15.xml><?xml version="1.0" encoding="utf-8"?>
 <p:sld xmlns:a="http://schemas.openxmlformats.org/drawingml/2006/main" xmlns:r="http://schemas.openxmlformats.org/officeDocument/2006/relationships" xmlns:p="http://schemas.openxmlformats.org/presentationml/2006/main">
   <p:cSld>
     <p:bg>
@@ -21915,7 +21627,7 @@
 </p:sld>
 </file>
 
-<file path=ppt/slides/slide17.xml><?xml version="1.0" encoding="utf-8"?>
+<file path=ppt/slides/slide16.xml><?xml version="1.0" encoding="utf-8"?>
 <p:sld xmlns:a="http://schemas.openxmlformats.org/drawingml/2006/main" xmlns:r="http://schemas.openxmlformats.org/officeDocument/2006/relationships" xmlns:p="http://schemas.openxmlformats.org/presentationml/2006/main">
   <p:cSld>
     <p:bg>
@@ -22157,90 +21869,7 @@
 </p:sld>
 </file>
 
-<file path=ppt/slides/slide18.xml><?xml version="1.0" encoding="utf-8"?>
-<p:sld xmlns:a="http://schemas.openxmlformats.org/drawingml/2006/main" xmlns:r="http://schemas.openxmlformats.org/officeDocument/2006/relationships" xmlns:p="http://schemas.openxmlformats.org/presentationml/2006/main">
-  <p:cSld>
-    <p:spTree>
-      <p:nvGrpSpPr>
-        <p:cNvPr id="1" name=""/>
-        <p:cNvGrpSpPr/>
-        <p:nvPr/>
-      </p:nvGrpSpPr>
-      <p:grpSpPr>
-        <a:xfrm>
-          <a:off x="0" y="0"/>
-          <a:ext cx="0" cy="0"/>
-          <a:chOff x="0" y="0"/>
-          <a:chExt cx="0" cy="0"/>
-        </a:xfrm>
-      </p:grpSpPr>
-      <p:sp>
-        <p:nvSpPr>
-          <p:cNvPr id="2" name="Title 1">
-            <a:extLst>
-              <a:ext uri="{FF2B5EF4-FFF2-40B4-BE49-F238E27FC236}">
-                <a16:creationId xmlns:a16="http://schemas.microsoft.com/office/drawing/2014/main" id="{279625BC-6E45-4EA1-BD64-F10AF0439B6E}"/>
-              </a:ext>
-            </a:extLst>
-          </p:cNvPr>
-          <p:cNvSpPr>
-            <a:spLocks noGrp="1"/>
-          </p:cNvSpPr>
-          <p:nvPr>
-            <p:ph type="title"/>
-          </p:nvPr>
-        </p:nvSpPr>
-        <p:spPr/>
-        <p:txBody>
-          <a:bodyPr/>
-          <a:lstStyle/>
-          <a:p>
-            <a:r>
-              <a:rPr lang="en-US" dirty="0"/>
-              <a:t>Model Comparison</a:t>
-            </a:r>
-          </a:p>
-        </p:txBody>
-      </p:sp>
-      <p:sp>
-        <p:nvSpPr>
-          <p:cNvPr id="3" name="Content Placeholder 2">
-            <a:extLst>
-              <a:ext uri="{FF2B5EF4-FFF2-40B4-BE49-F238E27FC236}">
-                <a16:creationId xmlns:a16="http://schemas.microsoft.com/office/drawing/2014/main" id="{591E7236-22AD-4F96-ADB4-93BB731B0FBA}"/>
-              </a:ext>
-            </a:extLst>
-          </p:cNvPr>
-          <p:cNvSpPr>
-            <a:spLocks noGrp="1"/>
-          </p:cNvSpPr>
-          <p:nvPr>
-            <p:ph idx="1"/>
-          </p:nvPr>
-        </p:nvSpPr>
-        <p:spPr/>
-        <p:txBody>
-          <a:bodyPr/>
-          <a:lstStyle/>
-          <a:p>
-            <a:endParaRPr lang="en-US" dirty="0"/>
-          </a:p>
-        </p:txBody>
-      </p:sp>
-    </p:spTree>
-    <p:extLst>
-      <p:ext uri="{BB962C8B-B14F-4D97-AF65-F5344CB8AC3E}">
-        <p14:creationId xmlns:p14="http://schemas.microsoft.com/office/powerpoint/2010/main" val="2143482559"/>
-      </p:ext>
-    </p:extLst>
-  </p:cSld>
-  <p:clrMapOvr>
-    <a:masterClrMapping/>
-  </p:clrMapOvr>
-</p:sld>
-</file>
-
-<file path=ppt/slides/slide19.xml><?xml version="1.0" encoding="utf-8"?>
+<file path=ppt/slides/slide17.xml><?xml version="1.0" encoding="utf-8"?>
 <p:sld xmlns:a="http://schemas.openxmlformats.org/drawingml/2006/main" xmlns:r="http://schemas.openxmlformats.org/officeDocument/2006/relationships" xmlns:p="http://schemas.openxmlformats.org/presentationml/2006/main">
   <p:cSld>
     <p:spTree>
@@ -22546,7 +22175,7 @@
             </a:ln>
             <a:extLst>
               <a:ext uri="{91240B29-F687-4f45-9708-019B960494DF}">
-                <a14:hiddenLine xmlns="" xmlns:a16="http://schemas.microsoft.com/office/drawing/2014/main" xmlns:p14="http://schemas.microsoft.com/office/powerpoint/2010/main" xmlns:a14="http://schemas.microsoft.com/office/drawing/2010/main" w="9525">
+                <a14:hiddenLine xmlns:a14="http://schemas.microsoft.com/office/drawing/2010/main" xmlns:p14="http://schemas.microsoft.com/office/powerpoint/2010/main" xmlns:a16="http://schemas.microsoft.com/office/drawing/2014/main" xmlns="" w="9525">
                   <a:solidFill>
                     <a:srgbClr val="000000"/>
                   </a:solidFill>
@@ -22651,7 +22280,7 @@
             </a:ln>
             <a:extLst>
               <a:ext uri="{91240B29-F687-4f45-9708-019B960494DF}">
-                <a14:hiddenLine xmlns="" xmlns:a16="http://schemas.microsoft.com/office/drawing/2014/main" xmlns:p14="http://schemas.microsoft.com/office/powerpoint/2010/main" xmlns:a14="http://schemas.microsoft.com/office/drawing/2010/main" w="9525">
+                <a14:hiddenLine xmlns:a14="http://schemas.microsoft.com/office/drawing/2010/main" xmlns:p14="http://schemas.microsoft.com/office/powerpoint/2010/main" xmlns:a16="http://schemas.microsoft.com/office/drawing/2014/main" xmlns="" w="9525">
                   <a:solidFill>
                     <a:srgbClr val="000000"/>
                   </a:solidFill>
@@ -22756,7 +22385,7 @@
             </a:ln>
             <a:extLst>
               <a:ext uri="{91240B29-F687-4f45-9708-019B960494DF}">
-                <a14:hiddenLine xmlns="" xmlns:a16="http://schemas.microsoft.com/office/drawing/2014/main" xmlns:p14="http://schemas.microsoft.com/office/powerpoint/2010/main" xmlns:a14="http://schemas.microsoft.com/office/drawing/2010/main" w="9525">
+                <a14:hiddenLine xmlns:a14="http://schemas.microsoft.com/office/drawing/2010/main" xmlns:p14="http://schemas.microsoft.com/office/powerpoint/2010/main" xmlns:a16="http://schemas.microsoft.com/office/drawing/2014/main" xmlns="" w="9525">
                   <a:solidFill>
                     <a:srgbClr val="000000"/>
                   </a:solidFill>
@@ -22833,7 +22462,7 @@
             </a:ln>
             <a:extLst>
               <a:ext uri="{91240B29-F687-4f45-9708-019B960494DF}">
-                <a14:hiddenLine xmlns="" xmlns:a16="http://schemas.microsoft.com/office/drawing/2014/main" xmlns:p14="http://schemas.microsoft.com/office/powerpoint/2010/main" xmlns:a14="http://schemas.microsoft.com/office/drawing/2010/main" w="9525">
+                <a14:hiddenLine xmlns:a14="http://schemas.microsoft.com/office/drawing/2010/main" xmlns:p14="http://schemas.microsoft.com/office/powerpoint/2010/main" xmlns:a16="http://schemas.microsoft.com/office/drawing/2014/main" xmlns="" w="9525">
                   <a:solidFill>
                     <a:srgbClr val="000000"/>
                   </a:solidFill>
@@ -22938,7 +22567,7 @@
             </a:ln>
             <a:extLst>
               <a:ext uri="{91240B29-F687-4f45-9708-019B960494DF}">
-                <a14:hiddenLine xmlns="" xmlns:a16="http://schemas.microsoft.com/office/drawing/2014/main" xmlns:p14="http://schemas.microsoft.com/office/powerpoint/2010/main" xmlns:a14="http://schemas.microsoft.com/office/drawing/2010/main" w="9525">
+                <a14:hiddenLine xmlns:a14="http://schemas.microsoft.com/office/drawing/2010/main" xmlns:p14="http://schemas.microsoft.com/office/powerpoint/2010/main" xmlns:a16="http://schemas.microsoft.com/office/drawing/2014/main" xmlns="" w="9525">
                   <a:solidFill>
                     <a:srgbClr val="000000"/>
                   </a:solidFill>
@@ -23015,7 +22644,7 @@
             </a:ln>
             <a:extLst>
               <a:ext uri="{91240B29-F687-4f45-9708-019B960494DF}">
-                <a14:hiddenLine xmlns="" xmlns:a16="http://schemas.microsoft.com/office/drawing/2014/main" xmlns:p14="http://schemas.microsoft.com/office/powerpoint/2010/main" xmlns:a14="http://schemas.microsoft.com/office/drawing/2010/main" w="9525">
+                <a14:hiddenLine xmlns:a14="http://schemas.microsoft.com/office/drawing/2010/main" xmlns:p14="http://schemas.microsoft.com/office/powerpoint/2010/main" xmlns:a16="http://schemas.microsoft.com/office/drawing/2014/main" xmlns="" w="9525">
                   <a:solidFill>
                     <a:srgbClr val="000000"/>
                   </a:solidFill>
@@ -23092,7 +22721,7 @@
             </a:ln>
             <a:extLst>
               <a:ext uri="{91240B29-F687-4f45-9708-019B960494DF}">
-                <a14:hiddenLine xmlns="" xmlns:a16="http://schemas.microsoft.com/office/drawing/2014/main" xmlns:p14="http://schemas.microsoft.com/office/powerpoint/2010/main" xmlns:a14="http://schemas.microsoft.com/office/drawing/2010/main" w="9525">
+                <a14:hiddenLine xmlns:a14="http://schemas.microsoft.com/office/drawing/2010/main" xmlns:p14="http://schemas.microsoft.com/office/powerpoint/2010/main" xmlns:a16="http://schemas.microsoft.com/office/drawing/2014/main" xmlns="" w="9525">
                   <a:solidFill>
                     <a:srgbClr val="000000"/>
                   </a:solidFill>
@@ -23197,7 +22826,7 @@
             </a:ln>
             <a:extLst>
               <a:ext uri="{91240B29-F687-4f45-9708-019B960494DF}">
-                <a14:hiddenLine xmlns="" xmlns:a16="http://schemas.microsoft.com/office/drawing/2014/main" xmlns:p14="http://schemas.microsoft.com/office/powerpoint/2010/main" xmlns:a14="http://schemas.microsoft.com/office/drawing/2010/main" w="9525">
+                <a14:hiddenLine xmlns:a14="http://schemas.microsoft.com/office/drawing/2010/main" xmlns:p14="http://schemas.microsoft.com/office/powerpoint/2010/main" xmlns:a16="http://schemas.microsoft.com/office/drawing/2014/main" xmlns="" w="9525">
                   <a:solidFill>
                     <a:srgbClr val="000000"/>
                   </a:solidFill>
@@ -23302,7 +22931,7 @@
             </a:ln>
             <a:extLst>
               <a:ext uri="{91240B29-F687-4f45-9708-019B960494DF}">
-                <a14:hiddenLine xmlns="" xmlns:a16="http://schemas.microsoft.com/office/drawing/2014/main" xmlns:p14="http://schemas.microsoft.com/office/powerpoint/2010/main" xmlns:a14="http://schemas.microsoft.com/office/drawing/2010/main" w="9525">
+                <a14:hiddenLine xmlns:a14="http://schemas.microsoft.com/office/drawing/2010/main" xmlns:p14="http://schemas.microsoft.com/office/powerpoint/2010/main" xmlns:a16="http://schemas.microsoft.com/office/drawing/2014/main" xmlns="" w="9525">
                   <a:solidFill>
                     <a:srgbClr val="000000"/>
                   </a:solidFill>
@@ -23379,7 +23008,7 @@
             </a:ln>
             <a:extLst>
               <a:ext uri="{91240B29-F687-4f45-9708-019B960494DF}">
-                <a14:hiddenLine xmlns="" xmlns:a16="http://schemas.microsoft.com/office/drawing/2014/main" xmlns:p14="http://schemas.microsoft.com/office/powerpoint/2010/main" xmlns:a14="http://schemas.microsoft.com/office/drawing/2010/main" w="9525">
+                <a14:hiddenLine xmlns:a14="http://schemas.microsoft.com/office/drawing/2010/main" xmlns:p14="http://schemas.microsoft.com/office/powerpoint/2010/main" xmlns:a16="http://schemas.microsoft.com/office/drawing/2014/main" xmlns="" w="9525">
                   <a:solidFill>
                     <a:srgbClr val="000000"/>
                   </a:solidFill>
@@ -23504,7 +23133,7 @@
             </a:ln>
             <a:extLst>
               <a:ext uri="{91240B29-F687-4f45-9708-019B960494DF}">
-                <a14:hiddenLine xmlns="" xmlns:a16="http://schemas.microsoft.com/office/drawing/2014/main" xmlns:p14="http://schemas.microsoft.com/office/powerpoint/2010/main" xmlns:a14="http://schemas.microsoft.com/office/drawing/2010/main" w="9525">
+                <a14:hiddenLine xmlns:a14="http://schemas.microsoft.com/office/drawing/2010/main" xmlns:p14="http://schemas.microsoft.com/office/powerpoint/2010/main" xmlns:a16="http://schemas.microsoft.com/office/drawing/2014/main" xmlns="" w="9525">
                   <a:solidFill>
                     <a:srgbClr val="000000"/>
                   </a:solidFill>
@@ -23618,7 +23247,7 @@
             </a:ln>
             <a:extLst>
               <a:ext uri="{91240B29-F687-4f45-9708-019B960494DF}">
-                <a14:hiddenLine xmlns="" xmlns:a16="http://schemas.microsoft.com/office/drawing/2014/main" xmlns:p14="http://schemas.microsoft.com/office/powerpoint/2010/main" xmlns:a14="http://schemas.microsoft.com/office/drawing/2010/main" w="9525">
+                <a14:hiddenLine xmlns:a14="http://schemas.microsoft.com/office/drawing/2010/main" xmlns:p14="http://schemas.microsoft.com/office/powerpoint/2010/main" xmlns:a16="http://schemas.microsoft.com/office/drawing/2014/main" xmlns="" w="9525">
                   <a:solidFill>
                     <a:srgbClr val="000000"/>
                   </a:solidFill>
@@ -23695,7 +23324,7 @@
             </a:ln>
             <a:extLst>
               <a:ext uri="{91240B29-F687-4f45-9708-019B960494DF}">
-                <a14:hiddenLine xmlns="" xmlns:a16="http://schemas.microsoft.com/office/drawing/2014/main" xmlns:p14="http://schemas.microsoft.com/office/powerpoint/2010/main" xmlns:a14="http://schemas.microsoft.com/office/drawing/2010/main" w="9525">
+                <a14:hiddenLine xmlns:a14="http://schemas.microsoft.com/office/drawing/2010/main" xmlns:p14="http://schemas.microsoft.com/office/powerpoint/2010/main" xmlns:a16="http://schemas.microsoft.com/office/drawing/2014/main" xmlns="" w="9525">
                   <a:solidFill>
                     <a:srgbClr val="000000"/>
                   </a:solidFill>
@@ -23772,7 +23401,7 @@
             </a:ln>
             <a:extLst>
               <a:ext uri="{91240B29-F687-4f45-9708-019B960494DF}">
-                <a14:hiddenLine xmlns="" xmlns:a16="http://schemas.microsoft.com/office/drawing/2014/main" xmlns:p14="http://schemas.microsoft.com/office/powerpoint/2010/main" xmlns:a14="http://schemas.microsoft.com/office/drawing/2010/main" w="9525">
+                <a14:hiddenLine xmlns:a14="http://schemas.microsoft.com/office/drawing/2010/main" xmlns:p14="http://schemas.microsoft.com/office/powerpoint/2010/main" xmlns:a16="http://schemas.microsoft.com/office/drawing/2014/main" xmlns="" w="9525">
                   <a:solidFill>
                     <a:srgbClr val="000000"/>
                   </a:solidFill>
@@ -23877,7 +23506,7 @@
             </a:ln>
             <a:extLst>
               <a:ext uri="{91240B29-F687-4f45-9708-019B960494DF}">
-                <a14:hiddenLine xmlns="" xmlns:a16="http://schemas.microsoft.com/office/drawing/2014/main" xmlns:p14="http://schemas.microsoft.com/office/powerpoint/2010/main" xmlns:a14="http://schemas.microsoft.com/office/drawing/2010/main" w="9525">
+                <a14:hiddenLine xmlns:a14="http://schemas.microsoft.com/office/drawing/2010/main" xmlns:p14="http://schemas.microsoft.com/office/powerpoint/2010/main" xmlns:a16="http://schemas.microsoft.com/office/drawing/2014/main" xmlns="" w="9525">
                   <a:solidFill>
                     <a:srgbClr val="000000"/>
                   </a:solidFill>
@@ -23926,7 +23555,7 @@
             </a:ln>
             <a:extLst>
               <a:ext uri="{91240B29-F687-4f45-9708-019B960494DF}">
-                <a14:hiddenLine xmlns="" xmlns:a16="http://schemas.microsoft.com/office/drawing/2014/main" xmlns:p14="http://schemas.microsoft.com/office/powerpoint/2010/main" xmlns:a14="http://schemas.microsoft.com/office/drawing/2010/main" w="9525">
+                <a14:hiddenLine xmlns:a14="http://schemas.microsoft.com/office/drawing/2010/main" xmlns:p14="http://schemas.microsoft.com/office/powerpoint/2010/main" xmlns:a16="http://schemas.microsoft.com/office/drawing/2014/main" xmlns="" w="9525">
                   <a:solidFill>
                     <a:srgbClr val="000000"/>
                   </a:solidFill>
@@ -24006,7 +23635,7 @@
             </a:ln>
             <a:extLst>
               <a:ext uri="{91240B29-F687-4f45-9708-019B960494DF}">
-                <a14:hiddenLine xmlns="" xmlns:a16="http://schemas.microsoft.com/office/drawing/2014/main" xmlns:p14="http://schemas.microsoft.com/office/powerpoint/2010/main" xmlns:a14="http://schemas.microsoft.com/office/drawing/2010/main" w="9525">
+                <a14:hiddenLine xmlns:a14="http://schemas.microsoft.com/office/drawing/2010/main" xmlns:p14="http://schemas.microsoft.com/office/powerpoint/2010/main" xmlns:a16="http://schemas.microsoft.com/office/drawing/2014/main" xmlns="" w="9525">
                   <a:solidFill>
                     <a:srgbClr val="000000"/>
                   </a:solidFill>
@@ -24111,7 +23740,7 @@
             </a:ln>
             <a:extLst>
               <a:ext uri="{91240B29-F687-4f45-9708-019B960494DF}">
-                <a14:hiddenLine xmlns="" xmlns:a16="http://schemas.microsoft.com/office/drawing/2014/main" xmlns:p14="http://schemas.microsoft.com/office/powerpoint/2010/main" xmlns:a14="http://schemas.microsoft.com/office/drawing/2010/main" w="9525">
+                <a14:hiddenLine xmlns:a14="http://schemas.microsoft.com/office/drawing/2010/main" xmlns:p14="http://schemas.microsoft.com/office/powerpoint/2010/main" xmlns:a16="http://schemas.microsoft.com/office/drawing/2014/main" xmlns="" w="9525">
                   <a:solidFill>
                     <a:srgbClr val="000000"/>
                   </a:solidFill>
@@ -24188,7 +23817,7 @@
             </a:ln>
             <a:extLst>
               <a:ext uri="{91240B29-F687-4f45-9708-019B960494DF}">
-                <a14:hiddenLine xmlns="" xmlns:a16="http://schemas.microsoft.com/office/drawing/2014/main" xmlns:p14="http://schemas.microsoft.com/office/powerpoint/2010/main" xmlns:a14="http://schemas.microsoft.com/office/drawing/2010/main" w="9525">
+                <a14:hiddenLine xmlns:a14="http://schemas.microsoft.com/office/drawing/2010/main" xmlns:p14="http://schemas.microsoft.com/office/powerpoint/2010/main" xmlns:a16="http://schemas.microsoft.com/office/drawing/2014/main" xmlns="" w="9525">
                   <a:solidFill>
                     <a:srgbClr val="000000"/>
                   </a:solidFill>
@@ -24293,7 +23922,7 @@
             </a:ln>
             <a:extLst>
               <a:ext uri="{91240B29-F687-4f45-9708-019B960494DF}">
-                <a14:hiddenLine xmlns="" xmlns:a16="http://schemas.microsoft.com/office/drawing/2014/main" xmlns:p14="http://schemas.microsoft.com/office/powerpoint/2010/main" xmlns:a14="http://schemas.microsoft.com/office/drawing/2010/main" w="9525">
+                <a14:hiddenLine xmlns:a14="http://schemas.microsoft.com/office/drawing/2010/main" xmlns:p14="http://schemas.microsoft.com/office/powerpoint/2010/main" xmlns:a16="http://schemas.microsoft.com/office/drawing/2014/main" xmlns="" w="9525">
                   <a:solidFill>
                     <a:srgbClr val="000000"/>
                   </a:solidFill>
@@ -24373,7 +24002,7 @@
             </a:ln>
             <a:extLst>
               <a:ext uri="{91240B29-F687-4f45-9708-019B960494DF}">
-                <a14:hiddenLine xmlns="" xmlns:a16="http://schemas.microsoft.com/office/drawing/2014/main" xmlns:p14="http://schemas.microsoft.com/office/powerpoint/2010/main" xmlns:a14="http://schemas.microsoft.com/office/drawing/2010/main" w="9525">
+                <a14:hiddenLine xmlns:a14="http://schemas.microsoft.com/office/drawing/2010/main" xmlns:p14="http://schemas.microsoft.com/office/powerpoint/2010/main" xmlns:a16="http://schemas.microsoft.com/office/drawing/2014/main" xmlns="" w="9525">
                   <a:solidFill>
                     <a:srgbClr val="000000"/>
                   </a:solidFill>
@@ -24450,7 +24079,7 @@
             </a:ln>
             <a:extLst>
               <a:ext uri="{91240B29-F687-4f45-9708-019B960494DF}">
-                <a14:hiddenLine xmlns="" xmlns:a16="http://schemas.microsoft.com/office/drawing/2014/main" xmlns:p14="http://schemas.microsoft.com/office/powerpoint/2010/main" xmlns:a14="http://schemas.microsoft.com/office/drawing/2010/main" w="9525">
+                <a14:hiddenLine xmlns:a14="http://schemas.microsoft.com/office/drawing/2010/main" xmlns:p14="http://schemas.microsoft.com/office/powerpoint/2010/main" xmlns:a16="http://schemas.microsoft.com/office/drawing/2014/main" xmlns="" w="9525">
                   <a:solidFill>
                     <a:srgbClr val="000000"/>
                   </a:solidFill>
@@ -24555,7 +24184,7 @@
             </a:ln>
             <a:extLst>
               <a:ext uri="{91240B29-F687-4f45-9708-019B960494DF}">
-                <a14:hiddenLine xmlns="" xmlns:a16="http://schemas.microsoft.com/office/drawing/2014/main" xmlns:p14="http://schemas.microsoft.com/office/powerpoint/2010/main" xmlns:a14="http://schemas.microsoft.com/office/drawing/2010/main" w="9525">
+                <a14:hiddenLine xmlns:a14="http://schemas.microsoft.com/office/drawing/2010/main" xmlns:p14="http://schemas.microsoft.com/office/powerpoint/2010/main" xmlns:a16="http://schemas.microsoft.com/office/drawing/2014/main" xmlns="" w="9525">
                   <a:solidFill>
                     <a:srgbClr val="000000"/>
                   </a:solidFill>
@@ -24660,7 +24289,7 @@
             </a:ln>
             <a:extLst>
               <a:ext uri="{91240B29-F687-4f45-9708-019B960494DF}">
-                <a14:hiddenLine xmlns="" xmlns:a16="http://schemas.microsoft.com/office/drawing/2014/main" xmlns:p14="http://schemas.microsoft.com/office/powerpoint/2010/main" xmlns:a14="http://schemas.microsoft.com/office/drawing/2010/main" w="9525">
+                <a14:hiddenLine xmlns:a14="http://schemas.microsoft.com/office/drawing/2010/main" xmlns:p14="http://schemas.microsoft.com/office/powerpoint/2010/main" xmlns:a16="http://schemas.microsoft.com/office/drawing/2014/main" xmlns="" w="9525">
                   <a:solidFill>
                     <a:srgbClr val="000000"/>
                   </a:solidFill>
@@ -24740,7 +24369,7 @@
             </a:ln>
             <a:extLst>
               <a:ext uri="{91240B29-F687-4f45-9708-019B960494DF}">
-                <a14:hiddenLine xmlns="" xmlns:a16="http://schemas.microsoft.com/office/drawing/2014/main" xmlns:p14="http://schemas.microsoft.com/office/powerpoint/2010/main" xmlns:a14="http://schemas.microsoft.com/office/drawing/2010/main" w="9525">
+                <a14:hiddenLine xmlns:a14="http://schemas.microsoft.com/office/drawing/2010/main" xmlns:p14="http://schemas.microsoft.com/office/powerpoint/2010/main" xmlns:a16="http://schemas.microsoft.com/office/drawing/2014/main" xmlns="" w="9525">
                   <a:solidFill>
                     <a:srgbClr val="000000"/>
                   </a:solidFill>
@@ -24875,7 +24504,7 @@
             </a:ln>
             <a:extLst>
               <a:ext uri="{91240B29-F687-4f45-9708-019B960494DF}">
-                <a14:hiddenLine xmlns="" xmlns:a16="http://schemas.microsoft.com/office/drawing/2014/main" xmlns:p14="http://schemas.microsoft.com/office/powerpoint/2010/main" xmlns:a14="http://schemas.microsoft.com/office/drawing/2010/main" w="9525">
+                <a14:hiddenLine xmlns:a14="http://schemas.microsoft.com/office/drawing/2010/main" xmlns:p14="http://schemas.microsoft.com/office/powerpoint/2010/main" xmlns:a16="http://schemas.microsoft.com/office/drawing/2014/main" xmlns="" w="9525">
                   <a:solidFill>
                     <a:srgbClr val="000000"/>
                   </a:solidFill>
@@ -25180,7 +24809,7 @@
             </a:ln>
             <a:extLst>
               <a:ext uri="{91240B29-F687-4f45-9708-019B960494DF}">
-                <a14:hiddenLine xmlns="" xmlns:a16="http://schemas.microsoft.com/office/drawing/2014/main" xmlns:p14="http://schemas.microsoft.com/office/powerpoint/2010/main" xmlns:a14="http://schemas.microsoft.com/office/drawing/2010/main" w="9525">
+                <a14:hiddenLine xmlns:a14="http://schemas.microsoft.com/office/drawing/2010/main" xmlns:p14="http://schemas.microsoft.com/office/powerpoint/2010/main" xmlns:a16="http://schemas.microsoft.com/office/drawing/2014/main" xmlns="" w="9525">
                   <a:solidFill>
                     <a:srgbClr val="000000"/>
                   </a:solidFill>
@@ -25310,7 +24939,7 @@
             </a:ln>
             <a:extLst>
               <a:ext uri="{91240B29-F687-4f45-9708-019B960494DF}">
-                <a14:hiddenLine xmlns="" xmlns:a16="http://schemas.microsoft.com/office/drawing/2014/main" xmlns:p14="http://schemas.microsoft.com/office/powerpoint/2010/main" xmlns:a14="http://schemas.microsoft.com/office/drawing/2010/main" w="9525">
+                <a14:hiddenLine xmlns:a14="http://schemas.microsoft.com/office/drawing/2010/main" xmlns:p14="http://schemas.microsoft.com/office/powerpoint/2010/main" xmlns:a16="http://schemas.microsoft.com/office/drawing/2014/main" xmlns="" w="9525">
                   <a:solidFill>
                     <a:srgbClr val="000000"/>
                   </a:solidFill>
@@ -25415,7 +25044,7 @@
             </a:ln>
             <a:extLst>
               <a:ext uri="{91240B29-F687-4f45-9708-019B960494DF}">
-                <a14:hiddenLine xmlns="" xmlns:a16="http://schemas.microsoft.com/office/drawing/2014/main" xmlns:p14="http://schemas.microsoft.com/office/powerpoint/2010/main" xmlns:a14="http://schemas.microsoft.com/office/drawing/2010/main" w="9525">
+                <a14:hiddenLine xmlns:a14="http://schemas.microsoft.com/office/drawing/2010/main" xmlns:p14="http://schemas.microsoft.com/office/powerpoint/2010/main" xmlns:a16="http://schemas.microsoft.com/office/drawing/2014/main" xmlns="" w="9525">
                   <a:solidFill>
                     <a:srgbClr val="000000"/>
                   </a:solidFill>
@@ -25495,7 +25124,7 @@
             </a:ln>
             <a:extLst>
               <a:ext uri="{91240B29-F687-4f45-9708-019B960494DF}">
-                <a14:hiddenLine xmlns="" xmlns:a16="http://schemas.microsoft.com/office/drawing/2014/main" xmlns:p14="http://schemas.microsoft.com/office/powerpoint/2010/main" xmlns:a14="http://schemas.microsoft.com/office/drawing/2010/main" w="9525">
+                <a14:hiddenLine xmlns:a14="http://schemas.microsoft.com/office/drawing/2010/main" xmlns:p14="http://schemas.microsoft.com/office/powerpoint/2010/main" xmlns:a16="http://schemas.microsoft.com/office/drawing/2014/main" xmlns="" w="9525">
                   <a:solidFill>
                     <a:srgbClr val="000000"/>
                   </a:solidFill>
@@ -25600,7 +25229,7 @@
             </a:ln>
             <a:extLst>
               <a:ext uri="{91240B29-F687-4f45-9708-019B960494DF}">
-                <a14:hiddenLine xmlns="" xmlns:a16="http://schemas.microsoft.com/office/drawing/2014/main" xmlns:p14="http://schemas.microsoft.com/office/powerpoint/2010/main" xmlns:a14="http://schemas.microsoft.com/office/drawing/2010/main" w="9525">
+                <a14:hiddenLine xmlns:a14="http://schemas.microsoft.com/office/drawing/2010/main" xmlns:p14="http://schemas.microsoft.com/office/powerpoint/2010/main" xmlns:a16="http://schemas.microsoft.com/office/drawing/2014/main" xmlns="" w="9525">
                   <a:solidFill>
                     <a:srgbClr val="000000"/>
                   </a:solidFill>
@@ -25683,7 +25312,7 @@
             </a:ln>
             <a:extLst>
               <a:ext uri="{91240B29-F687-4f45-9708-019B960494DF}">
-                <a14:hiddenLine xmlns="" xmlns:a16="http://schemas.microsoft.com/office/drawing/2014/main" xmlns:p14="http://schemas.microsoft.com/office/powerpoint/2010/main" xmlns:a14="http://schemas.microsoft.com/office/drawing/2010/main" w="9525">
+                <a14:hiddenLine xmlns:a14="http://schemas.microsoft.com/office/drawing/2010/main" xmlns:p14="http://schemas.microsoft.com/office/powerpoint/2010/main" xmlns:a16="http://schemas.microsoft.com/office/drawing/2014/main" xmlns="" w="9525">
                   <a:solidFill>
                     <a:srgbClr val="000000"/>
                   </a:solidFill>
@@ -25788,7 +25417,7 @@
             </a:ln>
             <a:extLst>
               <a:ext uri="{91240B29-F687-4f45-9708-019B960494DF}">
-                <a14:hiddenLine xmlns="" xmlns:a16="http://schemas.microsoft.com/office/drawing/2014/main" xmlns:p14="http://schemas.microsoft.com/office/powerpoint/2010/main" xmlns:a14="http://schemas.microsoft.com/office/drawing/2010/main" w="9525">
+                <a14:hiddenLine xmlns:a14="http://schemas.microsoft.com/office/drawing/2010/main" xmlns:p14="http://schemas.microsoft.com/office/powerpoint/2010/main" xmlns:a16="http://schemas.microsoft.com/office/drawing/2014/main" xmlns="" w="9525">
                   <a:solidFill>
                     <a:srgbClr val="000000"/>
                   </a:solidFill>
@@ -25871,7 +25500,7 @@
             </a:ln>
             <a:extLst>
               <a:ext uri="{91240B29-F687-4f45-9708-019B960494DF}">
-                <a14:hiddenLine xmlns="" xmlns:a16="http://schemas.microsoft.com/office/drawing/2014/main" xmlns:p14="http://schemas.microsoft.com/office/powerpoint/2010/main" xmlns:a14="http://schemas.microsoft.com/office/drawing/2010/main" w="9525">
+                <a14:hiddenLine xmlns:a14="http://schemas.microsoft.com/office/drawing/2010/main" xmlns:p14="http://schemas.microsoft.com/office/powerpoint/2010/main" xmlns:a16="http://schemas.microsoft.com/office/drawing/2014/main" xmlns="" w="9525">
                   <a:solidFill>
                     <a:srgbClr val="000000"/>
                   </a:solidFill>
@@ -25976,7 +25605,7 @@
             </a:ln>
             <a:extLst>
               <a:ext uri="{91240B29-F687-4f45-9708-019B960494DF}">
-                <a14:hiddenLine xmlns="" xmlns:a16="http://schemas.microsoft.com/office/drawing/2014/main" xmlns:p14="http://schemas.microsoft.com/office/powerpoint/2010/main" xmlns:a14="http://schemas.microsoft.com/office/drawing/2010/main" w="9525">
+                <a14:hiddenLine xmlns:a14="http://schemas.microsoft.com/office/drawing/2010/main" xmlns:p14="http://schemas.microsoft.com/office/powerpoint/2010/main" xmlns:a16="http://schemas.microsoft.com/office/drawing/2014/main" xmlns="" w="9525">
                   <a:solidFill>
                     <a:srgbClr val="000000"/>
                   </a:solidFill>
@@ -26025,7 +25654,7 @@
             </a:ln>
             <a:extLst>
               <a:ext uri="{91240B29-F687-4f45-9708-019B960494DF}">
-                <a14:hiddenLine xmlns="" xmlns:a16="http://schemas.microsoft.com/office/drawing/2014/main" xmlns:p14="http://schemas.microsoft.com/office/powerpoint/2010/main" xmlns:a14="http://schemas.microsoft.com/office/drawing/2010/main" w="9525">
+                <a14:hiddenLine xmlns:a14="http://schemas.microsoft.com/office/drawing/2010/main" xmlns:p14="http://schemas.microsoft.com/office/powerpoint/2010/main" xmlns:a16="http://schemas.microsoft.com/office/drawing/2014/main" xmlns="" w="9525">
                   <a:solidFill>
                     <a:srgbClr val="000000"/>
                   </a:solidFill>
@@ -26084,7 +25713,12 @@
             <p:ph type="title"/>
           </p:nvPr>
         </p:nvSpPr>
-        <p:spPr/>
+        <p:spPr>
+          <a:xfrm>
+            <a:off x="1141410" y="444842"/>
+            <a:ext cx="9906000" cy="1477961"/>
+          </a:xfrm>
+        </p:spPr>
         <p:txBody>
           <a:bodyPr>
             <a:normAutofit/>
@@ -26093,12 +25727,8 @@
           <a:p>
             <a:pPr fontAlgn="base"/>
             <a:r>
-              <a:rPr lang="en-US" b="1" dirty="0" err="1"/>
-              <a:t>MAth</a:t>
-            </a:r>
-            <a:r>
-              <a:rPr lang="pl-PL" b="1" dirty="0"/>
-              <a:t> FINAL GRADE</a:t>
+              <a:rPr lang="pl-PL" dirty="0"/>
+              <a:t>FEATURES</a:t>
             </a:r>
             <a:endParaRPr lang="tr-TR" dirty="0"/>
           </a:p>
@@ -26171,6 +25801,17 @@
           <a:lstStyle/>
           <a:p>
             <a:r>
+              <a:rPr lang="en-US" sz="9600" b="1" dirty="0"/>
+              <a:t>MA</a:t>
+            </a:r>
+            <a:r>
+              <a:rPr lang="pl-PL" sz="9600" b="1" dirty="0"/>
+              <a:t>TH FINAL GRADE</a:t>
+            </a:r>
+            <a:endParaRPr lang="pl-PL" sz="9600" dirty="0"/>
+          </a:p>
+          <a:p>
+            <a:r>
               <a:rPr lang="en-US" sz="9600" dirty="0"/>
               <a:t>Father Education</a:t>
             </a:r>
@@ -26354,8 +25995,9 @@
   <p:cSld>
     <p:bg>
       <p:bgPr>
-        <a:blipFill>
+        <a:blipFill dpi="0" rotWithShape="1">
           <a:blip r:embed="rId3">
+            <a:alphaModFix amt="70000"/>
             <a:duotone>
               <a:schemeClr val="bg2">
                 <a:shade val="48000"/>
@@ -26370,8 +26012,12 @@
                 <a:lumMod val="90000"/>
               </a:schemeClr>
             </a:duotone>
+            <a:lum/>
           </a:blip>
-          <a:stretch/>
+          <a:srcRect/>
+          <a:stretch>
+            <a:fillRect/>
+          </a:stretch>
         </a:blipFill>
         <a:effectLst/>
       </p:bgPr>
@@ -26390,12 +26036,37 @@
           <a:chExt cx="0" cy="0"/>
         </a:xfrm>
       </p:grpSpPr>
+      <p:sp>
+        <p:nvSpPr>
+          <p:cNvPr id="3" name="Text Placeholder 2">
+            <a:extLst>
+              <a:ext uri="{FF2B5EF4-FFF2-40B4-BE49-F238E27FC236}">
+                <a16:creationId xmlns:a16="http://schemas.microsoft.com/office/drawing/2014/main" id="{D4E46FCD-CF44-4051-BD5B-0BE5F7B9FBD3}"/>
+              </a:ext>
+            </a:extLst>
+          </p:cNvPr>
+          <p:cNvSpPr>
+            <a:spLocks noGrp="1"/>
+          </p:cNvSpPr>
+          <p:nvPr>
+            <p:ph type="body" idx="1"/>
+          </p:nvPr>
+        </p:nvSpPr>
+        <p:spPr/>
+        <p:txBody>
+          <a:bodyPr/>
+          <a:lstStyle/>
+          <a:p>
+            <a:endParaRPr lang="en-US" dirty="0"/>
+          </a:p>
+        </p:txBody>
+      </p:sp>
       <p:pic>
         <p:nvPicPr>
-          <p:cNvPr id="15" name="Picture 2">
+          <p:cNvPr id="8" name="Content Placeholder 7">
             <a:extLst>
               <a:ext uri="{FF2B5EF4-FFF2-40B4-BE49-F238E27FC236}">
-                <a16:creationId xmlns:a16="http://schemas.microsoft.com/office/drawing/2014/main" id="{5B367C29-5200-4FF1-83B7-18B105A0BDDE}"/>
+                <a16:creationId xmlns:a16="http://schemas.microsoft.com/office/drawing/2014/main" id="{811CB879-90FE-467E-B788-F8C1838378FD}"/>
               </a:ext>
               <a:ext uri="{C183D7F6-B498-43B3-948B-1728B52AA6E4}">
                 <adec:decorative xmlns:adec="http://schemas.microsoft.com/office/drawing/2017/decorative" val="1"/>
@@ -26403,3474 +26074,91 @@
             </a:extLst>
           </p:cNvPr>
           <p:cNvPicPr>
-            <a:picLocks noGrp="1" noRot="1" noChangeAspect="1" noMove="1" noResize="1" noEditPoints="1" noAdjustHandles="1" noChangeArrowheads="1" noChangeShapeType="1" noCrop="1"/>
+            <a:picLocks noGrp="1" noChangeAspect="1"/>
           </p:cNvPicPr>
           <p:nvPr>
-            <p:extLst>
-              <p:ext uri="{386F3935-93C4-4BCD-93E2-E3B085C9AB24}">
-                <p16:designElem xmlns:p16="http://schemas.microsoft.com/office/powerpoint/2015/main" val="1"/>
-              </p:ext>
-            </p:extLst>
+            <p:ph sz="half" idx="2"/>
           </p:nvPr>
         </p:nvPicPr>
         <p:blipFill>
-          <a:blip r:embed="rId4">
-            <a:alphaModFix amt="30000"/>
-            <a:duotone>
-              <a:prstClr val="black"/>
-              <a:schemeClr val="tx2">
-                <a:tint val="45000"/>
-                <a:satMod val="400000"/>
-              </a:schemeClr>
-            </a:duotone>
-            <a:extLst>
-              <a:ext uri="{28A0092B-C50C-407E-A947-70E740481C1C}">
-                <a14:useLocalDpi xmlns:a14="http://schemas.microsoft.com/office/drawing/2010/main" val="0"/>
-              </a:ext>
-            </a:extLst>
-          </a:blip>
-          <a:srcRect/>
+          <a:blip r:embed="rId4"/>
           <a:stretch>
             <a:fillRect/>
           </a:stretch>
         </p:blipFill>
-        <p:spPr bwMode="auto">
+        <p:spPr>
           <a:xfrm>
-            <a:off x="0" y="-1"/>
-            <a:ext cx="12192003" cy="6858001"/>
+            <a:off x="2786504" y="2091454"/>
+            <a:ext cx="6009377" cy="4454271"/>
+          </a:xfrm>
+        </p:spPr>
+      </p:pic>
+      <p:sp>
+        <p:nvSpPr>
+          <p:cNvPr id="5" name="Text Placeholder 4">
+            <a:extLst>
+              <a:ext uri="{FF2B5EF4-FFF2-40B4-BE49-F238E27FC236}">
+                <a16:creationId xmlns:a16="http://schemas.microsoft.com/office/drawing/2014/main" id="{79921E57-5FE5-4A1A-92B0-2ADAC4FC8C84}"/>
+              </a:ext>
+            </a:extLst>
+          </p:cNvPr>
+          <p:cNvSpPr>
+            <a:spLocks noGrp="1"/>
+          </p:cNvSpPr>
+          <p:nvPr>
+            <p:ph type="body" sz="quarter" idx="3"/>
+          </p:nvPr>
+        </p:nvSpPr>
+        <p:spPr/>
+        <p:txBody>
+          <a:bodyPr/>
+          <a:lstStyle/>
+          <a:p>
+            <a:endParaRPr lang="en-US"/>
+          </a:p>
+        </p:txBody>
+      </p:sp>
+      <p:sp>
+        <p:nvSpPr>
+          <p:cNvPr id="10" name="TextBox 9">
+            <a:extLst>
+              <a:ext uri="{FF2B5EF4-FFF2-40B4-BE49-F238E27FC236}">
+                <a16:creationId xmlns:a16="http://schemas.microsoft.com/office/drawing/2014/main" id="{AF8A7C77-70B1-4133-B096-BBF6F1FADB26}"/>
+              </a:ext>
+            </a:extLst>
+          </p:cNvPr>
+          <p:cNvSpPr txBox="1"/>
+          <p:nvPr/>
+        </p:nvSpPr>
+        <p:spPr>
+          <a:xfrm>
+            <a:off x="1208314" y="1722122"/>
+            <a:ext cx="4049486" cy="369332"/>
           </a:xfrm>
           <a:prstGeom prst="rect">
             <a:avLst/>
           </a:prstGeom>
           <a:noFill/>
-          <a:extLst>
-            <a:ext uri="{909E8E84-426E-40dd-AFC4-6F175D3DCCD1}">
-              <a14:hiddenFill xmlns="" xmlns:a16="http://schemas.microsoft.com/office/drawing/2014/main" xmlns:p14="http://schemas.microsoft.com/office/powerpoint/2010/main" xmlns:a14="http://schemas.microsoft.com/office/drawing/2010/main">
-                <a:solidFill>
-                  <a:srgbClr val="FFFFFF"/>
-                </a:solidFill>
-              </a14:hiddenFill>
-            </a:ext>
-          </a:extLst>
         </p:spPr>
-      </p:pic>
-      <p:grpSp>
-        <p:nvGrpSpPr>
-          <p:cNvPr id="17" name="Group 16">
+        <p:txBody>
+          <a:bodyPr wrap="square" rtlCol="0">
+            <a:spAutoFit/>
+          </a:bodyPr>
+          <a:lstStyle/>
+          <a:p>
+            <a:r>
+              <a:rPr lang="en-US" dirty="0"/>
+              <a:t>Correlation matrix based on Spearman</a:t>
+            </a:r>
+          </a:p>
+        </p:txBody>
+      </p:sp>
+      <p:sp>
+        <p:nvSpPr>
+          <p:cNvPr id="11" name="Title 1">
             <a:extLst>
               <a:ext uri="{FF2B5EF4-FFF2-40B4-BE49-F238E27FC236}">
-                <a16:creationId xmlns:a16="http://schemas.microsoft.com/office/drawing/2014/main" id="{EC711491-7BB6-4BE6-A470-44BF61D562E0}"/>
-              </a:ext>
-              <a:ext uri="{C183D7F6-B498-43B3-948B-1728B52AA6E4}">
-                <adec:decorative xmlns:adec="http://schemas.microsoft.com/office/drawing/2017/decorative" val="1"/>
-              </a:ext>
-            </a:extLst>
-          </p:cNvPr>
-          <p:cNvGrpSpPr>
-            <a:grpSpLocks noGrp="1" noUngrp="1" noRot="1" noChangeAspect="1" noMove="1" noResize="1"/>
-          </p:cNvGrpSpPr>
-          <p:nvPr>
-            <p:extLst>
-              <p:ext uri="{386F3935-93C4-4BCD-93E2-E3B085C9AB24}">
-                <p16:designElem xmlns:p16="http://schemas.microsoft.com/office/powerpoint/2015/main" val="1"/>
-              </p:ext>
-            </p:extLst>
-          </p:nvPr>
-        </p:nvGrpSpPr>
-        <p:grpSpPr>
-          <a:xfrm>
-            <a:off x="-14288" y="0"/>
-            <a:ext cx="12053888" cy="6858001"/>
-            <a:chOff x="-14288" y="0"/>
-            <a:chExt cx="12053888" cy="6858001"/>
-          </a:xfrm>
-          <a:gradFill flip="none" rotWithShape="1">
-            <a:gsLst>
-              <a:gs pos="0">
-                <a:schemeClr val="tx2"/>
-              </a:gs>
-              <a:gs pos="100000">
-                <a:schemeClr val="tx2">
-                  <a:lumMod val="50000"/>
-                </a:schemeClr>
-              </a:gs>
-            </a:gsLst>
-            <a:lin ang="5400000" scaled="0"/>
-            <a:tileRect/>
-          </a:gradFill>
-        </p:grpSpPr>
-        <p:grpSp>
-          <p:nvGrpSpPr>
-            <p:cNvPr id="18" name="Group 17">
-              <a:extLst>
-                <a:ext uri="{FF2B5EF4-FFF2-40B4-BE49-F238E27FC236}">
-                  <a16:creationId xmlns:a16="http://schemas.microsoft.com/office/drawing/2014/main" id="{FE4F104B-68BE-4E53-A6A5-5C5F93FF7209}"/>
-                </a:ext>
-                <a:ext uri="{C183D7F6-B498-43B3-948B-1728B52AA6E4}">
-                  <adec:decorative xmlns:adec="http://schemas.microsoft.com/office/drawing/2017/decorative" val="1"/>
-                </a:ext>
-              </a:extLst>
-            </p:cNvPr>
-            <p:cNvGrpSpPr/>
-            <p:nvPr>
-              <p:extLst>
-                <p:ext uri="{386F3935-93C4-4BCD-93E2-E3B085C9AB24}">
-                  <p16:designElem xmlns:p16="http://schemas.microsoft.com/office/powerpoint/2015/main" val="1"/>
-                </p:ext>
-              </p:extLst>
-            </p:nvPr>
-          </p:nvGrpSpPr>
-          <p:grpSpPr>
-            <a:xfrm>
-              <a:off x="-14288" y="0"/>
-              <a:ext cx="1220788" cy="6858001"/>
-              <a:chOff x="-14288" y="0"/>
-              <a:chExt cx="1220788" cy="6858001"/>
-            </a:xfrm>
-            <a:grpFill/>
-          </p:grpSpPr>
-          <p:sp>
-            <p:nvSpPr>
-              <p:cNvPr id="30" name="Rectangle 5">
-                <a:extLst>
-                  <a:ext uri="{FF2B5EF4-FFF2-40B4-BE49-F238E27FC236}">
-                    <a16:creationId xmlns:a16="http://schemas.microsoft.com/office/drawing/2014/main" id="{EF4A7076-D6BC-4AE1-AE2C-C09B16AAB4CB}"/>
-                  </a:ext>
-                  <a:ext uri="{C183D7F6-B498-43B3-948B-1728B52AA6E4}">
-                    <adec:decorative xmlns:adec="http://schemas.microsoft.com/office/drawing/2017/decorative" val="1"/>
-                  </a:ext>
-                </a:extLst>
-              </p:cNvPr>
-              <p:cNvSpPr>
-                <a:spLocks noChangeArrowheads="1"/>
-              </p:cNvSpPr>
-              <p:nvPr>
-                <p:extLst>
-                  <p:ext uri="{386F3935-93C4-4BCD-93E2-E3B085C9AB24}">
-                    <p16:designElem xmlns:p16="http://schemas.microsoft.com/office/powerpoint/2015/main" val="1"/>
-                  </p:ext>
-                </p:extLst>
-              </p:nvPr>
-            </p:nvSpPr>
-            <p:spPr bwMode="auto">
-              <a:xfrm>
-                <a:off x="114300" y="4763"/>
-                <a:ext cx="23813" cy="2181225"/>
-              </a:xfrm>
-              <a:prstGeom prst="rect">
-                <a:avLst/>
-              </a:prstGeom>
-              <a:grpFill/>
-              <a:ln>
-                <a:noFill/>
-              </a:ln>
-              <a:extLst>
-                <a:ext uri="{91240B29-F687-4f45-9708-019B960494DF}">
-                  <a14:hiddenLine xmlns="" xmlns:a16="http://schemas.microsoft.com/office/drawing/2014/main" xmlns:p14="http://schemas.microsoft.com/office/powerpoint/2010/main" xmlns:a14="http://schemas.microsoft.com/office/drawing/2010/main" w="9525">
-                    <a:solidFill>
-                      <a:srgbClr val="000000"/>
-                    </a:solidFill>
-                    <a:miter lim="800000"/>
-                    <a:headEnd/>
-                    <a:tailEnd/>
-                  </a14:hiddenLine>
-                </a:ext>
-              </a:extLst>
-            </p:spPr>
-          </p:sp>
-          <p:sp>
-            <p:nvSpPr>
-              <p:cNvPr id="31" name="Freeform 6">
-                <a:extLst>
-                  <a:ext uri="{FF2B5EF4-FFF2-40B4-BE49-F238E27FC236}">
-                    <a16:creationId xmlns:a16="http://schemas.microsoft.com/office/drawing/2014/main" id="{58FA119B-7250-4EC7-912F-F5613CC2813B}"/>
-                  </a:ext>
-                  <a:ext uri="{C183D7F6-B498-43B3-948B-1728B52AA6E4}">
-                    <adec:decorative xmlns:adec="http://schemas.microsoft.com/office/drawing/2017/decorative" val="1"/>
-                  </a:ext>
-                </a:extLst>
-              </p:cNvPr>
-              <p:cNvSpPr>
-                <a:spLocks noEditPoints="1"/>
-              </p:cNvSpPr>
-              <p:nvPr>
-                <p:extLst>
-                  <p:ext uri="{386F3935-93C4-4BCD-93E2-E3B085C9AB24}">
-                    <p16:designElem xmlns:p16="http://schemas.microsoft.com/office/powerpoint/2015/main" val="1"/>
-                  </p:ext>
-                </p:extLst>
-              </p:nvPr>
-            </p:nvSpPr>
-            <p:spPr bwMode="auto">
-              <a:xfrm>
-                <a:off x="33337" y="2176463"/>
-                <a:ext cx="190500" cy="190500"/>
-              </a:xfrm>
-              <a:custGeom>
-                <a:avLst/>
-                <a:gdLst/>
-                <a:ahLst/>
-                <a:cxnLst/>
-                <a:rect l="0" t="0" r="r" b="b"/>
-                <a:pathLst>
-                  <a:path w="40" h="40">
-                    <a:moveTo>
-                      <a:pt x="20" y="40"/>
-                    </a:moveTo>
-                    <a:cubicBezTo>
-                      <a:pt x="9" y="40"/>
-                      <a:pt x="0" y="31"/>
-                      <a:pt x="0" y="20"/>
-                    </a:cubicBezTo>
-                    <a:cubicBezTo>
-                      <a:pt x="0" y="9"/>
-                      <a:pt x="9" y="0"/>
-                      <a:pt x="20" y="0"/>
-                    </a:cubicBezTo>
-                    <a:cubicBezTo>
-                      <a:pt x="31" y="0"/>
-                      <a:pt x="40" y="9"/>
-                      <a:pt x="40" y="20"/>
-                    </a:cubicBezTo>
-                    <a:cubicBezTo>
-                      <a:pt x="40" y="31"/>
-                      <a:pt x="31" y="40"/>
-                      <a:pt x="20" y="40"/>
-                    </a:cubicBezTo>
-                    <a:close/>
-                    <a:moveTo>
-                      <a:pt x="20" y="4"/>
-                    </a:moveTo>
-                    <a:cubicBezTo>
-                      <a:pt x="11" y="4"/>
-                      <a:pt x="4" y="11"/>
-                      <a:pt x="4" y="20"/>
-                    </a:cubicBezTo>
-                    <a:cubicBezTo>
-                      <a:pt x="4" y="29"/>
-                      <a:pt x="11" y="36"/>
-                      <a:pt x="20" y="36"/>
-                    </a:cubicBezTo>
-                    <a:cubicBezTo>
-                      <a:pt x="28" y="36"/>
-                      <a:pt x="36" y="29"/>
-                      <a:pt x="36" y="20"/>
-                    </a:cubicBezTo>
-                    <a:cubicBezTo>
-                      <a:pt x="36" y="11"/>
-                      <a:pt x="28" y="4"/>
-                      <a:pt x="20" y="4"/>
-                    </a:cubicBezTo>
-                    <a:close/>
-                  </a:path>
-                </a:pathLst>
-              </a:custGeom>
-              <a:grpFill/>
-              <a:ln>
-                <a:noFill/>
-              </a:ln>
-              <a:extLst>
-                <a:ext uri="{91240B29-F687-4f45-9708-019B960494DF}">
-                  <a14:hiddenLine xmlns="" xmlns:a16="http://schemas.microsoft.com/office/drawing/2014/main" xmlns:p14="http://schemas.microsoft.com/office/powerpoint/2010/main" xmlns:a14="http://schemas.microsoft.com/office/drawing/2010/main" w="9525">
-                    <a:solidFill>
-                      <a:srgbClr val="000000"/>
-                    </a:solidFill>
-                    <a:round/>
-                    <a:headEnd/>
-                    <a:tailEnd/>
-                  </a14:hiddenLine>
-                </a:ext>
-              </a:extLst>
-            </p:spPr>
-          </p:sp>
-          <p:sp>
-            <p:nvSpPr>
-              <p:cNvPr id="32" name="Freeform 7">
-                <a:extLst>
-                  <a:ext uri="{FF2B5EF4-FFF2-40B4-BE49-F238E27FC236}">
-                    <a16:creationId xmlns:a16="http://schemas.microsoft.com/office/drawing/2014/main" id="{7B9A9AED-D47E-44AD-AD6E-2EECC94D8824}"/>
-                  </a:ext>
-                  <a:ext uri="{C183D7F6-B498-43B3-948B-1728B52AA6E4}">
-                    <adec:decorative xmlns:adec="http://schemas.microsoft.com/office/drawing/2017/decorative" val="1"/>
-                  </a:ext>
-                </a:extLst>
-              </p:cNvPr>
-              <p:cNvSpPr>
-                <a:spLocks noEditPoints="1"/>
-              </p:cNvSpPr>
-              <p:nvPr>
-                <p:extLst>
-                  <p:ext uri="{386F3935-93C4-4BCD-93E2-E3B085C9AB24}">
-                    <p16:designElem xmlns:p16="http://schemas.microsoft.com/office/powerpoint/2015/main" val="1"/>
-                  </p:ext>
-                </p:extLst>
-              </p:nvPr>
-            </p:nvSpPr>
-            <p:spPr bwMode="auto">
-              <a:xfrm>
-                <a:off x="28575" y="4021138"/>
-                <a:ext cx="190500" cy="188913"/>
-              </a:xfrm>
-              <a:custGeom>
-                <a:avLst/>
-                <a:gdLst/>
-                <a:ahLst/>
-                <a:cxnLst/>
-                <a:rect l="0" t="0" r="r" b="b"/>
-                <a:pathLst>
-                  <a:path w="40" h="40">
-                    <a:moveTo>
-                      <a:pt x="20" y="40"/>
-                    </a:moveTo>
-                    <a:cubicBezTo>
-                      <a:pt x="9" y="40"/>
-                      <a:pt x="0" y="31"/>
-                      <a:pt x="0" y="20"/>
-                    </a:cubicBezTo>
-                    <a:cubicBezTo>
-                      <a:pt x="0" y="9"/>
-                      <a:pt x="9" y="0"/>
-                      <a:pt x="20" y="0"/>
-                    </a:cubicBezTo>
-                    <a:cubicBezTo>
-                      <a:pt x="31" y="0"/>
-                      <a:pt x="40" y="9"/>
-                      <a:pt x="40" y="20"/>
-                    </a:cubicBezTo>
-                    <a:cubicBezTo>
-                      <a:pt x="40" y="31"/>
-                      <a:pt x="31" y="40"/>
-                      <a:pt x="20" y="40"/>
-                    </a:cubicBezTo>
-                    <a:close/>
-                    <a:moveTo>
-                      <a:pt x="20" y="4"/>
-                    </a:moveTo>
-                    <a:cubicBezTo>
-                      <a:pt x="12" y="4"/>
-                      <a:pt x="4" y="11"/>
-                      <a:pt x="4" y="20"/>
-                    </a:cubicBezTo>
-                    <a:cubicBezTo>
-                      <a:pt x="4" y="29"/>
-                      <a:pt x="12" y="36"/>
-                      <a:pt x="20" y="36"/>
-                    </a:cubicBezTo>
-                    <a:cubicBezTo>
-                      <a:pt x="29" y="36"/>
-                      <a:pt x="36" y="29"/>
-                      <a:pt x="36" y="20"/>
-                    </a:cubicBezTo>
-                    <a:cubicBezTo>
-                      <a:pt x="36" y="11"/>
-                      <a:pt x="29" y="4"/>
-                      <a:pt x="20" y="4"/>
-                    </a:cubicBezTo>
-                    <a:close/>
-                  </a:path>
-                </a:pathLst>
-              </a:custGeom>
-              <a:grpFill/>
-              <a:ln>
-                <a:noFill/>
-              </a:ln>
-              <a:extLst>
-                <a:ext uri="{91240B29-F687-4f45-9708-019B960494DF}">
-                  <a14:hiddenLine xmlns="" xmlns:a16="http://schemas.microsoft.com/office/drawing/2014/main" xmlns:p14="http://schemas.microsoft.com/office/powerpoint/2010/main" xmlns:a14="http://schemas.microsoft.com/office/drawing/2010/main" w="9525">
-                    <a:solidFill>
-                      <a:srgbClr val="000000"/>
-                    </a:solidFill>
-                    <a:round/>
-                    <a:headEnd/>
-                    <a:tailEnd/>
-                  </a14:hiddenLine>
-                </a:ext>
-              </a:extLst>
-            </p:spPr>
-          </p:sp>
-          <p:sp>
-            <p:nvSpPr>
-              <p:cNvPr id="33" name="Freeform 8">
-                <a:extLst>
-                  <a:ext uri="{FF2B5EF4-FFF2-40B4-BE49-F238E27FC236}">
-                    <a16:creationId xmlns:a16="http://schemas.microsoft.com/office/drawing/2014/main" id="{00A30ECA-328D-4512-825B-0AD596046782}"/>
-                  </a:ext>
-                  <a:ext uri="{C183D7F6-B498-43B3-948B-1728B52AA6E4}">
-                    <adec:decorative xmlns:adec="http://schemas.microsoft.com/office/drawing/2017/decorative" val="1"/>
-                  </a:ext>
-                </a:extLst>
-              </p:cNvPr>
-              <p:cNvSpPr/>
-              <p:nvPr>
-                <p:extLst>
-                  <p:ext uri="{386F3935-93C4-4BCD-93E2-E3B085C9AB24}">
-                    <p16:designElem xmlns:p16="http://schemas.microsoft.com/office/powerpoint/2015/main" val="1"/>
-                  </p:ext>
-                </p:extLst>
-              </p:nvPr>
-            </p:nvSpPr>
-            <p:spPr bwMode="auto">
-              <a:xfrm>
-                <a:off x="200025" y="4763"/>
-                <a:ext cx="369888" cy="1811338"/>
-              </a:xfrm>
-              <a:custGeom>
-                <a:avLst/>
-                <a:gdLst/>
-                <a:ahLst/>
-                <a:cxnLst/>
-                <a:rect l="0" t="0" r="r" b="b"/>
-                <a:pathLst>
-                  <a:path w="233" h="1141">
-                    <a:moveTo>
-                      <a:pt x="218" y="1141"/>
-                    </a:moveTo>
-                    <a:lnTo>
-                      <a:pt x="0" y="626"/>
-                    </a:lnTo>
-                    <a:lnTo>
-                      <a:pt x="0" y="0"/>
-                    </a:lnTo>
-                    <a:lnTo>
-                      <a:pt x="15" y="0"/>
-                    </a:lnTo>
-                    <a:lnTo>
-                      <a:pt x="15" y="623"/>
-                    </a:lnTo>
-                    <a:lnTo>
-                      <a:pt x="233" y="1135"/>
-                    </a:lnTo>
-                    <a:lnTo>
-                      <a:pt x="218" y="1141"/>
-                    </a:lnTo>
-                    <a:close/>
-                  </a:path>
-                </a:pathLst>
-              </a:custGeom>
-              <a:grpFill/>
-              <a:ln>
-                <a:noFill/>
-              </a:ln>
-              <a:extLst>
-                <a:ext uri="{91240B29-F687-4f45-9708-019B960494DF}">
-                  <a14:hiddenLine xmlns="" xmlns:a16="http://schemas.microsoft.com/office/drawing/2014/main" xmlns:p14="http://schemas.microsoft.com/office/powerpoint/2010/main" xmlns:a14="http://schemas.microsoft.com/office/drawing/2010/main" w="9525">
-                    <a:solidFill>
-                      <a:srgbClr val="000000"/>
-                    </a:solidFill>
-                    <a:round/>
-                    <a:headEnd/>
-                    <a:tailEnd/>
-                  </a14:hiddenLine>
-                </a:ext>
-              </a:extLst>
-            </p:spPr>
-          </p:sp>
-          <p:sp>
-            <p:nvSpPr>
-              <p:cNvPr id="34" name="Freeform 9">
-                <a:extLst>
-                  <a:ext uri="{FF2B5EF4-FFF2-40B4-BE49-F238E27FC236}">
-                    <a16:creationId xmlns:a16="http://schemas.microsoft.com/office/drawing/2014/main" id="{14A218CE-B3D8-4A43-86CC-48980645AC68}"/>
-                  </a:ext>
-                  <a:ext uri="{C183D7F6-B498-43B3-948B-1728B52AA6E4}">
-                    <adec:decorative xmlns:adec="http://schemas.microsoft.com/office/drawing/2017/decorative" val="1"/>
-                  </a:ext>
-                </a:extLst>
-              </p:cNvPr>
-              <p:cNvSpPr>
-                <a:spLocks noEditPoints="1"/>
-              </p:cNvSpPr>
-              <p:nvPr>
-                <p:extLst>
-                  <p:ext uri="{386F3935-93C4-4BCD-93E2-E3B085C9AB24}">
-                    <p16:designElem xmlns:p16="http://schemas.microsoft.com/office/powerpoint/2015/main" val="1"/>
-                  </p:ext>
-                </p:extLst>
-              </p:nvPr>
-            </p:nvSpPr>
-            <p:spPr bwMode="auto">
-              <a:xfrm>
-                <a:off x="503237" y="1801813"/>
-                <a:ext cx="190500" cy="188913"/>
-              </a:xfrm>
-              <a:custGeom>
-                <a:avLst/>
-                <a:gdLst/>
-                <a:ahLst/>
-                <a:cxnLst/>
-                <a:rect l="0" t="0" r="r" b="b"/>
-                <a:pathLst>
-                  <a:path w="40" h="40">
-                    <a:moveTo>
-                      <a:pt x="20" y="40"/>
-                    </a:moveTo>
-                    <a:cubicBezTo>
-                      <a:pt x="9" y="40"/>
-                      <a:pt x="0" y="31"/>
-                      <a:pt x="0" y="20"/>
-                    </a:cubicBezTo>
-                    <a:cubicBezTo>
-                      <a:pt x="0" y="9"/>
-                      <a:pt x="9" y="0"/>
-                      <a:pt x="20" y="0"/>
-                    </a:cubicBezTo>
-                    <a:cubicBezTo>
-                      <a:pt x="33" y="0"/>
-                      <a:pt x="40" y="6"/>
-                      <a:pt x="40" y="20"/>
-                    </a:cubicBezTo>
-                    <a:cubicBezTo>
-                      <a:pt x="40" y="31"/>
-                      <a:pt x="31" y="40"/>
-                      <a:pt x="20" y="40"/>
-                    </a:cubicBezTo>
-                    <a:close/>
-                    <a:moveTo>
-                      <a:pt x="20" y="4"/>
-                    </a:moveTo>
-                    <a:cubicBezTo>
-                      <a:pt x="11" y="4"/>
-                      <a:pt x="4" y="11"/>
-                      <a:pt x="4" y="20"/>
-                    </a:cubicBezTo>
-                    <a:cubicBezTo>
-                      <a:pt x="4" y="29"/>
-                      <a:pt x="11" y="36"/>
-                      <a:pt x="20" y="36"/>
-                    </a:cubicBezTo>
-                    <a:cubicBezTo>
-                      <a:pt x="28" y="36"/>
-                      <a:pt x="36" y="29"/>
-                      <a:pt x="36" y="20"/>
-                    </a:cubicBezTo>
-                    <a:cubicBezTo>
-                      <a:pt x="36" y="9"/>
-                      <a:pt x="31" y="4"/>
-                      <a:pt x="20" y="4"/>
-                    </a:cubicBezTo>
-                    <a:close/>
-                  </a:path>
-                </a:pathLst>
-              </a:custGeom>
-              <a:grpFill/>
-              <a:ln>
-                <a:noFill/>
-              </a:ln>
-              <a:extLst>
-                <a:ext uri="{91240B29-F687-4f45-9708-019B960494DF}">
-                  <a14:hiddenLine xmlns="" xmlns:a16="http://schemas.microsoft.com/office/drawing/2014/main" xmlns:p14="http://schemas.microsoft.com/office/powerpoint/2010/main" xmlns:a14="http://schemas.microsoft.com/office/drawing/2010/main" w="9525">
-                    <a:solidFill>
-                      <a:srgbClr val="000000"/>
-                    </a:solidFill>
-                    <a:round/>
-                    <a:headEnd/>
-                    <a:tailEnd/>
-                  </a14:hiddenLine>
-                </a:ext>
-              </a:extLst>
-            </p:spPr>
-          </p:sp>
-          <p:sp>
-            <p:nvSpPr>
-              <p:cNvPr id="35" name="Freeform 10">
-                <a:extLst>
-                  <a:ext uri="{FF2B5EF4-FFF2-40B4-BE49-F238E27FC236}">
-                    <a16:creationId xmlns:a16="http://schemas.microsoft.com/office/drawing/2014/main" id="{E9743B7D-51BF-425C-A4B8-33B2E001EF28}"/>
-                  </a:ext>
-                  <a:ext uri="{C183D7F6-B498-43B3-948B-1728B52AA6E4}">
-                    <adec:decorative xmlns:adec="http://schemas.microsoft.com/office/drawing/2017/decorative" val="1"/>
-                  </a:ext>
-                </a:extLst>
-              </p:cNvPr>
-              <p:cNvSpPr/>
-              <p:nvPr>
-                <p:extLst>
-                  <p:ext uri="{386F3935-93C4-4BCD-93E2-E3B085C9AB24}">
-                    <p16:designElem xmlns:p16="http://schemas.microsoft.com/office/powerpoint/2015/main" val="1"/>
-                  </p:ext>
-                </p:extLst>
-              </p:nvPr>
-            </p:nvSpPr>
-            <p:spPr bwMode="auto">
-              <a:xfrm>
-                <a:off x="285750" y="4763"/>
-                <a:ext cx="369888" cy="1430338"/>
-              </a:xfrm>
-              <a:custGeom>
-                <a:avLst/>
-                <a:gdLst/>
-                <a:ahLst/>
-                <a:cxnLst/>
-                <a:rect l="0" t="0" r="r" b="b"/>
-                <a:pathLst>
-                  <a:path w="233" h="901">
-                    <a:moveTo>
-                      <a:pt x="221" y="901"/>
-                    </a:moveTo>
-                    <a:lnTo>
-                      <a:pt x="0" y="383"/>
-                    </a:lnTo>
-                    <a:lnTo>
-                      <a:pt x="0" y="0"/>
-                    </a:lnTo>
-                    <a:lnTo>
-                      <a:pt x="18" y="0"/>
-                    </a:lnTo>
-                    <a:lnTo>
-                      <a:pt x="18" y="380"/>
-                    </a:lnTo>
-                    <a:lnTo>
-                      <a:pt x="233" y="895"/>
-                    </a:lnTo>
-                    <a:lnTo>
-                      <a:pt x="221" y="901"/>
-                    </a:lnTo>
-                    <a:close/>
-                  </a:path>
-                </a:pathLst>
-              </a:custGeom>
-              <a:grpFill/>
-              <a:ln>
-                <a:noFill/>
-              </a:ln>
-              <a:extLst>
-                <a:ext uri="{91240B29-F687-4f45-9708-019B960494DF}">
-                  <a14:hiddenLine xmlns="" xmlns:a16="http://schemas.microsoft.com/office/drawing/2014/main" xmlns:p14="http://schemas.microsoft.com/office/powerpoint/2010/main" xmlns:a14="http://schemas.microsoft.com/office/drawing/2010/main" w="9525">
-                    <a:solidFill>
-                      <a:srgbClr val="000000"/>
-                    </a:solidFill>
-                    <a:round/>
-                    <a:headEnd/>
-                    <a:tailEnd/>
-                  </a14:hiddenLine>
-                </a:ext>
-              </a:extLst>
-            </p:spPr>
-          </p:sp>
-          <p:sp>
-            <p:nvSpPr>
-              <p:cNvPr id="36" name="Freeform 11">
-                <a:extLst>
-                  <a:ext uri="{FF2B5EF4-FFF2-40B4-BE49-F238E27FC236}">
-                    <a16:creationId xmlns:a16="http://schemas.microsoft.com/office/drawing/2014/main" id="{9BA633B3-C879-4E15-B66C-788B4C60A1DB}"/>
-                  </a:ext>
-                  <a:ext uri="{C183D7F6-B498-43B3-948B-1728B52AA6E4}">
-                    <adec:decorative xmlns:adec="http://schemas.microsoft.com/office/drawing/2017/decorative" val="1"/>
-                  </a:ext>
-                </a:extLst>
-              </p:cNvPr>
-              <p:cNvSpPr/>
-              <p:nvPr>
-                <p:extLst>
-                  <p:ext uri="{386F3935-93C4-4BCD-93E2-E3B085C9AB24}">
-                    <p16:designElem xmlns:p16="http://schemas.microsoft.com/office/powerpoint/2015/main" val="1"/>
-                  </p:ext>
-                </p:extLst>
-              </p:nvPr>
-            </p:nvSpPr>
-            <p:spPr bwMode="auto">
-              <a:xfrm>
-                <a:off x="546100" y="0"/>
-                <a:ext cx="152400" cy="912813"/>
-              </a:xfrm>
-              <a:custGeom>
-                <a:avLst/>
-                <a:gdLst/>
-                <a:ahLst/>
-                <a:cxnLst/>
-                <a:rect l="0" t="0" r="r" b="b"/>
-                <a:pathLst>
-                  <a:path w="96" h="575">
-                    <a:moveTo>
-                      <a:pt x="96" y="575"/>
-                    </a:moveTo>
-                    <a:lnTo>
-                      <a:pt x="78" y="575"/>
-                    </a:lnTo>
-                    <a:lnTo>
-                      <a:pt x="78" y="192"/>
-                    </a:lnTo>
-                    <a:lnTo>
-                      <a:pt x="0" y="6"/>
-                    </a:lnTo>
-                    <a:lnTo>
-                      <a:pt x="15" y="0"/>
-                    </a:lnTo>
-                    <a:lnTo>
-                      <a:pt x="96" y="189"/>
-                    </a:lnTo>
-                    <a:lnTo>
-                      <a:pt x="96" y="575"/>
-                    </a:lnTo>
-                    <a:close/>
-                  </a:path>
-                </a:pathLst>
-              </a:custGeom>
-              <a:grpFill/>
-              <a:ln>
-                <a:noFill/>
-              </a:ln>
-              <a:extLst>
-                <a:ext uri="{91240B29-F687-4f45-9708-019B960494DF}">
-                  <a14:hiddenLine xmlns="" xmlns:a16="http://schemas.microsoft.com/office/drawing/2014/main" xmlns:p14="http://schemas.microsoft.com/office/powerpoint/2010/main" xmlns:a14="http://schemas.microsoft.com/office/drawing/2010/main" w="9525">
-                    <a:solidFill>
-                      <a:srgbClr val="000000"/>
-                    </a:solidFill>
-                    <a:round/>
-                    <a:headEnd/>
-                    <a:tailEnd/>
-                  </a14:hiddenLine>
-                </a:ext>
-              </a:extLst>
-            </p:spPr>
-          </p:sp>
-          <p:sp>
-            <p:nvSpPr>
-              <p:cNvPr id="37" name="Freeform 12">
-                <a:extLst>
-                  <a:ext uri="{FF2B5EF4-FFF2-40B4-BE49-F238E27FC236}">
-                    <a16:creationId xmlns:a16="http://schemas.microsoft.com/office/drawing/2014/main" id="{324C8953-B4E2-4DA0-B5D5-BD2A735E6748}"/>
-                  </a:ext>
-                  <a:ext uri="{C183D7F6-B498-43B3-948B-1728B52AA6E4}">
-                    <adec:decorative xmlns:adec="http://schemas.microsoft.com/office/drawing/2017/decorative" val="1"/>
-                  </a:ext>
-                </a:extLst>
-              </p:cNvPr>
-              <p:cNvSpPr>
-                <a:spLocks noEditPoints="1"/>
-              </p:cNvSpPr>
-              <p:nvPr>
-                <p:extLst>
-                  <p:ext uri="{386F3935-93C4-4BCD-93E2-E3B085C9AB24}">
-                    <p16:designElem xmlns:p16="http://schemas.microsoft.com/office/powerpoint/2015/main" val="1"/>
-                  </p:ext>
-                </p:extLst>
-              </p:nvPr>
-            </p:nvSpPr>
-            <p:spPr bwMode="auto">
-              <a:xfrm>
-                <a:off x="588962" y="1420813"/>
-                <a:ext cx="190500" cy="190500"/>
-              </a:xfrm>
-              <a:custGeom>
-                <a:avLst/>
-                <a:gdLst/>
-                <a:ahLst/>
-                <a:cxnLst/>
-                <a:rect l="0" t="0" r="r" b="b"/>
-                <a:pathLst>
-                  <a:path w="40" h="40">
-                    <a:moveTo>
-                      <a:pt x="20" y="40"/>
-                    </a:moveTo>
-                    <a:cubicBezTo>
-                      <a:pt x="9" y="40"/>
-                      <a:pt x="0" y="31"/>
-                      <a:pt x="0" y="20"/>
-                    </a:cubicBezTo>
-                    <a:cubicBezTo>
-                      <a:pt x="0" y="9"/>
-                      <a:pt x="9" y="0"/>
-                      <a:pt x="20" y="0"/>
-                    </a:cubicBezTo>
-                    <a:cubicBezTo>
-                      <a:pt x="33" y="0"/>
-                      <a:pt x="40" y="7"/>
-                      <a:pt x="40" y="20"/>
-                    </a:cubicBezTo>
-                    <a:cubicBezTo>
-                      <a:pt x="40" y="31"/>
-                      <a:pt x="31" y="40"/>
-                      <a:pt x="20" y="40"/>
-                    </a:cubicBezTo>
-                    <a:close/>
-                    <a:moveTo>
-                      <a:pt x="20" y="4"/>
-                    </a:moveTo>
-                    <a:cubicBezTo>
-                      <a:pt x="11" y="4"/>
-                      <a:pt x="4" y="11"/>
-                      <a:pt x="4" y="20"/>
-                    </a:cubicBezTo>
-                    <a:cubicBezTo>
-                      <a:pt x="4" y="29"/>
-                      <a:pt x="11" y="36"/>
-                      <a:pt x="20" y="36"/>
-                    </a:cubicBezTo>
-                    <a:cubicBezTo>
-                      <a:pt x="29" y="36"/>
-                      <a:pt x="36" y="29"/>
-                      <a:pt x="36" y="20"/>
-                    </a:cubicBezTo>
-                    <a:cubicBezTo>
-                      <a:pt x="36" y="9"/>
-                      <a:pt x="31" y="4"/>
-                      <a:pt x="20" y="4"/>
-                    </a:cubicBezTo>
-                    <a:close/>
-                  </a:path>
-                </a:pathLst>
-              </a:custGeom>
-              <a:grpFill/>
-              <a:ln>
-                <a:noFill/>
-              </a:ln>
-              <a:extLst>
-                <a:ext uri="{91240B29-F687-4f45-9708-019B960494DF}">
-                  <a14:hiddenLine xmlns="" xmlns:a16="http://schemas.microsoft.com/office/drawing/2014/main" xmlns:p14="http://schemas.microsoft.com/office/powerpoint/2010/main" xmlns:a14="http://schemas.microsoft.com/office/drawing/2010/main" w="9525">
-                    <a:solidFill>
-                      <a:srgbClr val="000000"/>
-                    </a:solidFill>
-                    <a:round/>
-                    <a:headEnd/>
-                    <a:tailEnd/>
-                  </a14:hiddenLine>
-                </a:ext>
-              </a:extLst>
-            </p:spPr>
-          </p:sp>
-          <p:sp>
-            <p:nvSpPr>
-              <p:cNvPr id="38" name="Freeform 13">
-                <a:extLst>
-                  <a:ext uri="{FF2B5EF4-FFF2-40B4-BE49-F238E27FC236}">
-                    <a16:creationId xmlns:a16="http://schemas.microsoft.com/office/drawing/2014/main" id="{717A3B65-FE80-419B-AB5D-48B5E3A7B4BC}"/>
-                  </a:ext>
-                  <a:ext uri="{C183D7F6-B498-43B3-948B-1728B52AA6E4}">
-                    <adec:decorative xmlns:adec="http://schemas.microsoft.com/office/drawing/2017/decorative" val="1"/>
-                  </a:ext>
-                </a:extLst>
-              </p:cNvPr>
-              <p:cNvSpPr>
-                <a:spLocks noEditPoints="1"/>
-              </p:cNvSpPr>
-              <p:nvPr>
-                <p:extLst>
-                  <p:ext uri="{386F3935-93C4-4BCD-93E2-E3B085C9AB24}">
-                    <p16:designElem xmlns:p16="http://schemas.microsoft.com/office/powerpoint/2015/main" val="1"/>
-                  </p:ext>
-                </p:extLst>
-              </p:nvPr>
-            </p:nvSpPr>
-            <p:spPr bwMode="auto">
-              <a:xfrm>
-                <a:off x="588962" y="903288"/>
-                <a:ext cx="190500" cy="190500"/>
-              </a:xfrm>
-              <a:custGeom>
-                <a:avLst/>
-                <a:gdLst/>
-                <a:ahLst/>
-                <a:cxnLst/>
-                <a:rect l="0" t="0" r="r" b="b"/>
-                <a:pathLst>
-                  <a:path w="40" h="40">
-                    <a:moveTo>
-                      <a:pt x="20" y="40"/>
-                    </a:moveTo>
-                    <a:cubicBezTo>
-                      <a:pt x="9" y="40"/>
-                      <a:pt x="0" y="31"/>
-                      <a:pt x="0" y="20"/>
-                    </a:cubicBezTo>
-                    <a:cubicBezTo>
-                      <a:pt x="0" y="9"/>
-                      <a:pt x="9" y="0"/>
-                      <a:pt x="20" y="0"/>
-                    </a:cubicBezTo>
-                    <a:cubicBezTo>
-                      <a:pt x="31" y="0"/>
-                      <a:pt x="40" y="9"/>
-                      <a:pt x="40" y="20"/>
-                    </a:cubicBezTo>
-                    <a:cubicBezTo>
-                      <a:pt x="40" y="31"/>
-                      <a:pt x="31" y="40"/>
-                      <a:pt x="20" y="40"/>
-                    </a:cubicBezTo>
-                    <a:close/>
-                    <a:moveTo>
-                      <a:pt x="20" y="4"/>
-                    </a:moveTo>
-                    <a:cubicBezTo>
-                      <a:pt x="11" y="4"/>
-                      <a:pt x="4" y="11"/>
-                      <a:pt x="4" y="20"/>
-                    </a:cubicBezTo>
-                    <a:cubicBezTo>
-                      <a:pt x="4" y="29"/>
-                      <a:pt x="11" y="36"/>
-                      <a:pt x="20" y="36"/>
-                    </a:cubicBezTo>
-                    <a:cubicBezTo>
-                      <a:pt x="29" y="36"/>
-                      <a:pt x="36" y="29"/>
-                      <a:pt x="36" y="20"/>
-                    </a:cubicBezTo>
-                    <a:cubicBezTo>
-                      <a:pt x="36" y="11"/>
-                      <a:pt x="29" y="4"/>
-                      <a:pt x="20" y="4"/>
-                    </a:cubicBezTo>
-                    <a:close/>
-                  </a:path>
-                </a:pathLst>
-              </a:custGeom>
-              <a:grpFill/>
-              <a:ln>
-                <a:noFill/>
-              </a:ln>
-              <a:extLst>
-                <a:ext uri="{91240B29-F687-4f45-9708-019B960494DF}">
-                  <a14:hiddenLine xmlns="" xmlns:a16="http://schemas.microsoft.com/office/drawing/2014/main" xmlns:p14="http://schemas.microsoft.com/office/powerpoint/2010/main" xmlns:a14="http://schemas.microsoft.com/office/drawing/2010/main" w="9525">
-                    <a:solidFill>
-                      <a:srgbClr val="000000"/>
-                    </a:solidFill>
-                    <a:round/>
-                    <a:headEnd/>
-                    <a:tailEnd/>
-                  </a14:hiddenLine>
-                </a:ext>
-              </a:extLst>
-            </p:spPr>
-          </p:sp>
-          <p:sp>
-            <p:nvSpPr>
-              <p:cNvPr id="39" name="Freeform 14">
-                <a:extLst>
-                  <a:ext uri="{FF2B5EF4-FFF2-40B4-BE49-F238E27FC236}">
-                    <a16:creationId xmlns:a16="http://schemas.microsoft.com/office/drawing/2014/main" id="{675ECD78-7D6B-4A3F-8163-392D7F8D6958}"/>
-                  </a:ext>
-                  <a:ext uri="{C183D7F6-B498-43B3-948B-1728B52AA6E4}">
-                    <adec:decorative xmlns:adec="http://schemas.microsoft.com/office/drawing/2017/decorative" val="1"/>
-                  </a:ext>
-                </a:extLst>
-              </p:cNvPr>
-              <p:cNvSpPr/>
-              <p:nvPr>
-                <p:extLst>
-                  <p:ext uri="{386F3935-93C4-4BCD-93E2-E3B085C9AB24}">
-                    <p16:designElem xmlns:p16="http://schemas.microsoft.com/office/powerpoint/2015/main" val="1"/>
-                  </p:ext>
-                </p:extLst>
-              </p:nvPr>
-            </p:nvSpPr>
-            <p:spPr bwMode="auto">
-              <a:xfrm>
-                <a:off x="641350" y="0"/>
-                <a:ext cx="422275" cy="527050"/>
-              </a:xfrm>
-              <a:custGeom>
-                <a:avLst/>
-                <a:gdLst/>
-                <a:ahLst/>
-                <a:cxnLst/>
-                <a:rect l="0" t="0" r="r" b="b"/>
-                <a:pathLst>
-                  <a:path w="266" h="332">
-                    <a:moveTo>
-                      <a:pt x="257" y="332"/>
-                    </a:moveTo>
-                    <a:lnTo>
-                      <a:pt x="48" y="123"/>
-                    </a:lnTo>
-                    <a:lnTo>
-                      <a:pt x="0" y="6"/>
-                    </a:lnTo>
-                    <a:lnTo>
-                      <a:pt x="15" y="0"/>
-                    </a:lnTo>
-                    <a:lnTo>
-                      <a:pt x="63" y="114"/>
-                    </a:lnTo>
-                    <a:lnTo>
-                      <a:pt x="266" y="320"/>
-                    </a:lnTo>
-                    <a:lnTo>
-                      <a:pt x="257" y="332"/>
-                    </a:lnTo>
-                    <a:close/>
-                  </a:path>
-                </a:pathLst>
-              </a:custGeom>
-              <a:grpFill/>
-              <a:ln>
-                <a:noFill/>
-              </a:ln>
-              <a:extLst>
-                <a:ext uri="{91240B29-F687-4f45-9708-019B960494DF}">
-                  <a14:hiddenLine xmlns="" xmlns:a16="http://schemas.microsoft.com/office/drawing/2014/main" xmlns:p14="http://schemas.microsoft.com/office/powerpoint/2010/main" xmlns:a14="http://schemas.microsoft.com/office/drawing/2010/main" w="9525">
-                    <a:solidFill>
-                      <a:srgbClr val="000000"/>
-                    </a:solidFill>
-                    <a:round/>
-                    <a:headEnd/>
-                    <a:tailEnd/>
-                  </a14:hiddenLine>
-                </a:ext>
-              </a:extLst>
-            </p:spPr>
-          </p:sp>
-          <p:sp>
-            <p:nvSpPr>
-              <p:cNvPr id="40" name="Freeform 15">
-                <a:extLst>
-                  <a:ext uri="{FF2B5EF4-FFF2-40B4-BE49-F238E27FC236}">
-                    <a16:creationId xmlns:a16="http://schemas.microsoft.com/office/drawing/2014/main" id="{8D036282-E32F-461D-BFB6-2A58D6D27ACD}"/>
-                  </a:ext>
-                  <a:ext uri="{C183D7F6-B498-43B3-948B-1728B52AA6E4}">
-                    <adec:decorative xmlns:adec="http://schemas.microsoft.com/office/drawing/2017/decorative" val="1"/>
-                  </a:ext>
-                </a:extLst>
-              </p:cNvPr>
-              <p:cNvSpPr>
-                <a:spLocks noEditPoints="1"/>
-              </p:cNvSpPr>
-              <p:nvPr>
-                <p:extLst>
-                  <p:ext uri="{386F3935-93C4-4BCD-93E2-E3B085C9AB24}">
-                    <p16:designElem xmlns:p16="http://schemas.microsoft.com/office/powerpoint/2015/main" val="1"/>
-                  </p:ext>
-                </p:extLst>
-              </p:nvPr>
-            </p:nvSpPr>
-            <p:spPr bwMode="auto">
-              <a:xfrm>
-                <a:off x="1020762" y="488950"/>
-                <a:ext cx="161925" cy="147638"/>
-              </a:xfrm>
-              <a:custGeom>
-                <a:avLst/>
-                <a:gdLst/>
-                <a:ahLst/>
-                <a:cxnLst/>
-                <a:rect l="0" t="0" r="r" b="b"/>
-                <a:pathLst>
-                  <a:path w="34" h="31">
-                    <a:moveTo>
-                      <a:pt x="17" y="31"/>
-                    </a:moveTo>
-                    <a:cubicBezTo>
-                      <a:pt x="13" y="31"/>
-                      <a:pt x="9" y="30"/>
-                      <a:pt x="6" y="27"/>
-                    </a:cubicBezTo>
-                    <a:cubicBezTo>
-                      <a:pt x="0" y="20"/>
-                      <a:pt x="0" y="10"/>
-                      <a:pt x="6" y="4"/>
-                    </a:cubicBezTo>
-                    <a:cubicBezTo>
-                      <a:pt x="9" y="1"/>
-                      <a:pt x="13" y="0"/>
-                      <a:pt x="17" y="0"/>
-                    </a:cubicBezTo>
-                    <a:cubicBezTo>
-                      <a:pt x="21" y="0"/>
-                      <a:pt x="25" y="1"/>
-                      <a:pt x="28" y="4"/>
-                    </a:cubicBezTo>
-                    <a:cubicBezTo>
-                      <a:pt x="34" y="10"/>
-                      <a:pt x="34" y="20"/>
-                      <a:pt x="28" y="27"/>
-                    </a:cubicBezTo>
-                    <a:cubicBezTo>
-                      <a:pt x="25" y="30"/>
-                      <a:pt x="21" y="31"/>
-                      <a:pt x="17" y="31"/>
-                    </a:cubicBezTo>
-                    <a:close/>
-                    <a:moveTo>
-                      <a:pt x="17" y="4"/>
-                    </a:moveTo>
-                    <a:cubicBezTo>
-                      <a:pt x="14" y="4"/>
-                      <a:pt x="11" y="5"/>
-                      <a:pt x="9" y="7"/>
-                    </a:cubicBezTo>
-                    <a:cubicBezTo>
-                      <a:pt x="4" y="12"/>
-                      <a:pt x="4" y="19"/>
-                      <a:pt x="9" y="24"/>
-                    </a:cubicBezTo>
-                    <a:cubicBezTo>
-                      <a:pt x="11" y="26"/>
-                      <a:pt x="14" y="27"/>
-                      <a:pt x="17" y="27"/>
-                    </a:cubicBezTo>
-                    <a:cubicBezTo>
-                      <a:pt x="20" y="27"/>
-                      <a:pt x="23" y="26"/>
-                      <a:pt x="25" y="24"/>
-                    </a:cubicBezTo>
-                    <a:cubicBezTo>
-                      <a:pt x="30" y="19"/>
-                      <a:pt x="30" y="12"/>
-                      <a:pt x="25" y="7"/>
-                    </a:cubicBezTo>
-                    <a:cubicBezTo>
-                      <a:pt x="23" y="5"/>
-                      <a:pt x="20" y="4"/>
-                      <a:pt x="17" y="4"/>
-                    </a:cubicBezTo>
-                    <a:close/>
-                  </a:path>
-                </a:pathLst>
-              </a:custGeom>
-              <a:grpFill/>
-              <a:ln>
-                <a:noFill/>
-              </a:ln>
-              <a:extLst>
-                <a:ext uri="{91240B29-F687-4f45-9708-019B960494DF}">
-                  <a14:hiddenLine xmlns="" xmlns:a16="http://schemas.microsoft.com/office/drawing/2014/main" xmlns:p14="http://schemas.microsoft.com/office/powerpoint/2010/main" xmlns:a14="http://schemas.microsoft.com/office/drawing/2010/main" w="9525">
-                    <a:solidFill>
-                      <a:srgbClr val="000000"/>
-                    </a:solidFill>
-                    <a:round/>
-                    <a:headEnd/>
-                    <a:tailEnd/>
-                  </a14:hiddenLine>
-                </a:ext>
-              </a:extLst>
-            </p:spPr>
-          </p:sp>
-          <p:sp>
-            <p:nvSpPr>
-              <p:cNvPr id="41" name="Line 16">
-                <a:extLst>
-                  <a:ext uri="{FF2B5EF4-FFF2-40B4-BE49-F238E27FC236}">
-                    <a16:creationId xmlns:a16="http://schemas.microsoft.com/office/drawing/2014/main" id="{F95EB10E-5264-467D-8382-A77C4DED251C}"/>
-                  </a:ext>
-                  <a:ext uri="{C183D7F6-B498-43B3-948B-1728B52AA6E4}">
-                    <adec:decorative xmlns:adec="http://schemas.microsoft.com/office/drawing/2017/decorative" val="1"/>
-                  </a:ext>
-                </a:extLst>
-              </p:cNvPr>
-              <p:cNvSpPr>
-                <a:spLocks noChangeShapeType="1"/>
-              </p:cNvSpPr>
-              <p:nvPr>
-                <p:extLst>
-                  <p:ext uri="{386F3935-93C4-4BCD-93E2-E3B085C9AB24}">
-                    <p16:designElem xmlns:p16="http://schemas.microsoft.com/office/powerpoint/2015/main" val="1"/>
-                  </p:ext>
-                </p:extLst>
-              </p:nvPr>
-            </p:nvSpPr>
-            <p:spPr bwMode="auto">
-              <a:xfrm>
-                <a:off x="-4763" y="9525"/>
-                <a:ext cx="0" cy="0"/>
-              </a:xfrm>
-              <a:prstGeom prst="line">
-                <a:avLst/>
-              </a:prstGeom>
-              <a:grpFill/>
-              <a:ln w="15" cap="flat">
-                <a:solidFill>
-                  <a:srgbClr val="FFFFFF"/>
-                </a:solidFill>
-                <a:prstDash val="solid"/>
-                <a:miter lim="800000"/>
-                <a:headEnd/>
-                <a:tailEnd/>
-              </a:ln>
-            </p:spPr>
-          </p:sp>
-          <p:sp>
-            <p:nvSpPr>
-              <p:cNvPr id="42" name="Freeform 17">
-                <a:extLst>
-                  <a:ext uri="{FF2B5EF4-FFF2-40B4-BE49-F238E27FC236}">
-                    <a16:creationId xmlns:a16="http://schemas.microsoft.com/office/drawing/2014/main" id="{218F9268-D2F0-487B-A021-8786B65518DA}"/>
-                  </a:ext>
-                  <a:ext uri="{C183D7F6-B498-43B3-948B-1728B52AA6E4}">
-                    <adec:decorative xmlns:adec="http://schemas.microsoft.com/office/drawing/2017/decorative" val="1"/>
-                  </a:ext>
-                </a:extLst>
-              </p:cNvPr>
-              <p:cNvSpPr/>
-              <p:nvPr>
-                <p:extLst>
-                  <p:ext uri="{386F3935-93C4-4BCD-93E2-E3B085C9AB24}">
-                    <p16:designElem xmlns:p16="http://schemas.microsoft.com/office/powerpoint/2015/main" val="1"/>
-                  </p:ext>
-                </p:extLst>
-              </p:nvPr>
-            </p:nvSpPr>
-            <p:spPr bwMode="auto">
-              <a:xfrm>
-                <a:off x="9525" y="1801813"/>
-                <a:ext cx="123825" cy="127000"/>
-              </a:xfrm>
-              <a:custGeom>
-                <a:avLst/>
-                <a:gdLst/>
-                <a:ahLst/>
-                <a:cxnLst/>
-                <a:rect l="0" t="0" r="r" b="b"/>
-                <a:pathLst>
-                  <a:path w="78" h="80">
-                    <a:moveTo>
-                      <a:pt x="6" y="80"/>
-                    </a:moveTo>
-                    <a:lnTo>
-                      <a:pt x="0" y="71"/>
-                    </a:lnTo>
-                    <a:lnTo>
-                      <a:pt x="69" y="0"/>
-                    </a:lnTo>
-                    <a:lnTo>
-                      <a:pt x="78" y="9"/>
-                    </a:lnTo>
-                    <a:lnTo>
-                      <a:pt x="6" y="80"/>
-                    </a:lnTo>
-                    <a:close/>
-                  </a:path>
-                </a:pathLst>
-              </a:custGeom>
-              <a:grpFill/>
-              <a:ln>
-                <a:noFill/>
-              </a:ln>
-              <a:extLst>
-                <a:ext uri="{91240B29-F687-4f45-9708-019B960494DF}">
-                  <a14:hiddenLine xmlns="" xmlns:a16="http://schemas.microsoft.com/office/drawing/2014/main" xmlns:p14="http://schemas.microsoft.com/office/powerpoint/2010/main" xmlns:a14="http://schemas.microsoft.com/office/drawing/2010/main" w="9525">
-                    <a:solidFill>
-                      <a:srgbClr val="000000"/>
-                    </a:solidFill>
-                    <a:round/>
-                    <a:headEnd/>
-                    <a:tailEnd/>
-                  </a14:hiddenLine>
-                </a:ext>
-              </a:extLst>
-            </p:spPr>
-          </p:sp>
-          <p:sp>
-            <p:nvSpPr>
-              <p:cNvPr id="43" name="Freeform 18">
-                <a:extLst>
-                  <a:ext uri="{FF2B5EF4-FFF2-40B4-BE49-F238E27FC236}">
-                    <a16:creationId xmlns:a16="http://schemas.microsoft.com/office/drawing/2014/main" id="{B4AEE5AC-EF5C-42E4-B185-A176E1997650}"/>
-                  </a:ext>
-                  <a:ext uri="{C183D7F6-B498-43B3-948B-1728B52AA6E4}">
-                    <adec:decorative xmlns:adec="http://schemas.microsoft.com/office/drawing/2017/decorative" val="1"/>
-                  </a:ext>
-                </a:extLst>
-              </p:cNvPr>
-              <p:cNvSpPr/>
-              <p:nvPr>
-                <p:extLst>
-                  <p:ext uri="{386F3935-93C4-4BCD-93E2-E3B085C9AB24}">
-                    <p16:designElem xmlns:p16="http://schemas.microsoft.com/office/powerpoint/2015/main" val="1"/>
-                  </p:ext>
-                </p:extLst>
-              </p:nvPr>
-            </p:nvSpPr>
-            <p:spPr bwMode="auto">
-              <a:xfrm>
-                <a:off x="-9525" y="3549650"/>
-                <a:ext cx="147638" cy="481013"/>
-              </a:xfrm>
-              <a:custGeom>
-                <a:avLst/>
-                <a:gdLst/>
-                <a:ahLst/>
-                <a:cxnLst/>
-                <a:rect l="0" t="0" r="r" b="b"/>
-                <a:pathLst>
-                  <a:path w="93" h="303">
-                    <a:moveTo>
-                      <a:pt x="93" y="303"/>
-                    </a:moveTo>
-                    <a:lnTo>
-                      <a:pt x="78" y="303"/>
-                    </a:lnTo>
-                    <a:lnTo>
-                      <a:pt x="78" y="78"/>
-                    </a:lnTo>
-                    <a:lnTo>
-                      <a:pt x="0" y="12"/>
-                    </a:lnTo>
-                    <a:lnTo>
-                      <a:pt x="12" y="0"/>
-                    </a:lnTo>
-                    <a:lnTo>
-                      <a:pt x="93" y="69"/>
-                    </a:lnTo>
-                    <a:lnTo>
-                      <a:pt x="93" y="303"/>
-                    </a:lnTo>
-                    <a:close/>
-                  </a:path>
-                </a:pathLst>
-              </a:custGeom>
-              <a:grpFill/>
-              <a:ln>
-                <a:noFill/>
-              </a:ln>
-              <a:extLst>
-                <a:ext uri="{91240B29-F687-4f45-9708-019B960494DF}">
-                  <a14:hiddenLine xmlns="" xmlns:a16="http://schemas.microsoft.com/office/drawing/2014/main" xmlns:p14="http://schemas.microsoft.com/office/powerpoint/2010/main" xmlns:a14="http://schemas.microsoft.com/office/drawing/2010/main" w="9525">
-                    <a:solidFill>
-                      <a:srgbClr val="000000"/>
-                    </a:solidFill>
-                    <a:round/>
-                    <a:headEnd/>
-                    <a:tailEnd/>
-                  </a14:hiddenLine>
-                </a:ext>
-              </a:extLst>
-            </p:spPr>
-          </p:sp>
-          <p:sp>
-            <p:nvSpPr>
-              <p:cNvPr id="44" name="Freeform 19">
-                <a:extLst>
-                  <a:ext uri="{FF2B5EF4-FFF2-40B4-BE49-F238E27FC236}">
-                    <a16:creationId xmlns:a16="http://schemas.microsoft.com/office/drawing/2014/main" id="{E961E89F-C1DB-48E5-8B52-FDDAED9E0E47}"/>
-                  </a:ext>
-                  <a:ext uri="{C183D7F6-B498-43B3-948B-1728B52AA6E4}">
-                    <adec:decorative xmlns:adec="http://schemas.microsoft.com/office/drawing/2017/decorative" val="1"/>
-                  </a:ext>
-                </a:extLst>
-              </p:cNvPr>
-              <p:cNvSpPr/>
-              <p:nvPr>
-                <p:extLst>
-                  <p:ext uri="{386F3935-93C4-4BCD-93E2-E3B085C9AB24}">
-                    <p16:designElem xmlns:p16="http://schemas.microsoft.com/office/powerpoint/2015/main" val="1"/>
-                  </p:ext>
-                </p:extLst>
-              </p:nvPr>
-            </p:nvSpPr>
-            <p:spPr bwMode="auto">
-              <a:xfrm>
-                <a:off x="128587" y="1382713"/>
-                <a:ext cx="142875" cy="476250"/>
-              </a:xfrm>
-              <a:custGeom>
-                <a:avLst/>
-                <a:gdLst/>
-                <a:ahLst/>
-                <a:cxnLst/>
-                <a:rect l="0" t="0" r="r" b="b"/>
-                <a:pathLst>
-                  <a:path w="90" h="300">
-                    <a:moveTo>
-                      <a:pt x="90" y="300"/>
-                    </a:moveTo>
-                    <a:lnTo>
-                      <a:pt x="78" y="300"/>
-                    </a:lnTo>
-                    <a:lnTo>
-                      <a:pt x="78" y="84"/>
-                    </a:lnTo>
-                    <a:lnTo>
-                      <a:pt x="0" y="9"/>
-                    </a:lnTo>
-                    <a:lnTo>
-                      <a:pt x="9" y="0"/>
-                    </a:lnTo>
-                    <a:lnTo>
-                      <a:pt x="90" y="81"/>
-                    </a:lnTo>
-                    <a:lnTo>
-                      <a:pt x="90" y="300"/>
-                    </a:lnTo>
-                    <a:close/>
-                  </a:path>
-                </a:pathLst>
-              </a:custGeom>
-              <a:grpFill/>
-              <a:ln>
-                <a:noFill/>
-              </a:ln>
-              <a:extLst>
-                <a:ext uri="{91240B29-F687-4f45-9708-019B960494DF}">
-                  <a14:hiddenLine xmlns="" xmlns:a16="http://schemas.microsoft.com/office/drawing/2014/main" xmlns:p14="http://schemas.microsoft.com/office/powerpoint/2010/main" xmlns:a14="http://schemas.microsoft.com/office/drawing/2010/main" w="9525">
-                    <a:solidFill>
-                      <a:srgbClr val="000000"/>
-                    </a:solidFill>
-                    <a:round/>
-                    <a:headEnd/>
-                    <a:tailEnd/>
-                  </a14:hiddenLine>
-                </a:ext>
-              </a:extLst>
-            </p:spPr>
-          </p:sp>
-          <p:sp>
-            <p:nvSpPr>
-              <p:cNvPr id="45" name="Freeform 20">
-                <a:extLst>
-                  <a:ext uri="{FF2B5EF4-FFF2-40B4-BE49-F238E27FC236}">
-                    <a16:creationId xmlns:a16="http://schemas.microsoft.com/office/drawing/2014/main" id="{412962B4-425A-4C36-A65A-0F66ED7CD38D}"/>
-                  </a:ext>
-                  <a:ext uri="{C183D7F6-B498-43B3-948B-1728B52AA6E4}">
-                    <adec:decorative xmlns:adec="http://schemas.microsoft.com/office/drawing/2017/decorative" val="1"/>
-                  </a:ext>
-                </a:extLst>
-              </p:cNvPr>
-              <p:cNvSpPr>
-                <a:spLocks noEditPoints="1"/>
-              </p:cNvSpPr>
-              <p:nvPr>
-                <p:extLst>
-                  <p:ext uri="{386F3935-93C4-4BCD-93E2-E3B085C9AB24}">
-                    <p16:designElem xmlns:p16="http://schemas.microsoft.com/office/powerpoint/2015/main" val="1"/>
-                  </p:ext>
-                </p:extLst>
-              </p:nvPr>
-            </p:nvSpPr>
-            <p:spPr bwMode="auto">
-              <a:xfrm>
-                <a:off x="204787" y="1849438"/>
-                <a:ext cx="114300" cy="107950"/>
-              </a:xfrm>
-              <a:custGeom>
-                <a:avLst/>
-                <a:gdLst/>
-                <a:ahLst/>
-                <a:cxnLst/>
-                <a:rect l="0" t="0" r="r" b="b"/>
-                <a:pathLst>
-                  <a:path w="24" h="23">
-                    <a:moveTo>
-                      <a:pt x="12" y="23"/>
-                    </a:moveTo>
-                    <a:cubicBezTo>
-                      <a:pt x="6" y="23"/>
-                      <a:pt x="0" y="18"/>
-                      <a:pt x="0" y="12"/>
-                    </a:cubicBezTo>
-                    <a:cubicBezTo>
-                      <a:pt x="0" y="5"/>
-                      <a:pt x="6" y="0"/>
-                      <a:pt x="12" y="0"/>
-                    </a:cubicBezTo>
-                    <a:cubicBezTo>
-                      <a:pt x="18" y="0"/>
-                      <a:pt x="24" y="5"/>
-                      <a:pt x="24" y="12"/>
-                    </a:cubicBezTo>
-                    <a:cubicBezTo>
-                      <a:pt x="24" y="18"/>
-                      <a:pt x="18" y="23"/>
-                      <a:pt x="12" y="23"/>
-                    </a:cubicBezTo>
-                    <a:close/>
-                    <a:moveTo>
-                      <a:pt x="12" y="4"/>
-                    </a:moveTo>
-                    <a:cubicBezTo>
-                      <a:pt x="8" y="4"/>
-                      <a:pt x="4" y="8"/>
-                      <a:pt x="4" y="12"/>
-                    </a:cubicBezTo>
-                    <a:cubicBezTo>
-                      <a:pt x="4" y="16"/>
-                      <a:pt x="8" y="19"/>
-                      <a:pt x="12" y="19"/>
-                    </a:cubicBezTo>
-                    <a:cubicBezTo>
-                      <a:pt x="16" y="19"/>
-                      <a:pt x="20" y="16"/>
-                      <a:pt x="20" y="12"/>
-                    </a:cubicBezTo>
-                    <a:cubicBezTo>
-                      <a:pt x="20" y="8"/>
-                      <a:pt x="16" y="4"/>
-                      <a:pt x="12" y="4"/>
-                    </a:cubicBezTo>
-                    <a:close/>
-                  </a:path>
-                </a:pathLst>
-              </a:custGeom>
-              <a:grpFill/>
-              <a:ln>
-                <a:noFill/>
-              </a:ln>
-              <a:extLst>
-                <a:ext uri="{91240B29-F687-4f45-9708-019B960494DF}">
-                  <a14:hiddenLine xmlns="" xmlns:a16="http://schemas.microsoft.com/office/drawing/2014/main" xmlns:p14="http://schemas.microsoft.com/office/powerpoint/2010/main" xmlns:a14="http://schemas.microsoft.com/office/drawing/2010/main" w="9525">
-                    <a:solidFill>
-                      <a:srgbClr val="000000"/>
-                    </a:solidFill>
-                    <a:round/>
-                    <a:headEnd/>
-                    <a:tailEnd/>
-                  </a14:hiddenLine>
-                </a:ext>
-              </a:extLst>
-            </p:spPr>
-          </p:sp>
-          <p:sp>
-            <p:nvSpPr>
-              <p:cNvPr id="46" name="Rectangle 21">
-                <a:extLst>
-                  <a:ext uri="{FF2B5EF4-FFF2-40B4-BE49-F238E27FC236}">
-                    <a16:creationId xmlns:a16="http://schemas.microsoft.com/office/drawing/2014/main" id="{037BE3F7-563A-4D9A-BC98-C71F727D23A9}"/>
-                  </a:ext>
-                  <a:ext uri="{C183D7F6-B498-43B3-948B-1728B52AA6E4}">
-                    <adec:decorative xmlns:adec="http://schemas.microsoft.com/office/drawing/2017/decorative" val="1"/>
-                  </a:ext>
-                </a:extLst>
-              </p:cNvPr>
-              <p:cNvSpPr>
-                <a:spLocks noChangeArrowheads="1"/>
-              </p:cNvSpPr>
-              <p:nvPr>
-                <p:extLst>
-                  <p:ext uri="{386F3935-93C4-4BCD-93E2-E3B085C9AB24}">
-                    <p16:designElem xmlns:p16="http://schemas.microsoft.com/office/powerpoint/2015/main" val="1"/>
-                  </p:ext>
-                </p:extLst>
-              </p:nvPr>
-            </p:nvSpPr>
-            <p:spPr bwMode="auto">
-              <a:xfrm>
-                <a:off x="133350" y="4662488"/>
-                <a:ext cx="23813" cy="2181225"/>
-              </a:xfrm>
-              <a:prstGeom prst="rect">
-                <a:avLst/>
-              </a:prstGeom>
-              <a:grpFill/>
-              <a:ln>
-                <a:noFill/>
-              </a:ln>
-              <a:extLst>
-                <a:ext uri="{91240B29-F687-4f45-9708-019B960494DF}">
-                  <a14:hiddenLine xmlns="" xmlns:a16="http://schemas.microsoft.com/office/drawing/2014/main" xmlns:p14="http://schemas.microsoft.com/office/powerpoint/2010/main" xmlns:a14="http://schemas.microsoft.com/office/drawing/2010/main" w="9525">
-                    <a:solidFill>
-                      <a:srgbClr val="000000"/>
-                    </a:solidFill>
-                    <a:miter lim="800000"/>
-                    <a:headEnd/>
-                    <a:tailEnd/>
-                  </a14:hiddenLine>
-                </a:ext>
-              </a:extLst>
-            </p:spPr>
-          </p:sp>
-          <p:sp>
-            <p:nvSpPr>
-              <p:cNvPr id="47" name="Freeform 22">
-                <a:extLst>
-                  <a:ext uri="{FF2B5EF4-FFF2-40B4-BE49-F238E27FC236}">
-                    <a16:creationId xmlns:a16="http://schemas.microsoft.com/office/drawing/2014/main" id="{2FDB1005-EB5E-475A-AC43-4ED3E563DEF4}"/>
-                  </a:ext>
-                  <a:ext uri="{C183D7F6-B498-43B3-948B-1728B52AA6E4}">
-                    <adec:decorative xmlns:adec="http://schemas.microsoft.com/office/drawing/2017/decorative" val="1"/>
-                  </a:ext>
-                </a:extLst>
-              </p:cNvPr>
-              <p:cNvSpPr/>
-              <p:nvPr>
-                <p:extLst>
-                  <p:ext uri="{386F3935-93C4-4BCD-93E2-E3B085C9AB24}">
-                    <p16:designElem xmlns:p16="http://schemas.microsoft.com/office/powerpoint/2015/main" val="1"/>
-                  </p:ext>
-                </p:extLst>
-              </p:nvPr>
-            </p:nvSpPr>
-            <p:spPr bwMode="auto">
-              <a:xfrm>
-                <a:off x="223837" y="5041900"/>
-                <a:ext cx="369888" cy="1801813"/>
-              </a:xfrm>
-              <a:custGeom>
-                <a:avLst/>
-                <a:gdLst/>
-                <a:ahLst/>
-                <a:cxnLst/>
-                <a:rect l="0" t="0" r="r" b="b"/>
-                <a:pathLst>
-                  <a:path w="233" h="1135">
-                    <a:moveTo>
-                      <a:pt x="15" y="1135"/>
-                    </a:moveTo>
-                    <a:lnTo>
-                      <a:pt x="0" y="1135"/>
-                    </a:lnTo>
-                    <a:lnTo>
-                      <a:pt x="0" y="515"/>
-                    </a:lnTo>
-                    <a:lnTo>
-                      <a:pt x="0" y="512"/>
-                    </a:lnTo>
-                    <a:lnTo>
-                      <a:pt x="218" y="0"/>
-                    </a:lnTo>
-                    <a:lnTo>
-                      <a:pt x="233" y="6"/>
-                    </a:lnTo>
-                    <a:lnTo>
-                      <a:pt x="15" y="518"/>
-                    </a:lnTo>
-                    <a:lnTo>
-                      <a:pt x="15" y="1135"/>
-                    </a:lnTo>
-                    <a:close/>
-                  </a:path>
-                </a:pathLst>
-              </a:custGeom>
-              <a:grpFill/>
-              <a:ln>
-                <a:noFill/>
-              </a:ln>
-              <a:extLst>
-                <a:ext uri="{91240B29-F687-4f45-9708-019B960494DF}">
-                  <a14:hiddenLine xmlns="" xmlns:a16="http://schemas.microsoft.com/office/drawing/2014/main" xmlns:p14="http://schemas.microsoft.com/office/powerpoint/2010/main" xmlns:a14="http://schemas.microsoft.com/office/drawing/2010/main" w="9525">
-                    <a:solidFill>
-                      <a:srgbClr val="000000"/>
-                    </a:solidFill>
-                    <a:round/>
-                    <a:headEnd/>
-                    <a:tailEnd/>
-                  </a14:hiddenLine>
-                </a:ext>
-              </a:extLst>
-            </p:spPr>
-          </p:sp>
-          <p:sp>
-            <p:nvSpPr>
-              <p:cNvPr id="48" name="Freeform 23">
-                <a:extLst>
-                  <a:ext uri="{FF2B5EF4-FFF2-40B4-BE49-F238E27FC236}">
-                    <a16:creationId xmlns:a16="http://schemas.microsoft.com/office/drawing/2014/main" id="{68BFFBC6-C704-42A7-9D7E-AFB5C37FBDAC}"/>
-                  </a:ext>
-                  <a:ext uri="{C183D7F6-B498-43B3-948B-1728B52AA6E4}">
-                    <adec:decorative xmlns:adec="http://schemas.microsoft.com/office/drawing/2017/decorative" val="1"/>
-                  </a:ext>
-                </a:extLst>
-              </p:cNvPr>
-              <p:cNvSpPr>
-                <a:spLocks noEditPoints="1"/>
-              </p:cNvSpPr>
-              <p:nvPr>
-                <p:extLst>
-                  <p:ext uri="{386F3935-93C4-4BCD-93E2-E3B085C9AB24}">
-                    <p16:designElem xmlns:p16="http://schemas.microsoft.com/office/powerpoint/2015/main" val="1"/>
-                  </p:ext>
-                </p:extLst>
-              </p:nvPr>
-            </p:nvSpPr>
-            <p:spPr bwMode="auto">
-              <a:xfrm>
-                <a:off x="52387" y="4481513"/>
-                <a:ext cx="190500" cy="190500"/>
-              </a:xfrm>
-              <a:custGeom>
-                <a:avLst/>
-                <a:gdLst/>
-                <a:ahLst/>
-                <a:cxnLst/>
-                <a:rect l="0" t="0" r="r" b="b"/>
-                <a:pathLst>
-                  <a:path w="40" h="40">
-                    <a:moveTo>
-                      <a:pt x="20" y="40"/>
-                    </a:moveTo>
-                    <a:cubicBezTo>
-                      <a:pt x="9" y="40"/>
-                      <a:pt x="0" y="31"/>
-                      <a:pt x="0" y="20"/>
-                    </a:cubicBezTo>
-                    <a:cubicBezTo>
-                      <a:pt x="0" y="9"/>
-                      <a:pt x="9" y="0"/>
-                      <a:pt x="20" y="0"/>
-                    </a:cubicBezTo>
-                    <a:cubicBezTo>
-                      <a:pt x="31" y="0"/>
-                      <a:pt x="40" y="9"/>
-                      <a:pt x="40" y="20"/>
-                    </a:cubicBezTo>
-                    <a:cubicBezTo>
-                      <a:pt x="40" y="31"/>
-                      <a:pt x="31" y="40"/>
-                      <a:pt x="20" y="40"/>
-                    </a:cubicBezTo>
-                    <a:close/>
-                    <a:moveTo>
-                      <a:pt x="20" y="4"/>
-                    </a:moveTo>
-                    <a:cubicBezTo>
-                      <a:pt x="11" y="4"/>
-                      <a:pt x="4" y="11"/>
-                      <a:pt x="4" y="20"/>
-                    </a:cubicBezTo>
-                    <a:cubicBezTo>
-                      <a:pt x="4" y="29"/>
-                      <a:pt x="11" y="36"/>
-                      <a:pt x="20" y="36"/>
-                    </a:cubicBezTo>
-                    <a:cubicBezTo>
-                      <a:pt x="28" y="36"/>
-                      <a:pt x="36" y="29"/>
-                      <a:pt x="36" y="20"/>
-                    </a:cubicBezTo>
-                    <a:cubicBezTo>
-                      <a:pt x="36" y="11"/>
-                      <a:pt x="28" y="4"/>
-                      <a:pt x="20" y="4"/>
-                    </a:cubicBezTo>
-                    <a:close/>
-                  </a:path>
-                </a:pathLst>
-              </a:custGeom>
-              <a:grpFill/>
-              <a:ln>
-                <a:noFill/>
-              </a:ln>
-              <a:extLst>
-                <a:ext uri="{91240B29-F687-4f45-9708-019B960494DF}">
-                  <a14:hiddenLine xmlns="" xmlns:a16="http://schemas.microsoft.com/office/drawing/2014/main" xmlns:p14="http://schemas.microsoft.com/office/powerpoint/2010/main" xmlns:a14="http://schemas.microsoft.com/office/drawing/2010/main" w="9525">
-                    <a:solidFill>
-                      <a:srgbClr val="000000"/>
-                    </a:solidFill>
-                    <a:round/>
-                    <a:headEnd/>
-                    <a:tailEnd/>
-                  </a14:hiddenLine>
-                </a:ext>
-              </a:extLst>
-            </p:spPr>
-          </p:sp>
-          <p:sp>
-            <p:nvSpPr>
-              <p:cNvPr id="49" name="Freeform 24">
-                <a:extLst>
-                  <a:ext uri="{FF2B5EF4-FFF2-40B4-BE49-F238E27FC236}">
-                    <a16:creationId xmlns:a16="http://schemas.microsoft.com/office/drawing/2014/main" id="{4888EAD7-EBE9-4549-9A91-6FEC611536FA}"/>
-                  </a:ext>
-                  <a:ext uri="{C183D7F6-B498-43B3-948B-1728B52AA6E4}">
-                    <adec:decorative xmlns:adec="http://schemas.microsoft.com/office/drawing/2017/decorative" val="1"/>
-                  </a:ext>
-                </a:extLst>
-              </p:cNvPr>
-              <p:cNvSpPr/>
-              <p:nvPr>
-                <p:extLst>
-                  <p:ext uri="{386F3935-93C4-4BCD-93E2-E3B085C9AB24}">
-                    <p16:designElem xmlns:p16="http://schemas.microsoft.com/office/powerpoint/2015/main" val="1"/>
-                  </p:ext>
-                </p:extLst>
-              </p:nvPr>
-            </p:nvSpPr>
-            <p:spPr bwMode="auto">
-              <a:xfrm>
-                <a:off x="-14288" y="5627688"/>
-                <a:ext cx="85725" cy="1216025"/>
-              </a:xfrm>
-              <a:custGeom>
-                <a:avLst/>
-                <a:gdLst/>
-                <a:ahLst/>
-                <a:cxnLst/>
-                <a:rect l="0" t="0" r="r" b="b"/>
-                <a:pathLst>
-                  <a:path w="54" h="766">
-                    <a:moveTo>
-                      <a:pt x="54" y="766"/>
-                    </a:moveTo>
-                    <a:lnTo>
-                      <a:pt x="36" y="766"/>
-                    </a:lnTo>
-                    <a:lnTo>
-                      <a:pt x="36" y="149"/>
-                    </a:lnTo>
-                    <a:lnTo>
-                      <a:pt x="0" y="3"/>
-                    </a:lnTo>
-                    <a:lnTo>
-                      <a:pt x="18" y="0"/>
-                    </a:lnTo>
-                    <a:lnTo>
-                      <a:pt x="54" y="146"/>
-                    </a:lnTo>
-                    <a:lnTo>
-                      <a:pt x="54" y="766"/>
-                    </a:lnTo>
-                    <a:close/>
-                  </a:path>
-                </a:pathLst>
-              </a:custGeom>
-              <a:grpFill/>
-              <a:ln>
-                <a:noFill/>
-              </a:ln>
-              <a:extLst>
-                <a:ext uri="{91240B29-F687-4f45-9708-019B960494DF}">
-                  <a14:hiddenLine xmlns="" xmlns:a16="http://schemas.microsoft.com/office/drawing/2014/main" xmlns:p14="http://schemas.microsoft.com/office/powerpoint/2010/main" xmlns:a14="http://schemas.microsoft.com/office/drawing/2010/main" w="9525">
-                    <a:solidFill>
-                      <a:srgbClr val="000000"/>
-                    </a:solidFill>
-                    <a:round/>
-                    <a:headEnd/>
-                    <a:tailEnd/>
-                  </a14:hiddenLine>
-                </a:ext>
-              </a:extLst>
-            </p:spPr>
-          </p:sp>
-          <p:sp>
-            <p:nvSpPr>
-              <p:cNvPr id="50" name="Freeform 25">
-                <a:extLst>
-                  <a:ext uri="{FF2B5EF4-FFF2-40B4-BE49-F238E27FC236}">
-                    <a16:creationId xmlns:a16="http://schemas.microsoft.com/office/drawing/2014/main" id="{B79BC975-BE42-4B57-8335-1699BC0AB135}"/>
-                  </a:ext>
-                  <a:ext uri="{C183D7F6-B498-43B3-948B-1728B52AA6E4}">
-                    <adec:decorative xmlns:adec="http://schemas.microsoft.com/office/drawing/2017/decorative" val="1"/>
-                  </a:ext>
-                </a:extLst>
-              </p:cNvPr>
-              <p:cNvSpPr>
-                <a:spLocks noEditPoints="1"/>
-              </p:cNvSpPr>
-              <p:nvPr>
-                <p:extLst>
-                  <p:ext uri="{386F3935-93C4-4BCD-93E2-E3B085C9AB24}">
-                    <p16:designElem xmlns:p16="http://schemas.microsoft.com/office/powerpoint/2015/main" val="1"/>
-                  </p:ext>
-                </p:extLst>
-              </p:nvPr>
-            </p:nvSpPr>
-            <p:spPr bwMode="auto">
-              <a:xfrm>
-                <a:off x="527050" y="4867275"/>
-                <a:ext cx="190500" cy="188913"/>
-              </a:xfrm>
-              <a:custGeom>
-                <a:avLst/>
-                <a:gdLst/>
-                <a:ahLst/>
-                <a:cxnLst/>
-                <a:rect l="0" t="0" r="r" b="b"/>
-                <a:pathLst>
-                  <a:path w="40" h="40">
-                    <a:moveTo>
-                      <a:pt x="20" y="40"/>
-                    </a:moveTo>
-                    <a:cubicBezTo>
-                      <a:pt x="9" y="40"/>
-                      <a:pt x="0" y="31"/>
-                      <a:pt x="0" y="20"/>
-                    </a:cubicBezTo>
-                    <a:cubicBezTo>
-                      <a:pt x="0" y="9"/>
-                      <a:pt x="9" y="0"/>
-                      <a:pt x="20" y="0"/>
-                    </a:cubicBezTo>
-                    <a:cubicBezTo>
-                      <a:pt x="31" y="0"/>
-                      <a:pt x="40" y="9"/>
-                      <a:pt x="40" y="20"/>
-                    </a:cubicBezTo>
-                    <a:cubicBezTo>
-                      <a:pt x="40" y="31"/>
-                      <a:pt x="31" y="40"/>
-                      <a:pt x="20" y="40"/>
-                    </a:cubicBezTo>
-                    <a:close/>
-                    <a:moveTo>
-                      <a:pt x="20" y="4"/>
-                    </a:moveTo>
-                    <a:cubicBezTo>
-                      <a:pt x="11" y="4"/>
-                      <a:pt x="4" y="11"/>
-                      <a:pt x="4" y="20"/>
-                    </a:cubicBezTo>
-                    <a:cubicBezTo>
-                      <a:pt x="4" y="29"/>
-                      <a:pt x="11" y="36"/>
-                      <a:pt x="20" y="36"/>
-                    </a:cubicBezTo>
-                    <a:cubicBezTo>
-                      <a:pt x="29" y="36"/>
-                      <a:pt x="36" y="29"/>
-                      <a:pt x="36" y="20"/>
-                    </a:cubicBezTo>
-                    <a:cubicBezTo>
-                      <a:pt x="36" y="11"/>
-                      <a:pt x="29" y="4"/>
-                      <a:pt x="20" y="4"/>
-                    </a:cubicBezTo>
-                    <a:close/>
-                  </a:path>
-                </a:pathLst>
-              </a:custGeom>
-              <a:grpFill/>
-              <a:ln>
-                <a:noFill/>
-              </a:ln>
-              <a:extLst>
-                <a:ext uri="{91240B29-F687-4f45-9708-019B960494DF}">
-                  <a14:hiddenLine xmlns="" xmlns:a16="http://schemas.microsoft.com/office/drawing/2014/main" xmlns:p14="http://schemas.microsoft.com/office/powerpoint/2010/main" xmlns:a14="http://schemas.microsoft.com/office/drawing/2010/main" w="9525">
-                    <a:solidFill>
-                      <a:srgbClr val="000000"/>
-                    </a:solidFill>
-                    <a:round/>
-                    <a:headEnd/>
-                    <a:tailEnd/>
-                  </a14:hiddenLine>
-                </a:ext>
-              </a:extLst>
-            </p:spPr>
-          </p:sp>
-          <p:sp>
-            <p:nvSpPr>
-              <p:cNvPr id="51" name="Freeform 26">
-                <a:extLst>
-                  <a:ext uri="{FF2B5EF4-FFF2-40B4-BE49-F238E27FC236}">
-                    <a16:creationId xmlns:a16="http://schemas.microsoft.com/office/drawing/2014/main" id="{3998B4F0-CA80-490A-A256-1600E7EA8864}"/>
-                  </a:ext>
-                  <a:ext uri="{C183D7F6-B498-43B3-948B-1728B52AA6E4}">
-                    <adec:decorative xmlns:adec="http://schemas.microsoft.com/office/drawing/2017/decorative" val="1"/>
-                  </a:ext>
-                </a:extLst>
-              </p:cNvPr>
-              <p:cNvSpPr/>
-              <p:nvPr>
-                <p:extLst>
-                  <p:ext uri="{386F3935-93C4-4BCD-93E2-E3B085C9AB24}">
-                    <p16:designElem xmlns:p16="http://schemas.microsoft.com/office/powerpoint/2015/main" val="1"/>
-                  </p:ext>
-                </p:extLst>
-              </p:nvPr>
-            </p:nvSpPr>
-            <p:spPr bwMode="auto">
-              <a:xfrm>
-                <a:off x="309562" y="5422900"/>
-                <a:ext cx="374650" cy="1425575"/>
-              </a:xfrm>
-              <a:custGeom>
-                <a:avLst/>
-                <a:gdLst/>
-                <a:ahLst/>
-                <a:cxnLst/>
-                <a:rect l="0" t="0" r="r" b="b"/>
-                <a:pathLst>
-                  <a:path w="236" h="898">
-                    <a:moveTo>
-                      <a:pt x="18" y="898"/>
-                    </a:moveTo>
-                    <a:lnTo>
-                      <a:pt x="0" y="898"/>
-                    </a:lnTo>
-                    <a:lnTo>
-                      <a:pt x="0" y="515"/>
-                    </a:lnTo>
-                    <a:lnTo>
-                      <a:pt x="3" y="512"/>
-                    </a:lnTo>
-                    <a:lnTo>
-                      <a:pt x="221" y="0"/>
-                    </a:lnTo>
-                    <a:lnTo>
-                      <a:pt x="236" y="6"/>
-                    </a:lnTo>
-                    <a:lnTo>
-                      <a:pt x="18" y="518"/>
-                    </a:lnTo>
-                    <a:lnTo>
-                      <a:pt x="18" y="898"/>
-                    </a:lnTo>
-                    <a:close/>
-                  </a:path>
-                </a:pathLst>
-              </a:custGeom>
-              <a:grpFill/>
-              <a:ln>
-                <a:noFill/>
-              </a:ln>
-              <a:extLst>
-                <a:ext uri="{91240B29-F687-4f45-9708-019B960494DF}">
-                  <a14:hiddenLine xmlns="" xmlns:a16="http://schemas.microsoft.com/office/drawing/2014/main" xmlns:p14="http://schemas.microsoft.com/office/powerpoint/2010/main" xmlns:a14="http://schemas.microsoft.com/office/drawing/2010/main" w="9525">
-                    <a:solidFill>
-                      <a:srgbClr val="000000"/>
-                    </a:solidFill>
-                    <a:round/>
-                    <a:headEnd/>
-                    <a:tailEnd/>
-                  </a14:hiddenLine>
-                </a:ext>
-              </a:extLst>
-            </p:spPr>
-          </p:sp>
-          <p:sp>
-            <p:nvSpPr>
-              <p:cNvPr id="52" name="Freeform 27">
-                <a:extLst>
-                  <a:ext uri="{FF2B5EF4-FFF2-40B4-BE49-F238E27FC236}">
-                    <a16:creationId xmlns:a16="http://schemas.microsoft.com/office/drawing/2014/main" id="{2052C104-8168-487E-9044-454DA83AB2BC}"/>
-                  </a:ext>
-                  <a:ext uri="{C183D7F6-B498-43B3-948B-1728B52AA6E4}">
-                    <adec:decorative xmlns:adec="http://schemas.microsoft.com/office/drawing/2017/decorative" val="1"/>
-                  </a:ext>
-                </a:extLst>
-              </p:cNvPr>
-              <p:cNvSpPr/>
-              <p:nvPr>
-                <p:extLst>
-                  <p:ext uri="{386F3935-93C4-4BCD-93E2-E3B085C9AB24}">
-                    <p16:designElem xmlns:p16="http://schemas.microsoft.com/office/powerpoint/2015/main" val="1"/>
-                  </p:ext>
-                </p:extLst>
-              </p:nvPr>
-            </p:nvSpPr>
-            <p:spPr bwMode="auto">
-              <a:xfrm>
-                <a:off x="569912" y="5945188"/>
-                <a:ext cx="152400" cy="912813"/>
-              </a:xfrm>
-              <a:custGeom>
-                <a:avLst/>
-                <a:gdLst/>
-                <a:ahLst/>
-                <a:cxnLst/>
-                <a:rect l="0" t="0" r="r" b="b"/>
-                <a:pathLst>
-                  <a:path w="96" h="575">
-                    <a:moveTo>
-                      <a:pt x="15" y="575"/>
-                    </a:moveTo>
-                    <a:lnTo>
-                      <a:pt x="0" y="569"/>
-                    </a:lnTo>
-                    <a:lnTo>
-                      <a:pt x="81" y="383"/>
-                    </a:lnTo>
-                    <a:lnTo>
-                      <a:pt x="81" y="0"/>
-                    </a:lnTo>
-                    <a:lnTo>
-                      <a:pt x="96" y="0"/>
-                    </a:lnTo>
-                    <a:lnTo>
-                      <a:pt x="96" y="386"/>
-                    </a:lnTo>
-                    <a:lnTo>
-                      <a:pt x="15" y="575"/>
-                    </a:lnTo>
-                    <a:close/>
-                  </a:path>
-                </a:pathLst>
-              </a:custGeom>
-              <a:grpFill/>
-              <a:ln>
-                <a:noFill/>
-              </a:ln>
-              <a:extLst>
-                <a:ext uri="{91240B29-F687-4f45-9708-019B960494DF}">
-                  <a14:hiddenLine xmlns="" xmlns:a16="http://schemas.microsoft.com/office/drawing/2014/main" xmlns:p14="http://schemas.microsoft.com/office/powerpoint/2010/main" xmlns:a14="http://schemas.microsoft.com/office/drawing/2010/main" w="9525">
-                    <a:solidFill>
-                      <a:srgbClr val="000000"/>
-                    </a:solidFill>
-                    <a:round/>
-                    <a:headEnd/>
-                    <a:tailEnd/>
-                  </a14:hiddenLine>
-                </a:ext>
-              </a:extLst>
-            </p:spPr>
-          </p:sp>
-          <p:sp>
-            <p:nvSpPr>
-              <p:cNvPr id="53" name="Freeform 28">
-                <a:extLst>
-                  <a:ext uri="{FF2B5EF4-FFF2-40B4-BE49-F238E27FC236}">
-                    <a16:creationId xmlns:a16="http://schemas.microsoft.com/office/drawing/2014/main" id="{63ACA30B-5F59-400C-A7CE-D17B5647EE4B}"/>
-                  </a:ext>
-                  <a:ext uri="{C183D7F6-B498-43B3-948B-1728B52AA6E4}">
-                    <adec:decorative xmlns:adec="http://schemas.microsoft.com/office/drawing/2017/decorative" val="1"/>
-                  </a:ext>
-                </a:extLst>
-              </p:cNvPr>
-              <p:cNvSpPr>
-                <a:spLocks noEditPoints="1"/>
-              </p:cNvSpPr>
-              <p:nvPr>
-                <p:extLst>
-                  <p:ext uri="{386F3935-93C4-4BCD-93E2-E3B085C9AB24}">
-                    <p16:designElem xmlns:p16="http://schemas.microsoft.com/office/powerpoint/2015/main" val="1"/>
-                  </p:ext>
-                </p:extLst>
-              </p:nvPr>
-            </p:nvSpPr>
-            <p:spPr bwMode="auto">
-              <a:xfrm>
-                <a:off x="612775" y="5246688"/>
-                <a:ext cx="190500" cy="190500"/>
-              </a:xfrm>
-              <a:custGeom>
-                <a:avLst/>
-                <a:gdLst/>
-                <a:ahLst/>
-                <a:cxnLst/>
-                <a:rect l="0" t="0" r="r" b="b"/>
-                <a:pathLst>
-                  <a:path w="40" h="40">
-                    <a:moveTo>
-                      <a:pt x="20" y="40"/>
-                    </a:moveTo>
-                    <a:cubicBezTo>
-                      <a:pt x="9" y="40"/>
-                      <a:pt x="0" y="31"/>
-                      <a:pt x="0" y="20"/>
-                    </a:cubicBezTo>
-                    <a:cubicBezTo>
-                      <a:pt x="0" y="9"/>
-                      <a:pt x="9" y="0"/>
-                      <a:pt x="20" y="0"/>
-                    </a:cubicBezTo>
-                    <a:cubicBezTo>
-                      <a:pt x="31" y="0"/>
-                      <a:pt x="40" y="9"/>
-                      <a:pt x="40" y="20"/>
-                    </a:cubicBezTo>
-                    <a:cubicBezTo>
-                      <a:pt x="40" y="31"/>
-                      <a:pt x="31" y="40"/>
-                      <a:pt x="20" y="40"/>
-                    </a:cubicBezTo>
-                    <a:close/>
-                    <a:moveTo>
-                      <a:pt x="20" y="4"/>
-                    </a:moveTo>
-                    <a:cubicBezTo>
-                      <a:pt x="12" y="4"/>
-                      <a:pt x="4" y="11"/>
-                      <a:pt x="4" y="20"/>
-                    </a:cubicBezTo>
-                    <a:cubicBezTo>
-                      <a:pt x="4" y="29"/>
-                      <a:pt x="12" y="36"/>
-                      <a:pt x="20" y="36"/>
-                    </a:cubicBezTo>
-                    <a:cubicBezTo>
-                      <a:pt x="29" y="36"/>
-                      <a:pt x="36" y="29"/>
-                      <a:pt x="36" y="20"/>
-                    </a:cubicBezTo>
-                    <a:cubicBezTo>
-                      <a:pt x="36" y="11"/>
-                      <a:pt x="29" y="4"/>
-                      <a:pt x="20" y="4"/>
-                    </a:cubicBezTo>
-                    <a:close/>
-                  </a:path>
-                </a:pathLst>
-              </a:custGeom>
-              <a:grpFill/>
-              <a:ln>
-                <a:noFill/>
-              </a:ln>
-              <a:extLst>
-                <a:ext uri="{91240B29-F687-4f45-9708-019B960494DF}">
-                  <a14:hiddenLine xmlns="" xmlns:a16="http://schemas.microsoft.com/office/drawing/2014/main" xmlns:p14="http://schemas.microsoft.com/office/powerpoint/2010/main" xmlns:a14="http://schemas.microsoft.com/office/drawing/2010/main" w="9525">
-                    <a:solidFill>
-                      <a:srgbClr val="000000"/>
-                    </a:solidFill>
-                    <a:round/>
-                    <a:headEnd/>
-                    <a:tailEnd/>
-                  </a14:hiddenLine>
-                </a:ext>
-              </a:extLst>
-            </p:spPr>
-          </p:sp>
-          <p:sp>
-            <p:nvSpPr>
-              <p:cNvPr id="54" name="Freeform 29">
-                <a:extLst>
-                  <a:ext uri="{FF2B5EF4-FFF2-40B4-BE49-F238E27FC236}">
-                    <a16:creationId xmlns:a16="http://schemas.microsoft.com/office/drawing/2014/main" id="{2E16F318-A142-4353-9949-B4E3A09FE0B1}"/>
-                  </a:ext>
-                  <a:ext uri="{C183D7F6-B498-43B3-948B-1728B52AA6E4}">
-                    <adec:decorative xmlns:adec="http://schemas.microsoft.com/office/drawing/2017/decorative" val="1"/>
-                  </a:ext>
-                </a:extLst>
-              </p:cNvPr>
-              <p:cNvSpPr>
-                <a:spLocks noEditPoints="1"/>
-              </p:cNvSpPr>
-              <p:nvPr>
-                <p:extLst>
-                  <p:ext uri="{386F3935-93C4-4BCD-93E2-E3B085C9AB24}">
-                    <p16:designElem xmlns:p16="http://schemas.microsoft.com/office/powerpoint/2015/main" val="1"/>
-                  </p:ext>
-                </p:extLst>
-              </p:nvPr>
-            </p:nvSpPr>
-            <p:spPr bwMode="auto">
-              <a:xfrm>
-                <a:off x="612775" y="5764213"/>
-                <a:ext cx="190500" cy="190500"/>
-              </a:xfrm>
-              <a:custGeom>
-                <a:avLst/>
-                <a:gdLst/>
-                <a:ahLst/>
-                <a:cxnLst/>
-                <a:rect l="0" t="0" r="r" b="b"/>
-                <a:pathLst>
-                  <a:path w="40" h="40">
-                    <a:moveTo>
-                      <a:pt x="20" y="40"/>
-                    </a:moveTo>
-                    <a:cubicBezTo>
-                      <a:pt x="9" y="40"/>
-                      <a:pt x="0" y="31"/>
-                      <a:pt x="0" y="20"/>
-                    </a:cubicBezTo>
-                    <a:cubicBezTo>
-                      <a:pt x="0" y="9"/>
-                      <a:pt x="9" y="0"/>
-                      <a:pt x="20" y="0"/>
-                    </a:cubicBezTo>
-                    <a:cubicBezTo>
-                      <a:pt x="31" y="0"/>
-                      <a:pt x="40" y="9"/>
-                      <a:pt x="40" y="20"/>
-                    </a:cubicBezTo>
-                    <a:cubicBezTo>
-                      <a:pt x="40" y="31"/>
-                      <a:pt x="31" y="40"/>
-                      <a:pt x="20" y="40"/>
-                    </a:cubicBezTo>
-                    <a:close/>
-                    <a:moveTo>
-                      <a:pt x="20" y="4"/>
-                    </a:moveTo>
-                    <a:cubicBezTo>
-                      <a:pt x="12" y="4"/>
-                      <a:pt x="4" y="11"/>
-                      <a:pt x="4" y="20"/>
-                    </a:cubicBezTo>
-                    <a:cubicBezTo>
-                      <a:pt x="4" y="29"/>
-                      <a:pt x="12" y="36"/>
-                      <a:pt x="20" y="36"/>
-                    </a:cubicBezTo>
-                    <a:cubicBezTo>
-                      <a:pt x="29" y="36"/>
-                      <a:pt x="36" y="29"/>
-                      <a:pt x="36" y="20"/>
-                    </a:cubicBezTo>
-                    <a:cubicBezTo>
-                      <a:pt x="36" y="11"/>
-                      <a:pt x="29" y="4"/>
-                      <a:pt x="20" y="4"/>
-                    </a:cubicBezTo>
-                    <a:close/>
-                  </a:path>
-                </a:pathLst>
-              </a:custGeom>
-              <a:grpFill/>
-              <a:ln>
-                <a:noFill/>
-              </a:ln>
-              <a:extLst>
-                <a:ext uri="{91240B29-F687-4f45-9708-019B960494DF}">
-                  <a14:hiddenLine xmlns="" xmlns:a16="http://schemas.microsoft.com/office/drawing/2014/main" xmlns:p14="http://schemas.microsoft.com/office/powerpoint/2010/main" xmlns:a14="http://schemas.microsoft.com/office/drawing/2010/main" w="9525">
-                    <a:solidFill>
-                      <a:srgbClr val="000000"/>
-                    </a:solidFill>
-                    <a:round/>
-                    <a:headEnd/>
-                    <a:tailEnd/>
-                  </a14:hiddenLine>
-                </a:ext>
-              </a:extLst>
-            </p:spPr>
-          </p:sp>
-          <p:sp>
-            <p:nvSpPr>
-              <p:cNvPr id="55" name="Freeform 30">
-                <a:extLst>
-                  <a:ext uri="{FF2B5EF4-FFF2-40B4-BE49-F238E27FC236}">
-                    <a16:creationId xmlns:a16="http://schemas.microsoft.com/office/drawing/2014/main" id="{8AE8DBB4-2468-4A78-A54D-FD77C5DC88AA}"/>
-                  </a:ext>
-                  <a:ext uri="{C183D7F6-B498-43B3-948B-1728B52AA6E4}">
-                    <adec:decorative xmlns:adec="http://schemas.microsoft.com/office/drawing/2017/decorative" val="1"/>
-                  </a:ext>
-                </a:extLst>
-              </p:cNvPr>
-              <p:cNvSpPr/>
-              <p:nvPr>
-                <p:extLst>
-                  <p:ext uri="{386F3935-93C4-4BCD-93E2-E3B085C9AB24}">
-                    <p16:designElem xmlns:p16="http://schemas.microsoft.com/office/powerpoint/2015/main" val="1"/>
-                  </p:ext>
-                </p:extLst>
-              </p:nvPr>
-            </p:nvSpPr>
-            <p:spPr bwMode="auto">
-              <a:xfrm>
-                <a:off x="669925" y="6330950"/>
-                <a:ext cx="417513" cy="517525"/>
-              </a:xfrm>
-              <a:custGeom>
-                <a:avLst/>
-                <a:gdLst/>
-                <a:ahLst/>
-                <a:cxnLst/>
-                <a:rect l="0" t="0" r="r" b="b"/>
-                <a:pathLst>
-                  <a:path w="263" h="326">
-                    <a:moveTo>
-                      <a:pt x="15" y="326"/>
-                    </a:moveTo>
-                    <a:lnTo>
-                      <a:pt x="0" y="320"/>
-                    </a:lnTo>
-                    <a:lnTo>
-                      <a:pt x="45" y="206"/>
-                    </a:lnTo>
-                    <a:lnTo>
-                      <a:pt x="48" y="206"/>
-                    </a:lnTo>
-                    <a:lnTo>
-                      <a:pt x="254" y="0"/>
-                    </a:lnTo>
-                    <a:lnTo>
-                      <a:pt x="263" y="12"/>
-                    </a:lnTo>
-                    <a:lnTo>
-                      <a:pt x="60" y="215"/>
-                    </a:lnTo>
-                    <a:lnTo>
-                      <a:pt x="15" y="326"/>
-                    </a:lnTo>
-                    <a:close/>
-                  </a:path>
-                </a:pathLst>
-              </a:custGeom>
-              <a:grpFill/>
-              <a:ln>
-                <a:noFill/>
-              </a:ln>
-              <a:extLst>
-                <a:ext uri="{91240B29-F687-4f45-9708-019B960494DF}">
-                  <a14:hiddenLine xmlns="" xmlns:a16="http://schemas.microsoft.com/office/drawing/2014/main" xmlns:p14="http://schemas.microsoft.com/office/powerpoint/2010/main" xmlns:a14="http://schemas.microsoft.com/office/drawing/2010/main" w="9525">
-                    <a:solidFill>
-                      <a:srgbClr val="000000"/>
-                    </a:solidFill>
-                    <a:round/>
-                    <a:headEnd/>
-                    <a:tailEnd/>
-                  </a14:hiddenLine>
-                </a:ext>
-              </a:extLst>
-            </p:spPr>
-          </p:sp>
-          <p:sp>
-            <p:nvSpPr>
-              <p:cNvPr id="56" name="Freeform 31">
-                <a:extLst>
-                  <a:ext uri="{FF2B5EF4-FFF2-40B4-BE49-F238E27FC236}">
-                    <a16:creationId xmlns:a16="http://schemas.microsoft.com/office/drawing/2014/main" id="{B0E7CEF2-11E4-465C-8F1F-AA8367F96ACC}"/>
-                  </a:ext>
-                  <a:ext uri="{C183D7F6-B498-43B3-948B-1728B52AA6E4}">
-                    <adec:decorative xmlns:adec="http://schemas.microsoft.com/office/drawing/2017/decorative" val="1"/>
-                  </a:ext>
-                </a:extLst>
-              </p:cNvPr>
-              <p:cNvSpPr>
-                <a:spLocks noEditPoints="1"/>
-              </p:cNvSpPr>
-              <p:nvPr>
-                <p:extLst>
-                  <p:ext uri="{386F3935-93C4-4BCD-93E2-E3B085C9AB24}">
-                    <p16:designElem xmlns:p16="http://schemas.microsoft.com/office/powerpoint/2015/main" val="1"/>
-                  </p:ext>
-                </p:extLst>
-              </p:nvPr>
-            </p:nvSpPr>
-            <p:spPr bwMode="auto">
-              <a:xfrm>
-                <a:off x="1049337" y="6221413"/>
-                <a:ext cx="157163" cy="147638"/>
-              </a:xfrm>
-              <a:custGeom>
-                <a:avLst/>
-                <a:gdLst/>
-                <a:ahLst/>
-                <a:cxnLst/>
-                <a:rect l="0" t="0" r="r" b="b"/>
-                <a:pathLst>
-                  <a:path w="33" h="31">
-                    <a:moveTo>
-                      <a:pt x="16" y="31"/>
-                    </a:moveTo>
-                    <a:cubicBezTo>
-                      <a:pt x="12" y="31"/>
-                      <a:pt x="8" y="29"/>
-                      <a:pt x="5" y="26"/>
-                    </a:cubicBezTo>
-                    <a:cubicBezTo>
-                      <a:pt x="2" y="24"/>
-                      <a:pt x="0" y="20"/>
-                      <a:pt x="0" y="15"/>
-                    </a:cubicBezTo>
-                    <a:cubicBezTo>
-                      <a:pt x="0" y="11"/>
-                      <a:pt x="2" y="7"/>
-                      <a:pt x="5" y="4"/>
-                    </a:cubicBezTo>
-                    <a:cubicBezTo>
-                      <a:pt x="8" y="1"/>
-                      <a:pt x="12" y="0"/>
-                      <a:pt x="16" y="0"/>
-                    </a:cubicBezTo>
-                    <a:cubicBezTo>
-                      <a:pt x="20" y="0"/>
-                      <a:pt x="24" y="1"/>
-                      <a:pt x="27" y="4"/>
-                    </a:cubicBezTo>
-                    <a:cubicBezTo>
-                      <a:pt x="33" y="10"/>
-                      <a:pt x="33" y="20"/>
-                      <a:pt x="27" y="26"/>
-                    </a:cubicBezTo>
-                    <a:cubicBezTo>
-                      <a:pt x="24" y="29"/>
-                      <a:pt x="20" y="31"/>
-                      <a:pt x="16" y="31"/>
-                    </a:cubicBezTo>
-                    <a:close/>
-                    <a:moveTo>
-                      <a:pt x="16" y="4"/>
-                    </a:moveTo>
-                    <a:cubicBezTo>
-                      <a:pt x="13" y="4"/>
-                      <a:pt x="10" y="5"/>
-                      <a:pt x="8" y="7"/>
-                    </a:cubicBezTo>
-                    <a:cubicBezTo>
-                      <a:pt x="6" y="9"/>
-                      <a:pt x="4" y="12"/>
-                      <a:pt x="4" y="15"/>
-                    </a:cubicBezTo>
-                    <a:cubicBezTo>
-                      <a:pt x="4" y="19"/>
-                      <a:pt x="6" y="21"/>
-                      <a:pt x="8" y="24"/>
-                    </a:cubicBezTo>
-                    <a:cubicBezTo>
-                      <a:pt x="10" y="26"/>
-                      <a:pt x="13" y="27"/>
-                      <a:pt x="16" y="27"/>
-                    </a:cubicBezTo>
-                    <a:cubicBezTo>
-                      <a:pt x="19" y="27"/>
-                      <a:pt x="22" y="26"/>
-                      <a:pt x="24" y="24"/>
-                    </a:cubicBezTo>
-                    <a:cubicBezTo>
-                      <a:pt x="29" y="19"/>
-                      <a:pt x="29" y="12"/>
-                      <a:pt x="24" y="7"/>
-                    </a:cubicBezTo>
-                    <a:cubicBezTo>
-                      <a:pt x="22" y="5"/>
-                      <a:pt x="19" y="4"/>
-                      <a:pt x="16" y="4"/>
-                    </a:cubicBezTo>
-                    <a:close/>
-                  </a:path>
-                </a:pathLst>
-              </a:custGeom>
-              <a:grpFill/>
-              <a:ln>
-                <a:noFill/>
-              </a:ln>
-              <a:extLst>
-                <a:ext uri="{91240B29-F687-4f45-9708-019B960494DF}">
-                  <a14:hiddenLine xmlns="" xmlns:a16="http://schemas.microsoft.com/office/drawing/2014/main" xmlns:p14="http://schemas.microsoft.com/office/powerpoint/2010/main" xmlns:a14="http://schemas.microsoft.com/office/drawing/2010/main" w="9525">
-                    <a:solidFill>
-                      <a:srgbClr val="000000"/>
-                    </a:solidFill>
-                    <a:round/>
-                    <a:headEnd/>
-                    <a:tailEnd/>
-                  </a14:hiddenLine>
-                </a:ext>
-              </a:extLst>
-            </p:spPr>
-          </p:sp>
-        </p:grpSp>
-        <p:grpSp>
-          <p:nvGrpSpPr>
-            <p:cNvPr id="19" name="Group 18">
-              <a:extLst>
-                <a:ext uri="{FF2B5EF4-FFF2-40B4-BE49-F238E27FC236}">
-                  <a16:creationId xmlns:a16="http://schemas.microsoft.com/office/drawing/2014/main" id="{88B30AFD-E104-45DD-BFBB-5A41F1413BEF}"/>
-                </a:ext>
-                <a:ext uri="{C183D7F6-B498-43B3-948B-1728B52AA6E4}">
-                  <adec:decorative xmlns:adec="http://schemas.microsoft.com/office/drawing/2017/decorative" val="1"/>
-                </a:ext>
-              </a:extLst>
-            </p:cNvPr>
-            <p:cNvGrpSpPr/>
-            <p:nvPr>
-              <p:extLst>
-                <p:ext uri="{386F3935-93C4-4BCD-93E2-E3B085C9AB24}">
-                  <p16:designElem xmlns:p16="http://schemas.microsoft.com/office/powerpoint/2015/main" val="1"/>
-                </p:ext>
-              </p:extLst>
-            </p:nvPr>
-          </p:nvGrpSpPr>
-          <p:grpSpPr>
-            <a:xfrm>
-              <a:off x="11364912" y="0"/>
-              <a:ext cx="674688" cy="6848476"/>
-              <a:chOff x="11364912" y="0"/>
-              <a:chExt cx="674688" cy="6848476"/>
-            </a:xfrm>
-            <a:grpFill/>
-          </p:grpSpPr>
-          <p:sp>
-            <p:nvSpPr>
-              <p:cNvPr id="20" name="Freeform 32">
-                <a:extLst>
-                  <a:ext uri="{FF2B5EF4-FFF2-40B4-BE49-F238E27FC236}">
-                    <a16:creationId xmlns:a16="http://schemas.microsoft.com/office/drawing/2014/main" id="{CE45A3DF-350B-4A5E-AEBE-F0F280AD037E}"/>
-                  </a:ext>
-                  <a:ext uri="{C183D7F6-B498-43B3-948B-1728B52AA6E4}">
-                    <adec:decorative xmlns:adec="http://schemas.microsoft.com/office/drawing/2017/decorative" val="1"/>
-                  </a:ext>
-                </a:extLst>
-              </p:cNvPr>
-              <p:cNvSpPr/>
-              <p:nvPr>
-                <p:extLst>
-                  <p:ext uri="{386F3935-93C4-4BCD-93E2-E3B085C9AB24}">
-                    <p16:designElem xmlns:p16="http://schemas.microsoft.com/office/powerpoint/2015/main" val="1"/>
-                  </p:ext>
-                </p:extLst>
-              </p:nvPr>
-            </p:nvSpPr>
-            <p:spPr bwMode="auto">
-              <a:xfrm>
-                <a:off x="11483975" y="0"/>
-                <a:ext cx="417513" cy="512763"/>
-              </a:xfrm>
-              <a:custGeom>
-                <a:avLst/>
-                <a:gdLst/>
-                <a:ahLst/>
-                <a:cxnLst/>
-                <a:rect l="0" t="0" r="r" b="b"/>
-                <a:pathLst>
-                  <a:path w="263" h="323">
-                    <a:moveTo>
-                      <a:pt x="12" y="323"/>
-                    </a:moveTo>
-                    <a:lnTo>
-                      <a:pt x="0" y="314"/>
-                    </a:lnTo>
-                    <a:lnTo>
-                      <a:pt x="203" y="108"/>
-                    </a:lnTo>
-                    <a:lnTo>
-                      <a:pt x="248" y="0"/>
-                    </a:lnTo>
-                    <a:lnTo>
-                      <a:pt x="263" y="6"/>
-                    </a:lnTo>
-                    <a:lnTo>
-                      <a:pt x="218" y="117"/>
-                    </a:lnTo>
-                    <a:lnTo>
-                      <a:pt x="218" y="117"/>
-                    </a:lnTo>
-                    <a:lnTo>
-                      <a:pt x="12" y="323"/>
-                    </a:lnTo>
-                    <a:close/>
-                  </a:path>
-                </a:pathLst>
-              </a:custGeom>
-              <a:grpFill/>
-              <a:ln>
-                <a:noFill/>
-              </a:ln>
-              <a:extLst>
-                <a:ext uri="{91240B29-F687-4f45-9708-019B960494DF}">
-                  <a14:hiddenLine xmlns="" xmlns:a16="http://schemas.microsoft.com/office/drawing/2014/main" xmlns:p14="http://schemas.microsoft.com/office/powerpoint/2010/main" xmlns:a14="http://schemas.microsoft.com/office/drawing/2010/main" w="9525">
-                    <a:solidFill>
-                      <a:srgbClr val="000000"/>
-                    </a:solidFill>
-                    <a:round/>
-                    <a:headEnd/>
-                    <a:tailEnd/>
-                  </a14:hiddenLine>
-                </a:ext>
-              </a:extLst>
-            </p:spPr>
-          </p:sp>
-          <p:sp>
-            <p:nvSpPr>
-              <p:cNvPr id="21" name="Freeform 33">
-                <a:extLst>
-                  <a:ext uri="{FF2B5EF4-FFF2-40B4-BE49-F238E27FC236}">
-                    <a16:creationId xmlns:a16="http://schemas.microsoft.com/office/drawing/2014/main" id="{966D2640-A438-4FB6-B781-5A52DEC85C4B}"/>
-                  </a:ext>
-                  <a:ext uri="{C183D7F6-B498-43B3-948B-1728B52AA6E4}">
-                    <adec:decorative xmlns:adec="http://schemas.microsoft.com/office/drawing/2017/decorative" val="1"/>
-                  </a:ext>
-                </a:extLst>
-              </p:cNvPr>
-              <p:cNvSpPr>
-                <a:spLocks noEditPoints="1"/>
-              </p:cNvSpPr>
-              <p:nvPr>
-                <p:extLst>
-                  <p:ext uri="{386F3935-93C4-4BCD-93E2-E3B085C9AB24}">
-                    <p16:designElem xmlns:p16="http://schemas.microsoft.com/office/powerpoint/2015/main" val="1"/>
-                  </p:ext>
-                </p:extLst>
-              </p:nvPr>
-            </p:nvSpPr>
-            <p:spPr bwMode="auto">
-              <a:xfrm>
-                <a:off x="11364912" y="474663"/>
-                <a:ext cx="157163" cy="152400"/>
-              </a:xfrm>
-              <a:custGeom>
-                <a:avLst/>
-                <a:gdLst/>
-                <a:ahLst/>
-                <a:cxnLst/>
-                <a:rect l="0" t="0" r="r" b="b"/>
-                <a:pathLst>
-                  <a:path w="33" h="32">
-                    <a:moveTo>
-                      <a:pt x="17" y="32"/>
-                    </a:moveTo>
-                    <a:cubicBezTo>
-                      <a:pt x="13" y="32"/>
-                      <a:pt x="9" y="30"/>
-                      <a:pt x="6" y="27"/>
-                    </a:cubicBezTo>
-                    <a:cubicBezTo>
-                      <a:pt x="0" y="21"/>
-                      <a:pt x="0" y="11"/>
-                      <a:pt x="6" y="5"/>
-                    </a:cubicBezTo>
-                    <a:cubicBezTo>
-                      <a:pt x="9" y="2"/>
-                      <a:pt x="13" y="0"/>
-                      <a:pt x="17" y="0"/>
-                    </a:cubicBezTo>
-                    <a:cubicBezTo>
-                      <a:pt x="21" y="0"/>
-                      <a:pt x="25" y="2"/>
-                      <a:pt x="28" y="5"/>
-                    </a:cubicBezTo>
-                    <a:cubicBezTo>
-                      <a:pt x="31" y="8"/>
-                      <a:pt x="33" y="12"/>
-                      <a:pt x="33" y="16"/>
-                    </a:cubicBezTo>
-                    <a:cubicBezTo>
-                      <a:pt x="33" y="20"/>
-                      <a:pt x="31" y="24"/>
-                      <a:pt x="28" y="27"/>
-                    </a:cubicBezTo>
-                    <a:cubicBezTo>
-                      <a:pt x="25" y="30"/>
-                      <a:pt x="21" y="32"/>
-                      <a:pt x="17" y="32"/>
-                    </a:cubicBezTo>
-                    <a:close/>
-                    <a:moveTo>
-                      <a:pt x="17" y="4"/>
-                    </a:moveTo>
-                    <a:cubicBezTo>
-                      <a:pt x="14" y="4"/>
-                      <a:pt x="11" y="6"/>
-                      <a:pt x="9" y="8"/>
-                    </a:cubicBezTo>
-                    <a:cubicBezTo>
-                      <a:pt x="4" y="12"/>
-                      <a:pt x="4" y="20"/>
-                      <a:pt x="9" y="24"/>
-                    </a:cubicBezTo>
-                    <a:cubicBezTo>
-                      <a:pt x="11" y="27"/>
-                      <a:pt x="14" y="28"/>
-                      <a:pt x="17" y="28"/>
-                    </a:cubicBezTo>
-                    <a:cubicBezTo>
-                      <a:pt x="20" y="28"/>
-                      <a:pt x="23" y="27"/>
-                      <a:pt x="26" y="24"/>
-                    </a:cubicBezTo>
-                    <a:cubicBezTo>
-                      <a:pt x="30" y="20"/>
-                      <a:pt x="30" y="12"/>
-                      <a:pt x="26" y="8"/>
-                    </a:cubicBezTo>
-                    <a:cubicBezTo>
-                      <a:pt x="23" y="6"/>
-                      <a:pt x="20" y="4"/>
-                      <a:pt x="17" y="4"/>
-                    </a:cubicBezTo>
-                    <a:close/>
-                  </a:path>
-                </a:pathLst>
-              </a:custGeom>
-              <a:grpFill/>
-              <a:ln>
-                <a:noFill/>
-              </a:ln>
-              <a:extLst>
-                <a:ext uri="{91240B29-F687-4f45-9708-019B960494DF}">
-                  <a14:hiddenLine xmlns="" xmlns:a16="http://schemas.microsoft.com/office/drawing/2014/main" xmlns:p14="http://schemas.microsoft.com/office/powerpoint/2010/main" xmlns:a14="http://schemas.microsoft.com/office/drawing/2010/main" w="9525">
-                    <a:solidFill>
-                      <a:srgbClr val="000000"/>
-                    </a:solidFill>
-                    <a:round/>
-                    <a:headEnd/>
-                    <a:tailEnd/>
-                  </a14:hiddenLine>
-                </a:ext>
-              </a:extLst>
-            </p:spPr>
-          </p:sp>
-          <p:sp>
-            <p:nvSpPr>
-              <p:cNvPr id="22" name="Freeform 34">
-                <a:extLst>
-                  <a:ext uri="{FF2B5EF4-FFF2-40B4-BE49-F238E27FC236}">
-                    <a16:creationId xmlns:a16="http://schemas.microsoft.com/office/drawing/2014/main" id="{34E1EFFF-720C-4CC0-9F95-DD1DAF99ADB7}"/>
-                  </a:ext>
-                  <a:ext uri="{C183D7F6-B498-43B3-948B-1728B52AA6E4}">
-                    <adec:decorative xmlns:adec="http://schemas.microsoft.com/office/drawing/2017/decorative" val="1"/>
-                  </a:ext>
-                </a:extLst>
-              </p:cNvPr>
-              <p:cNvSpPr>
-                <a:spLocks noEditPoints="1"/>
-              </p:cNvSpPr>
-              <p:nvPr>
-                <p:extLst>
-                  <p:ext uri="{386F3935-93C4-4BCD-93E2-E3B085C9AB24}">
-                    <p16:designElem xmlns:p16="http://schemas.microsoft.com/office/powerpoint/2015/main" val="1"/>
-                  </p:ext>
-                </p:extLst>
-              </p:nvPr>
-            </p:nvSpPr>
-            <p:spPr bwMode="auto">
-              <a:xfrm>
-                <a:off x="11631612" y="1539875"/>
-                <a:ext cx="188913" cy="190500"/>
-              </a:xfrm>
-              <a:custGeom>
-                <a:avLst/>
-                <a:gdLst/>
-                <a:ahLst/>
-                <a:cxnLst/>
-                <a:rect l="0" t="0" r="r" b="b"/>
-                <a:pathLst>
-                  <a:path w="40" h="40">
-                    <a:moveTo>
-                      <a:pt x="20" y="40"/>
-                    </a:moveTo>
-                    <a:cubicBezTo>
-                      <a:pt x="9" y="40"/>
-                      <a:pt x="0" y="31"/>
-                      <a:pt x="0" y="20"/>
-                    </a:cubicBezTo>
-                    <a:cubicBezTo>
-                      <a:pt x="0" y="9"/>
-                      <a:pt x="9" y="0"/>
-                      <a:pt x="20" y="0"/>
-                    </a:cubicBezTo>
-                    <a:cubicBezTo>
-                      <a:pt x="31" y="0"/>
-                      <a:pt x="40" y="9"/>
-                      <a:pt x="40" y="20"/>
-                    </a:cubicBezTo>
-                    <a:cubicBezTo>
-                      <a:pt x="40" y="31"/>
-                      <a:pt x="31" y="40"/>
-                      <a:pt x="20" y="40"/>
-                    </a:cubicBezTo>
-                    <a:close/>
-                    <a:moveTo>
-                      <a:pt x="20" y="4"/>
-                    </a:moveTo>
-                    <a:cubicBezTo>
-                      <a:pt x="11" y="4"/>
-                      <a:pt x="4" y="11"/>
-                      <a:pt x="4" y="20"/>
-                    </a:cubicBezTo>
-                    <a:cubicBezTo>
-                      <a:pt x="4" y="29"/>
-                      <a:pt x="11" y="36"/>
-                      <a:pt x="20" y="36"/>
-                    </a:cubicBezTo>
-                    <a:cubicBezTo>
-                      <a:pt x="29" y="36"/>
-                      <a:pt x="36" y="29"/>
-                      <a:pt x="36" y="20"/>
-                    </a:cubicBezTo>
-                    <a:cubicBezTo>
-                      <a:pt x="36" y="11"/>
-                      <a:pt x="29" y="4"/>
-                      <a:pt x="20" y="4"/>
-                    </a:cubicBezTo>
-                    <a:close/>
-                  </a:path>
-                </a:pathLst>
-              </a:custGeom>
-              <a:grpFill/>
-              <a:ln>
-                <a:noFill/>
-              </a:ln>
-              <a:extLst>
-                <a:ext uri="{91240B29-F687-4f45-9708-019B960494DF}">
-                  <a14:hiddenLine xmlns="" xmlns:a16="http://schemas.microsoft.com/office/drawing/2014/main" xmlns:p14="http://schemas.microsoft.com/office/powerpoint/2010/main" xmlns:a14="http://schemas.microsoft.com/office/drawing/2010/main" w="9525">
-                    <a:solidFill>
-                      <a:srgbClr val="000000"/>
-                    </a:solidFill>
-                    <a:round/>
-                    <a:headEnd/>
-                    <a:tailEnd/>
-                  </a14:hiddenLine>
-                </a:ext>
-              </a:extLst>
-            </p:spPr>
-          </p:sp>
-          <p:sp>
-            <p:nvSpPr>
-              <p:cNvPr id="23" name="Freeform 35">
-                <a:extLst>
-                  <a:ext uri="{FF2B5EF4-FFF2-40B4-BE49-F238E27FC236}">
-                    <a16:creationId xmlns:a16="http://schemas.microsoft.com/office/drawing/2014/main" id="{EA7AB0E1-6C49-409D-86F5-BE00BDDFC0A8}"/>
-                  </a:ext>
-                  <a:ext uri="{C183D7F6-B498-43B3-948B-1728B52AA6E4}">
-                    <adec:decorative xmlns:adec="http://schemas.microsoft.com/office/drawing/2017/decorative" val="1"/>
-                  </a:ext>
-                </a:extLst>
-              </p:cNvPr>
-              <p:cNvSpPr/>
-              <p:nvPr>
-                <p:extLst>
-                  <p:ext uri="{386F3935-93C4-4BCD-93E2-E3B085C9AB24}">
-                    <p16:designElem xmlns:p16="http://schemas.microsoft.com/office/powerpoint/2015/main" val="1"/>
-                  </p:ext>
-                </p:extLst>
-              </p:nvPr>
-            </p:nvSpPr>
-            <p:spPr bwMode="auto">
-              <a:xfrm>
-                <a:off x="11531600" y="5694363"/>
-                <a:ext cx="298450" cy="1154113"/>
-              </a:xfrm>
-              <a:custGeom>
-                <a:avLst/>
-                <a:gdLst/>
-                <a:ahLst/>
-                <a:cxnLst/>
-                <a:rect l="0" t="0" r="r" b="b"/>
-                <a:pathLst>
-                  <a:path w="188" h="727">
-                    <a:moveTo>
-                      <a:pt x="15" y="727"/>
-                    </a:moveTo>
-                    <a:lnTo>
-                      <a:pt x="0" y="727"/>
-                    </a:lnTo>
-                    <a:lnTo>
-                      <a:pt x="0" y="407"/>
-                    </a:lnTo>
-                    <a:lnTo>
-                      <a:pt x="0" y="407"/>
-                    </a:lnTo>
-                    <a:lnTo>
-                      <a:pt x="176" y="0"/>
-                    </a:lnTo>
-                    <a:lnTo>
-                      <a:pt x="188" y="6"/>
-                    </a:lnTo>
-                    <a:lnTo>
-                      <a:pt x="15" y="410"/>
-                    </a:lnTo>
-                    <a:lnTo>
-                      <a:pt x="15" y="727"/>
-                    </a:lnTo>
-                    <a:close/>
-                  </a:path>
-                </a:pathLst>
-              </a:custGeom>
-              <a:grpFill/>
-              <a:ln>
-                <a:noFill/>
-              </a:ln>
-              <a:extLst>
-                <a:ext uri="{91240B29-F687-4f45-9708-019B960494DF}">
-                  <a14:hiddenLine xmlns="" xmlns:a16="http://schemas.microsoft.com/office/drawing/2014/main" xmlns:p14="http://schemas.microsoft.com/office/powerpoint/2010/main" xmlns:a14="http://schemas.microsoft.com/office/drawing/2010/main" w="9525">
-                    <a:solidFill>
-                      <a:srgbClr val="000000"/>
-                    </a:solidFill>
-                    <a:round/>
-                    <a:headEnd/>
-                    <a:tailEnd/>
-                  </a14:hiddenLine>
-                </a:ext>
-              </a:extLst>
-            </p:spPr>
-          </p:sp>
-          <p:sp>
-            <p:nvSpPr>
-              <p:cNvPr id="24" name="Freeform 36">
-                <a:extLst>
-                  <a:ext uri="{FF2B5EF4-FFF2-40B4-BE49-F238E27FC236}">
-                    <a16:creationId xmlns:a16="http://schemas.microsoft.com/office/drawing/2014/main" id="{5D17598C-0C57-4F4E-8F6B-A2AD8071F8AE}"/>
-                  </a:ext>
-                  <a:ext uri="{C183D7F6-B498-43B3-948B-1728B52AA6E4}">
-                    <adec:decorative xmlns:adec="http://schemas.microsoft.com/office/drawing/2017/decorative" val="1"/>
-                  </a:ext>
-                </a:extLst>
-              </p:cNvPr>
-              <p:cNvSpPr>
-                <a:spLocks noEditPoints="1"/>
-              </p:cNvSpPr>
-              <p:nvPr>
-                <p:extLst>
-                  <p:ext uri="{386F3935-93C4-4BCD-93E2-E3B085C9AB24}">
-                    <p16:designElem xmlns:p16="http://schemas.microsoft.com/office/powerpoint/2015/main" val="1"/>
-                  </p:ext>
-                </p:extLst>
-              </p:nvPr>
-            </p:nvSpPr>
-            <p:spPr bwMode="auto">
-              <a:xfrm>
-                <a:off x="11772900" y="5551488"/>
-                <a:ext cx="157163" cy="155575"/>
-              </a:xfrm>
-              <a:custGeom>
-                <a:avLst/>
-                <a:gdLst/>
-                <a:ahLst/>
-                <a:cxnLst/>
-                <a:rect l="0" t="0" r="r" b="b"/>
-                <a:pathLst>
-                  <a:path w="33" h="33">
-                    <a:moveTo>
-                      <a:pt x="17" y="33"/>
-                    </a:moveTo>
-                    <a:cubicBezTo>
-                      <a:pt x="8" y="33"/>
-                      <a:pt x="0" y="25"/>
-                      <a:pt x="0" y="16"/>
-                    </a:cubicBezTo>
-                    <a:cubicBezTo>
-                      <a:pt x="0" y="7"/>
-                      <a:pt x="8" y="0"/>
-                      <a:pt x="17" y="0"/>
-                    </a:cubicBezTo>
-                    <a:cubicBezTo>
-                      <a:pt x="26" y="0"/>
-                      <a:pt x="33" y="7"/>
-                      <a:pt x="33" y="16"/>
-                    </a:cubicBezTo>
-                    <a:cubicBezTo>
-                      <a:pt x="33" y="25"/>
-                      <a:pt x="26" y="33"/>
-                      <a:pt x="17" y="33"/>
-                    </a:cubicBezTo>
-                    <a:close/>
-                    <a:moveTo>
-                      <a:pt x="17" y="4"/>
-                    </a:moveTo>
-                    <a:cubicBezTo>
-                      <a:pt x="10" y="4"/>
-                      <a:pt x="4" y="9"/>
-                      <a:pt x="4" y="16"/>
-                    </a:cubicBezTo>
-                    <a:cubicBezTo>
-                      <a:pt x="4" y="23"/>
-                      <a:pt x="10" y="29"/>
-                      <a:pt x="17" y="29"/>
-                    </a:cubicBezTo>
-                    <a:cubicBezTo>
-                      <a:pt x="23" y="29"/>
-                      <a:pt x="29" y="23"/>
-                      <a:pt x="29" y="16"/>
-                    </a:cubicBezTo>
-                    <a:cubicBezTo>
-                      <a:pt x="29" y="9"/>
-                      <a:pt x="23" y="4"/>
-                      <a:pt x="17" y="4"/>
-                    </a:cubicBezTo>
-                    <a:close/>
-                  </a:path>
-                </a:pathLst>
-              </a:custGeom>
-              <a:grpFill/>
-              <a:ln>
-                <a:noFill/>
-              </a:ln>
-              <a:extLst>
-                <a:ext uri="{91240B29-F687-4f45-9708-019B960494DF}">
-                  <a14:hiddenLine xmlns="" xmlns:a16="http://schemas.microsoft.com/office/drawing/2014/main" xmlns:p14="http://schemas.microsoft.com/office/powerpoint/2010/main" xmlns:a14="http://schemas.microsoft.com/office/drawing/2010/main" w="9525">
-                    <a:solidFill>
-                      <a:srgbClr val="000000"/>
-                    </a:solidFill>
-                    <a:round/>
-                    <a:headEnd/>
-                    <a:tailEnd/>
-                  </a14:hiddenLine>
-                </a:ext>
-              </a:extLst>
-            </p:spPr>
-          </p:sp>
-          <p:sp>
-            <p:nvSpPr>
-              <p:cNvPr id="25" name="Freeform 37">
-                <a:extLst>
-                  <a:ext uri="{FF2B5EF4-FFF2-40B4-BE49-F238E27FC236}">
-                    <a16:creationId xmlns:a16="http://schemas.microsoft.com/office/drawing/2014/main" id="{EBEBC0DC-F56F-48FE-824E-E9378C48976C}"/>
-                  </a:ext>
-                  <a:ext uri="{C183D7F6-B498-43B3-948B-1728B52AA6E4}">
-                    <adec:decorative xmlns:adec="http://schemas.microsoft.com/office/drawing/2017/decorative" val="1"/>
-                  </a:ext>
-                </a:extLst>
-              </p:cNvPr>
-              <p:cNvSpPr/>
-              <p:nvPr>
-                <p:extLst>
-                  <p:ext uri="{386F3935-93C4-4BCD-93E2-E3B085C9AB24}">
-                    <p16:designElem xmlns:p16="http://schemas.microsoft.com/office/powerpoint/2015/main" val="1"/>
-                  </p:ext>
-                </p:extLst>
-              </p:nvPr>
-            </p:nvSpPr>
-            <p:spPr bwMode="auto">
-              <a:xfrm>
-                <a:off x="11710987" y="4763"/>
-                <a:ext cx="304800" cy="1544638"/>
-              </a:xfrm>
-              <a:custGeom>
-                <a:avLst/>
-                <a:gdLst/>
-                <a:ahLst/>
-                <a:cxnLst/>
-                <a:rect l="0" t="0" r="r" b="b"/>
-                <a:pathLst>
-                  <a:path w="192" h="973">
-                    <a:moveTo>
-                      <a:pt x="15" y="973"/>
-                    </a:moveTo>
-                    <a:lnTo>
-                      <a:pt x="0" y="973"/>
-                    </a:lnTo>
-                    <a:lnTo>
-                      <a:pt x="0" y="790"/>
-                    </a:lnTo>
-                    <a:lnTo>
-                      <a:pt x="174" y="614"/>
-                    </a:lnTo>
-                    <a:lnTo>
-                      <a:pt x="174" y="0"/>
-                    </a:lnTo>
-                    <a:lnTo>
-                      <a:pt x="192" y="0"/>
-                    </a:lnTo>
-                    <a:lnTo>
-                      <a:pt x="192" y="620"/>
-                    </a:lnTo>
-                    <a:lnTo>
-                      <a:pt x="15" y="796"/>
-                    </a:lnTo>
-                    <a:lnTo>
-                      <a:pt x="15" y="973"/>
-                    </a:lnTo>
-                    <a:close/>
-                  </a:path>
-                </a:pathLst>
-              </a:custGeom>
-              <a:grpFill/>
-              <a:ln>
-                <a:noFill/>
-              </a:ln>
-              <a:extLst>
-                <a:ext uri="{91240B29-F687-4f45-9708-019B960494DF}">
-                  <a14:hiddenLine xmlns="" xmlns:a16="http://schemas.microsoft.com/office/drawing/2014/main" xmlns:p14="http://schemas.microsoft.com/office/powerpoint/2010/main" xmlns:a14="http://schemas.microsoft.com/office/drawing/2010/main" w="9525">
-                    <a:solidFill>
-                      <a:srgbClr val="000000"/>
-                    </a:solidFill>
-                    <a:round/>
-                    <a:headEnd/>
-                    <a:tailEnd/>
-                  </a14:hiddenLine>
-                </a:ext>
-              </a:extLst>
-            </p:spPr>
-          </p:sp>
-          <p:sp>
-            <p:nvSpPr>
-              <p:cNvPr id="26" name="Freeform 38">
-                <a:extLst>
-                  <a:ext uri="{FF2B5EF4-FFF2-40B4-BE49-F238E27FC236}">
-                    <a16:creationId xmlns:a16="http://schemas.microsoft.com/office/drawing/2014/main" id="{CC7FDCF1-1736-48A0-BDB2-87D6E090677D}"/>
-                  </a:ext>
-                  <a:ext uri="{C183D7F6-B498-43B3-948B-1728B52AA6E4}">
-                    <adec:decorative xmlns:adec="http://schemas.microsoft.com/office/drawing/2017/decorative" val="1"/>
-                  </a:ext>
-                </a:extLst>
-              </p:cNvPr>
-              <p:cNvSpPr>
-                <a:spLocks noEditPoints="1"/>
-              </p:cNvSpPr>
-              <p:nvPr>
-                <p:extLst>
-                  <p:ext uri="{386F3935-93C4-4BCD-93E2-E3B085C9AB24}">
-                    <p16:designElem xmlns:p16="http://schemas.microsoft.com/office/powerpoint/2015/main" val="1"/>
-                  </p:ext>
-                </p:extLst>
-              </p:nvPr>
-            </p:nvSpPr>
-            <p:spPr bwMode="auto">
-              <a:xfrm>
-                <a:off x="11636375" y="4867275"/>
-                <a:ext cx="188913" cy="188913"/>
-              </a:xfrm>
-              <a:custGeom>
-                <a:avLst/>
-                <a:gdLst/>
-                <a:ahLst/>
-                <a:cxnLst/>
-                <a:rect l="0" t="0" r="r" b="b"/>
-                <a:pathLst>
-                  <a:path w="40" h="40">
-                    <a:moveTo>
-                      <a:pt x="20" y="40"/>
-                    </a:moveTo>
-                    <a:cubicBezTo>
-                      <a:pt x="9" y="40"/>
-                      <a:pt x="0" y="31"/>
-                      <a:pt x="0" y="20"/>
-                    </a:cubicBezTo>
-                    <a:cubicBezTo>
-                      <a:pt x="0" y="9"/>
-                      <a:pt x="9" y="0"/>
-                      <a:pt x="20" y="0"/>
-                    </a:cubicBezTo>
-                    <a:cubicBezTo>
-                      <a:pt x="31" y="0"/>
-                      <a:pt x="40" y="9"/>
-                      <a:pt x="40" y="20"/>
-                    </a:cubicBezTo>
-                    <a:cubicBezTo>
-                      <a:pt x="40" y="31"/>
-                      <a:pt x="31" y="40"/>
-                      <a:pt x="20" y="40"/>
-                    </a:cubicBezTo>
-                    <a:close/>
-                    <a:moveTo>
-                      <a:pt x="20" y="4"/>
-                    </a:moveTo>
-                    <a:cubicBezTo>
-                      <a:pt x="11" y="4"/>
-                      <a:pt x="4" y="11"/>
-                      <a:pt x="4" y="20"/>
-                    </a:cubicBezTo>
-                    <a:cubicBezTo>
-                      <a:pt x="4" y="29"/>
-                      <a:pt x="11" y="36"/>
-                      <a:pt x="20" y="36"/>
-                    </a:cubicBezTo>
-                    <a:cubicBezTo>
-                      <a:pt x="29" y="36"/>
-                      <a:pt x="36" y="29"/>
-                      <a:pt x="36" y="20"/>
-                    </a:cubicBezTo>
-                    <a:cubicBezTo>
-                      <a:pt x="36" y="11"/>
-                      <a:pt x="29" y="4"/>
-                      <a:pt x="20" y="4"/>
-                    </a:cubicBezTo>
-                    <a:close/>
-                  </a:path>
-                </a:pathLst>
-              </a:custGeom>
-              <a:grpFill/>
-              <a:ln>
-                <a:noFill/>
-              </a:ln>
-              <a:extLst>
-                <a:ext uri="{91240B29-F687-4f45-9708-019B960494DF}">
-                  <a14:hiddenLine xmlns="" xmlns:a16="http://schemas.microsoft.com/office/drawing/2014/main" xmlns:p14="http://schemas.microsoft.com/office/powerpoint/2010/main" xmlns:a14="http://schemas.microsoft.com/office/drawing/2010/main" w="9525">
-                    <a:solidFill>
-                      <a:srgbClr val="000000"/>
-                    </a:solidFill>
-                    <a:round/>
-                    <a:headEnd/>
-                    <a:tailEnd/>
-                  </a14:hiddenLine>
-                </a:ext>
-              </a:extLst>
-            </p:spPr>
-          </p:sp>
-          <p:sp>
-            <p:nvSpPr>
-              <p:cNvPr id="27" name="Freeform 39">
-                <a:extLst>
-                  <a:ext uri="{FF2B5EF4-FFF2-40B4-BE49-F238E27FC236}">
-                    <a16:creationId xmlns:a16="http://schemas.microsoft.com/office/drawing/2014/main" id="{2A650CF5-564F-44D1-AB08-6C500DD3CED7}"/>
-                  </a:ext>
-                  <a:ext uri="{C183D7F6-B498-43B3-948B-1728B52AA6E4}">
-                    <adec:decorative xmlns:adec="http://schemas.microsoft.com/office/drawing/2017/decorative" val="1"/>
-                  </a:ext>
-                </a:extLst>
-              </p:cNvPr>
-              <p:cNvSpPr/>
-              <p:nvPr>
-                <p:extLst>
-                  <p:ext uri="{386F3935-93C4-4BCD-93E2-E3B085C9AB24}">
-                    <p16:designElem xmlns:p16="http://schemas.microsoft.com/office/powerpoint/2015/main" val="1"/>
-                  </p:ext>
-                </p:extLst>
-              </p:nvPr>
-            </p:nvSpPr>
-            <p:spPr bwMode="auto">
-              <a:xfrm>
-                <a:off x="11441112" y="5046663"/>
-                <a:ext cx="307975" cy="1801813"/>
-              </a:xfrm>
-              <a:custGeom>
-                <a:avLst/>
-                <a:gdLst/>
-                <a:ahLst/>
-                <a:cxnLst/>
-                <a:rect l="0" t="0" r="r" b="b"/>
-                <a:pathLst>
-                  <a:path w="194" h="1135">
-                    <a:moveTo>
-                      <a:pt x="18" y="1135"/>
-                    </a:moveTo>
-                    <a:lnTo>
-                      <a:pt x="0" y="1135"/>
-                    </a:lnTo>
-                    <a:lnTo>
-                      <a:pt x="0" y="354"/>
-                    </a:lnTo>
-                    <a:lnTo>
-                      <a:pt x="176" y="177"/>
-                    </a:lnTo>
-                    <a:lnTo>
-                      <a:pt x="176" y="0"/>
-                    </a:lnTo>
-                    <a:lnTo>
-                      <a:pt x="194" y="0"/>
-                    </a:lnTo>
-                    <a:lnTo>
-                      <a:pt x="194" y="183"/>
-                    </a:lnTo>
-                    <a:lnTo>
-                      <a:pt x="18" y="360"/>
-                    </a:lnTo>
-                    <a:lnTo>
-                      <a:pt x="18" y="1135"/>
-                    </a:lnTo>
-                    <a:close/>
-                  </a:path>
-                </a:pathLst>
-              </a:custGeom>
-              <a:grpFill/>
-              <a:ln>
-                <a:noFill/>
-              </a:ln>
-              <a:extLst>
-                <a:ext uri="{91240B29-F687-4f45-9708-019B960494DF}">
-                  <a14:hiddenLine xmlns="" xmlns:a16="http://schemas.microsoft.com/office/drawing/2014/main" xmlns:p14="http://schemas.microsoft.com/office/powerpoint/2010/main" xmlns:a14="http://schemas.microsoft.com/office/drawing/2010/main" w="9525">
-                    <a:solidFill>
-                      <a:srgbClr val="000000"/>
-                    </a:solidFill>
-                    <a:round/>
-                    <a:headEnd/>
-                    <a:tailEnd/>
-                  </a14:hiddenLine>
-                </a:ext>
-              </a:extLst>
-            </p:spPr>
-          </p:sp>
-          <p:sp>
-            <p:nvSpPr>
-              <p:cNvPr id="28" name="Freeform 40">
-                <a:extLst>
-                  <a:ext uri="{FF2B5EF4-FFF2-40B4-BE49-F238E27FC236}">
-                    <a16:creationId xmlns:a16="http://schemas.microsoft.com/office/drawing/2014/main" id="{3108FEFA-0402-4C1C-AE39-5ADC09402F7D}"/>
-                  </a:ext>
-                  <a:ext uri="{C183D7F6-B498-43B3-948B-1728B52AA6E4}">
-                    <adec:decorative xmlns:adec="http://schemas.microsoft.com/office/drawing/2017/decorative" val="1"/>
-                  </a:ext>
-                </a:extLst>
-              </p:cNvPr>
-              <p:cNvSpPr>
-                <a:spLocks noEditPoints="1"/>
-              </p:cNvSpPr>
-              <p:nvPr>
-                <p:extLst>
-                  <p:ext uri="{386F3935-93C4-4BCD-93E2-E3B085C9AB24}">
-                    <p16:designElem xmlns:p16="http://schemas.microsoft.com/office/powerpoint/2015/main" val="1"/>
-                  </p:ext>
-                </p:extLst>
-              </p:nvPr>
-            </p:nvSpPr>
-            <p:spPr bwMode="auto">
-              <a:xfrm>
-                <a:off x="11849100" y="6416675"/>
-                <a:ext cx="190500" cy="188913"/>
-              </a:xfrm>
-              <a:custGeom>
-                <a:avLst/>
-                <a:gdLst/>
-                <a:ahLst/>
-                <a:cxnLst/>
-                <a:rect l="0" t="0" r="r" b="b"/>
-                <a:pathLst>
-                  <a:path w="40" h="40">
-                    <a:moveTo>
-                      <a:pt x="20" y="40"/>
-                    </a:moveTo>
-                    <a:cubicBezTo>
-                      <a:pt x="9" y="40"/>
-                      <a:pt x="0" y="31"/>
-                      <a:pt x="0" y="20"/>
-                    </a:cubicBezTo>
-                    <a:cubicBezTo>
-                      <a:pt x="0" y="9"/>
-                      <a:pt x="9" y="0"/>
-                      <a:pt x="20" y="0"/>
-                    </a:cubicBezTo>
-                    <a:cubicBezTo>
-                      <a:pt x="31" y="0"/>
-                      <a:pt x="40" y="9"/>
-                      <a:pt x="40" y="20"/>
-                    </a:cubicBezTo>
-                    <a:cubicBezTo>
-                      <a:pt x="40" y="31"/>
-                      <a:pt x="31" y="40"/>
-                      <a:pt x="20" y="40"/>
-                    </a:cubicBezTo>
-                    <a:close/>
-                    <a:moveTo>
-                      <a:pt x="20" y="4"/>
-                    </a:moveTo>
-                    <a:cubicBezTo>
-                      <a:pt x="12" y="4"/>
-                      <a:pt x="4" y="11"/>
-                      <a:pt x="4" y="20"/>
-                    </a:cubicBezTo>
-                    <a:cubicBezTo>
-                      <a:pt x="4" y="29"/>
-                      <a:pt x="12" y="36"/>
-                      <a:pt x="20" y="36"/>
-                    </a:cubicBezTo>
-                    <a:cubicBezTo>
-                      <a:pt x="29" y="36"/>
-                      <a:pt x="36" y="29"/>
-                      <a:pt x="36" y="20"/>
-                    </a:cubicBezTo>
-                    <a:cubicBezTo>
-                      <a:pt x="36" y="11"/>
-                      <a:pt x="29" y="4"/>
-                      <a:pt x="20" y="4"/>
-                    </a:cubicBezTo>
-                    <a:close/>
-                  </a:path>
-                </a:pathLst>
-              </a:custGeom>
-              <a:grpFill/>
-              <a:ln>
-                <a:noFill/>
-              </a:ln>
-              <a:extLst>
-                <a:ext uri="{91240B29-F687-4f45-9708-019B960494DF}">
-                  <a14:hiddenLine xmlns="" xmlns:a16="http://schemas.microsoft.com/office/drawing/2014/main" xmlns:p14="http://schemas.microsoft.com/office/powerpoint/2010/main" xmlns:a14="http://schemas.microsoft.com/office/drawing/2010/main" w="9525">
-                    <a:solidFill>
-                      <a:srgbClr val="000000"/>
-                    </a:solidFill>
-                    <a:round/>
-                    <a:headEnd/>
-                    <a:tailEnd/>
-                  </a14:hiddenLine>
-                </a:ext>
-              </a:extLst>
-            </p:spPr>
-          </p:sp>
-          <p:sp>
-            <p:nvSpPr>
-              <p:cNvPr id="29" name="Rectangle 41">
-                <a:extLst>
-                  <a:ext uri="{FF2B5EF4-FFF2-40B4-BE49-F238E27FC236}">
-                    <a16:creationId xmlns:a16="http://schemas.microsoft.com/office/drawing/2014/main" id="{340AE827-F344-464F-851C-E03AFC98DC58}"/>
-                  </a:ext>
-                  <a:ext uri="{C183D7F6-B498-43B3-948B-1728B52AA6E4}">
-                    <adec:decorative xmlns:adec="http://schemas.microsoft.com/office/drawing/2017/decorative" val="1"/>
-                  </a:ext>
-                </a:extLst>
-              </p:cNvPr>
-              <p:cNvSpPr>
-                <a:spLocks noChangeArrowheads="1"/>
-              </p:cNvSpPr>
-              <p:nvPr>
-                <p:extLst>
-                  <p:ext uri="{386F3935-93C4-4BCD-93E2-E3B085C9AB24}">
-                    <p16:designElem xmlns:p16="http://schemas.microsoft.com/office/powerpoint/2015/main" val="1"/>
-                  </p:ext>
-                </p:extLst>
-              </p:nvPr>
-            </p:nvSpPr>
-            <p:spPr bwMode="auto">
-              <a:xfrm>
-                <a:off x="11939587" y="6596063"/>
-                <a:ext cx="23813" cy="252413"/>
-              </a:xfrm>
-              <a:prstGeom prst="rect">
-                <a:avLst/>
-              </a:prstGeom>
-              <a:grpFill/>
-              <a:ln>
-                <a:noFill/>
-              </a:ln>
-              <a:extLst>
-                <a:ext uri="{91240B29-F687-4f45-9708-019B960494DF}">
-                  <a14:hiddenLine xmlns="" xmlns:a16="http://schemas.microsoft.com/office/drawing/2014/main" xmlns:p14="http://schemas.microsoft.com/office/powerpoint/2010/main" xmlns:a14="http://schemas.microsoft.com/office/drawing/2010/main" w="9525">
-                    <a:solidFill>
-                      <a:srgbClr val="000000"/>
-                    </a:solidFill>
-                    <a:miter lim="800000"/>
-                    <a:headEnd/>
-                    <a:tailEnd/>
-                  </a14:hiddenLine>
-                </a:ext>
-              </a:extLst>
-            </p:spPr>
-          </p:sp>
-        </p:grpSp>
-      </p:grpSp>
-      <p:sp>
-        <p:nvSpPr>
-          <p:cNvPr id="2" name="Title 1">
-            <a:extLst>
-              <a:ext uri="{FF2B5EF4-FFF2-40B4-BE49-F238E27FC236}">
-                <a16:creationId xmlns:a16="http://schemas.microsoft.com/office/drawing/2014/main" id="{5F66AA7D-168E-446F-98F7-D8FA15066B64}"/>
+                <a16:creationId xmlns:a16="http://schemas.microsoft.com/office/drawing/2014/main" id="{82E65DF7-4C69-46C6-8D20-A1BAFD4C5D30}"/>
               </a:ext>
             </a:extLst>
           </p:cNvPr>
@@ -29883,30 +26171,27 @@
         </p:nvSpPr>
         <p:spPr>
           <a:xfrm>
-            <a:off x="1141413" y="618518"/>
-            <a:ext cx="9905998" cy="1478570"/>
+            <a:off x="1141411" y="619126"/>
+            <a:ext cx="9906000" cy="1477961"/>
           </a:xfrm>
         </p:spPr>
         <p:txBody>
-          <a:bodyPr vert="horz" lIns="91440" tIns="45720" rIns="91440" bIns="45720" rtlCol="0" anchor="ctr">
-            <a:normAutofit/>
-          </a:bodyPr>
+          <a:bodyPr/>
           <a:lstStyle/>
           <a:p>
             <a:r>
-              <a:rPr lang="en-US"/>
-              <a:t>FEatures</a:t>
-            </a:r>
-            <a:endParaRPr lang="en-US" dirty="0"/>
+              <a:rPr lang="en-US" dirty="0"/>
+              <a:t>plots</a:t>
+            </a:r>
           </a:p>
         </p:txBody>
       </p:sp>
       <p:sp>
         <p:nvSpPr>
-          <p:cNvPr id="3" name="Text Placeholder 2">
+          <p:cNvPr id="4" name="Content Placeholder 3">
             <a:extLst>
               <a:ext uri="{FF2B5EF4-FFF2-40B4-BE49-F238E27FC236}">
-                <a16:creationId xmlns:a16="http://schemas.microsoft.com/office/drawing/2014/main" id="{9ADC34B7-C1B8-422B-987F-3EDE2559455D}"/>
+                <a16:creationId xmlns:a16="http://schemas.microsoft.com/office/drawing/2014/main" id="{A2111F68-2AF1-4F5D-8B9E-5D48A394ED62}"/>
               </a:ext>
             </a:extLst>
           </p:cNvPr>
@@ -29914,46 +26199,7 @@
             <a:spLocks noGrp="1"/>
           </p:cNvSpPr>
           <p:nvPr>
-            <p:ph type="body" idx="1"/>
-          </p:nvPr>
-        </p:nvSpPr>
-        <p:spPr>
-          <a:xfrm>
-            <a:off x="276224" y="2181450"/>
-            <a:ext cx="6012832" cy="3541714"/>
-          </a:xfrm>
-        </p:spPr>
-        <p:txBody>
-          <a:bodyPr vert="horz" lIns="91440" tIns="45720" rIns="91440" bIns="45720" rtlCol="0">
-            <a:normAutofit/>
-          </a:bodyPr>
-          <a:lstStyle/>
-          <a:p>
-            <a:pPr indent="-228600">
-              <a:lnSpc>
-                <a:spcPct val="120000"/>
-              </a:lnSpc>
-              <a:buFont typeface="Arial" panose="020B0604020202020204" pitchFamily="34" charset="0"/>
-              <a:buChar char="•"/>
-            </a:pPr>
-            <a:endParaRPr lang="en-US" dirty="0"/>
-          </a:p>
-        </p:txBody>
-      </p:sp>
-      <p:sp>
-        <p:nvSpPr>
-          <p:cNvPr id="5" name="Content Placeholder 4">
-            <a:extLst>
-              <a:ext uri="{FF2B5EF4-FFF2-40B4-BE49-F238E27FC236}">
-                <a16:creationId xmlns:a16="http://schemas.microsoft.com/office/drawing/2014/main" id="{21C9AC4D-3752-4F84-9F96-E5CC861AF3DD}"/>
-              </a:ext>
-            </a:extLst>
-          </p:cNvPr>
-          <p:cNvSpPr>
-            <a:spLocks noGrp="1"/>
-          </p:cNvSpPr>
-          <p:nvPr>
-            <p:ph sz="half" idx="2"/>
+            <p:ph sz="quarter" idx="4"/>
           </p:nvPr>
         </p:nvSpPr>
         <p:spPr/>
@@ -29968,7 +26214,7 @@
     </p:spTree>
     <p:extLst>
       <p:ext uri="{BB962C8B-B14F-4D97-AF65-F5344CB8AC3E}">
-        <p14:creationId xmlns:p14="http://schemas.microsoft.com/office/powerpoint/2010/main" val="1746443771"/>
+        <p14:creationId xmlns:p14="http://schemas.microsoft.com/office/powerpoint/2010/main" val="1185911335"/>
       </p:ext>
     </p:extLst>
   </p:cSld>
@@ -30049,38 +26295,6 @@
           </a:p>
         </p:txBody>
       </p:sp>
-      <p:pic>
-        <p:nvPicPr>
-          <p:cNvPr id="8" name="Content Placeholder 7">
-            <a:extLst>
-              <a:ext uri="{FF2B5EF4-FFF2-40B4-BE49-F238E27FC236}">
-                <a16:creationId xmlns:a16="http://schemas.microsoft.com/office/drawing/2014/main" id="{811CB879-90FE-467E-B788-F8C1838378FD}"/>
-              </a:ext>
-              <a:ext uri="{C183D7F6-B498-43B3-948B-1728B52AA6E4}">
-                <adec:decorative xmlns:adec="http://schemas.microsoft.com/office/drawing/2017/decorative" val="1"/>
-              </a:ext>
-            </a:extLst>
-          </p:cNvPr>
-          <p:cNvPicPr>
-            <a:picLocks noGrp="1" noChangeAspect="1"/>
-          </p:cNvPicPr>
-          <p:nvPr>
-            <p:ph sz="half" idx="2"/>
-          </p:nvPr>
-        </p:nvPicPr>
-        <p:blipFill>
-          <a:blip r:embed="rId4"/>
-          <a:stretch>
-            <a:fillRect/>
-          </a:stretch>
-        </p:blipFill>
-        <p:spPr>
-          <a:xfrm>
-            <a:off x="2786504" y="2091454"/>
-            <a:ext cx="6009377" cy="4454271"/>
-          </a:xfrm>
-        </p:spPr>
-      </p:pic>
       <p:sp>
         <p:nvSpPr>
           <p:cNvPr id="5" name="Text Placeholder 4">
@@ -30103,41 +26317,6 @@
           <a:lstStyle/>
           <a:p>
             <a:endParaRPr lang="en-US"/>
-          </a:p>
-        </p:txBody>
-      </p:sp>
-      <p:sp>
-        <p:nvSpPr>
-          <p:cNvPr id="10" name="TextBox 9">
-            <a:extLst>
-              <a:ext uri="{FF2B5EF4-FFF2-40B4-BE49-F238E27FC236}">
-                <a16:creationId xmlns:a16="http://schemas.microsoft.com/office/drawing/2014/main" id="{AF8A7C77-70B1-4133-B096-BBF6F1FADB26}"/>
-              </a:ext>
-            </a:extLst>
-          </p:cNvPr>
-          <p:cNvSpPr txBox="1"/>
-          <p:nvPr/>
-        </p:nvSpPr>
-        <p:spPr>
-          <a:xfrm>
-            <a:off x="1208314" y="1722122"/>
-            <a:ext cx="4049486" cy="369332"/>
-          </a:xfrm>
-          <a:prstGeom prst="rect">
-            <a:avLst/>
-          </a:prstGeom>
-          <a:noFill/>
-        </p:spPr>
-        <p:txBody>
-          <a:bodyPr wrap="square" rtlCol="0">
-            <a:spAutoFit/>
-          </a:bodyPr>
-          <a:lstStyle/>
-          <a:p>
-            <a:r>
-              <a:rPr lang="en-US" dirty="0"/>
-              <a:t>Correlation matrix based on Spearman</a:t>
-            </a:r>
           </a:p>
         </p:txBody>
       </p:sp>
@@ -30199,10 +26378,65 @@
           </a:p>
         </p:txBody>
       </p:sp>
+      <p:sp>
+        <p:nvSpPr>
+          <p:cNvPr id="6" name="Content Placeholder 5">
+            <a:extLst>
+              <a:ext uri="{FF2B5EF4-FFF2-40B4-BE49-F238E27FC236}">
+                <a16:creationId xmlns:a16="http://schemas.microsoft.com/office/drawing/2014/main" id="{B7EF69E9-31F1-4810-A050-2DD90B672647}"/>
+              </a:ext>
+            </a:extLst>
+          </p:cNvPr>
+          <p:cNvSpPr>
+            <a:spLocks noGrp="1"/>
+          </p:cNvSpPr>
+          <p:nvPr>
+            <p:ph sz="half" idx="2"/>
+          </p:nvPr>
+        </p:nvSpPr>
+        <p:spPr/>
+        <p:txBody>
+          <a:bodyPr/>
+          <a:lstStyle/>
+          <a:p>
+            <a:endParaRPr lang="en-US"/>
+          </a:p>
+        </p:txBody>
+      </p:sp>
+      <p:pic>
+        <p:nvPicPr>
+          <p:cNvPr id="12" name="Content Placeholder 7" descr="A screen shot of a computer&#10;&#10;Description automatically generated">
+            <a:extLst>
+              <a:ext uri="{FF2B5EF4-FFF2-40B4-BE49-F238E27FC236}">
+                <a16:creationId xmlns:a16="http://schemas.microsoft.com/office/drawing/2014/main" id="{B98B2757-37FC-41A6-BAE8-07C4EEC75CB4}"/>
+              </a:ext>
+            </a:extLst>
+          </p:cNvPr>
+          <p:cNvPicPr>
+            <a:picLocks noChangeAspect="1"/>
+          </p:cNvPicPr>
+          <p:nvPr/>
+        </p:nvPicPr>
+        <p:blipFill>
+          <a:blip r:embed="rId4"/>
+          <a:stretch>
+            <a:fillRect/>
+          </a:stretch>
+        </p:blipFill>
+        <p:spPr>
+          <a:xfrm>
+            <a:off x="2054080" y="1715778"/>
+            <a:ext cx="7167038" cy="4796299"/>
+          </a:xfrm>
+          <a:prstGeom prst="rect">
+            <a:avLst/>
+          </a:prstGeom>
+        </p:spPr>
+      </p:pic>
     </p:spTree>
     <p:extLst>
       <p:ext uri="{BB962C8B-B14F-4D97-AF65-F5344CB8AC3E}">
-        <p14:creationId xmlns:p14="http://schemas.microsoft.com/office/powerpoint/2010/main" val="1185911335"/>
+        <p14:creationId xmlns:p14="http://schemas.microsoft.com/office/powerpoint/2010/main" val="2035782094"/>
       </p:ext>
     </p:extLst>
   </p:cSld>
@@ -30341,12 +26575,41 @@
           </a:p>
         </p:txBody>
       </p:sp>
+      <p:pic>
+        <p:nvPicPr>
+          <p:cNvPr id="13" name="Content Placeholder 12" descr="A picture containing drawing&#10;&#10;Description automatically generated">
+            <a:extLst>
+              <a:ext uri="{FF2B5EF4-FFF2-40B4-BE49-F238E27FC236}">
+                <a16:creationId xmlns:a16="http://schemas.microsoft.com/office/drawing/2014/main" id="{F66CA1F1-B3AB-4306-BFFD-D06C0905B774}"/>
+              </a:ext>
+            </a:extLst>
+          </p:cNvPr>
+          <p:cNvPicPr>
+            <a:picLocks noGrp="1" noChangeAspect="1"/>
+          </p:cNvPicPr>
+          <p:nvPr>
+            <p:ph sz="half" idx="2"/>
+          </p:nvPr>
+        </p:nvPicPr>
+        <p:blipFill>
+          <a:blip r:embed="rId4"/>
+          <a:stretch>
+            <a:fillRect/>
+          </a:stretch>
+        </p:blipFill>
+        <p:spPr>
+          <a:xfrm>
+            <a:off x="2245131" y="1487533"/>
+            <a:ext cx="7549340" cy="5370467"/>
+          </a:xfrm>
+        </p:spPr>
+      </p:pic>
       <p:sp>
         <p:nvSpPr>
           <p:cNvPr id="4" name="Content Placeholder 3">
             <a:extLst>
               <a:ext uri="{FF2B5EF4-FFF2-40B4-BE49-F238E27FC236}">
-                <a16:creationId xmlns:a16="http://schemas.microsoft.com/office/drawing/2014/main" id="{A2111F68-2AF1-4F5D-8B9E-5D48A394ED62}"/>
+                <a16:creationId xmlns:a16="http://schemas.microsoft.com/office/drawing/2014/main" id="{F82436EF-470E-4A59-89D0-5F12E3948FF1}"/>
               </a:ext>
             </a:extLst>
           </p:cNvPr>
@@ -30362,69 +26625,14 @@
           <a:bodyPr/>
           <a:lstStyle/>
           <a:p>
-            <a:endParaRPr lang="en-US"/>
+            <a:endParaRPr lang="en-US" dirty="0"/>
           </a:p>
         </p:txBody>
       </p:sp>
-      <p:sp>
-        <p:nvSpPr>
-          <p:cNvPr id="6" name="Content Placeholder 5">
-            <a:extLst>
-              <a:ext uri="{FF2B5EF4-FFF2-40B4-BE49-F238E27FC236}">
-                <a16:creationId xmlns:a16="http://schemas.microsoft.com/office/drawing/2014/main" id="{B7EF69E9-31F1-4810-A050-2DD90B672647}"/>
-              </a:ext>
-            </a:extLst>
-          </p:cNvPr>
-          <p:cNvSpPr>
-            <a:spLocks noGrp="1"/>
-          </p:cNvSpPr>
-          <p:nvPr>
-            <p:ph sz="half" idx="2"/>
-          </p:nvPr>
-        </p:nvSpPr>
-        <p:spPr/>
-        <p:txBody>
-          <a:bodyPr/>
-          <a:lstStyle/>
-          <a:p>
-            <a:endParaRPr lang="en-US"/>
-          </a:p>
-        </p:txBody>
-      </p:sp>
-      <p:pic>
-        <p:nvPicPr>
-          <p:cNvPr id="12" name="Content Placeholder 7" descr="A screen shot of a computer&#10;&#10;Description automatically generated">
-            <a:extLst>
-              <a:ext uri="{FF2B5EF4-FFF2-40B4-BE49-F238E27FC236}">
-                <a16:creationId xmlns:a16="http://schemas.microsoft.com/office/drawing/2014/main" id="{B98B2757-37FC-41A6-BAE8-07C4EEC75CB4}"/>
-              </a:ext>
-            </a:extLst>
-          </p:cNvPr>
-          <p:cNvPicPr>
-            <a:picLocks noChangeAspect="1"/>
-          </p:cNvPicPr>
-          <p:nvPr/>
-        </p:nvPicPr>
-        <p:blipFill>
-          <a:blip r:embed="rId4"/>
-          <a:stretch>
-            <a:fillRect/>
-          </a:stretch>
-        </p:blipFill>
-        <p:spPr>
-          <a:xfrm>
-            <a:off x="2054080" y="1715778"/>
-            <a:ext cx="7167038" cy="4796299"/>
-          </a:xfrm>
-          <a:prstGeom prst="rect">
-            <a:avLst/>
-          </a:prstGeom>
-        </p:spPr>
-      </p:pic>
     </p:spTree>
     <p:extLst>
       <p:ext uri="{BB962C8B-B14F-4D97-AF65-F5344CB8AC3E}">
-        <p14:creationId xmlns:p14="http://schemas.microsoft.com/office/powerpoint/2010/main" val="2035782094"/>
+        <p14:creationId xmlns:p14="http://schemas.microsoft.com/office/powerpoint/2010/main" val="1098099396"/>
       </p:ext>
     </p:extLst>
   </p:cSld>
@@ -30565,10 +26773,10 @@
       </p:sp>
       <p:pic>
         <p:nvPicPr>
-          <p:cNvPr id="13" name="Content Placeholder 12" descr="A picture containing drawing&#10;&#10;Description automatically generated">
+          <p:cNvPr id="15" name="Content Placeholder 14" descr="A picture containing drawing&#10;&#10;Description automatically generated">
             <a:extLst>
               <a:ext uri="{FF2B5EF4-FFF2-40B4-BE49-F238E27FC236}">
-                <a16:creationId xmlns:a16="http://schemas.microsoft.com/office/drawing/2014/main" id="{F66CA1F1-B3AB-4306-BFFD-D06C0905B774}"/>
+                <a16:creationId xmlns:a16="http://schemas.microsoft.com/office/drawing/2014/main" id="{0761D3AE-DCD7-48F9-9236-3D3F49F1B8B0}"/>
               </a:ext>
             </a:extLst>
           </p:cNvPr>
@@ -30576,7 +26784,7 @@
             <a:picLocks noGrp="1" noChangeAspect="1"/>
           </p:cNvPicPr>
           <p:nvPr>
-            <p:ph sz="half" idx="2"/>
+            <p:ph sz="quarter" idx="4"/>
           </p:nvPr>
         </p:nvPicPr>
         <p:blipFill>
@@ -30587,17 +26795,17 @@
         </p:blipFill>
         <p:spPr>
           <a:xfrm>
-            <a:off x="2245131" y="1487533"/>
-            <a:ext cx="7549340" cy="5370467"/>
+            <a:off x="2636149" y="1424734"/>
+            <a:ext cx="6767304" cy="4814140"/>
           </a:xfrm>
         </p:spPr>
       </p:pic>
       <p:sp>
         <p:nvSpPr>
-          <p:cNvPr id="4" name="Content Placeholder 3">
+          <p:cNvPr id="7" name="Content Placeholder 6">
             <a:extLst>
               <a:ext uri="{FF2B5EF4-FFF2-40B4-BE49-F238E27FC236}">
-                <a16:creationId xmlns:a16="http://schemas.microsoft.com/office/drawing/2014/main" id="{F82436EF-470E-4A59-89D0-5F12E3948FF1}"/>
+                <a16:creationId xmlns:a16="http://schemas.microsoft.com/office/drawing/2014/main" id="{6C07398E-65E6-4652-A8CF-3FC5088FF724}"/>
               </a:ext>
             </a:extLst>
           </p:cNvPr>
@@ -30605,7 +26813,7 @@
             <a:spLocks noGrp="1"/>
           </p:cNvSpPr>
           <p:nvPr>
-            <p:ph sz="quarter" idx="4"/>
+            <p:ph sz="half" idx="2"/>
           </p:nvPr>
         </p:nvSpPr>
         <p:spPr/>
@@ -30613,14 +26821,14 @@
           <a:bodyPr/>
           <a:lstStyle/>
           <a:p>
-            <a:endParaRPr lang="en-US" dirty="0"/>
+            <a:endParaRPr lang="en-US"/>
           </a:p>
         </p:txBody>
       </p:sp>
     </p:spTree>
     <p:extLst>
       <p:ext uri="{BB962C8B-B14F-4D97-AF65-F5344CB8AC3E}">
-        <p14:creationId xmlns:p14="http://schemas.microsoft.com/office/powerpoint/2010/main" val="1098099396"/>
+        <p14:creationId xmlns:p14="http://schemas.microsoft.com/office/powerpoint/2010/main" val="3085567030"/>
       </p:ext>
     </p:extLst>
   </p:cSld>
@@ -30761,10 +26969,10 @@
       </p:sp>
       <p:pic>
         <p:nvPicPr>
-          <p:cNvPr id="15" name="Content Placeholder 14" descr="A picture containing drawing&#10;&#10;Description automatically generated">
+          <p:cNvPr id="9" name="Content Placeholder 8" descr="A picture containing pencil&#10;&#10;Description automatically generated">
             <a:extLst>
               <a:ext uri="{FF2B5EF4-FFF2-40B4-BE49-F238E27FC236}">
-                <a16:creationId xmlns:a16="http://schemas.microsoft.com/office/drawing/2014/main" id="{0761D3AE-DCD7-48F9-9236-3D3F49F1B8B0}"/>
+                <a16:creationId xmlns:a16="http://schemas.microsoft.com/office/drawing/2014/main" id="{C7F91AEF-7231-4223-ABEF-97159A13A325}"/>
               </a:ext>
             </a:extLst>
           </p:cNvPr>
@@ -30772,7 +26980,7 @@
             <a:picLocks noGrp="1" noChangeAspect="1"/>
           </p:cNvPicPr>
           <p:nvPr>
-            <p:ph sz="quarter" idx="4"/>
+            <p:ph sz="half" idx="2"/>
           </p:nvPr>
         </p:nvPicPr>
         <p:blipFill>
@@ -30783,17 +26991,17 @@
         </p:blipFill>
         <p:spPr>
           <a:xfrm>
-            <a:off x="2636149" y="1424734"/>
-            <a:ext cx="6767304" cy="4814140"/>
+            <a:off x="2225596" y="1633528"/>
+            <a:ext cx="7174634" cy="5075745"/>
           </a:xfrm>
         </p:spPr>
       </p:pic>
       <p:sp>
         <p:nvSpPr>
-          <p:cNvPr id="7" name="Content Placeholder 6">
+          <p:cNvPr id="4" name="Content Placeholder 3">
             <a:extLst>
               <a:ext uri="{FF2B5EF4-FFF2-40B4-BE49-F238E27FC236}">
-                <a16:creationId xmlns:a16="http://schemas.microsoft.com/office/drawing/2014/main" id="{6C07398E-65E6-4652-A8CF-3FC5088FF724}"/>
+                <a16:creationId xmlns:a16="http://schemas.microsoft.com/office/drawing/2014/main" id="{2EB17D0F-0969-45CE-A7D3-50C1E3915BFE}"/>
               </a:ext>
             </a:extLst>
           </p:cNvPr>
@@ -30801,7 +27009,7 @@
             <a:spLocks noGrp="1"/>
           </p:cNvSpPr>
           <p:nvPr>
-            <p:ph sz="half" idx="2"/>
+            <p:ph sz="quarter" idx="4"/>
           </p:nvPr>
         </p:nvSpPr>
         <p:spPr/>
@@ -30809,14 +27017,14 @@
           <a:bodyPr/>
           <a:lstStyle/>
           <a:p>
-            <a:endParaRPr lang="en-US"/>
+            <a:endParaRPr lang="en-US" dirty="0"/>
           </a:p>
         </p:txBody>
       </p:sp>
     </p:spTree>
     <p:extLst>
       <p:ext uri="{BB962C8B-B14F-4D97-AF65-F5344CB8AC3E}">
-        <p14:creationId xmlns:p14="http://schemas.microsoft.com/office/powerpoint/2010/main" val="3085567030"/>
+        <p14:creationId xmlns:p14="http://schemas.microsoft.com/office/powerpoint/2010/main" val="2165355751"/>
       </p:ext>
     </p:extLst>
   </p:cSld>
@@ -30957,10 +27165,10 @@
       </p:sp>
       <p:pic>
         <p:nvPicPr>
-          <p:cNvPr id="9" name="Content Placeholder 8" descr="A picture containing pencil&#10;&#10;Description automatically generated">
+          <p:cNvPr id="12" name="Content Placeholder 11" descr="A close up of a logo&#10;&#10;Description automatically generated">
             <a:extLst>
               <a:ext uri="{FF2B5EF4-FFF2-40B4-BE49-F238E27FC236}">
-                <a16:creationId xmlns:a16="http://schemas.microsoft.com/office/drawing/2014/main" id="{C7F91AEF-7231-4223-ABEF-97159A13A325}"/>
+                <a16:creationId xmlns:a16="http://schemas.microsoft.com/office/drawing/2014/main" id="{F937AAEB-EFA6-44F9-8BA9-98A42EDB7C93}"/>
               </a:ext>
             </a:extLst>
           </p:cNvPr>
@@ -30968,7 +27176,7 @@
             <a:picLocks noGrp="1" noChangeAspect="1"/>
           </p:cNvPicPr>
           <p:nvPr>
-            <p:ph sz="half" idx="2"/>
+            <p:ph sz="quarter" idx="4"/>
           </p:nvPr>
         </p:nvPicPr>
         <p:blipFill>
@@ -30979,17 +27187,17 @@
         </p:blipFill>
         <p:spPr>
           <a:xfrm>
-            <a:off x="2225596" y="1633528"/>
-            <a:ext cx="7174634" cy="5075745"/>
+            <a:off x="2496598" y="1525939"/>
+            <a:ext cx="7046406" cy="4985029"/>
           </a:xfrm>
         </p:spPr>
       </p:pic>
       <p:sp>
         <p:nvSpPr>
-          <p:cNvPr id="4" name="Content Placeholder 3">
+          <p:cNvPr id="7" name="Content Placeholder 6">
             <a:extLst>
               <a:ext uri="{FF2B5EF4-FFF2-40B4-BE49-F238E27FC236}">
-                <a16:creationId xmlns:a16="http://schemas.microsoft.com/office/drawing/2014/main" id="{2EB17D0F-0969-45CE-A7D3-50C1E3915BFE}"/>
+                <a16:creationId xmlns:a16="http://schemas.microsoft.com/office/drawing/2014/main" id="{96B625EC-1276-4F98-AC33-EB71429E86FC}"/>
               </a:ext>
             </a:extLst>
           </p:cNvPr>
@@ -30997,7 +27205,7 @@
             <a:spLocks noGrp="1"/>
           </p:cNvSpPr>
           <p:nvPr>
-            <p:ph sz="quarter" idx="4"/>
+            <p:ph sz="half" idx="2"/>
           </p:nvPr>
         </p:nvSpPr>
         <p:spPr/>
@@ -31005,14 +27213,14 @@
           <a:bodyPr/>
           <a:lstStyle/>
           <a:p>
-            <a:endParaRPr lang="en-US" dirty="0"/>
+            <a:endParaRPr lang="en-US"/>
           </a:p>
         </p:txBody>
       </p:sp>
     </p:spTree>
     <p:extLst>
       <p:ext uri="{BB962C8B-B14F-4D97-AF65-F5344CB8AC3E}">
-        <p14:creationId xmlns:p14="http://schemas.microsoft.com/office/powerpoint/2010/main" val="2165355751"/>
+        <p14:creationId xmlns:p14="http://schemas.microsoft.com/office/powerpoint/2010/main" val="386136278"/>
       </p:ext>
     </p:extLst>
   </p:cSld>
@@ -31569,21 +27777,6 @@
 </file>
 
 <file path=customXml/item1.xml><?xml version="1.0" encoding="utf-8"?>
-<?mso-contentType ?>
-<FormTemplates xmlns="http://schemas.microsoft.com/sharepoint/v3/contenttype/forms">
-  <Display>DocumentLibraryForm</Display>
-  <Edit>DocumentLibraryForm</Edit>
-  <New>DocumentLibraryForm</New>
-</FormTemplates>
-</file>
-
-<file path=customXml/item2.xml><?xml version="1.0" encoding="utf-8"?>
-<p:properties xmlns:p="http://schemas.microsoft.com/office/2006/metadata/properties" xmlns:xsi="http://www.w3.org/2001/XMLSchema-instance" xmlns:pc="http://schemas.microsoft.com/office/infopath/2007/PartnerControls">
-  <documentManagement/>
-</p:properties>
-</file>
-
-<file path=customXml/item3.xml><?xml version="1.0" encoding="utf-8"?>
 <ct:contentTypeSchema xmlns:ct="http://schemas.microsoft.com/office/2006/metadata/contentType" xmlns:ma="http://schemas.microsoft.com/office/2006/metadata/properties/metaAttributes" ct:_="" ma:_="" ma:contentTypeName="Belge" ma:contentTypeID="0x0101005C4A4B657320F049AA1D633651D5A527" ma:contentTypeVersion="10" ma:contentTypeDescription="Yeni belge oluşturun." ma:contentTypeScope="" ma:versionID="54de096795585f3fc417ea0d3572c9ae">
   <xsd:schema xmlns:xsd="http://www.w3.org/2001/XMLSchema" xmlns:xs="http://www.w3.org/2001/XMLSchema" xmlns:p="http://schemas.microsoft.com/office/2006/metadata/properties" xmlns:ns3="89b73cb6-9abe-4d87-a058-9d49bc0905c0" xmlns:ns4="ad4db333-1744-4fed-9c78-0ba4714da101" targetNamespace="http://schemas.microsoft.com/office/2006/metadata/properties" ma:root="true" ma:fieldsID="01b833e0e81877041e3895ee56010d14" ns3:_="" ns4:_="">
     <xsd:import namespace="89b73cb6-9abe-4d87-a058-9d49bc0905c0"/>
@@ -31786,10 +27979,36 @@
 </ct:contentTypeSchema>
 </file>
 
+<file path=customXml/item2.xml><?xml version="1.0" encoding="utf-8"?>
+<p:properties xmlns:p="http://schemas.microsoft.com/office/2006/metadata/properties" xmlns:xsi="http://www.w3.org/2001/XMLSchema-instance" xmlns:pc="http://schemas.microsoft.com/office/infopath/2007/PartnerControls">
+  <documentManagement/>
+</p:properties>
+</file>
+
+<file path=customXml/item3.xml><?xml version="1.0" encoding="utf-8"?>
+<?mso-contentType ?>
+<FormTemplates xmlns="http://schemas.microsoft.com/sharepoint/v3/contenttype/forms">
+  <Display>DocumentLibraryForm</Display>
+  <Edit>DocumentLibraryForm</Edit>
+  <New>DocumentLibraryForm</New>
+</FormTemplates>
+</file>
+
 <file path=customXml/itemProps1.xml><?xml version="1.0" encoding="utf-8"?>
-<ds:datastoreItem xmlns:ds="http://schemas.openxmlformats.org/officeDocument/2006/customXml" ds:itemID="{C476031E-55DD-49DE-8AE4-90A67FB3FE5B}">
+<ds:datastoreItem xmlns:ds="http://schemas.openxmlformats.org/officeDocument/2006/customXml" ds:itemID="{E03F3BD2-A353-4363-A8F0-A07D2AB1C10E}">
   <ds:schemaRefs>
-    <ds:schemaRef ds:uri="http://schemas.microsoft.com/sharepoint/v3/contenttype/forms"/>
+    <ds:schemaRef ds:uri="http://schemas.microsoft.com/office/2006/metadata/contentType"/>
+    <ds:schemaRef ds:uri="http://schemas.microsoft.com/office/2006/metadata/properties/metaAttributes"/>
+    <ds:schemaRef ds:uri="http://www.w3.org/2001/XMLSchema"/>
+    <ds:schemaRef ds:uri="http://schemas.microsoft.com/office/2006/metadata/properties"/>
+    <ds:schemaRef ds:uri="89b73cb6-9abe-4d87-a058-9d49bc0905c0"/>
+    <ds:schemaRef ds:uri="ad4db333-1744-4fed-9c78-0ba4714da101"/>
+    <ds:schemaRef ds:uri="http://schemas.microsoft.com/office/2006/documentManagement/types"/>
+    <ds:schemaRef ds:uri="http://schemas.microsoft.com/office/infopath/2007/PartnerControls"/>
+    <ds:schemaRef ds:uri="http://schemas.openxmlformats.org/package/2006/metadata/core-properties"/>
+    <ds:schemaRef ds:uri="http://purl.org/dc/elements/1.1/"/>
+    <ds:schemaRef ds:uri="http://purl.org/dc/terms/"/>
+    <ds:schemaRef ds:uri="http://schemas.microsoft.com/internal/obd"/>
   </ds:schemaRefs>
 </ds:datastoreItem>
 </file>
@@ -31812,20 +28031,9 @@
 </file>
 
 <file path=customXml/itemProps3.xml><?xml version="1.0" encoding="utf-8"?>
-<ds:datastoreItem xmlns:ds="http://schemas.openxmlformats.org/officeDocument/2006/customXml" ds:itemID="{E03F3BD2-A353-4363-A8F0-A07D2AB1C10E}">
+<ds:datastoreItem xmlns:ds="http://schemas.openxmlformats.org/officeDocument/2006/customXml" ds:itemID="{C476031E-55DD-49DE-8AE4-90A67FB3FE5B}">
   <ds:schemaRefs>
-    <ds:schemaRef ds:uri="http://schemas.microsoft.com/office/2006/metadata/contentType"/>
-    <ds:schemaRef ds:uri="http://schemas.microsoft.com/office/2006/metadata/properties/metaAttributes"/>
-    <ds:schemaRef ds:uri="http://www.w3.org/2001/XMLSchema"/>
-    <ds:schemaRef ds:uri="http://schemas.microsoft.com/office/2006/metadata/properties"/>
-    <ds:schemaRef ds:uri="89b73cb6-9abe-4d87-a058-9d49bc0905c0"/>
-    <ds:schemaRef ds:uri="ad4db333-1744-4fed-9c78-0ba4714da101"/>
-    <ds:schemaRef ds:uri="http://schemas.microsoft.com/office/2006/documentManagement/types"/>
-    <ds:schemaRef ds:uri="http://schemas.microsoft.com/office/infopath/2007/PartnerControls"/>
-    <ds:schemaRef ds:uri="http://schemas.openxmlformats.org/package/2006/metadata/core-properties"/>
-    <ds:schemaRef ds:uri="http://purl.org/dc/elements/1.1/"/>
-    <ds:schemaRef ds:uri="http://purl.org/dc/terms/"/>
-    <ds:schemaRef ds:uri="http://schemas.microsoft.com/internal/obd"/>
+    <ds:schemaRef ds:uri="http://schemas.microsoft.com/sharepoint/v3/contenttype/forms"/>
   </ds:schemaRefs>
 </ds:datastoreItem>
 </file>
--- a/UpdateMachine Learning I Short Project.pptx
+++ b/UpdateMachine Learning I Short Project.pptx
@@ -5,15 +5,15 @@
     <p:sldMasterId id="2147483648" r:id="rId4"/>
   </p:sldMasterIdLst>
   <p:notesMasterIdLst>
-    <p:notesMasterId r:id="rId22"/>
+    <p:notesMasterId r:id="rId23"/>
   </p:notesMasterIdLst>
   <p:sldIdLst>
     <p:sldId id="256" r:id="rId5"/>
     <p:sldId id="257" r:id="rId6"/>
     <p:sldId id="258" r:id="rId7"/>
-    <p:sldId id="260" r:id="rId8"/>
-    <p:sldId id="271" r:id="rId9"/>
-    <p:sldId id="261" r:id="rId10"/>
+    <p:sldId id="261" r:id="rId8"/>
+    <p:sldId id="260" r:id="rId9"/>
+    <p:sldId id="271" r:id="rId10"/>
     <p:sldId id="272" r:id="rId11"/>
     <p:sldId id="262" r:id="rId12"/>
     <p:sldId id="273" r:id="rId13"/>
@@ -24,7 +24,8 @@
     <p:sldId id="267" r:id="rId18"/>
     <p:sldId id="266" r:id="rId19"/>
     <p:sldId id="269" r:id="rId20"/>
-    <p:sldId id="270" r:id="rId21"/>
+    <p:sldId id="275" r:id="rId21"/>
+    <p:sldId id="270" r:id="rId22"/>
   </p:sldIdLst>
   <p:sldSz cx="12192000" cy="6858000"/>
   <p:notesSz cx="6858000" cy="9144000"/>
@@ -1469,7 +1470,110 @@
           <a:bodyPr/>
           <a:lstStyle/>
           <a:p>
-            <a:endParaRPr lang="pl-PL"/>
+            <a:r>
+              <a:rPr lang="pl-PL" dirty="0" err="1"/>
+              <a:t>Round</a:t>
+            </a:r>
+            <a:r>
+              <a:rPr lang="pl-PL" dirty="0"/>
+              <a:t> the </a:t>
+            </a:r>
+            <a:r>
+              <a:rPr lang="pl-PL" dirty="0" err="1"/>
+              <a:t>scores</a:t>
+            </a:r>
+            <a:r>
+              <a:rPr lang="pl-PL" dirty="0"/>
+              <a:t>, </a:t>
+            </a:r>
+            <a:r>
+              <a:rPr lang="pl-PL" dirty="0" err="1"/>
+              <a:t>remove</a:t>
+            </a:r>
+            <a:r>
+              <a:rPr lang="pl-PL" dirty="0"/>
+              <a:t> MAE (</a:t>
+            </a:r>
+            <a:r>
+              <a:rPr lang="pl-PL" dirty="0" err="1"/>
+              <a:t>or</a:t>
+            </a:r>
+            <a:r>
+              <a:rPr lang="pl-PL" dirty="0"/>
+              <a:t> </a:t>
+            </a:r>
+            <a:r>
+              <a:rPr lang="pl-PL" dirty="0" err="1"/>
+              <a:t>even</a:t>
+            </a:r>
+            <a:r>
+              <a:rPr lang="pl-PL" dirty="0"/>
+              <a:t> RMSE? </a:t>
+            </a:r>
+            <a:r>
+              <a:rPr lang="pl-PL" dirty="0" err="1"/>
+              <a:t>dunno</a:t>
+            </a:r>
+            <a:r>
+              <a:rPr lang="pl-PL" dirty="0"/>
+              <a:t>)</a:t>
+            </a:r>
+          </a:p>
+          <a:p>
+            <a:pPr marL="0" marR="0" lvl="0" indent="0" algn="l" defTabSz="914400" rtl="0" eaLnBrk="1" fontAlgn="auto" latinLnBrk="0" hangingPunct="1">
+              <a:lnSpc>
+                <a:spcPct val="100000"/>
+              </a:lnSpc>
+              <a:spcBef>
+                <a:spcPts val="0"/>
+              </a:spcBef>
+              <a:spcAft>
+                <a:spcPts val="0"/>
+              </a:spcAft>
+              <a:buClrTx/>
+              <a:buSzTx/>
+              <a:buFontTx/>
+              <a:buNone/>
+              <a:tabLst/>
+              <a:defRPr/>
+            </a:pPr>
+            <a:r>
+              <a:rPr lang="pl-PL" dirty="0" err="1"/>
+              <a:t>That</a:t>
+            </a:r>
+            <a:r>
+              <a:rPr lang="pl-PL" dirty="0"/>
+              <a:t> </a:t>
+            </a:r>
+            <a:r>
+              <a:rPr lang="pl-PL" dirty="0" err="1"/>
+              <a:t>slide</a:t>
+            </a:r>
+            <a:r>
+              <a:rPr lang="pl-PL" dirty="0"/>
+              <a:t> </a:t>
+            </a:r>
+            <a:r>
+              <a:rPr lang="pl-PL" dirty="0" err="1"/>
+              <a:t>is</a:t>
+            </a:r>
+            <a:r>
+              <a:rPr lang="pl-PL" dirty="0"/>
+              <a:t> </a:t>
+            </a:r>
+            <a:r>
+              <a:rPr lang="pl-PL" dirty="0" err="1"/>
+              <a:t>very</a:t>
+            </a:r>
+            <a:r>
+              <a:rPr lang="pl-PL" dirty="0"/>
+              <a:t> off </a:t>
+            </a:r>
+            <a:r>
+              <a:rPr lang="pl-PL" dirty="0" err="1"/>
+              <a:t>actually</a:t>
+            </a:r>
+            <a:endParaRPr lang="en-US" dirty="0"/>
           </a:p>
         </p:txBody>
       </p:sp>
@@ -1491,6 +1595,90 @@
             <a:fld id="{E1DAF758-79EF-40A8-B313-F33FB4F06C02}" type="slidenum">
               <a:rPr lang="tr-TR" smtClean="0"/>
               <a:t>17</a:t>
+            </a:fld>
+            <a:endParaRPr lang="tr-TR"/>
+          </a:p>
+        </p:txBody>
+      </p:sp>
+    </p:spTree>
+    <p:extLst>
+      <p:ext uri="{BB962C8B-B14F-4D97-AF65-F5344CB8AC3E}">
+        <p14:creationId xmlns:p14="http://schemas.microsoft.com/office/powerpoint/2010/main" val="2446449061"/>
+      </p:ext>
+    </p:extLst>
+  </p:cSld>
+  <p:clrMapOvr>
+    <a:masterClrMapping/>
+  </p:clrMapOvr>
+</p:notes>
+</file>
+
+<file path=ppt/notesSlides/notesSlide17.xml><?xml version="1.0" encoding="utf-8"?>
+<p:notes xmlns:a="http://schemas.openxmlformats.org/drawingml/2006/main" xmlns:r="http://schemas.openxmlformats.org/officeDocument/2006/relationships" xmlns:p="http://schemas.openxmlformats.org/presentationml/2006/main">
+  <p:cSld>
+    <p:spTree>
+      <p:nvGrpSpPr>
+        <p:cNvPr id="1" name=""/>
+        <p:cNvGrpSpPr/>
+        <p:nvPr/>
+      </p:nvGrpSpPr>
+      <p:grpSpPr>
+        <a:xfrm>
+          <a:off x="0" y="0"/>
+          <a:ext cx="0" cy="0"/>
+          <a:chOff x="0" y="0"/>
+          <a:chExt cx="0" cy="0"/>
+        </a:xfrm>
+      </p:grpSpPr>
+      <p:sp>
+        <p:nvSpPr>
+          <p:cNvPr id="2" name="Symbol zastępczy obrazu slajdu 1"/>
+          <p:cNvSpPr>
+            <a:spLocks noGrp="1" noRot="1" noChangeAspect="1"/>
+          </p:cNvSpPr>
+          <p:nvPr>
+            <p:ph type="sldImg"/>
+          </p:nvPr>
+        </p:nvSpPr>
+        <p:spPr/>
+      </p:sp>
+      <p:sp>
+        <p:nvSpPr>
+          <p:cNvPr id="3" name="Symbol zastępczy notatek 2"/>
+          <p:cNvSpPr>
+            <a:spLocks noGrp="1"/>
+          </p:cNvSpPr>
+          <p:nvPr>
+            <p:ph type="body" idx="1"/>
+          </p:nvPr>
+        </p:nvSpPr>
+        <p:spPr/>
+        <p:txBody>
+          <a:bodyPr/>
+          <a:lstStyle/>
+          <a:p>
+            <a:endParaRPr lang="pl-PL"/>
+          </a:p>
+        </p:txBody>
+      </p:sp>
+      <p:sp>
+        <p:nvSpPr>
+          <p:cNvPr id="4" name="Symbol zastępczy numeru slajdu 3"/>
+          <p:cNvSpPr>
+            <a:spLocks noGrp="1"/>
+          </p:cNvSpPr>
+          <p:nvPr>
+            <p:ph type="sldNum" sz="quarter" idx="5"/>
+          </p:nvPr>
+        </p:nvSpPr>
+        <p:spPr/>
+        <p:txBody>
+          <a:bodyPr/>
+          <a:lstStyle/>
+          <a:p>
+            <a:fld id="{E1DAF758-79EF-40A8-B313-F33FB4F06C02}" type="slidenum">
+              <a:rPr lang="tr-TR" smtClean="0"/>
+              <a:t>18</a:t>
             </a:fld>
             <a:endParaRPr lang="tr-TR"/>
           </a:p>
@@ -2333,102 +2521,10 @@
           <a:lstStyle/>
           <a:p>
             <a:r>
-              <a:rPr lang="pl-PL" dirty="0"/>
-              <a:t>TODO: </a:t>
-            </a:r>
-            <a:r>
-              <a:rPr lang="pl-PL" dirty="0" err="1"/>
-              <a:t>maybe</a:t>
-            </a:r>
-            <a:r>
-              <a:rPr lang="pl-PL" dirty="0"/>
-              <a:t> </a:t>
-            </a:r>
-            <a:r>
-              <a:rPr lang="pl-PL" dirty="0" err="1"/>
-              <a:t>put</a:t>
-            </a:r>
-            <a:r>
-              <a:rPr lang="pl-PL" dirty="0"/>
-              <a:t> one plot on one </a:t>
-            </a:r>
-            <a:r>
-              <a:rPr lang="pl-PL" dirty="0" err="1"/>
-              <a:t>slide</a:t>
-            </a:r>
-            <a:r>
-              <a:rPr lang="pl-PL" dirty="0"/>
-              <a:t>? </a:t>
-            </a:r>
-            <a:r>
-              <a:rPr lang="pl-PL" dirty="0" err="1"/>
-              <a:t>Now</a:t>
-            </a:r>
-            <a:r>
-              <a:rPr lang="pl-PL" dirty="0"/>
-              <a:t> </a:t>
-            </a:r>
-            <a:r>
-              <a:rPr lang="pl-PL" dirty="0" err="1"/>
-              <a:t>these</a:t>
-            </a:r>
-            <a:r>
-              <a:rPr lang="pl-PL" dirty="0"/>
-              <a:t> </a:t>
-            </a:r>
-            <a:r>
-              <a:rPr lang="pl-PL" dirty="0" err="1"/>
-              <a:t>are</a:t>
-            </a:r>
-            <a:r>
-              <a:rPr lang="pl-PL" dirty="0"/>
-              <a:t> </a:t>
-            </a:r>
-            <a:r>
-              <a:rPr lang="pl-PL" dirty="0" err="1"/>
-              <a:t>very</a:t>
-            </a:r>
-            <a:r>
-              <a:rPr lang="pl-PL" dirty="0"/>
-              <a:t> small and </a:t>
-            </a:r>
-            <a:r>
-              <a:rPr lang="pl-PL" dirty="0" err="1"/>
-              <a:t>labels</a:t>
-            </a:r>
-            <a:r>
-              <a:rPr lang="pl-PL" dirty="0"/>
-              <a:t> not </a:t>
-            </a:r>
-            <a:r>
-              <a:rPr lang="pl-PL" dirty="0" err="1"/>
-              <a:t>visible</a:t>
-            </a:r>
-            <a:r>
-              <a:rPr lang="pl-PL" dirty="0"/>
-              <a:t> </a:t>
-            </a:r>
-            <a:r>
-              <a:rPr lang="pl-PL" dirty="0" err="1"/>
-              <a:t>at</a:t>
-            </a:r>
-            <a:r>
-              <a:rPr lang="pl-PL" dirty="0"/>
-              <a:t> </a:t>
-            </a:r>
-            <a:r>
-              <a:rPr lang="pl-PL" dirty="0" err="1"/>
-              <a:t>all</a:t>
-            </a:r>
-            <a:endParaRPr lang="pl-PL" dirty="0"/>
-          </a:p>
-          <a:p>
-            <a:endParaRPr lang="pl-PL" dirty="0"/>
-          </a:p>
-          <a:p>
-            <a:r>
-              <a:rPr lang="en-US" dirty="0"/>
-              <a:t>There are lots of columns so lets create a subset of data based on heatmap.</a:t>
+              <a:rPr lang="en-US" dirty="0">
+                <a:effectLst/>
+              </a:rPr>
+              <a:t>When showing the histogram with final grade, please mention that there are lots of 0s and not many below 5 - important for me when talking about hurdle model</a:t>
             </a:r>
           </a:p>
         </p:txBody>
@@ -2459,7 +2555,7 @@
     </p:spTree>
     <p:extLst>
       <p:ext uri="{BB962C8B-B14F-4D97-AF65-F5344CB8AC3E}">
-        <p14:creationId xmlns:p14="http://schemas.microsoft.com/office/powerpoint/2010/main" val="1916545088"/>
+        <p14:creationId xmlns:p14="http://schemas.microsoft.com/office/powerpoint/2010/main" val="1921912465"/>
       </p:ext>
     </p:extLst>
   </p:cSld>
@@ -2640,7 +2736,7 @@
     </p:spTree>
     <p:extLst>
       <p:ext uri="{BB962C8B-B14F-4D97-AF65-F5344CB8AC3E}">
-        <p14:creationId xmlns:p14="http://schemas.microsoft.com/office/powerpoint/2010/main" val="28889467"/>
+        <p14:creationId xmlns:p14="http://schemas.microsoft.com/office/powerpoint/2010/main" val="1916545088"/>
       </p:ext>
     </p:extLst>
   </p:cSld>
@@ -2695,10 +2791,102 @@
           <a:lstStyle/>
           <a:p>
             <a:r>
-              <a:rPr lang="en-US" dirty="0">
-                <a:effectLst/>
-              </a:rPr>
-              <a:t>When showing the histogram with final grade, please mention that there are lots of 0s and not many below 5 - important for me when talking about hurdle model</a:t>
+              <a:rPr lang="pl-PL" dirty="0"/>
+              <a:t>TODO: </a:t>
+            </a:r>
+            <a:r>
+              <a:rPr lang="pl-PL" dirty="0" err="1"/>
+              <a:t>maybe</a:t>
+            </a:r>
+            <a:r>
+              <a:rPr lang="pl-PL" dirty="0"/>
+              <a:t> </a:t>
+            </a:r>
+            <a:r>
+              <a:rPr lang="pl-PL" dirty="0" err="1"/>
+              <a:t>put</a:t>
+            </a:r>
+            <a:r>
+              <a:rPr lang="pl-PL" dirty="0"/>
+              <a:t> one plot on one </a:t>
+            </a:r>
+            <a:r>
+              <a:rPr lang="pl-PL" dirty="0" err="1"/>
+              <a:t>slide</a:t>
+            </a:r>
+            <a:r>
+              <a:rPr lang="pl-PL" dirty="0"/>
+              <a:t>? </a:t>
+            </a:r>
+            <a:r>
+              <a:rPr lang="pl-PL" dirty="0" err="1"/>
+              <a:t>Now</a:t>
+            </a:r>
+            <a:r>
+              <a:rPr lang="pl-PL" dirty="0"/>
+              <a:t> </a:t>
+            </a:r>
+            <a:r>
+              <a:rPr lang="pl-PL" dirty="0" err="1"/>
+              <a:t>these</a:t>
+            </a:r>
+            <a:r>
+              <a:rPr lang="pl-PL" dirty="0"/>
+              <a:t> </a:t>
+            </a:r>
+            <a:r>
+              <a:rPr lang="pl-PL" dirty="0" err="1"/>
+              <a:t>are</a:t>
+            </a:r>
+            <a:r>
+              <a:rPr lang="pl-PL" dirty="0"/>
+              <a:t> </a:t>
+            </a:r>
+            <a:r>
+              <a:rPr lang="pl-PL" dirty="0" err="1"/>
+              <a:t>very</a:t>
+            </a:r>
+            <a:r>
+              <a:rPr lang="pl-PL" dirty="0"/>
+              <a:t> small and </a:t>
+            </a:r>
+            <a:r>
+              <a:rPr lang="pl-PL" dirty="0" err="1"/>
+              <a:t>labels</a:t>
+            </a:r>
+            <a:r>
+              <a:rPr lang="pl-PL" dirty="0"/>
+              <a:t> not </a:t>
+            </a:r>
+            <a:r>
+              <a:rPr lang="pl-PL" dirty="0" err="1"/>
+              <a:t>visible</a:t>
+            </a:r>
+            <a:r>
+              <a:rPr lang="pl-PL" dirty="0"/>
+              <a:t> </a:t>
+            </a:r>
+            <a:r>
+              <a:rPr lang="pl-PL" dirty="0" err="1"/>
+              <a:t>at</a:t>
+            </a:r>
+            <a:r>
+              <a:rPr lang="pl-PL" dirty="0"/>
+              <a:t> </a:t>
+            </a:r>
+            <a:r>
+              <a:rPr lang="pl-PL" dirty="0" err="1"/>
+              <a:t>all</a:t>
+            </a:r>
+            <a:endParaRPr lang="pl-PL" dirty="0"/>
+          </a:p>
+          <a:p>
+            <a:endParaRPr lang="pl-PL" dirty="0"/>
+          </a:p>
+          <a:p>
+            <a:r>
+              <a:rPr lang="en-US" dirty="0"/>
+              <a:t>There are lots of columns so lets create a subset of data based on heatmap.</a:t>
             </a:r>
           </a:p>
         </p:txBody>
@@ -2729,7 +2917,7 @@
     </p:spTree>
     <p:extLst>
       <p:ext uri="{BB962C8B-B14F-4D97-AF65-F5344CB8AC3E}">
-        <p14:creationId xmlns:p14="http://schemas.microsoft.com/office/powerpoint/2010/main" val="1921912465"/>
+        <p14:creationId xmlns:p14="http://schemas.microsoft.com/office/powerpoint/2010/main" val="28889467"/>
       </p:ext>
     </p:extLst>
   </p:cSld>
@@ -3053,7 +3241,7 @@
           <a:noFill/>
           <a:extLst>
             <a:ext uri="{909E8E84-426E-40dd-AFC4-6F175D3DCCD1}">
-              <a14:hiddenFill xmlns="" xmlns:a14="http://schemas.microsoft.com/office/drawing/2010/main">
+              <a14:hiddenFill xmlns:a14="http://schemas.microsoft.com/office/drawing/2010/main" xmlns="">
                 <a:solidFill>
                   <a:srgbClr val="FFFFFF"/>
                 </a:solidFill>
@@ -3112,7 +3300,7 @@
             </a:ln>
             <a:extLst>
               <a:ext uri="{91240B29-F687-4f45-9708-019B960494DF}">
-                <a14:hiddenLine xmlns="" xmlns:a14="http://schemas.microsoft.com/office/drawing/2010/main" w="9525">
+                <a14:hiddenLine xmlns:a14="http://schemas.microsoft.com/office/drawing/2010/main" xmlns="" w="9525">
                   <a:solidFill>
                     <a:srgbClr val="000000"/>
                   </a:solidFill>
@@ -3202,7 +3390,7 @@
             </a:ln>
             <a:extLst>
               <a:ext uri="{91240B29-F687-4f45-9708-019B960494DF}">
-                <a14:hiddenLine xmlns="" xmlns:a14="http://schemas.microsoft.com/office/drawing/2010/main" w="9525">
+                <a14:hiddenLine xmlns:a14="http://schemas.microsoft.com/office/drawing/2010/main" xmlns="" w="9525">
                   <a:solidFill>
                     <a:srgbClr val="000000"/>
                   </a:solidFill>
@@ -3292,7 +3480,7 @@
             </a:ln>
             <a:extLst>
               <a:ext uri="{91240B29-F687-4f45-9708-019B960494DF}">
-                <a14:hiddenLine xmlns="" xmlns:a14="http://schemas.microsoft.com/office/drawing/2010/main" w="9525">
+                <a14:hiddenLine xmlns:a14="http://schemas.microsoft.com/office/drawing/2010/main" xmlns="" w="9525">
                   <a:solidFill>
                     <a:srgbClr val="000000"/>
                   </a:solidFill>
@@ -3326,7 +3514,7 @@
             </a:ln>
             <a:extLst>
               <a:ext uri="{91240B29-F687-4f45-9708-019B960494DF}">
-                <a14:hiddenLine xmlns="" xmlns:a14="http://schemas.microsoft.com/office/drawing/2010/main" w="9525">
+                <a14:hiddenLine xmlns:a14="http://schemas.microsoft.com/office/drawing/2010/main" xmlns="" w="9525">
                   <a:solidFill>
                     <a:srgbClr val="000000"/>
                   </a:solidFill>
@@ -3416,7 +3604,7 @@
             </a:ln>
             <a:extLst>
               <a:ext uri="{91240B29-F687-4f45-9708-019B960494DF}">
-                <a14:hiddenLine xmlns="" xmlns:a14="http://schemas.microsoft.com/office/drawing/2010/main" w="9525">
+                <a14:hiddenLine xmlns:a14="http://schemas.microsoft.com/office/drawing/2010/main" xmlns="" w="9525">
                   <a:solidFill>
                     <a:srgbClr val="000000"/>
                   </a:solidFill>
@@ -3478,7 +3666,7 @@
             </a:ln>
             <a:extLst>
               <a:ext uri="{91240B29-F687-4f45-9708-019B960494DF}">
-                <a14:hiddenLine xmlns="" xmlns:a14="http://schemas.microsoft.com/office/drawing/2010/main" w="9525">
+                <a14:hiddenLine xmlns:a14="http://schemas.microsoft.com/office/drawing/2010/main" xmlns="" w="9525">
                   <a:solidFill>
                     <a:srgbClr val="000000"/>
                   </a:solidFill>
@@ -3540,7 +3728,7 @@
             </a:ln>
             <a:extLst>
               <a:ext uri="{91240B29-F687-4f45-9708-019B960494DF}">
-                <a14:hiddenLine xmlns="" xmlns:a14="http://schemas.microsoft.com/office/drawing/2010/main" w="9525">
+                <a14:hiddenLine xmlns:a14="http://schemas.microsoft.com/office/drawing/2010/main" xmlns="" w="9525">
                   <a:solidFill>
                     <a:srgbClr val="000000"/>
                   </a:solidFill>
@@ -3630,7 +3818,7 @@
             </a:ln>
             <a:extLst>
               <a:ext uri="{91240B29-F687-4f45-9708-019B960494DF}">
-                <a14:hiddenLine xmlns="" xmlns:a14="http://schemas.microsoft.com/office/drawing/2010/main" w="9525">
+                <a14:hiddenLine xmlns:a14="http://schemas.microsoft.com/office/drawing/2010/main" xmlns="" w="9525">
                   <a:solidFill>
                     <a:srgbClr val="000000"/>
                   </a:solidFill>
@@ -3692,7 +3880,7 @@
             </a:ln>
             <a:extLst>
               <a:ext uri="{91240B29-F687-4f45-9708-019B960494DF}">
-                <a14:hiddenLine xmlns="" xmlns:a14="http://schemas.microsoft.com/office/drawing/2010/main" w="9525">
+                <a14:hiddenLine xmlns:a14="http://schemas.microsoft.com/office/drawing/2010/main" xmlns="" w="9525">
                   <a:solidFill>
                     <a:srgbClr val="000000"/>
                   </a:solidFill>
@@ -3754,7 +3942,7 @@
             </a:ln>
             <a:extLst>
               <a:ext uri="{91240B29-F687-4f45-9708-019B960494DF}">
-                <a14:hiddenLine xmlns="" xmlns:a14="http://schemas.microsoft.com/office/drawing/2010/main" w="9525">
+                <a14:hiddenLine xmlns:a14="http://schemas.microsoft.com/office/drawing/2010/main" xmlns="" w="9525">
                   <a:solidFill>
                     <a:srgbClr val="000000"/>
                   </a:solidFill>
@@ -3844,7 +4032,7 @@
             </a:ln>
             <a:extLst>
               <a:ext uri="{91240B29-F687-4f45-9708-019B960494DF}">
-                <a14:hiddenLine xmlns="" xmlns:a14="http://schemas.microsoft.com/office/drawing/2010/main" w="9525">
+                <a14:hiddenLine xmlns:a14="http://schemas.microsoft.com/office/drawing/2010/main" xmlns="" w="9525">
                   <a:solidFill>
                     <a:srgbClr val="000000"/>
                   </a:solidFill>
@@ -3934,7 +4122,7 @@
             </a:ln>
             <a:extLst>
               <a:ext uri="{91240B29-F687-4f45-9708-019B960494DF}">
-                <a14:hiddenLine xmlns="" xmlns:a14="http://schemas.microsoft.com/office/drawing/2010/main" w="9525">
+                <a14:hiddenLine xmlns:a14="http://schemas.microsoft.com/office/drawing/2010/main" xmlns="" w="9525">
                   <a:solidFill>
                     <a:srgbClr val="000000"/>
                   </a:solidFill>
@@ -3996,7 +4184,7 @@
             </a:ln>
             <a:extLst>
               <a:ext uri="{91240B29-F687-4f45-9708-019B960494DF}">
-                <a14:hiddenLine xmlns="" xmlns:a14="http://schemas.microsoft.com/office/drawing/2010/main" w="9525">
+                <a14:hiddenLine xmlns:a14="http://schemas.microsoft.com/office/drawing/2010/main" xmlns="" w="9525">
                   <a:solidFill>
                     <a:srgbClr val="000000"/>
                   </a:solidFill>
@@ -4106,7 +4294,7 @@
             </a:ln>
             <a:extLst>
               <a:ext uri="{91240B29-F687-4f45-9708-019B960494DF}">
-                <a14:hiddenLine xmlns="" xmlns:a14="http://schemas.microsoft.com/office/drawing/2010/main" w="9525">
+                <a14:hiddenLine xmlns:a14="http://schemas.microsoft.com/office/drawing/2010/main" xmlns="" w="9525">
                   <a:solidFill>
                     <a:srgbClr val="000000"/>
                   </a:solidFill>
@@ -4168,7 +4356,7 @@
             </a:ln>
             <a:extLst>
               <a:ext uri="{91240B29-F687-4f45-9708-019B960494DF}">
-                <a14:hiddenLine xmlns="" xmlns:a14="http://schemas.microsoft.com/office/drawing/2010/main" w="9525">
+                <a14:hiddenLine xmlns:a14="http://schemas.microsoft.com/office/drawing/2010/main" xmlns="" w="9525">
                   <a:solidFill>
                     <a:srgbClr val="000000"/>
                   </a:solidFill>
@@ -4258,7 +4446,7 @@
             </a:ln>
             <a:extLst>
               <a:ext uri="{91240B29-F687-4f45-9708-019B960494DF}">
-                <a14:hiddenLine xmlns="" xmlns:a14="http://schemas.microsoft.com/office/drawing/2010/main" w="9525">
+                <a14:hiddenLine xmlns:a14="http://schemas.microsoft.com/office/drawing/2010/main" xmlns="" w="9525">
                   <a:solidFill>
                     <a:srgbClr val="000000"/>
                   </a:solidFill>
@@ -4348,7 +4536,7 @@
             </a:ln>
             <a:extLst>
               <a:ext uri="{91240B29-F687-4f45-9708-019B960494DF}">
-                <a14:hiddenLine xmlns="" xmlns:a14="http://schemas.microsoft.com/office/drawing/2010/main" w="9525">
+                <a14:hiddenLine xmlns:a14="http://schemas.microsoft.com/office/drawing/2010/main" xmlns="" w="9525">
                   <a:solidFill>
                     <a:srgbClr val="000000"/>
                   </a:solidFill>
@@ -4410,7 +4598,7 @@
             </a:ln>
             <a:extLst>
               <a:ext uri="{91240B29-F687-4f45-9708-019B960494DF}">
-                <a14:hiddenLine xmlns="" xmlns:a14="http://schemas.microsoft.com/office/drawing/2010/main" w="9525">
+                <a14:hiddenLine xmlns:a14="http://schemas.microsoft.com/office/drawing/2010/main" xmlns="" w="9525">
                   <a:solidFill>
                     <a:srgbClr val="000000"/>
                   </a:solidFill>
@@ -4500,7 +4688,7 @@
             </a:ln>
             <a:extLst>
               <a:ext uri="{91240B29-F687-4f45-9708-019B960494DF}">
-                <a14:hiddenLine xmlns="" xmlns:a14="http://schemas.microsoft.com/office/drawing/2010/main" w="9525">
+                <a14:hiddenLine xmlns:a14="http://schemas.microsoft.com/office/drawing/2010/main" xmlns="" w="9525">
                   <a:solidFill>
                     <a:srgbClr val="000000"/>
                   </a:solidFill>
@@ -4590,7 +4778,7 @@
             </a:ln>
             <a:extLst>
               <a:ext uri="{91240B29-F687-4f45-9708-019B960494DF}">
-                <a14:hiddenLine xmlns="" xmlns:a14="http://schemas.microsoft.com/office/drawing/2010/main" w="9525">
+                <a14:hiddenLine xmlns:a14="http://schemas.microsoft.com/office/drawing/2010/main" xmlns="" w="9525">
                   <a:solidFill>
                     <a:srgbClr val="000000"/>
                   </a:solidFill>
@@ -4646,7 +4834,7 @@
             </a:ln>
             <a:extLst>
               <a:ext uri="{91240B29-F687-4f45-9708-019B960494DF}">
-                <a14:hiddenLine xmlns="" xmlns:a14="http://schemas.microsoft.com/office/drawing/2010/main" w="9525">
+                <a14:hiddenLine xmlns:a14="http://schemas.microsoft.com/office/drawing/2010/main" xmlns="" w="9525">
                   <a:solidFill>
                     <a:srgbClr val="000000"/>
                   </a:solidFill>
@@ -4736,7 +4924,7 @@
             </a:ln>
             <a:extLst>
               <a:ext uri="{91240B29-F687-4f45-9708-019B960494DF}">
-                <a14:hiddenLine xmlns="" xmlns:a14="http://schemas.microsoft.com/office/drawing/2010/main" w="9525">
+                <a14:hiddenLine xmlns:a14="http://schemas.microsoft.com/office/drawing/2010/main" xmlns="" w="9525">
                   <a:solidFill>
                     <a:srgbClr val="000000"/>
                   </a:solidFill>
@@ -4792,7 +4980,7 @@
             </a:ln>
             <a:extLst>
               <a:ext uri="{91240B29-F687-4f45-9708-019B960494DF}">
-                <a14:hiddenLine xmlns="" xmlns:a14="http://schemas.microsoft.com/office/drawing/2010/main" w="9525">
+                <a14:hiddenLine xmlns:a14="http://schemas.microsoft.com/office/drawing/2010/main" xmlns="" w="9525">
                   <a:solidFill>
                     <a:srgbClr val="000000"/>
                   </a:solidFill>
@@ -4882,7 +5070,7 @@
             </a:ln>
             <a:extLst>
               <a:ext uri="{91240B29-F687-4f45-9708-019B960494DF}">
-                <a14:hiddenLine xmlns="" xmlns:a14="http://schemas.microsoft.com/office/drawing/2010/main" w="9525">
+                <a14:hiddenLine xmlns:a14="http://schemas.microsoft.com/office/drawing/2010/main" xmlns="" w="9525">
                   <a:solidFill>
                     <a:srgbClr val="000000"/>
                   </a:solidFill>
@@ -4950,7 +5138,7 @@
             </a:ln>
             <a:extLst>
               <a:ext uri="{91240B29-F687-4f45-9708-019B960494DF}">
-                <a14:hiddenLine xmlns="" xmlns:a14="http://schemas.microsoft.com/office/drawing/2010/main" w="9525">
+                <a14:hiddenLine xmlns:a14="http://schemas.microsoft.com/office/drawing/2010/main" xmlns="" w="9525">
                   <a:solidFill>
                     <a:srgbClr val="000000"/>
                   </a:solidFill>
@@ -5040,7 +5228,7 @@
             </a:ln>
             <a:extLst>
               <a:ext uri="{91240B29-F687-4f45-9708-019B960494DF}">
-                <a14:hiddenLine xmlns="" xmlns:a14="http://schemas.microsoft.com/office/drawing/2010/main" w="9525">
+                <a14:hiddenLine xmlns:a14="http://schemas.microsoft.com/office/drawing/2010/main" xmlns="" w="9525">
                   <a:solidFill>
                     <a:srgbClr val="000000"/>
                   </a:solidFill>
@@ -5108,7 +5296,7 @@
             </a:ln>
             <a:extLst>
               <a:ext uri="{91240B29-F687-4f45-9708-019B960494DF}">
-                <a14:hiddenLine xmlns="" xmlns:a14="http://schemas.microsoft.com/office/drawing/2010/main" w="9525">
+                <a14:hiddenLine xmlns:a14="http://schemas.microsoft.com/office/drawing/2010/main" xmlns="" w="9525">
                   <a:solidFill>
                     <a:srgbClr val="000000"/>
                   </a:solidFill>
@@ -5198,7 +5386,7 @@
             </a:ln>
             <a:extLst>
               <a:ext uri="{91240B29-F687-4f45-9708-019B960494DF}">
-                <a14:hiddenLine xmlns="" xmlns:a14="http://schemas.microsoft.com/office/drawing/2010/main" w="9525">
+                <a14:hiddenLine xmlns:a14="http://schemas.microsoft.com/office/drawing/2010/main" xmlns="" w="9525">
                   <a:solidFill>
                     <a:srgbClr val="000000"/>
                   </a:solidFill>
@@ -5232,7 +5420,7 @@
             </a:ln>
             <a:extLst>
               <a:ext uri="{91240B29-F687-4f45-9708-019B960494DF}">
-                <a14:hiddenLine xmlns="" xmlns:a14="http://schemas.microsoft.com/office/drawing/2010/main" w="9525">
+                <a14:hiddenLine xmlns:a14="http://schemas.microsoft.com/office/drawing/2010/main" xmlns="" w="9525">
                   <a:solidFill>
                     <a:srgbClr val="000000"/>
                   </a:solidFill>
@@ -5322,7 +5510,7 @@
             </a:ln>
             <a:extLst>
               <a:ext uri="{91240B29-F687-4f45-9708-019B960494DF}">
-                <a14:hiddenLine xmlns="" xmlns:a14="http://schemas.microsoft.com/office/drawing/2010/main" w="9525">
+                <a14:hiddenLine xmlns:a14="http://schemas.microsoft.com/office/drawing/2010/main" xmlns="" w="9525">
                   <a:solidFill>
                     <a:srgbClr val="000000"/>
                   </a:solidFill>
@@ -5384,7 +5572,7 @@
             </a:ln>
             <a:extLst>
               <a:ext uri="{91240B29-F687-4f45-9708-019B960494DF}">
-                <a14:hiddenLine xmlns="" xmlns:a14="http://schemas.microsoft.com/office/drawing/2010/main" w="9525">
+                <a14:hiddenLine xmlns:a14="http://schemas.microsoft.com/office/drawing/2010/main" xmlns="" w="9525">
                   <a:solidFill>
                     <a:srgbClr val="000000"/>
                   </a:solidFill>
@@ -5446,7 +5634,7 @@
             </a:ln>
             <a:extLst>
               <a:ext uri="{91240B29-F687-4f45-9708-019B960494DF}">
-                <a14:hiddenLine xmlns="" xmlns:a14="http://schemas.microsoft.com/office/drawing/2010/main" w="9525">
+                <a14:hiddenLine xmlns:a14="http://schemas.microsoft.com/office/drawing/2010/main" xmlns="" w="9525">
                   <a:solidFill>
                     <a:srgbClr val="000000"/>
                   </a:solidFill>
@@ -5536,7 +5724,7 @@
             </a:ln>
             <a:extLst>
               <a:ext uri="{91240B29-F687-4f45-9708-019B960494DF}">
-                <a14:hiddenLine xmlns="" xmlns:a14="http://schemas.microsoft.com/office/drawing/2010/main" w="9525">
+                <a14:hiddenLine xmlns:a14="http://schemas.microsoft.com/office/drawing/2010/main" xmlns="" w="9525">
                   <a:solidFill>
                     <a:srgbClr val="000000"/>
                   </a:solidFill>
@@ -5604,7 +5792,7 @@
             </a:ln>
             <a:extLst>
               <a:ext uri="{91240B29-F687-4f45-9708-019B960494DF}">
-                <a14:hiddenLine xmlns="" xmlns:a14="http://schemas.microsoft.com/office/drawing/2010/main" w="9525">
+                <a14:hiddenLine xmlns:a14="http://schemas.microsoft.com/office/drawing/2010/main" xmlns="" w="9525">
                   <a:solidFill>
                     <a:srgbClr val="000000"/>
                   </a:solidFill>
@@ -5666,7 +5854,7 @@
             </a:ln>
             <a:extLst>
               <a:ext uri="{91240B29-F687-4f45-9708-019B960494DF}">
-                <a14:hiddenLine xmlns="" xmlns:a14="http://schemas.microsoft.com/office/drawing/2010/main" w="9525">
+                <a14:hiddenLine xmlns:a14="http://schemas.microsoft.com/office/drawing/2010/main" xmlns="" w="9525">
                   <a:solidFill>
                     <a:srgbClr val="000000"/>
                   </a:solidFill>
@@ -5756,7 +5944,7 @@
             </a:ln>
             <a:extLst>
               <a:ext uri="{91240B29-F687-4f45-9708-019B960494DF}">
-                <a14:hiddenLine xmlns="" xmlns:a14="http://schemas.microsoft.com/office/drawing/2010/main" w="9525">
+                <a14:hiddenLine xmlns:a14="http://schemas.microsoft.com/office/drawing/2010/main" xmlns="" w="9525">
                   <a:solidFill>
                     <a:srgbClr val="000000"/>
                   </a:solidFill>
@@ -5818,7 +6006,7 @@
             </a:ln>
             <a:extLst>
               <a:ext uri="{91240B29-F687-4f45-9708-019B960494DF}">
-                <a14:hiddenLine xmlns="" xmlns:a14="http://schemas.microsoft.com/office/drawing/2010/main" w="9525">
+                <a14:hiddenLine xmlns:a14="http://schemas.microsoft.com/office/drawing/2010/main" xmlns="" w="9525">
                   <a:solidFill>
                     <a:srgbClr val="000000"/>
                   </a:solidFill>
@@ -5908,7 +6096,7 @@
             </a:ln>
             <a:extLst>
               <a:ext uri="{91240B29-F687-4f45-9708-019B960494DF}">
-                <a14:hiddenLine xmlns="" xmlns:a14="http://schemas.microsoft.com/office/drawing/2010/main" w="9525">
+                <a14:hiddenLine xmlns:a14="http://schemas.microsoft.com/office/drawing/2010/main" xmlns="" w="9525">
                   <a:solidFill>
                     <a:srgbClr val="000000"/>
                   </a:solidFill>
@@ -5970,7 +6158,7 @@
             </a:ln>
             <a:extLst>
               <a:ext uri="{91240B29-F687-4f45-9708-019B960494DF}">
-                <a14:hiddenLine xmlns="" xmlns:a14="http://schemas.microsoft.com/office/drawing/2010/main" w="9525">
+                <a14:hiddenLine xmlns:a14="http://schemas.microsoft.com/office/drawing/2010/main" xmlns="" w="9525">
                   <a:solidFill>
                     <a:srgbClr val="000000"/>
                   </a:solidFill>
@@ -6060,7 +6248,7 @@
             </a:ln>
             <a:extLst>
               <a:ext uri="{91240B29-F687-4f45-9708-019B960494DF}">
-                <a14:hiddenLine xmlns="" xmlns:a14="http://schemas.microsoft.com/office/drawing/2010/main" w="9525">
+                <a14:hiddenLine xmlns:a14="http://schemas.microsoft.com/office/drawing/2010/main" xmlns="" w="9525">
                   <a:solidFill>
                     <a:srgbClr val="000000"/>
                   </a:solidFill>
@@ -6094,7 +6282,7 @@
             </a:ln>
             <a:extLst>
               <a:ext uri="{91240B29-F687-4f45-9708-019B960494DF}">
-                <a14:hiddenLine xmlns="" xmlns:a14="http://schemas.microsoft.com/office/drawing/2010/main" w="9525">
+                <a14:hiddenLine xmlns:a14="http://schemas.microsoft.com/office/drawing/2010/main" xmlns="" w="9525">
                   <a:solidFill>
                     <a:srgbClr val="000000"/>
                   </a:solidFill>
@@ -6159,7 +6347,7 @@
             </a:ln>
             <a:extLst>
               <a:ext uri="{91240B29-F687-4f45-9708-019B960494DF}">
-                <a14:hiddenLine xmlns="" xmlns:a14="http://schemas.microsoft.com/office/drawing/2010/main" w="9525">
+                <a14:hiddenLine xmlns:a14="http://schemas.microsoft.com/office/drawing/2010/main" xmlns="" w="9525">
                   <a:solidFill>
                     <a:srgbClr val="000000"/>
                   </a:solidFill>
@@ -6249,7 +6437,7 @@
             </a:ln>
             <a:extLst>
               <a:ext uri="{91240B29-F687-4f45-9708-019B960494DF}">
-                <a14:hiddenLine xmlns="" xmlns:a14="http://schemas.microsoft.com/office/drawing/2010/main" w="9525">
+                <a14:hiddenLine xmlns:a14="http://schemas.microsoft.com/office/drawing/2010/main" xmlns="" w="9525">
                   <a:solidFill>
                     <a:srgbClr val="000000"/>
                   </a:solidFill>
@@ -6311,7 +6499,7 @@
             </a:ln>
             <a:extLst>
               <a:ext uri="{91240B29-F687-4f45-9708-019B960494DF}">
-                <a14:hiddenLine xmlns="" xmlns:a14="http://schemas.microsoft.com/office/drawing/2010/main" w="9525">
+                <a14:hiddenLine xmlns:a14="http://schemas.microsoft.com/office/drawing/2010/main" xmlns="" w="9525">
                   <a:solidFill>
                     <a:srgbClr val="000000"/>
                   </a:solidFill>
@@ -6401,7 +6589,7 @@
             </a:ln>
             <a:extLst>
               <a:ext uri="{91240B29-F687-4f45-9708-019B960494DF}">
-                <a14:hiddenLine xmlns="" xmlns:a14="http://schemas.microsoft.com/office/drawing/2010/main" w="9525">
+                <a14:hiddenLine xmlns:a14="http://schemas.microsoft.com/office/drawing/2010/main" xmlns="" w="9525">
                   <a:solidFill>
                     <a:srgbClr val="000000"/>
                   </a:solidFill>
@@ -6491,7 +6679,7 @@
             </a:ln>
             <a:extLst>
               <a:ext uri="{91240B29-F687-4f45-9708-019B960494DF}">
-                <a14:hiddenLine xmlns="" xmlns:a14="http://schemas.microsoft.com/office/drawing/2010/main" w="9525">
+                <a14:hiddenLine xmlns:a14="http://schemas.microsoft.com/office/drawing/2010/main" xmlns="" w="9525">
                   <a:solidFill>
                     <a:srgbClr val="000000"/>
                   </a:solidFill>
@@ -6556,7 +6744,7 @@
             </a:ln>
             <a:extLst>
               <a:ext uri="{91240B29-F687-4f45-9708-019B960494DF}">
-                <a14:hiddenLine xmlns="" xmlns:a14="http://schemas.microsoft.com/office/drawing/2010/main" w="9525">
+                <a14:hiddenLine xmlns:a14="http://schemas.microsoft.com/office/drawing/2010/main" xmlns="" w="9525">
                   <a:solidFill>
                     <a:srgbClr val="000000"/>
                   </a:solidFill>
@@ -6618,7 +6806,7 @@
             </a:ln>
             <a:extLst>
               <a:ext uri="{91240B29-F687-4f45-9708-019B960494DF}">
-                <a14:hiddenLine xmlns="" xmlns:a14="http://schemas.microsoft.com/office/drawing/2010/main" w="9525">
+                <a14:hiddenLine xmlns:a14="http://schemas.microsoft.com/office/drawing/2010/main" xmlns="" w="9525">
                   <a:solidFill>
                     <a:srgbClr val="000000"/>
                   </a:solidFill>
@@ -6708,7 +6896,7 @@
             </a:ln>
             <a:extLst>
               <a:ext uri="{91240B29-F687-4f45-9708-019B960494DF}">
-                <a14:hiddenLine xmlns="" xmlns:a14="http://schemas.microsoft.com/office/drawing/2010/main" w="9525">
+                <a14:hiddenLine xmlns:a14="http://schemas.microsoft.com/office/drawing/2010/main" xmlns="" w="9525">
                   <a:solidFill>
                     <a:srgbClr val="000000"/>
                   </a:solidFill>
@@ -6798,7 +6986,7 @@
             </a:ln>
             <a:extLst>
               <a:ext uri="{91240B29-F687-4f45-9708-019B960494DF}">
-                <a14:hiddenLine xmlns="" xmlns:a14="http://schemas.microsoft.com/office/drawing/2010/main" w="9525">
+                <a14:hiddenLine xmlns:a14="http://schemas.microsoft.com/office/drawing/2010/main" xmlns="" w="9525">
                   <a:solidFill>
                     <a:srgbClr val="000000"/>
                   </a:solidFill>
@@ -6860,7 +7048,7 @@
             </a:ln>
             <a:extLst>
               <a:ext uri="{91240B29-F687-4f45-9708-019B960494DF}">
-                <a14:hiddenLine xmlns="" xmlns:a14="http://schemas.microsoft.com/office/drawing/2010/main" w="9525">
+                <a14:hiddenLine xmlns:a14="http://schemas.microsoft.com/office/drawing/2010/main" xmlns="" w="9525">
                   <a:solidFill>
                     <a:srgbClr val="000000"/>
                   </a:solidFill>
@@ -6980,7 +7168,7 @@
             </a:ln>
             <a:extLst>
               <a:ext uri="{91240B29-F687-4f45-9708-019B960494DF}">
-                <a14:hiddenLine xmlns="" xmlns:a14="http://schemas.microsoft.com/office/drawing/2010/main" w="9525">
+                <a14:hiddenLine xmlns:a14="http://schemas.microsoft.com/office/drawing/2010/main" xmlns="" w="9525">
                   <a:solidFill>
                     <a:srgbClr val="000000"/>
                   </a:solidFill>
@@ -7048,7 +7236,7 @@
             </a:ln>
             <a:extLst>
               <a:ext uri="{91240B29-F687-4f45-9708-019B960494DF}">
-                <a14:hiddenLine xmlns="" xmlns:a14="http://schemas.microsoft.com/office/drawing/2010/main" w="9525">
+                <a14:hiddenLine xmlns:a14="http://schemas.microsoft.com/office/drawing/2010/main" xmlns="" w="9525">
                   <a:solidFill>
                     <a:srgbClr val="000000"/>
                   </a:solidFill>
@@ -7138,7 +7326,7 @@
             </a:ln>
             <a:extLst>
               <a:ext uri="{91240B29-F687-4f45-9708-019B960494DF}">
-                <a14:hiddenLine xmlns="" xmlns:a14="http://schemas.microsoft.com/office/drawing/2010/main" w="9525">
+                <a14:hiddenLine xmlns:a14="http://schemas.microsoft.com/office/drawing/2010/main" xmlns="" w="9525">
                   <a:solidFill>
                     <a:srgbClr val="000000"/>
                   </a:solidFill>
@@ -11867,7 +12055,7 @@
           <a:noFill/>
           <a:extLst>
             <a:ext uri="{909E8E84-426E-40dd-AFC4-6F175D3DCCD1}">
-              <a14:hiddenFill xmlns="" xmlns:a14="http://schemas.microsoft.com/office/drawing/2010/main">
+              <a14:hiddenFill xmlns:a14="http://schemas.microsoft.com/office/drawing/2010/main" xmlns="">
                 <a:solidFill>
                   <a:srgbClr val="FFFFFF"/>
                 </a:solidFill>
@@ -11941,7 +12129,7 @@
               </a:ln>
               <a:extLst>
                 <a:ext uri="{91240B29-F687-4f45-9708-019B960494DF}">
-                  <a14:hiddenLine xmlns="" xmlns:a14="http://schemas.microsoft.com/office/drawing/2010/main" w="9525">
+                  <a14:hiddenLine xmlns:a14="http://schemas.microsoft.com/office/drawing/2010/main" xmlns="" w="9525">
                     <a:solidFill>
                       <a:srgbClr val="000000"/>
                     </a:solidFill>
@@ -12031,7 +12219,7 @@
               </a:ln>
               <a:extLst>
                 <a:ext uri="{91240B29-F687-4f45-9708-019B960494DF}">
-                  <a14:hiddenLine xmlns="" xmlns:a14="http://schemas.microsoft.com/office/drawing/2010/main" w="9525">
+                  <a14:hiddenLine xmlns:a14="http://schemas.microsoft.com/office/drawing/2010/main" xmlns="" w="9525">
                     <a:solidFill>
                       <a:srgbClr val="000000"/>
                     </a:solidFill>
@@ -12121,7 +12309,7 @@
               </a:ln>
               <a:extLst>
                 <a:ext uri="{91240B29-F687-4f45-9708-019B960494DF}">
-                  <a14:hiddenLine xmlns="" xmlns:a14="http://schemas.microsoft.com/office/drawing/2010/main" w="9525">
+                  <a14:hiddenLine xmlns:a14="http://schemas.microsoft.com/office/drawing/2010/main" xmlns="" w="9525">
                     <a:solidFill>
                       <a:srgbClr val="000000"/>
                     </a:solidFill>
@@ -12183,7 +12371,7 @@
               </a:ln>
               <a:extLst>
                 <a:ext uri="{91240B29-F687-4f45-9708-019B960494DF}">
-                  <a14:hiddenLine xmlns="" xmlns:a14="http://schemas.microsoft.com/office/drawing/2010/main" w="9525">
+                  <a14:hiddenLine xmlns:a14="http://schemas.microsoft.com/office/drawing/2010/main" xmlns="" w="9525">
                     <a:solidFill>
                       <a:srgbClr val="000000"/>
                     </a:solidFill>
@@ -12273,7 +12461,7 @@
               </a:ln>
               <a:extLst>
                 <a:ext uri="{91240B29-F687-4f45-9708-019B960494DF}">
-                  <a14:hiddenLine xmlns="" xmlns:a14="http://schemas.microsoft.com/office/drawing/2010/main" w="9525">
+                  <a14:hiddenLine xmlns:a14="http://schemas.microsoft.com/office/drawing/2010/main" xmlns="" w="9525">
                     <a:solidFill>
                       <a:srgbClr val="000000"/>
                     </a:solidFill>
@@ -12335,7 +12523,7 @@
               </a:ln>
               <a:extLst>
                 <a:ext uri="{91240B29-F687-4f45-9708-019B960494DF}">
-                  <a14:hiddenLine xmlns="" xmlns:a14="http://schemas.microsoft.com/office/drawing/2010/main" w="9525">
+                  <a14:hiddenLine xmlns:a14="http://schemas.microsoft.com/office/drawing/2010/main" xmlns="" w="9525">
                     <a:solidFill>
                       <a:srgbClr val="000000"/>
                     </a:solidFill>
@@ -12397,7 +12585,7 @@
               </a:ln>
               <a:extLst>
                 <a:ext uri="{91240B29-F687-4f45-9708-019B960494DF}">
-                  <a14:hiddenLine xmlns="" xmlns:a14="http://schemas.microsoft.com/office/drawing/2010/main" w="9525">
+                  <a14:hiddenLine xmlns:a14="http://schemas.microsoft.com/office/drawing/2010/main" xmlns="" w="9525">
                     <a:solidFill>
                       <a:srgbClr val="000000"/>
                     </a:solidFill>
@@ -12487,7 +12675,7 @@
               </a:ln>
               <a:extLst>
                 <a:ext uri="{91240B29-F687-4f45-9708-019B960494DF}">
-                  <a14:hiddenLine xmlns="" xmlns:a14="http://schemas.microsoft.com/office/drawing/2010/main" w="9525">
+                  <a14:hiddenLine xmlns:a14="http://schemas.microsoft.com/office/drawing/2010/main" xmlns="" w="9525">
                     <a:solidFill>
                       <a:srgbClr val="000000"/>
                     </a:solidFill>
@@ -12577,7 +12765,7 @@
               </a:ln>
               <a:extLst>
                 <a:ext uri="{91240B29-F687-4f45-9708-019B960494DF}">
-                  <a14:hiddenLine xmlns="" xmlns:a14="http://schemas.microsoft.com/office/drawing/2010/main" w="9525">
+                  <a14:hiddenLine xmlns:a14="http://schemas.microsoft.com/office/drawing/2010/main" xmlns="" w="9525">
                     <a:solidFill>
                       <a:srgbClr val="000000"/>
                     </a:solidFill>
@@ -12639,7 +12827,7 @@
               </a:ln>
               <a:extLst>
                 <a:ext uri="{91240B29-F687-4f45-9708-019B960494DF}">
-                  <a14:hiddenLine xmlns="" xmlns:a14="http://schemas.microsoft.com/office/drawing/2010/main" w="9525">
+                  <a14:hiddenLine xmlns:a14="http://schemas.microsoft.com/office/drawing/2010/main" xmlns="" w="9525">
                     <a:solidFill>
                       <a:srgbClr val="000000"/>
                     </a:solidFill>
@@ -12749,7 +12937,7 @@
               </a:ln>
               <a:extLst>
                 <a:ext uri="{91240B29-F687-4f45-9708-019B960494DF}">
-                  <a14:hiddenLine xmlns="" xmlns:a14="http://schemas.microsoft.com/office/drawing/2010/main" w="9525">
+                  <a14:hiddenLine xmlns:a14="http://schemas.microsoft.com/office/drawing/2010/main" xmlns="" w="9525">
                     <a:solidFill>
                       <a:srgbClr val="000000"/>
                     </a:solidFill>
@@ -12833,7 +13021,7 @@
               </a:ln>
               <a:extLst>
                 <a:ext uri="{91240B29-F687-4f45-9708-019B960494DF}">
-                  <a14:hiddenLine xmlns="" xmlns:a14="http://schemas.microsoft.com/office/drawing/2010/main" w="9525">
+                  <a14:hiddenLine xmlns:a14="http://schemas.microsoft.com/office/drawing/2010/main" xmlns="" w="9525">
                     <a:solidFill>
                       <a:srgbClr val="000000"/>
                     </a:solidFill>
@@ -12895,7 +13083,7 @@
               </a:ln>
               <a:extLst>
                 <a:ext uri="{91240B29-F687-4f45-9708-019B960494DF}">
-                  <a14:hiddenLine xmlns="" xmlns:a14="http://schemas.microsoft.com/office/drawing/2010/main" w="9525">
+                  <a14:hiddenLine xmlns:a14="http://schemas.microsoft.com/office/drawing/2010/main" xmlns="" w="9525">
                     <a:solidFill>
                       <a:srgbClr val="000000"/>
                     </a:solidFill>
@@ -12957,7 +13145,7 @@
               </a:ln>
               <a:extLst>
                 <a:ext uri="{91240B29-F687-4f45-9708-019B960494DF}">
-                  <a14:hiddenLine xmlns="" xmlns:a14="http://schemas.microsoft.com/office/drawing/2010/main" w="9525">
+                  <a14:hiddenLine xmlns:a14="http://schemas.microsoft.com/office/drawing/2010/main" xmlns="" w="9525">
                     <a:solidFill>
                       <a:srgbClr val="000000"/>
                     </a:solidFill>
@@ -13047,7 +13235,7 @@
               </a:ln>
               <a:extLst>
                 <a:ext uri="{91240B29-F687-4f45-9708-019B960494DF}">
-                  <a14:hiddenLine xmlns="" xmlns:a14="http://schemas.microsoft.com/office/drawing/2010/main" w="9525">
+                  <a14:hiddenLine xmlns:a14="http://schemas.microsoft.com/office/drawing/2010/main" xmlns="" w="9525">
                     <a:solidFill>
                       <a:srgbClr val="000000"/>
                     </a:solidFill>
@@ -13081,7 +13269,7 @@
               </a:ln>
               <a:extLst>
                 <a:ext uri="{91240B29-F687-4f45-9708-019B960494DF}">
-                  <a14:hiddenLine xmlns="" xmlns:a14="http://schemas.microsoft.com/office/drawing/2010/main" w="9525">
+                  <a14:hiddenLine xmlns:a14="http://schemas.microsoft.com/office/drawing/2010/main" xmlns="" w="9525">
                     <a:solidFill>
                       <a:srgbClr val="000000"/>
                     </a:solidFill>
@@ -13146,7 +13334,7 @@
               </a:ln>
               <a:extLst>
                 <a:ext uri="{91240B29-F687-4f45-9708-019B960494DF}">
-                  <a14:hiddenLine xmlns="" xmlns:a14="http://schemas.microsoft.com/office/drawing/2010/main" w="9525">
+                  <a14:hiddenLine xmlns:a14="http://schemas.microsoft.com/office/drawing/2010/main" xmlns="" w="9525">
                     <a:solidFill>
                       <a:srgbClr val="000000"/>
                     </a:solidFill>
@@ -13236,7 +13424,7 @@
               </a:ln>
               <a:extLst>
                 <a:ext uri="{91240B29-F687-4f45-9708-019B960494DF}">
-                  <a14:hiddenLine xmlns="" xmlns:a14="http://schemas.microsoft.com/office/drawing/2010/main" w="9525">
+                  <a14:hiddenLine xmlns:a14="http://schemas.microsoft.com/office/drawing/2010/main" xmlns="" w="9525">
                     <a:solidFill>
                       <a:srgbClr val="000000"/>
                     </a:solidFill>
@@ -13298,7 +13486,7 @@
               </a:ln>
               <a:extLst>
                 <a:ext uri="{91240B29-F687-4f45-9708-019B960494DF}">
-                  <a14:hiddenLine xmlns="" xmlns:a14="http://schemas.microsoft.com/office/drawing/2010/main" w="9525">
+                  <a14:hiddenLine xmlns:a14="http://schemas.microsoft.com/office/drawing/2010/main" xmlns="" w="9525">
                     <a:solidFill>
                       <a:srgbClr val="000000"/>
                     </a:solidFill>
@@ -13388,7 +13576,7 @@
               </a:ln>
               <a:extLst>
                 <a:ext uri="{91240B29-F687-4f45-9708-019B960494DF}">
-                  <a14:hiddenLine xmlns="" xmlns:a14="http://schemas.microsoft.com/office/drawing/2010/main" w="9525">
+                  <a14:hiddenLine xmlns:a14="http://schemas.microsoft.com/office/drawing/2010/main" xmlns="" w="9525">
                     <a:solidFill>
                       <a:srgbClr val="000000"/>
                     </a:solidFill>
@@ -13453,7 +13641,7 @@
               </a:ln>
               <a:extLst>
                 <a:ext uri="{91240B29-F687-4f45-9708-019B960494DF}">
-                  <a14:hiddenLine xmlns="" xmlns:a14="http://schemas.microsoft.com/office/drawing/2010/main" w="9525">
+                  <a14:hiddenLine xmlns:a14="http://schemas.microsoft.com/office/drawing/2010/main" xmlns="" w="9525">
                     <a:solidFill>
                       <a:srgbClr val="000000"/>
                     </a:solidFill>
@@ -13515,7 +13703,7 @@
               </a:ln>
               <a:extLst>
                 <a:ext uri="{91240B29-F687-4f45-9708-019B960494DF}">
-                  <a14:hiddenLine xmlns="" xmlns:a14="http://schemas.microsoft.com/office/drawing/2010/main" w="9525">
+                  <a14:hiddenLine xmlns:a14="http://schemas.microsoft.com/office/drawing/2010/main" xmlns="" w="9525">
                     <a:solidFill>
                       <a:srgbClr val="000000"/>
                     </a:solidFill>
@@ -13605,7 +13793,7 @@
               </a:ln>
               <a:extLst>
                 <a:ext uri="{91240B29-F687-4f45-9708-019B960494DF}">
-                  <a14:hiddenLine xmlns="" xmlns:a14="http://schemas.microsoft.com/office/drawing/2010/main" w="9525">
+                  <a14:hiddenLine xmlns:a14="http://schemas.microsoft.com/office/drawing/2010/main" xmlns="" w="9525">
                     <a:solidFill>
                       <a:srgbClr val="000000"/>
                     </a:solidFill>
@@ -13695,7 +13883,7 @@
               </a:ln>
               <a:extLst>
                 <a:ext uri="{91240B29-F687-4f45-9708-019B960494DF}">
-                  <a14:hiddenLine xmlns="" xmlns:a14="http://schemas.microsoft.com/office/drawing/2010/main" w="9525">
+                  <a14:hiddenLine xmlns:a14="http://schemas.microsoft.com/office/drawing/2010/main" xmlns="" w="9525">
                     <a:solidFill>
                       <a:srgbClr val="000000"/>
                     </a:solidFill>
@@ -13760,7 +13948,7 @@
               </a:ln>
               <a:extLst>
                 <a:ext uri="{91240B29-F687-4f45-9708-019B960494DF}">
-                  <a14:hiddenLine xmlns="" xmlns:a14="http://schemas.microsoft.com/office/drawing/2010/main" w="9525">
+                  <a14:hiddenLine xmlns:a14="http://schemas.microsoft.com/office/drawing/2010/main" xmlns="" w="9525">
                     <a:solidFill>
                       <a:srgbClr val="000000"/>
                     </a:solidFill>
@@ -13880,7 +14068,7 @@
               </a:ln>
               <a:extLst>
                 <a:ext uri="{91240B29-F687-4f45-9708-019B960494DF}">
-                  <a14:hiddenLine xmlns="" xmlns:a14="http://schemas.microsoft.com/office/drawing/2010/main" w="9525">
+                  <a14:hiddenLine xmlns:a14="http://schemas.microsoft.com/office/drawing/2010/main" xmlns="" w="9525">
                     <a:solidFill>
                       <a:srgbClr val="000000"/>
                     </a:solidFill>
@@ -13961,7 +14149,7 @@
               </a:ln>
               <a:extLst>
                 <a:ext uri="{91240B29-F687-4f45-9708-019B960494DF}">
-                  <a14:hiddenLine xmlns="" xmlns:a14="http://schemas.microsoft.com/office/drawing/2010/main" w="9525">
+                  <a14:hiddenLine xmlns:a14="http://schemas.microsoft.com/office/drawing/2010/main" xmlns="" w="9525">
                     <a:solidFill>
                       <a:srgbClr val="000000"/>
                     </a:solidFill>
@@ -14076,7 +14264,7 @@
               </a:ln>
               <a:extLst>
                 <a:ext uri="{91240B29-F687-4f45-9708-019B960494DF}">
-                  <a14:hiddenLine xmlns="" xmlns:a14="http://schemas.microsoft.com/office/drawing/2010/main" w="9525">
+                  <a14:hiddenLine xmlns:a14="http://schemas.microsoft.com/office/drawing/2010/main" xmlns="" w="9525">
                     <a:solidFill>
                       <a:srgbClr val="000000"/>
                     </a:solidFill>
@@ -14166,7 +14354,7 @@
               </a:ln>
               <a:extLst>
                 <a:ext uri="{91240B29-F687-4f45-9708-019B960494DF}">
-                  <a14:hiddenLine xmlns="" xmlns:a14="http://schemas.microsoft.com/office/drawing/2010/main" w="9525">
+                  <a14:hiddenLine xmlns:a14="http://schemas.microsoft.com/office/drawing/2010/main" xmlns="" w="9525">
                     <a:solidFill>
                       <a:srgbClr val="000000"/>
                     </a:solidFill>
@@ -14231,7 +14419,7 @@
               </a:ln>
               <a:extLst>
                 <a:ext uri="{91240B29-F687-4f45-9708-019B960494DF}">
-                  <a14:hiddenLine xmlns="" xmlns:a14="http://schemas.microsoft.com/office/drawing/2010/main" w="9525">
+                  <a14:hiddenLine xmlns:a14="http://schemas.microsoft.com/office/drawing/2010/main" xmlns="" w="9525">
                     <a:solidFill>
                       <a:srgbClr val="000000"/>
                     </a:solidFill>
@@ -14321,7 +14509,7 @@
               </a:ln>
               <a:extLst>
                 <a:ext uri="{91240B29-F687-4f45-9708-019B960494DF}">
-                  <a14:hiddenLine xmlns="" xmlns:a14="http://schemas.microsoft.com/office/drawing/2010/main" w="9525">
+                  <a14:hiddenLine xmlns:a14="http://schemas.microsoft.com/office/drawing/2010/main" xmlns="" w="9525">
                     <a:solidFill>
                       <a:srgbClr val="000000"/>
                     </a:solidFill>
@@ -14389,7 +14577,7 @@
               </a:ln>
               <a:extLst>
                 <a:ext uri="{91240B29-F687-4f45-9708-019B960494DF}">
-                  <a14:hiddenLine xmlns="" xmlns:a14="http://schemas.microsoft.com/office/drawing/2010/main" w="9525">
+                  <a14:hiddenLine xmlns:a14="http://schemas.microsoft.com/office/drawing/2010/main" xmlns="" w="9525">
                     <a:solidFill>
                       <a:srgbClr val="000000"/>
                     </a:solidFill>
@@ -14479,7 +14667,7 @@
               </a:ln>
               <a:extLst>
                 <a:ext uri="{91240B29-F687-4f45-9708-019B960494DF}">
-                  <a14:hiddenLine xmlns="" xmlns:a14="http://schemas.microsoft.com/office/drawing/2010/main" w="9525">
+                  <a14:hiddenLine xmlns:a14="http://schemas.microsoft.com/office/drawing/2010/main" xmlns="" w="9525">
                     <a:solidFill>
                       <a:srgbClr val="000000"/>
                     </a:solidFill>
@@ -14547,7 +14735,7 @@
               </a:ln>
               <a:extLst>
                 <a:ext uri="{91240B29-F687-4f45-9708-019B960494DF}">
-                  <a14:hiddenLine xmlns="" xmlns:a14="http://schemas.microsoft.com/office/drawing/2010/main" w="9525">
+                  <a14:hiddenLine xmlns:a14="http://schemas.microsoft.com/office/drawing/2010/main" xmlns="" w="9525">
                     <a:solidFill>
                       <a:srgbClr val="000000"/>
                     </a:solidFill>
@@ -14637,7 +14825,7 @@
               </a:ln>
               <a:extLst>
                 <a:ext uri="{91240B29-F687-4f45-9708-019B960494DF}">
-                  <a14:hiddenLine xmlns="" xmlns:a14="http://schemas.microsoft.com/office/drawing/2010/main" w="9525">
+                  <a14:hiddenLine xmlns:a14="http://schemas.microsoft.com/office/drawing/2010/main" xmlns="" w="9525">
                     <a:solidFill>
                       <a:srgbClr val="000000"/>
                     </a:solidFill>
@@ -14671,7 +14859,7 @@
               </a:ln>
               <a:extLst>
                 <a:ext uri="{91240B29-F687-4f45-9708-019B960494DF}">
-                  <a14:hiddenLine xmlns="" xmlns:a14="http://schemas.microsoft.com/office/drawing/2010/main" w="9525">
+                  <a14:hiddenLine xmlns:a14="http://schemas.microsoft.com/office/drawing/2010/main" xmlns="" w="9525">
                     <a:solidFill>
                       <a:srgbClr val="000000"/>
                     </a:solidFill>
@@ -15486,7 +15674,7 @@
             </a:ln>
             <a:extLst>
               <a:ext uri="{91240B29-F687-4f45-9708-019B960494DF}">
-                <a14:hiddenLine xmlns:a14="http://schemas.microsoft.com/office/drawing/2010/main" xmlns:p14="http://schemas.microsoft.com/office/powerpoint/2010/main" xmlns:a16="http://schemas.microsoft.com/office/drawing/2014/main" xmlns="" w="9525">
+                <a14:hiddenLine xmlns="" xmlns:a16="http://schemas.microsoft.com/office/drawing/2014/main" xmlns:p14="http://schemas.microsoft.com/office/powerpoint/2010/main" xmlns:a14="http://schemas.microsoft.com/office/drawing/2010/main" w="9525">
                   <a:solidFill>
                     <a:srgbClr val="000000"/>
                   </a:solidFill>
@@ -15591,7 +15779,7 @@
             </a:ln>
             <a:extLst>
               <a:ext uri="{91240B29-F687-4f45-9708-019B960494DF}">
-                <a14:hiddenLine xmlns:a14="http://schemas.microsoft.com/office/drawing/2010/main" xmlns:p14="http://schemas.microsoft.com/office/powerpoint/2010/main" xmlns:a16="http://schemas.microsoft.com/office/drawing/2014/main" xmlns="" w="9525">
+                <a14:hiddenLine xmlns="" xmlns:a16="http://schemas.microsoft.com/office/drawing/2014/main" xmlns:p14="http://schemas.microsoft.com/office/powerpoint/2010/main" xmlns:a14="http://schemas.microsoft.com/office/drawing/2010/main" w="9525">
                   <a:solidFill>
                     <a:srgbClr val="000000"/>
                   </a:solidFill>
@@ -15696,7 +15884,7 @@
             </a:ln>
             <a:extLst>
               <a:ext uri="{91240B29-F687-4f45-9708-019B960494DF}">
-                <a14:hiddenLine xmlns:a14="http://schemas.microsoft.com/office/drawing/2010/main" xmlns:p14="http://schemas.microsoft.com/office/powerpoint/2010/main" xmlns:a16="http://schemas.microsoft.com/office/drawing/2014/main" xmlns="" w="9525">
+                <a14:hiddenLine xmlns="" xmlns:a16="http://schemas.microsoft.com/office/drawing/2014/main" xmlns:p14="http://schemas.microsoft.com/office/powerpoint/2010/main" xmlns:a14="http://schemas.microsoft.com/office/drawing/2010/main" w="9525">
                   <a:solidFill>
                     <a:srgbClr val="000000"/>
                   </a:solidFill>
@@ -15745,7 +15933,7 @@
             </a:ln>
             <a:extLst>
               <a:ext uri="{91240B29-F687-4f45-9708-019B960494DF}">
-                <a14:hiddenLine xmlns:a14="http://schemas.microsoft.com/office/drawing/2010/main" xmlns:p14="http://schemas.microsoft.com/office/powerpoint/2010/main" xmlns:a16="http://schemas.microsoft.com/office/drawing/2014/main" xmlns="" w="9525">
+                <a14:hiddenLine xmlns="" xmlns:a16="http://schemas.microsoft.com/office/drawing/2014/main" xmlns:p14="http://schemas.microsoft.com/office/powerpoint/2010/main" xmlns:a14="http://schemas.microsoft.com/office/drawing/2010/main" w="9525">
                   <a:solidFill>
                     <a:srgbClr val="000000"/>
                   </a:solidFill>
@@ -15850,7 +16038,7 @@
             </a:ln>
             <a:extLst>
               <a:ext uri="{91240B29-F687-4f45-9708-019B960494DF}">
-                <a14:hiddenLine xmlns:a14="http://schemas.microsoft.com/office/drawing/2010/main" xmlns:p14="http://schemas.microsoft.com/office/powerpoint/2010/main" xmlns:a16="http://schemas.microsoft.com/office/drawing/2014/main" xmlns="" w="9525">
+                <a14:hiddenLine xmlns="" xmlns:a16="http://schemas.microsoft.com/office/drawing/2014/main" xmlns:p14="http://schemas.microsoft.com/office/powerpoint/2010/main" xmlns:a14="http://schemas.microsoft.com/office/drawing/2010/main" w="9525">
                   <a:solidFill>
                     <a:srgbClr val="000000"/>
                   </a:solidFill>
@@ -15927,7 +16115,7 @@
             </a:ln>
             <a:extLst>
               <a:ext uri="{91240B29-F687-4f45-9708-019B960494DF}">
-                <a14:hiddenLine xmlns:a14="http://schemas.microsoft.com/office/drawing/2010/main" xmlns:p14="http://schemas.microsoft.com/office/powerpoint/2010/main" xmlns:a16="http://schemas.microsoft.com/office/drawing/2014/main" xmlns="" w="9525">
+                <a14:hiddenLine xmlns="" xmlns:a16="http://schemas.microsoft.com/office/drawing/2014/main" xmlns:p14="http://schemas.microsoft.com/office/powerpoint/2010/main" xmlns:a14="http://schemas.microsoft.com/office/drawing/2010/main" w="9525">
                   <a:solidFill>
                     <a:srgbClr val="000000"/>
                   </a:solidFill>
@@ -16004,7 +16192,7 @@
             </a:ln>
             <a:extLst>
               <a:ext uri="{91240B29-F687-4f45-9708-019B960494DF}">
-                <a14:hiddenLine xmlns:a14="http://schemas.microsoft.com/office/drawing/2010/main" xmlns:p14="http://schemas.microsoft.com/office/powerpoint/2010/main" xmlns:a16="http://schemas.microsoft.com/office/drawing/2014/main" xmlns="" w="9525">
+                <a14:hiddenLine xmlns="" xmlns:a16="http://schemas.microsoft.com/office/drawing/2014/main" xmlns:p14="http://schemas.microsoft.com/office/powerpoint/2010/main" xmlns:a14="http://schemas.microsoft.com/office/drawing/2010/main" w="9525">
                   <a:solidFill>
                     <a:srgbClr val="000000"/>
                   </a:solidFill>
@@ -16109,7 +16297,7 @@
             </a:ln>
             <a:extLst>
               <a:ext uri="{91240B29-F687-4f45-9708-019B960494DF}">
-                <a14:hiddenLine xmlns:a14="http://schemas.microsoft.com/office/drawing/2010/main" xmlns:p14="http://schemas.microsoft.com/office/powerpoint/2010/main" xmlns:a16="http://schemas.microsoft.com/office/drawing/2014/main" xmlns="" w="9525">
+                <a14:hiddenLine xmlns="" xmlns:a16="http://schemas.microsoft.com/office/drawing/2014/main" xmlns:p14="http://schemas.microsoft.com/office/powerpoint/2010/main" xmlns:a14="http://schemas.microsoft.com/office/drawing/2010/main" w="9525">
                   <a:solidFill>
                     <a:srgbClr val="000000"/>
                   </a:solidFill>
@@ -16186,7 +16374,7 @@
             </a:ln>
             <a:extLst>
               <a:ext uri="{91240B29-F687-4f45-9708-019B960494DF}">
-                <a14:hiddenLine xmlns:a14="http://schemas.microsoft.com/office/drawing/2010/main" xmlns:p14="http://schemas.microsoft.com/office/powerpoint/2010/main" xmlns:a16="http://schemas.microsoft.com/office/drawing/2014/main" xmlns="" w="9525">
+                <a14:hiddenLine xmlns="" xmlns:a16="http://schemas.microsoft.com/office/drawing/2014/main" xmlns:p14="http://schemas.microsoft.com/office/powerpoint/2010/main" xmlns:a14="http://schemas.microsoft.com/office/drawing/2010/main" w="9525">
                   <a:solidFill>
                     <a:srgbClr val="000000"/>
                   </a:solidFill>
@@ -16263,7 +16451,7 @@
             </a:ln>
             <a:extLst>
               <a:ext uri="{91240B29-F687-4f45-9708-019B960494DF}">
-                <a14:hiddenLine xmlns:a14="http://schemas.microsoft.com/office/drawing/2010/main" xmlns:p14="http://schemas.microsoft.com/office/powerpoint/2010/main" xmlns:a16="http://schemas.microsoft.com/office/drawing/2014/main" xmlns="" w="9525">
+                <a14:hiddenLine xmlns="" xmlns:a16="http://schemas.microsoft.com/office/drawing/2014/main" xmlns:p14="http://schemas.microsoft.com/office/powerpoint/2010/main" xmlns:a14="http://schemas.microsoft.com/office/drawing/2010/main" w="9525">
                   <a:solidFill>
                     <a:srgbClr val="000000"/>
                   </a:solidFill>
@@ -16368,7 +16556,7 @@
             </a:ln>
             <a:extLst>
               <a:ext uri="{91240B29-F687-4f45-9708-019B960494DF}">
-                <a14:hiddenLine xmlns:a14="http://schemas.microsoft.com/office/drawing/2010/main" xmlns:p14="http://schemas.microsoft.com/office/powerpoint/2010/main" xmlns:a16="http://schemas.microsoft.com/office/drawing/2014/main" xmlns="" w="9525">
+                <a14:hiddenLine xmlns="" xmlns:a16="http://schemas.microsoft.com/office/drawing/2014/main" xmlns:p14="http://schemas.microsoft.com/office/powerpoint/2010/main" xmlns:a14="http://schemas.microsoft.com/office/drawing/2010/main" w="9525">
                   <a:solidFill>
                     <a:srgbClr val="000000"/>
                   </a:solidFill>
@@ -16473,7 +16661,7 @@
             </a:ln>
             <a:extLst>
               <a:ext uri="{91240B29-F687-4f45-9708-019B960494DF}">
-                <a14:hiddenLine xmlns:a14="http://schemas.microsoft.com/office/drawing/2010/main" xmlns:p14="http://schemas.microsoft.com/office/powerpoint/2010/main" xmlns:a16="http://schemas.microsoft.com/office/drawing/2014/main" xmlns="" w="9525">
+                <a14:hiddenLine xmlns="" xmlns:a16="http://schemas.microsoft.com/office/drawing/2014/main" xmlns:p14="http://schemas.microsoft.com/office/powerpoint/2010/main" xmlns:a14="http://schemas.microsoft.com/office/drawing/2010/main" w="9525">
                   <a:solidFill>
                     <a:srgbClr val="000000"/>
                   </a:solidFill>
@@ -16550,7 +16738,7 @@
             </a:ln>
             <a:extLst>
               <a:ext uri="{91240B29-F687-4f45-9708-019B960494DF}">
-                <a14:hiddenLine xmlns:a14="http://schemas.microsoft.com/office/drawing/2010/main" xmlns:p14="http://schemas.microsoft.com/office/powerpoint/2010/main" xmlns:a16="http://schemas.microsoft.com/office/drawing/2014/main" xmlns="" w="9525">
+                <a14:hiddenLine xmlns="" xmlns:a16="http://schemas.microsoft.com/office/drawing/2014/main" xmlns:p14="http://schemas.microsoft.com/office/powerpoint/2010/main" xmlns:a14="http://schemas.microsoft.com/office/drawing/2010/main" w="9525">
                   <a:solidFill>
                     <a:srgbClr val="000000"/>
                   </a:solidFill>
@@ -16675,7 +16863,7 @@
             </a:ln>
             <a:extLst>
               <a:ext uri="{91240B29-F687-4f45-9708-019B960494DF}">
-                <a14:hiddenLine xmlns:a14="http://schemas.microsoft.com/office/drawing/2010/main" xmlns:p14="http://schemas.microsoft.com/office/powerpoint/2010/main" xmlns:a16="http://schemas.microsoft.com/office/drawing/2014/main" xmlns="" w="9525">
+                <a14:hiddenLine xmlns="" xmlns:a16="http://schemas.microsoft.com/office/drawing/2014/main" xmlns:p14="http://schemas.microsoft.com/office/powerpoint/2010/main" xmlns:a14="http://schemas.microsoft.com/office/drawing/2010/main" w="9525">
                   <a:solidFill>
                     <a:srgbClr val="000000"/>
                   </a:solidFill>
@@ -16752,7 +16940,7 @@
             </a:ln>
             <a:extLst>
               <a:ext uri="{91240B29-F687-4f45-9708-019B960494DF}">
-                <a14:hiddenLine xmlns:a14="http://schemas.microsoft.com/office/drawing/2010/main" xmlns:p14="http://schemas.microsoft.com/office/powerpoint/2010/main" xmlns:a16="http://schemas.microsoft.com/office/drawing/2014/main" xmlns="" w="9525">
+                <a14:hiddenLine xmlns="" xmlns:a16="http://schemas.microsoft.com/office/drawing/2014/main" xmlns:p14="http://schemas.microsoft.com/office/powerpoint/2010/main" xmlns:a14="http://schemas.microsoft.com/office/drawing/2010/main" w="9525">
                   <a:solidFill>
                     <a:srgbClr val="000000"/>
                   </a:solidFill>
@@ -16857,7 +17045,7 @@
             </a:ln>
             <a:extLst>
               <a:ext uri="{91240B29-F687-4f45-9708-019B960494DF}">
-                <a14:hiddenLine xmlns:a14="http://schemas.microsoft.com/office/drawing/2010/main" xmlns:p14="http://schemas.microsoft.com/office/powerpoint/2010/main" xmlns:a16="http://schemas.microsoft.com/office/drawing/2014/main" xmlns="" w="9525">
+                <a14:hiddenLine xmlns="" xmlns:a16="http://schemas.microsoft.com/office/drawing/2014/main" xmlns:p14="http://schemas.microsoft.com/office/powerpoint/2010/main" xmlns:a14="http://schemas.microsoft.com/office/drawing/2010/main" w="9525">
                   <a:solidFill>
                     <a:srgbClr val="000000"/>
                   </a:solidFill>
@@ -16962,7 +17150,7 @@
             </a:ln>
             <a:extLst>
               <a:ext uri="{91240B29-F687-4f45-9708-019B960494DF}">
-                <a14:hiddenLine xmlns:a14="http://schemas.microsoft.com/office/drawing/2010/main" xmlns:p14="http://schemas.microsoft.com/office/powerpoint/2010/main" xmlns:a16="http://schemas.microsoft.com/office/drawing/2014/main" xmlns="" w="9525">
+                <a14:hiddenLine xmlns="" xmlns:a16="http://schemas.microsoft.com/office/drawing/2014/main" xmlns:p14="http://schemas.microsoft.com/office/powerpoint/2010/main" xmlns:a14="http://schemas.microsoft.com/office/drawing/2010/main" w="9525">
                   <a:solidFill>
                     <a:srgbClr val="000000"/>
                   </a:solidFill>
@@ -17039,7 +17227,7 @@
             </a:ln>
             <a:extLst>
               <a:ext uri="{91240B29-F687-4f45-9708-019B960494DF}">
-                <a14:hiddenLine xmlns:a14="http://schemas.microsoft.com/office/drawing/2010/main" xmlns:p14="http://schemas.microsoft.com/office/powerpoint/2010/main" xmlns:a16="http://schemas.microsoft.com/office/drawing/2014/main" xmlns="" w="9525">
+                <a14:hiddenLine xmlns="" xmlns:a16="http://schemas.microsoft.com/office/drawing/2014/main" xmlns:p14="http://schemas.microsoft.com/office/powerpoint/2010/main" xmlns:a14="http://schemas.microsoft.com/office/drawing/2010/main" w="9525">
                   <a:solidFill>
                     <a:srgbClr val="000000"/>
                   </a:solidFill>
@@ -17144,7 +17332,7 @@
             </a:ln>
             <a:extLst>
               <a:ext uri="{91240B29-F687-4f45-9708-019B960494DF}">
-                <a14:hiddenLine xmlns:a14="http://schemas.microsoft.com/office/drawing/2010/main" xmlns:p14="http://schemas.microsoft.com/office/powerpoint/2010/main" xmlns:a16="http://schemas.microsoft.com/office/drawing/2014/main" xmlns="" w="9525">
+                <a14:hiddenLine xmlns="" xmlns:a16="http://schemas.microsoft.com/office/drawing/2014/main" xmlns:p14="http://schemas.microsoft.com/office/powerpoint/2010/main" xmlns:a14="http://schemas.microsoft.com/office/drawing/2010/main" w="9525">
                   <a:solidFill>
                     <a:srgbClr val="000000"/>
                   </a:solidFill>
@@ -17249,7 +17437,7 @@
             </a:ln>
             <a:extLst>
               <a:ext uri="{91240B29-F687-4f45-9708-019B960494DF}">
-                <a14:hiddenLine xmlns:a14="http://schemas.microsoft.com/office/drawing/2010/main" xmlns:p14="http://schemas.microsoft.com/office/powerpoint/2010/main" xmlns:a16="http://schemas.microsoft.com/office/drawing/2014/main" xmlns="" w="9525">
+                <a14:hiddenLine xmlns="" xmlns:a16="http://schemas.microsoft.com/office/drawing/2014/main" xmlns:p14="http://schemas.microsoft.com/office/powerpoint/2010/main" xmlns:a14="http://schemas.microsoft.com/office/drawing/2010/main" w="9525">
                   <a:solidFill>
                     <a:srgbClr val="000000"/>
                   </a:solidFill>
@@ -17320,7 +17508,7 @@
             </a:ln>
             <a:extLst>
               <a:ext uri="{91240B29-F687-4f45-9708-019B960494DF}">
-                <a14:hiddenLine xmlns:a14="http://schemas.microsoft.com/office/drawing/2010/main" xmlns:p14="http://schemas.microsoft.com/office/powerpoint/2010/main" xmlns:a16="http://schemas.microsoft.com/office/drawing/2014/main" xmlns="" w="9525">
+                <a14:hiddenLine xmlns="" xmlns:a16="http://schemas.microsoft.com/office/drawing/2014/main" xmlns:p14="http://schemas.microsoft.com/office/powerpoint/2010/main" xmlns:a14="http://schemas.microsoft.com/office/drawing/2010/main" w="9525">
                   <a:solidFill>
                     <a:srgbClr val="000000"/>
                   </a:solidFill>
@@ -17425,7 +17613,7 @@
             </a:ln>
             <a:extLst>
               <a:ext uri="{91240B29-F687-4f45-9708-019B960494DF}">
-                <a14:hiddenLine xmlns:a14="http://schemas.microsoft.com/office/drawing/2010/main" xmlns:p14="http://schemas.microsoft.com/office/powerpoint/2010/main" xmlns:a16="http://schemas.microsoft.com/office/drawing/2014/main" xmlns="" w="9525">
+                <a14:hiddenLine xmlns="" xmlns:a16="http://schemas.microsoft.com/office/drawing/2014/main" xmlns:p14="http://schemas.microsoft.com/office/powerpoint/2010/main" xmlns:a14="http://schemas.microsoft.com/office/drawing/2010/main" w="9525">
                   <a:solidFill>
                     <a:srgbClr val="000000"/>
                   </a:solidFill>
@@ -17496,7 +17684,7 @@
             </a:ln>
             <a:extLst>
               <a:ext uri="{91240B29-F687-4f45-9708-019B960494DF}">
-                <a14:hiddenLine xmlns:a14="http://schemas.microsoft.com/office/drawing/2010/main" xmlns:p14="http://schemas.microsoft.com/office/powerpoint/2010/main" xmlns:a16="http://schemas.microsoft.com/office/drawing/2014/main" xmlns="" w="9525">
+                <a14:hiddenLine xmlns="" xmlns:a16="http://schemas.microsoft.com/office/drawing/2014/main" xmlns:p14="http://schemas.microsoft.com/office/powerpoint/2010/main" xmlns:a14="http://schemas.microsoft.com/office/drawing/2010/main" w="9525">
                   <a:solidFill>
                     <a:srgbClr val="000000"/>
                   </a:solidFill>
@@ -17601,7 +17789,7 @@
             </a:ln>
             <a:extLst>
               <a:ext uri="{91240B29-F687-4f45-9708-019B960494DF}">
-                <a14:hiddenLine xmlns:a14="http://schemas.microsoft.com/office/drawing/2010/main" xmlns:p14="http://schemas.microsoft.com/office/powerpoint/2010/main" xmlns:a16="http://schemas.microsoft.com/office/drawing/2014/main" xmlns="" w="9525">
+                <a14:hiddenLine xmlns="" xmlns:a16="http://schemas.microsoft.com/office/drawing/2014/main" xmlns:p14="http://schemas.microsoft.com/office/powerpoint/2010/main" xmlns:a14="http://schemas.microsoft.com/office/drawing/2010/main" w="9525">
                   <a:solidFill>
                     <a:srgbClr val="000000"/>
                   </a:solidFill>
@@ -17684,7 +17872,7 @@
             </a:ln>
             <a:extLst>
               <a:ext uri="{91240B29-F687-4f45-9708-019B960494DF}">
-                <a14:hiddenLine xmlns:a14="http://schemas.microsoft.com/office/drawing/2010/main" xmlns:p14="http://schemas.microsoft.com/office/powerpoint/2010/main" xmlns:a16="http://schemas.microsoft.com/office/drawing/2014/main" xmlns="" w="9525">
+                <a14:hiddenLine xmlns="" xmlns:a16="http://schemas.microsoft.com/office/drawing/2014/main" xmlns:p14="http://schemas.microsoft.com/office/powerpoint/2010/main" xmlns:a14="http://schemas.microsoft.com/office/drawing/2010/main" w="9525">
                   <a:solidFill>
                     <a:srgbClr val="000000"/>
                   </a:solidFill>
@@ -17789,7 +17977,7 @@
             </a:ln>
             <a:extLst>
               <a:ext uri="{91240B29-F687-4f45-9708-019B960494DF}">
-                <a14:hiddenLine xmlns:a14="http://schemas.microsoft.com/office/drawing/2010/main" xmlns:p14="http://schemas.microsoft.com/office/powerpoint/2010/main" xmlns:a16="http://schemas.microsoft.com/office/drawing/2014/main" xmlns="" w="9525">
+                <a14:hiddenLine xmlns="" xmlns:a16="http://schemas.microsoft.com/office/drawing/2014/main" xmlns:p14="http://schemas.microsoft.com/office/powerpoint/2010/main" xmlns:a14="http://schemas.microsoft.com/office/drawing/2010/main" w="9525">
                   <a:solidFill>
                     <a:srgbClr val="000000"/>
                   </a:solidFill>
@@ -17872,7 +18060,7 @@
             </a:ln>
             <a:extLst>
               <a:ext uri="{91240B29-F687-4f45-9708-019B960494DF}">
-                <a14:hiddenLine xmlns:a14="http://schemas.microsoft.com/office/drawing/2010/main" xmlns:p14="http://schemas.microsoft.com/office/powerpoint/2010/main" xmlns:a16="http://schemas.microsoft.com/office/drawing/2014/main" xmlns="" w="9525">
+                <a14:hiddenLine xmlns="" xmlns:a16="http://schemas.microsoft.com/office/drawing/2014/main" xmlns:p14="http://schemas.microsoft.com/office/powerpoint/2010/main" xmlns:a14="http://schemas.microsoft.com/office/drawing/2010/main" w="9525">
                   <a:solidFill>
                     <a:srgbClr val="000000"/>
                   </a:solidFill>
@@ -17977,7 +18165,7 @@
             </a:ln>
             <a:extLst>
               <a:ext uri="{91240B29-F687-4f45-9708-019B960494DF}">
-                <a14:hiddenLine xmlns:a14="http://schemas.microsoft.com/office/drawing/2010/main" xmlns:p14="http://schemas.microsoft.com/office/powerpoint/2010/main" xmlns:a16="http://schemas.microsoft.com/office/drawing/2014/main" xmlns="" w="9525">
+                <a14:hiddenLine xmlns="" xmlns:a16="http://schemas.microsoft.com/office/drawing/2014/main" xmlns:p14="http://schemas.microsoft.com/office/powerpoint/2010/main" xmlns:a14="http://schemas.microsoft.com/office/drawing/2010/main" w="9525">
                   <a:solidFill>
                     <a:srgbClr val="000000"/>
                   </a:solidFill>
@@ -18026,7 +18214,7 @@
             </a:ln>
             <a:extLst>
               <a:ext uri="{91240B29-F687-4f45-9708-019B960494DF}">
-                <a14:hiddenLine xmlns:a14="http://schemas.microsoft.com/office/drawing/2010/main" xmlns:p14="http://schemas.microsoft.com/office/powerpoint/2010/main" xmlns:a16="http://schemas.microsoft.com/office/drawing/2014/main" xmlns="" w="9525">
+                <a14:hiddenLine xmlns="" xmlns:a16="http://schemas.microsoft.com/office/drawing/2014/main" xmlns:p14="http://schemas.microsoft.com/office/powerpoint/2010/main" xmlns:a14="http://schemas.microsoft.com/office/drawing/2010/main" w="9525">
                   <a:solidFill>
                     <a:srgbClr val="000000"/>
                   </a:solidFill>
@@ -18131,7 +18319,7 @@
             </a:ln>
             <a:extLst>
               <a:ext uri="{91240B29-F687-4f45-9708-019B960494DF}">
-                <a14:hiddenLine xmlns:a14="http://schemas.microsoft.com/office/drawing/2010/main" xmlns:p14="http://schemas.microsoft.com/office/powerpoint/2010/main" xmlns:a16="http://schemas.microsoft.com/office/drawing/2014/main" xmlns="" w="9525">
+                <a14:hiddenLine xmlns="" xmlns:a16="http://schemas.microsoft.com/office/drawing/2014/main" xmlns:p14="http://schemas.microsoft.com/office/powerpoint/2010/main" xmlns:a14="http://schemas.microsoft.com/office/drawing/2010/main" w="9525">
                   <a:solidFill>
                     <a:srgbClr val="000000"/>
                   </a:solidFill>
@@ -18208,7 +18396,7 @@
             </a:ln>
             <a:extLst>
               <a:ext uri="{91240B29-F687-4f45-9708-019B960494DF}">
-                <a14:hiddenLine xmlns:a14="http://schemas.microsoft.com/office/drawing/2010/main" xmlns:p14="http://schemas.microsoft.com/office/powerpoint/2010/main" xmlns:a16="http://schemas.microsoft.com/office/drawing/2014/main" xmlns="" w="9525">
+                <a14:hiddenLine xmlns="" xmlns:a16="http://schemas.microsoft.com/office/drawing/2014/main" xmlns:p14="http://schemas.microsoft.com/office/powerpoint/2010/main" xmlns:a14="http://schemas.microsoft.com/office/drawing/2010/main" w="9525">
                   <a:solidFill>
                     <a:srgbClr val="000000"/>
                   </a:solidFill>
@@ -18285,7 +18473,7 @@
             </a:ln>
             <a:extLst>
               <a:ext uri="{91240B29-F687-4f45-9708-019B960494DF}">
-                <a14:hiddenLine xmlns:a14="http://schemas.microsoft.com/office/drawing/2010/main" xmlns:p14="http://schemas.microsoft.com/office/powerpoint/2010/main" xmlns:a16="http://schemas.microsoft.com/office/drawing/2014/main" xmlns="" w="9525">
+                <a14:hiddenLine xmlns="" xmlns:a16="http://schemas.microsoft.com/office/drawing/2014/main" xmlns:p14="http://schemas.microsoft.com/office/powerpoint/2010/main" xmlns:a14="http://schemas.microsoft.com/office/drawing/2010/main" w="9525">
                   <a:solidFill>
                     <a:srgbClr val="000000"/>
                   </a:solidFill>
@@ -18390,7 +18578,7 @@
             </a:ln>
             <a:extLst>
               <a:ext uri="{91240B29-F687-4f45-9708-019B960494DF}">
-                <a14:hiddenLine xmlns:a14="http://schemas.microsoft.com/office/drawing/2010/main" xmlns:p14="http://schemas.microsoft.com/office/powerpoint/2010/main" xmlns:a16="http://schemas.microsoft.com/office/drawing/2014/main" xmlns="" w="9525">
+                <a14:hiddenLine xmlns="" xmlns:a16="http://schemas.microsoft.com/office/drawing/2014/main" xmlns:p14="http://schemas.microsoft.com/office/powerpoint/2010/main" xmlns:a14="http://schemas.microsoft.com/office/drawing/2010/main" w="9525">
                   <a:solidFill>
                     <a:srgbClr val="000000"/>
                   </a:solidFill>
@@ -18473,7 +18661,7 @@
             </a:ln>
             <a:extLst>
               <a:ext uri="{91240B29-F687-4f45-9708-019B960494DF}">
-                <a14:hiddenLine xmlns:a14="http://schemas.microsoft.com/office/drawing/2010/main" xmlns:p14="http://schemas.microsoft.com/office/powerpoint/2010/main" xmlns:a16="http://schemas.microsoft.com/office/drawing/2014/main" xmlns="" w="9525">
+                <a14:hiddenLine xmlns="" xmlns:a16="http://schemas.microsoft.com/office/drawing/2014/main" xmlns:p14="http://schemas.microsoft.com/office/powerpoint/2010/main" xmlns:a14="http://schemas.microsoft.com/office/drawing/2010/main" w="9525">
                   <a:solidFill>
                     <a:srgbClr val="000000"/>
                   </a:solidFill>
@@ -18550,7 +18738,7 @@
             </a:ln>
             <a:extLst>
               <a:ext uri="{91240B29-F687-4f45-9708-019B960494DF}">
-                <a14:hiddenLine xmlns:a14="http://schemas.microsoft.com/office/drawing/2010/main" xmlns:p14="http://schemas.microsoft.com/office/powerpoint/2010/main" xmlns:a16="http://schemas.microsoft.com/office/drawing/2014/main" xmlns="" w="9525">
+                <a14:hiddenLine xmlns="" xmlns:a16="http://schemas.microsoft.com/office/drawing/2014/main" xmlns:p14="http://schemas.microsoft.com/office/powerpoint/2010/main" xmlns:a14="http://schemas.microsoft.com/office/drawing/2010/main" w="9525">
                   <a:solidFill>
                     <a:srgbClr val="000000"/>
                   </a:solidFill>
@@ -18655,7 +18843,7 @@
             </a:ln>
             <a:extLst>
               <a:ext uri="{91240B29-F687-4f45-9708-019B960494DF}">
-                <a14:hiddenLine xmlns:a14="http://schemas.microsoft.com/office/drawing/2010/main" xmlns:p14="http://schemas.microsoft.com/office/powerpoint/2010/main" xmlns:a16="http://schemas.microsoft.com/office/drawing/2014/main" xmlns="" w="9525">
+                <a14:hiddenLine xmlns="" xmlns:a16="http://schemas.microsoft.com/office/drawing/2014/main" xmlns:p14="http://schemas.microsoft.com/office/powerpoint/2010/main" xmlns:a14="http://schemas.microsoft.com/office/drawing/2010/main" w="9525">
                   <a:solidFill>
                     <a:srgbClr val="000000"/>
                   </a:solidFill>
@@ -18732,7 +18920,7 @@
             </a:ln>
             <a:extLst>
               <a:ext uri="{91240B29-F687-4f45-9708-019B960494DF}">
-                <a14:hiddenLine xmlns:a14="http://schemas.microsoft.com/office/drawing/2010/main" xmlns:p14="http://schemas.microsoft.com/office/powerpoint/2010/main" xmlns:a16="http://schemas.microsoft.com/office/drawing/2014/main" xmlns="" w="9525">
+                <a14:hiddenLine xmlns="" xmlns:a16="http://schemas.microsoft.com/office/drawing/2014/main" xmlns:p14="http://schemas.microsoft.com/office/powerpoint/2010/main" xmlns:a14="http://schemas.microsoft.com/office/drawing/2010/main" w="9525">
                   <a:solidFill>
                     <a:srgbClr val="000000"/>
                   </a:solidFill>
@@ -18837,7 +19025,7 @@
             </a:ln>
             <a:extLst>
               <a:ext uri="{91240B29-F687-4f45-9708-019B960494DF}">
-                <a14:hiddenLine xmlns:a14="http://schemas.microsoft.com/office/drawing/2010/main" xmlns:p14="http://schemas.microsoft.com/office/powerpoint/2010/main" xmlns:a16="http://schemas.microsoft.com/office/drawing/2014/main" xmlns="" w="9525">
+                <a14:hiddenLine xmlns="" xmlns:a16="http://schemas.microsoft.com/office/drawing/2014/main" xmlns:p14="http://schemas.microsoft.com/office/powerpoint/2010/main" xmlns:a14="http://schemas.microsoft.com/office/drawing/2010/main" w="9525">
                   <a:solidFill>
                     <a:srgbClr val="000000"/>
                   </a:solidFill>
@@ -18914,7 +19102,7 @@
             </a:ln>
             <a:extLst>
               <a:ext uri="{91240B29-F687-4f45-9708-019B960494DF}">
-                <a14:hiddenLine xmlns:a14="http://schemas.microsoft.com/office/drawing/2010/main" xmlns:p14="http://schemas.microsoft.com/office/powerpoint/2010/main" xmlns:a16="http://schemas.microsoft.com/office/drawing/2014/main" xmlns="" w="9525">
+                <a14:hiddenLine xmlns="" xmlns:a16="http://schemas.microsoft.com/office/drawing/2014/main" xmlns:p14="http://schemas.microsoft.com/office/powerpoint/2010/main" xmlns:a14="http://schemas.microsoft.com/office/drawing/2010/main" w="9525">
                   <a:solidFill>
                     <a:srgbClr val="000000"/>
                   </a:solidFill>
@@ -19019,7 +19207,7 @@
             </a:ln>
             <a:extLst>
               <a:ext uri="{91240B29-F687-4f45-9708-019B960494DF}">
-                <a14:hiddenLine xmlns:a14="http://schemas.microsoft.com/office/drawing/2010/main" xmlns:p14="http://schemas.microsoft.com/office/powerpoint/2010/main" xmlns:a16="http://schemas.microsoft.com/office/drawing/2014/main" xmlns="" w="9525">
+                <a14:hiddenLine xmlns="" xmlns:a16="http://schemas.microsoft.com/office/drawing/2014/main" xmlns:p14="http://schemas.microsoft.com/office/powerpoint/2010/main" xmlns:a14="http://schemas.microsoft.com/office/drawing/2010/main" w="9525">
                   <a:solidFill>
                     <a:srgbClr val="000000"/>
                   </a:solidFill>
@@ -19068,7 +19256,7 @@
             </a:ln>
             <a:extLst>
               <a:ext uri="{91240B29-F687-4f45-9708-019B960494DF}">
-                <a14:hiddenLine xmlns:a14="http://schemas.microsoft.com/office/drawing/2010/main" xmlns:p14="http://schemas.microsoft.com/office/powerpoint/2010/main" xmlns:a16="http://schemas.microsoft.com/office/drawing/2014/main" xmlns="" w="9525">
+                <a14:hiddenLine xmlns="" xmlns:a16="http://schemas.microsoft.com/office/drawing/2014/main" xmlns:p14="http://schemas.microsoft.com/office/powerpoint/2010/main" xmlns:a14="http://schemas.microsoft.com/office/drawing/2010/main" w="9525">
                   <a:solidFill>
                     <a:srgbClr val="000000"/>
                   </a:solidFill>
@@ -19148,7 +19336,7 @@
             </a:ln>
             <a:extLst>
               <a:ext uri="{91240B29-F687-4f45-9708-019B960494DF}">
-                <a14:hiddenLine xmlns:a14="http://schemas.microsoft.com/office/drawing/2010/main" xmlns:p14="http://schemas.microsoft.com/office/powerpoint/2010/main" xmlns:a16="http://schemas.microsoft.com/office/drawing/2014/main" xmlns="" w="9525">
+                <a14:hiddenLine xmlns="" xmlns:a16="http://schemas.microsoft.com/office/drawing/2014/main" xmlns:p14="http://schemas.microsoft.com/office/powerpoint/2010/main" xmlns:a14="http://schemas.microsoft.com/office/drawing/2010/main" w="9525">
                   <a:solidFill>
                     <a:srgbClr val="000000"/>
                   </a:solidFill>
@@ -19253,7 +19441,7 @@
             </a:ln>
             <a:extLst>
               <a:ext uri="{91240B29-F687-4f45-9708-019B960494DF}">
-                <a14:hiddenLine xmlns:a14="http://schemas.microsoft.com/office/drawing/2010/main" xmlns:p14="http://schemas.microsoft.com/office/powerpoint/2010/main" xmlns:a16="http://schemas.microsoft.com/office/drawing/2014/main" xmlns="" w="9525">
+                <a14:hiddenLine xmlns="" xmlns:a16="http://schemas.microsoft.com/office/drawing/2014/main" xmlns:p14="http://schemas.microsoft.com/office/powerpoint/2010/main" xmlns:a14="http://schemas.microsoft.com/office/drawing/2010/main" w="9525">
                   <a:solidFill>
                     <a:srgbClr val="000000"/>
                   </a:solidFill>
@@ -19330,7 +19518,7 @@
             </a:ln>
             <a:extLst>
               <a:ext uri="{91240B29-F687-4f45-9708-019B960494DF}">
-                <a14:hiddenLine xmlns:a14="http://schemas.microsoft.com/office/drawing/2010/main" xmlns:p14="http://schemas.microsoft.com/office/powerpoint/2010/main" xmlns:a16="http://schemas.microsoft.com/office/drawing/2014/main" xmlns="" w="9525">
+                <a14:hiddenLine xmlns="" xmlns:a16="http://schemas.microsoft.com/office/drawing/2014/main" xmlns:p14="http://schemas.microsoft.com/office/powerpoint/2010/main" xmlns:a14="http://schemas.microsoft.com/office/drawing/2010/main" w="9525">
                   <a:solidFill>
                     <a:srgbClr val="000000"/>
                   </a:solidFill>
@@ -19435,7 +19623,7 @@
             </a:ln>
             <a:extLst>
               <a:ext uri="{91240B29-F687-4f45-9708-019B960494DF}">
-                <a14:hiddenLine xmlns:a14="http://schemas.microsoft.com/office/drawing/2010/main" xmlns:p14="http://schemas.microsoft.com/office/powerpoint/2010/main" xmlns:a16="http://schemas.microsoft.com/office/drawing/2014/main" xmlns="" w="9525">
+                <a14:hiddenLine xmlns="" xmlns:a16="http://schemas.microsoft.com/office/drawing/2014/main" xmlns:p14="http://schemas.microsoft.com/office/powerpoint/2010/main" xmlns:a14="http://schemas.microsoft.com/office/drawing/2010/main" w="9525">
                   <a:solidFill>
                     <a:srgbClr val="000000"/>
                   </a:solidFill>
@@ -19540,7 +19728,7 @@
             </a:ln>
             <a:extLst>
               <a:ext uri="{91240B29-F687-4f45-9708-019B960494DF}">
-                <a14:hiddenLine xmlns:a14="http://schemas.microsoft.com/office/drawing/2010/main" xmlns:p14="http://schemas.microsoft.com/office/powerpoint/2010/main" xmlns:a16="http://schemas.microsoft.com/office/drawing/2014/main" xmlns="" w="9525">
+                <a14:hiddenLine xmlns="" xmlns:a16="http://schemas.microsoft.com/office/drawing/2014/main" xmlns:p14="http://schemas.microsoft.com/office/powerpoint/2010/main" xmlns:a14="http://schemas.microsoft.com/office/drawing/2010/main" w="9525">
                   <a:solidFill>
                     <a:srgbClr val="000000"/>
                   </a:solidFill>
@@ -19620,7 +19808,7 @@
             </a:ln>
             <a:extLst>
               <a:ext uri="{91240B29-F687-4f45-9708-019B960494DF}">
-                <a14:hiddenLine xmlns:a14="http://schemas.microsoft.com/office/drawing/2010/main" xmlns:p14="http://schemas.microsoft.com/office/powerpoint/2010/main" xmlns:a16="http://schemas.microsoft.com/office/drawing/2014/main" xmlns="" w="9525">
+                <a14:hiddenLine xmlns="" xmlns:a16="http://schemas.microsoft.com/office/drawing/2014/main" xmlns:p14="http://schemas.microsoft.com/office/powerpoint/2010/main" xmlns:a14="http://schemas.microsoft.com/office/drawing/2010/main" w="9525">
                   <a:solidFill>
                     <a:srgbClr val="000000"/>
                   </a:solidFill>
@@ -19697,7 +19885,7 @@
             </a:ln>
             <a:extLst>
               <a:ext uri="{91240B29-F687-4f45-9708-019B960494DF}">
-                <a14:hiddenLine xmlns:a14="http://schemas.microsoft.com/office/drawing/2010/main" xmlns:p14="http://schemas.microsoft.com/office/powerpoint/2010/main" xmlns:a16="http://schemas.microsoft.com/office/drawing/2014/main" xmlns="" w="9525">
+                <a14:hiddenLine xmlns="" xmlns:a16="http://schemas.microsoft.com/office/drawing/2014/main" xmlns:p14="http://schemas.microsoft.com/office/powerpoint/2010/main" xmlns:a14="http://schemas.microsoft.com/office/drawing/2010/main" w="9525">
                   <a:solidFill>
                     <a:srgbClr val="000000"/>
                   </a:solidFill>
@@ -19802,7 +19990,7 @@
             </a:ln>
             <a:extLst>
               <a:ext uri="{91240B29-F687-4f45-9708-019B960494DF}">
-                <a14:hiddenLine xmlns:a14="http://schemas.microsoft.com/office/drawing/2010/main" xmlns:p14="http://schemas.microsoft.com/office/powerpoint/2010/main" xmlns:a16="http://schemas.microsoft.com/office/drawing/2014/main" xmlns="" w="9525">
+                <a14:hiddenLine xmlns="" xmlns:a16="http://schemas.microsoft.com/office/drawing/2014/main" xmlns:p14="http://schemas.microsoft.com/office/powerpoint/2010/main" xmlns:a14="http://schemas.microsoft.com/office/drawing/2010/main" w="9525">
                   <a:solidFill>
                     <a:srgbClr val="000000"/>
                   </a:solidFill>
@@ -19907,7 +20095,7 @@
             </a:ln>
             <a:extLst>
               <a:ext uri="{91240B29-F687-4f45-9708-019B960494DF}">
-                <a14:hiddenLine xmlns:a14="http://schemas.microsoft.com/office/drawing/2010/main" xmlns:p14="http://schemas.microsoft.com/office/powerpoint/2010/main" xmlns:a16="http://schemas.microsoft.com/office/drawing/2014/main" xmlns="" w="9525">
+                <a14:hiddenLine xmlns="" xmlns:a16="http://schemas.microsoft.com/office/drawing/2014/main" xmlns:p14="http://schemas.microsoft.com/office/powerpoint/2010/main" xmlns:a14="http://schemas.microsoft.com/office/drawing/2010/main" w="9525">
                   <a:solidFill>
                     <a:srgbClr val="000000"/>
                   </a:solidFill>
@@ -19984,7 +20172,7 @@
             </a:ln>
             <a:extLst>
               <a:ext uri="{91240B29-F687-4f45-9708-019B960494DF}">
-                <a14:hiddenLine xmlns:a14="http://schemas.microsoft.com/office/drawing/2010/main" xmlns:p14="http://schemas.microsoft.com/office/powerpoint/2010/main" xmlns:a16="http://schemas.microsoft.com/office/drawing/2014/main" xmlns="" w="9525">
+                <a14:hiddenLine xmlns="" xmlns:a16="http://schemas.microsoft.com/office/drawing/2014/main" xmlns:p14="http://schemas.microsoft.com/office/powerpoint/2010/main" xmlns:a14="http://schemas.microsoft.com/office/drawing/2010/main" w="9525">
                   <a:solidFill>
                     <a:srgbClr val="000000"/>
                   </a:solidFill>
@@ -20119,7 +20307,7 @@
             </a:ln>
             <a:extLst>
               <a:ext uri="{91240B29-F687-4f45-9708-019B960494DF}">
-                <a14:hiddenLine xmlns:a14="http://schemas.microsoft.com/office/drawing/2010/main" xmlns:p14="http://schemas.microsoft.com/office/powerpoint/2010/main" xmlns:a16="http://schemas.microsoft.com/office/drawing/2014/main" xmlns="" w="9525">
+                <a14:hiddenLine xmlns="" xmlns:a16="http://schemas.microsoft.com/office/drawing/2014/main" xmlns:p14="http://schemas.microsoft.com/office/powerpoint/2010/main" xmlns:a14="http://schemas.microsoft.com/office/drawing/2010/main" w="9525">
                   <a:solidFill>
                     <a:srgbClr val="000000"/>
                   </a:solidFill>
@@ -20202,7 +20390,7 @@
             </a:ln>
             <a:extLst>
               <a:ext uri="{91240B29-F687-4f45-9708-019B960494DF}">
-                <a14:hiddenLine xmlns:a14="http://schemas.microsoft.com/office/drawing/2010/main" xmlns:p14="http://schemas.microsoft.com/office/powerpoint/2010/main" xmlns:a16="http://schemas.microsoft.com/office/drawing/2014/main" xmlns="" w="9525">
+                <a14:hiddenLine xmlns="" xmlns:a16="http://schemas.microsoft.com/office/drawing/2014/main" xmlns:p14="http://schemas.microsoft.com/office/powerpoint/2010/main" xmlns:a14="http://schemas.microsoft.com/office/drawing/2010/main" w="9525">
                   <a:solidFill>
                     <a:srgbClr val="000000"/>
                   </a:solidFill>
@@ -20307,7 +20495,7 @@
             </a:ln>
             <a:extLst>
               <a:ext uri="{91240B29-F687-4f45-9708-019B960494DF}">
-                <a14:hiddenLine xmlns:a14="http://schemas.microsoft.com/office/drawing/2010/main" xmlns:p14="http://schemas.microsoft.com/office/powerpoint/2010/main" xmlns:a16="http://schemas.microsoft.com/office/drawing/2014/main" xmlns="" w="9525">
+                <a14:hiddenLine xmlns="" xmlns:a16="http://schemas.microsoft.com/office/drawing/2014/main" xmlns:p14="http://schemas.microsoft.com/office/powerpoint/2010/main" xmlns:a14="http://schemas.microsoft.com/office/drawing/2010/main" w="9525">
                   <a:solidFill>
                     <a:srgbClr val="000000"/>
                   </a:solidFill>
@@ -20435,33 +20623,38 @@
           <a:lstStyle/>
           <a:p>
             <a:r>
-              <a:rPr lang="en-US" dirty="0"/>
+              <a:rPr lang="en-US" sz="2800" dirty="0"/>
               <a:t>Linear model</a:t>
             </a:r>
           </a:p>
           <a:p>
             <a:r>
-              <a:rPr lang="en-US" dirty="0"/>
+              <a:rPr lang="en-US" sz="2800" dirty="0"/>
               <a:t>SVM</a:t>
             </a:r>
           </a:p>
           <a:p>
             <a:r>
-              <a:rPr lang="en-US" dirty="0"/>
+              <a:rPr lang="en-US" sz="2800" dirty="0"/>
               <a:t>KNN</a:t>
             </a:r>
           </a:p>
           <a:p>
             <a:r>
-              <a:rPr lang="en-US" dirty="0"/>
+              <a:rPr lang="en-US" sz="2800" dirty="0"/>
               <a:t>Ridge and Lasso</a:t>
             </a:r>
           </a:p>
           <a:p>
             <a:r>
-              <a:rPr lang="en-US" dirty="0"/>
+              <a:rPr lang="en-US" sz="2800" dirty="0"/>
               <a:t>Hurdle</a:t>
             </a:r>
+            <a:r>
+              <a:rPr lang="pl-PL" sz="2800" dirty="0"/>
+              <a:t> model</a:t>
+            </a:r>
+            <a:endParaRPr lang="en-US" sz="2800" dirty="0"/>
           </a:p>
           <a:p>
             <a:endParaRPr lang="en-US" dirty="0"/>
@@ -20528,40 +20721,6 @@
       </p:sp>
       <p:sp>
         <p:nvSpPr>
-          <p:cNvPr id="3" name="Text Placeholder 2">
-            <a:extLst>
-              <a:ext uri="{FF2B5EF4-FFF2-40B4-BE49-F238E27FC236}">
-                <a16:creationId xmlns:a16="http://schemas.microsoft.com/office/drawing/2014/main" id="{AE43A582-B260-4FEA-A272-8519EB18C369}"/>
-              </a:ext>
-            </a:extLst>
-          </p:cNvPr>
-          <p:cNvSpPr>
-            <a:spLocks noGrp="1"/>
-          </p:cNvSpPr>
-          <p:nvPr>
-            <p:ph type="body" idx="1"/>
-          </p:nvPr>
-        </p:nvSpPr>
-        <p:spPr>
-          <a:xfrm>
-            <a:off x="1141408" y="2251530"/>
-            <a:ext cx="4649783" cy="823912"/>
-          </a:xfrm>
-        </p:spPr>
-        <p:txBody>
-          <a:bodyPr/>
-          <a:lstStyle/>
-          <a:p>
-            <a:r>
-              <a:rPr lang="en-US" dirty="0"/>
-              <a:t>With all features</a:t>
-            </a:r>
-            <a:endParaRPr lang="pl-PL" dirty="0"/>
-          </a:p>
-        </p:txBody>
-      </p:sp>
-      <p:sp>
-        <p:nvSpPr>
           <p:cNvPr id="12" name="Content Placeholder 11">
             <a:extLst>
               <a:ext uri="{FF2B5EF4-FFF2-40B4-BE49-F238E27FC236}">
@@ -20576,7 +20735,12 @@
             <p:ph sz="half" idx="2"/>
           </p:nvPr>
         </p:nvSpPr>
-        <p:spPr/>
+        <p:spPr>
+          <a:xfrm>
+            <a:off x="1025513" y="2046284"/>
+            <a:ext cx="4878391" cy="2717801"/>
+          </a:xfrm>
+        </p:spPr>
         <p:txBody>
           <a:bodyPr>
             <a:normAutofit/>
@@ -20584,23 +20748,30 @@
           <a:lstStyle/>
           <a:p>
             <a:r>
-              <a:rPr lang="en-US" dirty="0"/>
+              <a:rPr lang="en-US" sz="2800" dirty="0"/>
+              <a:t>With all features</a:t>
+            </a:r>
+            <a:endParaRPr lang="pl-PL" sz="2800" dirty="0"/>
+          </a:p>
+          <a:p>
+            <a:r>
+              <a:rPr lang="en-US" sz="2800" dirty="0"/>
               <a:t>R2 train: 0.24</a:t>
             </a:r>
           </a:p>
           <a:p>
             <a:r>
-              <a:rPr lang="en-US" dirty="0"/>
+              <a:rPr lang="en-US" sz="2800" dirty="0"/>
               <a:t> R2 test:  0.06</a:t>
             </a:r>
-            <a:endParaRPr lang="pl-PL" dirty="0"/>
-          </a:p>
-          <a:p>
-            <a:r>
-              <a:rPr lang="pl-PL" dirty="0" err="1"/>
+            <a:endParaRPr lang="pl-PL" sz="2800" dirty="0"/>
+          </a:p>
+          <a:p>
+            <a:r>
+              <a:rPr lang="pl-PL" sz="2800" dirty="0" err="1"/>
               <a:t>Overfitting</a:t>
             </a:r>
-            <a:endParaRPr lang="en-US" dirty="0"/>
+            <a:endParaRPr lang="en-US" sz="2800" dirty="0"/>
           </a:p>
         </p:txBody>
       </p:sp>
@@ -20647,7 +20818,9 @@
         </p:nvSpPr>
         <p:spPr/>
         <p:txBody>
-          <a:bodyPr/>
+          <a:bodyPr>
+            <a:normAutofit/>
+          </a:bodyPr>
           <a:lstStyle/>
           <a:p>
             <a:endParaRPr lang="pl-PL"/>
@@ -20909,14 +21082,14 @@
               <a:buNone/>
             </a:pPr>
             <a:r>
-              <a:rPr lang="en-US" sz="1800" cap="all"/>
+              <a:rPr lang="en-US" sz="2800" cap="all" dirty="0"/>
               <a:t>R2 train: </a:t>
             </a:r>
             <a:r>
-              <a:rPr lang="pl-PL" sz="1800" cap="all"/>
+              <a:rPr lang="pl-PL" sz="2800" cap="all" dirty="0"/>
               <a:t>0.1886</a:t>
             </a:r>
-            <a:endParaRPr lang="en-US" sz="1800" cap="all"/>
+            <a:endParaRPr lang="en-US" sz="2800" cap="all" dirty="0"/>
           </a:p>
           <a:p>
             <a:pPr marL="0" indent="0">
@@ -20926,7 +21099,7 @@
               <a:buNone/>
             </a:pPr>
             <a:r>
-              <a:rPr lang="en-US" sz="1800" cap="all"/>
+              <a:rPr lang="en-US" sz="2800" cap="all" dirty="0"/>
               <a:t>R2 test: 0.1868</a:t>
             </a:r>
           </a:p>
@@ -21105,7 +21278,7 @@
               <a:buNone/>
             </a:pPr>
             <a:r>
-              <a:rPr lang="en-US" cap="all" dirty="0"/>
+              <a:rPr lang="en-US" sz="2800" cap="all" dirty="0"/>
               <a:t>R2 train: 0.184</a:t>
             </a:r>
           </a:p>
@@ -21117,7 +21290,7 @@
               <a:buNone/>
             </a:pPr>
             <a:r>
-              <a:rPr lang="en-US" cap="all" dirty="0"/>
+              <a:rPr lang="en-US" sz="2800" cap="all" dirty="0"/>
               <a:t>R2 test: 0.195</a:t>
             </a:r>
           </a:p>
@@ -21296,18 +21469,18 @@
               </a:spcAft>
             </a:pPr>
             <a:r>
-              <a:rPr lang="tr-TR" dirty="0"/>
+              <a:rPr lang="tr-TR" sz="2800" dirty="0"/>
               <a:t>R2 </a:t>
             </a:r>
             <a:r>
-              <a:rPr lang="tr-TR" dirty="0" err="1"/>
+              <a:rPr lang="tr-TR" sz="2800" dirty="0" err="1"/>
               <a:t>train</a:t>
             </a:r>
             <a:r>
-              <a:rPr lang="tr-TR" dirty="0"/>
+              <a:rPr lang="tr-TR" sz="2800" dirty="0"/>
               <a:t>: 0.182</a:t>
             </a:r>
-            <a:endParaRPr lang="en-US" dirty="0"/>
+            <a:endParaRPr lang="en-US" sz="2800" dirty="0"/>
           </a:p>
           <a:p>
             <a:pPr marL="285750">
@@ -21316,10 +21489,10 @@
               </a:spcAft>
             </a:pPr>
             <a:r>
-              <a:rPr lang="tr-TR" dirty="0"/>
+              <a:rPr lang="tr-TR" sz="2800" dirty="0"/>
               <a:t>R2 test: 0.100</a:t>
             </a:r>
-            <a:endParaRPr lang="en-US" dirty="0"/>
+            <a:endParaRPr lang="en-US" sz="2800" dirty="0"/>
           </a:p>
         </p:txBody>
       </p:sp>
@@ -21446,19 +21619,19 @@
           <a:lstStyle/>
           <a:p>
             <a:r>
-              <a:rPr lang="en-US" dirty="0"/>
+              <a:rPr lang="en-US" sz="2800" dirty="0"/>
               <a:t>RFE</a:t>
             </a:r>
           </a:p>
           <a:p>
-            <a:endParaRPr lang="en-US" dirty="0"/>
-          </a:p>
-          <a:p>
-            <a:endParaRPr lang="en-US" dirty="0"/>
-          </a:p>
-          <a:p>
-            <a:r>
-              <a:rPr lang="en-US" dirty="0"/>
+            <a:endParaRPr lang="en-US" sz="2800" dirty="0"/>
+          </a:p>
+          <a:p>
+            <a:endParaRPr lang="en-US" sz="2800" dirty="0"/>
+          </a:p>
+          <a:p>
+            <a:r>
+              <a:rPr lang="en-US" sz="2800" dirty="0"/>
               <a:t>Mutual Info</a:t>
             </a:r>
           </a:p>
@@ -21891,6 +22064,201 @@
           <p:cNvPr id="2" name="Title 1">
             <a:extLst>
               <a:ext uri="{FF2B5EF4-FFF2-40B4-BE49-F238E27FC236}">
+                <a16:creationId xmlns:a16="http://schemas.microsoft.com/office/drawing/2014/main" id="{88D8F4C2-CC4E-4546-BBB1-7CDE4C0D5B37}"/>
+              </a:ext>
+            </a:extLst>
+          </p:cNvPr>
+          <p:cNvSpPr>
+            <a:spLocks noGrp="1"/>
+          </p:cNvSpPr>
+          <p:nvPr>
+            <p:ph type="title"/>
+          </p:nvPr>
+        </p:nvSpPr>
+        <p:spPr/>
+        <p:txBody>
+          <a:bodyPr/>
+          <a:lstStyle/>
+          <a:p>
+            <a:r>
+              <a:rPr lang="pl-PL" dirty="0" err="1"/>
+              <a:t>Other</a:t>
+            </a:r>
+            <a:r>
+              <a:rPr lang="pl-PL" dirty="0"/>
+              <a:t> </a:t>
+            </a:r>
+            <a:r>
+              <a:rPr lang="pl-PL" dirty="0" err="1"/>
+              <a:t>models</a:t>
+            </a:r>
+            <a:endParaRPr lang="en-US" dirty="0"/>
+          </a:p>
+        </p:txBody>
+      </p:sp>
+      <p:sp>
+        <p:nvSpPr>
+          <p:cNvPr id="3" name="Text Placeholder 2">
+            <a:extLst>
+              <a:ext uri="{FF2B5EF4-FFF2-40B4-BE49-F238E27FC236}">
+                <a16:creationId xmlns:a16="http://schemas.microsoft.com/office/drawing/2014/main" id="{AE43A582-B260-4FEA-A272-8519EB18C369}"/>
+              </a:ext>
+            </a:extLst>
+          </p:cNvPr>
+          <p:cNvSpPr>
+            <a:spLocks noGrp="1"/>
+          </p:cNvSpPr>
+          <p:nvPr>
+            <p:ph type="body" idx="1"/>
+          </p:nvPr>
+        </p:nvSpPr>
+        <p:spPr>
+          <a:xfrm>
+            <a:off x="1141408" y="2251530"/>
+            <a:ext cx="4649783" cy="823912"/>
+          </a:xfrm>
+        </p:spPr>
+        <p:txBody>
+          <a:bodyPr>
+            <a:normAutofit/>
+          </a:bodyPr>
+          <a:lstStyle/>
+          <a:p>
+            <a:r>
+              <a:rPr lang="en-US" sz="2800" dirty="0"/>
+              <a:t>With all features</a:t>
+            </a:r>
+            <a:endParaRPr lang="pl-PL" sz="2800" dirty="0"/>
+          </a:p>
+        </p:txBody>
+      </p:sp>
+      <p:sp>
+        <p:nvSpPr>
+          <p:cNvPr id="12" name="Content Placeholder 11">
+            <a:extLst>
+              <a:ext uri="{FF2B5EF4-FFF2-40B4-BE49-F238E27FC236}">
+                <a16:creationId xmlns:a16="http://schemas.microsoft.com/office/drawing/2014/main" id="{C690229F-2021-4D13-983E-F25E9FF32B91}"/>
+              </a:ext>
+            </a:extLst>
+          </p:cNvPr>
+          <p:cNvSpPr>
+            <a:spLocks noGrp="1"/>
+          </p:cNvSpPr>
+          <p:nvPr>
+            <p:ph sz="half" idx="2"/>
+          </p:nvPr>
+        </p:nvSpPr>
+        <p:spPr/>
+        <p:txBody>
+          <a:bodyPr>
+            <a:normAutofit/>
+          </a:bodyPr>
+          <a:lstStyle/>
+          <a:p>
+            <a:r>
+              <a:rPr lang="en-US" sz="2800" dirty="0"/>
+              <a:t>KNN</a:t>
+            </a:r>
+            <a:endParaRPr lang="pl-PL" sz="2800" dirty="0"/>
+          </a:p>
+          <a:p>
+            <a:r>
+              <a:rPr lang="pl-PL" sz="2800" dirty="0" err="1"/>
+              <a:t>Hurdle</a:t>
+            </a:r>
+            <a:r>
+              <a:rPr lang="pl-PL" sz="2800" dirty="0"/>
+              <a:t> model</a:t>
+            </a:r>
+            <a:endParaRPr lang="en-US" sz="2800" dirty="0"/>
+          </a:p>
+        </p:txBody>
+      </p:sp>
+      <p:sp>
+        <p:nvSpPr>
+          <p:cNvPr id="7" name="Symbol zastępczy tekstu 6">
+            <a:extLst>
+              <a:ext uri="{FF2B5EF4-FFF2-40B4-BE49-F238E27FC236}">
+                <a16:creationId xmlns:a16="http://schemas.microsoft.com/office/drawing/2014/main" id="{8DBEA493-D771-4ADD-A4BF-5ECA3D25AAE5}"/>
+              </a:ext>
+            </a:extLst>
+          </p:cNvPr>
+          <p:cNvSpPr>
+            <a:spLocks noGrp="1"/>
+          </p:cNvSpPr>
+          <p:nvPr>
+            <p:ph type="body" sz="quarter" idx="3"/>
+          </p:nvPr>
+        </p:nvSpPr>
+        <p:spPr/>
+        <p:txBody>
+          <a:bodyPr/>
+          <a:lstStyle/>
+          <a:p>
+            <a:endParaRPr lang="pl-PL"/>
+          </a:p>
+        </p:txBody>
+      </p:sp>
+      <p:sp>
+        <p:nvSpPr>
+          <p:cNvPr id="9" name="Symbol zastępczy zawartości 8">
+            <a:extLst>
+              <a:ext uri="{FF2B5EF4-FFF2-40B4-BE49-F238E27FC236}">
+                <a16:creationId xmlns:a16="http://schemas.microsoft.com/office/drawing/2014/main" id="{A779A32F-939D-472A-9466-D28A39415188}"/>
+              </a:ext>
+            </a:extLst>
+          </p:cNvPr>
+          <p:cNvSpPr>
+            <a:spLocks noGrp="1"/>
+          </p:cNvSpPr>
+          <p:nvPr>
+            <p:ph sz="quarter" idx="4"/>
+          </p:nvPr>
+        </p:nvSpPr>
+        <p:spPr/>
+        <p:txBody>
+          <a:bodyPr/>
+          <a:lstStyle/>
+          <a:p>
+            <a:endParaRPr lang="pl-PL"/>
+          </a:p>
+        </p:txBody>
+      </p:sp>
+    </p:spTree>
+    <p:extLst>
+      <p:ext uri="{BB962C8B-B14F-4D97-AF65-F5344CB8AC3E}">
+        <p14:creationId xmlns:p14="http://schemas.microsoft.com/office/powerpoint/2010/main" val="4281277983"/>
+      </p:ext>
+    </p:extLst>
+  </p:cSld>
+  <p:clrMapOvr>
+    <a:masterClrMapping/>
+  </p:clrMapOvr>
+</p:sld>
+</file>
+
+<file path=ppt/slides/slide18.xml><?xml version="1.0" encoding="utf-8"?>
+<p:sld xmlns:a="http://schemas.openxmlformats.org/drawingml/2006/main" xmlns:r="http://schemas.openxmlformats.org/officeDocument/2006/relationships" xmlns:p="http://schemas.openxmlformats.org/presentationml/2006/main">
+  <p:cSld>
+    <p:spTree>
+      <p:nvGrpSpPr>
+        <p:cNvPr id="1" name=""/>
+        <p:cNvGrpSpPr/>
+        <p:nvPr/>
+      </p:nvGrpSpPr>
+      <p:grpSpPr>
+        <a:xfrm>
+          <a:off x="0" y="0"/>
+          <a:ext cx="0" cy="0"/>
+          <a:chOff x="0" y="0"/>
+          <a:chExt cx="0" cy="0"/>
+        </a:xfrm>
+      </p:grpSpPr>
+      <p:sp>
+        <p:nvSpPr>
+          <p:cNvPr id="2" name="Title 1">
+            <a:extLst>
+              <a:ext uri="{FF2B5EF4-FFF2-40B4-BE49-F238E27FC236}">
                 <a16:creationId xmlns:a16="http://schemas.microsoft.com/office/drawing/2014/main" id="{4E69E350-8514-4032-8BD9-5F91ACCAAD61}"/>
               </a:ext>
             </a:extLst>
@@ -21935,51 +22303,100 @@
           <a:bodyPr/>
           <a:lstStyle/>
           <a:p>
-            <a:r>
-              <a:rPr lang="en-US" dirty="0"/>
-              <a:t>Our Fails</a:t>
-            </a:r>
-          </a:p>
-          <a:p>
             <a:pPr lvl="1"/>
             <a:r>
-              <a:rPr lang="en-US" dirty="0"/>
-              <a:t>KNN</a:t>
-            </a:r>
+              <a:rPr lang="en-US" sz="2800" dirty="0"/>
+              <a:t>R^2 around 20% is </a:t>
+            </a:r>
+            <a:r>
+              <a:rPr lang="pl-PL" sz="2800" dirty="0"/>
+              <a:t>not </a:t>
+            </a:r>
+            <a:r>
+              <a:rPr lang="pl-PL" sz="2800" dirty="0" err="1"/>
+              <a:t>good</a:t>
+            </a:r>
+            <a:r>
+              <a:rPr lang="pl-PL" sz="2800" dirty="0"/>
+              <a:t>, but </a:t>
+            </a:r>
+            <a:r>
+              <a:rPr lang="pl-PL" sz="2800" dirty="0" err="1"/>
+              <a:t>pretty</a:t>
+            </a:r>
+            <a:r>
+              <a:rPr lang="pl-PL" sz="2800" dirty="0"/>
+              <a:t> standard on </a:t>
+            </a:r>
+            <a:r>
+              <a:rPr lang="pl-PL" sz="2800" dirty="0" err="1"/>
+              <a:t>social</a:t>
+            </a:r>
+            <a:r>
+              <a:rPr lang="pl-PL" sz="2800" dirty="0"/>
+              <a:t> data</a:t>
+            </a:r>
+            <a:endParaRPr lang="en-US" sz="2800" dirty="0"/>
           </a:p>
           <a:p>
             <a:pPr lvl="1"/>
             <a:r>
-              <a:rPr lang="en-US" dirty="0"/>
-              <a:t>SVM with features from linear model</a:t>
-            </a:r>
+              <a:rPr lang="en-US" sz="2800" dirty="0"/>
+              <a:t>SVM was the best model, with Ridge being almost as good</a:t>
+            </a:r>
+            <a:endParaRPr lang="pl-PL" sz="2800" dirty="0"/>
           </a:p>
           <a:p>
             <a:pPr lvl="1"/>
             <a:r>
-              <a:rPr lang="en-US" dirty="0"/>
-              <a:t>Linear model with mutual information features</a:t>
-            </a:r>
-          </a:p>
-          <a:p>
-            <a:r>
-              <a:rPr lang="en-US" dirty="0"/>
-              <a:t>General take-aways</a:t>
-            </a:r>
-          </a:p>
-          <a:p>
-            <a:pPr lvl="1"/>
-            <a:r>
-              <a:rPr lang="en-US" dirty="0"/>
-              <a:t>R^2 around 20% is very poor</a:t>
-            </a:r>
-          </a:p>
-          <a:p>
-            <a:pPr lvl="1"/>
-            <a:r>
-              <a:rPr lang="en-US" dirty="0"/>
-              <a:t>SVM was the best model, with Ridge being almost as good</a:t>
-            </a:r>
+              <a:rPr lang="pl-PL" sz="2800" dirty="0" err="1"/>
+              <a:t>Feature</a:t>
+            </a:r>
+            <a:r>
+              <a:rPr lang="pl-PL" sz="2800" dirty="0"/>
+              <a:t> </a:t>
+            </a:r>
+            <a:r>
+              <a:rPr lang="pl-PL" sz="2800" dirty="0" err="1"/>
+              <a:t>generation</a:t>
+            </a:r>
+            <a:r>
+              <a:rPr lang="pl-PL" sz="2800" dirty="0"/>
+              <a:t>, KNN, </a:t>
+            </a:r>
+            <a:r>
+              <a:rPr lang="pl-PL" sz="2800" dirty="0" err="1"/>
+              <a:t>Hurdle</a:t>
+            </a:r>
+            <a:r>
+              <a:rPr lang="pl-PL" sz="2800" dirty="0"/>
+              <a:t> </a:t>
+            </a:r>
+            <a:r>
+              <a:rPr lang="pl-PL" sz="2800" dirty="0" err="1"/>
+              <a:t>models</a:t>
+            </a:r>
+            <a:r>
+              <a:rPr lang="pl-PL" sz="2800" dirty="0"/>
+              <a:t> </a:t>
+            </a:r>
+            <a:r>
+              <a:rPr lang="pl-PL" sz="2800" dirty="0" err="1"/>
+              <a:t>did</a:t>
+            </a:r>
+            <a:r>
+              <a:rPr lang="pl-PL" sz="2800" dirty="0"/>
+              <a:t> not </a:t>
+            </a:r>
+            <a:r>
+              <a:rPr lang="pl-PL" sz="2800" dirty="0" err="1"/>
+              <a:t>improve</a:t>
+            </a:r>
+            <a:r>
+              <a:rPr lang="pl-PL" sz="2800" dirty="0"/>
+              <a:t> performance</a:t>
+            </a:r>
+            <a:endParaRPr lang="en-US" sz="2800" dirty="0"/>
           </a:p>
           <a:p>
             <a:endParaRPr lang="en-US" dirty="0"/>
@@ -22175,7 +22592,7 @@
             </a:ln>
             <a:extLst>
               <a:ext uri="{91240B29-F687-4f45-9708-019B960494DF}">
-                <a14:hiddenLine xmlns:a14="http://schemas.microsoft.com/office/drawing/2010/main" xmlns:p14="http://schemas.microsoft.com/office/powerpoint/2010/main" xmlns:a16="http://schemas.microsoft.com/office/drawing/2014/main" xmlns="" w="9525">
+                <a14:hiddenLine xmlns="" xmlns:a16="http://schemas.microsoft.com/office/drawing/2014/main" xmlns:p14="http://schemas.microsoft.com/office/powerpoint/2010/main" xmlns:a14="http://schemas.microsoft.com/office/drawing/2010/main" w="9525">
                   <a:solidFill>
                     <a:srgbClr val="000000"/>
                   </a:solidFill>
@@ -22280,7 +22697,7 @@
             </a:ln>
             <a:extLst>
               <a:ext uri="{91240B29-F687-4f45-9708-019B960494DF}">
-                <a14:hiddenLine xmlns:a14="http://schemas.microsoft.com/office/drawing/2010/main" xmlns:p14="http://schemas.microsoft.com/office/powerpoint/2010/main" xmlns:a16="http://schemas.microsoft.com/office/drawing/2014/main" xmlns="" w="9525">
+                <a14:hiddenLine xmlns="" xmlns:a16="http://schemas.microsoft.com/office/drawing/2014/main" xmlns:p14="http://schemas.microsoft.com/office/powerpoint/2010/main" xmlns:a14="http://schemas.microsoft.com/office/drawing/2010/main" w="9525">
                   <a:solidFill>
                     <a:srgbClr val="000000"/>
                   </a:solidFill>
@@ -22385,7 +22802,7 @@
             </a:ln>
             <a:extLst>
               <a:ext uri="{91240B29-F687-4f45-9708-019B960494DF}">
-                <a14:hiddenLine xmlns:a14="http://schemas.microsoft.com/office/drawing/2010/main" xmlns:p14="http://schemas.microsoft.com/office/powerpoint/2010/main" xmlns:a16="http://schemas.microsoft.com/office/drawing/2014/main" xmlns="" w="9525">
+                <a14:hiddenLine xmlns="" xmlns:a16="http://schemas.microsoft.com/office/drawing/2014/main" xmlns:p14="http://schemas.microsoft.com/office/powerpoint/2010/main" xmlns:a14="http://schemas.microsoft.com/office/drawing/2010/main" w="9525">
                   <a:solidFill>
                     <a:srgbClr val="000000"/>
                   </a:solidFill>
@@ -22462,7 +22879,7 @@
             </a:ln>
             <a:extLst>
               <a:ext uri="{91240B29-F687-4f45-9708-019B960494DF}">
-                <a14:hiddenLine xmlns:a14="http://schemas.microsoft.com/office/drawing/2010/main" xmlns:p14="http://schemas.microsoft.com/office/powerpoint/2010/main" xmlns:a16="http://schemas.microsoft.com/office/drawing/2014/main" xmlns="" w="9525">
+                <a14:hiddenLine xmlns="" xmlns:a16="http://schemas.microsoft.com/office/drawing/2014/main" xmlns:p14="http://schemas.microsoft.com/office/powerpoint/2010/main" xmlns:a14="http://schemas.microsoft.com/office/drawing/2010/main" w="9525">
                   <a:solidFill>
                     <a:srgbClr val="000000"/>
                   </a:solidFill>
@@ -22567,7 +22984,7 @@
             </a:ln>
             <a:extLst>
               <a:ext uri="{91240B29-F687-4f45-9708-019B960494DF}">
-                <a14:hiddenLine xmlns:a14="http://schemas.microsoft.com/office/drawing/2010/main" xmlns:p14="http://schemas.microsoft.com/office/powerpoint/2010/main" xmlns:a16="http://schemas.microsoft.com/office/drawing/2014/main" xmlns="" w="9525">
+                <a14:hiddenLine xmlns="" xmlns:a16="http://schemas.microsoft.com/office/drawing/2014/main" xmlns:p14="http://schemas.microsoft.com/office/powerpoint/2010/main" xmlns:a14="http://schemas.microsoft.com/office/drawing/2010/main" w="9525">
                   <a:solidFill>
                     <a:srgbClr val="000000"/>
                   </a:solidFill>
@@ -22644,7 +23061,7 @@
             </a:ln>
             <a:extLst>
               <a:ext uri="{91240B29-F687-4f45-9708-019B960494DF}">
-                <a14:hiddenLine xmlns:a14="http://schemas.microsoft.com/office/drawing/2010/main" xmlns:p14="http://schemas.microsoft.com/office/powerpoint/2010/main" xmlns:a16="http://schemas.microsoft.com/office/drawing/2014/main" xmlns="" w="9525">
+                <a14:hiddenLine xmlns="" xmlns:a16="http://schemas.microsoft.com/office/drawing/2014/main" xmlns:p14="http://schemas.microsoft.com/office/powerpoint/2010/main" xmlns:a14="http://schemas.microsoft.com/office/drawing/2010/main" w="9525">
                   <a:solidFill>
                     <a:srgbClr val="000000"/>
                   </a:solidFill>
@@ -22721,7 +23138,7 @@
             </a:ln>
             <a:extLst>
               <a:ext uri="{91240B29-F687-4f45-9708-019B960494DF}">
-                <a14:hiddenLine xmlns:a14="http://schemas.microsoft.com/office/drawing/2010/main" xmlns:p14="http://schemas.microsoft.com/office/powerpoint/2010/main" xmlns:a16="http://schemas.microsoft.com/office/drawing/2014/main" xmlns="" w="9525">
+                <a14:hiddenLine xmlns="" xmlns:a16="http://schemas.microsoft.com/office/drawing/2014/main" xmlns:p14="http://schemas.microsoft.com/office/powerpoint/2010/main" xmlns:a14="http://schemas.microsoft.com/office/drawing/2010/main" w="9525">
                   <a:solidFill>
                     <a:srgbClr val="000000"/>
                   </a:solidFill>
@@ -22826,7 +23243,7 @@
             </a:ln>
             <a:extLst>
               <a:ext uri="{91240B29-F687-4f45-9708-019B960494DF}">
-                <a14:hiddenLine xmlns:a14="http://schemas.microsoft.com/office/drawing/2010/main" xmlns:p14="http://schemas.microsoft.com/office/powerpoint/2010/main" xmlns:a16="http://schemas.microsoft.com/office/drawing/2014/main" xmlns="" w="9525">
+                <a14:hiddenLine xmlns="" xmlns:a16="http://schemas.microsoft.com/office/drawing/2014/main" xmlns:p14="http://schemas.microsoft.com/office/powerpoint/2010/main" xmlns:a14="http://schemas.microsoft.com/office/drawing/2010/main" w="9525">
                   <a:solidFill>
                     <a:srgbClr val="000000"/>
                   </a:solidFill>
@@ -22931,7 +23348,7 @@
             </a:ln>
             <a:extLst>
               <a:ext uri="{91240B29-F687-4f45-9708-019B960494DF}">
-                <a14:hiddenLine xmlns:a14="http://schemas.microsoft.com/office/drawing/2010/main" xmlns:p14="http://schemas.microsoft.com/office/powerpoint/2010/main" xmlns:a16="http://schemas.microsoft.com/office/drawing/2014/main" xmlns="" w="9525">
+                <a14:hiddenLine xmlns="" xmlns:a16="http://schemas.microsoft.com/office/drawing/2014/main" xmlns:p14="http://schemas.microsoft.com/office/powerpoint/2010/main" xmlns:a14="http://schemas.microsoft.com/office/drawing/2010/main" w="9525">
                   <a:solidFill>
                     <a:srgbClr val="000000"/>
                   </a:solidFill>
@@ -23008,7 +23425,7 @@
             </a:ln>
             <a:extLst>
               <a:ext uri="{91240B29-F687-4f45-9708-019B960494DF}">
-                <a14:hiddenLine xmlns:a14="http://schemas.microsoft.com/office/drawing/2010/main" xmlns:p14="http://schemas.microsoft.com/office/powerpoint/2010/main" xmlns:a16="http://schemas.microsoft.com/office/drawing/2014/main" xmlns="" w="9525">
+                <a14:hiddenLine xmlns="" xmlns:a16="http://schemas.microsoft.com/office/drawing/2014/main" xmlns:p14="http://schemas.microsoft.com/office/powerpoint/2010/main" xmlns:a14="http://schemas.microsoft.com/office/drawing/2010/main" w="9525">
                   <a:solidFill>
                     <a:srgbClr val="000000"/>
                   </a:solidFill>
@@ -23133,7 +23550,7 @@
             </a:ln>
             <a:extLst>
               <a:ext uri="{91240B29-F687-4f45-9708-019B960494DF}">
-                <a14:hiddenLine xmlns:a14="http://schemas.microsoft.com/office/drawing/2010/main" xmlns:p14="http://schemas.microsoft.com/office/powerpoint/2010/main" xmlns:a16="http://schemas.microsoft.com/office/drawing/2014/main" xmlns="" w="9525">
+                <a14:hiddenLine xmlns="" xmlns:a16="http://schemas.microsoft.com/office/drawing/2014/main" xmlns:p14="http://schemas.microsoft.com/office/powerpoint/2010/main" xmlns:a14="http://schemas.microsoft.com/office/drawing/2010/main" w="9525">
                   <a:solidFill>
                     <a:srgbClr val="000000"/>
                   </a:solidFill>
@@ -23247,7 +23664,7 @@
             </a:ln>
             <a:extLst>
               <a:ext uri="{91240B29-F687-4f45-9708-019B960494DF}">
-                <a14:hiddenLine xmlns:a14="http://schemas.microsoft.com/office/drawing/2010/main" xmlns:p14="http://schemas.microsoft.com/office/powerpoint/2010/main" xmlns:a16="http://schemas.microsoft.com/office/drawing/2014/main" xmlns="" w="9525">
+                <a14:hiddenLine xmlns="" xmlns:a16="http://schemas.microsoft.com/office/drawing/2014/main" xmlns:p14="http://schemas.microsoft.com/office/powerpoint/2010/main" xmlns:a14="http://schemas.microsoft.com/office/drawing/2010/main" w="9525">
                   <a:solidFill>
                     <a:srgbClr val="000000"/>
                   </a:solidFill>
@@ -23324,7 +23741,7 @@
             </a:ln>
             <a:extLst>
               <a:ext uri="{91240B29-F687-4f45-9708-019B960494DF}">
-                <a14:hiddenLine xmlns:a14="http://schemas.microsoft.com/office/drawing/2010/main" xmlns:p14="http://schemas.microsoft.com/office/powerpoint/2010/main" xmlns:a16="http://schemas.microsoft.com/office/drawing/2014/main" xmlns="" w="9525">
+                <a14:hiddenLine xmlns="" xmlns:a16="http://schemas.microsoft.com/office/drawing/2014/main" xmlns:p14="http://schemas.microsoft.com/office/powerpoint/2010/main" xmlns:a14="http://schemas.microsoft.com/office/drawing/2010/main" w="9525">
                   <a:solidFill>
                     <a:srgbClr val="000000"/>
                   </a:solidFill>
@@ -23401,7 +23818,7 @@
             </a:ln>
             <a:extLst>
               <a:ext uri="{91240B29-F687-4f45-9708-019B960494DF}">
-                <a14:hiddenLine xmlns:a14="http://schemas.microsoft.com/office/drawing/2010/main" xmlns:p14="http://schemas.microsoft.com/office/powerpoint/2010/main" xmlns:a16="http://schemas.microsoft.com/office/drawing/2014/main" xmlns="" w="9525">
+                <a14:hiddenLine xmlns="" xmlns:a16="http://schemas.microsoft.com/office/drawing/2014/main" xmlns:p14="http://schemas.microsoft.com/office/powerpoint/2010/main" xmlns:a14="http://schemas.microsoft.com/office/drawing/2010/main" w="9525">
                   <a:solidFill>
                     <a:srgbClr val="000000"/>
                   </a:solidFill>
@@ -23506,7 +23923,7 @@
             </a:ln>
             <a:extLst>
               <a:ext uri="{91240B29-F687-4f45-9708-019B960494DF}">
-                <a14:hiddenLine xmlns:a14="http://schemas.microsoft.com/office/drawing/2010/main" xmlns:p14="http://schemas.microsoft.com/office/powerpoint/2010/main" xmlns:a16="http://schemas.microsoft.com/office/drawing/2014/main" xmlns="" w="9525">
+                <a14:hiddenLine xmlns="" xmlns:a16="http://schemas.microsoft.com/office/drawing/2014/main" xmlns:p14="http://schemas.microsoft.com/office/powerpoint/2010/main" xmlns:a14="http://schemas.microsoft.com/office/drawing/2010/main" w="9525">
                   <a:solidFill>
                     <a:srgbClr val="000000"/>
                   </a:solidFill>
@@ -23555,7 +23972,7 @@
             </a:ln>
             <a:extLst>
               <a:ext uri="{91240B29-F687-4f45-9708-019B960494DF}">
-                <a14:hiddenLine xmlns:a14="http://schemas.microsoft.com/office/drawing/2010/main" xmlns:p14="http://schemas.microsoft.com/office/powerpoint/2010/main" xmlns:a16="http://schemas.microsoft.com/office/drawing/2014/main" xmlns="" w="9525">
+                <a14:hiddenLine xmlns="" xmlns:a16="http://schemas.microsoft.com/office/drawing/2014/main" xmlns:p14="http://schemas.microsoft.com/office/powerpoint/2010/main" xmlns:a14="http://schemas.microsoft.com/office/drawing/2010/main" w="9525">
                   <a:solidFill>
                     <a:srgbClr val="000000"/>
                   </a:solidFill>
@@ -23635,7 +24052,7 @@
             </a:ln>
             <a:extLst>
               <a:ext uri="{91240B29-F687-4f45-9708-019B960494DF}">
-                <a14:hiddenLine xmlns:a14="http://schemas.microsoft.com/office/drawing/2010/main" xmlns:p14="http://schemas.microsoft.com/office/powerpoint/2010/main" xmlns:a16="http://schemas.microsoft.com/office/drawing/2014/main" xmlns="" w="9525">
+                <a14:hiddenLine xmlns="" xmlns:a16="http://schemas.microsoft.com/office/drawing/2014/main" xmlns:p14="http://schemas.microsoft.com/office/powerpoint/2010/main" xmlns:a14="http://schemas.microsoft.com/office/drawing/2010/main" w="9525">
                   <a:solidFill>
                     <a:srgbClr val="000000"/>
                   </a:solidFill>
@@ -23740,7 +24157,7 @@
             </a:ln>
             <a:extLst>
               <a:ext uri="{91240B29-F687-4f45-9708-019B960494DF}">
-                <a14:hiddenLine xmlns:a14="http://schemas.microsoft.com/office/drawing/2010/main" xmlns:p14="http://schemas.microsoft.com/office/powerpoint/2010/main" xmlns:a16="http://schemas.microsoft.com/office/drawing/2014/main" xmlns="" w="9525">
+                <a14:hiddenLine xmlns="" xmlns:a16="http://schemas.microsoft.com/office/drawing/2014/main" xmlns:p14="http://schemas.microsoft.com/office/powerpoint/2010/main" xmlns:a14="http://schemas.microsoft.com/office/drawing/2010/main" w="9525">
                   <a:solidFill>
                     <a:srgbClr val="000000"/>
                   </a:solidFill>
@@ -23817,7 +24234,7 @@
             </a:ln>
             <a:extLst>
               <a:ext uri="{91240B29-F687-4f45-9708-019B960494DF}">
-                <a14:hiddenLine xmlns:a14="http://schemas.microsoft.com/office/drawing/2010/main" xmlns:p14="http://schemas.microsoft.com/office/powerpoint/2010/main" xmlns:a16="http://schemas.microsoft.com/office/drawing/2014/main" xmlns="" w="9525">
+                <a14:hiddenLine xmlns="" xmlns:a16="http://schemas.microsoft.com/office/drawing/2014/main" xmlns:p14="http://schemas.microsoft.com/office/powerpoint/2010/main" xmlns:a14="http://schemas.microsoft.com/office/drawing/2010/main" w="9525">
                   <a:solidFill>
                     <a:srgbClr val="000000"/>
                   </a:solidFill>
@@ -23922,7 +24339,7 @@
             </a:ln>
             <a:extLst>
               <a:ext uri="{91240B29-F687-4f45-9708-019B960494DF}">
-                <a14:hiddenLine xmlns:a14="http://schemas.microsoft.com/office/drawing/2010/main" xmlns:p14="http://schemas.microsoft.com/office/powerpoint/2010/main" xmlns:a16="http://schemas.microsoft.com/office/drawing/2014/main" xmlns="" w="9525">
+                <a14:hiddenLine xmlns="" xmlns:a16="http://schemas.microsoft.com/office/drawing/2014/main" xmlns:p14="http://schemas.microsoft.com/office/powerpoint/2010/main" xmlns:a14="http://schemas.microsoft.com/office/drawing/2010/main" w="9525">
                   <a:solidFill>
                     <a:srgbClr val="000000"/>
                   </a:solidFill>
@@ -24002,7 +24419,7 @@
             </a:ln>
             <a:extLst>
               <a:ext uri="{91240B29-F687-4f45-9708-019B960494DF}">
-                <a14:hiddenLine xmlns:a14="http://schemas.microsoft.com/office/drawing/2010/main" xmlns:p14="http://schemas.microsoft.com/office/powerpoint/2010/main" xmlns:a16="http://schemas.microsoft.com/office/drawing/2014/main" xmlns="" w="9525">
+                <a14:hiddenLine xmlns="" xmlns:a16="http://schemas.microsoft.com/office/drawing/2014/main" xmlns:p14="http://schemas.microsoft.com/office/powerpoint/2010/main" xmlns:a14="http://schemas.microsoft.com/office/drawing/2010/main" w="9525">
                   <a:solidFill>
                     <a:srgbClr val="000000"/>
                   </a:solidFill>
@@ -24079,7 +24496,7 @@
             </a:ln>
             <a:extLst>
               <a:ext uri="{91240B29-F687-4f45-9708-019B960494DF}">
-                <a14:hiddenLine xmlns:a14="http://schemas.microsoft.com/office/drawing/2010/main" xmlns:p14="http://schemas.microsoft.com/office/powerpoint/2010/main" xmlns:a16="http://schemas.microsoft.com/office/drawing/2014/main" xmlns="" w="9525">
+                <a14:hiddenLine xmlns="" xmlns:a16="http://schemas.microsoft.com/office/drawing/2014/main" xmlns:p14="http://schemas.microsoft.com/office/powerpoint/2010/main" xmlns:a14="http://schemas.microsoft.com/office/drawing/2010/main" w="9525">
                   <a:solidFill>
                     <a:srgbClr val="000000"/>
                   </a:solidFill>
@@ -24184,7 +24601,7 @@
             </a:ln>
             <a:extLst>
               <a:ext uri="{91240B29-F687-4f45-9708-019B960494DF}">
-                <a14:hiddenLine xmlns:a14="http://schemas.microsoft.com/office/drawing/2010/main" xmlns:p14="http://schemas.microsoft.com/office/powerpoint/2010/main" xmlns:a16="http://schemas.microsoft.com/office/drawing/2014/main" xmlns="" w="9525">
+                <a14:hiddenLine xmlns="" xmlns:a16="http://schemas.microsoft.com/office/drawing/2014/main" xmlns:p14="http://schemas.microsoft.com/office/powerpoint/2010/main" xmlns:a14="http://schemas.microsoft.com/office/drawing/2010/main" w="9525">
                   <a:solidFill>
                     <a:srgbClr val="000000"/>
                   </a:solidFill>
@@ -24289,7 +24706,7 @@
             </a:ln>
             <a:extLst>
               <a:ext uri="{91240B29-F687-4f45-9708-019B960494DF}">
-                <a14:hiddenLine xmlns:a14="http://schemas.microsoft.com/office/drawing/2010/main" xmlns:p14="http://schemas.microsoft.com/office/powerpoint/2010/main" xmlns:a16="http://schemas.microsoft.com/office/drawing/2014/main" xmlns="" w="9525">
+                <a14:hiddenLine xmlns="" xmlns:a16="http://schemas.microsoft.com/office/drawing/2014/main" xmlns:p14="http://schemas.microsoft.com/office/powerpoint/2010/main" xmlns:a14="http://schemas.microsoft.com/office/drawing/2010/main" w="9525">
                   <a:solidFill>
                     <a:srgbClr val="000000"/>
                   </a:solidFill>
@@ -24369,7 +24786,7 @@
             </a:ln>
             <a:extLst>
               <a:ext uri="{91240B29-F687-4f45-9708-019B960494DF}">
-                <a14:hiddenLine xmlns:a14="http://schemas.microsoft.com/office/drawing/2010/main" xmlns:p14="http://schemas.microsoft.com/office/powerpoint/2010/main" xmlns:a16="http://schemas.microsoft.com/office/drawing/2014/main" xmlns="" w="9525">
+                <a14:hiddenLine xmlns="" xmlns:a16="http://schemas.microsoft.com/office/drawing/2014/main" xmlns:p14="http://schemas.microsoft.com/office/powerpoint/2010/main" xmlns:a14="http://schemas.microsoft.com/office/drawing/2010/main" w="9525">
                   <a:solidFill>
                     <a:srgbClr val="000000"/>
                   </a:solidFill>
@@ -24504,7 +24921,7 @@
             </a:ln>
             <a:extLst>
               <a:ext uri="{91240B29-F687-4f45-9708-019B960494DF}">
-                <a14:hiddenLine xmlns:a14="http://schemas.microsoft.com/office/drawing/2010/main" xmlns:p14="http://schemas.microsoft.com/office/powerpoint/2010/main" xmlns:a16="http://schemas.microsoft.com/office/drawing/2014/main" xmlns="" w="9525">
+                <a14:hiddenLine xmlns="" xmlns:a16="http://schemas.microsoft.com/office/drawing/2014/main" xmlns:p14="http://schemas.microsoft.com/office/powerpoint/2010/main" xmlns:a14="http://schemas.microsoft.com/office/drawing/2010/main" w="9525">
                   <a:solidFill>
                     <a:srgbClr val="000000"/>
                   </a:solidFill>
@@ -24652,7 +25069,7 @@
             </a:pPr>
             <a:r>
               <a:rPr lang="en-US" sz="1800" dirty="0"/>
-              <a:t>EDA with plots</a:t>
+              <a:t>EDA</a:t>
             </a:r>
           </a:p>
           <a:p>
@@ -24809,7 +25226,7 @@
             </a:ln>
             <a:extLst>
               <a:ext uri="{91240B29-F687-4f45-9708-019B960494DF}">
-                <a14:hiddenLine xmlns:a14="http://schemas.microsoft.com/office/drawing/2010/main" xmlns:p14="http://schemas.microsoft.com/office/powerpoint/2010/main" xmlns:a16="http://schemas.microsoft.com/office/drawing/2014/main" xmlns="" w="9525">
+                <a14:hiddenLine xmlns="" xmlns:a16="http://schemas.microsoft.com/office/drawing/2014/main" xmlns:p14="http://schemas.microsoft.com/office/powerpoint/2010/main" xmlns:a14="http://schemas.microsoft.com/office/drawing/2010/main" w="9525">
                   <a:solidFill>
                     <a:srgbClr val="000000"/>
                   </a:solidFill>
@@ -24939,7 +25356,7 @@
             </a:ln>
             <a:extLst>
               <a:ext uri="{91240B29-F687-4f45-9708-019B960494DF}">
-                <a14:hiddenLine xmlns:a14="http://schemas.microsoft.com/office/drawing/2010/main" xmlns:p14="http://schemas.microsoft.com/office/powerpoint/2010/main" xmlns:a16="http://schemas.microsoft.com/office/drawing/2014/main" xmlns="" w="9525">
+                <a14:hiddenLine xmlns="" xmlns:a16="http://schemas.microsoft.com/office/drawing/2014/main" xmlns:p14="http://schemas.microsoft.com/office/powerpoint/2010/main" xmlns:a14="http://schemas.microsoft.com/office/drawing/2010/main" w="9525">
                   <a:solidFill>
                     <a:srgbClr val="000000"/>
                   </a:solidFill>
@@ -25044,7 +25461,7 @@
             </a:ln>
             <a:extLst>
               <a:ext uri="{91240B29-F687-4f45-9708-019B960494DF}">
-                <a14:hiddenLine xmlns:a14="http://schemas.microsoft.com/office/drawing/2010/main" xmlns:p14="http://schemas.microsoft.com/office/powerpoint/2010/main" xmlns:a16="http://schemas.microsoft.com/office/drawing/2014/main" xmlns="" w="9525">
+                <a14:hiddenLine xmlns="" xmlns:a16="http://schemas.microsoft.com/office/drawing/2014/main" xmlns:p14="http://schemas.microsoft.com/office/powerpoint/2010/main" xmlns:a14="http://schemas.microsoft.com/office/drawing/2010/main" w="9525">
                   <a:solidFill>
                     <a:srgbClr val="000000"/>
                   </a:solidFill>
@@ -25124,7 +25541,7 @@
             </a:ln>
             <a:extLst>
               <a:ext uri="{91240B29-F687-4f45-9708-019B960494DF}">
-                <a14:hiddenLine xmlns:a14="http://schemas.microsoft.com/office/drawing/2010/main" xmlns:p14="http://schemas.microsoft.com/office/powerpoint/2010/main" xmlns:a16="http://schemas.microsoft.com/office/drawing/2014/main" xmlns="" w="9525">
+                <a14:hiddenLine xmlns="" xmlns:a16="http://schemas.microsoft.com/office/drawing/2014/main" xmlns:p14="http://schemas.microsoft.com/office/powerpoint/2010/main" xmlns:a14="http://schemas.microsoft.com/office/drawing/2010/main" w="9525">
                   <a:solidFill>
                     <a:srgbClr val="000000"/>
                   </a:solidFill>
@@ -25229,7 +25646,7 @@
             </a:ln>
             <a:extLst>
               <a:ext uri="{91240B29-F687-4f45-9708-019B960494DF}">
-                <a14:hiddenLine xmlns:a14="http://schemas.microsoft.com/office/drawing/2010/main" xmlns:p14="http://schemas.microsoft.com/office/powerpoint/2010/main" xmlns:a16="http://schemas.microsoft.com/office/drawing/2014/main" xmlns="" w="9525">
+                <a14:hiddenLine xmlns="" xmlns:a16="http://schemas.microsoft.com/office/drawing/2014/main" xmlns:p14="http://schemas.microsoft.com/office/powerpoint/2010/main" xmlns:a14="http://schemas.microsoft.com/office/drawing/2010/main" w="9525">
                   <a:solidFill>
                     <a:srgbClr val="000000"/>
                   </a:solidFill>
@@ -25312,7 +25729,7 @@
             </a:ln>
             <a:extLst>
               <a:ext uri="{91240B29-F687-4f45-9708-019B960494DF}">
-                <a14:hiddenLine xmlns:a14="http://schemas.microsoft.com/office/drawing/2010/main" xmlns:p14="http://schemas.microsoft.com/office/powerpoint/2010/main" xmlns:a16="http://schemas.microsoft.com/office/drawing/2014/main" xmlns="" w="9525">
+                <a14:hiddenLine xmlns="" xmlns:a16="http://schemas.microsoft.com/office/drawing/2014/main" xmlns:p14="http://schemas.microsoft.com/office/powerpoint/2010/main" xmlns:a14="http://schemas.microsoft.com/office/drawing/2010/main" w="9525">
                   <a:solidFill>
                     <a:srgbClr val="000000"/>
                   </a:solidFill>
@@ -25417,7 +25834,7 @@
             </a:ln>
             <a:extLst>
               <a:ext uri="{91240B29-F687-4f45-9708-019B960494DF}">
-                <a14:hiddenLine xmlns:a14="http://schemas.microsoft.com/office/drawing/2010/main" xmlns:p14="http://schemas.microsoft.com/office/powerpoint/2010/main" xmlns:a16="http://schemas.microsoft.com/office/drawing/2014/main" xmlns="" w="9525">
+                <a14:hiddenLine xmlns="" xmlns:a16="http://schemas.microsoft.com/office/drawing/2014/main" xmlns:p14="http://schemas.microsoft.com/office/powerpoint/2010/main" xmlns:a14="http://schemas.microsoft.com/office/drawing/2010/main" w="9525">
                   <a:solidFill>
                     <a:srgbClr val="000000"/>
                   </a:solidFill>
@@ -25500,7 +25917,7 @@
             </a:ln>
             <a:extLst>
               <a:ext uri="{91240B29-F687-4f45-9708-019B960494DF}">
-                <a14:hiddenLine xmlns:a14="http://schemas.microsoft.com/office/drawing/2010/main" xmlns:p14="http://schemas.microsoft.com/office/powerpoint/2010/main" xmlns:a16="http://schemas.microsoft.com/office/drawing/2014/main" xmlns="" w="9525">
+                <a14:hiddenLine xmlns="" xmlns:a16="http://schemas.microsoft.com/office/drawing/2014/main" xmlns:p14="http://schemas.microsoft.com/office/powerpoint/2010/main" xmlns:a14="http://schemas.microsoft.com/office/drawing/2010/main" w="9525">
                   <a:solidFill>
                     <a:srgbClr val="000000"/>
                   </a:solidFill>
@@ -25605,7 +26022,7 @@
             </a:ln>
             <a:extLst>
               <a:ext uri="{91240B29-F687-4f45-9708-019B960494DF}">
-                <a14:hiddenLine xmlns:a14="http://schemas.microsoft.com/office/drawing/2010/main" xmlns:p14="http://schemas.microsoft.com/office/powerpoint/2010/main" xmlns:a16="http://schemas.microsoft.com/office/drawing/2014/main" xmlns="" w="9525">
+                <a14:hiddenLine xmlns="" xmlns:a16="http://schemas.microsoft.com/office/drawing/2014/main" xmlns:p14="http://schemas.microsoft.com/office/powerpoint/2010/main" xmlns:a14="http://schemas.microsoft.com/office/drawing/2010/main" w="9525">
                   <a:solidFill>
                     <a:srgbClr val="000000"/>
                   </a:solidFill>
@@ -25654,7 +26071,7 @@
             </a:ln>
             <a:extLst>
               <a:ext uri="{91240B29-F687-4f45-9708-019B960494DF}">
-                <a14:hiddenLine xmlns:a14="http://schemas.microsoft.com/office/drawing/2010/main" xmlns:p14="http://schemas.microsoft.com/office/powerpoint/2010/main" xmlns:a16="http://schemas.microsoft.com/office/drawing/2014/main" xmlns="" w="9525">
+                <a14:hiddenLine xmlns="" xmlns:a16="http://schemas.microsoft.com/office/drawing/2014/main" xmlns:p14="http://schemas.microsoft.com/office/powerpoint/2010/main" xmlns:a14="http://schemas.microsoft.com/office/drawing/2010/main" w="9525">
                   <a:solidFill>
                     <a:srgbClr val="000000"/>
                   </a:solidFill>
@@ -26061,38 +26478,6 @@
           </a:p>
         </p:txBody>
       </p:sp>
-      <p:pic>
-        <p:nvPicPr>
-          <p:cNvPr id="8" name="Content Placeholder 7">
-            <a:extLst>
-              <a:ext uri="{FF2B5EF4-FFF2-40B4-BE49-F238E27FC236}">
-                <a16:creationId xmlns:a16="http://schemas.microsoft.com/office/drawing/2014/main" id="{811CB879-90FE-467E-B788-F8C1838378FD}"/>
-              </a:ext>
-              <a:ext uri="{C183D7F6-B498-43B3-948B-1728B52AA6E4}">
-                <adec:decorative xmlns:adec="http://schemas.microsoft.com/office/drawing/2017/decorative" val="1"/>
-              </a:ext>
-            </a:extLst>
-          </p:cNvPr>
-          <p:cNvPicPr>
-            <a:picLocks noGrp="1" noChangeAspect="1"/>
-          </p:cNvPicPr>
-          <p:nvPr>
-            <p:ph sz="half" idx="2"/>
-          </p:nvPr>
-        </p:nvPicPr>
-        <p:blipFill>
-          <a:blip r:embed="rId4"/>
-          <a:stretch>
-            <a:fillRect/>
-          </a:stretch>
-        </p:blipFill>
-        <p:spPr>
-          <a:xfrm>
-            <a:off x="2786504" y="2091454"/>
-            <a:ext cx="6009377" cy="4454271"/>
-          </a:xfrm>
-        </p:spPr>
-      </p:pic>
       <p:sp>
         <p:nvSpPr>
           <p:cNvPr id="5" name="Text Placeholder 4">
@@ -26115,41 +26500,6 @@
           <a:lstStyle/>
           <a:p>
             <a:endParaRPr lang="en-US"/>
-          </a:p>
-        </p:txBody>
-      </p:sp>
-      <p:sp>
-        <p:nvSpPr>
-          <p:cNvPr id="10" name="TextBox 9">
-            <a:extLst>
-              <a:ext uri="{FF2B5EF4-FFF2-40B4-BE49-F238E27FC236}">
-                <a16:creationId xmlns:a16="http://schemas.microsoft.com/office/drawing/2014/main" id="{AF8A7C77-70B1-4133-B096-BBF6F1FADB26}"/>
-              </a:ext>
-            </a:extLst>
-          </p:cNvPr>
-          <p:cNvSpPr txBox="1"/>
-          <p:nvPr/>
-        </p:nvSpPr>
-        <p:spPr>
-          <a:xfrm>
-            <a:off x="1208314" y="1722122"/>
-            <a:ext cx="4049486" cy="369332"/>
-          </a:xfrm>
-          <a:prstGeom prst="rect">
-            <a:avLst/>
-          </a:prstGeom>
-          <a:noFill/>
-        </p:spPr>
-        <p:txBody>
-          <a:bodyPr wrap="square" rtlCol="0">
-            <a:spAutoFit/>
-          </a:bodyPr>
-          <a:lstStyle/>
-          <a:p>
-            <a:r>
-              <a:rPr lang="en-US" dirty="0"/>
-              <a:t>Correlation matrix based on Spearman</a:t>
-            </a:r>
           </a:p>
         </p:txBody>
       </p:sp>
@@ -26180,18 +26530,59 @@
           <a:lstStyle/>
           <a:p>
             <a:r>
-              <a:rPr lang="en-US" dirty="0"/>
-              <a:t>plots</a:t>
-            </a:r>
+              <a:rPr lang="pl-PL" dirty="0" err="1"/>
+              <a:t>Final</a:t>
+            </a:r>
+            <a:r>
+              <a:rPr lang="pl-PL" dirty="0"/>
+              <a:t> </a:t>
+            </a:r>
+            <a:r>
+              <a:rPr lang="pl-PL" dirty="0" err="1"/>
+              <a:t>grade</a:t>
+            </a:r>
+            <a:br>
+              <a:rPr lang="pl-PL" dirty="0"/>
+            </a:br>
+            <a:endParaRPr lang="en-US" dirty="0"/>
           </a:p>
         </p:txBody>
       </p:sp>
+      <p:pic>
+        <p:nvPicPr>
+          <p:cNvPr id="13" name="Content Placeholder 12" descr="A picture containing drawing&#10;&#10;Description automatically generated">
+            <a:extLst>
+              <a:ext uri="{FF2B5EF4-FFF2-40B4-BE49-F238E27FC236}">
+                <a16:creationId xmlns:a16="http://schemas.microsoft.com/office/drawing/2014/main" id="{F66CA1F1-B3AB-4306-BFFD-D06C0905B774}"/>
+              </a:ext>
+            </a:extLst>
+          </p:cNvPr>
+          <p:cNvPicPr>
+            <a:picLocks noGrp="1" noChangeAspect="1"/>
+          </p:cNvPicPr>
+          <p:nvPr>
+            <p:ph sz="half" idx="2"/>
+          </p:nvPr>
+        </p:nvPicPr>
+        <p:blipFill>
+          <a:blip r:embed="rId4"/>
+          <a:stretch>
+            <a:fillRect/>
+          </a:stretch>
+        </p:blipFill>
+        <p:spPr>
+          <a:xfrm>
+            <a:off x="2245131" y="1487533"/>
+            <a:ext cx="7549340" cy="5370467"/>
+          </a:xfrm>
+        </p:spPr>
+      </p:pic>
       <p:sp>
         <p:nvSpPr>
           <p:cNvPr id="4" name="Content Placeholder 3">
             <a:extLst>
               <a:ext uri="{FF2B5EF4-FFF2-40B4-BE49-F238E27FC236}">
-                <a16:creationId xmlns:a16="http://schemas.microsoft.com/office/drawing/2014/main" id="{A2111F68-2AF1-4F5D-8B9E-5D48A394ED62}"/>
+                <a16:creationId xmlns:a16="http://schemas.microsoft.com/office/drawing/2014/main" id="{F82436EF-470E-4A59-89D0-5F12E3948FF1}"/>
               </a:ext>
             </a:extLst>
           </p:cNvPr>
@@ -26207,14 +26598,14 @@
           <a:bodyPr/>
           <a:lstStyle/>
           <a:p>
-            <a:endParaRPr lang="en-US"/>
+            <a:endParaRPr lang="en-US" dirty="0"/>
           </a:p>
         </p:txBody>
       </p:sp>
     </p:spTree>
     <p:extLst>
       <p:ext uri="{BB962C8B-B14F-4D97-AF65-F5344CB8AC3E}">
-        <p14:creationId xmlns:p14="http://schemas.microsoft.com/office/powerpoint/2010/main" val="1185911335"/>
+        <p14:creationId xmlns:p14="http://schemas.microsoft.com/office/powerpoint/2010/main" val="1098099396"/>
       </p:ext>
     </p:extLst>
   </p:cSld>
@@ -26295,6 +26686,38 @@
           </a:p>
         </p:txBody>
       </p:sp>
+      <p:pic>
+        <p:nvPicPr>
+          <p:cNvPr id="8" name="Content Placeholder 7">
+            <a:extLst>
+              <a:ext uri="{FF2B5EF4-FFF2-40B4-BE49-F238E27FC236}">
+                <a16:creationId xmlns:a16="http://schemas.microsoft.com/office/drawing/2014/main" id="{811CB879-90FE-467E-B788-F8C1838378FD}"/>
+              </a:ext>
+              <a:ext uri="{C183D7F6-B498-43B3-948B-1728B52AA6E4}">
+                <adec:decorative xmlns:adec="http://schemas.microsoft.com/office/drawing/2017/decorative" val="1"/>
+              </a:ext>
+            </a:extLst>
+          </p:cNvPr>
+          <p:cNvPicPr>
+            <a:picLocks noGrp="1" noChangeAspect="1"/>
+          </p:cNvPicPr>
+          <p:nvPr>
+            <p:ph sz="half" idx="2"/>
+          </p:nvPr>
+        </p:nvPicPr>
+        <p:blipFill>
+          <a:blip r:embed="rId4"/>
+          <a:stretch>
+            <a:fillRect/>
+          </a:stretch>
+        </p:blipFill>
+        <p:spPr>
+          <a:xfrm>
+            <a:off x="2786504" y="2091454"/>
+            <a:ext cx="6009377" cy="4454271"/>
+          </a:xfrm>
+        </p:spPr>
+      </p:pic>
       <p:sp>
         <p:nvSpPr>
           <p:cNvPr id="5" name="Text Placeholder 4">
@@ -26317,6 +26740,41 @@
           <a:lstStyle/>
           <a:p>
             <a:endParaRPr lang="en-US"/>
+          </a:p>
+        </p:txBody>
+      </p:sp>
+      <p:sp>
+        <p:nvSpPr>
+          <p:cNvPr id="10" name="TextBox 9">
+            <a:extLst>
+              <a:ext uri="{FF2B5EF4-FFF2-40B4-BE49-F238E27FC236}">
+                <a16:creationId xmlns:a16="http://schemas.microsoft.com/office/drawing/2014/main" id="{AF8A7C77-70B1-4133-B096-BBF6F1FADB26}"/>
+              </a:ext>
+            </a:extLst>
+          </p:cNvPr>
+          <p:cNvSpPr txBox="1"/>
+          <p:nvPr/>
+        </p:nvSpPr>
+        <p:spPr>
+          <a:xfrm>
+            <a:off x="1208314" y="1722122"/>
+            <a:ext cx="4049486" cy="369332"/>
+          </a:xfrm>
+          <a:prstGeom prst="rect">
+            <a:avLst/>
+          </a:prstGeom>
+          <a:noFill/>
+        </p:spPr>
+        <p:txBody>
+          <a:bodyPr wrap="square" rtlCol="0">
+            <a:spAutoFit/>
+          </a:bodyPr>
+          <a:lstStyle/>
+          <a:p>
+            <a:r>
+              <a:rPr lang="en-US" dirty="0"/>
+              <a:t>Correlation matrix based on Spearman</a:t>
+            </a:r>
           </a:p>
         </p:txBody>
       </p:sp>
@@ -26347,9 +26805,14 @@
           <a:lstStyle/>
           <a:p>
             <a:r>
-              <a:rPr lang="en-US" dirty="0"/>
-              <a:t>plots</a:t>
-            </a:r>
+              <a:rPr lang="pl-PL" dirty="0" err="1"/>
+              <a:t>Correlation</a:t>
+            </a:r>
+            <a:r>
+              <a:rPr lang="pl-PL" dirty="0"/>
+              <a:t> matrix</a:t>
+            </a:r>
+            <a:endParaRPr lang="en-US" dirty="0"/>
           </a:p>
         </p:txBody>
       </p:sp>
@@ -26378,65 +26841,10 @@
           </a:p>
         </p:txBody>
       </p:sp>
-      <p:sp>
-        <p:nvSpPr>
-          <p:cNvPr id="6" name="Content Placeholder 5">
-            <a:extLst>
-              <a:ext uri="{FF2B5EF4-FFF2-40B4-BE49-F238E27FC236}">
-                <a16:creationId xmlns:a16="http://schemas.microsoft.com/office/drawing/2014/main" id="{B7EF69E9-31F1-4810-A050-2DD90B672647}"/>
-              </a:ext>
-            </a:extLst>
-          </p:cNvPr>
-          <p:cNvSpPr>
-            <a:spLocks noGrp="1"/>
-          </p:cNvSpPr>
-          <p:nvPr>
-            <p:ph sz="half" idx="2"/>
-          </p:nvPr>
-        </p:nvSpPr>
-        <p:spPr/>
-        <p:txBody>
-          <a:bodyPr/>
-          <a:lstStyle/>
-          <a:p>
-            <a:endParaRPr lang="en-US"/>
-          </a:p>
-        </p:txBody>
-      </p:sp>
-      <p:pic>
-        <p:nvPicPr>
-          <p:cNvPr id="12" name="Content Placeholder 7" descr="A screen shot of a computer&#10;&#10;Description automatically generated">
-            <a:extLst>
-              <a:ext uri="{FF2B5EF4-FFF2-40B4-BE49-F238E27FC236}">
-                <a16:creationId xmlns:a16="http://schemas.microsoft.com/office/drawing/2014/main" id="{B98B2757-37FC-41A6-BAE8-07C4EEC75CB4}"/>
-              </a:ext>
-            </a:extLst>
-          </p:cNvPr>
-          <p:cNvPicPr>
-            <a:picLocks noChangeAspect="1"/>
-          </p:cNvPicPr>
-          <p:nvPr/>
-        </p:nvPicPr>
-        <p:blipFill>
-          <a:blip r:embed="rId4"/>
-          <a:stretch>
-            <a:fillRect/>
-          </a:stretch>
-        </p:blipFill>
-        <p:spPr>
-          <a:xfrm>
-            <a:off x="2054080" y="1715778"/>
-            <a:ext cx="7167038" cy="4796299"/>
-          </a:xfrm>
-          <a:prstGeom prst="rect">
-            <a:avLst/>
-          </a:prstGeom>
-        </p:spPr>
-      </p:pic>
     </p:spTree>
     <p:extLst>
       <p:ext uri="{BB962C8B-B14F-4D97-AF65-F5344CB8AC3E}">
-        <p14:creationId xmlns:p14="http://schemas.microsoft.com/office/powerpoint/2010/main" val="2035782094"/>
+        <p14:creationId xmlns:p14="http://schemas.microsoft.com/office/powerpoint/2010/main" val="1185911335"/>
       </p:ext>
     </p:extLst>
   </p:cSld>
@@ -26569,47 +26977,19 @@
           <a:lstStyle/>
           <a:p>
             <a:r>
-              <a:rPr lang="en-US" dirty="0"/>
-              <a:t>plots</a:t>
-            </a:r>
+              <a:rPr lang="pl-PL" dirty="0" err="1"/>
+              <a:t>Absences</a:t>
+            </a:r>
+            <a:endParaRPr lang="en-US" dirty="0"/>
           </a:p>
         </p:txBody>
       </p:sp>
-      <p:pic>
-        <p:nvPicPr>
-          <p:cNvPr id="13" name="Content Placeholder 12" descr="A picture containing drawing&#10;&#10;Description automatically generated">
-            <a:extLst>
-              <a:ext uri="{FF2B5EF4-FFF2-40B4-BE49-F238E27FC236}">
-                <a16:creationId xmlns:a16="http://schemas.microsoft.com/office/drawing/2014/main" id="{F66CA1F1-B3AB-4306-BFFD-D06C0905B774}"/>
-              </a:ext>
-            </a:extLst>
-          </p:cNvPr>
-          <p:cNvPicPr>
-            <a:picLocks noGrp="1" noChangeAspect="1"/>
-          </p:cNvPicPr>
-          <p:nvPr>
-            <p:ph sz="half" idx="2"/>
-          </p:nvPr>
-        </p:nvPicPr>
-        <p:blipFill>
-          <a:blip r:embed="rId4"/>
-          <a:stretch>
-            <a:fillRect/>
-          </a:stretch>
-        </p:blipFill>
-        <p:spPr>
-          <a:xfrm>
-            <a:off x="2245131" y="1487533"/>
-            <a:ext cx="7549340" cy="5370467"/>
-          </a:xfrm>
-        </p:spPr>
-      </p:pic>
       <p:sp>
         <p:nvSpPr>
           <p:cNvPr id="4" name="Content Placeholder 3">
             <a:extLst>
               <a:ext uri="{FF2B5EF4-FFF2-40B4-BE49-F238E27FC236}">
-                <a16:creationId xmlns:a16="http://schemas.microsoft.com/office/drawing/2014/main" id="{F82436EF-470E-4A59-89D0-5F12E3948FF1}"/>
+                <a16:creationId xmlns:a16="http://schemas.microsoft.com/office/drawing/2014/main" id="{A2111F68-2AF1-4F5D-8B9E-5D48A394ED62}"/>
               </a:ext>
             </a:extLst>
           </p:cNvPr>
@@ -26625,14 +27005,69 @@
           <a:bodyPr/>
           <a:lstStyle/>
           <a:p>
-            <a:endParaRPr lang="en-US" dirty="0"/>
+            <a:endParaRPr lang="en-US"/>
           </a:p>
         </p:txBody>
       </p:sp>
+      <p:sp>
+        <p:nvSpPr>
+          <p:cNvPr id="6" name="Content Placeholder 5">
+            <a:extLst>
+              <a:ext uri="{FF2B5EF4-FFF2-40B4-BE49-F238E27FC236}">
+                <a16:creationId xmlns:a16="http://schemas.microsoft.com/office/drawing/2014/main" id="{B7EF69E9-31F1-4810-A050-2DD90B672647}"/>
+              </a:ext>
+            </a:extLst>
+          </p:cNvPr>
+          <p:cNvSpPr>
+            <a:spLocks noGrp="1"/>
+          </p:cNvSpPr>
+          <p:nvPr>
+            <p:ph sz="half" idx="2"/>
+          </p:nvPr>
+        </p:nvSpPr>
+        <p:spPr/>
+        <p:txBody>
+          <a:bodyPr/>
+          <a:lstStyle/>
+          <a:p>
+            <a:endParaRPr lang="en-US"/>
+          </a:p>
+        </p:txBody>
+      </p:sp>
+      <p:pic>
+        <p:nvPicPr>
+          <p:cNvPr id="12" name="Content Placeholder 7" descr="A screen shot of a computer&#10;&#10;Description automatically generated">
+            <a:extLst>
+              <a:ext uri="{FF2B5EF4-FFF2-40B4-BE49-F238E27FC236}">
+                <a16:creationId xmlns:a16="http://schemas.microsoft.com/office/drawing/2014/main" id="{B98B2757-37FC-41A6-BAE8-07C4EEC75CB4}"/>
+              </a:ext>
+            </a:extLst>
+          </p:cNvPr>
+          <p:cNvPicPr>
+            <a:picLocks noChangeAspect="1"/>
+          </p:cNvPicPr>
+          <p:nvPr/>
+        </p:nvPicPr>
+        <p:blipFill>
+          <a:blip r:embed="rId4"/>
+          <a:stretch>
+            <a:fillRect/>
+          </a:stretch>
+        </p:blipFill>
+        <p:spPr>
+          <a:xfrm>
+            <a:off x="2054080" y="1715778"/>
+            <a:ext cx="7167038" cy="4796299"/>
+          </a:xfrm>
+          <a:prstGeom prst="rect">
+            <a:avLst/>
+          </a:prstGeom>
+        </p:spPr>
+      </p:pic>
     </p:spTree>
     <p:extLst>
       <p:ext uri="{BB962C8B-B14F-4D97-AF65-F5344CB8AC3E}">
-        <p14:creationId xmlns:p14="http://schemas.microsoft.com/office/powerpoint/2010/main" val="1098099396"/>
+        <p14:creationId xmlns:p14="http://schemas.microsoft.com/office/powerpoint/2010/main" val="2035782094"/>
       </p:ext>
     </p:extLst>
   </p:cSld>
@@ -26765,9 +27200,10 @@
           <a:lstStyle/>
           <a:p>
             <a:r>
-              <a:rPr lang="en-US" dirty="0"/>
-              <a:t>plots</a:t>
-            </a:r>
+              <a:rPr lang="pl-PL" dirty="0" err="1"/>
+              <a:t>failures</a:t>
+            </a:r>
+            <a:endParaRPr lang="en-US" dirty="0"/>
           </a:p>
         </p:txBody>
       </p:sp>
@@ -26961,9 +27397,26 @@
           <a:lstStyle/>
           <a:p>
             <a:r>
-              <a:rPr lang="en-US" dirty="0"/>
-              <a:t>plots</a:t>
-            </a:r>
+              <a:rPr lang="pl-PL" dirty="0" err="1"/>
+              <a:t>Daily</a:t>
+            </a:r>
+            <a:r>
+              <a:rPr lang="pl-PL" dirty="0"/>
+              <a:t> </a:t>
+            </a:r>
+            <a:r>
+              <a:rPr lang="pl-PL" dirty="0" err="1"/>
+              <a:t>alcohol</a:t>
+            </a:r>
+            <a:r>
+              <a:rPr lang="pl-PL" dirty="0"/>
+              <a:t> </a:t>
+            </a:r>
+            <a:r>
+              <a:rPr lang="pl-PL" dirty="0" err="1"/>
+              <a:t>consumption</a:t>
+            </a:r>
+            <a:endParaRPr lang="en-US" dirty="0"/>
           </a:p>
         </p:txBody>
       </p:sp>
@@ -27157,9 +27610,26 @@
           <a:lstStyle/>
           <a:p>
             <a:r>
-              <a:rPr lang="en-US" dirty="0"/>
-              <a:t>plots</a:t>
-            </a:r>
+              <a:rPr lang="pl-PL" dirty="0" err="1"/>
+              <a:t>Weekly</a:t>
+            </a:r>
+            <a:r>
+              <a:rPr lang="pl-PL" dirty="0"/>
+              <a:t> </a:t>
+            </a:r>
+            <a:r>
+              <a:rPr lang="pl-PL" dirty="0" err="1"/>
+              <a:t>alcohol</a:t>
+            </a:r>
+            <a:r>
+              <a:rPr lang="pl-PL" dirty="0"/>
+              <a:t> </a:t>
+            </a:r>
+            <a:r>
+              <a:rPr lang="pl-PL" dirty="0" err="1"/>
+              <a:t>consumption</a:t>
+            </a:r>
+            <a:endParaRPr lang="en-US" dirty="0"/>
           </a:p>
         </p:txBody>
       </p:sp>
@@ -27777,6 +28247,21 @@
 </file>
 
 <file path=customXml/item1.xml><?xml version="1.0" encoding="utf-8"?>
+<?mso-contentType ?>
+<FormTemplates xmlns="http://schemas.microsoft.com/sharepoint/v3/contenttype/forms">
+  <Display>DocumentLibraryForm</Display>
+  <Edit>DocumentLibraryForm</Edit>
+  <New>DocumentLibraryForm</New>
+</FormTemplates>
+</file>
+
+<file path=customXml/item2.xml><?xml version="1.0" encoding="utf-8"?>
+<p:properties xmlns:p="http://schemas.microsoft.com/office/2006/metadata/properties" xmlns:xsi="http://www.w3.org/2001/XMLSchema-instance" xmlns:pc="http://schemas.microsoft.com/office/infopath/2007/PartnerControls">
+  <documentManagement/>
+</p:properties>
+</file>
+
+<file path=customXml/item3.xml><?xml version="1.0" encoding="utf-8"?>
 <ct:contentTypeSchema xmlns:ct="http://schemas.microsoft.com/office/2006/metadata/contentType" xmlns:ma="http://schemas.microsoft.com/office/2006/metadata/properties/metaAttributes" ct:_="" ma:_="" ma:contentTypeName="Belge" ma:contentTypeID="0x0101005C4A4B657320F049AA1D633651D5A527" ma:contentTypeVersion="10" ma:contentTypeDescription="Yeni belge oluşturun." ma:contentTypeScope="" ma:versionID="54de096795585f3fc417ea0d3572c9ae">
   <xsd:schema xmlns:xsd="http://www.w3.org/2001/XMLSchema" xmlns:xs="http://www.w3.org/2001/XMLSchema" xmlns:p="http://schemas.microsoft.com/office/2006/metadata/properties" xmlns:ns3="89b73cb6-9abe-4d87-a058-9d49bc0905c0" xmlns:ns4="ad4db333-1744-4fed-9c78-0ba4714da101" targetNamespace="http://schemas.microsoft.com/office/2006/metadata/properties" ma:root="true" ma:fieldsID="01b833e0e81877041e3895ee56010d14" ns3:_="" ns4:_="">
     <xsd:import namespace="89b73cb6-9abe-4d87-a058-9d49bc0905c0"/>
@@ -27979,36 +28464,10 @@
 </ct:contentTypeSchema>
 </file>
 
-<file path=customXml/item2.xml><?xml version="1.0" encoding="utf-8"?>
-<p:properties xmlns:p="http://schemas.microsoft.com/office/2006/metadata/properties" xmlns:xsi="http://www.w3.org/2001/XMLSchema-instance" xmlns:pc="http://schemas.microsoft.com/office/infopath/2007/PartnerControls">
-  <documentManagement/>
-</p:properties>
-</file>
-
-<file path=customXml/item3.xml><?xml version="1.0" encoding="utf-8"?>
-<?mso-contentType ?>
-<FormTemplates xmlns="http://schemas.microsoft.com/sharepoint/v3/contenttype/forms">
-  <Display>DocumentLibraryForm</Display>
-  <Edit>DocumentLibraryForm</Edit>
-  <New>DocumentLibraryForm</New>
-</FormTemplates>
-</file>
-
 <file path=customXml/itemProps1.xml><?xml version="1.0" encoding="utf-8"?>
-<ds:datastoreItem xmlns:ds="http://schemas.openxmlformats.org/officeDocument/2006/customXml" ds:itemID="{E03F3BD2-A353-4363-A8F0-A07D2AB1C10E}">
+<ds:datastoreItem xmlns:ds="http://schemas.openxmlformats.org/officeDocument/2006/customXml" ds:itemID="{C476031E-55DD-49DE-8AE4-90A67FB3FE5B}">
   <ds:schemaRefs>
-    <ds:schemaRef ds:uri="http://schemas.microsoft.com/office/2006/metadata/contentType"/>
-    <ds:schemaRef ds:uri="http://schemas.microsoft.com/office/2006/metadata/properties/metaAttributes"/>
-    <ds:schemaRef ds:uri="http://www.w3.org/2001/XMLSchema"/>
-    <ds:schemaRef ds:uri="http://schemas.microsoft.com/office/2006/metadata/properties"/>
-    <ds:schemaRef ds:uri="89b73cb6-9abe-4d87-a058-9d49bc0905c0"/>
-    <ds:schemaRef ds:uri="ad4db333-1744-4fed-9c78-0ba4714da101"/>
-    <ds:schemaRef ds:uri="http://schemas.microsoft.com/office/2006/documentManagement/types"/>
-    <ds:schemaRef ds:uri="http://schemas.microsoft.com/office/infopath/2007/PartnerControls"/>
-    <ds:schemaRef ds:uri="http://schemas.openxmlformats.org/package/2006/metadata/core-properties"/>
-    <ds:schemaRef ds:uri="http://purl.org/dc/elements/1.1/"/>
-    <ds:schemaRef ds:uri="http://purl.org/dc/terms/"/>
-    <ds:schemaRef ds:uri="http://schemas.microsoft.com/internal/obd"/>
+    <ds:schemaRef ds:uri="http://schemas.microsoft.com/sharepoint/v3/contenttype/forms"/>
   </ds:schemaRefs>
 </ds:datastoreItem>
 </file>
@@ -28031,9 +28490,20 @@
 </file>
 
 <file path=customXml/itemProps3.xml><?xml version="1.0" encoding="utf-8"?>
-<ds:datastoreItem xmlns:ds="http://schemas.openxmlformats.org/officeDocument/2006/customXml" ds:itemID="{C476031E-55DD-49DE-8AE4-90A67FB3FE5B}">
+<ds:datastoreItem xmlns:ds="http://schemas.openxmlformats.org/officeDocument/2006/customXml" ds:itemID="{E03F3BD2-A353-4363-A8F0-A07D2AB1C10E}">
   <ds:schemaRefs>
-    <ds:schemaRef ds:uri="http://schemas.microsoft.com/sharepoint/v3/contenttype/forms"/>
+    <ds:schemaRef ds:uri="http://schemas.microsoft.com/office/2006/metadata/contentType"/>
+    <ds:schemaRef ds:uri="http://schemas.microsoft.com/office/2006/metadata/properties/metaAttributes"/>
+    <ds:schemaRef ds:uri="http://www.w3.org/2001/XMLSchema"/>
+    <ds:schemaRef ds:uri="http://schemas.microsoft.com/office/2006/metadata/properties"/>
+    <ds:schemaRef ds:uri="89b73cb6-9abe-4d87-a058-9d49bc0905c0"/>
+    <ds:schemaRef ds:uri="ad4db333-1744-4fed-9c78-0ba4714da101"/>
+    <ds:schemaRef ds:uri="http://schemas.microsoft.com/office/2006/documentManagement/types"/>
+    <ds:schemaRef ds:uri="http://schemas.microsoft.com/office/infopath/2007/PartnerControls"/>
+    <ds:schemaRef ds:uri="http://schemas.openxmlformats.org/package/2006/metadata/core-properties"/>
+    <ds:schemaRef ds:uri="http://purl.org/dc/elements/1.1/"/>
+    <ds:schemaRef ds:uri="http://purl.org/dc/terms/"/>
+    <ds:schemaRef ds:uri="http://schemas.microsoft.com/internal/obd"/>
   </ds:schemaRefs>
 </ds:datastoreItem>
 </file>